--- a/presentations/PowerShell_Presentation.pptx
+++ b/presentations/PowerShell_Presentation.pptx
@@ -17367,7 +17367,7 @@
           <a:p>
             <a:fld id="{19BDA5FC-5254-47F1-A3D4-8E531F3E8EF2}" type="datetimeFigureOut">
               <a:rPr lang="en-US" smtClean="0"/>
-              <a:t>3/12/2019</a:t>
+              <a:t>10/11/2019</a:t>
             </a:fld>
             <a:endParaRPr lang="en-US"/>
           </a:p>
@@ -17565,7 +17565,7 @@
           <a:p>
             <a:fld id="{19BDA5FC-5254-47F1-A3D4-8E531F3E8EF2}" type="datetimeFigureOut">
               <a:rPr lang="en-US" smtClean="0"/>
-              <a:t>3/12/2019</a:t>
+              <a:t>10/11/2019</a:t>
             </a:fld>
             <a:endParaRPr lang="en-US"/>
           </a:p>
@@ -17773,7 +17773,7 @@
           <a:p>
             <a:fld id="{19BDA5FC-5254-47F1-A3D4-8E531F3E8EF2}" type="datetimeFigureOut">
               <a:rPr lang="en-US" smtClean="0"/>
-              <a:t>3/12/2019</a:t>
+              <a:t>10/11/2019</a:t>
             </a:fld>
             <a:endParaRPr lang="en-US"/>
           </a:p>
@@ -17971,7 +17971,7 @@
           <a:p>
             <a:fld id="{19BDA5FC-5254-47F1-A3D4-8E531F3E8EF2}" type="datetimeFigureOut">
               <a:rPr lang="en-US" smtClean="0"/>
-              <a:t>3/12/2019</a:t>
+              <a:t>10/11/2019</a:t>
             </a:fld>
             <a:endParaRPr lang="en-US"/>
           </a:p>
@@ -18246,7 +18246,7 @@
           <a:p>
             <a:fld id="{19BDA5FC-5254-47F1-A3D4-8E531F3E8EF2}" type="datetimeFigureOut">
               <a:rPr lang="en-US" smtClean="0"/>
-              <a:t>3/12/2019</a:t>
+              <a:t>10/11/2019</a:t>
             </a:fld>
             <a:endParaRPr lang="en-US"/>
           </a:p>
@@ -18511,7 +18511,7 @@
           <a:p>
             <a:fld id="{19BDA5FC-5254-47F1-A3D4-8E531F3E8EF2}" type="datetimeFigureOut">
               <a:rPr lang="en-US" smtClean="0"/>
-              <a:t>3/12/2019</a:t>
+              <a:t>10/11/2019</a:t>
             </a:fld>
             <a:endParaRPr lang="en-US"/>
           </a:p>
@@ -18923,7 +18923,7 @@
           <a:p>
             <a:fld id="{19BDA5FC-5254-47F1-A3D4-8E531F3E8EF2}" type="datetimeFigureOut">
               <a:rPr lang="en-US" smtClean="0"/>
-              <a:t>3/12/2019</a:t>
+              <a:t>10/11/2019</a:t>
             </a:fld>
             <a:endParaRPr lang="en-US"/>
           </a:p>
@@ -19064,7 +19064,7 @@
           <a:p>
             <a:fld id="{19BDA5FC-5254-47F1-A3D4-8E531F3E8EF2}" type="datetimeFigureOut">
               <a:rPr lang="en-US" smtClean="0"/>
-              <a:t>3/12/2019</a:t>
+              <a:t>10/11/2019</a:t>
             </a:fld>
             <a:endParaRPr lang="en-US"/>
           </a:p>
@@ -19177,7 +19177,7 @@
           <a:p>
             <a:fld id="{19BDA5FC-5254-47F1-A3D4-8E531F3E8EF2}" type="datetimeFigureOut">
               <a:rPr lang="en-US" smtClean="0"/>
-              <a:t>3/12/2019</a:t>
+              <a:t>10/11/2019</a:t>
             </a:fld>
             <a:endParaRPr lang="en-US"/>
           </a:p>
@@ -19488,7 +19488,7 @@
           <a:p>
             <a:fld id="{19BDA5FC-5254-47F1-A3D4-8E531F3E8EF2}" type="datetimeFigureOut">
               <a:rPr lang="en-US" smtClean="0"/>
-              <a:t>3/12/2019</a:t>
+              <a:t>10/11/2019</a:t>
             </a:fld>
             <a:endParaRPr lang="en-US"/>
           </a:p>
@@ -19776,7 +19776,7 @@
           <a:p>
             <a:fld id="{19BDA5FC-5254-47F1-A3D4-8E531F3E8EF2}" type="datetimeFigureOut">
               <a:rPr lang="en-US" smtClean="0"/>
-              <a:t>3/12/2019</a:t>
+              <a:t>10/11/2019</a:t>
             </a:fld>
             <a:endParaRPr lang="en-US"/>
           </a:p>
@@ -20017,7 +20017,7 @@
           <a:p>
             <a:fld id="{19BDA5FC-5254-47F1-A3D4-8E531F3E8EF2}" type="datetimeFigureOut">
               <a:rPr lang="en-US" smtClean="0"/>
-              <a:t>3/12/2019</a:t>
+              <a:t>10/11/2019</a:t>
             </a:fld>
             <a:endParaRPr lang="en-US"/>
           </a:p>
@@ -20606,8 +20606,17 @@
           <a:p>
             <a:r>
               <a:rPr lang="en-US" sz="5800"/>
-              <a:t>Why EnergyCAP Developers should love Powershell</a:t>
+              <a:t>Why Developers </a:t>
             </a:r>
+            <a:r>
+              <a:rPr lang="en-US" sz="5800" dirty="0"/>
+              <a:t>should love </a:t>
+            </a:r>
+            <a:r>
+              <a:rPr lang="en-US" sz="5800" dirty="0" err="1"/>
+              <a:t>Powershell</a:t>
+            </a:r>
+            <a:endParaRPr lang="en-US" sz="5800" dirty="0"/>
           </a:p>
         </p:txBody>
       </p:sp>

--- a/presentations/PowerShell_Presentation.pptx
+++ b/presentations/PowerShell_Presentation.pptx
@@ -5,7 +5,7 @@
     <p:sldMasterId id="2147483648" r:id="rId1"/>
   </p:sldMasterIdLst>
   <p:notesMasterIdLst>
-    <p:notesMasterId r:id="rId17"/>
+    <p:notesMasterId r:id="rId16"/>
   </p:notesMasterIdLst>
   <p:sldIdLst>
     <p:sldId id="256" r:id="rId2"/>
@@ -20,9 +20,8 @@
     <p:sldId id="277" r:id="rId11"/>
     <p:sldId id="271" r:id="rId12"/>
     <p:sldId id="279" r:id="rId13"/>
-    <p:sldId id="265" r:id="rId14"/>
-    <p:sldId id="266" r:id="rId15"/>
-    <p:sldId id="264" r:id="rId16"/>
+    <p:sldId id="266" r:id="rId14"/>
+    <p:sldId id="264" r:id="rId15"/>
   </p:sldIdLst>
   <p:sldSz cx="12192000" cy="6858000"/>
   <p:notesSz cx="6858000" cy="9144000"/>
@@ -138,7 +137,6 @@
             <p14:sldId id="277"/>
             <p14:sldId id="271"/>
             <p14:sldId id="279"/>
-            <p14:sldId id="265"/>
             <p14:sldId id="266"/>
             <p14:sldId id="264"/>
           </p14:sldIdLst>
@@ -1694,6 +1692,925 @@
 </file>
 
 <file path=ppt/diagrams/colors3.xml><?xml version="1.0" encoding="utf-8"?>
+<dgm:colorsDef xmlns:dgm="http://schemas.openxmlformats.org/drawingml/2006/diagram" xmlns:a="http://schemas.openxmlformats.org/drawingml/2006/main" uniqueId="urn:microsoft.com/office/officeart/2005/8/colors/colorful1">
+  <dgm:title val=""/>
+  <dgm:desc val=""/>
+  <dgm:catLst>
+    <dgm:cat type="colorful" pri="10100"/>
+  </dgm:catLst>
+  <dgm:styleLbl name="node0">
+    <dgm:fillClrLst meth="repeat">
+      <a:schemeClr val="accent1"/>
+    </dgm:fillClrLst>
+    <dgm:linClrLst meth="repeat">
+      <a:schemeClr val="lt1"/>
+    </dgm:linClrLst>
+    <dgm:effectClrLst/>
+    <dgm:txLinClrLst/>
+    <dgm:txFillClrLst/>
+    <dgm:txEffectClrLst/>
+  </dgm:styleLbl>
+  <dgm:styleLbl name="node1">
+    <dgm:fillClrLst meth="repeat">
+      <a:schemeClr val="accent2"/>
+      <a:schemeClr val="accent3"/>
+      <a:schemeClr val="accent4"/>
+      <a:schemeClr val="accent5"/>
+      <a:schemeClr val="accent6"/>
+    </dgm:fillClrLst>
+    <dgm:linClrLst meth="repeat">
+      <a:schemeClr val="lt1"/>
+    </dgm:linClrLst>
+    <dgm:effectClrLst/>
+    <dgm:txLinClrLst/>
+    <dgm:txFillClrLst/>
+    <dgm:txEffectClrLst/>
+  </dgm:styleLbl>
+  <dgm:styleLbl name="alignNode1">
+    <dgm:fillClrLst meth="repeat">
+      <a:schemeClr val="accent2"/>
+      <a:schemeClr val="accent3"/>
+      <a:schemeClr val="accent4"/>
+      <a:schemeClr val="accent5"/>
+      <a:schemeClr val="accent6"/>
+    </dgm:fillClrLst>
+    <dgm:linClrLst meth="repeat">
+      <a:schemeClr val="accent2"/>
+      <a:schemeClr val="accent3"/>
+      <a:schemeClr val="accent4"/>
+      <a:schemeClr val="accent5"/>
+      <a:schemeClr val="accent6"/>
+    </dgm:linClrLst>
+    <dgm:effectClrLst/>
+    <dgm:txLinClrLst/>
+    <dgm:txFillClrLst/>
+    <dgm:txEffectClrLst/>
+  </dgm:styleLbl>
+  <dgm:styleLbl name="lnNode1">
+    <dgm:fillClrLst meth="repeat">
+      <a:schemeClr val="accent2"/>
+      <a:schemeClr val="accent3"/>
+      <a:schemeClr val="accent4"/>
+      <a:schemeClr val="accent5"/>
+      <a:schemeClr val="accent6"/>
+    </dgm:fillClrLst>
+    <dgm:linClrLst meth="repeat">
+      <a:schemeClr val="lt1"/>
+    </dgm:linClrLst>
+    <dgm:effectClrLst/>
+    <dgm:txLinClrLst/>
+    <dgm:txFillClrLst/>
+    <dgm:txEffectClrLst/>
+  </dgm:styleLbl>
+  <dgm:styleLbl name="vennNode1">
+    <dgm:fillClrLst meth="repeat">
+      <a:schemeClr val="accent2">
+        <a:alpha val="50000"/>
+      </a:schemeClr>
+      <a:schemeClr val="accent3">
+        <a:alpha val="50000"/>
+      </a:schemeClr>
+      <a:schemeClr val="accent4">
+        <a:alpha val="50000"/>
+      </a:schemeClr>
+      <a:schemeClr val="accent5">
+        <a:alpha val="50000"/>
+      </a:schemeClr>
+      <a:schemeClr val="accent6">
+        <a:alpha val="50000"/>
+      </a:schemeClr>
+    </dgm:fillClrLst>
+    <dgm:linClrLst meth="repeat">
+      <a:schemeClr val="lt1"/>
+    </dgm:linClrLst>
+    <dgm:effectClrLst/>
+    <dgm:txLinClrLst/>
+    <dgm:txFillClrLst/>
+    <dgm:txEffectClrLst/>
+  </dgm:styleLbl>
+  <dgm:styleLbl name="node2">
+    <dgm:fillClrLst>
+      <a:schemeClr val="accent2"/>
+    </dgm:fillClrLst>
+    <dgm:linClrLst meth="repeat">
+      <a:schemeClr val="lt1"/>
+    </dgm:linClrLst>
+    <dgm:effectClrLst/>
+    <dgm:txLinClrLst/>
+    <dgm:txFillClrLst/>
+    <dgm:txEffectClrLst/>
+  </dgm:styleLbl>
+  <dgm:styleLbl name="node3">
+    <dgm:fillClrLst>
+      <a:schemeClr val="accent3"/>
+    </dgm:fillClrLst>
+    <dgm:linClrLst meth="repeat">
+      <a:schemeClr val="lt1"/>
+    </dgm:linClrLst>
+    <dgm:effectClrLst/>
+    <dgm:txLinClrLst/>
+    <dgm:txFillClrLst/>
+    <dgm:txEffectClrLst/>
+  </dgm:styleLbl>
+  <dgm:styleLbl name="node4">
+    <dgm:fillClrLst>
+      <a:schemeClr val="accent4"/>
+    </dgm:fillClrLst>
+    <dgm:linClrLst meth="repeat">
+      <a:schemeClr val="lt1"/>
+    </dgm:linClrLst>
+    <dgm:effectClrLst/>
+    <dgm:txLinClrLst/>
+    <dgm:txFillClrLst/>
+    <dgm:txEffectClrLst/>
+  </dgm:styleLbl>
+  <dgm:styleLbl name="fgImgPlace1">
+    <dgm:fillClrLst meth="repeat">
+      <a:schemeClr val="accent2">
+        <a:tint val="50000"/>
+      </a:schemeClr>
+      <a:schemeClr val="accent3">
+        <a:tint val="50000"/>
+      </a:schemeClr>
+      <a:schemeClr val="accent4">
+        <a:tint val="50000"/>
+      </a:schemeClr>
+      <a:schemeClr val="accent5">
+        <a:tint val="50000"/>
+      </a:schemeClr>
+      <a:schemeClr val="accent6">
+        <a:tint val="50000"/>
+      </a:schemeClr>
+    </dgm:fillClrLst>
+    <dgm:linClrLst meth="repeat">
+      <a:schemeClr val="lt1"/>
+    </dgm:linClrLst>
+    <dgm:effectClrLst/>
+    <dgm:txLinClrLst/>
+    <dgm:txFillClrLst meth="repeat">
+      <a:schemeClr val="lt1"/>
+    </dgm:txFillClrLst>
+    <dgm:txEffectClrLst/>
+  </dgm:styleLbl>
+  <dgm:styleLbl name="alignImgPlace1">
+    <dgm:fillClrLst>
+      <a:schemeClr val="accent1">
+        <a:tint val="50000"/>
+      </a:schemeClr>
+      <a:schemeClr val="accent2">
+        <a:tint val="20000"/>
+      </a:schemeClr>
+    </dgm:fillClrLst>
+    <dgm:linClrLst meth="repeat">
+      <a:schemeClr val="lt1"/>
+    </dgm:linClrLst>
+    <dgm:effectClrLst/>
+    <dgm:txLinClrLst/>
+    <dgm:txFillClrLst meth="repeat">
+      <a:schemeClr val="lt1"/>
+    </dgm:txFillClrLst>
+    <dgm:txEffectClrLst/>
+  </dgm:styleLbl>
+  <dgm:styleLbl name="bgImgPlace1">
+    <dgm:fillClrLst>
+      <a:schemeClr val="accent1">
+        <a:tint val="50000"/>
+      </a:schemeClr>
+      <a:schemeClr val="accent2">
+        <a:tint val="20000"/>
+      </a:schemeClr>
+    </dgm:fillClrLst>
+    <dgm:linClrLst meth="repeat">
+      <a:schemeClr val="lt1"/>
+    </dgm:linClrLst>
+    <dgm:effectClrLst/>
+    <dgm:txLinClrLst/>
+    <dgm:txFillClrLst meth="repeat">
+      <a:schemeClr val="lt1"/>
+    </dgm:txFillClrLst>
+    <dgm:txEffectClrLst/>
+  </dgm:styleLbl>
+  <dgm:styleLbl name="sibTrans2D1">
+    <dgm:fillClrLst meth="repeat">
+      <a:schemeClr val="accent2"/>
+      <a:schemeClr val="accent3"/>
+      <a:schemeClr val="accent4"/>
+      <a:schemeClr val="accent5"/>
+      <a:schemeClr val="accent6"/>
+    </dgm:fillClrLst>
+    <dgm:linClrLst meth="cycle">
+      <a:schemeClr val="lt1"/>
+    </dgm:linClrLst>
+    <dgm:effectClrLst/>
+    <dgm:txLinClrLst/>
+    <dgm:txFillClrLst/>
+    <dgm:txEffectClrLst/>
+  </dgm:styleLbl>
+  <dgm:styleLbl name="fgSibTrans2D1">
+    <dgm:fillClrLst meth="repeat">
+      <a:schemeClr val="accent2"/>
+      <a:schemeClr val="accent3"/>
+      <a:schemeClr val="accent4"/>
+      <a:schemeClr val="accent5"/>
+      <a:schemeClr val="accent6"/>
+    </dgm:fillClrLst>
+    <dgm:linClrLst meth="cycle">
+      <a:schemeClr val="lt1"/>
+    </dgm:linClrLst>
+    <dgm:effectClrLst/>
+    <dgm:txLinClrLst/>
+    <dgm:txFillClrLst meth="repeat">
+      <a:schemeClr val="lt1"/>
+    </dgm:txFillClrLst>
+    <dgm:txEffectClrLst/>
+  </dgm:styleLbl>
+  <dgm:styleLbl name="bgSibTrans2D1">
+    <dgm:fillClrLst meth="repeat">
+      <a:schemeClr val="accent2"/>
+      <a:schemeClr val="accent3"/>
+      <a:schemeClr val="accent4"/>
+      <a:schemeClr val="accent5"/>
+      <a:schemeClr val="accent6"/>
+    </dgm:fillClrLst>
+    <dgm:linClrLst meth="cycle">
+      <a:schemeClr val="lt1"/>
+    </dgm:linClrLst>
+    <dgm:effectClrLst/>
+    <dgm:txLinClrLst/>
+    <dgm:txFillClrLst meth="repeat">
+      <a:schemeClr val="lt1"/>
+    </dgm:txFillClrLst>
+    <dgm:txEffectClrLst/>
+  </dgm:styleLbl>
+  <dgm:styleLbl name="sibTrans1D1">
+    <dgm:fillClrLst meth="repeat">
+      <a:schemeClr val="accent2"/>
+      <a:schemeClr val="accent3"/>
+      <a:schemeClr val="accent4"/>
+      <a:schemeClr val="accent5"/>
+      <a:schemeClr val="accent6"/>
+    </dgm:fillClrLst>
+    <dgm:linClrLst meth="repeat">
+      <a:schemeClr val="accent2"/>
+      <a:schemeClr val="accent3"/>
+      <a:schemeClr val="accent4"/>
+      <a:schemeClr val="accent5"/>
+      <a:schemeClr val="accent6"/>
+    </dgm:linClrLst>
+    <dgm:effectClrLst/>
+    <dgm:txLinClrLst/>
+    <dgm:txFillClrLst meth="repeat">
+      <a:schemeClr val="tx1"/>
+    </dgm:txFillClrLst>
+    <dgm:txEffectClrLst/>
+  </dgm:styleLbl>
+  <dgm:styleLbl name="callout">
+    <dgm:fillClrLst meth="repeat">
+      <a:schemeClr val="accent2"/>
+    </dgm:fillClrLst>
+    <dgm:linClrLst meth="repeat">
+      <a:schemeClr val="accent2">
+        <a:tint val="50000"/>
+      </a:schemeClr>
+    </dgm:linClrLst>
+    <dgm:effectClrLst/>
+    <dgm:txLinClrLst/>
+    <dgm:txFillClrLst meth="repeat">
+      <a:schemeClr val="tx1"/>
+    </dgm:txFillClrLst>
+    <dgm:txEffectClrLst/>
+  </dgm:styleLbl>
+  <dgm:styleLbl name="asst0">
+    <dgm:fillClrLst meth="repeat">
+      <a:schemeClr val="accent1"/>
+    </dgm:fillClrLst>
+    <dgm:linClrLst meth="repeat">
+      <a:schemeClr val="lt1"/>
+    </dgm:linClrLst>
+    <dgm:effectClrLst/>
+    <dgm:txLinClrLst/>
+    <dgm:txFillClrLst/>
+    <dgm:txEffectClrLst/>
+  </dgm:styleLbl>
+  <dgm:styleLbl name="asst1">
+    <dgm:fillClrLst meth="repeat">
+      <a:schemeClr val="accent2"/>
+    </dgm:fillClrLst>
+    <dgm:linClrLst meth="repeat">
+      <a:schemeClr val="lt1"/>
+    </dgm:linClrLst>
+    <dgm:effectClrLst/>
+    <dgm:txLinClrLst/>
+    <dgm:txFillClrLst/>
+    <dgm:txEffectClrLst/>
+  </dgm:styleLbl>
+  <dgm:styleLbl name="asst2">
+    <dgm:fillClrLst>
+      <a:schemeClr val="accent3"/>
+    </dgm:fillClrLst>
+    <dgm:linClrLst meth="repeat">
+      <a:schemeClr val="lt1"/>
+    </dgm:linClrLst>
+    <dgm:effectClrLst/>
+    <dgm:txLinClrLst/>
+    <dgm:txFillClrLst/>
+    <dgm:txEffectClrLst/>
+  </dgm:styleLbl>
+  <dgm:styleLbl name="asst3">
+    <dgm:fillClrLst>
+      <a:schemeClr val="accent4"/>
+    </dgm:fillClrLst>
+    <dgm:linClrLst meth="repeat">
+      <a:schemeClr val="lt1"/>
+    </dgm:linClrLst>
+    <dgm:effectClrLst/>
+    <dgm:txLinClrLst/>
+    <dgm:txFillClrLst/>
+    <dgm:txEffectClrLst/>
+  </dgm:styleLbl>
+  <dgm:styleLbl name="asst4">
+    <dgm:fillClrLst>
+      <a:schemeClr val="accent5"/>
+    </dgm:fillClrLst>
+    <dgm:linClrLst meth="repeat">
+      <a:schemeClr val="lt1"/>
+    </dgm:linClrLst>
+    <dgm:effectClrLst/>
+    <dgm:txLinClrLst/>
+    <dgm:txFillClrLst/>
+    <dgm:txEffectClrLst/>
+  </dgm:styleLbl>
+  <dgm:styleLbl name="parChTrans2D1">
+    <dgm:fillClrLst meth="repeat">
+      <a:schemeClr val="accent2"/>
+    </dgm:fillClrLst>
+    <dgm:linClrLst meth="repeat">
+      <a:schemeClr val="lt1"/>
+    </dgm:linClrLst>
+    <dgm:effectClrLst/>
+    <dgm:txLinClrLst/>
+    <dgm:txFillClrLst meth="repeat">
+      <a:schemeClr val="lt1"/>
+    </dgm:txFillClrLst>
+    <dgm:txEffectClrLst/>
+  </dgm:styleLbl>
+  <dgm:styleLbl name="parChTrans2D2">
+    <dgm:fillClrLst meth="repeat">
+      <a:schemeClr val="accent3"/>
+    </dgm:fillClrLst>
+    <dgm:linClrLst meth="repeat">
+      <a:schemeClr val="lt1"/>
+    </dgm:linClrLst>
+    <dgm:effectClrLst/>
+    <dgm:txLinClrLst/>
+    <dgm:txFillClrLst/>
+    <dgm:txEffectClrLst/>
+  </dgm:styleLbl>
+  <dgm:styleLbl name="parChTrans2D3">
+    <dgm:fillClrLst meth="repeat">
+      <a:schemeClr val="accent4"/>
+    </dgm:fillClrLst>
+    <dgm:linClrLst meth="repeat">
+      <a:schemeClr val="lt1"/>
+    </dgm:linClrLst>
+    <dgm:effectClrLst/>
+    <dgm:txLinClrLst/>
+    <dgm:txFillClrLst/>
+    <dgm:txEffectClrLst/>
+  </dgm:styleLbl>
+  <dgm:styleLbl name="parChTrans2D4">
+    <dgm:fillClrLst meth="repeat">
+      <a:schemeClr val="accent5"/>
+    </dgm:fillClrLst>
+    <dgm:linClrLst meth="repeat">
+      <a:schemeClr val="lt1"/>
+    </dgm:linClrLst>
+    <dgm:effectClrLst/>
+    <dgm:txLinClrLst/>
+    <dgm:txFillClrLst meth="repeat">
+      <a:schemeClr val="lt1"/>
+    </dgm:txFillClrLst>
+    <dgm:txEffectClrLst/>
+  </dgm:styleLbl>
+  <dgm:styleLbl name="parChTrans1D1">
+    <dgm:fillClrLst meth="repeat">
+      <a:schemeClr val="accent2"/>
+    </dgm:fillClrLst>
+    <dgm:linClrLst meth="repeat">
+      <a:schemeClr val="accent1"/>
+    </dgm:linClrLst>
+    <dgm:effectClrLst/>
+    <dgm:txLinClrLst/>
+    <dgm:txFillClrLst meth="repeat">
+      <a:schemeClr val="tx1"/>
+    </dgm:txFillClrLst>
+    <dgm:txEffectClrLst/>
+  </dgm:styleLbl>
+  <dgm:styleLbl name="parChTrans1D2">
+    <dgm:fillClrLst meth="repeat">
+      <a:schemeClr val="accent3">
+        <a:tint val="90000"/>
+      </a:schemeClr>
+    </dgm:fillClrLst>
+    <dgm:linClrLst meth="repeat">
+      <a:schemeClr val="accent2"/>
+    </dgm:linClrLst>
+    <dgm:effectClrLst/>
+    <dgm:txLinClrLst/>
+    <dgm:txFillClrLst meth="repeat">
+      <a:schemeClr val="tx1"/>
+    </dgm:txFillClrLst>
+    <dgm:txEffectClrLst/>
+  </dgm:styleLbl>
+  <dgm:styleLbl name="parChTrans1D3">
+    <dgm:fillClrLst meth="repeat">
+      <a:schemeClr val="accent4">
+        <a:tint val="70000"/>
+      </a:schemeClr>
+    </dgm:fillClrLst>
+    <dgm:linClrLst meth="repeat">
+      <a:schemeClr val="accent3"/>
+    </dgm:linClrLst>
+    <dgm:effectClrLst/>
+    <dgm:txLinClrLst/>
+    <dgm:txFillClrLst meth="repeat">
+      <a:schemeClr val="tx1"/>
+    </dgm:txFillClrLst>
+    <dgm:txEffectClrLst/>
+  </dgm:styleLbl>
+  <dgm:styleLbl name="parChTrans1D4">
+    <dgm:fillClrLst meth="repeat">
+      <a:schemeClr val="accent5">
+        <a:tint val="50000"/>
+      </a:schemeClr>
+    </dgm:fillClrLst>
+    <dgm:linClrLst meth="repeat">
+      <a:schemeClr val="accent4"/>
+    </dgm:linClrLst>
+    <dgm:effectClrLst/>
+    <dgm:txLinClrLst/>
+    <dgm:txFillClrLst meth="repeat">
+      <a:schemeClr val="tx1"/>
+    </dgm:txFillClrLst>
+    <dgm:txEffectClrLst/>
+  </dgm:styleLbl>
+  <dgm:styleLbl name="fgAcc1">
+    <dgm:fillClrLst meth="repeat">
+      <a:schemeClr val="lt1">
+        <a:alpha val="90000"/>
+      </a:schemeClr>
+    </dgm:fillClrLst>
+    <dgm:linClrLst meth="repeat">
+      <a:schemeClr val="accent2"/>
+      <a:schemeClr val="accent3"/>
+      <a:schemeClr val="accent4"/>
+      <a:schemeClr val="accent5"/>
+      <a:schemeClr val="accent6"/>
+    </dgm:linClrLst>
+    <dgm:effectClrLst/>
+    <dgm:txLinClrLst/>
+    <dgm:txFillClrLst meth="repeat">
+      <a:schemeClr val="dk1"/>
+    </dgm:txFillClrLst>
+    <dgm:txEffectClrLst/>
+  </dgm:styleLbl>
+  <dgm:styleLbl name="conFgAcc1">
+    <dgm:fillClrLst meth="repeat">
+      <a:schemeClr val="lt1">
+        <a:alpha val="90000"/>
+      </a:schemeClr>
+    </dgm:fillClrLst>
+    <dgm:linClrLst meth="repeat">
+      <a:schemeClr val="accent2"/>
+      <a:schemeClr val="accent3"/>
+      <a:schemeClr val="accent4"/>
+      <a:schemeClr val="accent5"/>
+      <a:schemeClr val="accent6"/>
+    </dgm:linClrLst>
+    <dgm:effectClrLst/>
+    <dgm:txLinClrLst/>
+    <dgm:txFillClrLst meth="repeat">
+      <a:schemeClr val="dk1"/>
+    </dgm:txFillClrLst>
+    <dgm:txEffectClrLst/>
+  </dgm:styleLbl>
+  <dgm:styleLbl name="alignAcc1">
+    <dgm:fillClrLst meth="repeat">
+      <a:schemeClr val="lt1">
+        <a:alpha val="90000"/>
+      </a:schemeClr>
+    </dgm:fillClrLst>
+    <dgm:linClrLst meth="repeat">
+      <a:schemeClr val="accent2"/>
+      <a:schemeClr val="accent3"/>
+      <a:schemeClr val="accent4"/>
+      <a:schemeClr val="accent5"/>
+      <a:schemeClr val="accent6"/>
+    </dgm:linClrLst>
+    <dgm:effectClrLst/>
+    <dgm:txLinClrLst/>
+    <dgm:txFillClrLst meth="repeat">
+      <a:schemeClr val="dk1"/>
+    </dgm:txFillClrLst>
+    <dgm:txEffectClrLst/>
+  </dgm:styleLbl>
+  <dgm:styleLbl name="trAlignAcc1">
+    <dgm:fillClrLst meth="repeat">
+      <a:schemeClr val="lt1">
+        <a:alpha val="40000"/>
+      </a:schemeClr>
+    </dgm:fillClrLst>
+    <dgm:linClrLst meth="repeat">
+      <a:schemeClr val="accent1"/>
+    </dgm:linClrLst>
+    <dgm:effectClrLst/>
+    <dgm:txLinClrLst/>
+    <dgm:txFillClrLst meth="repeat">
+      <a:schemeClr val="dk1"/>
+    </dgm:txFillClrLst>
+    <dgm:txEffectClrLst/>
+  </dgm:styleLbl>
+  <dgm:styleLbl name="bgAcc1">
+    <dgm:fillClrLst meth="repeat">
+      <a:schemeClr val="lt1">
+        <a:alpha val="90000"/>
+      </a:schemeClr>
+    </dgm:fillClrLst>
+    <dgm:linClrLst meth="repeat">
+      <a:schemeClr val="accent2"/>
+      <a:schemeClr val="accent3"/>
+      <a:schemeClr val="accent4"/>
+      <a:schemeClr val="accent5"/>
+      <a:schemeClr val="accent6"/>
+    </dgm:linClrLst>
+    <dgm:effectClrLst/>
+    <dgm:txLinClrLst/>
+    <dgm:txFillClrLst meth="repeat">
+      <a:schemeClr val="dk1"/>
+    </dgm:txFillClrLst>
+    <dgm:txEffectClrLst/>
+  </dgm:styleLbl>
+  <dgm:styleLbl name="solidFgAcc1">
+    <dgm:fillClrLst meth="repeat">
+      <a:schemeClr val="lt1"/>
+    </dgm:fillClrLst>
+    <dgm:linClrLst meth="repeat">
+      <a:schemeClr val="accent2"/>
+      <a:schemeClr val="accent3"/>
+      <a:schemeClr val="accent4"/>
+      <a:schemeClr val="accent5"/>
+      <a:schemeClr val="accent6"/>
+    </dgm:linClrLst>
+    <dgm:effectClrLst/>
+    <dgm:txLinClrLst/>
+    <dgm:txFillClrLst meth="repeat">
+      <a:schemeClr val="dk1"/>
+    </dgm:txFillClrLst>
+    <dgm:txEffectClrLst/>
+  </dgm:styleLbl>
+  <dgm:styleLbl name="solidAlignAcc1">
+    <dgm:fillClrLst meth="repeat">
+      <a:schemeClr val="lt1"/>
+    </dgm:fillClrLst>
+    <dgm:linClrLst meth="repeat">
+      <a:schemeClr val="accent2"/>
+      <a:schemeClr val="accent3"/>
+      <a:schemeClr val="accent4"/>
+      <a:schemeClr val="accent5"/>
+      <a:schemeClr val="accent6"/>
+    </dgm:linClrLst>
+    <dgm:effectClrLst/>
+    <dgm:txLinClrLst/>
+    <dgm:txFillClrLst meth="repeat">
+      <a:schemeClr val="dk1"/>
+    </dgm:txFillClrLst>
+    <dgm:txEffectClrLst/>
+  </dgm:styleLbl>
+  <dgm:styleLbl name="solidBgAcc1">
+    <dgm:fillClrLst meth="repeat">
+      <a:schemeClr val="lt1"/>
+    </dgm:fillClrLst>
+    <dgm:linClrLst meth="repeat">
+      <a:schemeClr val="accent2"/>
+      <a:schemeClr val="accent3"/>
+      <a:schemeClr val="accent4"/>
+      <a:schemeClr val="accent5"/>
+      <a:schemeClr val="accent6"/>
+    </dgm:linClrLst>
+    <dgm:effectClrLst/>
+    <dgm:txLinClrLst/>
+    <dgm:txFillClrLst meth="repeat">
+      <a:schemeClr val="dk1"/>
+    </dgm:txFillClrLst>
+    <dgm:txEffectClrLst/>
+  </dgm:styleLbl>
+  <dgm:styleLbl name="fgAccFollowNode1">
+    <dgm:fillClrLst meth="repeat">
+      <a:schemeClr val="accent2">
+        <a:tint val="40000"/>
+        <a:alpha val="90000"/>
+      </a:schemeClr>
+      <a:schemeClr val="accent3">
+        <a:tint val="40000"/>
+        <a:alpha val="90000"/>
+      </a:schemeClr>
+      <a:schemeClr val="accent4">
+        <a:tint val="40000"/>
+        <a:alpha val="90000"/>
+      </a:schemeClr>
+      <a:schemeClr val="accent5">
+        <a:tint val="40000"/>
+        <a:alpha val="90000"/>
+      </a:schemeClr>
+      <a:schemeClr val="accent6">
+        <a:tint val="40000"/>
+        <a:alpha val="90000"/>
+      </a:schemeClr>
+    </dgm:fillClrLst>
+    <dgm:linClrLst meth="repeat">
+      <a:schemeClr val="accent2">
+        <a:tint val="40000"/>
+        <a:alpha val="90000"/>
+      </a:schemeClr>
+      <a:schemeClr val="accent3">
+        <a:tint val="40000"/>
+        <a:alpha val="90000"/>
+      </a:schemeClr>
+      <a:schemeClr val="accent4">
+        <a:tint val="40000"/>
+        <a:alpha val="90000"/>
+      </a:schemeClr>
+      <a:schemeClr val="accent5">
+        <a:tint val="40000"/>
+        <a:alpha val="90000"/>
+      </a:schemeClr>
+      <a:schemeClr val="accent6">
+        <a:tint val="40000"/>
+        <a:alpha val="90000"/>
+      </a:schemeClr>
+    </dgm:linClrLst>
+    <dgm:effectClrLst/>
+    <dgm:txLinClrLst/>
+    <dgm:txFillClrLst meth="repeat">
+      <a:schemeClr val="dk1"/>
+    </dgm:txFillClrLst>
+    <dgm:txEffectClrLst/>
+  </dgm:styleLbl>
+  <dgm:styleLbl name="alignAccFollowNode1">
+    <dgm:fillClrLst meth="repeat">
+      <a:schemeClr val="accent2">
+        <a:tint val="40000"/>
+        <a:alpha val="90000"/>
+      </a:schemeClr>
+      <a:schemeClr val="accent3">
+        <a:tint val="40000"/>
+        <a:alpha val="90000"/>
+      </a:schemeClr>
+      <a:schemeClr val="accent4">
+        <a:tint val="40000"/>
+        <a:alpha val="90000"/>
+      </a:schemeClr>
+      <a:schemeClr val="accent5">
+        <a:tint val="40000"/>
+        <a:alpha val="90000"/>
+      </a:schemeClr>
+      <a:schemeClr val="accent6">
+        <a:tint val="40000"/>
+        <a:alpha val="90000"/>
+      </a:schemeClr>
+    </dgm:fillClrLst>
+    <dgm:linClrLst meth="repeat">
+      <a:schemeClr val="accent2">
+        <a:tint val="40000"/>
+        <a:alpha val="90000"/>
+      </a:schemeClr>
+      <a:schemeClr val="accent3">
+        <a:tint val="40000"/>
+        <a:alpha val="90000"/>
+      </a:schemeClr>
+      <a:schemeClr val="accent4">
+        <a:tint val="40000"/>
+        <a:alpha val="90000"/>
+      </a:schemeClr>
+      <a:schemeClr val="accent5">
+        <a:tint val="40000"/>
+        <a:alpha val="90000"/>
+      </a:schemeClr>
+      <a:schemeClr val="accent6">
+        <a:tint val="40000"/>
+        <a:alpha val="90000"/>
+      </a:schemeClr>
+    </dgm:linClrLst>
+    <dgm:effectClrLst/>
+    <dgm:txLinClrLst/>
+    <dgm:txFillClrLst meth="repeat">
+      <a:schemeClr val="dk1"/>
+    </dgm:txFillClrLst>
+    <dgm:txEffectClrLst/>
+  </dgm:styleLbl>
+  <dgm:styleLbl name="bgAccFollowNode1">
+    <dgm:fillClrLst meth="repeat">
+      <a:schemeClr val="accent2">
+        <a:tint val="40000"/>
+        <a:alpha val="90000"/>
+      </a:schemeClr>
+      <a:schemeClr val="accent3">
+        <a:tint val="40000"/>
+        <a:alpha val="90000"/>
+      </a:schemeClr>
+      <a:schemeClr val="accent4">
+        <a:tint val="40000"/>
+        <a:alpha val="90000"/>
+      </a:schemeClr>
+      <a:schemeClr val="accent5">
+        <a:tint val="40000"/>
+        <a:alpha val="90000"/>
+      </a:schemeClr>
+      <a:schemeClr val="accent6">
+        <a:tint val="40000"/>
+        <a:alpha val="90000"/>
+      </a:schemeClr>
+    </dgm:fillClrLst>
+    <dgm:linClrLst meth="repeat">
+      <a:schemeClr val="accent2">
+        <a:tint val="40000"/>
+        <a:alpha val="90000"/>
+      </a:schemeClr>
+      <a:schemeClr val="accent3">
+        <a:tint val="40000"/>
+        <a:alpha val="90000"/>
+      </a:schemeClr>
+      <a:schemeClr val="accent4">
+        <a:tint val="40000"/>
+        <a:alpha val="90000"/>
+      </a:schemeClr>
+      <a:schemeClr val="accent5">
+        <a:tint val="40000"/>
+        <a:alpha val="90000"/>
+      </a:schemeClr>
+      <a:schemeClr val="accent6">
+        <a:tint val="40000"/>
+        <a:alpha val="90000"/>
+      </a:schemeClr>
+    </dgm:linClrLst>
+    <dgm:effectClrLst/>
+    <dgm:txLinClrLst/>
+    <dgm:txFillClrLst meth="repeat">
+      <a:schemeClr val="dk1"/>
+    </dgm:txFillClrLst>
+    <dgm:txEffectClrLst/>
+  </dgm:styleLbl>
+  <dgm:styleLbl name="fgAcc0">
+    <dgm:fillClrLst meth="repeat">
+      <a:schemeClr val="lt1">
+        <a:alpha val="90000"/>
+      </a:schemeClr>
+    </dgm:fillClrLst>
+    <dgm:linClrLst>
+      <a:schemeClr val="accent1"/>
+    </dgm:linClrLst>
+    <dgm:effectClrLst/>
+    <dgm:txLinClrLst/>
+    <dgm:txFillClrLst meth="repeat">
+      <a:schemeClr val="dk1"/>
+    </dgm:txFillClrLst>
+    <dgm:txEffectClrLst/>
+  </dgm:styleLbl>
+  <dgm:styleLbl name="fgAcc2">
+    <dgm:fillClrLst meth="repeat">
+      <a:schemeClr val="lt1">
+        <a:alpha val="90000"/>
+      </a:schemeClr>
+    </dgm:fillClrLst>
+    <dgm:linClrLst>
+      <a:schemeClr val="accent2"/>
+    </dgm:linClrLst>
+    <dgm:effectClrLst/>
+    <dgm:txLinClrLst/>
+    <dgm:txFillClrLst meth="repeat">
+      <a:schemeClr val="dk1"/>
+    </dgm:txFillClrLst>
+    <dgm:txEffectClrLst/>
+  </dgm:styleLbl>
+  <dgm:styleLbl name="fgAcc3">
+    <dgm:fillClrLst meth="repeat">
+      <a:schemeClr val="lt1">
+        <a:alpha val="90000"/>
+      </a:schemeClr>
+    </dgm:fillClrLst>
+    <dgm:linClrLst>
+      <a:schemeClr val="accent3"/>
+    </dgm:linClrLst>
+    <dgm:effectClrLst/>
+    <dgm:txLinClrLst/>
+    <dgm:txFillClrLst meth="repeat">
+      <a:schemeClr val="dk1"/>
+    </dgm:txFillClrLst>
+    <dgm:txEffectClrLst/>
+  </dgm:styleLbl>
+  <dgm:styleLbl name="fgAcc4">
+    <dgm:fillClrLst meth="repeat">
+      <a:schemeClr val="lt1">
+        <a:alpha val="90000"/>
+      </a:schemeClr>
+    </dgm:fillClrLst>
+    <dgm:linClrLst>
+      <a:schemeClr val="accent4"/>
+    </dgm:linClrLst>
+    <dgm:effectClrLst/>
+    <dgm:txLinClrLst/>
+    <dgm:txFillClrLst meth="repeat">
+      <a:schemeClr val="dk1"/>
+    </dgm:txFillClrLst>
+    <dgm:txEffectClrLst/>
+  </dgm:styleLbl>
+  <dgm:styleLbl name="bgShp">
+    <dgm:fillClrLst meth="repeat">
+      <a:schemeClr val="accent2">
+        <a:tint val="40000"/>
+      </a:schemeClr>
+    </dgm:fillClrLst>
+    <dgm:linClrLst meth="repeat">
+      <a:schemeClr val="dk1"/>
+    </dgm:linClrLst>
+    <dgm:effectClrLst/>
+    <dgm:txLinClrLst/>
+    <dgm:txFillClrLst meth="repeat">
+      <a:schemeClr val="dk1"/>
+    </dgm:txFillClrLst>
+    <dgm:txEffectClrLst/>
+  </dgm:styleLbl>
+  <dgm:styleLbl name="dkBgShp">
+    <dgm:fillClrLst meth="repeat">
+      <a:schemeClr val="accent2">
+        <a:shade val="90000"/>
+      </a:schemeClr>
+    </dgm:fillClrLst>
+    <dgm:linClrLst meth="repeat">
+      <a:schemeClr val="dk1"/>
+    </dgm:linClrLst>
+    <dgm:effectClrLst/>
+    <dgm:txLinClrLst/>
+    <dgm:txFillClrLst meth="repeat">
+      <a:schemeClr val="lt1"/>
+    </dgm:txFillClrLst>
+    <dgm:txEffectClrLst/>
+  </dgm:styleLbl>
+  <dgm:styleLbl name="trBgShp">
+    <dgm:fillClrLst meth="repeat">
+      <a:schemeClr val="accent1">
+        <a:tint val="50000"/>
+        <a:alpha val="40000"/>
+      </a:schemeClr>
+    </dgm:fillClrLst>
+    <dgm:linClrLst meth="repeat">
+      <a:schemeClr val="accent2"/>
+    </dgm:linClrLst>
+    <dgm:effectClrLst/>
+    <dgm:txLinClrLst/>
+    <dgm:txFillClrLst meth="repeat">
+      <a:schemeClr val="lt1"/>
+    </dgm:txFillClrLst>
+    <dgm:txEffectClrLst/>
+  </dgm:styleLbl>
+  <dgm:styleLbl name="fgShp">
+    <dgm:fillClrLst meth="repeat">
+      <a:schemeClr val="accent2">
+        <a:tint val="40000"/>
+      </a:schemeClr>
+    </dgm:fillClrLst>
+    <dgm:linClrLst meth="repeat">
+      <a:schemeClr val="lt1"/>
+    </dgm:linClrLst>
+    <dgm:effectClrLst/>
+    <dgm:txLinClrLst/>
+    <dgm:txFillClrLst meth="repeat">
+      <a:schemeClr val="dk1"/>
+    </dgm:txFillClrLst>
+    <dgm:txEffectClrLst/>
+  </dgm:styleLbl>
+  <dgm:styleLbl name="revTx">
+    <dgm:fillClrLst meth="repeat">
+      <a:schemeClr val="lt1">
+        <a:alpha val="0"/>
+      </a:schemeClr>
+    </dgm:fillClrLst>
+    <dgm:linClrLst meth="repeat">
+      <a:schemeClr val="dk1">
+        <a:alpha val="0"/>
+      </a:schemeClr>
+    </dgm:linClrLst>
+    <dgm:effectClrLst/>
+    <dgm:txLinClrLst/>
+    <dgm:txFillClrLst meth="repeat">
+      <a:schemeClr val="tx1"/>
+    </dgm:txFillClrLst>
+    <dgm:txEffectClrLst/>
+  </dgm:styleLbl>
+</dgm:colorsDef>
+</file>
+
+<file path=ppt/diagrams/colors4.xml><?xml version="1.0" encoding="utf-8"?>
 <dgm:colorsDef xmlns:dgm="http://schemas.openxmlformats.org/drawingml/2006/diagram" xmlns:a="http://schemas.openxmlformats.org/drawingml/2006/main" uniqueId="urn:microsoft.com/office/officeart/2005/8/colors/accent1_2">
   <dgm:title val=""/>
   <dgm:desc val=""/>
@@ -2406,753 +3323,6 @@
   <dgm:styleLbl name="fgShp">
     <dgm:fillClrLst meth="repeat">
       <a:schemeClr val="accent1">
-        <a:tint val="60000"/>
-      </a:schemeClr>
-    </dgm:fillClrLst>
-    <dgm:linClrLst meth="repeat">
-      <a:schemeClr val="lt1"/>
-    </dgm:linClrLst>
-    <dgm:effectClrLst/>
-    <dgm:txLinClrLst/>
-    <dgm:txFillClrLst meth="repeat">
-      <a:schemeClr val="dk1"/>
-    </dgm:txFillClrLst>
-    <dgm:txEffectClrLst/>
-  </dgm:styleLbl>
-  <dgm:styleLbl name="revTx">
-    <dgm:fillClrLst meth="repeat">
-      <a:schemeClr val="lt1">
-        <a:alpha val="0"/>
-      </a:schemeClr>
-    </dgm:fillClrLst>
-    <dgm:linClrLst meth="repeat">
-      <a:schemeClr val="dk1">
-        <a:alpha val="0"/>
-      </a:schemeClr>
-    </dgm:linClrLst>
-    <dgm:effectClrLst/>
-    <dgm:txLinClrLst/>
-    <dgm:txFillClrLst meth="repeat">
-      <a:schemeClr val="tx1"/>
-    </dgm:txFillClrLst>
-    <dgm:txEffectClrLst/>
-  </dgm:styleLbl>
-</dgm:colorsDef>
-</file>
-
-<file path=ppt/diagrams/colors4.xml><?xml version="1.0" encoding="utf-8"?>
-<dgm:colorsDef xmlns:dgm="http://schemas.openxmlformats.org/drawingml/2006/diagram" xmlns:a="http://schemas.openxmlformats.org/drawingml/2006/main" uniqueId="urn:microsoft.com/office/officeart/2005/8/colors/accent6_2">
-  <dgm:title val=""/>
-  <dgm:desc val=""/>
-  <dgm:catLst>
-    <dgm:cat type="accent6" pri="11200"/>
-  </dgm:catLst>
-  <dgm:styleLbl name="node0">
-    <dgm:fillClrLst meth="repeat">
-      <a:schemeClr val="accent6"/>
-    </dgm:fillClrLst>
-    <dgm:linClrLst meth="repeat">
-      <a:schemeClr val="lt1"/>
-    </dgm:linClrLst>
-    <dgm:effectClrLst/>
-    <dgm:txLinClrLst/>
-    <dgm:txFillClrLst/>
-    <dgm:txEffectClrLst/>
-  </dgm:styleLbl>
-  <dgm:styleLbl name="node1">
-    <dgm:fillClrLst meth="repeat">
-      <a:schemeClr val="accent6"/>
-    </dgm:fillClrLst>
-    <dgm:linClrLst meth="repeat">
-      <a:schemeClr val="lt1"/>
-    </dgm:linClrLst>
-    <dgm:effectClrLst/>
-    <dgm:txLinClrLst/>
-    <dgm:txFillClrLst/>
-    <dgm:txEffectClrLst/>
-  </dgm:styleLbl>
-  <dgm:styleLbl name="alignNode1">
-    <dgm:fillClrLst meth="repeat">
-      <a:schemeClr val="accent6"/>
-    </dgm:fillClrLst>
-    <dgm:linClrLst meth="repeat">
-      <a:schemeClr val="accent6"/>
-    </dgm:linClrLst>
-    <dgm:effectClrLst/>
-    <dgm:txLinClrLst/>
-    <dgm:txFillClrLst/>
-    <dgm:txEffectClrLst/>
-  </dgm:styleLbl>
-  <dgm:styleLbl name="lnNode1">
-    <dgm:fillClrLst meth="repeat">
-      <a:schemeClr val="accent6"/>
-    </dgm:fillClrLst>
-    <dgm:linClrLst meth="repeat">
-      <a:schemeClr val="lt1"/>
-    </dgm:linClrLst>
-    <dgm:effectClrLst/>
-    <dgm:txLinClrLst/>
-    <dgm:txFillClrLst/>
-    <dgm:txEffectClrLst/>
-  </dgm:styleLbl>
-  <dgm:styleLbl name="vennNode1">
-    <dgm:fillClrLst meth="repeat">
-      <a:schemeClr val="accent6">
-        <a:alpha val="50000"/>
-      </a:schemeClr>
-    </dgm:fillClrLst>
-    <dgm:linClrLst meth="repeat">
-      <a:schemeClr val="lt1"/>
-    </dgm:linClrLst>
-    <dgm:effectClrLst/>
-    <dgm:txLinClrLst/>
-    <dgm:txFillClrLst/>
-    <dgm:txEffectClrLst/>
-  </dgm:styleLbl>
-  <dgm:styleLbl name="node2">
-    <dgm:fillClrLst meth="repeat">
-      <a:schemeClr val="accent6"/>
-    </dgm:fillClrLst>
-    <dgm:linClrLst meth="repeat">
-      <a:schemeClr val="lt1"/>
-    </dgm:linClrLst>
-    <dgm:effectClrLst/>
-    <dgm:txLinClrLst/>
-    <dgm:txFillClrLst/>
-    <dgm:txEffectClrLst/>
-  </dgm:styleLbl>
-  <dgm:styleLbl name="node3">
-    <dgm:fillClrLst meth="repeat">
-      <a:schemeClr val="accent6"/>
-    </dgm:fillClrLst>
-    <dgm:linClrLst meth="repeat">
-      <a:schemeClr val="lt1"/>
-    </dgm:linClrLst>
-    <dgm:effectClrLst/>
-    <dgm:txLinClrLst/>
-    <dgm:txFillClrLst/>
-    <dgm:txEffectClrLst/>
-  </dgm:styleLbl>
-  <dgm:styleLbl name="node4">
-    <dgm:fillClrLst meth="repeat">
-      <a:schemeClr val="accent6"/>
-    </dgm:fillClrLst>
-    <dgm:linClrLst meth="repeat">
-      <a:schemeClr val="lt1"/>
-    </dgm:linClrLst>
-    <dgm:effectClrLst/>
-    <dgm:txLinClrLst/>
-    <dgm:txFillClrLst/>
-    <dgm:txEffectClrLst/>
-  </dgm:styleLbl>
-  <dgm:styleLbl name="fgImgPlace1">
-    <dgm:fillClrLst meth="repeat">
-      <a:schemeClr val="accent6">
-        <a:tint val="50000"/>
-      </a:schemeClr>
-    </dgm:fillClrLst>
-    <dgm:linClrLst meth="repeat">
-      <a:schemeClr val="lt1"/>
-    </dgm:linClrLst>
-    <dgm:effectClrLst/>
-    <dgm:txLinClrLst/>
-    <dgm:txFillClrLst meth="repeat">
-      <a:schemeClr val="lt1"/>
-    </dgm:txFillClrLst>
-    <dgm:txEffectClrLst/>
-  </dgm:styleLbl>
-  <dgm:styleLbl name="alignImgPlace1">
-    <dgm:fillClrLst meth="repeat">
-      <a:schemeClr val="accent6">
-        <a:tint val="50000"/>
-      </a:schemeClr>
-    </dgm:fillClrLst>
-    <dgm:linClrLst meth="repeat">
-      <a:schemeClr val="lt1"/>
-    </dgm:linClrLst>
-    <dgm:effectClrLst/>
-    <dgm:txLinClrLst/>
-    <dgm:txFillClrLst meth="repeat">
-      <a:schemeClr val="lt1"/>
-    </dgm:txFillClrLst>
-    <dgm:txEffectClrLst/>
-  </dgm:styleLbl>
-  <dgm:styleLbl name="bgImgPlace1">
-    <dgm:fillClrLst meth="repeat">
-      <a:schemeClr val="accent6">
-        <a:tint val="50000"/>
-      </a:schemeClr>
-    </dgm:fillClrLst>
-    <dgm:linClrLst meth="repeat">
-      <a:schemeClr val="lt1"/>
-    </dgm:linClrLst>
-    <dgm:effectClrLst/>
-    <dgm:txLinClrLst/>
-    <dgm:txFillClrLst meth="repeat">
-      <a:schemeClr val="lt1"/>
-    </dgm:txFillClrLst>
-    <dgm:txEffectClrLst/>
-  </dgm:styleLbl>
-  <dgm:styleLbl name="sibTrans2D1">
-    <dgm:fillClrLst meth="repeat">
-      <a:schemeClr val="accent6">
-        <a:tint val="60000"/>
-      </a:schemeClr>
-    </dgm:fillClrLst>
-    <dgm:linClrLst meth="repeat">
-      <a:schemeClr val="accent6">
-        <a:tint val="60000"/>
-      </a:schemeClr>
-    </dgm:linClrLst>
-    <dgm:effectClrLst/>
-    <dgm:txLinClrLst/>
-    <dgm:txFillClrLst/>
-    <dgm:txEffectClrLst/>
-  </dgm:styleLbl>
-  <dgm:styleLbl name="fgSibTrans2D1">
-    <dgm:fillClrLst meth="repeat">
-      <a:schemeClr val="accent6">
-        <a:tint val="60000"/>
-      </a:schemeClr>
-    </dgm:fillClrLst>
-    <dgm:linClrLst meth="repeat">
-      <a:schemeClr val="accent6">
-        <a:tint val="60000"/>
-      </a:schemeClr>
-    </dgm:linClrLst>
-    <dgm:effectClrLst/>
-    <dgm:txLinClrLst/>
-    <dgm:txFillClrLst/>
-    <dgm:txEffectClrLst/>
-  </dgm:styleLbl>
-  <dgm:styleLbl name="bgSibTrans2D1">
-    <dgm:fillClrLst meth="repeat">
-      <a:schemeClr val="accent6">
-        <a:tint val="60000"/>
-      </a:schemeClr>
-    </dgm:fillClrLst>
-    <dgm:linClrLst meth="repeat">
-      <a:schemeClr val="accent6">
-        <a:tint val="60000"/>
-      </a:schemeClr>
-    </dgm:linClrLst>
-    <dgm:effectClrLst/>
-    <dgm:txLinClrLst/>
-    <dgm:txFillClrLst/>
-    <dgm:txEffectClrLst/>
-  </dgm:styleLbl>
-  <dgm:styleLbl name="sibTrans1D1">
-    <dgm:fillClrLst meth="repeat">
-      <a:schemeClr val="accent6"/>
-    </dgm:fillClrLst>
-    <dgm:linClrLst meth="repeat">
-      <a:schemeClr val="accent6"/>
-    </dgm:linClrLst>
-    <dgm:effectClrLst/>
-    <dgm:txLinClrLst/>
-    <dgm:txFillClrLst meth="repeat">
-      <a:schemeClr val="tx1"/>
-    </dgm:txFillClrLst>
-    <dgm:txEffectClrLst/>
-  </dgm:styleLbl>
-  <dgm:styleLbl name="callout">
-    <dgm:fillClrLst meth="repeat">
-      <a:schemeClr val="accent6"/>
-    </dgm:fillClrLst>
-    <dgm:linClrLst meth="repeat">
-      <a:schemeClr val="accent6">
-        <a:tint val="50000"/>
-      </a:schemeClr>
-    </dgm:linClrLst>
-    <dgm:effectClrLst/>
-    <dgm:txLinClrLst/>
-    <dgm:txFillClrLst meth="repeat">
-      <a:schemeClr val="tx1"/>
-    </dgm:txFillClrLst>
-    <dgm:txEffectClrLst/>
-  </dgm:styleLbl>
-  <dgm:styleLbl name="asst0">
-    <dgm:fillClrLst meth="repeat">
-      <a:schemeClr val="accent6"/>
-    </dgm:fillClrLst>
-    <dgm:linClrLst meth="repeat">
-      <a:schemeClr val="lt1"/>
-    </dgm:linClrLst>
-    <dgm:effectClrLst/>
-    <dgm:txLinClrLst/>
-    <dgm:txFillClrLst/>
-    <dgm:txEffectClrLst/>
-  </dgm:styleLbl>
-  <dgm:styleLbl name="asst1">
-    <dgm:fillClrLst meth="repeat">
-      <a:schemeClr val="accent6"/>
-    </dgm:fillClrLst>
-    <dgm:linClrLst meth="repeat">
-      <a:schemeClr val="lt1"/>
-    </dgm:linClrLst>
-    <dgm:effectClrLst/>
-    <dgm:txLinClrLst/>
-    <dgm:txFillClrLst/>
-    <dgm:txEffectClrLst/>
-  </dgm:styleLbl>
-  <dgm:styleLbl name="asst2">
-    <dgm:fillClrLst meth="repeat">
-      <a:schemeClr val="accent6"/>
-    </dgm:fillClrLst>
-    <dgm:linClrLst meth="repeat">
-      <a:schemeClr val="lt1"/>
-    </dgm:linClrLst>
-    <dgm:effectClrLst/>
-    <dgm:txLinClrLst/>
-    <dgm:txFillClrLst/>
-    <dgm:txEffectClrLst/>
-  </dgm:styleLbl>
-  <dgm:styleLbl name="asst3">
-    <dgm:fillClrLst meth="repeat">
-      <a:schemeClr val="accent6"/>
-    </dgm:fillClrLst>
-    <dgm:linClrLst meth="repeat">
-      <a:schemeClr val="lt1"/>
-    </dgm:linClrLst>
-    <dgm:effectClrLst/>
-    <dgm:txLinClrLst/>
-    <dgm:txFillClrLst/>
-    <dgm:txEffectClrLst/>
-  </dgm:styleLbl>
-  <dgm:styleLbl name="asst4">
-    <dgm:fillClrLst meth="repeat">
-      <a:schemeClr val="accent6"/>
-    </dgm:fillClrLst>
-    <dgm:linClrLst meth="repeat">
-      <a:schemeClr val="lt1"/>
-    </dgm:linClrLst>
-    <dgm:effectClrLst/>
-    <dgm:txLinClrLst/>
-    <dgm:txFillClrLst/>
-    <dgm:txEffectClrLst/>
-  </dgm:styleLbl>
-  <dgm:styleLbl name="parChTrans2D1">
-    <dgm:fillClrLst meth="repeat">
-      <a:schemeClr val="accent6">
-        <a:tint val="60000"/>
-      </a:schemeClr>
-    </dgm:fillClrLst>
-    <dgm:linClrLst meth="repeat">
-      <a:schemeClr val="accent6">
-        <a:tint val="60000"/>
-      </a:schemeClr>
-    </dgm:linClrLst>
-    <dgm:effectClrLst/>
-    <dgm:txLinClrLst/>
-    <dgm:txFillClrLst meth="repeat">
-      <a:schemeClr val="lt1"/>
-    </dgm:txFillClrLst>
-    <dgm:txEffectClrLst/>
-  </dgm:styleLbl>
-  <dgm:styleLbl name="parChTrans2D2">
-    <dgm:fillClrLst meth="repeat">
-      <a:schemeClr val="accent6"/>
-    </dgm:fillClrLst>
-    <dgm:linClrLst meth="repeat">
-      <a:schemeClr val="accent6"/>
-    </dgm:linClrLst>
-    <dgm:effectClrLst/>
-    <dgm:txLinClrLst/>
-    <dgm:txFillClrLst meth="repeat">
-      <a:schemeClr val="lt1"/>
-    </dgm:txFillClrLst>
-    <dgm:txEffectClrLst/>
-  </dgm:styleLbl>
-  <dgm:styleLbl name="parChTrans2D3">
-    <dgm:fillClrLst meth="repeat">
-      <a:schemeClr val="accent6"/>
-    </dgm:fillClrLst>
-    <dgm:linClrLst meth="repeat">
-      <a:schemeClr val="accent6"/>
-    </dgm:linClrLst>
-    <dgm:effectClrLst/>
-    <dgm:txLinClrLst/>
-    <dgm:txFillClrLst meth="repeat">
-      <a:schemeClr val="lt1"/>
-    </dgm:txFillClrLst>
-    <dgm:txEffectClrLst/>
-  </dgm:styleLbl>
-  <dgm:styleLbl name="parChTrans2D4">
-    <dgm:fillClrLst meth="repeat">
-      <a:schemeClr val="accent6"/>
-    </dgm:fillClrLst>
-    <dgm:linClrLst meth="repeat">
-      <a:schemeClr val="accent6"/>
-    </dgm:linClrLst>
-    <dgm:effectClrLst/>
-    <dgm:txLinClrLst/>
-    <dgm:txFillClrLst meth="repeat">
-      <a:schemeClr val="lt1"/>
-    </dgm:txFillClrLst>
-    <dgm:txEffectClrLst/>
-  </dgm:styleLbl>
-  <dgm:styleLbl name="parChTrans1D1">
-    <dgm:fillClrLst meth="repeat">
-      <a:schemeClr val="accent6"/>
-    </dgm:fillClrLst>
-    <dgm:linClrLst meth="repeat">
-      <a:schemeClr val="accent6">
-        <a:shade val="60000"/>
-      </a:schemeClr>
-    </dgm:linClrLst>
-    <dgm:effectClrLst/>
-    <dgm:txLinClrLst/>
-    <dgm:txFillClrLst meth="repeat">
-      <a:schemeClr val="tx1"/>
-    </dgm:txFillClrLst>
-    <dgm:txEffectClrLst/>
-  </dgm:styleLbl>
-  <dgm:styleLbl name="parChTrans1D2">
-    <dgm:fillClrLst meth="repeat">
-      <a:schemeClr val="accent6"/>
-    </dgm:fillClrLst>
-    <dgm:linClrLst meth="repeat">
-      <a:schemeClr val="accent6">
-        <a:shade val="60000"/>
-      </a:schemeClr>
-    </dgm:linClrLst>
-    <dgm:effectClrLst/>
-    <dgm:txLinClrLst/>
-    <dgm:txFillClrLst meth="repeat">
-      <a:schemeClr val="tx1"/>
-    </dgm:txFillClrLst>
-    <dgm:txEffectClrLst/>
-  </dgm:styleLbl>
-  <dgm:styleLbl name="parChTrans1D3">
-    <dgm:fillClrLst meth="repeat">
-      <a:schemeClr val="accent6"/>
-    </dgm:fillClrLst>
-    <dgm:linClrLst meth="repeat">
-      <a:schemeClr val="accent6">
-        <a:shade val="80000"/>
-      </a:schemeClr>
-    </dgm:linClrLst>
-    <dgm:effectClrLst/>
-    <dgm:txLinClrLst/>
-    <dgm:txFillClrLst meth="repeat">
-      <a:schemeClr val="tx1"/>
-    </dgm:txFillClrLst>
-    <dgm:txEffectClrLst/>
-  </dgm:styleLbl>
-  <dgm:styleLbl name="parChTrans1D4">
-    <dgm:fillClrLst meth="repeat">
-      <a:schemeClr val="accent6"/>
-    </dgm:fillClrLst>
-    <dgm:linClrLst meth="repeat">
-      <a:schemeClr val="accent6">
-        <a:shade val="80000"/>
-      </a:schemeClr>
-    </dgm:linClrLst>
-    <dgm:effectClrLst/>
-    <dgm:txLinClrLst/>
-    <dgm:txFillClrLst meth="repeat">
-      <a:schemeClr val="tx1"/>
-    </dgm:txFillClrLst>
-    <dgm:txEffectClrLst/>
-  </dgm:styleLbl>
-  <dgm:styleLbl name="fgAcc1">
-    <dgm:fillClrLst meth="repeat">
-      <a:schemeClr val="lt1">
-        <a:alpha val="90000"/>
-      </a:schemeClr>
-    </dgm:fillClrLst>
-    <dgm:linClrLst meth="repeat">
-      <a:schemeClr val="accent6"/>
-    </dgm:linClrLst>
-    <dgm:effectClrLst/>
-    <dgm:txLinClrLst/>
-    <dgm:txFillClrLst meth="repeat">
-      <a:schemeClr val="dk1"/>
-    </dgm:txFillClrLst>
-    <dgm:txEffectClrLst/>
-  </dgm:styleLbl>
-  <dgm:styleLbl name="conFgAcc1">
-    <dgm:fillClrLst meth="repeat">
-      <a:schemeClr val="lt1">
-        <a:alpha val="90000"/>
-      </a:schemeClr>
-    </dgm:fillClrLst>
-    <dgm:linClrLst meth="repeat">
-      <a:schemeClr val="accent6"/>
-    </dgm:linClrLst>
-    <dgm:effectClrLst/>
-    <dgm:txLinClrLst/>
-    <dgm:txFillClrLst meth="repeat">
-      <a:schemeClr val="dk1"/>
-    </dgm:txFillClrLst>
-    <dgm:txEffectClrLst/>
-  </dgm:styleLbl>
-  <dgm:styleLbl name="alignAcc1">
-    <dgm:fillClrLst meth="repeat">
-      <a:schemeClr val="lt1">
-        <a:alpha val="90000"/>
-      </a:schemeClr>
-    </dgm:fillClrLst>
-    <dgm:linClrLst meth="repeat">
-      <a:schemeClr val="accent6"/>
-    </dgm:linClrLst>
-    <dgm:effectClrLst/>
-    <dgm:txLinClrLst/>
-    <dgm:txFillClrLst meth="repeat">
-      <a:schemeClr val="dk1"/>
-    </dgm:txFillClrLst>
-    <dgm:txEffectClrLst/>
-  </dgm:styleLbl>
-  <dgm:styleLbl name="trAlignAcc1">
-    <dgm:fillClrLst meth="repeat">
-      <a:schemeClr val="lt1">
-        <a:alpha val="40000"/>
-      </a:schemeClr>
-    </dgm:fillClrLst>
-    <dgm:linClrLst meth="repeat">
-      <a:schemeClr val="accent6"/>
-    </dgm:linClrLst>
-    <dgm:effectClrLst/>
-    <dgm:txLinClrLst/>
-    <dgm:txFillClrLst meth="repeat">
-      <a:schemeClr val="dk1"/>
-    </dgm:txFillClrLst>
-    <dgm:txEffectClrLst/>
-  </dgm:styleLbl>
-  <dgm:styleLbl name="bgAcc1">
-    <dgm:fillClrLst meth="repeat">
-      <a:schemeClr val="lt1">
-        <a:alpha val="90000"/>
-      </a:schemeClr>
-    </dgm:fillClrLst>
-    <dgm:linClrLst meth="repeat">
-      <a:schemeClr val="accent6"/>
-    </dgm:linClrLst>
-    <dgm:effectClrLst/>
-    <dgm:txLinClrLst/>
-    <dgm:txFillClrLst meth="repeat">
-      <a:schemeClr val="dk1"/>
-    </dgm:txFillClrLst>
-    <dgm:txEffectClrLst/>
-  </dgm:styleLbl>
-  <dgm:styleLbl name="solidFgAcc1">
-    <dgm:fillClrLst meth="repeat">
-      <a:schemeClr val="lt1"/>
-    </dgm:fillClrLst>
-    <dgm:linClrLst meth="repeat">
-      <a:schemeClr val="accent6"/>
-    </dgm:linClrLst>
-    <dgm:effectClrLst/>
-    <dgm:txLinClrLst/>
-    <dgm:txFillClrLst meth="repeat">
-      <a:schemeClr val="dk1"/>
-    </dgm:txFillClrLst>
-    <dgm:txEffectClrLst/>
-  </dgm:styleLbl>
-  <dgm:styleLbl name="solidAlignAcc1">
-    <dgm:fillClrLst meth="repeat">
-      <a:schemeClr val="lt1"/>
-    </dgm:fillClrLst>
-    <dgm:linClrLst meth="repeat">
-      <a:schemeClr val="accent6"/>
-    </dgm:linClrLst>
-    <dgm:effectClrLst/>
-    <dgm:txLinClrLst/>
-    <dgm:txFillClrLst meth="repeat">
-      <a:schemeClr val="dk1"/>
-    </dgm:txFillClrLst>
-    <dgm:txEffectClrLst/>
-  </dgm:styleLbl>
-  <dgm:styleLbl name="solidBgAcc1">
-    <dgm:fillClrLst meth="repeat">
-      <a:schemeClr val="lt1"/>
-    </dgm:fillClrLst>
-    <dgm:linClrLst meth="repeat">
-      <a:schemeClr val="accent6"/>
-    </dgm:linClrLst>
-    <dgm:effectClrLst/>
-    <dgm:txLinClrLst/>
-    <dgm:txFillClrLst meth="repeat">
-      <a:schemeClr val="dk1"/>
-    </dgm:txFillClrLst>
-    <dgm:txEffectClrLst/>
-  </dgm:styleLbl>
-  <dgm:styleLbl name="fgAccFollowNode1">
-    <dgm:fillClrLst meth="repeat">
-      <a:schemeClr val="accent6">
-        <a:alpha val="90000"/>
-        <a:tint val="40000"/>
-      </a:schemeClr>
-    </dgm:fillClrLst>
-    <dgm:linClrLst meth="repeat">
-      <a:schemeClr val="accent6">
-        <a:alpha val="90000"/>
-        <a:tint val="40000"/>
-      </a:schemeClr>
-    </dgm:linClrLst>
-    <dgm:effectClrLst/>
-    <dgm:txLinClrLst/>
-    <dgm:txFillClrLst meth="repeat">
-      <a:schemeClr val="dk1"/>
-    </dgm:txFillClrLst>
-    <dgm:txEffectClrLst/>
-  </dgm:styleLbl>
-  <dgm:styleLbl name="alignAccFollowNode1">
-    <dgm:fillClrLst meth="repeat">
-      <a:schemeClr val="accent6">
-        <a:alpha val="90000"/>
-        <a:tint val="40000"/>
-      </a:schemeClr>
-    </dgm:fillClrLst>
-    <dgm:linClrLst meth="repeat">
-      <a:schemeClr val="accent6">
-        <a:alpha val="90000"/>
-        <a:tint val="40000"/>
-      </a:schemeClr>
-    </dgm:linClrLst>
-    <dgm:effectClrLst/>
-    <dgm:txLinClrLst/>
-    <dgm:txFillClrLst meth="repeat">
-      <a:schemeClr val="dk1"/>
-    </dgm:txFillClrLst>
-    <dgm:txEffectClrLst/>
-  </dgm:styleLbl>
-  <dgm:styleLbl name="bgAccFollowNode1">
-    <dgm:fillClrLst meth="repeat">
-      <a:schemeClr val="accent6">
-        <a:alpha val="90000"/>
-        <a:tint val="40000"/>
-      </a:schemeClr>
-    </dgm:fillClrLst>
-    <dgm:linClrLst meth="repeat">
-      <a:schemeClr val="accent6">
-        <a:alpha val="90000"/>
-        <a:tint val="40000"/>
-      </a:schemeClr>
-    </dgm:linClrLst>
-    <dgm:effectClrLst/>
-    <dgm:txLinClrLst/>
-    <dgm:txFillClrLst meth="repeat">
-      <a:schemeClr val="dk1"/>
-    </dgm:txFillClrLst>
-    <dgm:txEffectClrLst/>
-  </dgm:styleLbl>
-  <dgm:styleLbl name="fgAcc0">
-    <dgm:fillClrLst meth="repeat">
-      <a:schemeClr val="lt1">
-        <a:alpha val="90000"/>
-      </a:schemeClr>
-    </dgm:fillClrLst>
-    <dgm:linClrLst meth="repeat">
-      <a:schemeClr val="accent6"/>
-    </dgm:linClrLst>
-    <dgm:effectClrLst/>
-    <dgm:txLinClrLst/>
-    <dgm:txFillClrLst meth="repeat">
-      <a:schemeClr val="dk1"/>
-    </dgm:txFillClrLst>
-    <dgm:txEffectClrLst/>
-  </dgm:styleLbl>
-  <dgm:styleLbl name="fgAcc2">
-    <dgm:fillClrLst meth="repeat">
-      <a:schemeClr val="lt1">
-        <a:alpha val="90000"/>
-      </a:schemeClr>
-    </dgm:fillClrLst>
-    <dgm:linClrLst meth="repeat">
-      <a:schemeClr val="accent6"/>
-    </dgm:linClrLst>
-    <dgm:effectClrLst/>
-    <dgm:txLinClrLst/>
-    <dgm:txFillClrLst meth="repeat">
-      <a:schemeClr val="dk1"/>
-    </dgm:txFillClrLst>
-    <dgm:txEffectClrLst/>
-  </dgm:styleLbl>
-  <dgm:styleLbl name="fgAcc3">
-    <dgm:fillClrLst meth="repeat">
-      <a:schemeClr val="lt1">
-        <a:alpha val="90000"/>
-      </a:schemeClr>
-    </dgm:fillClrLst>
-    <dgm:linClrLst meth="repeat">
-      <a:schemeClr val="accent6"/>
-    </dgm:linClrLst>
-    <dgm:effectClrLst/>
-    <dgm:txLinClrLst/>
-    <dgm:txFillClrLst meth="repeat">
-      <a:schemeClr val="dk1"/>
-    </dgm:txFillClrLst>
-    <dgm:txEffectClrLst/>
-  </dgm:styleLbl>
-  <dgm:styleLbl name="fgAcc4">
-    <dgm:fillClrLst meth="repeat">
-      <a:schemeClr val="lt1">
-        <a:alpha val="90000"/>
-      </a:schemeClr>
-    </dgm:fillClrLst>
-    <dgm:linClrLst meth="repeat">
-      <a:schemeClr val="accent6"/>
-    </dgm:linClrLst>
-    <dgm:effectClrLst/>
-    <dgm:txLinClrLst/>
-    <dgm:txFillClrLst meth="repeat">
-      <a:schemeClr val="dk1"/>
-    </dgm:txFillClrLst>
-    <dgm:txEffectClrLst/>
-  </dgm:styleLbl>
-  <dgm:styleLbl name="bgShp">
-    <dgm:fillClrLst meth="repeat">
-      <a:schemeClr val="accent6">
-        <a:tint val="40000"/>
-      </a:schemeClr>
-    </dgm:fillClrLst>
-    <dgm:linClrLst meth="repeat">
-      <a:schemeClr val="accent6"/>
-    </dgm:linClrLst>
-    <dgm:effectClrLst/>
-    <dgm:txLinClrLst/>
-    <dgm:txFillClrLst meth="repeat">
-      <a:schemeClr val="dk1"/>
-    </dgm:txFillClrLst>
-    <dgm:txEffectClrLst/>
-  </dgm:styleLbl>
-  <dgm:styleLbl name="dkBgShp">
-    <dgm:fillClrLst meth="repeat">
-      <a:schemeClr val="accent6">
-        <a:shade val="80000"/>
-      </a:schemeClr>
-    </dgm:fillClrLst>
-    <dgm:linClrLst meth="repeat">
-      <a:schemeClr val="accent6"/>
-    </dgm:linClrLst>
-    <dgm:effectClrLst/>
-    <dgm:txLinClrLst/>
-    <dgm:txFillClrLst meth="repeat">
-      <a:schemeClr val="lt1"/>
-    </dgm:txFillClrLst>
-    <dgm:txEffectClrLst/>
-  </dgm:styleLbl>
-  <dgm:styleLbl name="trBgShp">
-    <dgm:fillClrLst meth="repeat">
-      <a:schemeClr val="accent6">
-        <a:tint val="50000"/>
-        <a:alpha val="40000"/>
-      </a:schemeClr>
-    </dgm:fillClrLst>
-    <dgm:linClrLst meth="repeat">
-      <a:schemeClr val="accent6"/>
-    </dgm:linClrLst>
-    <dgm:effectClrLst/>
-    <dgm:txLinClrLst/>
-    <dgm:txFillClrLst meth="repeat">
-      <a:schemeClr val="lt1"/>
-    </dgm:txFillClrLst>
-    <dgm:txEffectClrLst/>
-  </dgm:styleLbl>
-  <dgm:styleLbl name="fgShp">
-    <dgm:fillClrLst meth="repeat">
-      <a:schemeClr val="accent6">
         <a:tint val="60000"/>
       </a:schemeClr>
     </dgm:fillClrLst>
@@ -7298,7 +7468,7 @@
           </a:pPr>
           <a:r>
             <a:rPr lang="en-US" dirty="0"/>
-            <a:t>File system manipulation</a:t>
+            <a:t>File and folder manipulation</a:t>
           </a:r>
         </a:p>
       </dgm:t>
@@ -7334,7 +7504,7 @@
         <a:p>
           <a:r>
             <a:rPr lang="en-US" dirty="0"/>
-            <a:t>Executing multiple EXEs with parameters</a:t>
+            <a:t>Running multiple programs with parameters</a:t>
           </a:r>
         </a:p>
       </dgm:t>
@@ -7723,7 +7893,7 @@
 <dgm:dataModel xmlns:dgm="http://schemas.openxmlformats.org/drawingml/2006/diagram" xmlns:a="http://schemas.openxmlformats.org/drawingml/2006/main">
   <dgm:ptLst>
     <dgm:pt modelId="{DFBD307A-0495-4B96-AAB3-78151DE243C8}" type="doc">
-      <dgm:prSet loTypeId="urn:microsoft.com/office/officeart/2008/layout/LinedList" loCatId="list" qsTypeId="urn:microsoft.com/office/officeart/2005/8/quickstyle/simple1" qsCatId="simple" csTypeId="urn:microsoft.com/office/officeart/2005/8/colors/accent1_2" csCatId="accent1" phldr="1"/>
+      <dgm:prSet loTypeId="urn:microsoft.com/office/officeart/2008/layout/LinedList" loCatId="list" qsTypeId="urn:microsoft.com/office/officeart/2005/8/quickstyle/simple1" qsCatId="simple" csTypeId="urn:microsoft.com/office/officeart/2005/8/colors/colorful1" csCatId="colorful" phldr="1"/>
       <dgm:spPr/>
       <dgm:t>
         <a:bodyPr/>
@@ -7734,14 +7904,14 @@
       </dgm:t>
     </dgm:pt>
     <dgm:pt modelId="{D1036154-4E44-4EC7-958B-AEBD63856C5E}">
-      <dgm:prSet phldrT="[Text]"/>
+      <dgm:prSet phldrT="[Text]" custT="1"/>
       <dgm:spPr/>
       <dgm:t>
         <a:bodyPr/>
         <a:lstStyle/>
         <a:p>
           <a:r>
-            <a:rPr lang="en-US" dirty="0"/>
+            <a:rPr lang="en-US" sz="2800" dirty="0"/>
             <a:t>Shortcuts to often-used directories</a:t>
           </a:r>
         </a:p>
@@ -7770,14 +7940,14 @@
       </dgm:t>
     </dgm:pt>
     <dgm:pt modelId="{6D442EFF-0946-4ACA-BE89-BC10AD03800E}">
-      <dgm:prSet phldrT="[Text]"/>
+      <dgm:prSet phldrT="[Text]" custT="1"/>
       <dgm:spPr/>
       <dgm:t>
         <a:bodyPr/>
         <a:lstStyle/>
         <a:p>
           <a:r>
-            <a:rPr lang="en-US" dirty="0"/>
+            <a:rPr lang="en-US" sz="2800" dirty="0"/>
             <a:t>Library of personalized functions</a:t>
           </a:r>
         </a:p>
@@ -7805,51 +7975,15 @@
         </a:p>
       </dgm:t>
     </dgm:pt>
-    <dgm:pt modelId="{3B438FC8-59B6-4082-AB98-D88F3C4A433E}">
-      <dgm:prSet phldrT="[Text]"/>
+    <dgm:pt modelId="{34F67B8B-C6B3-43A0-93A3-7F1A80AA0D9D}">
+      <dgm:prSet phldrT="[Text]" custT="1"/>
       <dgm:spPr/>
       <dgm:t>
         <a:bodyPr/>
         <a:lstStyle/>
         <a:p>
           <a:r>
-            <a:rPr lang="en-US" dirty="0"/>
-            <a:t>Automate manual, error-prone tasks</a:t>
-          </a:r>
-        </a:p>
-      </dgm:t>
-    </dgm:pt>
-    <dgm:pt modelId="{3862BBF6-0E13-4A47-BE4B-7AA3D5F8BCCA}" type="parTrans" cxnId="{79CA3D25-5E8A-4AB8-9EF8-9A916421B7E1}">
-      <dgm:prSet/>
-      <dgm:spPr/>
-      <dgm:t>
-        <a:bodyPr/>
-        <a:lstStyle/>
-        <a:p>
-          <a:endParaRPr lang="en-US"/>
-        </a:p>
-      </dgm:t>
-    </dgm:pt>
-    <dgm:pt modelId="{E62881F8-2D03-4034-A06B-E50A215E9264}" type="sibTrans" cxnId="{79CA3D25-5E8A-4AB8-9EF8-9A916421B7E1}">
-      <dgm:prSet/>
-      <dgm:spPr/>
-      <dgm:t>
-        <a:bodyPr/>
-        <a:lstStyle/>
-        <a:p>
-          <a:endParaRPr lang="en-US"/>
-        </a:p>
-      </dgm:t>
-    </dgm:pt>
-    <dgm:pt modelId="{34F67B8B-C6B3-43A0-93A3-7F1A80AA0D9D}">
-      <dgm:prSet phldrT="[Text]"/>
-      <dgm:spPr/>
-      <dgm:t>
-        <a:bodyPr/>
-        <a:lstStyle/>
-        <a:p>
-          <a:r>
-            <a:rPr lang="en-US" dirty="0"/>
+            <a:rPr lang="en-US" sz="2800" dirty="0"/>
             <a:t>Testing scripts</a:t>
           </a:r>
         </a:p>
@@ -7878,14 +8012,14 @@
       </dgm:t>
     </dgm:pt>
     <dgm:pt modelId="{00F075AA-E412-49F8-A0FA-7622F51065A0}">
-      <dgm:prSet phldrT="[Text]"/>
+      <dgm:prSet phldrT="[Text]" custT="1"/>
       <dgm:spPr/>
       <dgm:t>
         <a:bodyPr/>
         <a:lstStyle/>
         <a:p>
           <a:r>
-            <a:rPr lang="en-US" dirty="0"/>
+            <a:rPr lang="en-US" sz="2800" dirty="0"/>
             <a:t>Build scripts</a:t>
           </a:r>
         </a:p>
@@ -7913,7 +8047,43 @@
         </a:p>
       </dgm:t>
     </dgm:pt>
-    <dgm:pt modelId="{EA0F5442-8F4F-431A-9999-AE077F0547A8}" type="pres">
+    <dgm:pt modelId="{D9F21751-24C4-4CFB-983F-0E615F2E4C60}">
+      <dgm:prSet phldrT="[Text]" custT="1"/>
+      <dgm:spPr/>
+      <dgm:t>
+        <a:bodyPr/>
+        <a:lstStyle/>
+        <a:p>
+          <a:r>
+            <a:rPr lang="en-US" sz="2800" dirty="0"/>
+            <a:t>Automate manual, error-prone tasks</a:t>
+          </a:r>
+        </a:p>
+      </dgm:t>
+    </dgm:pt>
+    <dgm:pt modelId="{F719F6DA-639B-4DF6-A6BF-2D8AA2B6166D}" type="parTrans" cxnId="{1873235D-724A-4302-8987-3DA5673FA3FC}">
+      <dgm:prSet/>
+      <dgm:spPr/>
+      <dgm:t>
+        <a:bodyPr/>
+        <a:lstStyle/>
+        <a:p>
+          <a:endParaRPr lang="en-US"/>
+        </a:p>
+      </dgm:t>
+    </dgm:pt>
+    <dgm:pt modelId="{3508E628-A5B6-4FE0-91B8-DDC93CAC2B86}" type="sibTrans" cxnId="{1873235D-724A-4302-8987-3DA5673FA3FC}">
+      <dgm:prSet/>
+      <dgm:spPr/>
+      <dgm:t>
+        <a:bodyPr/>
+        <a:lstStyle/>
+        <a:p>
+          <a:endParaRPr lang="en-US"/>
+        </a:p>
+      </dgm:t>
+    </dgm:pt>
+    <dgm:pt modelId="{4671C51E-EA19-4D3A-AD53-1F9D5B4D304C}" type="pres">
       <dgm:prSet presAssocID="{DFBD307A-0495-4B96-AAB3-78151DE243C8}" presName="vert0" presStyleCnt="0">
         <dgm:presLayoutVars>
           <dgm:dir/>
@@ -7923,119 +8093,119 @@
       </dgm:prSet>
       <dgm:spPr/>
     </dgm:pt>
-    <dgm:pt modelId="{7A4081FA-7272-4F44-BB96-72A2F2F98778}" type="pres">
+    <dgm:pt modelId="{70CFCB5F-3269-45A4-8EE9-05CD6B9F6974}" type="pres">
       <dgm:prSet presAssocID="{D1036154-4E44-4EC7-958B-AEBD63856C5E}" presName="thickLine" presStyleLbl="alignNode1" presStyleIdx="0" presStyleCnt="5"/>
       <dgm:spPr/>
     </dgm:pt>
-    <dgm:pt modelId="{9B9C09E5-76C4-43AC-A4BE-E76B149B8BB1}" type="pres">
+    <dgm:pt modelId="{CE8C90AA-5320-4D5E-8450-A4DFB946371B}" type="pres">
       <dgm:prSet presAssocID="{D1036154-4E44-4EC7-958B-AEBD63856C5E}" presName="horz1" presStyleCnt="0"/>
       <dgm:spPr/>
     </dgm:pt>
-    <dgm:pt modelId="{B7C445DA-B6AD-4B06-B309-4AD9F017B139}" type="pres">
+    <dgm:pt modelId="{2B6EE172-15FD-423C-A35D-91A0DAACA3C7}" type="pres">
       <dgm:prSet presAssocID="{D1036154-4E44-4EC7-958B-AEBD63856C5E}" presName="tx1" presStyleLbl="revTx" presStyleIdx="0" presStyleCnt="5"/>
       <dgm:spPr/>
     </dgm:pt>
-    <dgm:pt modelId="{C334B324-2313-4B27-BA8C-AA53E9A1D6D2}" type="pres">
+    <dgm:pt modelId="{7544E7A6-2F8B-437F-AADC-5F0D6658B295}" type="pres">
       <dgm:prSet presAssocID="{D1036154-4E44-4EC7-958B-AEBD63856C5E}" presName="vert1" presStyleCnt="0"/>
       <dgm:spPr/>
     </dgm:pt>
-    <dgm:pt modelId="{5050946E-D22C-4E2E-8ED1-43CFBAFC6A18}" type="pres">
+    <dgm:pt modelId="{112AB89A-A5E7-4AEA-BF01-CAB1E2126957}" type="pres">
       <dgm:prSet presAssocID="{6D442EFF-0946-4ACA-BE89-BC10AD03800E}" presName="thickLine" presStyleLbl="alignNode1" presStyleIdx="1" presStyleCnt="5"/>
       <dgm:spPr/>
     </dgm:pt>
-    <dgm:pt modelId="{106A3285-A1BA-495B-AA25-4FEAA1D1C606}" type="pres">
+    <dgm:pt modelId="{BCB1EB70-B0C4-404D-A0B5-461F8294CCB6}" type="pres">
       <dgm:prSet presAssocID="{6D442EFF-0946-4ACA-BE89-BC10AD03800E}" presName="horz1" presStyleCnt="0"/>
       <dgm:spPr/>
     </dgm:pt>
-    <dgm:pt modelId="{3C4BA0A4-6C4D-4958-B5CD-23413694CCE9}" type="pres">
+    <dgm:pt modelId="{E49B01D8-FDE1-4C31-9436-39275F731236}" type="pres">
       <dgm:prSet presAssocID="{6D442EFF-0946-4ACA-BE89-BC10AD03800E}" presName="tx1" presStyleLbl="revTx" presStyleIdx="1" presStyleCnt="5"/>
       <dgm:spPr/>
     </dgm:pt>
-    <dgm:pt modelId="{70D59564-7500-4E31-8C0E-95C4DB56E999}" type="pres">
+    <dgm:pt modelId="{8ECC7C4D-BF0B-4F08-9B2B-749E838703C8}" type="pres">
       <dgm:prSet presAssocID="{6D442EFF-0946-4ACA-BE89-BC10AD03800E}" presName="vert1" presStyleCnt="0"/>
       <dgm:spPr/>
     </dgm:pt>
-    <dgm:pt modelId="{252B09E5-FB03-49EA-B89A-92CD4C6552A9}" type="pres">
-      <dgm:prSet presAssocID="{3B438FC8-59B6-4082-AB98-D88F3C4A433E}" presName="thickLine" presStyleLbl="alignNode1" presStyleIdx="2" presStyleCnt="5"/>
+    <dgm:pt modelId="{72682CCA-3D02-4DCC-B1A0-5B5EA53DE229}" type="pres">
+      <dgm:prSet presAssocID="{34F67B8B-C6B3-43A0-93A3-7F1A80AA0D9D}" presName="thickLine" presStyleLbl="alignNode1" presStyleIdx="2" presStyleCnt="5"/>
       <dgm:spPr/>
     </dgm:pt>
-    <dgm:pt modelId="{55A9A343-2867-42F8-9113-ACA7FB7A6CEB}" type="pres">
-      <dgm:prSet presAssocID="{3B438FC8-59B6-4082-AB98-D88F3C4A433E}" presName="horz1" presStyleCnt="0"/>
-      <dgm:spPr/>
-    </dgm:pt>
-    <dgm:pt modelId="{4BAB3E79-64BC-4943-9099-1F17FED541B1}" type="pres">
-      <dgm:prSet presAssocID="{3B438FC8-59B6-4082-AB98-D88F3C4A433E}" presName="tx1" presStyleLbl="revTx" presStyleIdx="2" presStyleCnt="5"/>
-      <dgm:spPr/>
-    </dgm:pt>
-    <dgm:pt modelId="{E2C94251-2F6D-4414-852D-6EFE1761D370}" type="pres">
-      <dgm:prSet presAssocID="{3B438FC8-59B6-4082-AB98-D88F3C4A433E}" presName="vert1" presStyleCnt="0"/>
-      <dgm:spPr/>
-    </dgm:pt>
-    <dgm:pt modelId="{D598A6EA-FC80-421C-BD0F-CBAFF6AA8F9D}" type="pres">
-      <dgm:prSet presAssocID="{34F67B8B-C6B3-43A0-93A3-7F1A80AA0D9D}" presName="thickLine" presStyleLbl="alignNode1" presStyleIdx="3" presStyleCnt="5"/>
-      <dgm:spPr/>
-    </dgm:pt>
-    <dgm:pt modelId="{FB4838DA-D2FD-4490-AFA7-EFA2B23E0DBB}" type="pres">
+    <dgm:pt modelId="{3D86E267-0400-4A86-A84D-EA80AA3792FD}" type="pres">
       <dgm:prSet presAssocID="{34F67B8B-C6B3-43A0-93A3-7F1A80AA0D9D}" presName="horz1" presStyleCnt="0"/>
       <dgm:spPr/>
     </dgm:pt>
-    <dgm:pt modelId="{62510FBD-0C88-4010-A5A4-AB897D766E91}" type="pres">
-      <dgm:prSet presAssocID="{34F67B8B-C6B3-43A0-93A3-7F1A80AA0D9D}" presName="tx1" presStyleLbl="revTx" presStyleIdx="3" presStyleCnt="5"/>
+    <dgm:pt modelId="{8AE67C63-6B2A-4998-B4DB-661DC956D366}" type="pres">
+      <dgm:prSet presAssocID="{34F67B8B-C6B3-43A0-93A3-7F1A80AA0D9D}" presName="tx1" presStyleLbl="revTx" presStyleIdx="2" presStyleCnt="5"/>
       <dgm:spPr/>
     </dgm:pt>
-    <dgm:pt modelId="{7EF450C1-C779-4C72-81E6-DFFD5CAC076C}" type="pres">
+    <dgm:pt modelId="{C729751A-82BA-4799-8802-F61C3526B410}" type="pres">
       <dgm:prSet presAssocID="{34F67B8B-C6B3-43A0-93A3-7F1A80AA0D9D}" presName="vert1" presStyleCnt="0"/>
       <dgm:spPr/>
     </dgm:pt>
-    <dgm:pt modelId="{11CB69D0-6549-49D6-B93B-05D60933CC55}" type="pres">
-      <dgm:prSet presAssocID="{00F075AA-E412-49F8-A0FA-7622F51065A0}" presName="thickLine" presStyleLbl="alignNode1" presStyleIdx="4" presStyleCnt="5"/>
+    <dgm:pt modelId="{B8FC4CA2-A188-45E8-A058-3AD43EAE231F}" type="pres">
+      <dgm:prSet presAssocID="{00F075AA-E412-49F8-A0FA-7622F51065A0}" presName="thickLine" presStyleLbl="alignNode1" presStyleIdx="3" presStyleCnt="5"/>
       <dgm:spPr/>
     </dgm:pt>
-    <dgm:pt modelId="{95D9372F-7689-4FE9-8451-F3578814BD38}" type="pres">
+    <dgm:pt modelId="{6D041611-DF6C-421B-BAC7-1300A97431A5}" type="pres">
       <dgm:prSet presAssocID="{00F075AA-E412-49F8-A0FA-7622F51065A0}" presName="horz1" presStyleCnt="0"/>
       <dgm:spPr/>
     </dgm:pt>
-    <dgm:pt modelId="{BF464759-C6C0-4F7A-A61D-A554BBB3D2E7}" type="pres">
-      <dgm:prSet presAssocID="{00F075AA-E412-49F8-A0FA-7622F51065A0}" presName="tx1" presStyleLbl="revTx" presStyleIdx="4" presStyleCnt="5"/>
+    <dgm:pt modelId="{59D4D894-3915-46E1-BBE4-F8BE33EEBB29}" type="pres">
+      <dgm:prSet presAssocID="{00F075AA-E412-49F8-A0FA-7622F51065A0}" presName="tx1" presStyleLbl="revTx" presStyleIdx="3" presStyleCnt="5"/>
       <dgm:spPr/>
     </dgm:pt>
-    <dgm:pt modelId="{22D7BC8E-AD32-49C9-B937-1514F7317214}" type="pres">
+    <dgm:pt modelId="{941000C3-9659-46F3-B8FA-6FAF1C4D1C4A}" type="pres">
       <dgm:prSet presAssocID="{00F075AA-E412-49F8-A0FA-7622F51065A0}" presName="vert1" presStyleCnt="0"/>
+      <dgm:spPr/>
+    </dgm:pt>
+    <dgm:pt modelId="{68C47E55-56AA-449C-BB18-A7D47421AD7A}" type="pres">
+      <dgm:prSet presAssocID="{D9F21751-24C4-4CFB-983F-0E615F2E4C60}" presName="thickLine" presStyleLbl="alignNode1" presStyleIdx="4" presStyleCnt="5"/>
+      <dgm:spPr/>
+    </dgm:pt>
+    <dgm:pt modelId="{D4FD29AA-F8C2-40B5-B143-8D8DF1647674}" type="pres">
+      <dgm:prSet presAssocID="{D9F21751-24C4-4CFB-983F-0E615F2E4C60}" presName="horz1" presStyleCnt="0"/>
+      <dgm:spPr/>
+    </dgm:pt>
+    <dgm:pt modelId="{72B028AD-A1E7-4E21-88A8-DE221AF5C3FE}" type="pres">
+      <dgm:prSet presAssocID="{D9F21751-24C4-4CFB-983F-0E615F2E4C60}" presName="tx1" presStyleLbl="revTx" presStyleIdx="4" presStyleCnt="5"/>
+      <dgm:spPr/>
+    </dgm:pt>
+    <dgm:pt modelId="{0C7FE681-F0C2-477A-B9D3-F40AD71EFA08}" type="pres">
+      <dgm:prSet presAssocID="{D9F21751-24C4-4CFB-983F-0E615F2E4C60}" presName="vert1" presStyleCnt="0"/>
       <dgm:spPr/>
     </dgm:pt>
   </dgm:ptLst>
   <dgm:cxnLst>
-    <dgm:cxn modelId="{79CA3D25-5E8A-4AB8-9EF8-9A916421B7E1}" srcId="{DFBD307A-0495-4B96-AAB3-78151DE243C8}" destId="{3B438FC8-59B6-4082-AB98-D88F3C4A433E}" srcOrd="2" destOrd="0" parTransId="{3862BBF6-0E13-4A47-BE4B-7AA3D5F8BCCA}" sibTransId="{E62881F8-2D03-4034-A06B-E50A215E9264}"/>
-    <dgm:cxn modelId="{17B6F332-BFBD-45B2-94B0-5448DF23E02A}" srcId="{DFBD307A-0495-4B96-AAB3-78151DE243C8}" destId="{34F67B8B-C6B3-43A0-93A3-7F1A80AA0D9D}" srcOrd="3" destOrd="0" parTransId="{8B9D2817-2B9E-43D3-B776-0A252E989D3A}" sibTransId="{43554CE2-48D9-4430-A119-2591389FD0BB}"/>
-    <dgm:cxn modelId="{71B0873A-4B69-4C6D-8C4C-F459EF8C9794}" srcId="{DFBD307A-0495-4B96-AAB3-78151DE243C8}" destId="{00F075AA-E412-49F8-A0FA-7622F51065A0}" srcOrd="4" destOrd="0" parTransId="{60C46637-A5A5-4FF4-AEEF-E4D1C870D84D}" sibTransId="{32934463-8370-4D30-9EB1-3BE312E3A19E}"/>
+    <dgm:cxn modelId="{F8DC3B0E-5FA3-4062-8FB9-0FC5D428B775}" type="presOf" srcId="{DFBD307A-0495-4B96-AAB3-78151DE243C8}" destId="{4671C51E-EA19-4D3A-AD53-1F9D5B4D304C}" srcOrd="0" destOrd="0" presId="urn:microsoft.com/office/officeart/2008/layout/LinedList"/>
+    <dgm:cxn modelId="{41B6E611-0090-4811-A994-B8A9D81DDCB4}" type="presOf" srcId="{D1036154-4E44-4EC7-958B-AEBD63856C5E}" destId="{2B6EE172-15FD-423C-A35D-91A0DAACA3C7}" srcOrd="0" destOrd="0" presId="urn:microsoft.com/office/officeart/2008/layout/LinedList"/>
+    <dgm:cxn modelId="{17B6F332-BFBD-45B2-94B0-5448DF23E02A}" srcId="{DFBD307A-0495-4B96-AAB3-78151DE243C8}" destId="{34F67B8B-C6B3-43A0-93A3-7F1A80AA0D9D}" srcOrd="2" destOrd="0" parTransId="{8B9D2817-2B9E-43D3-B776-0A252E989D3A}" sibTransId="{43554CE2-48D9-4430-A119-2591389FD0BB}"/>
+    <dgm:cxn modelId="{71B0873A-4B69-4C6D-8C4C-F459EF8C9794}" srcId="{DFBD307A-0495-4B96-AAB3-78151DE243C8}" destId="{00F075AA-E412-49F8-A0FA-7622F51065A0}" srcOrd="3" destOrd="0" parTransId="{60C46637-A5A5-4FF4-AEEF-E4D1C870D84D}" sibTransId="{32934463-8370-4D30-9EB1-3BE312E3A19E}"/>
+    <dgm:cxn modelId="{1873235D-724A-4302-8987-3DA5673FA3FC}" srcId="{DFBD307A-0495-4B96-AAB3-78151DE243C8}" destId="{D9F21751-24C4-4CFB-983F-0E615F2E4C60}" srcOrd="4" destOrd="0" parTransId="{F719F6DA-639B-4DF6-A6BF-2D8AA2B6166D}" sibTransId="{3508E628-A5B6-4FE0-91B8-DDC93CAC2B86}"/>
     <dgm:cxn modelId="{09E49A61-9206-443F-AE4D-67C04EFAADBF}" srcId="{DFBD307A-0495-4B96-AAB3-78151DE243C8}" destId="{6D442EFF-0946-4ACA-BE89-BC10AD03800E}" srcOrd="1" destOrd="0" parTransId="{5FA4381A-42AD-41AA-A7D1-A0FC8F41BD92}" sibTransId="{848D8CE8-B9DB-41B8-8A7D-6F1D9D21DF94}"/>
-    <dgm:cxn modelId="{30AF0F4B-938A-4602-8684-5F9DD6C44FEB}" type="presOf" srcId="{34F67B8B-C6B3-43A0-93A3-7F1A80AA0D9D}" destId="{62510FBD-0C88-4010-A5A4-AB897D766E91}" srcOrd="0" destOrd="0" presId="urn:microsoft.com/office/officeart/2008/layout/LinedList"/>
-    <dgm:cxn modelId="{044F2C56-FE8A-4B46-8A4D-3A0E01E3C387}" type="presOf" srcId="{D1036154-4E44-4EC7-958B-AEBD63856C5E}" destId="{B7C445DA-B6AD-4B06-B309-4AD9F017B139}" srcOrd="0" destOrd="0" presId="urn:microsoft.com/office/officeart/2008/layout/LinedList"/>
-    <dgm:cxn modelId="{52A0C4B9-077C-467E-AF92-38E9617FB1E5}" type="presOf" srcId="{DFBD307A-0495-4B96-AAB3-78151DE243C8}" destId="{EA0F5442-8F4F-431A-9999-AE077F0547A8}" srcOrd="0" destOrd="0" presId="urn:microsoft.com/office/officeart/2008/layout/LinedList"/>
-    <dgm:cxn modelId="{5022BBD4-78A7-4905-80F2-71EF3CAC704D}" type="presOf" srcId="{6D442EFF-0946-4ACA-BE89-BC10AD03800E}" destId="{3C4BA0A4-6C4D-4958-B5CD-23413694CCE9}" srcOrd="0" destOrd="0" presId="urn:microsoft.com/office/officeart/2008/layout/LinedList"/>
-    <dgm:cxn modelId="{0828AFDB-CDBF-4F48-8114-B9AE1F2B8294}" type="presOf" srcId="{00F075AA-E412-49F8-A0FA-7622F51065A0}" destId="{BF464759-C6C0-4F7A-A61D-A554BBB3D2E7}" srcOrd="0" destOrd="0" presId="urn:microsoft.com/office/officeart/2008/layout/LinedList"/>
-    <dgm:cxn modelId="{871596F7-065B-418D-B731-902B7B9D13CD}" type="presOf" srcId="{3B438FC8-59B6-4082-AB98-D88F3C4A433E}" destId="{4BAB3E79-64BC-4943-9099-1F17FED541B1}" srcOrd="0" destOrd="0" presId="urn:microsoft.com/office/officeart/2008/layout/LinedList"/>
+    <dgm:cxn modelId="{DB7F1E47-8394-4ED9-89FE-25BC900D5C22}" type="presOf" srcId="{6D442EFF-0946-4ACA-BE89-BC10AD03800E}" destId="{E49B01D8-FDE1-4C31-9436-39275F731236}" srcOrd="0" destOrd="0" presId="urn:microsoft.com/office/officeart/2008/layout/LinedList"/>
+    <dgm:cxn modelId="{7A6DFE6B-7D7A-40E7-9711-325B92DEF680}" type="presOf" srcId="{34F67B8B-C6B3-43A0-93A3-7F1A80AA0D9D}" destId="{8AE67C63-6B2A-4998-B4DB-661DC956D366}" srcOrd="0" destOrd="0" presId="urn:microsoft.com/office/officeart/2008/layout/LinedList"/>
+    <dgm:cxn modelId="{313A4496-869F-410D-9A4E-260256D78CFD}" type="presOf" srcId="{00F075AA-E412-49F8-A0FA-7622F51065A0}" destId="{59D4D894-3915-46E1-BBE4-F8BE33EEBB29}" srcOrd="0" destOrd="0" presId="urn:microsoft.com/office/officeart/2008/layout/LinedList"/>
+    <dgm:cxn modelId="{4AC4DDAE-DC2E-45F8-A3E7-45606EEF25CF}" type="presOf" srcId="{D9F21751-24C4-4CFB-983F-0E615F2E4C60}" destId="{72B028AD-A1E7-4E21-88A8-DE221AF5C3FE}" srcOrd="0" destOrd="0" presId="urn:microsoft.com/office/officeart/2008/layout/LinedList"/>
     <dgm:cxn modelId="{BF7D3EFD-A4AB-4FE3-8D12-E03BF2842646}" srcId="{DFBD307A-0495-4B96-AAB3-78151DE243C8}" destId="{D1036154-4E44-4EC7-958B-AEBD63856C5E}" srcOrd="0" destOrd="0" parTransId="{89B0971A-C50D-4E10-867A-97CB7EBF577E}" sibTransId="{C376829B-A9A8-45B4-A4C1-CFEDE5B6D7A7}"/>
-    <dgm:cxn modelId="{781F18EE-375C-4F60-A59E-60AEB33630C1}" type="presParOf" srcId="{EA0F5442-8F4F-431A-9999-AE077F0547A8}" destId="{7A4081FA-7272-4F44-BB96-72A2F2F98778}" srcOrd="0" destOrd="0" presId="urn:microsoft.com/office/officeart/2008/layout/LinedList"/>
-    <dgm:cxn modelId="{56F18314-DAE5-4C64-AD90-AD18A0232BF4}" type="presParOf" srcId="{EA0F5442-8F4F-431A-9999-AE077F0547A8}" destId="{9B9C09E5-76C4-43AC-A4BE-E76B149B8BB1}" srcOrd="1" destOrd="0" presId="urn:microsoft.com/office/officeart/2008/layout/LinedList"/>
-    <dgm:cxn modelId="{43857D00-3E9B-4849-B01E-4E9FC76E498C}" type="presParOf" srcId="{9B9C09E5-76C4-43AC-A4BE-E76B149B8BB1}" destId="{B7C445DA-B6AD-4B06-B309-4AD9F017B139}" srcOrd="0" destOrd="0" presId="urn:microsoft.com/office/officeart/2008/layout/LinedList"/>
-    <dgm:cxn modelId="{F8B652C5-D0F4-4A54-9458-3EF7A4EE234C}" type="presParOf" srcId="{9B9C09E5-76C4-43AC-A4BE-E76B149B8BB1}" destId="{C334B324-2313-4B27-BA8C-AA53E9A1D6D2}" srcOrd="1" destOrd="0" presId="urn:microsoft.com/office/officeart/2008/layout/LinedList"/>
-    <dgm:cxn modelId="{3B32A277-57EA-435B-BFE1-2C864C8B0A81}" type="presParOf" srcId="{EA0F5442-8F4F-431A-9999-AE077F0547A8}" destId="{5050946E-D22C-4E2E-8ED1-43CFBAFC6A18}" srcOrd="2" destOrd="0" presId="urn:microsoft.com/office/officeart/2008/layout/LinedList"/>
-    <dgm:cxn modelId="{731B7361-8A9E-444A-8123-225B1BC134CA}" type="presParOf" srcId="{EA0F5442-8F4F-431A-9999-AE077F0547A8}" destId="{106A3285-A1BA-495B-AA25-4FEAA1D1C606}" srcOrd="3" destOrd="0" presId="urn:microsoft.com/office/officeart/2008/layout/LinedList"/>
-    <dgm:cxn modelId="{983D9A22-B598-41A3-BAA9-4F5EC7A3019B}" type="presParOf" srcId="{106A3285-A1BA-495B-AA25-4FEAA1D1C606}" destId="{3C4BA0A4-6C4D-4958-B5CD-23413694CCE9}" srcOrd="0" destOrd="0" presId="urn:microsoft.com/office/officeart/2008/layout/LinedList"/>
-    <dgm:cxn modelId="{A5F020E9-3871-4967-B416-17B17B3D0BBD}" type="presParOf" srcId="{106A3285-A1BA-495B-AA25-4FEAA1D1C606}" destId="{70D59564-7500-4E31-8C0E-95C4DB56E999}" srcOrd="1" destOrd="0" presId="urn:microsoft.com/office/officeart/2008/layout/LinedList"/>
-    <dgm:cxn modelId="{56B1D70B-309B-4B19-BADC-D33E91FAF10E}" type="presParOf" srcId="{EA0F5442-8F4F-431A-9999-AE077F0547A8}" destId="{252B09E5-FB03-49EA-B89A-92CD4C6552A9}" srcOrd="4" destOrd="0" presId="urn:microsoft.com/office/officeart/2008/layout/LinedList"/>
-    <dgm:cxn modelId="{ABC5F49A-D356-4737-BD27-5A7EC75F417C}" type="presParOf" srcId="{EA0F5442-8F4F-431A-9999-AE077F0547A8}" destId="{55A9A343-2867-42F8-9113-ACA7FB7A6CEB}" srcOrd="5" destOrd="0" presId="urn:microsoft.com/office/officeart/2008/layout/LinedList"/>
-    <dgm:cxn modelId="{BA233A2B-4B10-4861-845E-69D15D5EE941}" type="presParOf" srcId="{55A9A343-2867-42F8-9113-ACA7FB7A6CEB}" destId="{4BAB3E79-64BC-4943-9099-1F17FED541B1}" srcOrd="0" destOrd="0" presId="urn:microsoft.com/office/officeart/2008/layout/LinedList"/>
-    <dgm:cxn modelId="{C084A52A-0B83-438B-B1C1-88EF482578CA}" type="presParOf" srcId="{55A9A343-2867-42F8-9113-ACA7FB7A6CEB}" destId="{E2C94251-2F6D-4414-852D-6EFE1761D370}" srcOrd="1" destOrd="0" presId="urn:microsoft.com/office/officeart/2008/layout/LinedList"/>
-    <dgm:cxn modelId="{DFD67BCA-3911-4444-84FD-449BE81DCB12}" type="presParOf" srcId="{EA0F5442-8F4F-431A-9999-AE077F0547A8}" destId="{D598A6EA-FC80-421C-BD0F-CBAFF6AA8F9D}" srcOrd="6" destOrd="0" presId="urn:microsoft.com/office/officeart/2008/layout/LinedList"/>
-    <dgm:cxn modelId="{7C188CD1-0361-47D1-84F2-A02B09DAAAB2}" type="presParOf" srcId="{EA0F5442-8F4F-431A-9999-AE077F0547A8}" destId="{FB4838DA-D2FD-4490-AFA7-EFA2B23E0DBB}" srcOrd="7" destOrd="0" presId="urn:microsoft.com/office/officeart/2008/layout/LinedList"/>
-    <dgm:cxn modelId="{D974F5EC-88D8-4FE1-9E02-AC88BA88F3CD}" type="presParOf" srcId="{FB4838DA-D2FD-4490-AFA7-EFA2B23E0DBB}" destId="{62510FBD-0C88-4010-A5A4-AB897D766E91}" srcOrd="0" destOrd="0" presId="urn:microsoft.com/office/officeart/2008/layout/LinedList"/>
-    <dgm:cxn modelId="{C24BF601-F793-45D1-B73C-44065B7DE4AF}" type="presParOf" srcId="{FB4838DA-D2FD-4490-AFA7-EFA2B23E0DBB}" destId="{7EF450C1-C779-4C72-81E6-DFFD5CAC076C}" srcOrd="1" destOrd="0" presId="urn:microsoft.com/office/officeart/2008/layout/LinedList"/>
-    <dgm:cxn modelId="{A47B5DFB-8F11-4565-A007-13C2CAA6CFE8}" type="presParOf" srcId="{EA0F5442-8F4F-431A-9999-AE077F0547A8}" destId="{11CB69D0-6549-49D6-B93B-05D60933CC55}" srcOrd="8" destOrd="0" presId="urn:microsoft.com/office/officeart/2008/layout/LinedList"/>
-    <dgm:cxn modelId="{82033F28-6C0B-42AF-9A74-58DF409CD751}" type="presParOf" srcId="{EA0F5442-8F4F-431A-9999-AE077F0547A8}" destId="{95D9372F-7689-4FE9-8451-F3578814BD38}" srcOrd="9" destOrd="0" presId="urn:microsoft.com/office/officeart/2008/layout/LinedList"/>
-    <dgm:cxn modelId="{A885BFA6-90B8-4682-A336-BDF8A671D3EF}" type="presParOf" srcId="{95D9372F-7689-4FE9-8451-F3578814BD38}" destId="{BF464759-C6C0-4F7A-A61D-A554BBB3D2E7}" srcOrd="0" destOrd="0" presId="urn:microsoft.com/office/officeart/2008/layout/LinedList"/>
-    <dgm:cxn modelId="{EEF7B2D9-F8EB-4CFF-BB3A-710231FD2326}" type="presParOf" srcId="{95D9372F-7689-4FE9-8451-F3578814BD38}" destId="{22D7BC8E-AD32-49C9-B937-1514F7317214}" srcOrd="1" destOrd="0" presId="urn:microsoft.com/office/officeart/2008/layout/LinedList"/>
+    <dgm:cxn modelId="{B3490A36-9DEC-4593-AB59-DF43650EC415}" type="presParOf" srcId="{4671C51E-EA19-4D3A-AD53-1F9D5B4D304C}" destId="{70CFCB5F-3269-45A4-8EE9-05CD6B9F6974}" srcOrd="0" destOrd="0" presId="urn:microsoft.com/office/officeart/2008/layout/LinedList"/>
+    <dgm:cxn modelId="{57FD2024-BA9E-46F6-8929-505A74C63320}" type="presParOf" srcId="{4671C51E-EA19-4D3A-AD53-1F9D5B4D304C}" destId="{CE8C90AA-5320-4D5E-8450-A4DFB946371B}" srcOrd="1" destOrd="0" presId="urn:microsoft.com/office/officeart/2008/layout/LinedList"/>
+    <dgm:cxn modelId="{5522C2C1-986A-426E-9A4A-329D9192AA9F}" type="presParOf" srcId="{CE8C90AA-5320-4D5E-8450-A4DFB946371B}" destId="{2B6EE172-15FD-423C-A35D-91A0DAACA3C7}" srcOrd="0" destOrd="0" presId="urn:microsoft.com/office/officeart/2008/layout/LinedList"/>
+    <dgm:cxn modelId="{3B3FC04B-E784-4899-99F4-F6D784F3C523}" type="presParOf" srcId="{CE8C90AA-5320-4D5E-8450-A4DFB946371B}" destId="{7544E7A6-2F8B-437F-AADC-5F0D6658B295}" srcOrd="1" destOrd="0" presId="urn:microsoft.com/office/officeart/2008/layout/LinedList"/>
+    <dgm:cxn modelId="{7A9D422E-FCFF-4575-B46A-C0B299E36B28}" type="presParOf" srcId="{4671C51E-EA19-4D3A-AD53-1F9D5B4D304C}" destId="{112AB89A-A5E7-4AEA-BF01-CAB1E2126957}" srcOrd="2" destOrd="0" presId="urn:microsoft.com/office/officeart/2008/layout/LinedList"/>
+    <dgm:cxn modelId="{B40362C4-CA48-48E1-AF80-D8731EFBFED6}" type="presParOf" srcId="{4671C51E-EA19-4D3A-AD53-1F9D5B4D304C}" destId="{BCB1EB70-B0C4-404D-A0B5-461F8294CCB6}" srcOrd="3" destOrd="0" presId="urn:microsoft.com/office/officeart/2008/layout/LinedList"/>
+    <dgm:cxn modelId="{EA68EB5E-1D58-476E-96D6-6F13FB5C7333}" type="presParOf" srcId="{BCB1EB70-B0C4-404D-A0B5-461F8294CCB6}" destId="{E49B01D8-FDE1-4C31-9436-39275F731236}" srcOrd="0" destOrd="0" presId="urn:microsoft.com/office/officeart/2008/layout/LinedList"/>
+    <dgm:cxn modelId="{B99AF018-DF05-4A39-83E5-6CF900E4E36D}" type="presParOf" srcId="{BCB1EB70-B0C4-404D-A0B5-461F8294CCB6}" destId="{8ECC7C4D-BF0B-4F08-9B2B-749E838703C8}" srcOrd="1" destOrd="0" presId="urn:microsoft.com/office/officeart/2008/layout/LinedList"/>
+    <dgm:cxn modelId="{4B70FD9F-7BA0-4459-9229-F4844BF91AD2}" type="presParOf" srcId="{4671C51E-EA19-4D3A-AD53-1F9D5B4D304C}" destId="{72682CCA-3D02-4DCC-B1A0-5B5EA53DE229}" srcOrd="4" destOrd="0" presId="urn:microsoft.com/office/officeart/2008/layout/LinedList"/>
+    <dgm:cxn modelId="{28B9ECF1-A25C-4B63-A3CD-8198D924A094}" type="presParOf" srcId="{4671C51E-EA19-4D3A-AD53-1F9D5B4D304C}" destId="{3D86E267-0400-4A86-A84D-EA80AA3792FD}" srcOrd="5" destOrd="0" presId="urn:microsoft.com/office/officeart/2008/layout/LinedList"/>
+    <dgm:cxn modelId="{7F62F455-8FE9-4997-824F-076F1C4312A5}" type="presParOf" srcId="{3D86E267-0400-4A86-A84D-EA80AA3792FD}" destId="{8AE67C63-6B2A-4998-B4DB-661DC956D366}" srcOrd="0" destOrd="0" presId="urn:microsoft.com/office/officeart/2008/layout/LinedList"/>
+    <dgm:cxn modelId="{96D8FAD5-1328-4DD5-81A3-89DE0BD9C4D9}" type="presParOf" srcId="{3D86E267-0400-4A86-A84D-EA80AA3792FD}" destId="{C729751A-82BA-4799-8802-F61C3526B410}" srcOrd="1" destOrd="0" presId="urn:microsoft.com/office/officeart/2008/layout/LinedList"/>
+    <dgm:cxn modelId="{984C188F-09CE-48D0-A169-4A8D12EC378D}" type="presParOf" srcId="{4671C51E-EA19-4D3A-AD53-1F9D5B4D304C}" destId="{B8FC4CA2-A188-45E8-A058-3AD43EAE231F}" srcOrd="6" destOrd="0" presId="urn:microsoft.com/office/officeart/2008/layout/LinedList"/>
+    <dgm:cxn modelId="{F67406DD-1DBB-4A79-AE25-F2ABB4C2DFF7}" type="presParOf" srcId="{4671C51E-EA19-4D3A-AD53-1F9D5B4D304C}" destId="{6D041611-DF6C-421B-BAC7-1300A97431A5}" srcOrd="7" destOrd="0" presId="urn:microsoft.com/office/officeart/2008/layout/LinedList"/>
+    <dgm:cxn modelId="{9BF26F55-1989-4CC6-9CB4-B4CD170F85FE}" type="presParOf" srcId="{6D041611-DF6C-421B-BAC7-1300A97431A5}" destId="{59D4D894-3915-46E1-BBE4-F8BE33EEBB29}" srcOrd="0" destOrd="0" presId="urn:microsoft.com/office/officeart/2008/layout/LinedList"/>
+    <dgm:cxn modelId="{F60E9AED-B2B8-458B-9E1B-47059EF90983}" type="presParOf" srcId="{6D041611-DF6C-421B-BAC7-1300A97431A5}" destId="{941000C3-9659-46F3-B8FA-6FAF1C4D1C4A}" srcOrd="1" destOrd="0" presId="urn:microsoft.com/office/officeart/2008/layout/LinedList"/>
+    <dgm:cxn modelId="{B42D1D91-2A92-4760-A553-9978B9045FFC}" type="presParOf" srcId="{4671C51E-EA19-4D3A-AD53-1F9D5B4D304C}" destId="{68C47E55-56AA-449C-BB18-A7D47421AD7A}" srcOrd="8" destOrd="0" presId="urn:microsoft.com/office/officeart/2008/layout/LinedList"/>
+    <dgm:cxn modelId="{EFDE4B5B-78A4-4308-873D-7B24DA6F4050}" type="presParOf" srcId="{4671C51E-EA19-4D3A-AD53-1F9D5B4D304C}" destId="{D4FD29AA-F8C2-40B5-B143-8D8DF1647674}" srcOrd="9" destOrd="0" presId="urn:microsoft.com/office/officeart/2008/layout/LinedList"/>
+    <dgm:cxn modelId="{19B4FA7A-33A4-4091-8C7B-19FE9FD9FA32}" type="presParOf" srcId="{D4FD29AA-F8C2-40B5-B143-8D8DF1647674}" destId="{72B028AD-A1E7-4E21-88A8-DE221AF5C3FE}" srcOrd="0" destOrd="0" presId="urn:microsoft.com/office/officeart/2008/layout/LinedList"/>
+    <dgm:cxn modelId="{44694446-2AE2-4EAA-B7F5-171A1103BA5A}" type="presParOf" srcId="{D4FD29AA-F8C2-40B5-B143-8D8DF1647674}" destId="{0C7FE681-F0C2-477A-B9D3-F40AD71EFA08}" srcOrd="1" destOrd="0" presId="urn:microsoft.com/office/officeart/2008/layout/LinedList"/>
   </dgm:cxnLst>
   <dgm:bg/>
   <dgm:whole/>
@@ -8050,8 +8220,8 @@
 <file path=ppt/diagrams/data4.xml><?xml version="1.0" encoding="utf-8"?>
 <dgm:dataModel xmlns:dgm="http://schemas.openxmlformats.org/drawingml/2006/diagram" xmlns:a="http://schemas.openxmlformats.org/drawingml/2006/main">
   <dgm:ptLst>
-    <dgm:pt modelId="{1567FE21-3F48-4A16-91D1-9912009EC1B5}" type="doc">
-      <dgm:prSet loTypeId="urn:microsoft.com/office/officeart/2008/layout/LinedList" loCatId="list" qsTypeId="urn:microsoft.com/office/officeart/2005/8/quickstyle/simple2" qsCatId="simple" csTypeId="urn:microsoft.com/office/officeart/2005/8/colors/accent6_2" csCatId="accent6" phldr="1"/>
+    <dgm:pt modelId="{A16BDD35-D117-4E68-A923-AF94FCE0B234}" type="doc">
+      <dgm:prSet loTypeId="urn:microsoft.com/office/officeart/2008/layout/LinedList" loCatId="list" qsTypeId="urn:microsoft.com/office/officeart/2005/8/quickstyle/simple1" qsCatId="simple" csTypeId="urn:microsoft.com/office/officeart/2005/8/colors/accent1_2" csCatId="accent1" phldr="1"/>
       <dgm:spPr/>
       <dgm:t>
         <a:bodyPr/>
@@ -8061,21 +8231,25 @@
         </a:p>
       </dgm:t>
     </dgm:pt>
-    <dgm:pt modelId="{FFF33261-D4B0-4EA4-A859-A471CD892934}">
-      <dgm:prSet custT="1"/>
+    <dgm:pt modelId="{38AE9A72-3F9B-4196-99FC-20EB4E32F2E2}">
+      <dgm:prSet phldrT="[Text]" custT="1"/>
       <dgm:spPr/>
       <dgm:t>
         <a:bodyPr/>
         <a:lstStyle/>
         <a:p>
+          <a:pPr>
+            <a:buFont typeface="+mj-lt"/>
+            <a:buAutoNum type="arabicPeriod"/>
+          </a:pPr>
           <a:r>
-            <a:rPr lang="en-US" sz="4400" dirty="0"/>
+            <a:rPr lang="en-US" sz="5400" dirty="0"/>
             <a:t>It is POWERFUL</a:t>
           </a:r>
         </a:p>
       </dgm:t>
     </dgm:pt>
-    <dgm:pt modelId="{AB769C4B-49D0-45D9-9BC0-DDDFB749A312}" type="parTrans" cxnId="{415D667C-F5AD-4020-B475-94CEDD8B6C91}">
+    <dgm:pt modelId="{C634D4A6-1B5D-4039-AF41-78E900C76802}" type="parTrans" cxnId="{9577117B-6E01-440E-BBE9-F1B5E67C2584}">
       <dgm:prSet/>
       <dgm:spPr/>
       <dgm:t>
@@ -8086,7 +8260,7 @@
         </a:p>
       </dgm:t>
     </dgm:pt>
-    <dgm:pt modelId="{D94A16A6-9F34-4F2A-AF48-99347A748628}" type="sibTrans" cxnId="{415D667C-F5AD-4020-B475-94CEDD8B6C91}">
+    <dgm:pt modelId="{3EADC5D4-C257-471F-A8DF-01A35903C9AF}" type="sibTrans" cxnId="{9577117B-6E01-440E-BBE9-F1B5E67C2584}">
       <dgm:prSet/>
       <dgm:spPr/>
       <dgm:t>
@@ -8097,7 +8271,7 @@
         </a:p>
       </dgm:t>
     </dgm:pt>
-    <dgm:pt modelId="{2576835F-23E9-4E61-92D2-E61260AADED7}">
+    <dgm:pt modelId="{8D3802D5-B1CF-4EBE-90CA-B7328891FBC0}">
       <dgm:prSet custT="1"/>
       <dgm:spPr/>
       <dgm:t>
@@ -8105,13 +8279,13 @@
         <a:lstStyle/>
         <a:p>
           <a:r>
-            <a:rPr lang="en-US" sz="4400" dirty="0"/>
+            <a:rPr lang="en-US" sz="5400" dirty="0"/>
             <a:t>It is EVERYWHERE</a:t>
           </a:r>
         </a:p>
       </dgm:t>
     </dgm:pt>
-    <dgm:pt modelId="{1128C282-3F02-4064-A15D-85EB3025AFB0}" type="parTrans" cxnId="{7E5A9F18-9E18-40C9-A1C6-64CB43CBACE6}">
+    <dgm:pt modelId="{B1CED1A3-2CC4-48CC-9C41-9467BCB6EE38}" type="parTrans" cxnId="{C6B712E7-C3AA-42C3-8BA2-D74D3569FCC5}">
       <dgm:prSet/>
       <dgm:spPr/>
       <dgm:t>
@@ -8122,7 +8296,7 @@
         </a:p>
       </dgm:t>
     </dgm:pt>
-    <dgm:pt modelId="{B5E392DF-4CAA-4D52-9404-1C00B53FA71C}" type="sibTrans" cxnId="{7E5A9F18-9E18-40C9-A1C6-64CB43CBACE6}">
+    <dgm:pt modelId="{5DF0A257-37D2-4CC8-AEAF-E3C93B6834FA}" type="sibTrans" cxnId="{C6B712E7-C3AA-42C3-8BA2-D74D3569FCC5}">
       <dgm:prSet/>
       <dgm:spPr/>
       <dgm:t>
@@ -8133,7 +8307,7 @@
         </a:p>
       </dgm:t>
     </dgm:pt>
-    <dgm:pt modelId="{0644AED2-D22C-42FE-BA30-147ADD94A2B3}">
+    <dgm:pt modelId="{9C899215-45EF-42E2-BAAF-F07C7B13F76A}">
       <dgm:prSet custT="1"/>
       <dgm:spPr/>
       <dgm:t>
@@ -8141,13 +8315,13 @@
         <a:lstStyle/>
         <a:p>
           <a:r>
-            <a:rPr lang="en-US" sz="4400" dirty="0"/>
+            <a:rPr lang="en-US" sz="5400" dirty="0"/>
             <a:t>It is FAMILIAR</a:t>
           </a:r>
         </a:p>
       </dgm:t>
     </dgm:pt>
-    <dgm:pt modelId="{F14F52EB-F207-43B2-9EBB-048FF26B4BC6}" type="parTrans" cxnId="{D64B8842-E103-4A88-BA05-658BF98F94AC}">
+    <dgm:pt modelId="{3081F82A-EB07-4225-8A40-59CFA8A903AF}" type="parTrans" cxnId="{817EF983-3A8F-476A-AD77-7A07B81C793C}">
       <dgm:prSet/>
       <dgm:spPr/>
       <dgm:t>
@@ -8158,7 +8332,7 @@
         </a:p>
       </dgm:t>
     </dgm:pt>
-    <dgm:pt modelId="{8C2C639F-5FCC-4B2B-AB46-124FB4DFEB6F}" type="sibTrans" cxnId="{D64B8842-E103-4A88-BA05-658BF98F94AC}">
+    <dgm:pt modelId="{E50319E6-202E-4B14-939E-A90DD15F103E}" type="sibTrans" cxnId="{817EF983-3A8F-476A-AD77-7A07B81C793C}">
       <dgm:prSet/>
       <dgm:spPr/>
       <dgm:t>
@@ -8169,8 +8343,8 @@
         </a:p>
       </dgm:t>
     </dgm:pt>
-    <dgm:pt modelId="{5E23EA99-FC74-4D17-A2FE-0648BAA4DE04}" type="pres">
-      <dgm:prSet presAssocID="{1567FE21-3F48-4A16-91D1-9912009EC1B5}" presName="vert0" presStyleCnt="0">
+    <dgm:pt modelId="{F6496B3E-3FDF-43F2-944A-F2D34A9C31CE}" type="pres">
+      <dgm:prSet presAssocID="{A16BDD35-D117-4E68-A923-AF94FCE0B234}" presName="vert0" presStyleCnt="0">
         <dgm:presLayoutVars>
           <dgm:dir/>
           <dgm:animOne val="branch"/>
@@ -8179,81 +8353,81 @@
       </dgm:prSet>
       <dgm:spPr/>
     </dgm:pt>
-    <dgm:pt modelId="{61C3D1BF-5B90-44F9-B121-565CAF5B7392}" type="pres">
-      <dgm:prSet presAssocID="{FFF33261-D4B0-4EA4-A859-A471CD892934}" presName="thickLine" presStyleLbl="alignNode1" presStyleIdx="0" presStyleCnt="3"/>
+    <dgm:pt modelId="{26C35023-4B58-46EF-B0E6-AD612E0487B3}" type="pres">
+      <dgm:prSet presAssocID="{38AE9A72-3F9B-4196-99FC-20EB4E32F2E2}" presName="thickLine" presStyleLbl="alignNode1" presStyleIdx="0" presStyleCnt="3"/>
       <dgm:spPr/>
     </dgm:pt>
-    <dgm:pt modelId="{9C2CAAB5-8FE3-42AC-8C4C-8AD01EB662AD}" type="pres">
-      <dgm:prSet presAssocID="{FFF33261-D4B0-4EA4-A859-A471CD892934}" presName="horz1" presStyleCnt="0"/>
+    <dgm:pt modelId="{ED123111-FA01-4B9E-AD31-E26B617D3D13}" type="pres">
+      <dgm:prSet presAssocID="{38AE9A72-3F9B-4196-99FC-20EB4E32F2E2}" presName="horz1" presStyleCnt="0"/>
       <dgm:spPr/>
     </dgm:pt>
-    <dgm:pt modelId="{54E93B1E-C886-4AA3-ADBE-90EFC59FEC20}" type="pres">
-      <dgm:prSet presAssocID="{FFF33261-D4B0-4EA4-A859-A471CD892934}" presName="tx1" presStyleLbl="revTx" presStyleIdx="0" presStyleCnt="3"/>
+    <dgm:pt modelId="{E2EC9C68-3FFE-435C-BDFD-D9BFA9BA3D52}" type="pres">
+      <dgm:prSet presAssocID="{38AE9A72-3F9B-4196-99FC-20EB4E32F2E2}" presName="tx1" presStyleLbl="revTx" presStyleIdx="0" presStyleCnt="3"/>
       <dgm:spPr/>
     </dgm:pt>
-    <dgm:pt modelId="{DE25580E-AA41-4343-88C5-3ACFAE5DC904}" type="pres">
-      <dgm:prSet presAssocID="{FFF33261-D4B0-4EA4-A859-A471CD892934}" presName="vert1" presStyleCnt="0"/>
+    <dgm:pt modelId="{B65762F0-1AB6-4FC0-AF12-B6E55ACBEDA5}" type="pres">
+      <dgm:prSet presAssocID="{38AE9A72-3F9B-4196-99FC-20EB4E32F2E2}" presName="vert1" presStyleCnt="0"/>
       <dgm:spPr/>
     </dgm:pt>
-    <dgm:pt modelId="{9D339993-68B1-4038-8700-D64983765C2D}" type="pres">
-      <dgm:prSet presAssocID="{2576835F-23E9-4E61-92D2-E61260AADED7}" presName="thickLine" presStyleLbl="alignNode1" presStyleIdx="1" presStyleCnt="3"/>
+    <dgm:pt modelId="{280E6D8E-20BB-46CB-98C6-7350DF1CEA6E}" type="pres">
+      <dgm:prSet presAssocID="{8D3802D5-B1CF-4EBE-90CA-B7328891FBC0}" presName="thickLine" presStyleLbl="alignNode1" presStyleIdx="1" presStyleCnt="3"/>
       <dgm:spPr/>
     </dgm:pt>
-    <dgm:pt modelId="{0AA0E5B5-E131-452A-89B2-EB3BEDBDADCE}" type="pres">
-      <dgm:prSet presAssocID="{2576835F-23E9-4E61-92D2-E61260AADED7}" presName="horz1" presStyleCnt="0"/>
+    <dgm:pt modelId="{BF4062DF-399E-4985-9E42-51912BD2D244}" type="pres">
+      <dgm:prSet presAssocID="{8D3802D5-B1CF-4EBE-90CA-B7328891FBC0}" presName="horz1" presStyleCnt="0"/>
       <dgm:spPr/>
     </dgm:pt>
-    <dgm:pt modelId="{BC7E84E4-0CAC-466A-A2DB-2964783080A7}" type="pres">
-      <dgm:prSet presAssocID="{2576835F-23E9-4E61-92D2-E61260AADED7}" presName="tx1" presStyleLbl="revTx" presStyleIdx="1" presStyleCnt="3"/>
+    <dgm:pt modelId="{DCC93AAB-1F26-4CD7-81B3-C5959C5E5F00}" type="pres">
+      <dgm:prSet presAssocID="{8D3802D5-B1CF-4EBE-90CA-B7328891FBC0}" presName="tx1" presStyleLbl="revTx" presStyleIdx="1" presStyleCnt="3"/>
       <dgm:spPr/>
     </dgm:pt>
-    <dgm:pt modelId="{C17AEBD3-242C-4EB2-A20F-D133115B7106}" type="pres">
-      <dgm:prSet presAssocID="{2576835F-23E9-4E61-92D2-E61260AADED7}" presName="vert1" presStyleCnt="0"/>
+    <dgm:pt modelId="{5BF32AA3-9241-4FE9-94C5-5FEB22FD6FB9}" type="pres">
+      <dgm:prSet presAssocID="{8D3802D5-B1CF-4EBE-90CA-B7328891FBC0}" presName="vert1" presStyleCnt="0"/>
       <dgm:spPr/>
     </dgm:pt>
-    <dgm:pt modelId="{F6B103A6-1596-4DA3-9B8D-3608D278196D}" type="pres">
-      <dgm:prSet presAssocID="{0644AED2-D22C-42FE-BA30-147ADD94A2B3}" presName="thickLine" presStyleLbl="alignNode1" presStyleIdx="2" presStyleCnt="3"/>
+    <dgm:pt modelId="{9D39359B-6295-435F-BB12-6B1681DCB10C}" type="pres">
+      <dgm:prSet presAssocID="{9C899215-45EF-42E2-BAAF-F07C7B13F76A}" presName="thickLine" presStyleLbl="alignNode1" presStyleIdx="2" presStyleCnt="3"/>
       <dgm:spPr/>
     </dgm:pt>
-    <dgm:pt modelId="{BE90AF53-2449-4A7F-AB00-B64CCFD41B5B}" type="pres">
-      <dgm:prSet presAssocID="{0644AED2-D22C-42FE-BA30-147ADD94A2B3}" presName="horz1" presStyleCnt="0"/>
+    <dgm:pt modelId="{5CC137B4-B430-4F14-8310-62BEEF779F0B}" type="pres">
+      <dgm:prSet presAssocID="{9C899215-45EF-42E2-BAAF-F07C7B13F76A}" presName="horz1" presStyleCnt="0"/>
       <dgm:spPr/>
     </dgm:pt>
-    <dgm:pt modelId="{A7BC7F59-749E-41AB-89C9-1A8A9467B913}" type="pres">
-      <dgm:prSet presAssocID="{0644AED2-D22C-42FE-BA30-147ADD94A2B3}" presName="tx1" presStyleLbl="revTx" presStyleIdx="2" presStyleCnt="3"/>
+    <dgm:pt modelId="{1ABCCAD8-A36A-4F18-8117-18D694220E7F}" type="pres">
+      <dgm:prSet presAssocID="{9C899215-45EF-42E2-BAAF-F07C7B13F76A}" presName="tx1" presStyleLbl="revTx" presStyleIdx="2" presStyleCnt="3"/>
       <dgm:spPr/>
     </dgm:pt>
-    <dgm:pt modelId="{11A3FA89-FD2D-4242-9856-5A2026FC2E94}" type="pres">
-      <dgm:prSet presAssocID="{0644AED2-D22C-42FE-BA30-147ADD94A2B3}" presName="vert1" presStyleCnt="0"/>
+    <dgm:pt modelId="{31C8624E-B92F-4F8D-87E5-F1DB058260B2}" type="pres">
+      <dgm:prSet presAssocID="{9C899215-45EF-42E2-BAAF-F07C7B13F76A}" presName="vert1" presStyleCnt="0"/>
       <dgm:spPr/>
     </dgm:pt>
   </dgm:ptLst>
   <dgm:cxnLst>
-    <dgm:cxn modelId="{7E5A9F18-9E18-40C9-A1C6-64CB43CBACE6}" srcId="{1567FE21-3F48-4A16-91D1-9912009EC1B5}" destId="{2576835F-23E9-4E61-92D2-E61260AADED7}" srcOrd="1" destOrd="0" parTransId="{1128C282-3F02-4064-A15D-85EB3025AFB0}" sibTransId="{B5E392DF-4CAA-4D52-9404-1C00B53FA71C}"/>
-    <dgm:cxn modelId="{84ED682E-4E26-4613-BC1A-5BDA7E002BFF}" type="presOf" srcId="{1567FE21-3F48-4A16-91D1-9912009EC1B5}" destId="{5E23EA99-FC74-4D17-A2FE-0648BAA4DE04}" srcOrd="0" destOrd="0" presId="urn:microsoft.com/office/officeart/2008/layout/LinedList"/>
-    <dgm:cxn modelId="{D64B8842-E103-4A88-BA05-658BF98F94AC}" srcId="{1567FE21-3F48-4A16-91D1-9912009EC1B5}" destId="{0644AED2-D22C-42FE-BA30-147ADD94A2B3}" srcOrd="2" destOrd="0" parTransId="{F14F52EB-F207-43B2-9EBB-048FF26B4BC6}" sibTransId="{8C2C639F-5FCC-4B2B-AB46-124FB4DFEB6F}"/>
-    <dgm:cxn modelId="{3E05254C-7FD1-46A0-889B-49E35DEF7678}" type="presOf" srcId="{FFF33261-D4B0-4EA4-A859-A471CD892934}" destId="{54E93B1E-C886-4AA3-ADBE-90EFC59FEC20}" srcOrd="0" destOrd="0" presId="urn:microsoft.com/office/officeart/2008/layout/LinedList"/>
-    <dgm:cxn modelId="{3FB65B58-85C8-4461-8340-78B8CF7CA971}" type="presOf" srcId="{2576835F-23E9-4E61-92D2-E61260AADED7}" destId="{BC7E84E4-0CAC-466A-A2DB-2964783080A7}" srcOrd="0" destOrd="0" presId="urn:microsoft.com/office/officeart/2008/layout/LinedList"/>
-    <dgm:cxn modelId="{415D667C-F5AD-4020-B475-94CEDD8B6C91}" srcId="{1567FE21-3F48-4A16-91D1-9912009EC1B5}" destId="{FFF33261-D4B0-4EA4-A859-A471CD892934}" srcOrd="0" destOrd="0" parTransId="{AB769C4B-49D0-45D9-9BC0-DDDFB749A312}" sibTransId="{D94A16A6-9F34-4F2A-AF48-99347A748628}"/>
-    <dgm:cxn modelId="{32B9A6BA-2F90-4252-9507-2619D20B8790}" type="presOf" srcId="{0644AED2-D22C-42FE-BA30-147ADD94A2B3}" destId="{A7BC7F59-749E-41AB-89C9-1A8A9467B913}" srcOrd="0" destOrd="0" presId="urn:microsoft.com/office/officeart/2008/layout/LinedList"/>
-    <dgm:cxn modelId="{50926C27-2ABF-4759-A1E0-A3FCD696F7FF}" type="presParOf" srcId="{5E23EA99-FC74-4D17-A2FE-0648BAA4DE04}" destId="{61C3D1BF-5B90-44F9-B121-565CAF5B7392}" srcOrd="0" destOrd="0" presId="urn:microsoft.com/office/officeart/2008/layout/LinedList"/>
-    <dgm:cxn modelId="{671A35A3-6050-4B86-821E-1772C1EC4508}" type="presParOf" srcId="{5E23EA99-FC74-4D17-A2FE-0648BAA4DE04}" destId="{9C2CAAB5-8FE3-42AC-8C4C-8AD01EB662AD}" srcOrd="1" destOrd="0" presId="urn:microsoft.com/office/officeart/2008/layout/LinedList"/>
-    <dgm:cxn modelId="{8FA9B35F-58AA-431D-8797-9465830814F0}" type="presParOf" srcId="{9C2CAAB5-8FE3-42AC-8C4C-8AD01EB662AD}" destId="{54E93B1E-C886-4AA3-ADBE-90EFC59FEC20}" srcOrd="0" destOrd="0" presId="urn:microsoft.com/office/officeart/2008/layout/LinedList"/>
-    <dgm:cxn modelId="{D43444F7-08CE-4BAA-8626-CE1E889AB8BC}" type="presParOf" srcId="{9C2CAAB5-8FE3-42AC-8C4C-8AD01EB662AD}" destId="{DE25580E-AA41-4343-88C5-3ACFAE5DC904}" srcOrd="1" destOrd="0" presId="urn:microsoft.com/office/officeart/2008/layout/LinedList"/>
-    <dgm:cxn modelId="{F1314B30-7D81-4E63-B9B4-F1C2525AF36F}" type="presParOf" srcId="{5E23EA99-FC74-4D17-A2FE-0648BAA4DE04}" destId="{9D339993-68B1-4038-8700-D64983765C2D}" srcOrd="2" destOrd="0" presId="urn:microsoft.com/office/officeart/2008/layout/LinedList"/>
-    <dgm:cxn modelId="{6D336DFA-1733-43A0-95EE-E173DFA02CAE}" type="presParOf" srcId="{5E23EA99-FC74-4D17-A2FE-0648BAA4DE04}" destId="{0AA0E5B5-E131-452A-89B2-EB3BEDBDADCE}" srcOrd="3" destOrd="0" presId="urn:microsoft.com/office/officeart/2008/layout/LinedList"/>
-    <dgm:cxn modelId="{C0AD726D-02F2-40FD-90DF-114FD096D1AF}" type="presParOf" srcId="{0AA0E5B5-E131-452A-89B2-EB3BEDBDADCE}" destId="{BC7E84E4-0CAC-466A-A2DB-2964783080A7}" srcOrd="0" destOrd="0" presId="urn:microsoft.com/office/officeart/2008/layout/LinedList"/>
-    <dgm:cxn modelId="{70CFE3B5-AB75-44B8-A1D5-4E3DDEEBA9F0}" type="presParOf" srcId="{0AA0E5B5-E131-452A-89B2-EB3BEDBDADCE}" destId="{C17AEBD3-242C-4EB2-A20F-D133115B7106}" srcOrd="1" destOrd="0" presId="urn:microsoft.com/office/officeart/2008/layout/LinedList"/>
-    <dgm:cxn modelId="{6EDDF145-5B57-4A90-8522-353CF2CA0F63}" type="presParOf" srcId="{5E23EA99-FC74-4D17-A2FE-0648BAA4DE04}" destId="{F6B103A6-1596-4DA3-9B8D-3608D278196D}" srcOrd="4" destOrd="0" presId="urn:microsoft.com/office/officeart/2008/layout/LinedList"/>
-    <dgm:cxn modelId="{308935AF-3418-45AB-807F-BCC7952EC2BD}" type="presParOf" srcId="{5E23EA99-FC74-4D17-A2FE-0648BAA4DE04}" destId="{BE90AF53-2449-4A7F-AB00-B64CCFD41B5B}" srcOrd="5" destOrd="0" presId="urn:microsoft.com/office/officeart/2008/layout/LinedList"/>
-    <dgm:cxn modelId="{986C4417-47B4-4B4C-92BE-2869C2AC026E}" type="presParOf" srcId="{BE90AF53-2449-4A7F-AB00-B64CCFD41B5B}" destId="{A7BC7F59-749E-41AB-89C9-1A8A9467B913}" srcOrd="0" destOrd="0" presId="urn:microsoft.com/office/officeart/2008/layout/LinedList"/>
-    <dgm:cxn modelId="{DF49907F-E77A-4326-869E-119FAC0BED64}" type="presParOf" srcId="{BE90AF53-2449-4A7F-AB00-B64CCFD41B5B}" destId="{11A3FA89-FD2D-4242-9856-5A2026FC2E94}" srcOrd="1" destOrd="0" presId="urn:microsoft.com/office/officeart/2008/layout/LinedList"/>
+    <dgm:cxn modelId="{206F6164-FF46-44CB-813A-0CBC138D72FA}" type="presOf" srcId="{38AE9A72-3F9B-4196-99FC-20EB4E32F2E2}" destId="{E2EC9C68-3FFE-435C-BDFD-D9BFA9BA3D52}" srcOrd="0" destOrd="0" presId="urn:microsoft.com/office/officeart/2008/layout/LinedList"/>
+    <dgm:cxn modelId="{9577117B-6E01-440E-BBE9-F1B5E67C2584}" srcId="{A16BDD35-D117-4E68-A923-AF94FCE0B234}" destId="{38AE9A72-3F9B-4196-99FC-20EB4E32F2E2}" srcOrd="0" destOrd="0" parTransId="{C634D4A6-1B5D-4039-AF41-78E900C76802}" sibTransId="{3EADC5D4-C257-471F-A8DF-01A35903C9AF}"/>
+    <dgm:cxn modelId="{817EF983-3A8F-476A-AD77-7A07B81C793C}" srcId="{A16BDD35-D117-4E68-A923-AF94FCE0B234}" destId="{9C899215-45EF-42E2-BAAF-F07C7B13F76A}" srcOrd="2" destOrd="0" parTransId="{3081F82A-EB07-4225-8A40-59CFA8A903AF}" sibTransId="{E50319E6-202E-4B14-939E-A90DD15F103E}"/>
+    <dgm:cxn modelId="{B03D7D9F-B3F6-459F-AAAA-B189DA610A9A}" type="presOf" srcId="{9C899215-45EF-42E2-BAAF-F07C7B13F76A}" destId="{1ABCCAD8-A36A-4F18-8117-18D694220E7F}" srcOrd="0" destOrd="0" presId="urn:microsoft.com/office/officeart/2008/layout/LinedList"/>
+    <dgm:cxn modelId="{C6B712E7-C3AA-42C3-8BA2-D74D3569FCC5}" srcId="{A16BDD35-D117-4E68-A923-AF94FCE0B234}" destId="{8D3802D5-B1CF-4EBE-90CA-B7328891FBC0}" srcOrd="1" destOrd="0" parTransId="{B1CED1A3-2CC4-48CC-9C41-9467BCB6EE38}" sibTransId="{5DF0A257-37D2-4CC8-AEAF-E3C93B6834FA}"/>
+    <dgm:cxn modelId="{2FDB44FA-2D67-4668-B10D-54F3B2DFD166}" type="presOf" srcId="{A16BDD35-D117-4E68-A923-AF94FCE0B234}" destId="{F6496B3E-3FDF-43F2-944A-F2D34A9C31CE}" srcOrd="0" destOrd="0" presId="urn:microsoft.com/office/officeart/2008/layout/LinedList"/>
+    <dgm:cxn modelId="{E14D55FF-BD25-4CE1-9A2A-506A78AEB295}" type="presOf" srcId="{8D3802D5-B1CF-4EBE-90CA-B7328891FBC0}" destId="{DCC93AAB-1F26-4CD7-81B3-C5959C5E5F00}" srcOrd="0" destOrd="0" presId="urn:microsoft.com/office/officeart/2008/layout/LinedList"/>
+    <dgm:cxn modelId="{6E8A4277-5468-4DE1-A43E-76844548BEFB}" type="presParOf" srcId="{F6496B3E-3FDF-43F2-944A-F2D34A9C31CE}" destId="{26C35023-4B58-46EF-B0E6-AD612E0487B3}" srcOrd="0" destOrd="0" presId="urn:microsoft.com/office/officeart/2008/layout/LinedList"/>
+    <dgm:cxn modelId="{D63EF27E-B699-450A-93B2-744D448D98B8}" type="presParOf" srcId="{F6496B3E-3FDF-43F2-944A-F2D34A9C31CE}" destId="{ED123111-FA01-4B9E-AD31-E26B617D3D13}" srcOrd="1" destOrd="0" presId="urn:microsoft.com/office/officeart/2008/layout/LinedList"/>
+    <dgm:cxn modelId="{5062C96C-3BF4-4C0F-BBCE-879C45115A2E}" type="presParOf" srcId="{ED123111-FA01-4B9E-AD31-E26B617D3D13}" destId="{E2EC9C68-3FFE-435C-BDFD-D9BFA9BA3D52}" srcOrd="0" destOrd="0" presId="urn:microsoft.com/office/officeart/2008/layout/LinedList"/>
+    <dgm:cxn modelId="{9ED8CE58-48C8-498A-9EA0-9FDAF747A09C}" type="presParOf" srcId="{ED123111-FA01-4B9E-AD31-E26B617D3D13}" destId="{B65762F0-1AB6-4FC0-AF12-B6E55ACBEDA5}" srcOrd="1" destOrd="0" presId="urn:microsoft.com/office/officeart/2008/layout/LinedList"/>
+    <dgm:cxn modelId="{49900411-B230-4C28-91FC-C89B43BF8020}" type="presParOf" srcId="{F6496B3E-3FDF-43F2-944A-F2D34A9C31CE}" destId="{280E6D8E-20BB-46CB-98C6-7350DF1CEA6E}" srcOrd="2" destOrd="0" presId="urn:microsoft.com/office/officeart/2008/layout/LinedList"/>
+    <dgm:cxn modelId="{B8060FDD-18F1-4A89-875B-5C58AB021AF2}" type="presParOf" srcId="{F6496B3E-3FDF-43F2-944A-F2D34A9C31CE}" destId="{BF4062DF-399E-4985-9E42-51912BD2D244}" srcOrd="3" destOrd="0" presId="urn:microsoft.com/office/officeart/2008/layout/LinedList"/>
+    <dgm:cxn modelId="{ECE0B199-3B6D-4F83-9170-B8E5C7BCB38B}" type="presParOf" srcId="{BF4062DF-399E-4985-9E42-51912BD2D244}" destId="{DCC93AAB-1F26-4CD7-81B3-C5959C5E5F00}" srcOrd="0" destOrd="0" presId="urn:microsoft.com/office/officeart/2008/layout/LinedList"/>
+    <dgm:cxn modelId="{C399FAB6-5546-43BE-81C1-C233965A1BB7}" type="presParOf" srcId="{BF4062DF-399E-4985-9E42-51912BD2D244}" destId="{5BF32AA3-9241-4FE9-94C5-5FEB22FD6FB9}" srcOrd="1" destOrd="0" presId="urn:microsoft.com/office/officeart/2008/layout/LinedList"/>
+    <dgm:cxn modelId="{F36FDCB0-EACA-4C47-9E72-14FA6A5FFA0D}" type="presParOf" srcId="{F6496B3E-3FDF-43F2-944A-F2D34A9C31CE}" destId="{9D39359B-6295-435F-BB12-6B1681DCB10C}" srcOrd="4" destOrd="0" presId="urn:microsoft.com/office/officeart/2008/layout/LinedList"/>
+    <dgm:cxn modelId="{F01625D0-1094-4F68-BF80-58B9CC0FA5F8}" type="presParOf" srcId="{F6496B3E-3FDF-43F2-944A-F2D34A9C31CE}" destId="{5CC137B4-B430-4F14-8310-62BEEF779F0B}" srcOrd="5" destOrd="0" presId="urn:microsoft.com/office/officeart/2008/layout/LinedList"/>
+    <dgm:cxn modelId="{A52E2804-1173-4057-A236-BBF48F455B30}" type="presParOf" srcId="{5CC137B4-B430-4F14-8310-62BEEF779F0B}" destId="{1ABCCAD8-A36A-4F18-8117-18D694220E7F}" srcOrd="0" destOrd="0" presId="urn:microsoft.com/office/officeart/2008/layout/LinedList"/>
+    <dgm:cxn modelId="{2AE3124E-951B-42B8-86A6-7B1F62E4EEE9}" type="presParOf" srcId="{5CC137B4-B430-4F14-8310-62BEEF779F0B}" destId="{31C8624E-B92F-4F8D-87E5-F1DB058260B2}" srcOrd="1" destOrd="0" presId="urn:microsoft.com/office/officeart/2008/layout/LinedList"/>
   </dgm:cxnLst>
   <dgm:bg/>
   <dgm:whole/>
   <dgm:extLst>
     <a:ext uri="http://schemas.microsoft.com/office/drawing/2008/diagram">
-      <dsp:dataModelExt xmlns:dsp="http://schemas.microsoft.com/office/drawing/2008/diagram" relId="rId7" minVer="http://schemas.openxmlformats.org/drawingml/2006/diagram"/>
+      <dsp:dataModelExt xmlns:dsp="http://schemas.microsoft.com/office/drawing/2008/diagram" relId="rId8" minVer="http://schemas.openxmlformats.org/drawingml/2006/diagram"/>
     </a:ext>
   </dgm:extLst>
 </dgm:dataModel>
@@ -8782,6 +8956,42 @@
         </a:p>
       </dgm:t>
     </dgm:pt>
+    <dgm:pt modelId="{23D49CE9-B533-4BD9-A212-690DB777492B}">
+      <dgm:prSet custT="1"/>
+      <dgm:spPr/>
+      <dgm:t>
+        <a:bodyPr/>
+        <a:lstStyle/>
+        <a:p>
+          <a:r>
+            <a:rPr lang="en-US" sz="2800" dirty="0"/>
+            <a:t>VS Code &amp; ISE</a:t>
+          </a:r>
+        </a:p>
+      </dgm:t>
+    </dgm:pt>
+    <dgm:pt modelId="{3F749DD4-5E66-45E3-AF39-9CF316FD453C}" type="parTrans" cxnId="{16BBA57F-C412-4D06-9600-52A3D506C760}">
+      <dgm:prSet/>
+      <dgm:spPr/>
+      <dgm:t>
+        <a:bodyPr/>
+        <a:lstStyle/>
+        <a:p>
+          <a:endParaRPr lang="en-US"/>
+        </a:p>
+      </dgm:t>
+    </dgm:pt>
+    <dgm:pt modelId="{3E26134F-F1AC-4645-9CCD-6206DC73C8F0}" type="sibTrans" cxnId="{16BBA57F-C412-4D06-9600-52A3D506C760}">
+      <dgm:prSet/>
+      <dgm:spPr/>
+      <dgm:t>
+        <a:bodyPr/>
+        <a:lstStyle/>
+        <a:p>
+          <a:endParaRPr lang="en-US"/>
+        </a:p>
+      </dgm:t>
+    </dgm:pt>
     <dgm:pt modelId="{DE189EE5-B530-4E83-92AF-139E246161C7}" type="pres">
       <dgm:prSet presAssocID="{1393A85F-0B39-4472-9E5D-FFE623668187}" presName="vert0" presStyleCnt="0">
         <dgm:presLayoutVars>
@@ -8792,8 +9002,24 @@
       </dgm:prSet>
       <dgm:spPr/>
     </dgm:pt>
+    <dgm:pt modelId="{5B220136-2F2C-4939-8F03-0FB09EB8F39E}" type="pres">
+      <dgm:prSet presAssocID="{23D49CE9-B533-4BD9-A212-690DB777492B}" presName="thickLine" presStyleLbl="alignNode1" presStyleIdx="0" presStyleCnt="6"/>
+      <dgm:spPr/>
+    </dgm:pt>
+    <dgm:pt modelId="{78B89A92-ED9D-4B28-97E9-40775BB6F3B1}" type="pres">
+      <dgm:prSet presAssocID="{23D49CE9-B533-4BD9-A212-690DB777492B}" presName="horz1" presStyleCnt="0"/>
+      <dgm:spPr/>
+    </dgm:pt>
+    <dgm:pt modelId="{CA808670-B7D7-4BE9-A055-D69DEA72D6A4}" type="pres">
+      <dgm:prSet presAssocID="{23D49CE9-B533-4BD9-A212-690DB777492B}" presName="tx1" presStyleLbl="revTx" presStyleIdx="0" presStyleCnt="6"/>
+      <dgm:spPr/>
+    </dgm:pt>
+    <dgm:pt modelId="{56E0A6E8-A1E4-4904-8F09-28174467FFF9}" type="pres">
+      <dgm:prSet presAssocID="{23D49CE9-B533-4BD9-A212-690DB777492B}" presName="vert1" presStyleCnt="0"/>
+      <dgm:spPr/>
+    </dgm:pt>
     <dgm:pt modelId="{7F7387AC-0D7E-4F74-AA04-EDF2DE617966}" type="pres">
-      <dgm:prSet presAssocID="{BED09995-17F8-4861-9C60-87D7C6BD2517}" presName="thickLine" presStyleLbl="alignNode1" presStyleIdx="0" presStyleCnt="5"/>
+      <dgm:prSet presAssocID="{BED09995-17F8-4861-9C60-87D7C6BD2517}" presName="thickLine" presStyleLbl="alignNode1" presStyleIdx="1" presStyleCnt="6"/>
       <dgm:spPr/>
     </dgm:pt>
     <dgm:pt modelId="{EAA430D5-9051-498B-A166-FB83B6E04D89}" type="pres">
@@ -8801,7 +9027,7 @@
       <dgm:spPr/>
     </dgm:pt>
     <dgm:pt modelId="{0CE2C442-9DE6-4506-965C-7FAD25A00112}" type="pres">
-      <dgm:prSet presAssocID="{BED09995-17F8-4861-9C60-87D7C6BD2517}" presName="tx1" presStyleLbl="revTx" presStyleIdx="0" presStyleCnt="5"/>
+      <dgm:prSet presAssocID="{BED09995-17F8-4861-9C60-87D7C6BD2517}" presName="tx1" presStyleLbl="revTx" presStyleIdx="1" presStyleCnt="6"/>
       <dgm:spPr/>
     </dgm:pt>
     <dgm:pt modelId="{C7AAE8FE-04B2-43E0-8AEE-8DD6AF91AFFB}" type="pres">
@@ -8809,7 +9035,7 @@
       <dgm:spPr/>
     </dgm:pt>
     <dgm:pt modelId="{282C9D1C-3F94-4BBB-B871-7CE39C79E409}" type="pres">
-      <dgm:prSet presAssocID="{751E0F61-2512-4A19-8370-16B31EFE2794}" presName="thickLine" presStyleLbl="alignNode1" presStyleIdx="1" presStyleCnt="5"/>
+      <dgm:prSet presAssocID="{751E0F61-2512-4A19-8370-16B31EFE2794}" presName="thickLine" presStyleLbl="alignNode1" presStyleIdx="2" presStyleCnt="6"/>
       <dgm:spPr/>
     </dgm:pt>
     <dgm:pt modelId="{6C2FAF7A-60A7-4928-9998-A9C41AA1A2FA}" type="pres">
@@ -8817,7 +9043,7 @@
       <dgm:spPr/>
     </dgm:pt>
     <dgm:pt modelId="{18F5525E-9CF5-4731-99B5-660F9CC4B413}" type="pres">
-      <dgm:prSet presAssocID="{751E0F61-2512-4A19-8370-16B31EFE2794}" presName="tx1" presStyleLbl="revTx" presStyleIdx="1" presStyleCnt="5"/>
+      <dgm:prSet presAssocID="{751E0F61-2512-4A19-8370-16B31EFE2794}" presName="tx1" presStyleLbl="revTx" presStyleIdx="2" presStyleCnt="6"/>
       <dgm:spPr/>
     </dgm:pt>
     <dgm:pt modelId="{030C137A-18AC-4969-B4A9-82562B36FD8B}" type="pres">
@@ -8825,7 +9051,7 @@
       <dgm:spPr/>
     </dgm:pt>
     <dgm:pt modelId="{97DBECF8-C9F4-437B-BD37-F654EB1CA5F8}" type="pres">
-      <dgm:prSet presAssocID="{25DC99BE-E7B0-43D7-B648-CCC48E500A3B}" presName="thickLine" presStyleLbl="alignNode1" presStyleIdx="2" presStyleCnt="5"/>
+      <dgm:prSet presAssocID="{25DC99BE-E7B0-43D7-B648-CCC48E500A3B}" presName="thickLine" presStyleLbl="alignNode1" presStyleIdx="3" presStyleCnt="6"/>
       <dgm:spPr/>
     </dgm:pt>
     <dgm:pt modelId="{20184441-20C8-4AB3-B195-66C7A928321F}" type="pres">
@@ -8833,7 +9059,7 @@
       <dgm:spPr/>
     </dgm:pt>
     <dgm:pt modelId="{C0F1A823-9A81-416A-BF6E-2AE8EF4150E0}" type="pres">
-      <dgm:prSet presAssocID="{25DC99BE-E7B0-43D7-B648-CCC48E500A3B}" presName="tx1" presStyleLbl="revTx" presStyleIdx="2" presStyleCnt="5"/>
+      <dgm:prSet presAssocID="{25DC99BE-E7B0-43D7-B648-CCC48E500A3B}" presName="tx1" presStyleLbl="revTx" presStyleIdx="3" presStyleCnt="6"/>
       <dgm:spPr/>
     </dgm:pt>
     <dgm:pt modelId="{2E6DCF0B-FA68-4869-A124-8EA2A6C59008}" type="pres">
@@ -8841,7 +9067,7 @@
       <dgm:spPr/>
     </dgm:pt>
     <dgm:pt modelId="{BBAE3045-822D-4078-956C-FEC8ED464D14}" type="pres">
-      <dgm:prSet presAssocID="{3D6F2A58-0C94-4739-B15E-981B078A7621}" presName="thickLine" presStyleLbl="alignNode1" presStyleIdx="3" presStyleCnt="5"/>
+      <dgm:prSet presAssocID="{3D6F2A58-0C94-4739-B15E-981B078A7621}" presName="thickLine" presStyleLbl="alignNode1" presStyleIdx="4" presStyleCnt="6"/>
       <dgm:spPr/>
     </dgm:pt>
     <dgm:pt modelId="{FE22799E-6252-4537-8FD0-76F87FB3C8CC}" type="pres">
@@ -8849,7 +9075,7 @@
       <dgm:spPr/>
     </dgm:pt>
     <dgm:pt modelId="{FEB3519A-D70F-4C27-B7DC-2AB4353B2027}" type="pres">
-      <dgm:prSet presAssocID="{3D6F2A58-0C94-4739-B15E-981B078A7621}" presName="tx1" presStyleLbl="revTx" presStyleIdx="3" presStyleCnt="5"/>
+      <dgm:prSet presAssocID="{3D6F2A58-0C94-4739-B15E-981B078A7621}" presName="tx1" presStyleLbl="revTx" presStyleIdx="4" presStyleCnt="6"/>
       <dgm:spPr/>
     </dgm:pt>
     <dgm:pt modelId="{0884303D-E05B-4260-BFE4-9D91173873FF}" type="pres">
@@ -8857,7 +9083,7 @@
       <dgm:spPr/>
     </dgm:pt>
     <dgm:pt modelId="{6F60E22D-1D18-4358-B9DF-54A9B9C26B33}" type="pres">
-      <dgm:prSet presAssocID="{10CAC82E-C946-452F-9410-687E50D06221}" presName="thickLine" presStyleLbl="alignNode1" presStyleIdx="4" presStyleCnt="5"/>
+      <dgm:prSet presAssocID="{10CAC82E-C946-452F-9410-687E50D06221}" presName="thickLine" presStyleLbl="alignNode1" presStyleIdx="5" presStyleCnt="6"/>
       <dgm:spPr/>
     </dgm:pt>
     <dgm:pt modelId="{8FFF8C31-54CD-45EF-B31B-C21FB0ED0444}" type="pres">
@@ -8865,7 +9091,7 @@
       <dgm:spPr/>
     </dgm:pt>
     <dgm:pt modelId="{A8E9AFD0-925C-41AF-A8E8-908B87F1794E}" type="pres">
-      <dgm:prSet presAssocID="{10CAC82E-C946-452F-9410-687E50D06221}" presName="tx1" presStyleLbl="revTx" presStyleIdx="4" presStyleCnt="5"/>
+      <dgm:prSet presAssocID="{10CAC82E-C946-452F-9410-687E50D06221}" presName="tx1" presStyleLbl="revTx" presStyleIdx="5" presStyleCnt="6"/>
       <dgm:spPr/>
     </dgm:pt>
     <dgm:pt modelId="{F62C8FCD-C08C-4998-8818-0E85DF654852}" type="pres">
@@ -8875,34 +9101,40 @@
   </dgm:ptLst>
   <dgm:cxnLst>
     <dgm:cxn modelId="{DAF85105-1B03-45D9-87EE-5AC6D8D444B9}" type="presOf" srcId="{BED09995-17F8-4861-9C60-87D7C6BD2517}" destId="{0CE2C442-9DE6-4506-965C-7FAD25A00112}" srcOrd="0" destOrd="0" presId="urn:microsoft.com/office/officeart/2008/layout/LinedList"/>
-    <dgm:cxn modelId="{9047B307-BCCD-4A1B-8E7A-098F7E46F1F4}" srcId="{1393A85F-0B39-4472-9E5D-FFE623668187}" destId="{751E0F61-2512-4A19-8370-16B31EFE2794}" srcOrd="1" destOrd="0" parTransId="{598A88DC-7BD7-459D-A002-3BACCF74192A}" sibTransId="{DC645829-C2BF-47C6-A707-456EBECCCBBB}"/>
-    <dgm:cxn modelId="{ECBE8D27-FFE0-4165-89DF-288EA5AAB3DD}" srcId="{1393A85F-0B39-4472-9E5D-FFE623668187}" destId="{3D6F2A58-0C94-4739-B15E-981B078A7621}" srcOrd="3" destOrd="0" parTransId="{0A18DBBF-BE56-437F-A81B-E793132787AB}" sibTransId="{3FE9D6DC-656C-420F-8709-5E88A5FCDD5D}"/>
+    <dgm:cxn modelId="{9047B307-BCCD-4A1B-8E7A-098F7E46F1F4}" srcId="{1393A85F-0B39-4472-9E5D-FFE623668187}" destId="{751E0F61-2512-4A19-8370-16B31EFE2794}" srcOrd="2" destOrd="0" parTransId="{598A88DC-7BD7-459D-A002-3BACCF74192A}" sibTransId="{DC645829-C2BF-47C6-A707-456EBECCCBBB}"/>
+    <dgm:cxn modelId="{ECBE8D27-FFE0-4165-89DF-288EA5AAB3DD}" srcId="{1393A85F-0B39-4472-9E5D-FFE623668187}" destId="{3D6F2A58-0C94-4739-B15E-981B078A7621}" srcOrd="4" destOrd="0" parTransId="{0A18DBBF-BE56-437F-A81B-E793132787AB}" sibTransId="{3FE9D6DC-656C-420F-8709-5E88A5FCDD5D}"/>
     <dgm:cxn modelId="{BECCB237-0839-40DE-8FBB-B7E982D064E7}" type="presOf" srcId="{10CAC82E-C946-452F-9410-687E50D06221}" destId="{A8E9AFD0-925C-41AF-A8E8-908B87F1794E}" srcOrd="0" destOrd="0" presId="urn:microsoft.com/office/officeart/2008/layout/LinedList"/>
-    <dgm:cxn modelId="{3FAAFF81-ED3C-423B-8259-1957A7FA26D6}" srcId="{1393A85F-0B39-4472-9E5D-FFE623668187}" destId="{BED09995-17F8-4861-9C60-87D7C6BD2517}" srcOrd="0" destOrd="0" parTransId="{2531497D-0E00-4283-BE73-D62830F1C1A3}" sibTransId="{49B2F9D0-D0D3-41B9-981A-EA3B32BF4A68}"/>
+    <dgm:cxn modelId="{CAF8977E-6921-460D-90C4-D37E30BE1AD7}" type="presOf" srcId="{23D49CE9-B533-4BD9-A212-690DB777492B}" destId="{CA808670-B7D7-4BE9-A055-D69DEA72D6A4}" srcOrd="0" destOrd="0" presId="urn:microsoft.com/office/officeart/2008/layout/LinedList"/>
+    <dgm:cxn modelId="{16BBA57F-C412-4D06-9600-52A3D506C760}" srcId="{1393A85F-0B39-4472-9E5D-FFE623668187}" destId="{23D49CE9-B533-4BD9-A212-690DB777492B}" srcOrd="0" destOrd="0" parTransId="{3F749DD4-5E66-45E3-AF39-9CF316FD453C}" sibTransId="{3E26134F-F1AC-4645-9CCD-6206DC73C8F0}"/>
+    <dgm:cxn modelId="{3FAAFF81-ED3C-423B-8259-1957A7FA26D6}" srcId="{1393A85F-0B39-4472-9E5D-FFE623668187}" destId="{BED09995-17F8-4861-9C60-87D7C6BD2517}" srcOrd="1" destOrd="0" parTransId="{2531497D-0E00-4283-BE73-D62830F1C1A3}" sibTransId="{49B2F9D0-D0D3-41B9-981A-EA3B32BF4A68}"/>
     <dgm:cxn modelId="{7F696682-118A-49B6-B7E5-8CEB03F420AD}" type="presOf" srcId="{25DC99BE-E7B0-43D7-B648-CCC48E500A3B}" destId="{C0F1A823-9A81-416A-BF6E-2AE8EF4150E0}" srcOrd="0" destOrd="0" presId="urn:microsoft.com/office/officeart/2008/layout/LinedList"/>
-    <dgm:cxn modelId="{7736C283-344F-45CE-8FC0-1190A413CF39}" srcId="{1393A85F-0B39-4472-9E5D-FFE623668187}" destId="{10CAC82E-C946-452F-9410-687E50D06221}" srcOrd="4" destOrd="0" parTransId="{B1C56B05-F3D9-4855-A332-AA8A90BE5497}" sibTransId="{FBC85A9F-0ED5-482A-9435-2B6C64DF2406}"/>
+    <dgm:cxn modelId="{7736C283-344F-45CE-8FC0-1190A413CF39}" srcId="{1393A85F-0B39-4472-9E5D-FFE623668187}" destId="{10CAC82E-C946-452F-9410-687E50D06221}" srcOrd="5" destOrd="0" parTransId="{B1C56B05-F3D9-4855-A332-AA8A90BE5497}" sibTransId="{FBC85A9F-0ED5-482A-9435-2B6C64DF2406}"/>
     <dgm:cxn modelId="{A71E8CC3-C048-4D8D-A9F7-F12042DE831D}" type="presOf" srcId="{751E0F61-2512-4A19-8370-16B31EFE2794}" destId="{18F5525E-9CF5-4731-99B5-660F9CC4B413}" srcOrd="0" destOrd="0" presId="urn:microsoft.com/office/officeart/2008/layout/LinedList"/>
-    <dgm:cxn modelId="{FB6DFAC3-F0FA-4F78-8977-22F9CAD6A099}" srcId="{1393A85F-0B39-4472-9E5D-FFE623668187}" destId="{25DC99BE-E7B0-43D7-B648-CCC48E500A3B}" srcOrd="2" destOrd="0" parTransId="{E1784BF8-5650-46CB-BA05-1D213F7ACDCA}" sibTransId="{C461B073-72EE-4FC2-8895-07AD5992D9AA}"/>
+    <dgm:cxn modelId="{FB6DFAC3-F0FA-4F78-8977-22F9CAD6A099}" srcId="{1393A85F-0B39-4472-9E5D-FFE623668187}" destId="{25DC99BE-E7B0-43D7-B648-CCC48E500A3B}" srcOrd="3" destOrd="0" parTransId="{E1784BF8-5650-46CB-BA05-1D213F7ACDCA}" sibTransId="{C461B073-72EE-4FC2-8895-07AD5992D9AA}"/>
     <dgm:cxn modelId="{DA932CD9-D5EB-4E0A-B0B5-5C3B68F42501}" type="presOf" srcId="{3D6F2A58-0C94-4739-B15E-981B078A7621}" destId="{FEB3519A-D70F-4C27-B7DC-2AB4353B2027}" srcOrd="0" destOrd="0" presId="urn:microsoft.com/office/officeart/2008/layout/LinedList"/>
     <dgm:cxn modelId="{C22CEEE2-D78B-4390-B6DB-C9DDC17794F5}" type="presOf" srcId="{1393A85F-0B39-4472-9E5D-FFE623668187}" destId="{DE189EE5-B530-4E83-92AF-139E246161C7}" srcOrd="0" destOrd="0" presId="urn:microsoft.com/office/officeart/2008/layout/LinedList"/>
-    <dgm:cxn modelId="{24D6E7F1-63DB-4AE3-96C9-BFF3BD70C810}" type="presParOf" srcId="{DE189EE5-B530-4E83-92AF-139E246161C7}" destId="{7F7387AC-0D7E-4F74-AA04-EDF2DE617966}" srcOrd="0" destOrd="0" presId="urn:microsoft.com/office/officeart/2008/layout/LinedList"/>
-    <dgm:cxn modelId="{638B9FEC-18C7-4491-817D-4C13B88F4266}" type="presParOf" srcId="{DE189EE5-B530-4E83-92AF-139E246161C7}" destId="{EAA430D5-9051-498B-A166-FB83B6E04D89}" srcOrd="1" destOrd="0" presId="urn:microsoft.com/office/officeart/2008/layout/LinedList"/>
+    <dgm:cxn modelId="{CD5D159F-B3D8-4CCD-9A4F-81B536E6770D}" type="presParOf" srcId="{DE189EE5-B530-4E83-92AF-139E246161C7}" destId="{5B220136-2F2C-4939-8F03-0FB09EB8F39E}" srcOrd="0" destOrd="0" presId="urn:microsoft.com/office/officeart/2008/layout/LinedList"/>
+    <dgm:cxn modelId="{027F0E88-BFCF-48F6-AA03-6133E18A1594}" type="presParOf" srcId="{DE189EE5-B530-4E83-92AF-139E246161C7}" destId="{78B89A92-ED9D-4B28-97E9-40775BB6F3B1}" srcOrd="1" destOrd="0" presId="urn:microsoft.com/office/officeart/2008/layout/LinedList"/>
+    <dgm:cxn modelId="{4DD21C5F-B948-4625-9152-79A7954EC859}" type="presParOf" srcId="{78B89A92-ED9D-4B28-97E9-40775BB6F3B1}" destId="{CA808670-B7D7-4BE9-A055-D69DEA72D6A4}" srcOrd="0" destOrd="0" presId="urn:microsoft.com/office/officeart/2008/layout/LinedList"/>
+    <dgm:cxn modelId="{D57238EA-7199-45E1-AE3F-FBF5463C2908}" type="presParOf" srcId="{78B89A92-ED9D-4B28-97E9-40775BB6F3B1}" destId="{56E0A6E8-A1E4-4904-8F09-28174467FFF9}" srcOrd="1" destOrd="0" presId="urn:microsoft.com/office/officeart/2008/layout/LinedList"/>
+    <dgm:cxn modelId="{24D6E7F1-63DB-4AE3-96C9-BFF3BD70C810}" type="presParOf" srcId="{DE189EE5-B530-4E83-92AF-139E246161C7}" destId="{7F7387AC-0D7E-4F74-AA04-EDF2DE617966}" srcOrd="2" destOrd="0" presId="urn:microsoft.com/office/officeart/2008/layout/LinedList"/>
+    <dgm:cxn modelId="{638B9FEC-18C7-4491-817D-4C13B88F4266}" type="presParOf" srcId="{DE189EE5-B530-4E83-92AF-139E246161C7}" destId="{EAA430D5-9051-498B-A166-FB83B6E04D89}" srcOrd="3" destOrd="0" presId="urn:microsoft.com/office/officeart/2008/layout/LinedList"/>
     <dgm:cxn modelId="{330BB0D9-44D1-4991-903B-19D3A355EB4F}" type="presParOf" srcId="{EAA430D5-9051-498B-A166-FB83B6E04D89}" destId="{0CE2C442-9DE6-4506-965C-7FAD25A00112}" srcOrd="0" destOrd="0" presId="urn:microsoft.com/office/officeart/2008/layout/LinedList"/>
     <dgm:cxn modelId="{06046831-F6EB-4B7B-B752-101468D5D2ED}" type="presParOf" srcId="{EAA430D5-9051-498B-A166-FB83B6E04D89}" destId="{C7AAE8FE-04B2-43E0-8AEE-8DD6AF91AFFB}" srcOrd="1" destOrd="0" presId="urn:microsoft.com/office/officeart/2008/layout/LinedList"/>
-    <dgm:cxn modelId="{C4C53589-E305-47C4-A89F-093E71E2B5C2}" type="presParOf" srcId="{DE189EE5-B530-4E83-92AF-139E246161C7}" destId="{282C9D1C-3F94-4BBB-B871-7CE39C79E409}" srcOrd="2" destOrd="0" presId="urn:microsoft.com/office/officeart/2008/layout/LinedList"/>
-    <dgm:cxn modelId="{152CC434-52EC-4EA5-9CCA-6A2717658726}" type="presParOf" srcId="{DE189EE5-B530-4E83-92AF-139E246161C7}" destId="{6C2FAF7A-60A7-4928-9998-A9C41AA1A2FA}" srcOrd="3" destOrd="0" presId="urn:microsoft.com/office/officeart/2008/layout/LinedList"/>
+    <dgm:cxn modelId="{C4C53589-E305-47C4-A89F-093E71E2B5C2}" type="presParOf" srcId="{DE189EE5-B530-4E83-92AF-139E246161C7}" destId="{282C9D1C-3F94-4BBB-B871-7CE39C79E409}" srcOrd="4" destOrd="0" presId="urn:microsoft.com/office/officeart/2008/layout/LinedList"/>
+    <dgm:cxn modelId="{152CC434-52EC-4EA5-9CCA-6A2717658726}" type="presParOf" srcId="{DE189EE5-B530-4E83-92AF-139E246161C7}" destId="{6C2FAF7A-60A7-4928-9998-A9C41AA1A2FA}" srcOrd="5" destOrd="0" presId="urn:microsoft.com/office/officeart/2008/layout/LinedList"/>
     <dgm:cxn modelId="{A500156A-21B1-48B3-94A4-6F55A23D42B4}" type="presParOf" srcId="{6C2FAF7A-60A7-4928-9998-A9C41AA1A2FA}" destId="{18F5525E-9CF5-4731-99B5-660F9CC4B413}" srcOrd="0" destOrd="0" presId="urn:microsoft.com/office/officeart/2008/layout/LinedList"/>
     <dgm:cxn modelId="{3A993C13-A62F-48B7-865A-7AC520106BD9}" type="presParOf" srcId="{6C2FAF7A-60A7-4928-9998-A9C41AA1A2FA}" destId="{030C137A-18AC-4969-B4A9-82562B36FD8B}" srcOrd="1" destOrd="0" presId="urn:microsoft.com/office/officeart/2008/layout/LinedList"/>
-    <dgm:cxn modelId="{BA78BD43-3071-40E3-994E-2619E73F1155}" type="presParOf" srcId="{DE189EE5-B530-4E83-92AF-139E246161C7}" destId="{97DBECF8-C9F4-437B-BD37-F654EB1CA5F8}" srcOrd="4" destOrd="0" presId="urn:microsoft.com/office/officeart/2008/layout/LinedList"/>
-    <dgm:cxn modelId="{489F83AA-AFF1-46F0-811A-F5C214F041A9}" type="presParOf" srcId="{DE189EE5-B530-4E83-92AF-139E246161C7}" destId="{20184441-20C8-4AB3-B195-66C7A928321F}" srcOrd="5" destOrd="0" presId="urn:microsoft.com/office/officeart/2008/layout/LinedList"/>
+    <dgm:cxn modelId="{BA78BD43-3071-40E3-994E-2619E73F1155}" type="presParOf" srcId="{DE189EE5-B530-4E83-92AF-139E246161C7}" destId="{97DBECF8-C9F4-437B-BD37-F654EB1CA5F8}" srcOrd="6" destOrd="0" presId="urn:microsoft.com/office/officeart/2008/layout/LinedList"/>
+    <dgm:cxn modelId="{489F83AA-AFF1-46F0-811A-F5C214F041A9}" type="presParOf" srcId="{DE189EE5-B530-4E83-92AF-139E246161C7}" destId="{20184441-20C8-4AB3-B195-66C7A928321F}" srcOrd="7" destOrd="0" presId="urn:microsoft.com/office/officeart/2008/layout/LinedList"/>
     <dgm:cxn modelId="{D6056408-E50E-44FD-A97C-3839C8E0BF12}" type="presParOf" srcId="{20184441-20C8-4AB3-B195-66C7A928321F}" destId="{C0F1A823-9A81-416A-BF6E-2AE8EF4150E0}" srcOrd="0" destOrd="0" presId="urn:microsoft.com/office/officeart/2008/layout/LinedList"/>
     <dgm:cxn modelId="{CFD449EC-7F29-4FA1-84CE-74B77860FDEF}" type="presParOf" srcId="{20184441-20C8-4AB3-B195-66C7A928321F}" destId="{2E6DCF0B-FA68-4869-A124-8EA2A6C59008}" srcOrd="1" destOrd="0" presId="urn:microsoft.com/office/officeart/2008/layout/LinedList"/>
-    <dgm:cxn modelId="{B083CB27-6570-4149-91D1-DB96FC84BF58}" type="presParOf" srcId="{DE189EE5-B530-4E83-92AF-139E246161C7}" destId="{BBAE3045-822D-4078-956C-FEC8ED464D14}" srcOrd="6" destOrd="0" presId="urn:microsoft.com/office/officeart/2008/layout/LinedList"/>
-    <dgm:cxn modelId="{826A8AFD-20CB-4B74-B003-1FA67FF7F561}" type="presParOf" srcId="{DE189EE5-B530-4E83-92AF-139E246161C7}" destId="{FE22799E-6252-4537-8FD0-76F87FB3C8CC}" srcOrd="7" destOrd="0" presId="urn:microsoft.com/office/officeart/2008/layout/LinedList"/>
+    <dgm:cxn modelId="{B083CB27-6570-4149-91D1-DB96FC84BF58}" type="presParOf" srcId="{DE189EE5-B530-4E83-92AF-139E246161C7}" destId="{BBAE3045-822D-4078-956C-FEC8ED464D14}" srcOrd="8" destOrd="0" presId="urn:microsoft.com/office/officeart/2008/layout/LinedList"/>
+    <dgm:cxn modelId="{826A8AFD-20CB-4B74-B003-1FA67FF7F561}" type="presParOf" srcId="{DE189EE5-B530-4E83-92AF-139E246161C7}" destId="{FE22799E-6252-4537-8FD0-76F87FB3C8CC}" srcOrd="9" destOrd="0" presId="urn:microsoft.com/office/officeart/2008/layout/LinedList"/>
     <dgm:cxn modelId="{AF2411CB-C6B3-487D-BD9F-D204E38A222A}" type="presParOf" srcId="{FE22799E-6252-4537-8FD0-76F87FB3C8CC}" destId="{FEB3519A-D70F-4C27-B7DC-2AB4353B2027}" srcOrd="0" destOrd="0" presId="urn:microsoft.com/office/officeart/2008/layout/LinedList"/>
     <dgm:cxn modelId="{6F21BBB4-039E-4581-813A-00E1FD2DC967}" type="presParOf" srcId="{FE22799E-6252-4537-8FD0-76F87FB3C8CC}" destId="{0884303D-E05B-4260-BFE4-9D91173873FF}" srcOrd="1" destOrd="0" presId="urn:microsoft.com/office/officeart/2008/layout/LinedList"/>
-    <dgm:cxn modelId="{A7B7027A-96F2-4BD5-8F48-06938284E246}" type="presParOf" srcId="{DE189EE5-B530-4E83-92AF-139E246161C7}" destId="{6F60E22D-1D18-4358-B9DF-54A9B9C26B33}" srcOrd="8" destOrd="0" presId="urn:microsoft.com/office/officeart/2008/layout/LinedList"/>
-    <dgm:cxn modelId="{8745D82B-0F4D-48EA-B7AC-B67397701C23}" type="presParOf" srcId="{DE189EE5-B530-4E83-92AF-139E246161C7}" destId="{8FFF8C31-54CD-45EF-B31B-C21FB0ED0444}" srcOrd="9" destOrd="0" presId="urn:microsoft.com/office/officeart/2008/layout/LinedList"/>
+    <dgm:cxn modelId="{A7B7027A-96F2-4BD5-8F48-06938284E246}" type="presParOf" srcId="{DE189EE5-B530-4E83-92AF-139E246161C7}" destId="{6F60E22D-1D18-4358-B9DF-54A9B9C26B33}" srcOrd="10" destOrd="0" presId="urn:microsoft.com/office/officeart/2008/layout/LinedList"/>
+    <dgm:cxn modelId="{8745D82B-0F4D-48EA-B7AC-B67397701C23}" type="presParOf" srcId="{DE189EE5-B530-4E83-92AF-139E246161C7}" destId="{8FFF8C31-54CD-45EF-B31B-C21FB0ED0444}" srcOrd="11" destOrd="0" presId="urn:microsoft.com/office/officeart/2008/layout/LinedList"/>
     <dgm:cxn modelId="{29D140D7-84AA-4976-BEFA-1F5C27AA73CB}" type="presParOf" srcId="{8FFF8C31-54CD-45EF-B31B-C21FB0ED0444}" destId="{A8E9AFD0-925C-41AF-A8E8-908B87F1794E}" srcOrd="0" destOrd="0" presId="urn:microsoft.com/office/officeart/2008/layout/LinedList"/>
     <dgm:cxn modelId="{2F9A303F-E066-486D-BF3E-7CBCCE971579}" type="presParOf" srcId="{8FFF8C31-54CD-45EF-B31B-C21FB0ED0444}" destId="{F62C8FCD-C08C-4998-8818-0E85DF654852}" srcOrd="1" destOrd="0" presId="urn:microsoft.com/office/officeart/2008/layout/LinedList"/>
   </dgm:cxnLst>
@@ -9047,7 +9279,7 @@
               <a:ea typeface="+mn-ea"/>
               <a:cs typeface="+mn-cs"/>
             </a:rPr>
-            <a:t>Up/Down arrows</a:t>
+            <a:t>Up/Down arrows &amp; Ctrl + R</a:t>
           </a:r>
         </a:p>
       </dgm:t>
@@ -9460,52 +9692,27 @@
         </a:p>
       </dgm:t>
     </dgm:pt>
-    <dgm:pt modelId="{C7D67B8F-9C7F-4863-87F3-85EEDCD42CC1}">
-      <dgm:prSet/>
+    <dgm:pt modelId="{39117585-435A-4860-8DB3-B285E6F47958}">
+      <dgm:prSet custT="1"/>
       <dgm:spPr/>
       <dgm:t>
         <a:bodyPr/>
         <a:lstStyle/>
         <a:p>
           <a:r>
-            <a:rPr lang="en-US" dirty="0" err="1"/>
-            <a:t>ExecutionPolicy</a:t>
-          </a:r>
-          <a:endParaRPr lang="en-US" dirty="0"/>
-        </a:p>
-      </dgm:t>
-    </dgm:pt>
-    <dgm:pt modelId="{C10EA43A-C0D6-40DE-AB20-E1EFAFBDC117}" type="parTrans" cxnId="{FB6DC4D9-C92C-45BF-807D-8FF440ECC2F3}">
-      <dgm:prSet/>
-      <dgm:spPr/>
-      <dgm:t>
-        <a:bodyPr/>
-        <a:lstStyle/>
-        <a:p>
-          <a:endParaRPr lang="en-US"/>
-        </a:p>
-      </dgm:t>
-    </dgm:pt>
-    <dgm:pt modelId="{72D2C011-D68E-4116-A9E5-337931232DC6}" type="sibTrans" cxnId="{FB6DC4D9-C92C-45BF-807D-8FF440ECC2F3}">
-      <dgm:prSet/>
-      <dgm:spPr/>
-      <dgm:t>
-        <a:bodyPr/>
-        <a:lstStyle/>
-        <a:p>
-          <a:endParaRPr lang="en-US"/>
-        </a:p>
-      </dgm:t>
-    </dgm:pt>
-    <dgm:pt modelId="{39117585-435A-4860-8DB3-B285E6F47958}">
-      <dgm:prSet/>
-      <dgm:spPr/>
-      <dgm:t>
-        <a:bodyPr/>
-        <a:lstStyle/>
-        <a:p>
-          <a:r>
-            <a:rPr lang="en-US" dirty="0"/>
+            <a:rPr lang="en-US" sz="2800" kern="1200" dirty="0">
+              <a:solidFill>
+                <a:prstClr val="black">
+                  <a:hueOff val="0"/>
+                  <a:satOff val="0"/>
+                  <a:lumOff val="0"/>
+                  <a:alphaOff val="0"/>
+                </a:prstClr>
+              </a:solidFill>
+              <a:latin typeface="Calibri" panose="020F0502020204030204"/>
+              <a:ea typeface="+mn-ea"/>
+              <a:cs typeface="+mn-cs"/>
+            </a:rPr>
             <a:t>Old code on the internet</a:t>
           </a:r>
         </a:p>
@@ -9534,14 +9741,26 @@
       </dgm:t>
     </dgm:pt>
     <dgm:pt modelId="{13BF0BD9-50DB-4A3B-9EC4-F5128A2E0B5B}">
-      <dgm:prSet/>
+      <dgm:prSet custT="1"/>
       <dgm:spPr/>
       <dgm:t>
         <a:bodyPr/>
         <a:lstStyle/>
         <a:p>
           <a:r>
-            <a:rPr lang="en-US" dirty="0"/>
+            <a:rPr lang="en-US" sz="2800" kern="1200" dirty="0">
+              <a:solidFill>
+                <a:prstClr val="black">
+                  <a:hueOff val="0"/>
+                  <a:satOff val="0"/>
+                  <a:lumOff val="0"/>
+                  <a:alphaOff val="0"/>
+                </a:prstClr>
+              </a:solidFill>
+              <a:latin typeface="Calibri" panose="020F0502020204030204"/>
+              <a:ea typeface="+mn-ea"/>
+              <a:cs typeface="+mn-cs"/>
+            </a:rPr>
             <a:t>Is it an array?</a:t>
           </a:r>
         </a:p>
@@ -9570,15 +9789,39 @@
       </dgm:t>
     </dgm:pt>
     <dgm:pt modelId="{0CAE9E80-9F07-486E-9099-00B6ACD440F7}">
-      <dgm:prSet/>
+      <dgm:prSet custT="1"/>
       <dgm:spPr/>
       <dgm:t>
         <a:bodyPr/>
         <a:lstStyle/>
         <a:p>
+          <a:pPr marL="0" lvl="0" indent="0" algn="l" defTabSz="1244600">
+            <a:lnSpc>
+              <a:spcPct val="90000"/>
+            </a:lnSpc>
+            <a:spcBef>
+              <a:spcPct val="0"/>
+            </a:spcBef>
+            <a:spcAft>
+              <a:spcPct val="35000"/>
+            </a:spcAft>
+            <a:buNone/>
+          </a:pPr>
           <a:r>
-            <a:rPr lang="en-US" dirty="0"/>
-            <a:t>Calling assemblies with arguments</a:t>
+            <a:rPr lang="en-US" sz="2800" kern="1200" dirty="0">
+              <a:solidFill>
+                <a:prstClr val="black">
+                  <a:hueOff val="0"/>
+                  <a:satOff val="0"/>
+                  <a:lumOff val="0"/>
+                  <a:alphaOff val="0"/>
+                </a:prstClr>
+              </a:solidFill>
+              <a:latin typeface="Calibri" panose="020F0502020204030204"/>
+              <a:ea typeface="+mn-ea"/>
+              <a:cs typeface="+mn-cs"/>
+            </a:rPr>
+            <a:t>Calling programs with arguments</a:t>
           </a:r>
         </a:p>
       </dgm:t>
@@ -9652,7 +9895,7 @@
       <dgm:spPr/>
     </dgm:pt>
     <dgm:pt modelId="{35EE0690-5833-477E-AD6D-E9A2CC603B27}" type="pres">
-      <dgm:prSet presAssocID="{0D176BAC-0CA0-4152-8E0F-A08139C1A439}" presName="thickLine" presStyleLbl="alignNode1" presStyleIdx="0" presStyleCnt="6"/>
+      <dgm:prSet presAssocID="{0D176BAC-0CA0-4152-8E0F-A08139C1A439}" presName="thickLine" presStyleLbl="alignNode1" presStyleIdx="0" presStyleCnt="5"/>
       <dgm:spPr/>
     </dgm:pt>
     <dgm:pt modelId="{1DAB8ED2-1EE5-4A74-B269-FE0EEDC5B2DD}" type="pres">
@@ -9660,7 +9903,7 @@
       <dgm:spPr/>
     </dgm:pt>
     <dgm:pt modelId="{DB5CEF36-0221-4099-B38D-91598E5BD104}" type="pres">
-      <dgm:prSet presAssocID="{0D176BAC-0CA0-4152-8E0F-A08139C1A439}" presName="tx1" presStyleLbl="revTx" presStyleIdx="0" presStyleCnt="6"/>
+      <dgm:prSet presAssocID="{0D176BAC-0CA0-4152-8E0F-A08139C1A439}" presName="tx1" presStyleLbl="revTx" presStyleIdx="0" presStyleCnt="5"/>
       <dgm:spPr/>
     </dgm:pt>
     <dgm:pt modelId="{E5BEC9CE-57F2-47FC-91CE-0DE008132760}" type="pres">
@@ -9668,7 +9911,7 @@
       <dgm:spPr/>
     </dgm:pt>
     <dgm:pt modelId="{7F7387AC-0D7E-4F74-AA04-EDF2DE617966}" type="pres">
-      <dgm:prSet presAssocID="{BED09995-17F8-4861-9C60-87D7C6BD2517}" presName="thickLine" presStyleLbl="alignNode1" presStyleIdx="1" presStyleCnt="6"/>
+      <dgm:prSet presAssocID="{BED09995-17F8-4861-9C60-87D7C6BD2517}" presName="thickLine" presStyleLbl="alignNode1" presStyleIdx="1" presStyleCnt="5"/>
       <dgm:spPr/>
     </dgm:pt>
     <dgm:pt modelId="{EAA430D5-9051-498B-A166-FB83B6E04D89}" type="pres">
@@ -9676,31 +9919,15 @@
       <dgm:spPr/>
     </dgm:pt>
     <dgm:pt modelId="{0CE2C442-9DE6-4506-965C-7FAD25A00112}" type="pres">
-      <dgm:prSet presAssocID="{BED09995-17F8-4861-9C60-87D7C6BD2517}" presName="tx1" presStyleLbl="revTx" presStyleIdx="1" presStyleCnt="6"/>
+      <dgm:prSet presAssocID="{BED09995-17F8-4861-9C60-87D7C6BD2517}" presName="tx1" presStyleLbl="revTx" presStyleIdx="1" presStyleCnt="5"/>
       <dgm:spPr/>
     </dgm:pt>
     <dgm:pt modelId="{C7AAE8FE-04B2-43E0-8AEE-8DD6AF91AFFB}" type="pres">
       <dgm:prSet presAssocID="{BED09995-17F8-4861-9C60-87D7C6BD2517}" presName="vert1" presStyleCnt="0"/>
       <dgm:spPr/>
     </dgm:pt>
-    <dgm:pt modelId="{79D225F0-C3AC-4A0E-92AF-0BF7EA50C448}" type="pres">
-      <dgm:prSet presAssocID="{C7D67B8F-9C7F-4863-87F3-85EEDCD42CC1}" presName="thickLine" presStyleLbl="alignNode1" presStyleIdx="2" presStyleCnt="6"/>
-      <dgm:spPr/>
-    </dgm:pt>
-    <dgm:pt modelId="{B8BE2DC1-1837-4CCC-A21F-03758754EAAF}" type="pres">
-      <dgm:prSet presAssocID="{C7D67B8F-9C7F-4863-87F3-85EEDCD42CC1}" presName="horz1" presStyleCnt="0"/>
-      <dgm:spPr/>
-    </dgm:pt>
-    <dgm:pt modelId="{03C558EF-9B03-4150-BADA-653015E2D19D}" type="pres">
-      <dgm:prSet presAssocID="{C7D67B8F-9C7F-4863-87F3-85EEDCD42CC1}" presName="tx1" presStyleLbl="revTx" presStyleIdx="2" presStyleCnt="6"/>
-      <dgm:spPr/>
-    </dgm:pt>
-    <dgm:pt modelId="{84B5B9DE-E0CE-4823-A0FA-9758B428BCDE}" type="pres">
-      <dgm:prSet presAssocID="{C7D67B8F-9C7F-4863-87F3-85EEDCD42CC1}" presName="vert1" presStyleCnt="0"/>
-      <dgm:spPr/>
-    </dgm:pt>
     <dgm:pt modelId="{83E1C8AF-D26E-4AA0-9134-157CB4DA4673}" type="pres">
-      <dgm:prSet presAssocID="{39117585-435A-4860-8DB3-B285E6F47958}" presName="thickLine" presStyleLbl="alignNode1" presStyleIdx="3" presStyleCnt="6"/>
+      <dgm:prSet presAssocID="{39117585-435A-4860-8DB3-B285E6F47958}" presName="thickLine" presStyleLbl="alignNode1" presStyleIdx="2" presStyleCnt="5"/>
       <dgm:spPr/>
     </dgm:pt>
     <dgm:pt modelId="{FA613DAF-CE0E-4BE3-BB9B-C8C0A8027F04}" type="pres">
@@ -9708,7 +9935,7 @@
       <dgm:spPr/>
     </dgm:pt>
     <dgm:pt modelId="{666E6397-F86E-4BCC-BBF8-A1A189B7D36E}" type="pres">
-      <dgm:prSet presAssocID="{39117585-435A-4860-8DB3-B285E6F47958}" presName="tx1" presStyleLbl="revTx" presStyleIdx="3" presStyleCnt="6"/>
+      <dgm:prSet presAssocID="{39117585-435A-4860-8DB3-B285E6F47958}" presName="tx1" presStyleLbl="revTx" presStyleIdx="2" presStyleCnt="5"/>
       <dgm:spPr/>
     </dgm:pt>
     <dgm:pt modelId="{591C2EE2-076D-477E-B4AE-615960376137}" type="pres">
@@ -9716,7 +9943,7 @@
       <dgm:spPr/>
     </dgm:pt>
     <dgm:pt modelId="{D471A5A2-A108-4F20-8DCA-6A22C565F1E2}" type="pres">
-      <dgm:prSet presAssocID="{13BF0BD9-50DB-4A3B-9EC4-F5128A2E0B5B}" presName="thickLine" presStyleLbl="alignNode1" presStyleIdx="4" presStyleCnt="6"/>
+      <dgm:prSet presAssocID="{13BF0BD9-50DB-4A3B-9EC4-F5128A2E0B5B}" presName="thickLine" presStyleLbl="alignNode1" presStyleIdx="3" presStyleCnt="5"/>
       <dgm:spPr/>
     </dgm:pt>
     <dgm:pt modelId="{261C8CBB-C7EB-42D6-9E9A-930F6EC1F440}" type="pres">
@@ -9724,7 +9951,7 @@
       <dgm:spPr/>
     </dgm:pt>
     <dgm:pt modelId="{6C649CE7-91EB-42C0-B5C5-F12814B5C4C7}" type="pres">
-      <dgm:prSet presAssocID="{13BF0BD9-50DB-4A3B-9EC4-F5128A2E0B5B}" presName="tx1" presStyleLbl="revTx" presStyleIdx="4" presStyleCnt="6"/>
+      <dgm:prSet presAssocID="{13BF0BD9-50DB-4A3B-9EC4-F5128A2E0B5B}" presName="tx1" presStyleLbl="revTx" presStyleIdx="3" presStyleCnt="5"/>
       <dgm:spPr/>
     </dgm:pt>
     <dgm:pt modelId="{EC787FF9-D672-43EA-9D44-68901E16DA54}" type="pres">
@@ -9732,7 +9959,7 @@
       <dgm:spPr/>
     </dgm:pt>
     <dgm:pt modelId="{2AD87B78-19BB-41DF-BB9D-ED57FC1CFF70}" type="pres">
-      <dgm:prSet presAssocID="{0CAE9E80-9F07-486E-9099-00B6ACD440F7}" presName="thickLine" presStyleLbl="alignNode1" presStyleIdx="5" presStyleCnt="6"/>
+      <dgm:prSet presAssocID="{0CAE9E80-9F07-486E-9099-00B6ACD440F7}" presName="thickLine" presStyleLbl="alignNode1" presStyleIdx="4" presStyleCnt="5"/>
       <dgm:spPr/>
     </dgm:pt>
     <dgm:pt modelId="{CBB091EF-1A8D-4657-9402-9C4B6CEFCB25}" type="pres">
@@ -9740,7 +9967,7 @@
       <dgm:spPr/>
     </dgm:pt>
     <dgm:pt modelId="{F0A4CD6E-19F2-4C04-B5E2-C64B367AC910}" type="pres">
-      <dgm:prSet presAssocID="{0CAE9E80-9F07-486E-9099-00B6ACD440F7}" presName="tx1" presStyleLbl="revTx" presStyleIdx="5" presStyleCnt="6"/>
+      <dgm:prSet presAssocID="{0CAE9E80-9F07-486E-9099-00B6ACD440F7}" presName="tx1" presStyleLbl="revTx" presStyleIdx="4" presStyleCnt="5"/>
       <dgm:spPr/>
     </dgm:pt>
     <dgm:pt modelId="{3D0353BE-8C86-4091-A9CF-3301102987A0}" type="pres">
@@ -9751,14 +9978,12 @@
   <dgm:cxnLst>
     <dgm:cxn modelId="{DAF85105-1B03-45D9-87EE-5AC6D8D444B9}" type="presOf" srcId="{BED09995-17F8-4861-9C60-87D7C6BD2517}" destId="{0CE2C442-9DE6-4506-965C-7FAD25A00112}" srcOrd="0" destOrd="0" presId="urn:microsoft.com/office/officeart/2008/layout/LinedList"/>
     <dgm:cxn modelId="{513D260F-45E4-44B4-9D2D-963E0B7B1E0A}" type="presOf" srcId="{0CAE9E80-9F07-486E-9099-00B6ACD440F7}" destId="{F0A4CD6E-19F2-4C04-B5E2-C64B367AC910}" srcOrd="0" destOrd="0" presId="urn:microsoft.com/office/officeart/2008/layout/LinedList"/>
-    <dgm:cxn modelId="{CC645A69-52CC-48A4-877E-B1973E75052A}" srcId="{1393A85F-0B39-4472-9E5D-FFE623668187}" destId="{0CAE9E80-9F07-486E-9099-00B6ACD440F7}" srcOrd="5" destOrd="0" parTransId="{54960A0A-C7FA-41CD-8F16-67E8320E88E0}" sibTransId="{23D7A895-666F-4920-8403-A3013616EF2E}"/>
+    <dgm:cxn modelId="{CC645A69-52CC-48A4-877E-B1973E75052A}" srcId="{1393A85F-0B39-4472-9E5D-FFE623668187}" destId="{0CAE9E80-9F07-486E-9099-00B6ACD440F7}" srcOrd="4" destOrd="0" parTransId="{54960A0A-C7FA-41CD-8F16-67E8320E88E0}" sibTransId="{23D7A895-666F-4920-8403-A3013616EF2E}"/>
     <dgm:cxn modelId="{6881814A-6E91-4991-A87F-CD607ED87ED0}" type="presOf" srcId="{13BF0BD9-50DB-4A3B-9EC4-F5128A2E0B5B}" destId="{6C649CE7-91EB-42C0-B5C5-F12814B5C4C7}" srcOrd="0" destOrd="0" presId="urn:microsoft.com/office/officeart/2008/layout/LinedList"/>
     <dgm:cxn modelId="{045A3351-E03B-4D60-B43C-838C772517B1}" type="presOf" srcId="{39117585-435A-4860-8DB3-B285E6F47958}" destId="{666E6397-F86E-4BCC-BBF8-A1A189B7D36E}" srcOrd="0" destOrd="0" presId="urn:microsoft.com/office/officeart/2008/layout/LinedList"/>
     <dgm:cxn modelId="{3FAAFF81-ED3C-423B-8259-1957A7FA26D6}" srcId="{1393A85F-0B39-4472-9E5D-FFE623668187}" destId="{BED09995-17F8-4861-9C60-87D7C6BD2517}" srcOrd="1" destOrd="0" parTransId="{2531497D-0E00-4283-BE73-D62830F1C1A3}" sibTransId="{49B2F9D0-D0D3-41B9-981A-EA3B32BF4A68}"/>
-    <dgm:cxn modelId="{27BD288C-6982-4C41-B791-883D428EB294}" srcId="{1393A85F-0B39-4472-9E5D-FFE623668187}" destId="{39117585-435A-4860-8DB3-B285E6F47958}" srcOrd="3" destOrd="0" parTransId="{24E3B62D-3174-4903-A420-BB1198C02116}" sibTransId="{4FF1C8C1-C197-4CB1-B43C-67832AD5F2B6}"/>
-    <dgm:cxn modelId="{1E4B8CBC-90E7-4FC5-A580-E0FDC2BFC500}" type="presOf" srcId="{C7D67B8F-9C7F-4863-87F3-85EEDCD42CC1}" destId="{03C558EF-9B03-4150-BADA-653015E2D19D}" srcOrd="0" destOrd="0" presId="urn:microsoft.com/office/officeart/2008/layout/LinedList"/>
-    <dgm:cxn modelId="{F3C3ABD7-7BD5-45CD-AED4-1E068E9D7E27}" srcId="{1393A85F-0B39-4472-9E5D-FFE623668187}" destId="{13BF0BD9-50DB-4A3B-9EC4-F5128A2E0B5B}" srcOrd="4" destOrd="0" parTransId="{7C0B26C4-20CB-4E44-A4EF-8EFED89B2DA7}" sibTransId="{4FD5980A-42C4-49EA-9AFD-528463F930C3}"/>
-    <dgm:cxn modelId="{FB6DC4D9-C92C-45BF-807D-8FF440ECC2F3}" srcId="{1393A85F-0B39-4472-9E5D-FFE623668187}" destId="{C7D67B8F-9C7F-4863-87F3-85EEDCD42CC1}" srcOrd="2" destOrd="0" parTransId="{C10EA43A-C0D6-40DE-AB20-E1EFAFBDC117}" sibTransId="{72D2C011-D68E-4116-A9E5-337931232DC6}"/>
+    <dgm:cxn modelId="{27BD288C-6982-4C41-B791-883D428EB294}" srcId="{1393A85F-0B39-4472-9E5D-FFE623668187}" destId="{39117585-435A-4860-8DB3-B285E6F47958}" srcOrd="2" destOrd="0" parTransId="{24E3B62D-3174-4903-A420-BB1198C02116}" sibTransId="{4FF1C8C1-C197-4CB1-B43C-67832AD5F2B6}"/>
+    <dgm:cxn modelId="{F3C3ABD7-7BD5-45CD-AED4-1E068E9D7E27}" srcId="{1393A85F-0B39-4472-9E5D-FFE623668187}" destId="{13BF0BD9-50DB-4A3B-9EC4-F5128A2E0B5B}" srcOrd="3" destOrd="0" parTransId="{7C0B26C4-20CB-4E44-A4EF-8EFED89B2DA7}" sibTransId="{4FD5980A-42C4-49EA-9AFD-528463F930C3}"/>
     <dgm:cxn modelId="{C22CEEE2-D78B-4390-B6DB-C9DDC17794F5}" type="presOf" srcId="{1393A85F-0B39-4472-9E5D-FFE623668187}" destId="{DE189EE5-B530-4E83-92AF-139E246161C7}" srcOrd="0" destOrd="0" presId="urn:microsoft.com/office/officeart/2008/layout/LinedList"/>
     <dgm:cxn modelId="{D93D6EED-12F1-4BBE-B8B1-72F8BAA8E498}" type="presOf" srcId="{0D176BAC-0CA0-4152-8E0F-A08139C1A439}" destId="{DB5CEF36-0221-4099-B38D-91598E5BD104}" srcOrd="0" destOrd="0" presId="urn:microsoft.com/office/officeart/2008/layout/LinedList"/>
     <dgm:cxn modelId="{05FADEED-76A9-4D67-9D52-17A8AF0C623C}" srcId="{1393A85F-0B39-4472-9E5D-FFE623668187}" destId="{0D176BAC-0CA0-4152-8E0F-A08139C1A439}" srcOrd="0" destOrd="0" parTransId="{3567280E-7EC0-45A0-91D9-63034059D423}" sibTransId="{E1DB4AC9-C180-4923-AD92-019776415053}"/>
@@ -9770,20 +9995,16 @@
     <dgm:cxn modelId="{638B9FEC-18C7-4491-817D-4C13B88F4266}" type="presParOf" srcId="{DE189EE5-B530-4E83-92AF-139E246161C7}" destId="{EAA430D5-9051-498B-A166-FB83B6E04D89}" srcOrd="3" destOrd="0" presId="urn:microsoft.com/office/officeart/2008/layout/LinedList"/>
     <dgm:cxn modelId="{330BB0D9-44D1-4991-903B-19D3A355EB4F}" type="presParOf" srcId="{EAA430D5-9051-498B-A166-FB83B6E04D89}" destId="{0CE2C442-9DE6-4506-965C-7FAD25A00112}" srcOrd="0" destOrd="0" presId="urn:microsoft.com/office/officeart/2008/layout/LinedList"/>
     <dgm:cxn modelId="{06046831-F6EB-4B7B-B752-101468D5D2ED}" type="presParOf" srcId="{EAA430D5-9051-498B-A166-FB83B6E04D89}" destId="{C7AAE8FE-04B2-43E0-8AEE-8DD6AF91AFFB}" srcOrd="1" destOrd="0" presId="urn:microsoft.com/office/officeart/2008/layout/LinedList"/>
-    <dgm:cxn modelId="{7C811429-32A1-4769-B0B2-87B3EF5A9044}" type="presParOf" srcId="{DE189EE5-B530-4E83-92AF-139E246161C7}" destId="{79D225F0-C3AC-4A0E-92AF-0BF7EA50C448}" srcOrd="4" destOrd="0" presId="urn:microsoft.com/office/officeart/2008/layout/LinedList"/>
-    <dgm:cxn modelId="{E45608F6-0EDD-45F2-A03F-914138687B88}" type="presParOf" srcId="{DE189EE5-B530-4E83-92AF-139E246161C7}" destId="{B8BE2DC1-1837-4CCC-A21F-03758754EAAF}" srcOrd="5" destOrd="0" presId="urn:microsoft.com/office/officeart/2008/layout/LinedList"/>
-    <dgm:cxn modelId="{6E13666F-91A8-40A3-BD00-257F6040C3ED}" type="presParOf" srcId="{B8BE2DC1-1837-4CCC-A21F-03758754EAAF}" destId="{03C558EF-9B03-4150-BADA-653015E2D19D}" srcOrd="0" destOrd="0" presId="urn:microsoft.com/office/officeart/2008/layout/LinedList"/>
-    <dgm:cxn modelId="{99093F96-BB42-4602-A8D5-5C88B539574B}" type="presParOf" srcId="{B8BE2DC1-1837-4CCC-A21F-03758754EAAF}" destId="{84B5B9DE-E0CE-4823-A0FA-9758B428BCDE}" srcOrd="1" destOrd="0" presId="urn:microsoft.com/office/officeart/2008/layout/LinedList"/>
-    <dgm:cxn modelId="{C4E93544-01C8-43A5-B132-640A277238F2}" type="presParOf" srcId="{DE189EE5-B530-4E83-92AF-139E246161C7}" destId="{83E1C8AF-D26E-4AA0-9134-157CB4DA4673}" srcOrd="6" destOrd="0" presId="urn:microsoft.com/office/officeart/2008/layout/LinedList"/>
-    <dgm:cxn modelId="{EF79983E-5450-4254-B938-7785DDA5CA2A}" type="presParOf" srcId="{DE189EE5-B530-4E83-92AF-139E246161C7}" destId="{FA613DAF-CE0E-4BE3-BB9B-C8C0A8027F04}" srcOrd="7" destOrd="0" presId="urn:microsoft.com/office/officeart/2008/layout/LinedList"/>
+    <dgm:cxn modelId="{C4E93544-01C8-43A5-B132-640A277238F2}" type="presParOf" srcId="{DE189EE5-B530-4E83-92AF-139E246161C7}" destId="{83E1C8AF-D26E-4AA0-9134-157CB4DA4673}" srcOrd="4" destOrd="0" presId="urn:microsoft.com/office/officeart/2008/layout/LinedList"/>
+    <dgm:cxn modelId="{EF79983E-5450-4254-B938-7785DDA5CA2A}" type="presParOf" srcId="{DE189EE5-B530-4E83-92AF-139E246161C7}" destId="{FA613DAF-CE0E-4BE3-BB9B-C8C0A8027F04}" srcOrd="5" destOrd="0" presId="urn:microsoft.com/office/officeart/2008/layout/LinedList"/>
     <dgm:cxn modelId="{F9188BDE-4D7E-4EA4-8197-219FC70FC90C}" type="presParOf" srcId="{FA613DAF-CE0E-4BE3-BB9B-C8C0A8027F04}" destId="{666E6397-F86E-4BCC-BBF8-A1A189B7D36E}" srcOrd="0" destOrd="0" presId="urn:microsoft.com/office/officeart/2008/layout/LinedList"/>
     <dgm:cxn modelId="{46921C88-7CEB-40AB-9E06-019BC3402432}" type="presParOf" srcId="{FA613DAF-CE0E-4BE3-BB9B-C8C0A8027F04}" destId="{591C2EE2-076D-477E-B4AE-615960376137}" srcOrd="1" destOrd="0" presId="urn:microsoft.com/office/officeart/2008/layout/LinedList"/>
-    <dgm:cxn modelId="{376DEBD6-B9B9-40E3-BC2B-01B6F0A689B9}" type="presParOf" srcId="{DE189EE5-B530-4E83-92AF-139E246161C7}" destId="{D471A5A2-A108-4F20-8DCA-6A22C565F1E2}" srcOrd="8" destOrd="0" presId="urn:microsoft.com/office/officeart/2008/layout/LinedList"/>
-    <dgm:cxn modelId="{A39C5A20-D97F-48F9-B881-1956797DAA42}" type="presParOf" srcId="{DE189EE5-B530-4E83-92AF-139E246161C7}" destId="{261C8CBB-C7EB-42D6-9E9A-930F6EC1F440}" srcOrd="9" destOrd="0" presId="urn:microsoft.com/office/officeart/2008/layout/LinedList"/>
+    <dgm:cxn modelId="{376DEBD6-B9B9-40E3-BC2B-01B6F0A689B9}" type="presParOf" srcId="{DE189EE5-B530-4E83-92AF-139E246161C7}" destId="{D471A5A2-A108-4F20-8DCA-6A22C565F1E2}" srcOrd="6" destOrd="0" presId="urn:microsoft.com/office/officeart/2008/layout/LinedList"/>
+    <dgm:cxn modelId="{A39C5A20-D97F-48F9-B881-1956797DAA42}" type="presParOf" srcId="{DE189EE5-B530-4E83-92AF-139E246161C7}" destId="{261C8CBB-C7EB-42D6-9E9A-930F6EC1F440}" srcOrd="7" destOrd="0" presId="urn:microsoft.com/office/officeart/2008/layout/LinedList"/>
     <dgm:cxn modelId="{65E6A2E5-4B28-4F46-8F8F-58EB81E24C5A}" type="presParOf" srcId="{261C8CBB-C7EB-42D6-9E9A-930F6EC1F440}" destId="{6C649CE7-91EB-42C0-B5C5-F12814B5C4C7}" srcOrd="0" destOrd="0" presId="urn:microsoft.com/office/officeart/2008/layout/LinedList"/>
     <dgm:cxn modelId="{CADDEAEB-A358-4CB5-95C8-074DDBA90008}" type="presParOf" srcId="{261C8CBB-C7EB-42D6-9E9A-930F6EC1F440}" destId="{EC787FF9-D672-43EA-9D44-68901E16DA54}" srcOrd="1" destOrd="0" presId="urn:microsoft.com/office/officeart/2008/layout/LinedList"/>
-    <dgm:cxn modelId="{FA35D4C6-2583-4BA1-A469-FD8529CDB6C7}" type="presParOf" srcId="{DE189EE5-B530-4E83-92AF-139E246161C7}" destId="{2AD87B78-19BB-41DF-BB9D-ED57FC1CFF70}" srcOrd="10" destOrd="0" presId="urn:microsoft.com/office/officeart/2008/layout/LinedList"/>
-    <dgm:cxn modelId="{49604FC2-A60E-4F60-9C4C-88E31DBF730B}" type="presParOf" srcId="{DE189EE5-B530-4E83-92AF-139E246161C7}" destId="{CBB091EF-1A8D-4657-9402-9C4B6CEFCB25}" srcOrd="11" destOrd="0" presId="urn:microsoft.com/office/officeart/2008/layout/LinedList"/>
+    <dgm:cxn modelId="{FA35D4C6-2583-4BA1-A469-FD8529CDB6C7}" type="presParOf" srcId="{DE189EE5-B530-4E83-92AF-139E246161C7}" destId="{2AD87B78-19BB-41DF-BB9D-ED57FC1CFF70}" srcOrd="8" destOrd="0" presId="urn:microsoft.com/office/officeart/2008/layout/LinedList"/>
+    <dgm:cxn modelId="{49604FC2-A60E-4F60-9C4C-88E31DBF730B}" type="presParOf" srcId="{DE189EE5-B530-4E83-92AF-139E246161C7}" destId="{CBB091EF-1A8D-4657-9402-9C4B6CEFCB25}" srcOrd="9" destOrd="0" presId="urn:microsoft.com/office/officeart/2008/layout/LinedList"/>
     <dgm:cxn modelId="{AAB4197B-B2AD-4C4B-B761-553BBF16DFA1}" type="presParOf" srcId="{CBB091EF-1A8D-4657-9402-9C4B6CEFCB25}" destId="{F0A4CD6E-19F2-4C04-B5E2-C64B367AC910}" srcOrd="0" destOrd="0" presId="urn:microsoft.com/office/officeart/2008/layout/LinedList"/>
     <dgm:cxn modelId="{DDD55681-EF44-4862-A7BA-4823A0DB0264}" type="presParOf" srcId="{CBB091EF-1A8D-4657-9402-9C4B6CEFCB25}" destId="{3D0353BE-8C86-4091-A9CF-3301102987A0}" srcOrd="1" destOrd="0" presId="urn:microsoft.com/office/officeart/2008/layout/LinedList"/>
   </dgm:cxnLst>
@@ -9923,6 +10144,43 @@
         </a:p>
       </dgm:t>
     </dgm:pt>
+    <dgm:pt modelId="{460450B7-9655-4B3C-87C3-CBE9A8AF837A}">
+      <dgm:prSet custT="1"/>
+      <dgm:spPr/>
+      <dgm:t>
+        <a:bodyPr/>
+        <a:lstStyle/>
+        <a:p>
+          <a:r>
+            <a:rPr lang="en-US" sz="2800" b="0" dirty="0" err="1"/>
+            <a:t>ExecutionPolicy</a:t>
+          </a:r>
+          <a:endParaRPr lang="en-US" sz="2800" b="0" dirty="0"/>
+        </a:p>
+      </dgm:t>
+    </dgm:pt>
+    <dgm:pt modelId="{5A9B4BE8-DFCC-4738-A0D6-6090F228B7D8}" type="parTrans" cxnId="{AFBDEFF4-5E3F-43F7-930D-72A533F3AD87}">
+      <dgm:prSet/>
+      <dgm:spPr/>
+      <dgm:t>
+        <a:bodyPr/>
+        <a:lstStyle/>
+        <a:p>
+          <a:endParaRPr lang="en-US"/>
+        </a:p>
+      </dgm:t>
+    </dgm:pt>
+    <dgm:pt modelId="{A5225849-6AB4-4C94-AFDC-34BA5970009B}" type="sibTrans" cxnId="{AFBDEFF4-5E3F-43F7-930D-72A533F3AD87}">
+      <dgm:prSet/>
+      <dgm:spPr/>
+      <dgm:t>
+        <a:bodyPr/>
+        <a:lstStyle/>
+        <a:p>
+          <a:endParaRPr lang="en-US"/>
+        </a:p>
+      </dgm:t>
+    </dgm:pt>
     <dgm:pt modelId="{E54BA1B1-4106-4A97-B00D-45858F9B0D53}" type="pres">
       <dgm:prSet presAssocID="{23461458-99AC-43F7-8BDA-64D0917CFC0A}" presName="vert0" presStyleCnt="0">
         <dgm:presLayoutVars>
@@ -9934,7 +10192,7 @@
       <dgm:spPr/>
     </dgm:pt>
     <dgm:pt modelId="{738F950F-F151-4C33-A827-E982BF33B7D7}" type="pres">
-      <dgm:prSet presAssocID="{E0AC70EF-E5F3-4A65-82FA-0E8AB9CAF46A}" presName="thickLine" presStyleLbl="alignNode1" presStyleIdx="0" presStyleCnt="3"/>
+      <dgm:prSet presAssocID="{E0AC70EF-E5F3-4A65-82FA-0E8AB9CAF46A}" presName="thickLine" presStyleLbl="alignNode1" presStyleIdx="0" presStyleCnt="4"/>
       <dgm:spPr/>
     </dgm:pt>
     <dgm:pt modelId="{11610280-38A6-4DC0-99AC-D95719A1EA7A}" type="pres">
@@ -9942,7 +10200,7 @@
       <dgm:spPr/>
     </dgm:pt>
     <dgm:pt modelId="{CA33A733-9414-4E89-9C4B-202883C72902}" type="pres">
-      <dgm:prSet presAssocID="{E0AC70EF-E5F3-4A65-82FA-0E8AB9CAF46A}" presName="tx1" presStyleLbl="revTx" presStyleIdx="0" presStyleCnt="3"/>
+      <dgm:prSet presAssocID="{E0AC70EF-E5F3-4A65-82FA-0E8AB9CAF46A}" presName="tx1" presStyleLbl="revTx" presStyleIdx="0" presStyleCnt="4"/>
       <dgm:spPr/>
     </dgm:pt>
     <dgm:pt modelId="{870943C8-2F95-430E-A4B9-C88849131851}" type="pres">
@@ -9950,7 +10208,7 @@
       <dgm:spPr/>
     </dgm:pt>
     <dgm:pt modelId="{170FCC81-48DA-4440-BC79-EE94DE9DAB1E}" type="pres">
-      <dgm:prSet presAssocID="{455ECE95-BF2F-44B0-AE7C-68768FBCBE86}" presName="thickLine" presStyleLbl="alignNode1" presStyleIdx="1" presStyleCnt="3"/>
+      <dgm:prSet presAssocID="{455ECE95-BF2F-44B0-AE7C-68768FBCBE86}" presName="thickLine" presStyleLbl="alignNode1" presStyleIdx="1" presStyleCnt="4"/>
       <dgm:spPr/>
     </dgm:pt>
     <dgm:pt modelId="{35E591F2-88CD-401A-9F4A-6BBD82F04DEE}" type="pres">
@@ -9958,7 +10216,7 @@
       <dgm:spPr/>
     </dgm:pt>
     <dgm:pt modelId="{AEA846AB-0C2A-4A17-8BA7-8BB0481AE847}" type="pres">
-      <dgm:prSet presAssocID="{455ECE95-BF2F-44B0-AE7C-68768FBCBE86}" presName="tx1" presStyleLbl="revTx" presStyleIdx="1" presStyleCnt="3"/>
+      <dgm:prSet presAssocID="{455ECE95-BF2F-44B0-AE7C-68768FBCBE86}" presName="tx1" presStyleLbl="revTx" presStyleIdx="1" presStyleCnt="4"/>
       <dgm:spPr/>
     </dgm:pt>
     <dgm:pt modelId="{8A1C8D98-8946-439E-AEF6-5FCD6E375EF2}" type="pres">
@@ -9966,7 +10224,7 @@
       <dgm:spPr/>
     </dgm:pt>
     <dgm:pt modelId="{72F9F420-1A6A-4D98-A87C-D82CB0BE31D8}" type="pres">
-      <dgm:prSet presAssocID="{00C9691F-D60C-407E-84BB-A3041F0ABEC8}" presName="thickLine" presStyleLbl="alignNode1" presStyleIdx="2" presStyleCnt="3"/>
+      <dgm:prSet presAssocID="{00C9691F-D60C-407E-84BB-A3041F0ABEC8}" presName="thickLine" presStyleLbl="alignNode1" presStyleIdx="2" presStyleCnt="4"/>
       <dgm:spPr/>
     </dgm:pt>
     <dgm:pt modelId="{EDB26C97-F5BB-4F31-829D-E43BC1F822FA}" type="pres">
@@ -9974,11 +10232,27 @@
       <dgm:spPr/>
     </dgm:pt>
     <dgm:pt modelId="{CDEF7C3B-8A97-4559-A404-B1AE8B0675C7}" type="pres">
-      <dgm:prSet presAssocID="{00C9691F-D60C-407E-84BB-A3041F0ABEC8}" presName="tx1" presStyleLbl="revTx" presStyleIdx="2" presStyleCnt="3"/>
+      <dgm:prSet presAssocID="{00C9691F-D60C-407E-84BB-A3041F0ABEC8}" presName="tx1" presStyleLbl="revTx" presStyleIdx="2" presStyleCnt="4"/>
       <dgm:spPr/>
     </dgm:pt>
     <dgm:pt modelId="{6A9ADB97-B75A-4283-9025-CD816CAD4D80}" type="pres">
       <dgm:prSet presAssocID="{00C9691F-D60C-407E-84BB-A3041F0ABEC8}" presName="vert1" presStyleCnt="0"/>
+      <dgm:spPr/>
+    </dgm:pt>
+    <dgm:pt modelId="{79FE28BF-DA6E-4606-A4B3-760F62155CB6}" type="pres">
+      <dgm:prSet presAssocID="{460450B7-9655-4B3C-87C3-CBE9A8AF837A}" presName="thickLine" presStyleLbl="alignNode1" presStyleIdx="3" presStyleCnt="4"/>
+      <dgm:spPr/>
+    </dgm:pt>
+    <dgm:pt modelId="{4F8C0CFE-4150-441C-B0E6-F28CF9560312}" type="pres">
+      <dgm:prSet presAssocID="{460450B7-9655-4B3C-87C3-CBE9A8AF837A}" presName="horz1" presStyleCnt="0"/>
+      <dgm:spPr/>
+    </dgm:pt>
+    <dgm:pt modelId="{1994DC55-C6EA-44BE-98B6-930A11BDE8A5}" type="pres">
+      <dgm:prSet presAssocID="{460450B7-9655-4B3C-87C3-CBE9A8AF837A}" presName="tx1" presStyleLbl="revTx" presStyleIdx="3" presStyleCnt="4"/>
+      <dgm:spPr/>
+    </dgm:pt>
+    <dgm:pt modelId="{D0274ECC-E179-4C6F-928D-9FBF0715D005}" type="pres">
+      <dgm:prSet presAssocID="{460450B7-9655-4B3C-87C3-CBE9A8AF837A}" presName="vert1" presStyleCnt="0"/>
       <dgm:spPr/>
     </dgm:pt>
   </dgm:ptLst>
@@ -9986,9 +10260,11 @@
     <dgm:cxn modelId="{E754D311-6E1D-4FB8-9DFF-ABC34D2E011F}" type="presOf" srcId="{E0AC70EF-E5F3-4A65-82FA-0E8AB9CAF46A}" destId="{CA33A733-9414-4E89-9C4B-202883C72902}" srcOrd="0" destOrd="0" presId="urn:microsoft.com/office/officeart/2008/layout/LinedList"/>
     <dgm:cxn modelId="{BCB56F2B-AB4D-4209-96F3-80E5561826CE}" srcId="{23461458-99AC-43F7-8BDA-64D0917CFC0A}" destId="{E0AC70EF-E5F3-4A65-82FA-0E8AB9CAF46A}" srcOrd="0" destOrd="0" parTransId="{10333B32-4FB2-4157-9919-DFC3DEEE3BF7}" sibTransId="{FAD98BBD-7CBF-46E9-AA01-ECA8CB7071DE}"/>
     <dgm:cxn modelId="{CED8F963-14EB-4F96-9547-30B7C9F0297B}" type="presOf" srcId="{23461458-99AC-43F7-8BDA-64D0917CFC0A}" destId="{E54BA1B1-4106-4A97-B00D-45858F9B0D53}" srcOrd="0" destOrd="0" presId="urn:microsoft.com/office/officeart/2008/layout/LinedList"/>
+    <dgm:cxn modelId="{AF47BD85-2D1B-4A66-AE4A-6AB18E553039}" type="presOf" srcId="{460450B7-9655-4B3C-87C3-CBE9A8AF837A}" destId="{1994DC55-C6EA-44BE-98B6-930A11BDE8A5}" srcOrd="0" destOrd="0" presId="urn:microsoft.com/office/officeart/2008/layout/LinedList"/>
     <dgm:cxn modelId="{1DE5FBC7-C728-4540-80C7-5A42AEA14641}" srcId="{23461458-99AC-43F7-8BDA-64D0917CFC0A}" destId="{00C9691F-D60C-407E-84BB-A3041F0ABEC8}" srcOrd="2" destOrd="0" parTransId="{1742D8A5-C68A-48B7-A513-87DD12D37589}" sibTransId="{7CF1A334-CB42-460A-873B-96C57E19FAF2}"/>
     <dgm:cxn modelId="{DF487FE5-F4AF-4D3D-B483-7A7691E3B26A}" type="presOf" srcId="{00C9691F-D60C-407E-84BB-A3041F0ABEC8}" destId="{CDEF7C3B-8A97-4559-A404-B1AE8B0675C7}" srcOrd="0" destOrd="0" presId="urn:microsoft.com/office/officeart/2008/layout/LinedList"/>
     <dgm:cxn modelId="{E4C8DFE6-917D-4D83-B40C-6C763F5DBA14}" type="presOf" srcId="{455ECE95-BF2F-44B0-AE7C-68768FBCBE86}" destId="{AEA846AB-0C2A-4A17-8BA7-8BB0481AE847}" srcOrd="0" destOrd="0" presId="urn:microsoft.com/office/officeart/2008/layout/LinedList"/>
+    <dgm:cxn modelId="{AFBDEFF4-5E3F-43F7-930D-72A533F3AD87}" srcId="{23461458-99AC-43F7-8BDA-64D0917CFC0A}" destId="{460450B7-9655-4B3C-87C3-CBE9A8AF837A}" srcOrd="3" destOrd="0" parTransId="{5A9B4BE8-DFCC-4738-A0D6-6090F228B7D8}" sibTransId="{A5225849-6AB4-4C94-AFDC-34BA5970009B}"/>
     <dgm:cxn modelId="{FFCF81F8-2F79-4AB7-915E-161534E1387E}" srcId="{23461458-99AC-43F7-8BDA-64D0917CFC0A}" destId="{455ECE95-BF2F-44B0-AE7C-68768FBCBE86}" srcOrd="1" destOrd="0" parTransId="{9FE14DCA-7970-4995-BB28-8EC5622317F7}" sibTransId="{9240EF4B-46D8-41C3-A40E-F2111D68EA52}"/>
     <dgm:cxn modelId="{5F96D520-F725-4528-AD7F-754C8D10B7D8}" type="presParOf" srcId="{E54BA1B1-4106-4A97-B00D-45858F9B0D53}" destId="{738F950F-F151-4C33-A827-E982BF33B7D7}" srcOrd="0" destOrd="0" presId="urn:microsoft.com/office/officeart/2008/layout/LinedList"/>
     <dgm:cxn modelId="{E1E76933-78B2-41C6-882C-1DA3437307EB}" type="presParOf" srcId="{E54BA1B1-4106-4A97-B00D-45858F9B0D53}" destId="{11610280-38A6-4DC0-99AC-D95719A1EA7A}" srcOrd="1" destOrd="0" presId="urn:microsoft.com/office/officeart/2008/layout/LinedList"/>
@@ -10002,6 +10278,10 @@
     <dgm:cxn modelId="{8E476B61-7376-4AB5-8BBD-583E1768056E}" type="presParOf" srcId="{E54BA1B1-4106-4A97-B00D-45858F9B0D53}" destId="{EDB26C97-F5BB-4F31-829D-E43BC1F822FA}" srcOrd="5" destOrd="0" presId="urn:microsoft.com/office/officeart/2008/layout/LinedList"/>
     <dgm:cxn modelId="{16878841-AEB5-419C-8783-B34005324951}" type="presParOf" srcId="{EDB26C97-F5BB-4F31-829D-E43BC1F822FA}" destId="{CDEF7C3B-8A97-4559-A404-B1AE8B0675C7}" srcOrd="0" destOrd="0" presId="urn:microsoft.com/office/officeart/2008/layout/LinedList"/>
     <dgm:cxn modelId="{9E12563F-D0AD-449D-8079-C2E10DC3FD02}" type="presParOf" srcId="{EDB26C97-F5BB-4F31-829D-E43BC1F822FA}" destId="{6A9ADB97-B75A-4283-9025-CD816CAD4D80}" srcOrd="1" destOrd="0" presId="urn:microsoft.com/office/officeart/2008/layout/LinedList"/>
+    <dgm:cxn modelId="{7C90F785-9017-49BE-BF80-E350D368255B}" type="presParOf" srcId="{E54BA1B1-4106-4A97-B00D-45858F9B0D53}" destId="{79FE28BF-DA6E-4606-A4B3-760F62155CB6}" srcOrd="6" destOrd="0" presId="urn:microsoft.com/office/officeart/2008/layout/LinedList"/>
+    <dgm:cxn modelId="{FFA33BCE-6719-4FBC-BF1F-EF130894DF36}" type="presParOf" srcId="{E54BA1B1-4106-4A97-B00D-45858F9B0D53}" destId="{4F8C0CFE-4150-441C-B0E6-F28CF9560312}" srcOrd="7" destOrd="0" presId="urn:microsoft.com/office/officeart/2008/layout/LinedList"/>
+    <dgm:cxn modelId="{BC03D142-0D13-4292-B70F-4942F9628332}" type="presParOf" srcId="{4F8C0CFE-4150-441C-B0E6-F28CF9560312}" destId="{1994DC55-C6EA-44BE-98B6-930A11BDE8A5}" srcOrd="0" destOrd="0" presId="urn:microsoft.com/office/officeart/2008/layout/LinedList"/>
+    <dgm:cxn modelId="{F670738F-887B-48F0-90DE-15CDA462D124}" type="presParOf" srcId="{4F8C0CFE-4150-441C-B0E6-F28CF9560312}" destId="{D0274ECC-E179-4C6F-928D-9FBF0715D005}" srcOrd="1" destOrd="0" presId="urn:microsoft.com/office/officeart/2008/layout/LinedList"/>
   </dgm:cxnLst>
   <dgm:bg/>
   <dgm:whole/>
@@ -10194,7 +10474,7 @@
           </a:pPr>
           <a:r>
             <a:rPr lang="en-US" sz="2100" kern="1200" dirty="0"/>
-            <a:t>File system manipulation</a:t>
+            <a:t>File and folder manipulation</a:t>
           </a:r>
         </a:p>
       </dsp:txBody>
@@ -10303,7 +10583,7 @@
           </a:pPr>
           <a:r>
             <a:rPr lang="en-US" sz="2100" kern="1200" dirty="0"/>
-            <a:t>Executing multiple EXEs with parameters</a:t>
+            <a:t>Running multiple programs with parameters</a:t>
           </a:r>
         </a:p>
       </dsp:txBody>
@@ -10700,15 +10980,577 @@
       <dsp:cNvGrpSpPr/>
     </dsp:nvGrpSpPr>
     <dsp:grpSpPr/>
-    <dsp:sp modelId="{7A4081FA-7272-4F44-BB96-72A2F2F98778}">
+    <dsp:sp modelId="{70CFCB5F-3269-45A4-8EE9-05CD6B9F6974}">
       <dsp:nvSpPr>
         <dsp:cNvPr id="0" name=""/>
         <dsp:cNvSpPr/>
       </dsp:nvSpPr>
       <dsp:spPr>
         <a:xfrm>
-          <a:off x="0" y="531"/>
-          <a:ext cx="10515600" cy="0"/>
+          <a:off x="0" y="718"/>
+          <a:ext cx="6513603" cy="0"/>
+        </a:xfrm>
+        <a:prstGeom prst="line">
+          <a:avLst/>
+        </a:prstGeom>
+        <a:solidFill>
+          <a:schemeClr val="accent2">
+            <a:hueOff val="0"/>
+            <a:satOff val="0"/>
+            <a:lumOff val="0"/>
+            <a:alphaOff val="0"/>
+          </a:schemeClr>
+        </a:solidFill>
+        <a:ln w="12700" cap="flat" cmpd="sng" algn="ctr">
+          <a:solidFill>
+            <a:schemeClr val="accent2">
+              <a:hueOff val="0"/>
+              <a:satOff val="0"/>
+              <a:lumOff val="0"/>
+              <a:alphaOff val="0"/>
+            </a:schemeClr>
+          </a:solidFill>
+          <a:prstDash val="solid"/>
+          <a:miter lim="800000"/>
+        </a:ln>
+        <a:effectLst/>
+      </dsp:spPr>
+      <dsp:style>
+        <a:lnRef idx="2">
+          <a:scrgbClr r="0" g="0" b="0"/>
+        </a:lnRef>
+        <a:fillRef idx="1">
+          <a:scrgbClr r="0" g="0" b="0"/>
+        </a:fillRef>
+        <a:effectRef idx="0">
+          <a:scrgbClr r="0" g="0" b="0"/>
+        </a:effectRef>
+        <a:fontRef idx="minor">
+          <a:schemeClr val="lt1"/>
+        </a:fontRef>
+      </dsp:style>
+    </dsp:sp>
+    <dsp:sp modelId="{2B6EE172-15FD-423C-A35D-91A0DAACA3C7}">
+      <dsp:nvSpPr>
+        <dsp:cNvPr id="0" name=""/>
+        <dsp:cNvSpPr/>
+      </dsp:nvSpPr>
+      <dsp:spPr>
+        <a:xfrm>
+          <a:off x="0" y="718"/>
+          <a:ext cx="6513603" cy="1176797"/>
+        </a:xfrm>
+        <a:prstGeom prst="rect">
+          <a:avLst/>
+        </a:prstGeom>
+        <a:noFill/>
+        <a:ln>
+          <a:noFill/>
+        </a:ln>
+        <a:effectLst/>
+      </dsp:spPr>
+      <dsp:style>
+        <a:lnRef idx="0">
+          <a:scrgbClr r="0" g="0" b="0"/>
+        </a:lnRef>
+        <a:fillRef idx="0">
+          <a:scrgbClr r="0" g="0" b="0"/>
+        </a:fillRef>
+        <a:effectRef idx="0">
+          <a:scrgbClr r="0" g="0" b="0"/>
+        </a:effectRef>
+        <a:fontRef idx="minor"/>
+      </dsp:style>
+      <dsp:txBody>
+        <a:bodyPr spcFirstLastPara="0" vert="horz" wrap="square" lIns="106680" tIns="106680" rIns="106680" bIns="106680" numCol="1" spcCol="1270" anchor="t" anchorCtr="0">
+          <a:noAutofit/>
+        </a:bodyPr>
+        <a:lstStyle/>
+        <a:p>
+          <a:pPr marL="0" lvl="0" indent="0" algn="l" defTabSz="1244600">
+            <a:lnSpc>
+              <a:spcPct val="90000"/>
+            </a:lnSpc>
+            <a:spcBef>
+              <a:spcPct val="0"/>
+            </a:spcBef>
+            <a:spcAft>
+              <a:spcPct val="35000"/>
+            </a:spcAft>
+            <a:buNone/>
+          </a:pPr>
+          <a:r>
+            <a:rPr lang="en-US" sz="2800" kern="1200" dirty="0"/>
+            <a:t>Shortcuts to often-used directories</a:t>
+          </a:r>
+        </a:p>
+      </dsp:txBody>
+      <dsp:txXfrm>
+        <a:off x="0" y="718"/>
+        <a:ext cx="6513603" cy="1176797"/>
+      </dsp:txXfrm>
+    </dsp:sp>
+    <dsp:sp modelId="{112AB89A-A5E7-4AEA-BF01-CAB1E2126957}">
+      <dsp:nvSpPr>
+        <dsp:cNvPr id="0" name=""/>
+        <dsp:cNvSpPr/>
+      </dsp:nvSpPr>
+      <dsp:spPr>
+        <a:xfrm>
+          <a:off x="0" y="1177516"/>
+          <a:ext cx="6513603" cy="0"/>
+        </a:xfrm>
+        <a:prstGeom prst="line">
+          <a:avLst/>
+        </a:prstGeom>
+        <a:solidFill>
+          <a:schemeClr val="accent3">
+            <a:hueOff val="0"/>
+            <a:satOff val="0"/>
+            <a:lumOff val="0"/>
+            <a:alphaOff val="0"/>
+          </a:schemeClr>
+        </a:solidFill>
+        <a:ln w="12700" cap="flat" cmpd="sng" algn="ctr">
+          <a:solidFill>
+            <a:schemeClr val="accent3">
+              <a:hueOff val="0"/>
+              <a:satOff val="0"/>
+              <a:lumOff val="0"/>
+              <a:alphaOff val="0"/>
+            </a:schemeClr>
+          </a:solidFill>
+          <a:prstDash val="solid"/>
+          <a:miter lim="800000"/>
+        </a:ln>
+        <a:effectLst/>
+      </dsp:spPr>
+      <dsp:style>
+        <a:lnRef idx="2">
+          <a:scrgbClr r="0" g="0" b="0"/>
+        </a:lnRef>
+        <a:fillRef idx="1">
+          <a:scrgbClr r="0" g="0" b="0"/>
+        </a:fillRef>
+        <a:effectRef idx="0">
+          <a:scrgbClr r="0" g="0" b="0"/>
+        </a:effectRef>
+        <a:fontRef idx="minor">
+          <a:schemeClr val="lt1"/>
+        </a:fontRef>
+      </dsp:style>
+    </dsp:sp>
+    <dsp:sp modelId="{E49B01D8-FDE1-4C31-9436-39275F731236}">
+      <dsp:nvSpPr>
+        <dsp:cNvPr id="0" name=""/>
+        <dsp:cNvSpPr/>
+      </dsp:nvSpPr>
+      <dsp:spPr>
+        <a:xfrm>
+          <a:off x="0" y="1177516"/>
+          <a:ext cx="6513603" cy="1176797"/>
+        </a:xfrm>
+        <a:prstGeom prst="rect">
+          <a:avLst/>
+        </a:prstGeom>
+        <a:noFill/>
+        <a:ln>
+          <a:noFill/>
+        </a:ln>
+        <a:effectLst/>
+      </dsp:spPr>
+      <dsp:style>
+        <a:lnRef idx="0">
+          <a:scrgbClr r="0" g="0" b="0"/>
+        </a:lnRef>
+        <a:fillRef idx="0">
+          <a:scrgbClr r="0" g="0" b="0"/>
+        </a:fillRef>
+        <a:effectRef idx="0">
+          <a:scrgbClr r="0" g="0" b="0"/>
+        </a:effectRef>
+        <a:fontRef idx="minor"/>
+      </dsp:style>
+      <dsp:txBody>
+        <a:bodyPr spcFirstLastPara="0" vert="horz" wrap="square" lIns="106680" tIns="106680" rIns="106680" bIns="106680" numCol="1" spcCol="1270" anchor="t" anchorCtr="0">
+          <a:noAutofit/>
+        </a:bodyPr>
+        <a:lstStyle/>
+        <a:p>
+          <a:pPr marL="0" lvl="0" indent="0" algn="l" defTabSz="1244600">
+            <a:lnSpc>
+              <a:spcPct val="90000"/>
+            </a:lnSpc>
+            <a:spcBef>
+              <a:spcPct val="0"/>
+            </a:spcBef>
+            <a:spcAft>
+              <a:spcPct val="35000"/>
+            </a:spcAft>
+            <a:buNone/>
+          </a:pPr>
+          <a:r>
+            <a:rPr lang="en-US" sz="2800" kern="1200" dirty="0"/>
+            <a:t>Library of personalized functions</a:t>
+          </a:r>
+        </a:p>
+      </dsp:txBody>
+      <dsp:txXfrm>
+        <a:off x="0" y="1177516"/>
+        <a:ext cx="6513603" cy="1176797"/>
+      </dsp:txXfrm>
+    </dsp:sp>
+    <dsp:sp modelId="{72682CCA-3D02-4DCC-B1A0-5B5EA53DE229}">
+      <dsp:nvSpPr>
+        <dsp:cNvPr id="0" name=""/>
+        <dsp:cNvSpPr/>
+      </dsp:nvSpPr>
+      <dsp:spPr>
+        <a:xfrm>
+          <a:off x="0" y="2354314"/>
+          <a:ext cx="6513603" cy="0"/>
+        </a:xfrm>
+        <a:prstGeom prst="line">
+          <a:avLst/>
+        </a:prstGeom>
+        <a:solidFill>
+          <a:schemeClr val="accent4">
+            <a:hueOff val="0"/>
+            <a:satOff val="0"/>
+            <a:lumOff val="0"/>
+            <a:alphaOff val="0"/>
+          </a:schemeClr>
+        </a:solidFill>
+        <a:ln w="12700" cap="flat" cmpd="sng" algn="ctr">
+          <a:solidFill>
+            <a:schemeClr val="accent4">
+              <a:hueOff val="0"/>
+              <a:satOff val="0"/>
+              <a:lumOff val="0"/>
+              <a:alphaOff val="0"/>
+            </a:schemeClr>
+          </a:solidFill>
+          <a:prstDash val="solid"/>
+          <a:miter lim="800000"/>
+        </a:ln>
+        <a:effectLst/>
+      </dsp:spPr>
+      <dsp:style>
+        <a:lnRef idx="2">
+          <a:scrgbClr r="0" g="0" b="0"/>
+        </a:lnRef>
+        <a:fillRef idx="1">
+          <a:scrgbClr r="0" g="0" b="0"/>
+        </a:fillRef>
+        <a:effectRef idx="0">
+          <a:scrgbClr r="0" g="0" b="0"/>
+        </a:effectRef>
+        <a:fontRef idx="minor">
+          <a:schemeClr val="lt1"/>
+        </a:fontRef>
+      </dsp:style>
+    </dsp:sp>
+    <dsp:sp modelId="{8AE67C63-6B2A-4998-B4DB-661DC956D366}">
+      <dsp:nvSpPr>
+        <dsp:cNvPr id="0" name=""/>
+        <dsp:cNvSpPr/>
+      </dsp:nvSpPr>
+      <dsp:spPr>
+        <a:xfrm>
+          <a:off x="0" y="2354314"/>
+          <a:ext cx="6513603" cy="1176797"/>
+        </a:xfrm>
+        <a:prstGeom prst="rect">
+          <a:avLst/>
+        </a:prstGeom>
+        <a:noFill/>
+        <a:ln>
+          <a:noFill/>
+        </a:ln>
+        <a:effectLst/>
+      </dsp:spPr>
+      <dsp:style>
+        <a:lnRef idx="0">
+          <a:scrgbClr r="0" g="0" b="0"/>
+        </a:lnRef>
+        <a:fillRef idx="0">
+          <a:scrgbClr r="0" g="0" b="0"/>
+        </a:fillRef>
+        <a:effectRef idx="0">
+          <a:scrgbClr r="0" g="0" b="0"/>
+        </a:effectRef>
+        <a:fontRef idx="minor"/>
+      </dsp:style>
+      <dsp:txBody>
+        <a:bodyPr spcFirstLastPara="0" vert="horz" wrap="square" lIns="106680" tIns="106680" rIns="106680" bIns="106680" numCol="1" spcCol="1270" anchor="t" anchorCtr="0">
+          <a:noAutofit/>
+        </a:bodyPr>
+        <a:lstStyle/>
+        <a:p>
+          <a:pPr marL="0" lvl="0" indent="0" algn="l" defTabSz="1244600">
+            <a:lnSpc>
+              <a:spcPct val="90000"/>
+            </a:lnSpc>
+            <a:spcBef>
+              <a:spcPct val="0"/>
+            </a:spcBef>
+            <a:spcAft>
+              <a:spcPct val="35000"/>
+            </a:spcAft>
+            <a:buNone/>
+          </a:pPr>
+          <a:r>
+            <a:rPr lang="en-US" sz="2800" kern="1200" dirty="0"/>
+            <a:t>Testing scripts</a:t>
+          </a:r>
+        </a:p>
+      </dsp:txBody>
+      <dsp:txXfrm>
+        <a:off x="0" y="2354314"/>
+        <a:ext cx="6513603" cy="1176797"/>
+      </dsp:txXfrm>
+    </dsp:sp>
+    <dsp:sp modelId="{B8FC4CA2-A188-45E8-A058-3AD43EAE231F}">
+      <dsp:nvSpPr>
+        <dsp:cNvPr id="0" name=""/>
+        <dsp:cNvSpPr/>
+      </dsp:nvSpPr>
+      <dsp:spPr>
+        <a:xfrm>
+          <a:off x="0" y="3531111"/>
+          <a:ext cx="6513603" cy="0"/>
+        </a:xfrm>
+        <a:prstGeom prst="line">
+          <a:avLst/>
+        </a:prstGeom>
+        <a:solidFill>
+          <a:schemeClr val="accent5">
+            <a:hueOff val="0"/>
+            <a:satOff val="0"/>
+            <a:lumOff val="0"/>
+            <a:alphaOff val="0"/>
+          </a:schemeClr>
+        </a:solidFill>
+        <a:ln w="12700" cap="flat" cmpd="sng" algn="ctr">
+          <a:solidFill>
+            <a:schemeClr val="accent5">
+              <a:hueOff val="0"/>
+              <a:satOff val="0"/>
+              <a:lumOff val="0"/>
+              <a:alphaOff val="0"/>
+            </a:schemeClr>
+          </a:solidFill>
+          <a:prstDash val="solid"/>
+          <a:miter lim="800000"/>
+        </a:ln>
+        <a:effectLst/>
+      </dsp:spPr>
+      <dsp:style>
+        <a:lnRef idx="2">
+          <a:scrgbClr r="0" g="0" b="0"/>
+        </a:lnRef>
+        <a:fillRef idx="1">
+          <a:scrgbClr r="0" g="0" b="0"/>
+        </a:fillRef>
+        <a:effectRef idx="0">
+          <a:scrgbClr r="0" g="0" b="0"/>
+        </a:effectRef>
+        <a:fontRef idx="minor">
+          <a:schemeClr val="lt1"/>
+        </a:fontRef>
+      </dsp:style>
+    </dsp:sp>
+    <dsp:sp modelId="{59D4D894-3915-46E1-BBE4-F8BE33EEBB29}">
+      <dsp:nvSpPr>
+        <dsp:cNvPr id="0" name=""/>
+        <dsp:cNvSpPr/>
+      </dsp:nvSpPr>
+      <dsp:spPr>
+        <a:xfrm>
+          <a:off x="0" y="3531111"/>
+          <a:ext cx="6513603" cy="1176797"/>
+        </a:xfrm>
+        <a:prstGeom prst="rect">
+          <a:avLst/>
+        </a:prstGeom>
+        <a:noFill/>
+        <a:ln>
+          <a:noFill/>
+        </a:ln>
+        <a:effectLst/>
+      </dsp:spPr>
+      <dsp:style>
+        <a:lnRef idx="0">
+          <a:scrgbClr r="0" g="0" b="0"/>
+        </a:lnRef>
+        <a:fillRef idx="0">
+          <a:scrgbClr r="0" g="0" b="0"/>
+        </a:fillRef>
+        <a:effectRef idx="0">
+          <a:scrgbClr r="0" g="0" b="0"/>
+        </a:effectRef>
+        <a:fontRef idx="minor"/>
+      </dsp:style>
+      <dsp:txBody>
+        <a:bodyPr spcFirstLastPara="0" vert="horz" wrap="square" lIns="106680" tIns="106680" rIns="106680" bIns="106680" numCol="1" spcCol="1270" anchor="t" anchorCtr="0">
+          <a:noAutofit/>
+        </a:bodyPr>
+        <a:lstStyle/>
+        <a:p>
+          <a:pPr marL="0" lvl="0" indent="0" algn="l" defTabSz="1244600">
+            <a:lnSpc>
+              <a:spcPct val="90000"/>
+            </a:lnSpc>
+            <a:spcBef>
+              <a:spcPct val="0"/>
+            </a:spcBef>
+            <a:spcAft>
+              <a:spcPct val="35000"/>
+            </a:spcAft>
+            <a:buNone/>
+          </a:pPr>
+          <a:r>
+            <a:rPr lang="en-US" sz="2800" kern="1200" dirty="0"/>
+            <a:t>Build scripts</a:t>
+          </a:r>
+        </a:p>
+      </dsp:txBody>
+      <dsp:txXfrm>
+        <a:off x="0" y="3531111"/>
+        <a:ext cx="6513603" cy="1176797"/>
+      </dsp:txXfrm>
+    </dsp:sp>
+    <dsp:sp modelId="{68C47E55-56AA-449C-BB18-A7D47421AD7A}">
+      <dsp:nvSpPr>
+        <dsp:cNvPr id="0" name=""/>
+        <dsp:cNvSpPr/>
+      </dsp:nvSpPr>
+      <dsp:spPr>
+        <a:xfrm>
+          <a:off x="0" y="4707909"/>
+          <a:ext cx="6513603" cy="0"/>
+        </a:xfrm>
+        <a:prstGeom prst="line">
+          <a:avLst/>
+        </a:prstGeom>
+        <a:solidFill>
+          <a:schemeClr val="accent6">
+            <a:hueOff val="0"/>
+            <a:satOff val="0"/>
+            <a:lumOff val="0"/>
+            <a:alphaOff val="0"/>
+          </a:schemeClr>
+        </a:solidFill>
+        <a:ln w="12700" cap="flat" cmpd="sng" algn="ctr">
+          <a:solidFill>
+            <a:schemeClr val="accent6">
+              <a:hueOff val="0"/>
+              <a:satOff val="0"/>
+              <a:lumOff val="0"/>
+              <a:alphaOff val="0"/>
+            </a:schemeClr>
+          </a:solidFill>
+          <a:prstDash val="solid"/>
+          <a:miter lim="800000"/>
+        </a:ln>
+        <a:effectLst/>
+      </dsp:spPr>
+      <dsp:style>
+        <a:lnRef idx="2">
+          <a:scrgbClr r="0" g="0" b="0"/>
+        </a:lnRef>
+        <a:fillRef idx="1">
+          <a:scrgbClr r="0" g="0" b="0"/>
+        </a:fillRef>
+        <a:effectRef idx="0">
+          <a:scrgbClr r="0" g="0" b="0"/>
+        </a:effectRef>
+        <a:fontRef idx="minor">
+          <a:schemeClr val="lt1"/>
+        </a:fontRef>
+      </dsp:style>
+    </dsp:sp>
+    <dsp:sp modelId="{72B028AD-A1E7-4E21-88A8-DE221AF5C3FE}">
+      <dsp:nvSpPr>
+        <dsp:cNvPr id="0" name=""/>
+        <dsp:cNvSpPr/>
+      </dsp:nvSpPr>
+      <dsp:spPr>
+        <a:xfrm>
+          <a:off x="0" y="4707909"/>
+          <a:ext cx="6513603" cy="1176797"/>
+        </a:xfrm>
+        <a:prstGeom prst="rect">
+          <a:avLst/>
+        </a:prstGeom>
+        <a:noFill/>
+        <a:ln>
+          <a:noFill/>
+        </a:ln>
+        <a:effectLst/>
+      </dsp:spPr>
+      <dsp:style>
+        <a:lnRef idx="0">
+          <a:scrgbClr r="0" g="0" b="0"/>
+        </a:lnRef>
+        <a:fillRef idx="0">
+          <a:scrgbClr r="0" g="0" b="0"/>
+        </a:fillRef>
+        <a:effectRef idx="0">
+          <a:scrgbClr r="0" g="0" b="0"/>
+        </a:effectRef>
+        <a:fontRef idx="minor"/>
+      </dsp:style>
+      <dsp:txBody>
+        <a:bodyPr spcFirstLastPara="0" vert="horz" wrap="square" lIns="106680" tIns="106680" rIns="106680" bIns="106680" numCol="1" spcCol="1270" anchor="t" anchorCtr="0">
+          <a:noAutofit/>
+        </a:bodyPr>
+        <a:lstStyle/>
+        <a:p>
+          <a:pPr marL="0" lvl="0" indent="0" algn="l" defTabSz="1244600">
+            <a:lnSpc>
+              <a:spcPct val="90000"/>
+            </a:lnSpc>
+            <a:spcBef>
+              <a:spcPct val="0"/>
+            </a:spcBef>
+            <a:spcAft>
+              <a:spcPct val="35000"/>
+            </a:spcAft>
+            <a:buNone/>
+          </a:pPr>
+          <a:r>
+            <a:rPr lang="en-US" sz="2800" kern="1200" dirty="0"/>
+            <a:t>Automate manual, error-prone tasks</a:t>
+          </a:r>
+        </a:p>
+      </dsp:txBody>
+      <dsp:txXfrm>
+        <a:off x="0" y="4707909"/>
+        <a:ext cx="6513603" cy="1176797"/>
+      </dsp:txXfrm>
+    </dsp:sp>
+  </dsp:spTree>
+</dsp:drawing>
+</file>
+
+<file path=ppt/diagrams/drawing4.xml><?xml version="1.0" encoding="utf-8"?>
+<dsp:drawing xmlns:dgm="http://schemas.openxmlformats.org/drawingml/2006/diagram" xmlns:dsp="http://schemas.microsoft.com/office/drawing/2008/diagram" xmlns:a="http://schemas.openxmlformats.org/drawingml/2006/main">
+  <dsp:spTree>
+    <dsp:nvGrpSpPr>
+      <dsp:cNvPr id="0" name=""/>
+      <dsp:cNvGrpSpPr/>
+    </dsp:nvGrpSpPr>
+    <dsp:grpSpPr/>
+    <dsp:sp modelId="{26C35023-4B58-46EF-B0E6-AD612E0487B3}">
+      <dsp:nvSpPr>
+        <dsp:cNvPr id="0" name=""/>
+        <dsp:cNvSpPr/>
+      </dsp:nvSpPr>
+      <dsp:spPr>
+        <a:xfrm>
+          <a:off x="0" y="2124"/>
+          <a:ext cx="6988175" cy="0"/>
         </a:xfrm>
         <a:prstGeom prst="line">
           <a:avLst/>
@@ -10750,15 +11592,15 @@
         </a:fontRef>
       </dsp:style>
     </dsp:sp>
-    <dsp:sp modelId="{B7C445DA-B6AD-4B06-B309-4AD9F017B139}">
+    <dsp:sp modelId="{E2EC9C68-3FFE-435C-BDFD-D9BFA9BA3D52}">
       <dsp:nvSpPr>
         <dsp:cNvPr id="0" name=""/>
         <dsp:cNvSpPr/>
       </dsp:nvSpPr>
       <dsp:spPr>
         <a:xfrm>
-          <a:off x="0" y="531"/>
-          <a:ext cx="10515600" cy="870055"/>
+          <a:off x="0" y="2124"/>
+          <a:ext cx="6988175" cy="1449029"/>
         </a:xfrm>
         <a:prstGeom prst="rect">
           <a:avLst/>
@@ -10782,12 +11624,12 @@
         <a:fontRef idx="minor"/>
       </dsp:style>
       <dsp:txBody>
-        <a:bodyPr spcFirstLastPara="0" vert="horz" wrap="square" lIns="152400" tIns="152400" rIns="152400" bIns="152400" numCol="1" spcCol="1270" anchor="t" anchorCtr="0">
+        <a:bodyPr spcFirstLastPara="0" vert="horz" wrap="square" lIns="205740" tIns="205740" rIns="205740" bIns="205740" numCol="1" spcCol="1270" anchor="t" anchorCtr="0">
           <a:noAutofit/>
         </a:bodyPr>
         <a:lstStyle/>
         <a:p>
-          <a:pPr marL="0" lvl="0" indent="0" algn="l" defTabSz="1778000">
+          <a:pPr marL="0" lvl="0" indent="0" algn="l" defTabSz="2400300">
             <a:lnSpc>
               <a:spcPct val="90000"/>
             </a:lnSpc>
@@ -10797,28 +11639,29 @@
             <a:spcAft>
               <a:spcPct val="35000"/>
             </a:spcAft>
+            <a:buFont typeface="+mj-lt"/>
             <a:buNone/>
           </a:pPr>
           <a:r>
-            <a:rPr lang="en-US" sz="4000" kern="1200" dirty="0"/>
-            <a:t>Shortcuts to often-used directories</a:t>
+            <a:rPr lang="en-US" sz="5400" kern="1200" dirty="0"/>
+            <a:t>It is POWERFUL</a:t>
           </a:r>
         </a:p>
       </dsp:txBody>
       <dsp:txXfrm>
-        <a:off x="0" y="531"/>
-        <a:ext cx="10515600" cy="870055"/>
+        <a:off x="0" y="2124"/>
+        <a:ext cx="6988175" cy="1449029"/>
       </dsp:txXfrm>
     </dsp:sp>
-    <dsp:sp modelId="{5050946E-D22C-4E2E-8ED1-43CFBAFC6A18}">
+    <dsp:sp modelId="{280E6D8E-20BB-46CB-98C6-7350DF1CEA6E}">
       <dsp:nvSpPr>
         <dsp:cNvPr id="0" name=""/>
         <dsp:cNvSpPr/>
       </dsp:nvSpPr>
       <dsp:spPr>
         <a:xfrm>
-          <a:off x="0" y="870586"/>
-          <a:ext cx="10515600" cy="0"/>
+          <a:off x="0" y="1451154"/>
+          <a:ext cx="6988175" cy="0"/>
         </a:xfrm>
         <a:prstGeom prst="line">
           <a:avLst/>
@@ -10860,15 +11703,15 @@
         </a:fontRef>
       </dsp:style>
     </dsp:sp>
-    <dsp:sp modelId="{3C4BA0A4-6C4D-4958-B5CD-23413694CCE9}">
+    <dsp:sp modelId="{DCC93AAB-1F26-4CD7-81B3-C5959C5E5F00}">
       <dsp:nvSpPr>
         <dsp:cNvPr id="0" name=""/>
         <dsp:cNvSpPr/>
       </dsp:nvSpPr>
       <dsp:spPr>
         <a:xfrm>
-          <a:off x="0" y="870586"/>
-          <a:ext cx="10515600" cy="870055"/>
+          <a:off x="0" y="1451154"/>
+          <a:ext cx="6988175" cy="1449029"/>
         </a:xfrm>
         <a:prstGeom prst="rect">
           <a:avLst/>
@@ -10892,12 +11735,12 @@
         <a:fontRef idx="minor"/>
       </dsp:style>
       <dsp:txBody>
-        <a:bodyPr spcFirstLastPara="0" vert="horz" wrap="square" lIns="152400" tIns="152400" rIns="152400" bIns="152400" numCol="1" spcCol="1270" anchor="t" anchorCtr="0">
+        <a:bodyPr spcFirstLastPara="0" vert="horz" wrap="square" lIns="205740" tIns="205740" rIns="205740" bIns="205740" numCol="1" spcCol="1270" anchor="t" anchorCtr="0">
           <a:noAutofit/>
         </a:bodyPr>
         <a:lstStyle/>
         <a:p>
-          <a:pPr marL="0" lvl="0" indent="0" algn="l" defTabSz="1778000">
+          <a:pPr marL="0" lvl="0" indent="0" algn="l" defTabSz="2400300">
             <a:lnSpc>
               <a:spcPct val="90000"/>
             </a:lnSpc>
@@ -10910,25 +11753,25 @@
             <a:buNone/>
           </a:pPr>
           <a:r>
-            <a:rPr lang="en-US" sz="4000" kern="1200" dirty="0"/>
-            <a:t>Library of personalized functions</a:t>
+            <a:rPr lang="en-US" sz="5400" kern="1200" dirty="0"/>
+            <a:t>It is EVERYWHERE</a:t>
           </a:r>
         </a:p>
       </dsp:txBody>
       <dsp:txXfrm>
-        <a:off x="0" y="870586"/>
-        <a:ext cx="10515600" cy="870055"/>
+        <a:off x="0" y="1451154"/>
+        <a:ext cx="6988175" cy="1449029"/>
       </dsp:txXfrm>
     </dsp:sp>
-    <dsp:sp modelId="{252B09E5-FB03-49EA-B89A-92CD4C6552A9}">
+    <dsp:sp modelId="{9D39359B-6295-435F-BB12-6B1681DCB10C}">
       <dsp:nvSpPr>
         <dsp:cNvPr id="0" name=""/>
         <dsp:cNvSpPr/>
       </dsp:nvSpPr>
       <dsp:spPr>
         <a:xfrm>
-          <a:off x="0" y="1740641"/>
-          <a:ext cx="10515600" cy="0"/>
+          <a:off x="0" y="2900183"/>
+          <a:ext cx="6988175" cy="0"/>
         </a:xfrm>
         <a:prstGeom prst="line">
           <a:avLst/>
@@ -10970,15 +11813,15 @@
         </a:fontRef>
       </dsp:style>
     </dsp:sp>
-    <dsp:sp modelId="{4BAB3E79-64BC-4943-9099-1F17FED541B1}">
+    <dsp:sp modelId="{1ABCCAD8-A36A-4F18-8117-18D694220E7F}">
       <dsp:nvSpPr>
         <dsp:cNvPr id="0" name=""/>
         <dsp:cNvSpPr/>
       </dsp:nvSpPr>
       <dsp:spPr>
         <a:xfrm>
-          <a:off x="0" y="1740641"/>
-          <a:ext cx="10515600" cy="870055"/>
+          <a:off x="0" y="2900183"/>
+          <a:ext cx="6988175" cy="1449029"/>
         </a:xfrm>
         <a:prstGeom prst="rect">
           <a:avLst/>
@@ -11002,12 +11845,12 @@
         <a:fontRef idx="minor"/>
       </dsp:style>
       <dsp:txBody>
-        <a:bodyPr spcFirstLastPara="0" vert="horz" wrap="square" lIns="152400" tIns="152400" rIns="152400" bIns="152400" numCol="1" spcCol="1270" anchor="t" anchorCtr="0">
+        <a:bodyPr spcFirstLastPara="0" vert="horz" wrap="square" lIns="205740" tIns="205740" rIns="205740" bIns="205740" numCol="1" spcCol="1270" anchor="t" anchorCtr="0">
           <a:noAutofit/>
         </a:bodyPr>
         <a:lstStyle/>
         <a:p>
-          <a:pPr marL="0" lvl="0" indent="0" algn="l" defTabSz="1778000">
+          <a:pPr marL="0" lvl="0" indent="0" algn="l" defTabSz="2400300">
             <a:lnSpc>
               <a:spcPct val="90000"/>
             </a:lnSpc>
@@ -11020,576 +11863,14 @@
             <a:buNone/>
           </a:pPr>
           <a:r>
-            <a:rPr lang="en-US" sz="4000" kern="1200" dirty="0"/>
-            <a:t>Automate manual, error-prone tasks</a:t>
-          </a:r>
-        </a:p>
-      </dsp:txBody>
-      <dsp:txXfrm>
-        <a:off x="0" y="1740641"/>
-        <a:ext cx="10515600" cy="870055"/>
-      </dsp:txXfrm>
-    </dsp:sp>
-    <dsp:sp modelId="{D598A6EA-FC80-421C-BD0F-CBAFF6AA8F9D}">
-      <dsp:nvSpPr>
-        <dsp:cNvPr id="0" name=""/>
-        <dsp:cNvSpPr/>
-      </dsp:nvSpPr>
-      <dsp:spPr>
-        <a:xfrm>
-          <a:off x="0" y="2610696"/>
-          <a:ext cx="10515600" cy="0"/>
-        </a:xfrm>
-        <a:prstGeom prst="line">
-          <a:avLst/>
-        </a:prstGeom>
-        <a:solidFill>
-          <a:schemeClr val="accent1">
-            <a:hueOff val="0"/>
-            <a:satOff val="0"/>
-            <a:lumOff val="0"/>
-            <a:alphaOff val="0"/>
-          </a:schemeClr>
-        </a:solidFill>
-        <a:ln w="12700" cap="flat" cmpd="sng" algn="ctr">
-          <a:solidFill>
-            <a:schemeClr val="accent1">
-              <a:hueOff val="0"/>
-              <a:satOff val="0"/>
-              <a:lumOff val="0"/>
-              <a:alphaOff val="0"/>
-            </a:schemeClr>
-          </a:solidFill>
-          <a:prstDash val="solid"/>
-          <a:miter lim="800000"/>
-        </a:ln>
-        <a:effectLst/>
-      </dsp:spPr>
-      <dsp:style>
-        <a:lnRef idx="2">
-          <a:scrgbClr r="0" g="0" b="0"/>
-        </a:lnRef>
-        <a:fillRef idx="1">
-          <a:scrgbClr r="0" g="0" b="0"/>
-        </a:fillRef>
-        <a:effectRef idx="0">
-          <a:scrgbClr r="0" g="0" b="0"/>
-        </a:effectRef>
-        <a:fontRef idx="minor">
-          <a:schemeClr val="lt1"/>
-        </a:fontRef>
-      </dsp:style>
-    </dsp:sp>
-    <dsp:sp modelId="{62510FBD-0C88-4010-A5A4-AB897D766E91}">
-      <dsp:nvSpPr>
-        <dsp:cNvPr id="0" name=""/>
-        <dsp:cNvSpPr/>
-      </dsp:nvSpPr>
-      <dsp:spPr>
-        <a:xfrm>
-          <a:off x="0" y="2610696"/>
-          <a:ext cx="10515600" cy="870055"/>
-        </a:xfrm>
-        <a:prstGeom prst="rect">
-          <a:avLst/>
-        </a:prstGeom>
-        <a:noFill/>
-        <a:ln>
-          <a:noFill/>
-        </a:ln>
-        <a:effectLst/>
-      </dsp:spPr>
-      <dsp:style>
-        <a:lnRef idx="0">
-          <a:scrgbClr r="0" g="0" b="0"/>
-        </a:lnRef>
-        <a:fillRef idx="0">
-          <a:scrgbClr r="0" g="0" b="0"/>
-        </a:fillRef>
-        <a:effectRef idx="0">
-          <a:scrgbClr r="0" g="0" b="0"/>
-        </a:effectRef>
-        <a:fontRef idx="minor"/>
-      </dsp:style>
-      <dsp:txBody>
-        <a:bodyPr spcFirstLastPara="0" vert="horz" wrap="square" lIns="152400" tIns="152400" rIns="152400" bIns="152400" numCol="1" spcCol="1270" anchor="t" anchorCtr="0">
-          <a:noAutofit/>
-        </a:bodyPr>
-        <a:lstStyle/>
-        <a:p>
-          <a:pPr marL="0" lvl="0" indent="0" algn="l" defTabSz="1778000">
-            <a:lnSpc>
-              <a:spcPct val="90000"/>
-            </a:lnSpc>
-            <a:spcBef>
-              <a:spcPct val="0"/>
-            </a:spcBef>
-            <a:spcAft>
-              <a:spcPct val="35000"/>
-            </a:spcAft>
-            <a:buNone/>
-          </a:pPr>
-          <a:r>
-            <a:rPr lang="en-US" sz="4000" kern="1200" dirty="0"/>
-            <a:t>Testing scripts</a:t>
-          </a:r>
-        </a:p>
-      </dsp:txBody>
-      <dsp:txXfrm>
-        <a:off x="0" y="2610696"/>
-        <a:ext cx="10515600" cy="870055"/>
-      </dsp:txXfrm>
-    </dsp:sp>
-    <dsp:sp modelId="{11CB69D0-6549-49D6-B93B-05D60933CC55}">
-      <dsp:nvSpPr>
-        <dsp:cNvPr id="0" name=""/>
-        <dsp:cNvSpPr/>
-      </dsp:nvSpPr>
-      <dsp:spPr>
-        <a:xfrm>
-          <a:off x="0" y="3480751"/>
-          <a:ext cx="10515600" cy="0"/>
-        </a:xfrm>
-        <a:prstGeom prst="line">
-          <a:avLst/>
-        </a:prstGeom>
-        <a:solidFill>
-          <a:schemeClr val="accent1">
-            <a:hueOff val="0"/>
-            <a:satOff val="0"/>
-            <a:lumOff val="0"/>
-            <a:alphaOff val="0"/>
-          </a:schemeClr>
-        </a:solidFill>
-        <a:ln w="12700" cap="flat" cmpd="sng" algn="ctr">
-          <a:solidFill>
-            <a:schemeClr val="accent1">
-              <a:hueOff val="0"/>
-              <a:satOff val="0"/>
-              <a:lumOff val="0"/>
-              <a:alphaOff val="0"/>
-            </a:schemeClr>
-          </a:solidFill>
-          <a:prstDash val="solid"/>
-          <a:miter lim="800000"/>
-        </a:ln>
-        <a:effectLst/>
-      </dsp:spPr>
-      <dsp:style>
-        <a:lnRef idx="2">
-          <a:scrgbClr r="0" g="0" b="0"/>
-        </a:lnRef>
-        <a:fillRef idx="1">
-          <a:scrgbClr r="0" g="0" b="0"/>
-        </a:fillRef>
-        <a:effectRef idx="0">
-          <a:scrgbClr r="0" g="0" b="0"/>
-        </a:effectRef>
-        <a:fontRef idx="minor">
-          <a:schemeClr val="lt1"/>
-        </a:fontRef>
-      </dsp:style>
-    </dsp:sp>
-    <dsp:sp modelId="{BF464759-C6C0-4F7A-A61D-A554BBB3D2E7}">
-      <dsp:nvSpPr>
-        <dsp:cNvPr id="0" name=""/>
-        <dsp:cNvSpPr/>
-      </dsp:nvSpPr>
-      <dsp:spPr>
-        <a:xfrm>
-          <a:off x="0" y="3480751"/>
-          <a:ext cx="10515600" cy="870055"/>
-        </a:xfrm>
-        <a:prstGeom prst="rect">
-          <a:avLst/>
-        </a:prstGeom>
-        <a:noFill/>
-        <a:ln>
-          <a:noFill/>
-        </a:ln>
-        <a:effectLst/>
-      </dsp:spPr>
-      <dsp:style>
-        <a:lnRef idx="0">
-          <a:scrgbClr r="0" g="0" b="0"/>
-        </a:lnRef>
-        <a:fillRef idx="0">
-          <a:scrgbClr r="0" g="0" b="0"/>
-        </a:fillRef>
-        <a:effectRef idx="0">
-          <a:scrgbClr r="0" g="0" b="0"/>
-        </a:effectRef>
-        <a:fontRef idx="minor"/>
-      </dsp:style>
-      <dsp:txBody>
-        <a:bodyPr spcFirstLastPara="0" vert="horz" wrap="square" lIns="152400" tIns="152400" rIns="152400" bIns="152400" numCol="1" spcCol="1270" anchor="t" anchorCtr="0">
-          <a:noAutofit/>
-        </a:bodyPr>
-        <a:lstStyle/>
-        <a:p>
-          <a:pPr marL="0" lvl="0" indent="0" algn="l" defTabSz="1778000">
-            <a:lnSpc>
-              <a:spcPct val="90000"/>
-            </a:lnSpc>
-            <a:spcBef>
-              <a:spcPct val="0"/>
-            </a:spcBef>
-            <a:spcAft>
-              <a:spcPct val="35000"/>
-            </a:spcAft>
-            <a:buNone/>
-          </a:pPr>
-          <a:r>
-            <a:rPr lang="en-US" sz="4000" kern="1200" dirty="0"/>
-            <a:t>Build scripts</a:t>
-          </a:r>
-        </a:p>
-      </dsp:txBody>
-      <dsp:txXfrm>
-        <a:off x="0" y="3480751"/>
-        <a:ext cx="10515600" cy="870055"/>
-      </dsp:txXfrm>
-    </dsp:sp>
-  </dsp:spTree>
-</dsp:drawing>
-</file>
-
-<file path=ppt/diagrams/drawing4.xml><?xml version="1.0" encoding="utf-8"?>
-<dsp:drawing xmlns:dgm="http://schemas.openxmlformats.org/drawingml/2006/diagram" xmlns:dsp="http://schemas.microsoft.com/office/drawing/2008/diagram" xmlns:a="http://schemas.openxmlformats.org/drawingml/2006/main">
-  <dsp:spTree>
-    <dsp:nvGrpSpPr>
-      <dsp:cNvPr id="0" name=""/>
-      <dsp:cNvGrpSpPr/>
-    </dsp:nvGrpSpPr>
-    <dsp:grpSpPr/>
-    <dsp:sp modelId="{61C3D1BF-5B90-44F9-B121-565CAF5B7392}">
-      <dsp:nvSpPr>
-        <dsp:cNvPr id="0" name=""/>
-        <dsp:cNvSpPr/>
-      </dsp:nvSpPr>
-      <dsp:spPr>
-        <a:xfrm>
-          <a:off x="0" y="2028"/>
-          <a:ext cx="7161017" cy="0"/>
-        </a:xfrm>
-        <a:prstGeom prst="line">
-          <a:avLst/>
-        </a:prstGeom>
-        <a:solidFill>
-          <a:schemeClr val="accent6">
-            <a:hueOff val="0"/>
-            <a:satOff val="0"/>
-            <a:lumOff val="0"/>
-            <a:alphaOff val="0"/>
-          </a:schemeClr>
-        </a:solidFill>
-        <a:ln w="12700" cap="flat" cmpd="sng" algn="ctr">
-          <a:solidFill>
-            <a:schemeClr val="accent6">
-              <a:hueOff val="0"/>
-              <a:satOff val="0"/>
-              <a:lumOff val="0"/>
-              <a:alphaOff val="0"/>
-            </a:schemeClr>
-          </a:solidFill>
-          <a:prstDash val="solid"/>
-          <a:miter lim="800000"/>
-        </a:ln>
-        <a:effectLst/>
-      </dsp:spPr>
-      <dsp:style>
-        <a:lnRef idx="2">
-          <a:scrgbClr r="0" g="0" b="0"/>
-        </a:lnRef>
-        <a:fillRef idx="1">
-          <a:scrgbClr r="0" g="0" b="0"/>
-        </a:fillRef>
-        <a:effectRef idx="1">
-          <a:scrgbClr r="0" g="0" b="0"/>
-        </a:effectRef>
-        <a:fontRef idx="minor">
-          <a:schemeClr val="lt1"/>
-        </a:fontRef>
-      </dsp:style>
-    </dsp:sp>
-    <dsp:sp modelId="{54E93B1E-C886-4AA3-ADBE-90EFC59FEC20}">
-      <dsp:nvSpPr>
-        <dsp:cNvPr id="0" name=""/>
-        <dsp:cNvSpPr/>
-      </dsp:nvSpPr>
-      <dsp:spPr>
-        <a:xfrm>
-          <a:off x="0" y="2028"/>
-          <a:ext cx="7161017" cy="1383434"/>
-        </a:xfrm>
-        <a:prstGeom prst="rect">
-          <a:avLst/>
-        </a:prstGeom>
-        <a:noFill/>
-        <a:ln>
-          <a:noFill/>
-        </a:ln>
-        <a:effectLst/>
-      </dsp:spPr>
-      <dsp:style>
-        <a:lnRef idx="0">
-          <a:scrgbClr r="0" g="0" b="0"/>
-        </a:lnRef>
-        <a:fillRef idx="0">
-          <a:scrgbClr r="0" g="0" b="0"/>
-        </a:fillRef>
-        <a:effectRef idx="0">
-          <a:scrgbClr r="0" g="0" b="0"/>
-        </a:effectRef>
-        <a:fontRef idx="minor"/>
-      </dsp:style>
-      <dsp:txBody>
-        <a:bodyPr spcFirstLastPara="0" vert="horz" wrap="square" lIns="167640" tIns="167640" rIns="167640" bIns="167640" numCol="1" spcCol="1270" anchor="t" anchorCtr="0">
-          <a:noAutofit/>
-        </a:bodyPr>
-        <a:lstStyle/>
-        <a:p>
-          <a:pPr marL="0" lvl="0" indent="0" algn="l" defTabSz="1955800">
-            <a:lnSpc>
-              <a:spcPct val="90000"/>
-            </a:lnSpc>
-            <a:spcBef>
-              <a:spcPct val="0"/>
-            </a:spcBef>
-            <a:spcAft>
-              <a:spcPct val="35000"/>
-            </a:spcAft>
-            <a:buNone/>
-          </a:pPr>
-          <a:r>
-            <a:rPr lang="en-US" sz="4400" kern="1200" dirty="0"/>
-            <a:t>It is POWERFUL</a:t>
-          </a:r>
-        </a:p>
-      </dsp:txBody>
-      <dsp:txXfrm>
-        <a:off x="0" y="2028"/>
-        <a:ext cx="7161017" cy="1383434"/>
-      </dsp:txXfrm>
-    </dsp:sp>
-    <dsp:sp modelId="{9D339993-68B1-4038-8700-D64983765C2D}">
-      <dsp:nvSpPr>
-        <dsp:cNvPr id="0" name=""/>
-        <dsp:cNvSpPr/>
-      </dsp:nvSpPr>
-      <dsp:spPr>
-        <a:xfrm>
-          <a:off x="0" y="1385463"/>
-          <a:ext cx="7161017" cy="0"/>
-        </a:xfrm>
-        <a:prstGeom prst="line">
-          <a:avLst/>
-        </a:prstGeom>
-        <a:solidFill>
-          <a:schemeClr val="accent6">
-            <a:hueOff val="0"/>
-            <a:satOff val="0"/>
-            <a:lumOff val="0"/>
-            <a:alphaOff val="0"/>
-          </a:schemeClr>
-        </a:solidFill>
-        <a:ln w="12700" cap="flat" cmpd="sng" algn="ctr">
-          <a:solidFill>
-            <a:schemeClr val="accent6">
-              <a:hueOff val="0"/>
-              <a:satOff val="0"/>
-              <a:lumOff val="0"/>
-              <a:alphaOff val="0"/>
-            </a:schemeClr>
-          </a:solidFill>
-          <a:prstDash val="solid"/>
-          <a:miter lim="800000"/>
-        </a:ln>
-        <a:effectLst/>
-      </dsp:spPr>
-      <dsp:style>
-        <a:lnRef idx="2">
-          <a:scrgbClr r="0" g="0" b="0"/>
-        </a:lnRef>
-        <a:fillRef idx="1">
-          <a:scrgbClr r="0" g="0" b="0"/>
-        </a:fillRef>
-        <a:effectRef idx="1">
-          <a:scrgbClr r="0" g="0" b="0"/>
-        </a:effectRef>
-        <a:fontRef idx="minor">
-          <a:schemeClr val="lt1"/>
-        </a:fontRef>
-      </dsp:style>
-    </dsp:sp>
-    <dsp:sp modelId="{BC7E84E4-0CAC-466A-A2DB-2964783080A7}">
-      <dsp:nvSpPr>
-        <dsp:cNvPr id="0" name=""/>
-        <dsp:cNvSpPr/>
-      </dsp:nvSpPr>
-      <dsp:spPr>
-        <a:xfrm>
-          <a:off x="0" y="1385463"/>
-          <a:ext cx="7161017" cy="1383434"/>
-        </a:xfrm>
-        <a:prstGeom prst="rect">
-          <a:avLst/>
-        </a:prstGeom>
-        <a:noFill/>
-        <a:ln>
-          <a:noFill/>
-        </a:ln>
-        <a:effectLst/>
-      </dsp:spPr>
-      <dsp:style>
-        <a:lnRef idx="0">
-          <a:scrgbClr r="0" g="0" b="0"/>
-        </a:lnRef>
-        <a:fillRef idx="0">
-          <a:scrgbClr r="0" g="0" b="0"/>
-        </a:fillRef>
-        <a:effectRef idx="0">
-          <a:scrgbClr r="0" g="0" b="0"/>
-        </a:effectRef>
-        <a:fontRef idx="minor"/>
-      </dsp:style>
-      <dsp:txBody>
-        <a:bodyPr spcFirstLastPara="0" vert="horz" wrap="square" lIns="167640" tIns="167640" rIns="167640" bIns="167640" numCol="1" spcCol="1270" anchor="t" anchorCtr="0">
-          <a:noAutofit/>
-        </a:bodyPr>
-        <a:lstStyle/>
-        <a:p>
-          <a:pPr marL="0" lvl="0" indent="0" algn="l" defTabSz="1955800">
-            <a:lnSpc>
-              <a:spcPct val="90000"/>
-            </a:lnSpc>
-            <a:spcBef>
-              <a:spcPct val="0"/>
-            </a:spcBef>
-            <a:spcAft>
-              <a:spcPct val="35000"/>
-            </a:spcAft>
-            <a:buNone/>
-          </a:pPr>
-          <a:r>
-            <a:rPr lang="en-US" sz="4400" kern="1200" dirty="0"/>
-            <a:t>It is EVERYWHERE</a:t>
-          </a:r>
-        </a:p>
-      </dsp:txBody>
-      <dsp:txXfrm>
-        <a:off x="0" y="1385463"/>
-        <a:ext cx="7161017" cy="1383434"/>
-      </dsp:txXfrm>
-    </dsp:sp>
-    <dsp:sp modelId="{F6B103A6-1596-4DA3-9B8D-3608D278196D}">
-      <dsp:nvSpPr>
-        <dsp:cNvPr id="0" name=""/>
-        <dsp:cNvSpPr/>
-      </dsp:nvSpPr>
-      <dsp:spPr>
-        <a:xfrm>
-          <a:off x="0" y="2768897"/>
-          <a:ext cx="7161017" cy="0"/>
-        </a:xfrm>
-        <a:prstGeom prst="line">
-          <a:avLst/>
-        </a:prstGeom>
-        <a:solidFill>
-          <a:schemeClr val="accent6">
-            <a:hueOff val="0"/>
-            <a:satOff val="0"/>
-            <a:lumOff val="0"/>
-            <a:alphaOff val="0"/>
-          </a:schemeClr>
-        </a:solidFill>
-        <a:ln w="12700" cap="flat" cmpd="sng" algn="ctr">
-          <a:solidFill>
-            <a:schemeClr val="accent6">
-              <a:hueOff val="0"/>
-              <a:satOff val="0"/>
-              <a:lumOff val="0"/>
-              <a:alphaOff val="0"/>
-            </a:schemeClr>
-          </a:solidFill>
-          <a:prstDash val="solid"/>
-          <a:miter lim="800000"/>
-        </a:ln>
-        <a:effectLst/>
-      </dsp:spPr>
-      <dsp:style>
-        <a:lnRef idx="2">
-          <a:scrgbClr r="0" g="0" b="0"/>
-        </a:lnRef>
-        <a:fillRef idx="1">
-          <a:scrgbClr r="0" g="0" b="0"/>
-        </a:fillRef>
-        <a:effectRef idx="1">
-          <a:scrgbClr r="0" g="0" b="0"/>
-        </a:effectRef>
-        <a:fontRef idx="minor">
-          <a:schemeClr val="lt1"/>
-        </a:fontRef>
-      </dsp:style>
-    </dsp:sp>
-    <dsp:sp modelId="{A7BC7F59-749E-41AB-89C9-1A8A9467B913}">
-      <dsp:nvSpPr>
-        <dsp:cNvPr id="0" name=""/>
-        <dsp:cNvSpPr/>
-      </dsp:nvSpPr>
-      <dsp:spPr>
-        <a:xfrm>
-          <a:off x="0" y="2768897"/>
-          <a:ext cx="7161017" cy="1383434"/>
-        </a:xfrm>
-        <a:prstGeom prst="rect">
-          <a:avLst/>
-        </a:prstGeom>
-        <a:noFill/>
-        <a:ln>
-          <a:noFill/>
-        </a:ln>
-        <a:effectLst/>
-      </dsp:spPr>
-      <dsp:style>
-        <a:lnRef idx="0">
-          <a:scrgbClr r="0" g="0" b="0"/>
-        </a:lnRef>
-        <a:fillRef idx="0">
-          <a:scrgbClr r="0" g="0" b="0"/>
-        </a:fillRef>
-        <a:effectRef idx="0">
-          <a:scrgbClr r="0" g="0" b="0"/>
-        </a:effectRef>
-        <a:fontRef idx="minor"/>
-      </dsp:style>
-      <dsp:txBody>
-        <a:bodyPr spcFirstLastPara="0" vert="horz" wrap="square" lIns="167640" tIns="167640" rIns="167640" bIns="167640" numCol="1" spcCol="1270" anchor="t" anchorCtr="0">
-          <a:noAutofit/>
-        </a:bodyPr>
-        <a:lstStyle/>
-        <a:p>
-          <a:pPr marL="0" lvl="0" indent="0" algn="l" defTabSz="1955800">
-            <a:lnSpc>
-              <a:spcPct val="90000"/>
-            </a:lnSpc>
-            <a:spcBef>
-              <a:spcPct val="0"/>
-            </a:spcBef>
-            <a:spcAft>
-              <a:spcPct val="35000"/>
-            </a:spcAft>
-            <a:buNone/>
-          </a:pPr>
-          <a:r>
-            <a:rPr lang="en-US" sz="4400" kern="1200" dirty="0"/>
+            <a:rPr lang="en-US" sz="5400" kern="1200" dirty="0"/>
             <a:t>It is FAMILIAR</a:t>
           </a:r>
         </a:p>
       </dsp:txBody>
       <dsp:txXfrm>
-        <a:off x="0" y="2768897"/>
-        <a:ext cx="7161017" cy="1383434"/>
+        <a:off x="0" y="2900183"/>
+        <a:ext cx="6988175" cy="1449029"/>
       </dsp:txXfrm>
     </dsp:sp>
   </dsp:spTree>
@@ -12317,14 +12598,14 @@
       <dsp:cNvGrpSpPr/>
     </dsp:nvGrpSpPr>
     <dsp:grpSpPr/>
-    <dsp:sp modelId="{7F7387AC-0D7E-4F74-AA04-EDF2DE617966}">
+    <dsp:sp modelId="{5B220136-2F2C-4939-8F03-0FB09EB8F39E}">
       <dsp:nvSpPr>
         <dsp:cNvPr id="0" name=""/>
         <dsp:cNvSpPr/>
       </dsp:nvSpPr>
       <dsp:spPr>
         <a:xfrm>
-          <a:off x="0" y="718"/>
+          <a:off x="0" y="2873"/>
           <a:ext cx="6513603" cy="0"/>
         </a:xfrm>
         <a:prstGeom prst="line">
@@ -12397,6 +12678,146 @@
         </a:fontRef>
       </dsp:style>
     </dsp:sp>
+    <dsp:sp modelId="{CA808670-B7D7-4BE9-A055-D69DEA72D6A4}">
+      <dsp:nvSpPr>
+        <dsp:cNvPr id="0" name=""/>
+        <dsp:cNvSpPr/>
+      </dsp:nvSpPr>
+      <dsp:spPr>
+        <a:xfrm>
+          <a:off x="0" y="2873"/>
+          <a:ext cx="6513603" cy="979946"/>
+        </a:xfrm>
+        <a:prstGeom prst="rect">
+          <a:avLst/>
+        </a:prstGeom>
+        <a:noFill/>
+        <a:ln>
+          <a:noFill/>
+        </a:ln>
+        <a:effectLst/>
+      </dsp:spPr>
+      <dsp:style>
+        <a:lnRef idx="0">
+          <a:scrgbClr r="0" g="0" b="0"/>
+        </a:lnRef>
+        <a:fillRef idx="0">
+          <a:scrgbClr r="0" g="0" b="0"/>
+        </a:fillRef>
+        <a:effectRef idx="0">
+          <a:scrgbClr r="0" g="0" b="0"/>
+        </a:effectRef>
+        <a:fontRef idx="minor"/>
+      </dsp:style>
+      <dsp:txBody>
+        <a:bodyPr spcFirstLastPara="0" vert="horz" wrap="square" lIns="106680" tIns="106680" rIns="106680" bIns="106680" numCol="1" spcCol="1270" anchor="t" anchorCtr="0">
+          <a:noAutofit/>
+        </a:bodyPr>
+        <a:lstStyle/>
+        <a:p>
+          <a:pPr marL="0" lvl="0" indent="0" algn="l" defTabSz="1244600">
+            <a:lnSpc>
+              <a:spcPct val="90000"/>
+            </a:lnSpc>
+            <a:spcBef>
+              <a:spcPct val="0"/>
+            </a:spcBef>
+            <a:spcAft>
+              <a:spcPct val="35000"/>
+            </a:spcAft>
+            <a:buNone/>
+          </a:pPr>
+          <a:r>
+            <a:rPr lang="en-US" sz="2800" kern="1200" dirty="0"/>
+            <a:t>VS Code &amp; ISE</a:t>
+          </a:r>
+        </a:p>
+      </dsp:txBody>
+      <dsp:txXfrm>
+        <a:off x="0" y="2873"/>
+        <a:ext cx="6513603" cy="979946"/>
+      </dsp:txXfrm>
+    </dsp:sp>
+    <dsp:sp modelId="{7F7387AC-0D7E-4F74-AA04-EDF2DE617966}">
+      <dsp:nvSpPr>
+        <dsp:cNvPr id="0" name=""/>
+        <dsp:cNvSpPr/>
+      </dsp:nvSpPr>
+      <dsp:spPr>
+        <a:xfrm>
+          <a:off x="0" y="982820"/>
+          <a:ext cx="6513603" cy="0"/>
+        </a:xfrm>
+        <a:prstGeom prst="line">
+          <a:avLst/>
+        </a:prstGeom>
+        <a:gradFill rotWithShape="0">
+          <a:gsLst>
+            <a:gs pos="0">
+              <a:schemeClr val="accent5">
+                <a:hueOff val="-1351709"/>
+                <a:satOff val="-3484"/>
+                <a:lumOff val="-2353"/>
+                <a:alphaOff val="0"/>
+                <a:satMod val="103000"/>
+                <a:lumMod val="102000"/>
+                <a:tint val="94000"/>
+              </a:schemeClr>
+            </a:gs>
+            <a:gs pos="50000">
+              <a:schemeClr val="accent5">
+                <a:hueOff val="-1351709"/>
+                <a:satOff val="-3484"/>
+                <a:lumOff val="-2353"/>
+                <a:alphaOff val="0"/>
+                <a:satMod val="110000"/>
+                <a:lumMod val="100000"/>
+                <a:shade val="100000"/>
+              </a:schemeClr>
+            </a:gs>
+            <a:gs pos="100000">
+              <a:schemeClr val="accent5">
+                <a:hueOff val="-1351709"/>
+                <a:satOff val="-3484"/>
+                <a:lumOff val="-2353"/>
+                <a:alphaOff val="0"/>
+                <a:lumMod val="99000"/>
+                <a:satMod val="120000"/>
+                <a:shade val="78000"/>
+              </a:schemeClr>
+            </a:gs>
+          </a:gsLst>
+          <a:lin ang="5400000" scaled="0"/>
+        </a:gradFill>
+        <a:ln w="6350" cap="flat" cmpd="sng" algn="ctr">
+          <a:solidFill>
+            <a:schemeClr val="accent5">
+              <a:hueOff val="-1351709"/>
+              <a:satOff val="-3484"/>
+              <a:lumOff val="-2353"/>
+              <a:alphaOff val="0"/>
+            </a:schemeClr>
+          </a:solidFill>
+          <a:prstDash val="solid"/>
+          <a:miter lim="800000"/>
+        </a:ln>
+        <a:effectLst/>
+      </dsp:spPr>
+      <dsp:style>
+        <a:lnRef idx="1">
+          <a:scrgbClr r="0" g="0" b="0"/>
+        </a:lnRef>
+        <a:fillRef idx="3">
+          <a:scrgbClr r="0" g="0" b="0"/>
+        </a:fillRef>
+        <a:effectRef idx="2">
+          <a:scrgbClr r="0" g="0" b="0"/>
+        </a:effectRef>
+        <a:fontRef idx="minor">
+          <a:schemeClr val="lt1"/>
+        </a:fontRef>
+      </dsp:style>
+    </dsp:sp>
     <dsp:sp modelId="{0CE2C442-9DE6-4506-965C-7FAD25A00112}">
       <dsp:nvSpPr>
         <dsp:cNvPr id="0" name=""/>
@@ -12404,8 +12825,8 @@
       </dsp:nvSpPr>
       <dsp:spPr>
         <a:xfrm>
-          <a:off x="0" y="718"/>
-          <a:ext cx="6513603" cy="1176797"/>
+          <a:off x="0" y="982820"/>
+          <a:ext cx="6513603" cy="979946"/>
         </a:xfrm>
         <a:prstGeom prst="rect">
           <a:avLst/>
@@ -12453,8 +12874,8 @@
         </a:p>
       </dsp:txBody>
       <dsp:txXfrm>
-        <a:off x="0" y="718"/>
-        <a:ext cx="6513603" cy="1176797"/>
+        <a:off x="0" y="982820"/>
+        <a:ext cx="6513603" cy="979946"/>
       </dsp:txXfrm>
     </dsp:sp>
     <dsp:sp modelId="{282C9D1C-3F94-4BBB-B871-7CE39C79E409}">
@@ -12464,7 +12885,7 @@
       </dsp:nvSpPr>
       <dsp:spPr>
         <a:xfrm>
-          <a:off x="0" y="1177516"/>
+          <a:off x="0" y="1962766"/>
           <a:ext cx="6513603" cy="0"/>
         </a:xfrm>
         <a:prstGeom prst="line">
@@ -12474,9 +12895,9 @@
           <a:gsLst>
             <a:gs pos="0">
               <a:schemeClr val="accent5">
-                <a:hueOff val="-1689636"/>
-                <a:satOff val="-4355"/>
-                <a:lumOff val="-2941"/>
+                <a:hueOff val="-2703417"/>
+                <a:satOff val="-6968"/>
+                <a:lumOff val="-4706"/>
                 <a:alphaOff val="0"/>
                 <a:satMod val="103000"/>
                 <a:lumMod val="102000"/>
@@ -12485,9 +12906,9 @@
             </a:gs>
             <a:gs pos="50000">
               <a:schemeClr val="accent5">
-                <a:hueOff val="-1689636"/>
-                <a:satOff val="-4355"/>
-                <a:lumOff val="-2941"/>
+                <a:hueOff val="-2703417"/>
+                <a:satOff val="-6968"/>
+                <a:lumOff val="-4706"/>
                 <a:alphaOff val="0"/>
                 <a:satMod val="110000"/>
                 <a:lumMod val="100000"/>
@@ -12496,9 +12917,9 @@
             </a:gs>
             <a:gs pos="100000">
               <a:schemeClr val="accent5">
-                <a:hueOff val="-1689636"/>
-                <a:satOff val="-4355"/>
-                <a:lumOff val="-2941"/>
+                <a:hueOff val="-2703417"/>
+                <a:satOff val="-6968"/>
+                <a:lumOff val="-4706"/>
                 <a:alphaOff val="0"/>
                 <a:lumMod val="99000"/>
                 <a:satMod val="120000"/>
@@ -12511,9 +12932,9 @@
         <a:ln w="6350" cap="flat" cmpd="sng" algn="ctr">
           <a:solidFill>
             <a:schemeClr val="accent5">
-              <a:hueOff val="-1689636"/>
-              <a:satOff val="-4355"/>
-              <a:lumOff val="-2941"/>
+              <a:hueOff val="-2703417"/>
+              <a:satOff val="-6968"/>
+              <a:lumOff val="-4706"/>
               <a:alphaOff val="0"/>
             </a:schemeClr>
           </a:solidFill>
@@ -12544,8 +12965,8 @@
       </dsp:nvSpPr>
       <dsp:spPr>
         <a:xfrm>
-          <a:off x="0" y="1177516"/>
-          <a:ext cx="6513603" cy="1176797"/>
+          <a:off x="0" y="1962766"/>
+          <a:ext cx="6513603" cy="979946"/>
         </a:xfrm>
         <a:prstGeom prst="rect">
           <a:avLst/>
@@ -12593,8 +13014,8 @@
         </a:p>
       </dsp:txBody>
       <dsp:txXfrm>
-        <a:off x="0" y="1177516"/>
-        <a:ext cx="6513603" cy="1176797"/>
+        <a:off x="0" y="1962766"/>
+        <a:ext cx="6513603" cy="979946"/>
       </dsp:txXfrm>
     </dsp:sp>
     <dsp:sp modelId="{97DBECF8-C9F4-437B-BD37-F654EB1CA5F8}">
@@ -12604,7 +13025,7 @@
       </dsp:nvSpPr>
       <dsp:spPr>
         <a:xfrm>
-          <a:off x="0" y="2354314"/>
+          <a:off x="0" y="2942713"/>
           <a:ext cx="6513603" cy="0"/>
         </a:xfrm>
         <a:prstGeom prst="line">
@@ -12614,9 +13035,9 @@
           <a:gsLst>
             <a:gs pos="0">
               <a:schemeClr val="accent5">
-                <a:hueOff val="-3379271"/>
-                <a:satOff val="-8710"/>
-                <a:lumOff val="-5883"/>
+                <a:hueOff val="-4055126"/>
+                <a:satOff val="-10451"/>
+                <a:lumOff val="-7059"/>
                 <a:alphaOff val="0"/>
                 <a:satMod val="103000"/>
                 <a:lumMod val="102000"/>
@@ -12625,9 +13046,9 @@
             </a:gs>
             <a:gs pos="50000">
               <a:schemeClr val="accent5">
-                <a:hueOff val="-3379271"/>
-                <a:satOff val="-8710"/>
-                <a:lumOff val="-5883"/>
+                <a:hueOff val="-4055126"/>
+                <a:satOff val="-10451"/>
+                <a:lumOff val="-7059"/>
                 <a:alphaOff val="0"/>
                 <a:satMod val="110000"/>
                 <a:lumMod val="100000"/>
@@ -12636,9 +13057,9 @@
             </a:gs>
             <a:gs pos="100000">
               <a:schemeClr val="accent5">
-                <a:hueOff val="-3379271"/>
-                <a:satOff val="-8710"/>
-                <a:lumOff val="-5883"/>
+                <a:hueOff val="-4055126"/>
+                <a:satOff val="-10451"/>
+                <a:lumOff val="-7059"/>
                 <a:alphaOff val="0"/>
                 <a:lumMod val="99000"/>
                 <a:satMod val="120000"/>
@@ -12651,9 +13072,9 @@
         <a:ln w="6350" cap="flat" cmpd="sng" algn="ctr">
           <a:solidFill>
             <a:schemeClr val="accent5">
-              <a:hueOff val="-3379271"/>
-              <a:satOff val="-8710"/>
-              <a:lumOff val="-5883"/>
+              <a:hueOff val="-4055126"/>
+              <a:satOff val="-10451"/>
+              <a:lumOff val="-7059"/>
               <a:alphaOff val="0"/>
             </a:schemeClr>
           </a:solidFill>
@@ -12684,8 +13105,8 @@
       </dsp:nvSpPr>
       <dsp:spPr>
         <a:xfrm>
-          <a:off x="0" y="2354314"/>
-          <a:ext cx="6513603" cy="1176797"/>
+          <a:off x="0" y="2942713"/>
+          <a:ext cx="6513603" cy="979946"/>
         </a:xfrm>
         <a:prstGeom prst="rect">
           <a:avLst/>
@@ -12733,8 +13154,8 @@
         </a:p>
       </dsp:txBody>
       <dsp:txXfrm>
-        <a:off x="0" y="2354314"/>
-        <a:ext cx="6513603" cy="1176797"/>
+        <a:off x="0" y="2942713"/>
+        <a:ext cx="6513603" cy="979946"/>
       </dsp:txXfrm>
     </dsp:sp>
     <dsp:sp modelId="{BBAE3045-822D-4078-956C-FEC8ED464D14}">
@@ -12744,7 +13165,7 @@
       </dsp:nvSpPr>
       <dsp:spPr>
         <a:xfrm>
-          <a:off x="0" y="3531111"/>
+          <a:off x="0" y="3922659"/>
           <a:ext cx="6513603" cy="0"/>
         </a:xfrm>
         <a:prstGeom prst="line">
@@ -12754,9 +13175,9 @@
           <a:gsLst>
             <a:gs pos="0">
               <a:schemeClr val="accent5">
-                <a:hueOff val="-5068907"/>
-                <a:satOff val="-13064"/>
-                <a:lumOff val="-8824"/>
+                <a:hueOff val="-5406834"/>
+                <a:satOff val="-13935"/>
+                <a:lumOff val="-9412"/>
                 <a:alphaOff val="0"/>
                 <a:satMod val="103000"/>
                 <a:lumMod val="102000"/>
@@ -12765,9 +13186,9 @@
             </a:gs>
             <a:gs pos="50000">
               <a:schemeClr val="accent5">
-                <a:hueOff val="-5068907"/>
-                <a:satOff val="-13064"/>
-                <a:lumOff val="-8824"/>
+                <a:hueOff val="-5406834"/>
+                <a:satOff val="-13935"/>
+                <a:lumOff val="-9412"/>
                 <a:alphaOff val="0"/>
                 <a:satMod val="110000"/>
                 <a:lumMod val="100000"/>
@@ -12776,9 +13197,9 @@
             </a:gs>
             <a:gs pos="100000">
               <a:schemeClr val="accent5">
-                <a:hueOff val="-5068907"/>
-                <a:satOff val="-13064"/>
-                <a:lumOff val="-8824"/>
+                <a:hueOff val="-5406834"/>
+                <a:satOff val="-13935"/>
+                <a:lumOff val="-9412"/>
                 <a:alphaOff val="0"/>
                 <a:lumMod val="99000"/>
                 <a:satMod val="120000"/>
@@ -12791,9 +13212,9 @@
         <a:ln w="6350" cap="flat" cmpd="sng" algn="ctr">
           <a:solidFill>
             <a:schemeClr val="accent5">
-              <a:hueOff val="-5068907"/>
-              <a:satOff val="-13064"/>
-              <a:lumOff val="-8824"/>
+              <a:hueOff val="-5406834"/>
+              <a:satOff val="-13935"/>
+              <a:lumOff val="-9412"/>
               <a:alphaOff val="0"/>
             </a:schemeClr>
           </a:solidFill>
@@ -12824,8 +13245,8 @@
       </dsp:nvSpPr>
       <dsp:spPr>
         <a:xfrm>
-          <a:off x="0" y="3531111"/>
-          <a:ext cx="6513603" cy="1176797"/>
+          <a:off x="0" y="3922659"/>
+          <a:ext cx="6513603" cy="979946"/>
         </a:xfrm>
         <a:prstGeom prst="rect">
           <a:avLst/>
@@ -12873,8 +13294,8 @@
         </a:p>
       </dsp:txBody>
       <dsp:txXfrm>
-        <a:off x="0" y="3531111"/>
-        <a:ext cx="6513603" cy="1176797"/>
+        <a:off x="0" y="3922659"/>
+        <a:ext cx="6513603" cy="979946"/>
       </dsp:txXfrm>
     </dsp:sp>
     <dsp:sp modelId="{6F60E22D-1D18-4358-B9DF-54A9B9C26B33}">
@@ -12884,7 +13305,7 @@
       </dsp:nvSpPr>
       <dsp:spPr>
         <a:xfrm>
-          <a:off x="0" y="4707909"/>
+          <a:off x="0" y="4902605"/>
           <a:ext cx="6513603" cy="0"/>
         </a:xfrm>
         <a:prstGeom prst="line">
@@ -12964,8 +13385,8 @@
       </dsp:nvSpPr>
       <dsp:spPr>
         <a:xfrm>
-          <a:off x="0" y="4707909"/>
-          <a:ext cx="6513603" cy="1176797"/>
+          <a:off x="0" y="4902605"/>
+          <a:ext cx="6513603" cy="979946"/>
         </a:xfrm>
         <a:prstGeom prst="rect">
           <a:avLst/>
@@ -13013,8 +13434,8 @@
         </a:p>
       </dsp:txBody>
       <dsp:txXfrm>
-        <a:off x="0" y="4707909"/>
-        <a:ext cx="6513603" cy="1176797"/>
+        <a:off x="0" y="4902605"/>
+        <a:ext cx="6513603" cy="979946"/>
       </dsp:txXfrm>
     </dsp:sp>
   </dsp:spTree>
@@ -13464,7 +13885,7 @@
               <a:ea typeface="+mn-ea"/>
               <a:cs typeface="+mn-cs"/>
             </a:rPr>
-            <a:t>Up/Down arrows</a:t>
+            <a:t>Up/Down arrows &amp; Ctrl + R</a:t>
           </a:r>
         </a:p>
       </dsp:txBody>
@@ -13948,7 +14369,7 @@
       </dsp:nvSpPr>
       <dsp:spPr>
         <a:xfrm>
-          <a:off x="0" y="2873"/>
+          <a:off x="0" y="718"/>
           <a:ext cx="6513603" cy="0"/>
         </a:xfrm>
         <a:prstGeom prst="line">
@@ -14028,8 +14449,8 @@
       </dsp:nvSpPr>
       <dsp:spPr>
         <a:xfrm>
-          <a:off x="0" y="2873"/>
-          <a:ext cx="6513603" cy="979946"/>
+          <a:off x="0" y="718"/>
+          <a:ext cx="6513603" cy="1176797"/>
         </a:xfrm>
         <a:prstGeom prst="rect">
           <a:avLst/>
@@ -14077,8 +14498,8 @@
         </a:p>
       </dsp:txBody>
       <dsp:txXfrm>
-        <a:off x="0" y="2873"/>
-        <a:ext cx="6513603" cy="979946"/>
+        <a:off x="0" y="718"/>
+        <a:ext cx="6513603" cy="1176797"/>
       </dsp:txXfrm>
     </dsp:sp>
     <dsp:sp modelId="{7F7387AC-0D7E-4F74-AA04-EDF2DE617966}">
@@ -14088,7 +14509,7 @@
       </dsp:nvSpPr>
       <dsp:spPr>
         <a:xfrm>
-          <a:off x="0" y="982820"/>
+          <a:off x="0" y="1177516"/>
           <a:ext cx="6513603" cy="0"/>
         </a:xfrm>
         <a:prstGeom prst="line">
@@ -14098,9 +14519,9 @@
           <a:gsLst>
             <a:gs pos="0">
               <a:schemeClr val="accent5">
-                <a:hueOff val="-1351709"/>
-                <a:satOff val="-3484"/>
-                <a:lumOff val="-2353"/>
+                <a:hueOff val="-1689636"/>
+                <a:satOff val="-4355"/>
+                <a:lumOff val="-2941"/>
                 <a:alphaOff val="0"/>
                 <a:satMod val="103000"/>
                 <a:lumMod val="102000"/>
@@ -14109,9 +14530,9 @@
             </a:gs>
             <a:gs pos="50000">
               <a:schemeClr val="accent5">
-                <a:hueOff val="-1351709"/>
-                <a:satOff val="-3484"/>
-                <a:lumOff val="-2353"/>
+                <a:hueOff val="-1689636"/>
+                <a:satOff val="-4355"/>
+                <a:lumOff val="-2941"/>
                 <a:alphaOff val="0"/>
                 <a:satMod val="110000"/>
                 <a:lumMod val="100000"/>
@@ -14120,9 +14541,9 @@
             </a:gs>
             <a:gs pos="100000">
               <a:schemeClr val="accent5">
-                <a:hueOff val="-1351709"/>
-                <a:satOff val="-3484"/>
-                <a:lumOff val="-2353"/>
+                <a:hueOff val="-1689636"/>
+                <a:satOff val="-4355"/>
+                <a:lumOff val="-2941"/>
                 <a:alphaOff val="0"/>
                 <a:lumMod val="99000"/>
                 <a:satMod val="120000"/>
@@ -14135,9 +14556,9 @@
         <a:ln w="6350" cap="flat" cmpd="sng" algn="ctr">
           <a:solidFill>
             <a:schemeClr val="accent5">
-              <a:hueOff val="-1351709"/>
-              <a:satOff val="-3484"/>
-              <a:lumOff val="-2353"/>
+              <a:hueOff val="-1689636"/>
+              <a:satOff val="-4355"/>
+              <a:lumOff val="-2941"/>
               <a:alphaOff val="0"/>
             </a:schemeClr>
           </a:solidFill>
@@ -14168,8 +14589,8 @@
       </dsp:nvSpPr>
       <dsp:spPr>
         <a:xfrm>
-          <a:off x="0" y="982820"/>
-          <a:ext cx="6513603" cy="979946"/>
+          <a:off x="0" y="1177516"/>
+          <a:ext cx="6513603" cy="1176797"/>
         </a:xfrm>
         <a:prstGeom prst="rect">
           <a:avLst/>
@@ -14217,18 +14638,18 @@
         </a:p>
       </dsp:txBody>
       <dsp:txXfrm>
-        <a:off x="0" y="982820"/>
-        <a:ext cx="6513603" cy="979946"/>
+        <a:off x="0" y="1177516"/>
+        <a:ext cx="6513603" cy="1176797"/>
       </dsp:txXfrm>
     </dsp:sp>
-    <dsp:sp modelId="{79D225F0-C3AC-4A0E-92AF-0BF7EA50C448}">
+    <dsp:sp modelId="{83E1C8AF-D26E-4AA0-9134-157CB4DA4673}">
       <dsp:nvSpPr>
         <dsp:cNvPr id="0" name=""/>
         <dsp:cNvSpPr/>
       </dsp:nvSpPr>
       <dsp:spPr>
         <a:xfrm>
-          <a:off x="0" y="1962766"/>
+          <a:off x="0" y="2354314"/>
           <a:ext cx="6513603" cy="0"/>
         </a:xfrm>
         <a:prstGeom prst="line">
@@ -14238,9 +14659,9 @@
           <a:gsLst>
             <a:gs pos="0">
               <a:schemeClr val="accent5">
-                <a:hueOff val="-2703417"/>
-                <a:satOff val="-6968"/>
-                <a:lumOff val="-4706"/>
+                <a:hueOff val="-3379271"/>
+                <a:satOff val="-8710"/>
+                <a:lumOff val="-5883"/>
                 <a:alphaOff val="0"/>
                 <a:satMod val="103000"/>
                 <a:lumMod val="102000"/>
@@ -14249,9 +14670,9 @@
             </a:gs>
             <a:gs pos="50000">
               <a:schemeClr val="accent5">
-                <a:hueOff val="-2703417"/>
-                <a:satOff val="-6968"/>
-                <a:lumOff val="-4706"/>
+                <a:hueOff val="-3379271"/>
+                <a:satOff val="-8710"/>
+                <a:lumOff val="-5883"/>
                 <a:alphaOff val="0"/>
                 <a:satMod val="110000"/>
                 <a:lumMod val="100000"/>
@@ -14260,9 +14681,9 @@
             </a:gs>
             <a:gs pos="100000">
               <a:schemeClr val="accent5">
-                <a:hueOff val="-2703417"/>
-                <a:satOff val="-6968"/>
-                <a:lumOff val="-4706"/>
+                <a:hueOff val="-3379271"/>
+                <a:satOff val="-8710"/>
+                <a:lumOff val="-5883"/>
                 <a:alphaOff val="0"/>
                 <a:lumMod val="99000"/>
                 <a:satMod val="120000"/>
@@ -14275,150 +14696,9 @@
         <a:ln w="6350" cap="flat" cmpd="sng" algn="ctr">
           <a:solidFill>
             <a:schemeClr val="accent5">
-              <a:hueOff val="-2703417"/>
-              <a:satOff val="-6968"/>
-              <a:lumOff val="-4706"/>
-              <a:alphaOff val="0"/>
-            </a:schemeClr>
-          </a:solidFill>
-          <a:prstDash val="solid"/>
-          <a:miter lim="800000"/>
-        </a:ln>
-        <a:effectLst/>
-      </dsp:spPr>
-      <dsp:style>
-        <a:lnRef idx="1">
-          <a:scrgbClr r="0" g="0" b="0"/>
-        </a:lnRef>
-        <a:fillRef idx="3">
-          <a:scrgbClr r="0" g="0" b="0"/>
-        </a:fillRef>
-        <a:effectRef idx="2">
-          <a:scrgbClr r="0" g="0" b="0"/>
-        </a:effectRef>
-        <a:fontRef idx="minor">
-          <a:schemeClr val="lt1"/>
-        </a:fontRef>
-      </dsp:style>
-    </dsp:sp>
-    <dsp:sp modelId="{03C558EF-9B03-4150-BADA-653015E2D19D}">
-      <dsp:nvSpPr>
-        <dsp:cNvPr id="0" name=""/>
-        <dsp:cNvSpPr/>
-      </dsp:nvSpPr>
-      <dsp:spPr>
-        <a:xfrm>
-          <a:off x="0" y="1962766"/>
-          <a:ext cx="6513603" cy="979946"/>
-        </a:xfrm>
-        <a:prstGeom prst="rect">
-          <a:avLst/>
-        </a:prstGeom>
-        <a:noFill/>
-        <a:ln>
-          <a:noFill/>
-        </a:ln>
-        <a:effectLst/>
-      </dsp:spPr>
-      <dsp:style>
-        <a:lnRef idx="0">
-          <a:scrgbClr r="0" g="0" b="0"/>
-        </a:lnRef>
-        <a:fillRef idx="0">
-          <a:scrgbClr r="0" g="0" b="0"/>
-        </a:fillRef>
-        <a:effectRef idx="0">
-          <a:scrgbClr r="0" g="0" b="0"/>
-        </a:effectRef>
-        <a:fontRef idx="minor"/>
-      </dsp:style>
-      <dsp:txBody>
-        <a:bodyPr spcFirstLastPara="0" vert="horz" wrap="square" lIns="133350" tIns="133350" rIns="133350" bIns="133350" numCol="1" spcCol="1270" anchor="t" anchorCtr="0">
-          <a:noAutofit/>
-        </a:bodyPr>
-        <a:lstStyle/>
-        <a:p>
-          <a:pPr marL="0" lvl="0" indent="0" algn="l" defTabSz="1555750">
-            <a:lnSpc>
-              <a:spcPct val="90000"/>
-            </a:lnSpc>
-            <a:spcBef>
-              <a:spcPct val="0"/>
-            </a:spcBef>
-            <a:spcAft>
-              <a:spcPct val="35000"/>
-            </a:spcAft>
-            <a:buNone/>
-          </a:pPr>
-          <a:r>
-            <a:rPr lang="en-US" sz="3500" kern="1200" dirty="0" err="1"/>
-            <a:t>ExecutionPolicy</a:t>
-          </a:r>
-          <a:endParaRPr lang="en-US" sz="3500" kern="1200" dirty="0"/>
-        </a:p>
-      </dsp:txBody>
-      <dsp:txXfrm>
-        <a:off x="0" y="1962766"/>
-        <a:ext cx="6513603" cy="979946"/>
-      </dsp:txXfrm>
-    </dsp:sp>
-    <dsp:sp modelId="{83E1C8AF-D26E-4AA0-9134-157CB4DA4673}">
-      <dsp:nvSpPr>
-        <dsp:cNvPr id="0" name=""/>
-        <dsp:cNvSpPr/>
-      </dsp:nvSpPr>
-      <dsp:spPr>
-        <a:xfrm>
-          <a:off x="0" y="2942713"/>
-          <a:ext cx="6513603" cy="0"/>
-        </a:xfrm>
-        <a:prstGeom prst="line">
-          <a:avLst/>
-        </a:prstGeom>
-        <a:gradFill rotWithShape="0">
-          <a:gsLst>
-            <a:gs pos="0">
-              <a:schemeClr val="accent5">
-                <a:hueOff val="-4055126"/>
-                <a:satOff val="-10451"/>
-                <a:lumOff val="-7059"/>
-                <a:alphaOff val="0"/>
-                <a:satMod val="103000"/>
-                <a:lumMod val="102000"/>
-                <a:tint val="94000"/>
-              </a:schemeClr>
-            </a:gs>
-            <a:gs pos="50000">
-              <a:schemeClr val="accent5">
-                <a:hueOff val="-4055126"/>
-                <a:satOff val="-10451"/>
-                <a:lumOff val="-7059"/>
-                <a:alphaOff val="0"/>
-                <a:satMod val="110000"/>
-                <a:lumMod val="100000"/>
-                <a:shade val="100000"/>
-              </a:schemeClr>
-            </a:gs>
-            <a:gs pos="100000">
-              <a:schemeClr val="accent5">
-                <a:hueOff val="-4055126"/>
-                <a:satOff val="-10451"/>
-                <a:lumOff val="-7059"/>
-                <a:alphaOff val="0"/>
-                <a:lumMod val="99000"/>
-                <a:satMod val="120000"/>
-                <a:shade val="78000"/>
-              </a:schemeClr>
-            </a:gs>
-          </a:gsLst>
-          <a:lin ang="5400000" scaled="0"/>
-        </a:gradFill>
-        <a:ln w="6350" cap="flat" cmpd="sng" algn="ctr">
-          <a:solidFill>
-            <a:schemeClr val="accent5">
-              <a:hueOff val="-4055126"/>
-              <a:satOff val="-10451"/>
-              <a:lumOff val="-7059"/>
+              <a:hueOff val="-3379271"/>
+              <a:satOff val="-8710"/>
+              <a:lumOff val="-5883"/>
               <a:alphaOff val="0"/>
             </a:schemeClr>
           </a:solidFill>
@@ -14449,8 +14729,8 @@
       </dsp:nvSpPr>
       <dsp:spPr>
         <a:xfrm>
-          <a:off x="0" y="2942713"/>
-          <a:ext cx="6513603" cy="979946"/>
+          <a:off x="0" y="2354314"/>
+          <a:ext cx="6513603" cy="1176797"/>
         </a:xfrm>
         <a:prstGeom prst="rect">
           <a:avLst/>
@@ -14474,12 +14754,12 @@
         <a:fontRef idx="minor"/>
       </dsp:style>
       <dsp:txBody>
-        <a:bodyPr spcFirstLastPara="0" vert="horz" wrap="square" lIns="133350" tIns="133350" rIns="133350" bIns="133350" numCol="1" spcCol="1270" anchor="t" anchorCtr="0">
+        <a:bodyPr spcFirstLastPara="0" vert="horz" wrap="square" lIns="106680" tIns="106680" rIns="106680" bIns="106680" numCol="1" spcCol="1270" anchor="t" anchorCtr="0">
           <a:noAutofit/>
         </a:bodyPr>
         <a:lstStyle/>
         <a:p>
-          <a:pPr marL="0" lvl="0" indent="0" algn="l" defTabSz="1555750">
+          <a:pPr marL="0" lvl="0" indent="0" algn="l" defTabSz="1244600">
             <a:lnSpc>
               <a:spcPct val="90000"/>
             </a:lnSpc>
@@ -14492,14 +14772,26 @@
             <a:buNone/>
           </a:pPr>
           <a:r>
-            <a:rPr lang="en-US" sz="3500" kern="1200" dirty="0"/>
+            <a:rPr lang="en-US" sz="2800" kern="1200" dirty="0">
+              <a:solidFill>
+                <a:prstClr val="black">
+                  <a:hueOff val="0"/>
+                  <a:satOff val="0"/>
+                  <a:lumOff val="0"/>
+                  <a:alphaOff val="0"/>
+                </a:prstClr>
+              </a:solidFill>
+              <a:latin typeface="Calibri" panose="020F0502020204030204"/>
+              <a:ea typeface="+mn-ea"/>
+              <a:cs typeface="+mn-cs"/>
+            </a:rPr>
             <a:t>Old code on the internet</a:t>
           </a:r>
         </a:p>
       </dsp:txBody>
       <dsp:txXfrm>
-        <a:off x="0" y="2942713"/>
-        <a:ext cx="6513603" cy="979946"/>
+        <a:off x="0" y="2354314"/>
+        <a:ext cx="6513603" cy="1176797"/>
       </dsp:txXfrm>
     </dsp:sp>
     <dsp:sp modelId="{D471A5A2-A108-4F20-8DCA-6A22C565F1E2}">
@@ -14509,7 +14801,7 @@
       </dsp:nvSpPr>
       <dsp:spPr>
         <a:xfrm>
-          <a:off x="0" y="3922659"/>
+          <a:off x="0" y="3531111"/>
           <a:ext cx="6513603" cy="0"/>
         </a:xfrm>
         <a:prstGeom prst="line">
@@ -14519,9 +14811,9 @@
           <a:gsLst>
             <a:gs pos="0">
               <a:schemeClr val="accent5">
-                <a:hueOff val="-5406834"/>
-                <a:satOff val="-13935"/>
-                <a:lumOff val="-9412"/>
+                <a:hueOff val="-5068907"/>
+                <a:satOff val="-13064"/>
+                <a:lumOff val="-8824"/>
                 <a:alphaOff val="0"/>
                 <a:satMod val="103000"/>
                 <a:lumMod val="102000"/>
@@ -14530,9 +14822,9 @@
             </a:gs>
             <a:gs pos="50000">
               <a:schemeClr val="accent5">
-                <a:hueOff val="-5406834"/>
-                <a:satOff val="-13935"/>
-                <a:lumOff val="-9412"/>
+                <a:hueOff val="-5068907"/>
+                <a:satOff val="-13064"/>
+                <a:lumOff val="-8824"/>
                 <a:alphaOff val="0"/>
                 <a:satMod val="110000"/>
                 <a:lumMod val="100000"/>
@@ -14541,9 +14833,9 @@
             </a:gs>
             <a:gs pos="100000">
               <a:schemeClr val="accent5">
-                <a:hueOff val="-5406834"/>
-                <a:satOff val="-13935"/>
-                <a:lumOff val="-9412"/>
+                <a:hueOff val="-5068907"/>
+                <a:satOff val="-13064"/>
+                <a:lumOff val="-8824"/>
                 <a:alphaOff val="0"/>
                 <a:lumMod val="99000"/>
                 <a:satMod val="120000"/>
@@ -14556,9 +14848,9 @@
         <a:ln w="6350" cap="flat" cmpd="sng" algn="ctr">
           <a:solidFill>
             <a:schemeClr val="accent5">
-              <a:hueOff val="-5406834"/>
-              <a:satOff val="-13935"/>
-              <a:lumOff val="-9412"/>
+              <a:hueOff val="-5068907"/>
+              <a:satOff val="-13064"/>
+              <a:lumOff val="-8824"/>
               <a:alphaOff val="0"/>
             </a:schemeClr>
           </a:solidFill>
@@ -14589,8 +14881,8 @@
       </dsp:nvSpPr>
       <dsp:spPr>
         <a:xfrm>
-          <a:off x="0" y="3922659"/>
-          <a:ext cx="6513603" cy="979946"/>
+          <a:off x="0" y="3531111"/>
+          <a:ext cx="6513603" cy="1176797"/>
         </a:xfrm>
         <a:prstGeom prst="rect">
           <a:avLst/>
@@ -14614,12 +14906,12 @@
         <a:fontRef idx="minor"/>
       </dsp:style>
       <dsp:txBody>
-        <a:bodyPr spcFirstLastPara="0" vert="horz" wrap="square" lIns="133350" tIns="133350" rIns="133350" bIns="133350" numCol="1" spcCol="1270" anchor="t" anchorCtr="0">
+        <a:bodyPr spcFirstLastPara="0" vert="horz" wrap="square" lIns="106680" tIns="106680" rIns="106680" bIns="106680" numCol="1" spcCol="1270" anchor="t" anchorCtr="0">
           <a:noAutofit/>
         </a:bodyPr>
         <a:lstStyle/>
         <a:p>
-          <a:pPr marL="0" lvl="0" indent="0" algn="l" defTabSz="1555750">
+          <a:pPr marL="0" lvl="0" indent="0" algn="l" defTabSz="1244600">
             <a:lnSpc>
               <a:spcPct val="90000"/>
             </a:lnSpc>
@@ -14632,14 +14924,26 @@
             <a:buNone/>
           </a:pPr>
           <a:r>
-            <a:rPr lang="en-US" sz="3500" kern="1200" dirty="0"/>
+            <a:rPr lang="en-US" sz="2800" kern="1200" dirty="0">
+              <a:solidFill>
+                <a:prstClr val="black">
+                  <a:hueOff val="0"/>
+                  <a:satOff val="0"/>
+                  <a:lumOff val="0"/>
+                  <a:alphaOff val="0"/>
+                </a:prstClr>
+              </a:solidFill>
+              <a:latin typeface="Calibri" panose="020F0502020204030204"/>
+              <a:ea typeface="+mn-ea"/>
+              <a:cs typeface="+mn-cs"/>
+            </a:rPr>
             <a:t>Is it an array?</a:t>
           </a:r>
         </a:p>
       </dsp:txBody>
       <dsp:txXfrm>
-        <a:off x="0" y="3922659"/>
-        <a:ext cx="6513603" cy="979946"/>
+        <a:off x="0" y="3531111"/>
+        <a:ext cx="6513603" cy="1176797"/>
       </dsp:txXfrm>
     </dsp:sp>
     <dsp:sp modelId="{2AD87B78-19BB-41DF-BB9D-ED57FC1CFF70}">
@@ -14649,7 +14953,7 @@
       </dsp:nvSpPr>
       <dsp:spPr>
         <a:xfrm>
-          <a:off x="0" y="4902605"/>
+          <a:off x="0" y="4707909"/>
           <a:ext cx="6513603" cy="0"/>
         </a:xfrm>
         <a:prstGeom prst="line">
@@ -14729,8 +15033,8 @@
       </dsp:nvSpPr>
       <dsp:spPr>
         <a:xfrm>
-          <a:off x="0" y="4902605"/>
-          <a:ext cx="6513603" cy="979946"/>
+          <a:off x="0" y="4707909"/>
+          <a:ext cx="6513603" cy="1176797"/>
         </a:xfrm>
         <a:prstGeom prst="rect">
           <a:avLst/>
@@ -14754,12 +15058,12 @@
         <a:fontRef idx="minor"/>
       </dsp:style>
       <dsp:txBody>
-        <a:bodyPr spcFirstLastPara="0" vert="horz" wrap="square" lIns="133350" tIns="133350" rIns="133350" bIns="133350" numCol="1" spcCol="1270" anchor="t" anchorCtr="0">
+        <a:bodyPr spcFirstLastPara="0" vert="horz" wrap="square" lIns="106680" tIns="106680" rIns="106680" bIns="106680" numCol="1" spcCol="1270" anchor="t" anchorCtr="0">
           <a:noAutofit/>
         </a:bodyPr>
         <a:lstStyle/>
         <a:p>
-          <a:pPr marL="0" lvl="0" indent="0" algn="l" defTabSz="1555750">
+          <a:pPr marL="0" lvl="0" indent="0" algn="l" defTabSz="1244600">
             <a:lnSpc>
               <a:spcPct val="90000"/>
             </a:lnSpc>
@@ -14772,14 +15076,26 @@
             <a:buNone/>
           </a:pPr>
           <a:r>
-            <a:rPr lang="en-US" sz="3500" kern="1200" dirty="0"/>
-            <a:t>Calling assemblies with arguments</a:t>
+            <a:rPr lang="en-US" sz="2800" kern="1200" dirty="0">
+              <a:solidFill>
+                <a:prstClr val="black">
+                  <a:hueOff val="0"/>
+                  <a:satOff val="0"/>
+                  <a:lumOff val="0"/>
+                  <a:alphaOff val="0"/>
+                </a:prstClr>
+              </a:solidFill>
+              <a:latin typeface="Calibri" panose="020F0502020204030204"/>
+              <a:ea typeface="+mn-ea"/>
+              <a:cs typeface="+mn-cs"/>
+            </a:rPr>
+            <a:t>Calling programs with arguments</a:t>
           </a:r>
         </a:p>
       </dsp:txBody>
       <dsp:txXfrm>
-        <a:off x="0" y="4902605"/>
-        <a:ext cx="6513603" cy="979946"/>
+        <a:off x="0" y="4707909"/>
+        <a:ext cx="6513603" cy="1176797"/>
       </dsp:txXfrm>
     </dsp:sp>
   </dsp:spTree>
@@ -14801,7 +15117,7 @@
       </dsp:nvSpPr>
       <dsp:spPr>
         <a:xfrm>
-          <a:off x="0" y="2720"/>
+          <a:off x="0" y="0"/>
           <a:ext cx="6089650" cy="0"/>
         </a:xfrm>
         <a:prstGeom prst="line">
@@ -14851,8 +15167,8 @@
       </dsp:nvSpPr>
       <dsp:spPr>
         <a:xfrm>
-          <a:off x="0" y="2720"/>
-          <a:ext cx="6089650" cy="1855561"/>
+          <a:off x="0" y="0"/>
+          <a:ext cx="6089650" cy="1393031"/>
         </a:xfrm>
         <a:prstGeom prst="rect">
           <a:avLst/>
@@ -14900,8 +15216,8 @@
         </a:p>
       </dsp:txBody>
       <dsp:txXfrm>
-        <a:off x="0" y="2720"/>
-        <a:ext cx="6089650" cy="1855561"/>
+        <a:off x="0" y="0"/>
+        <a:ext cx="6089650" cy="1393031"/>
       </dsp:txXfrm>
     </dsp:sp>
     <dsp:sp modelId="{170FCC81-48DA-4440-BC79-EE94DE9DAB1E}">
@@ -14911,7 +15227,7 @@
       </dsp:nvSpPr>
       <dsp:spPr>
         <a:xfrm>
-          <a:off x="0" y="1858281"/>
+          <a:off x="0" y="1393031"/>
           <a:ext cx="6089650" cy="0"/>
         </a:xfrm>
         <a:prstGeom prst="line">
@@ -14961,8 +15277,8 @@
       </dsp:nvSpPr>
       <dsp:spPr>
         <a:xfrm>
-          <a:off x="0" y="1858281"/>
-          <a:ext cx="6089650" cy="1855561"/>
+          <a:off x="0" y="1393031"/>
+          <a:ext cx="6089650" cy="1393031"/>
         </a:xfrm>
         <a:prstGeom prst="rect">
           <a:avLst/>
@@ -15014,8 +15330,8 @@
         </a:p>
       </dsp:txBody>
       <dsp:txXfrm>
-        <a:off x="0" y="1858281"/>
-        <a:ext cx="6089650" cy="1855561"/>
+        <a:off x="0" y="1393031"/>
+        <a:ext cx="6089650" cy="1393031"/>
       </dsp:txXfrm>
     </dsp:sp>
     <dsp:sp modelId="{72F9F420-1A6A-4D98-A87C-D82CB0BE31D8}">
@@ -15025,7 +15341,7 @@
       </dsp:nvSpPr>
       <dsp:spPr>
         <a:xfrm>
-          <a:off x="0" y="3713843"/>
+          <a:off x="0" y="2786062"/>
           <a:ext cx="6089650" cy="0"/>
         </a:xfrm>
         <a:prstGeom prst="line">
@@ -15075,8 +15391,8 @@
       </dsp:nvSpPr>
       <dsp:spPr>
         <a:xfrm>
-          <a:off x="0" y="3713843"/>
-          <a:ext cx="6089650" cy="1855561"/>
+          <a:off x="0" y="2786062"/>
+          <a:ext cx="6089650" cy="1393031"/>
         </a:xfrm>
         <a:prstGeom prst="rect">
           <a:avLst/>
@@ -15124,8 +15440,119 @@
         </a:p>
       </dsp:txBody>
       <dsp:txXfrm>
-        <a:off x="0" y="3713843"/>
-        <a:ext cx="6089650" cy="1855561"/>
+        <a:off x="0" y="2786062"/>
+        <a:ext cx="6089650" cy="1393031"/>
+      </dsp:txXfrm>
+    </dsp:sp>
+    <dsp:sp modelId="{79FE28BF-DA6E-4606-A4B3-760F62155CB6}">
+      <dsp:nvSpPr>
+        <dsp:cNvPr id="0" name=""/>
+        <dsp:cNvSpPr/>
+      </dsp:nvSpPr>
+      <dsp:spPr>
+        <a:xfrm>
+          <a:off x="0" y="4179093"/>
+          <a:ext cx="6089650" cy="0"/>
+        </a:xfrm>
+        <a:prstGeom prst="line">
+          <a:avLst/>
+        </a:prstGeom>
+        <a:solidFill>
+          <a:schemeClr val="accent5">
+            <a:hueOff val="0"/>
+            <a:satOff val="0"/>
+            <a:lumOff val="0"/>
+            <a:alphaOff val="0"/>
+          </a:schemeClr>
+        </a:solidFill>
+        <a:ln w="12700" cap="flat" cmpd="sng" algn="ctr">
+          <a:solidFill>
+            <a:schemeClr val="accent5">
+              <a:hueOff val="0"/>
+              <a:satOff val="0"/>
+              <a:lumOff val="0"/>
+              <a:alphaOff val="0"/>
+            </a:schemeClr>
+          </a:solidFill>
+          <a:prstDash val="solid"/>
+          <a:miter lim="800000"/>
+        </a:ln>
+        <a:effectLst/>
+      </dsp:spPr>
+      <dsp:style>
+        <a:lnRef idx="2">
+          <a:scrgbClr r="0" g="0" b="0"/>
+        </a:lnRef>
+        <a:fillRef idx="1">
+          <a:scrgbClr r="0" g="0" b="0"/>
+        </a:fillRef>
+        <a:effectRef idx="0">
+          <a:scrgbClr r="0" g="0" b="0"/>
+        </a:effectRef>
+        <a:fontRef idx="minor">
+          <a:schemeClr val="lt1"/>
+        </a:fontRef>
+      </dsp:style>
+    </dsp:sp>
+    <dsp:sp modelId="{1994DC55-C6EA-44BE-98B6-930A11BDE8A5}">
+      <dsp:nvSpPr>
+        <dsp:cNvPr id="0" name=""/>
+        <dsp:cNvSpPr/>
+      </dsp:nvSpPr>
+      <dsp:spPr>
+        <a:xfrm>
+          <a:off x="0" y="4179093"/>
+          <a:ext cx="6089650" cy="1393031"/>
+        </a:xfrm>
+        <a:prstGeom prst="rect">
+          <a:avLst/>
+        </a:prstGeom>
+        <a:noFill/>
+        <a:ln>
+          <a:noFill/>
+        </a:ln>
+        <a:effectLst/>
+      </dsp:spPr>
+      <dsp:style>
+        <a:lnRef idx="0">
+          <a:scrgbClr r="0" g="0" b="0"/>
+        </a:lnRef>
+        <a:fillRef idx="0">
+          <a:scrgbClr r="0" g="0" b="0"/>
+        </a:fillRef>
+        <a:effectRef idx="0">
+          <a:scrgbClr r="0" g="0" b="0"/>
+        </a:effectRef>
+        <a:fontRef idx="minor"/>
+      </dsp:style>
+      <dsp:txBody>
+        <a:bodyPr spcFirstLastPara="0" vert="horz" wrap="square" lIns="106680" tIns="106680" rIns="106680" bIns="106680" numCol="1" spcCol="1270" anchor="t" anchorCtr="0">
+          <a:noAutofit/>
+        </a:bodyPr>
+        <a:lstStyle/>
+        <a:p>
+          <a:pPr marL="0" lvl="0" indent="0" algn="l" defTabSz="1244600">
+            <a:lnSpc>
+              <a:spcPct val="90000"/>
+            </a:lnSpc>
+            <a:spcBef>
+              <a:spcPct val="0"/>
+            </a:spcBef>
+            <a:spcAft>
+              <a:spcPct val="35000"/>
+            </a:spcAft>
+            <a:buNone/>
+          </a:pPr>
+          <a:r>
+            <a:rPr lang="en-US" sz="2800" b="0" kern="1200" dirty="0" err="1"/>
+            <a:t>ExecutionPolicy</a:t>
+          </a:r>
+          <a:endParaRPr lang="en-US" sz="2800" b="0" kern="1200" dirty="0"/>
+        </a:p>
+      </dsp:txBody>
+      <dsp:txXfrm>
+        <a:off x="0" y="4179093"/>
+        <a:ext cx="6089650" cy="1393031"/>
       </dsp:txXfrm>
     </dsp:sp>
   </dsp:spTree>
@@ -22429,11 +22856,11 @@
 </file>
 
 <file path=ppt/diagrams/quickStyle4.xml><?xml version="1.0" encoding="utf-8"?>
-<dgm:styleDef xmlns:dgm="http://schemas.openxmlformats.org/drawingml/2006/diagram" xmlns:a="http://schemas.openxmlformats.org/drawingml/2006/main" uniqueId="urn:microsoft.com/office/officeart/2005/8/quickstyle/simple2">
+<dgm:styleDef xmlns:dgm="http://schemas.openxmlformats.org/drawingml/2006/diagram" xmlns:a="http://schemas.openxmlformats.org/drawingml/2006/main" uniqueId="urn:microsoft.com/office/officeart/2005/8/quickstyle/simple1">
   <dgm:title val=""/>
   <dgm:desc val=""/>
   <dgm:catLst>
-    <dgm:cat type="simple" pri="10200"/>
+    <dgm:cat type="simple" pri="10100"/>
   </dgm:catLst>
   <dgm:scene3d>
     <a:camera prst="orthographicFront"/>
@@ -22447,13 +22874,13 @@
     <dgm:sp3d/>
     <dgm:txPr/>
     <dgm:style>
-      <a:lnRef idx="3">
+      <a:lnRef idx="2">
         <a:scrgbClr r="0" g="0" b="0"/>
       </a:lnRef>
       <a:fillRef idx="1">
         <a:scrgbClr r="0" g="0" b="0"/>
       </a:fillRef>
-      <a:effectRef idx="1">
+      <a:effectRef idx="0">
         <a:scrgbClr r="0" g="0" b="0"/>
       </a:effectRef>
       <a:fontRef idx="minor">
@@ -22469,13 +22896,13 @@
     <dgm:sp3d/>
     <dgm:txPr/>
     <dgm:style>
-      <a:lnRef idx="3">
+      <a:lnRef idx="2">
         <a:scrgbClr r="0" g="0" b="0"/>
       </a:lnRef>
       <a:fillRef idx="1">
         <a:scrgbClr r="0" g="0" b="0"/>
       </a:fillRef>
-      <a:effectRef idx="1">
+      <a:effectRef idx="0">
         <a:scrgbClr r="0" g="0" b="0"/>
       </a:effectRef>
       <a:fontRef idx="minor">
@@ -22491,7 +22918,7 @@
     <dgm:sp3d/>
     <dgm:txPr/>
     <dgm:style>
-      <a:lnRef idx="3">
+      <a:lnRef idx="2">
         <a:scrgbClr r="0" g="0" b="0"/>
       </a:lnRef>
       <a:fillRef idx="1">
@@ -22519,7 +22946,7 @@
       <a:fillRef idx="1">
         <a:scrgbClr r="0" g="0" b="0"/>
       </a:fillRef>
-      <a:effectRef idx="1">
+      <a:effectRef idx="0">
         <a:scrgbClr r="0" g="0" b="0"/>
       </a:effectRef>
       <a:fontRef idx="minor">
@@ -22535,13 +22962,13 @@
     <dgm:sp3d/>
     <dgm:txPr/>
     <dgm:style>
-      <a:lnRef idx="3">
+      <a:lnRef idx="2">
         <a:scrgbClr r="0" g="0" b="0"/>
       </a:lnRef>
       <a:fillRef idx="1">
         <a:scrgbClr r="0" g="0" b="0"/>
       </a:fillRef>
-      <a:effectRef idx="1">
+      <a:effectRef idx="0">
         <a:scrgbClr r="0" g="0" b="0"/>
       </a:effectRef>
       <a:fontRef idx="minor">
@@ -22557,13 +22984,13 @@
     <dgm:sp3d/>
     <dgm:txPr/>
     <dgm:style>
-      <a:lnRef idx="3">
+      <a:lnRef idx="2">
         <a:scrgbClr r="0" g="0" b="0"/>
       </a:lnRef>
       <a:fillRef idx="1">
         <a:scrgbClr r="0" g="0" b="0"/>
       </a:fillRef>
-      <a:effectRef idx="1">
+      <a:effectRef idx="0">
         <a:scrgbClr r="0" g="0" b="0"/>
       </a:effectRef>
       <a:fontRef idx="minor">
@@ -22579,13 +23006,13 @@
     <dgm:sp3d/>
     <dgm:txPr/>
     <dgm:style>
-      <a:lnRef idx="3">
+      <a:lnRef idx="2">
         <a:scrgbClr r="0" g="0" b="0"/>
       </a:lnRef>
       <a:fillRef idx="1">
         <a:scrgbClr r="0" g="0" b="0"/>
       </a:fillRef>
-      <a:effectRef idx="1">
+      <a:effectRef idx="0">
         <a:scrgbClr r="0" g="0" b="0"/>
       </a:effectRef>
       <a:fontRef idx="minor">
@@ -22601,13 +23028,13 @@
     <dgm:sp3d/>
     <dgm:txPr/>
     <dgm:style>
-      <a:lnRef idx="3">
+      <a:lnRef idx="2">
         <a:scrgbClr r="0" g="0" b="0"/>
       </a:lnRef>
       <a:fillRef idx="1">
         <a:scrgbClr r="0" g="0" b="0"/>
       </a:fillRef>
-      <a:effectRef idx="1">
+      <a:effectRef idx="0">
         <a:scrgbClr r="0" g="0" b="0"/>
       </a:effectRef>
       <a:fontRef idx="minor">
@@ -22623,13 +23050,13 @@
     <dgm:sp3d/>
     <dgm:txPr/>
     <dgm:style>
-      <a:lnRef idx="3">
+      <a:lnRef idx="2">
         <a:scrgbClr r="0" g="0" b="0"/>
       </a:lnRef>
       <a:fillRef idx="1">
         <a:scrgbClr r="0" g="0" b="0"/>
       </a:fillRef>
-      <a:effectRef idx="1">
+      <a:effectRef idx="0">
         <a:scrgbClr r="0" g="0" b="0"/>
       </a:effectRef>
       <a:fontRef idx="minor"/>
@@ -22643,13 +23070,13 @@
     <dgm:sp3d/>
     <dgm:txPr/>
     <dgm:style>
-      <a:lnRef idx="3">
+      <a:lnRef idx="2">
         <a:scrgbClr r="0" g="0" b="0"/>
       </a:lnRef>
       <a:fillRef idx="1">
         <a:scrgbClr r="0" g="0" b="0"/>
       </a:fillRef>
-      <a:effectRef idx="1">
+      <a:effectRef idx="0">
         <a:scrgbClr r="0" g="0" b="0"/>
       </a:effectRef>
       <a:fontRef idx="minor"/>
@@ -22663,13 +23090,13 @@
     <dgm:sp3d/>
     <dgm:txPr/>
     <dgm:style>
-      <a:lnRef idx="3">
+      <a:lnRef idx="2">
         <a:scrgbClr r="0" g="0" b="0"/>
       </a:lnRef>
       <a:fillRef idx="1">
         <a:scrgbClr r="0" g="0" b="0"/>
       </a:fillRef>
-      <a:effectRef idx="1">
+      <a:effectRef idx="0">
         <a:scrgbClr r="0" g="0" b="0"/>
       </a:effectRef>
       <a:fontRef idx="minor"/>
@@ -22689,7 +23116,7 @@
       <a:fillRef idx="1">
         <a:scrgbClr r="0" g="0" b="0"/>
       </a:fillRef>
-      <a:effectRef idx="1">
+      <a:effectRef idx="0">
         <a:scrgbClr r="0" g="0" b="0"/>
       </a:effectRef>
       <a:fontRef idx="minor">
@@ -22711,7 +23138,7 @@
       <a:fillRef idx="1">
         <a:scrgbClr r="0" g="0" b="0"/>
       </a:fillRef>
-      <a:effectRef idx="1">
+      <a:effectRef idx="0">
         <a:scrgbClr r="0" g="0" b="0"/>
       </a:effectRef>
       <a:fontRef idx="minor">
@@ -22733,7 +23160,7 @@
       <a:fillRef idx="1">
         <a:scrgbClr r="0" g="0" b="0"/>
       </a:fillRef>
-      <a:effectRef idx="1">
+      <a:effectRef idx="0">
         <a:scrgbClr r="0" g="0" b="0"/>
       </a:effectRef>
       <a:fontRef idx="minor">
@@ -22775,7 +23202,7 @@
       <a:fillRef idx="1">
         <a:scrgbClr r="0" g="0" b="0"/>
       </a:fillRef>
-      <a:effectRef idx="1">
+      <a:effectRef idx="0">
         <a:scrgbClr r="0" g="0" b="0"/>
       </a:effectRef>
       <a:fontRef idx="minor"/>
@@ -22789,13 +23216,13 @@
     <dgm:sp3d/>
     <dgm:txPr/>
     <dgm:style>
-      <a:lnRef idx="3">
+      <a:lnRef idx="2">
         <a:scrgbClr r="0" g="0" b="0"/>
       </a:lnRef>
       <a:fillRef idx="1">
         <a:scrgbClr r="0" g="0" b="0"/>
       </a:fillRef>
-      <a:effectRef idx="1">
+      <a:effectRef idx="0">
         <a:scrgbClr r="0" g="0" b="0"/>
       </a:effectRef>
       <a:fontRef idx="minor">
@@ -22811,13 +23238,13 @@
     <dgm:sp3d/>
     <dgm:txPr/>
     <dgm:style>
-      <a:lnRef idx="3">
+      <a:lnRef idx="2">
         <a:scrgbClr r="0" g="0" b="0"/>
       </a:lnRef>
       <a:fillRef idx="1">
         <a:scrgbClr r="0" g="0" b="0"/>
       </a:fillRef>
-      <a:effectRef idx="1">
+      <a:effectRef idx="0">
         <a:scrgbClr r="0" g="0" b="0"/>
       </a:effectRef>
       <a:fontRef idx="minor">
@@ -22833,13 +23260,13 @@
     <dgm:sp3d/>
     <dgm:txPr/>
     <dgm:style>
-      <a:lnRef idx="3">
+      <a:lnRef idx="2">
         <a:scrgbClr r="0" g="0" b="0"/>
       </a:lnRef>
       <a:fillRef idx="1">
         <a:scrgbClr r="0" g="0" b="0"/>
       </a:fillRef>
-      <a:effectRef idx="1">
+      <a:effectRef idx="0">
         <a:scrgbClr r="0" g="0" b="0"/>
       </a:effectRef>
       <a:fontRef idx="minor">
@@ -22855,13 +23282,13 @@
     <dgm:sp3d/>
     <dgm:txPr/>
     <dgm:style>
-      <a:lnRef idx="3">
+      <a:lnRef idx="2">
         <a:scrgbClr r="0" g="0" b="0"/>
       </a:lnRef>
       <a:fillRef idx="1">
         <a:scrgbClr r="0" g="0" b="0"/>
       </a:fillRef>
-      <a:effectRef idx="1">
+      <a:effectRef idx="0">
         <a:scrgbClr r="0" g="0" b="0"/>
       </a:effectRef>
       <a:fontRef idx="minor">
@@ -22877,13 +23304,13 @@
     <dgm:sp3d/>
     <dgm:txPr/>
     <dgm:style>
-      <a:lnRef idx="3">
+      <a:lnRef idx="2">
         <a:scrgbClr r="0" g="0" b="0"/>
       </a:lnRef>
       <a:fillRef idx="1">
         <a:scrgbClr r="0" g="0" b="0"/>
       </a:fillRef>
-      <a:effectRef idx="1">
+      <a:effectRef idx="0">
         <a:scrgbClr r="0" g="0" b="0"/>
       </a:effectRef>
       <a:fontRef idx="minor">
@@ -22899,13 +23326,13 @@
     <dgm:sp3d/>
     <dgm:txPr/>
     <dgm:style>
-      <a:lnRef idx="3">
+      <a:lnRef idx="2">
         <a:scrgbClr r="0" g="0" b="0"/>
       </a:lnRef>
       <a:fillRef idx="1">
         <a:scrgbClr r="0" g="0" b="0"/>
       </a:fillRef>
-      <a:effectRef idx="1">
+      <a:effectRef idx="0">
         <a:scrgbClr r="0" g="0" b="0"/>
       </a:effectRef>
       <a:fontRef idx="minor">
@@ -22921,13 +23348,13 @@
     <dgm:sp3d/>
     <dgm:txPr/>
     <dgm:style>
-      <a:lnRef idx="3">
+      <a:lnRef idx="2">
         <a:scrgbClr r="0" g="0" b="0"/>
       </a:lnRef>
       <a:fillRef idx="1">
         <a:scrgbClr r="0" g="0" b="0"/>
       </a:fillRef>
-      <a:effectRef idx="1">
+      <a:effectRef idx="0">
         <a:scrgbClr r="0" g="0" b="0"/>
       </a:effectRef>
       <a:fontRef idx="minor">
@@ -22943,13 +23370,13 @@
     <dgm:sp3d/>
     <dgm:txPr/>
     <dgm:style>
-      <a:lnRef idx="3">
+      <a:lnRef idx="2">
         <a:scrgbClr r="0" g="0" b="0"/>
       </a:lnRef>
       <a:fillRef idx="1">
         <a:scrgbClr r="0" g="0" b="0"/>
       </a:fillRef>
-      <a:effectRef idx="1">
+      <a:effectRef idx="0">
         <a:scrgbClr r="0" g="0" b="0"/>
       </a:effectRef>
       <a:fontRef idx="minor">
@@ -22965,13 +23392,13 @@
     <dgm:sp3d/>
     <dgm:txPr/>
     <dgm:style>
-      <a:lnRef idx="3">
+      <a:lnRef idx="2">
         <a:scrgbClr r="0" g="0" b="0"/>
       </a:lnRef>
       <a:fillRef idx="1">
         <a:scrgbClr r="0" g="0" b="0"/>
       </a:fillRef>
-      <a:effectRef idx="1">
+      <a:effectRef idx="0">
         <a:scrgbClr r="0" g="0" b="0"/>
       </a:effectRef>
       <a:fontRef idx="minor">
@@ -23427,13 +23854,13 @@
     <dgm:sp3d/>
     <dgm:txPr/>
     <dgm:style>
-      <a:lnRef idx="3">
+      <a:lnRef idx="2">
         <a:scrgbClr r="0" g="0" b="0"/>
       </a:lnRef>
       <a:fillRef idx="1">
         <a:scrgbClr r="0" g="0" b="0"/>
       </a:fillRef>
-      <a:effectRef idx="1">
+      <a:effectRef idx="0">
         <a:scrgbClr r="0" g="0" b="0"/>
       </a:effectRef>
       <a:fontRef idx="minor"/>
@@ -28714,7 +29141,7 @@
           <a:p>
             <a:fld id="{01C460B3-1631-4DC9-97B7-F8761921B0CA}" type="datetimeFigureOut">
               <a:rPr lang="en-US" smtClean="0"/>
-              <a:t>11/8/2019</a:t>
+              <a:t>11/9/2019</a:t>
             </a:fld>
             <a:endParaRPr lang="en-US"/>
           </a:p>
@@ -28981,6 +29408,183 @@
 </p:notesMaster>
 </file>
 
+<file path=ppt/notesSlides/notesSlide1.xml><?xml version="1.0" encoding="utf-8"?>
+<p:notes xmlns:a="http://schemas.openxmlformats.org/drawingml/2006/main" xmlns:r="http://schemas.openxmlformats.org/officeDocument/2006/relationships" xmlns:p="http://schemas.openxmlformats.org/presentationml/2006/main">
+  <p:cSld>
+    <p:spTree>
+      <p:nvGrpSpPr>
+        <p:cNvPr id="1" name=""/>
+        <p:cNvGrpSpPr/>
+        <p:nvPr/>
+      </p:nvGrpSpPr>
+      <p:grpSpPr>
+        <a:xfrm>
+          <a:off x="0" y="0"/>
+          <a:ext cx="0" cy="0"/>
+          <a:chOff x="0" y="0"/>
+          <a:chExt cx="0" cy="0"/>
+        </a:xfrm>
+      </p:grpSpPr>
+      <p:sp>
+        <p:nvSpPr>
+          <p:cNvPr id="2" name="Slide Image Placeholder 1"/>
+          <p:cNvSpPr>
+            <a:spLocks noGrp="1" noRot="1" noChangeAspect="1"/>
+          </p:cNvSpPr>
+          <p:nvPr>
+            <p:ph type="sldImg"/>
+          </p:nvPr>
+        </p:nvSpPr>
+        <p:spPr/>
+      </p:sp>
+      <p:sp>
+        <p:nvSpPr>
+          <p:cNvPr id="3" name="Notes Placeholder 2"/>
+          <p:cNvSpPr>
+            <a:spLocks noGrp="1"/>
+          </p:cNvSpPr>
+          <p:nvPr>
+            <p:ph type="body" idx="1"/>
+          </p:nvPr>
+        </p:nvSpPr>
+        <p:spPr/>
+        <p:txBody>
+          <a:bodyPr/>
+          <a:lstStyle/>
+          <a:p>
+            <a:pPr marL="514350" indent="-514350">
+              <a:buFont typeface="+mj-lt"/>
+              <a:buAutoNum type="arabicPeriod"/>
+            </a:pPr>
+            <a:r>
+              <a:rPr lang="en-US" dirty="0"/>
+              <a:t>It is POWERFUL</a:t>
+            </a:r>
+          </a:p>
+          <a:p>
+            <a:pPr lvl="1"/>
+            <a:r>
+              <a:rPr lang="en-US" dirty="0"/>
+              <a:t>Shell scripting faster than UI</a:t>
+            </a:r>
+          </a:p>
+          <a:p>
+            <a:pPr lvl="1"/>
+            <a:r>
+              <a:rPr lang="en-US" dirty="0"/>
+              <a:t>One-liners for complex tasks</a:t>
+            </a:r>
+          </a:p>
+          <a:p>
+            <a:pPr lvl="1"/>
+            <a:r>
+              <a:rPr lang="en-US" dirty="0"/>
+              <a:t>.NET, MS ecosystem fully integrated</a:t>
+            </a:r>
+          </a:p>
+          <a:p>
+            <a:pPr marL="514350" indent="-514350">
+              <a:buFont typeface="+mj-lt"/>
+              <a:buAutoNum type="arabicPeriod"/>
+            </a:pPr>
+            <a:r>
+              <a:rPr lang="en-US" dirty="0"/>
+              <a:t>It is EVERYWHERE</a:t>
+            </a:r>
+          </a:p>
+          <a:p>
+            <a:pPr lvl="1"/>
+            <a:r>
+              <a:rPr lang="en-US" dirty="0"/>
+              <a:t>All desktop &amp; server versions of Windows (XP+)</a:t>
+            </a:r>
+          </a:p>
+          <a:p>
+            <a:pPr lvl="1"/>
+            <a:r>
+              <a:rPr lang="en-US" dirty="0"/>
+              <a:t>In your tools (Visual Studio, VS Code)</a:t>
+            </a:r>
+          </a:p>
+          <a:p>
+            <a:pPr lvl="1"/>
+            <a:r>
+              <a:rPr lang="en-US" dirty="0"/>
+              <a:t>PowerShell Core supported for Mac OS, Linux</a:t>
+            </a:r>
+          </a:p>
+          <a:p>
+            <a:pPr marL="514350" indent="-514350">
+              <a:buFont typeface="+mj-lt"/>
+              <a:buAutoNum type="arabicPeriod"/>
+            </a:pPr>
+            <a:r>
+              <a:rPr lang="en-US" dirty="0"/>
+              <a:t>It is FAMILIAR</a:t>
+            </a:r>
+          </a:p>
+          <a:p>
+            <a:pPr lvl="1"/>
+            <a:r>
+              <a:rPr lang="en-US" dirty="0"/>
+              <a:t>Aliases support commands from other systems</a:t>
+            </a:r>
+          </a:p>
+          <a:p>
+            <a:pPr lvl="1"/>
+            <a:r>
+              <a:rPr lang="en-US" dirty="0"/>
+              <a:t>.NET and COM objects; </a:t>
+            </a:r>
+          </a:p>
+          <a:p>
+            <a:pPr lvl="1"/>
+            <a:r>
+              <a:rPr lang="en-US" dirty="0"/>
+              <a:t>Build your own PS “Swiss army knife”</a:t>
+            </a:r>
+          </a:p>
+          <a:p>
+            <a:endParaRPr lang="en-US" dirty="0"/>
+          </a:p>
+        </p:txBody>
+      </p:sp>
+      <p:sp>
+        <p:nvSpPr>
+          <p:cNvPr id="4" name="Slide Number Placeholder 3"/>
+          <p:cNvSpPr>
+            <a:spLocks noGrp="1"/>
+          </p:cNvSpPr>
+          <p:nvPr>
+            <p:ph type="sldNum" sz="quarter" idx="5"/>
+          </p:nvPr>
+        </p:nvSpPr>
+        <p:spPr/>
+        <p:txBody>
+          <a:bodyPr/>
+          <a:lstStyle/>
+          <a:p>
+            <a:fld id="{5B0D244D-F950-4B19-A898-32593C1849B6}" type="slidenum">
+              <a:rPr lang="en-US" smtClean="0"/>
+              <a:t>6</a:t>
+            </a:fld>
+            <a:endParaRPr lang="en-US"/>
+          </a:p>
+        </p:txBody>
+      </p:sp>
+    </p:spTree>
+    <p:extLst>
+      <p:ext uri="{BB962C8B-B14F-4D97-AF65-F5344CB8AC3E}">
+        <p14:creationId xmlns:p14="http://schemas.microsoft.com/office/powerpoint/2010/main" val="1683571549"/>
+      </p:ext>
+    </p:extLst>
+  </p:cSld>
+  <p:clrMapOvr>
+    <a:masterClrMapping/>
+  </p:clrMapOvr>
+</p:notes>
+</file>
+
 <file path=ppt/slideLayouts/slideLayout1.xml><?xml version="1.0" encoding="utf-8"?>
 <p:sldLayout xmlns:a="http://schemas.openxmlformats.org/drawingml/2006/main" xmlns:r="http://schemas.openxmlformats.org/officeDocument/2006/relationships" xmlns:p="http://schemas.openxmlformats.org/presentationml/2006/main" type="title" preserve="1">
   <p:cSld name="Title Slide">
@@ -29128,7 +29732,7 @@
           <a:p>
             <a:fld id="{52A4E9ED-0ECB-4629-9B9B-99B6A934C592}" type="datetime1">
               <a:rPr lang="en-US" smtClean="0"/>
-              <a:t>11/8/2019</a:t>
+              <a:t>11/9/2019</a:t>
             </a:fld>
             <a:endParaRPr lang="en-US"/>
           </a:p>
@@ -29326,7 +29930,7 @@
           <a:p>
             <a:fld id="{1777C2C9-3B50-4973-81D4-E88A3F9E8BEF}" type="datetime1">
               <a:rPr lang="en-US" smtClean="0"/>
-              <a:t>11/8/2019</a:t>
+              <a:t>11/9/2019</a:t>
             </a:fld>
             <a:endParaRPr lang="en-US"/>
           </a:p>
@@ -29534,7 +30138,7 @@
           <a:p>
             <a:fld id="{0BD323A4-FF8B-4651-BDD8-70A677AD1E5E}" type="datetime1">
               <a:rPr lang="en-US" smtClean="0"/>
-              <a:t>11/8/2019</a:t>
+              <a:t>11/9/2019</a:t>
             </a:fld>
             <a:endParaRPr lang="en-US"/>
           </a:p>
@@ -29732,7 +30336,7 @@
           <a:p>
             <a:fld id="{3BD3484D-D555-498D-A67B-B9A5E4A2EDB5}" type="datetime1">
               <a:rPr lang="en-US" smtClean="0"/>
-              <a:t>11/8/2019</a:t>
+              <a:t>11/9/2019</a:t>
             </a:fld>
             <a:endParaRPr lang="en-US"/>
           </a:p>
@@ -30007,7 +30611,7 @@
           <a:p>
             <a:fld id="{AAE8FDE2-42B0-4675-9D27-0E72CF8FA9F8}" type="datetime1">
               <a:rPr lang="en-US" smtClean="0"/>
-              <a:t>11/8/2019</a:t>
+              <a:t>11/9/2019</a:t>
             </a:fld>
             <a:endParaRPr lang="en-US"/>
           </a:p>
@@ -30272,7 +30876,7 @@
           <a:p>
             <a:fld id="{7C184994-C499-41DB-B32B-438158ADBBB7}" type="datetime1">
               <a:rPr lang="en-US" smtClean="0"/>
-              <a:t>11/8/2019</a:t>
+              <a:t>11/9/2019</a:t>
             </a:fld>
             <a:endParaRPr lang="en-US"/>
           </a:p>
@@ -30684,7 +31288,7 @@
           <a:p>
             <a:fld id="{D6C32B28-75BE-4087-8A52-8F12C3F2B4D2}" type="datetime1">
               <a:rPr lang="en-US" smtClean="0"/>
-              <a:t>11/8/2019</a:t>
+              <a:t>11/9/2019</a:t>
             </a:fld>
             <a:endParaRPr lang="en-US"/>
           </a:p>
@@ -30825,7 +31429,7 @@
           <a:p>
             <a:fld id="{1F3DEDCD-1158-4D81-9597-0EFCB0A3039B}" type="datetime1">
               <a:rPr lang="en-US" smtClean="0"/>
-              <a:t>11/8/2019</a:t>
+              <a:t>11/9/2019</a:t>
             </a:fld>
             <a:endParaRPr lang="en-US"/>
           </a:p>
@@ -30938,7 +31542,7 @@
           <a:p>
             <a:fld id="{012CD382-5588-4845-A26F-62411455AE34}" type="datetime1">
               <a:rPr lang="en-US" smtClean="0"/>
-              <a:t>11/8/2019</a:t>
+              <a:t>11/9/2019</a:t>
             </a:fld>
             <a:endParaRPr lang="en-US"/>
           </a:p>
@@ -31249,7 +31853,7 @@
           <a:p>
             <a:fld id="{09073765-5658-4B75-8A1B-E5B7D2AAB837}" type="datetime1">
               <a:rPr lang="en-US" smtClean="0"/>
-              <a:t>11/8/2019</a:t>
+              <a:t>11/9/2019</a:t>
             </a:fld>
             <a:endParaRPr lang="en-US"/>
           </a:p>
@@ -31537,7 +32141,7 @@
           <a:p>
             <a:fld id="{DA22FB4C-3806-49AF-B8D2-3CE0C8C25B5F}" type="datetime1">
               <a:rPr lang="en-US" smtClean="0"/>
-              <a:t>11/8/2019</a:t>
+              <a:t>11/9/2019</a:t>
             </a:fld>
             <a:endParaRPr lang="en-US"/>
           </a:p>
@@ -31778,7 +32382,7 @@
           <a:p>
             <a:fld id="{6E8769B8-D71B-4AD7-9399-F73309B22C43}" type="datetime1">
               <a:rPr lang="en-US" smtClean="0"/>
-              <a:t>11/8/2019</a:t>
+              <a:t>11/9/2019</a:t>
             </a:fld>
             <a:endParaRPr lang="en-US"/>
           </a:p>
@@ -33034,7 +33638,7 @@
             <p:ph idx="1"/>
             <p:extLst>
               <p:ext uri="{D42A27DB-BD31-4B8C-83A1-F6EECF244321}">
-                <p14:modId xmlns:p14="http://schemas.microsoft.com/office/powerpoint/2010/main" val="2285504009"/>
+                <p14:modId xmlns:p14="http://schemas.microsoft.com/office/powerpoint/2010/main" val="2542082935"/>
               </p:ext>
             </p:extLst>
           </p:nvPr>
@@ -33284,7 +33888,7 @@
                                         <p:tgtEl>
                                           <p:spTgt spid="5">
                                             <p:graphicEl>
-                                              <a:dgm id="{79D225F0-C3AC-4A0E-92AF-0BF7EA50C448}"/>
+                                              <a:dgm id="{83E1C8AF-D26E-4AA0-9134-157CB4DA4673}"/>
                                             </p:graphicEl>
                                           </p:spTgt>
                                         </p:tgtEl>
@@ -33315,7 +33919,7 @@
                                         <p:tgtEl>
                                           <p:spTgt spid="5">
                                             <p:graphicEl>
-                                              <a:dgm id="{03C558EF-9B03-4150-BADA-653015E2D19D}"/>
+                                              <a:dgm id="{666E6397-F86E-4BCC-BBF8-A1A189B7D36E}"/>
                                             </p:graphicEl>
                                           </p:spTgt>
                                         </p:tgtEl>
@@ -33364,7 +33968,7 @@
                                         <p:tgtEl>
                                           <p:spTgt spid="5">
                                             <p:graphicEl>
-                                              <a:dgm id="{83E1C8AF-D26E-4AA0-9134-157CB4DA4673}"/>
+                                              <a:dgm id="{D471A5A2-A108-4F20-8DCA-6A22C565F1E2}"/>
                                             </p:graphicEl>
                                           </p:spTgt>
                                         </p:tgtEl>
@@ -33395,7 +33999,7 @@
                                         <p:tgtEl>
                                           <p:spTgt spid="5">
                                             <p:graphicEl>
-                                              <a:dgm id="{666E6397-F86E-4BCC-BBF8-A1A189B7D36E}"/>
+                                              <a:dgm id="{6C649CE7-91EB-42C0-B5C5-F12814B5C4C7}"/>
                                             </p:graphicEl>
                                           </p:spTgt>
                                         </p:tgtEl>
@@ -33444,7 +34048,7 @@
                                         <p:tgtEl>
                                           <p:spTgt spid="5">
                                             <p:graphicEl>
-                                              <a:dgm id="{D471A5A2-A108-4F20-8DCA-6A22C565F1E2}"/>
+                                              <a:dgm id="{2AD87B78-19BB-41DF-BB9D-ED57FC1CFF70}"/>
                                             </p:graphicEl>
                                           </p:spTgt>
                                         </p:tgtEl>
@@ -33468,86 +34072,6 @@
                                     <p:set>
                                       <p:cBhvr>
                                         <p:cTn id="32" dur="1" fill="hold">
-                                          <p:stCondLst>
-                                            <p:cond delay="0"/>
-                                          </p:stCondLst>
-                                        </p:cTn>
-                                        <p:tgtEl>
-                                          <p:spTgt spid="5">
-                                            <p:graphicEl>
-                                              <a:dgm id="{6C649CE7-91EB-42C0-B5C5-F12814B5C4C7}"/>
-                                            </p:graphicEl>
-                                          </p:spTgt>
-                                        </p:tgtEl>
-                                        <p:attrNameLst>
-                                          <p:attrName>style.visibility</p:attrName>
-                                        </p:attrNameLst>
-                                      </p:cBhvr>
-                                      <p:to>
-                                        <p:strVal val="visible"/>
-                                      </p:to>
-                                    </p:set>
-                                  </p:childTnLst>
-                                </p:cTn>
-                              </p:par>
-                            </p:childTnLst>
-                          </p:cTn>
-                        </p:par>
-                      </p:childTnLst>
-                    </p:cTn>
-                  </p:par>
-                  <p:par>
-                    <p:cTn id="33" fill="hold">
-                      <p:stCondLst>
-                        <p:cond delay="indefinite"/>
-                      </p:stCondLst>
-                      <p:childTnLst>
-                        <p:par>
-                          <p:cTn id="34" fill="hold">
-                            <p:stCondLst>
-                              <p:cond delay="0"/>
-                            </p:stCondLst>
-                            <p:childTnLst>
-                              <p:par>
-                                <p:cTn id="35" presetID="1" presetClass="entr" presetSubtype="0" fill="hold" grpId="0" nodeType="clickEffect">
-                                  <p:stCondLst>
-                                    <p:cond delay="0"/>
-                                  </p:stCondLst>
-                                  <p:childTnLst>
-                                    <p:set>
-                                      <p:cBhvr>
-                                        <p:cTn id="36" dur="1" fill="hold">
-                                          <p:stCondLst>
-                                            <p:cond delay="0"/>
-                                          </p:stCondLst>
-                                        </p:cTn>
-                                        <p:tgtEl>
-                                          <p:spTgt spid="5">
-                                            <p:graphicEl>
-                                              <a:dgm id="{2AD87B78-19BB-41DF-BB9D-ED57FC1CFF70}"/>
-                                            </p:graphicEl>
-                                          </p:spTgt>
-                                        </p:tgtEl>
-                                        <p:attrNameLst>
-                                          <p:attrName>style.visibility</p:attrName>
-                                        </p:attrNameLst>
-                                      </p:cBhvr>
-                                      <p:to>
-                                        <p:strVal val="visible"/>
-                                      </p:to>
-                                    </p:set>
-                                  </p:childTnLst>
-                                </p:cTn>
-                              </p:par>
-                              <p:par>
-                                <p:cTn id="37" presetID="1" presetClass="entr" presetSubtype="0" fill="hold" grpId="0" nodeType="withEffect">
-                                  <p:stCondLst>
-                                    <p:cond delay="0"/>
-                                  </p:stCondLst>
-                                  <p:childTnLst>
-                                    <p:set>
-                                      <p:cBhvr>
-                                        <p:cTn id="38" dur="1" fill="hold">
                                           <p:stCondLst>
                                             <p:cond delay="0"/>
                                           </p:stCondLst>
@@ -33653,7 +34177,7 @@
           <a:p>
             <a:r>
               <a:rPr lang="en-US" dirty="0"/>
-              <a:t>Resources</a:t>
+              <a:t>PowerShell Resources</a:t>
             </a:r>
           </a:p>
         </p:txBody>
@@ -33757,7 +34281,11 @@
           </a:p>
           <a:p>
             <a:r>
-              <a:rPr lang="en-US" dirty="0"/>
+              <a:rPr lang="en-US" dirty="0">
+                <a:highlight>
+                  <a:srgbClr val="FFFF00"/>
+                </a:highlight>
+              </a:rPr>
               <a:t>Unit Testing PS with Pester </a:t>
             </a:r>
           </a:p>
@@ -33765,11 +34293,18 @@
             <a:pPr lvl="1"/>
             <a:r>
               <a:rPr lang="en-US" dirty="0">
+                <a:highlight>
+                  <a:srgbClr val="FFFF00"/>
+                </a:highlight>
                 <a:hlinkClick r:id="rId6"/>
               </a:rPr>
               <a:t>https://devblogs.microsoft.com/scripting/what-is-pester-and-why-should-i-care/</a:t>
             </a:r>
-            <a:endParaRPr lang="en-US" dirty="0"/>
+            <a:endParaRPr lang="en-US" dirty="0">
+              <a:highlight>
+                <a:srgbClr val="FFFF00"/>
+              </a:highlight>
+            </a:endParaRPr>
           </a:p>
           <a:p>
             <a:r>
@@ -34483,6 +35018,20 @@
               <a:t>PowerShell Working Tips &amp; Gotchas</a:t>
             </a:r>
           </a:p>
+          <a:p>
+            <a:pPr lvl="1"/>
+            <a:endParaRPr lang="en-US" dirty="0"/>
+          </a:p>
+          <a:p>
+            <a:pPr marL="457200" lvl="1" indent="0">
+              <a:buNone/>
+            </a:pPr>
+            <a:r>
+              <a:rPr lang="en-US" sz="3200" dirty="0"/>
+              <a:t>Any Questions?</a:t>
+            </a:r>
+            <a:endParaRPr lang="en-US" dirty="0"/>
+          </a:p>
         </p:txBody>
       </p:sp>
     </p:spTree>
@@ -34499,305 +35048,6 @@
 </file>
 
 <file path=ppt/slides/slide13.xml><?xml version="1.0" encoding="utf-8"?>
-<p:sld xmlns:a="http://schemas.openxmlformats.org/drawingml/2006/main" xmlns:r="http://schemas.openxmlformats.org/officeDocument/2006/relationships" xmlns:p="http://schemas.openxmlformats.org/presentationml/2006/main">
-  <p:cSld>
-    <p:bg>
-      <p:bgPr>
-        <a:solidFill>
-          <a:schemeClr val="tx1"/>
-        </a:solidFill>
-        <a:effectLst/>
-      </p:bgPr>
-    </p:bg>
-    <p:spTree>
-      <p:nvGrpSpPr>
-        <p:cNvPr id="1" name=""/>
-        <p:cNvGrpSpPr/>
-        <p:nvPr/>
-      </p:nvGrpSpPr>
-      <p:grpSpPr>
-        <a:xfrm>
-          <a:off x="0" y="0"/>
-          <a:ext cx="0" cy="0"/>
-          <a:chOff x="0" y="0"/>
-          <a:chExt cx="0" cy="0"/>
-        </a:xfrm>
-      </p:grpSpPr>
-      <p:sp>
-        <p:nvSpPr>
-          <p:cNvPr id="13" name="Rectangle 7">
-            <a:extLst>
-              <a:ext uri="{FF2B5EF4-FFF2-40B4-BE49-F238E27FC236}">
-                <a16:creationId xmlns:a16="http://schemas.microsoft.com/office/drawing/2014/main" id="{2A8AA5BC-4F7A-4226-8F99-6D824B226A97}"/>
-              </a:ext>
-              <a:ext uri="{C183D7F6-B498-43B3-948B-1728B52AA6E4}">
-                <adec:decorative xmlns:adec="http://schemas.microsoft.com/office/drawing/2017/decorative" val="1"/>
-              </a:ext>
-            </a:extLst>
-          </p:cNvPr>
-          <p:cNvSpPr>
-            <a:spLocks noGrp="1" noRot="1" noChangeAspect="1" noMove="1" noResize="1" noEditPoints="1" noAdjustHandles="1" noChangeArrowheads="1" noChangeShapeType="1" noTextEdit="1"/>
-          </p:cNvSpPr>
-          <p:nvPr>
-            <p:extLst>
-              <p:ext uri="{386F3935-93C4-4BCD-93E2-E3B085C9AB24}">
-                <p16:designElem xmlns:p16="http://schemas.microsoft.com/office/powerpoint/2015/main" val="1"/>
-              </p:ext>
-            </p:extLst>
-          </p:nvPr>
-        </p:nvSpPr>
-        <p:spPr>
-          <a:xfrm>
-            <a:off x="0" y="-3324"/>
-            <a:ext cx="12192000" cy="6861324"/>
-          </a:xfrm>
-          <a:prstGeom prst="rect">
-            <a:avLst/>
-          </a:prstGeom>
-          <a:solidFill>
-            <a:schemeClr val="tx1"/>
-          </a:solidFill>
-          <a:ln>
-            <a:noFill/>
-          </a:ln>
-        </p:spPr>
-        <p:style>
-          <a:lnRef idx="2">
-            <a:schemeClr val="accent1">
-              <a:shade val="50000"/>
-            </a:schemeClr>
-          </a:lnRef>
-          <a:fillRef idx="1">
-            <a:schemeClr val="accent1"/>
-          </a:fillRef>
-          <a:effectRef idx="0">
-            <a:schemeClr val="accent1"/>
-          </a:effectRef>
-          <a:fontRef idx="minor">
-            <a:schemeClr val="lt1"/>
-          </a:fontRef>
-        </p:style>
-        <p:txBody>
-          <a:bodyPr rtlCol="0" anchor="ctr"/>
-          <a:lstStyle/>
-          <a:p>
-            <a:pPr algn="ctr"/>
-            <a:endParaRPr lang="en-US"/>
-          </a:p>
-        </p:txBody>
-      </p:sp>
-      <p:sp>
-        <p:nvSpPr>
-          <p:cNvPr id="14" name="Rectangle 9">
-            <a:extLst>
-              <a:ext uri="{FF2B5EF4-FFF2-40B4-BE49-F238E27FC236}">
-                <a16:creationId xmlns:a16="http://schemas.microsoft.com/office/drawing/2014/main" id="{3E5445C6-DD42-4979-86FF-03730E8C6DB0}"/>
-              </a:ext>
-              <a:ext uri="{C183D7F6-B498-43B3-948B-1728B52AA6E4}">
-                <adec:decorative xmlns:adec="http://schemas.microsoft.com/office/drawing/2017/decorative" val="1"/>
-              </a:ext>
-            </a:extLst>
-          </p:cNvPr>
-          <p:cNvSpPr>
-            <a:spLocks noGrp="1" noRot="1" noChangeAspect="1" noMove="1" noResize="1" noEditPoints="1" noAdjustHandles="1" noChangeArrowheads="1" noChangeShapeType="1" noTextEdit="1"/>
-          </p:cNvSpPr>
-          <p:nvPr>
-            <p:extLst>
-              <p:ext uri="{386F3935-93C4-4BCD-93E2-E3B085C9AB24}">
-                <p16:designElem xmlns:p16="http://schemas.microsoft.com/office/powerpoint/2015/main" val="1"/>
-              </p:ext>
-            </p:extLst>
-          </p:nvPr>
-        </p:nvSpPr>
-        <p:spPr bwMode="ltGray">
-          <a:xfrm>
-            <a:off x="321734" y="321733"/>
-            <a:ext cx="11573488" cy="6214534"/>
-          </a:xfrm>
-          <a:prstGeom prst="rect">
-            <a:avLst/>
-          </a:prstGeom>
-          <a:solidFill>
-            <a:schemeClr val="bg1">
-              <a:lumMod val="75000"/>
-              <a:lumOff val="25000"/>
-            </a:schemeClr>
-          </a:solidFill>
-          <a:ln w="127000" cap="sq" cmpd="thinThick">
-            <a:solidFill>
-              <a:schemeClr val="bg1">
-                <a:lumMod val="75000"/>
-                <a:lumOff val="25000"/>
-              </a:schemeClr>
-            </a:solidFill>
-          </a:ln>
-        </p:spPr>
-        <p:style>
-          <a:lnRef idx="2">
-            <a:schemeClr val="accent1">
-              <a:shade val="50000"/>
-            </a:schemeClr>
-          </a:lnRef>
-          <a:fillRef idx="1">
-            <a:schemeClr val="accent1"/>
-          </a:fillRef>
-          <a:effectRef idx="0">
-            <a:schemeClr val="accent1"/>
-          </a:effectRef>
-          <a:fontRef idx="minor">
-            <a:schemeClr val="lt1"/>
-          </a:fontRef>
-        </p:style>
-        <p:txBody>
-          <a:bodyPr rtlCol="0" anchor="ctr"/>
-          <a:lstStyle/>
-          <a:p>
-            <a:pPr algn="ctr"/>
-            <a:endParaRPr lang="en-US"/>
-          </a:p>
-        </p:txBody>
-      </p:sp>
-      <p:sp>
-        <p:nvSpPr>
-          <p:cNvPr id="2" name="Title 1">
-            <a:extLst>
-              <a:ext uri="{FF2B5EF4-FFF2-40B4-BE49-F238E27FC236}">
-                <a16:creationId xmlns:a16="http://schemas.microsoft.com/office/drawing/2014/main" id="{25070C64-0907-4DF2-A2A7-208EA7F3FD2B}"/>
-              </a:ext>
-            </a:extLst>
-          </p:cNvPr>
-          <p:cNvSpPr>
-            <a:spLocks noGrp="1"/>
-          </p:cNvSpPr>
-          <p:nvPr>
-            <p:ph type="title"/>
-          </p:nvPr>
-        </p:nvSpPr>
-        <p:spPr>
-          <a:xfrm>
-            <a:off x="1524000" y="1122362"/>
-            <a:ext cx="9144000" cy="2840037"/>
-          </a:xfrm>
-        </p:spPr>
-        <p:txBody>
-          <a:bodyPr vert="horz" lIns="91440" tIns="45720" rIns="91440" bIns="45720" rtlCol="0" anchor="b">
-            <a:normAutofit/>
-          </a:bodyPr>
-          <a:lstStyle/>
-          <a:p>
-            <a:pPr algn="ctr"/>
-            <a:r>
-              <a:rPr lang="en-US" sz="5800" dirty="0"/>
-              <a:t>Q &amp; A</a:t>
-            </a:r>
-            <a:endParaRPr lang="en-US" sz="5800" kern="1200" dirty="0">
-              <a:solidFill>
-                <a:schemeClr val="tx1"/>
-              </a:solidFill>
-              <a:latin typeface="+mj-lt"/>
-              <a:ea typeface="+mj-ea"/>
-              <a:cs typeface="+mj-cs"/>
-            </a:endParaRPr>
-          </a:p>
-        </p:txBody>
-      </p:sp>
-      <p:cxnSp>
-        <p:nvCxnSpPr>
-          <p:cNvPr id="12" name="Straight Connector 11">
-            <a:extLst>
-              <a:ext uri="{FF2B5EF4-FFF2-40B4-BE49-F238E27FC236}">
-                <a16:creationId xmlns:a16="http://schemas.microsoft.com/office/drawing/2014/main" id="{45000665-DFC7-417E-8FD7-516A0F15C975}"/>
-              </a:ext>
-              <a:ext uri="{C183D7F6-B498-43B3-948B-1728B52AA6E4}">
-                <adec:decorative xmlns:adec="http://schemas.microsoft.com/office/drawing/2017/decorative" val="1"/>
-              </a:ext>
-            </a:extLst>
-          </p:cNvPr>
-          <p:cNvCxnSpPr>
-            <a:cxnSpLocks noGrp="1" noRot="1" noChangeAspect="1" noMove="1" noResize="1" noEditPoints="1" noAdjustHandles="1" noChangeArrowheads="1" noChangeShapeType="1"/>
-          </p:cNvCxnSpPr>
-          <p:nvPr>
-            <p:extLst>
-              <p:ext uri="{386F3935-93C4-4BCD-93E2-E3B085C9AB24}">
-                <p16:designElem xmlns:p16="http://schemas.microsoft.com/office/powerpoint/2015/main" val="1"/>
-              </p:ext>
-            </p:extLst>
-          </p:nvPr>
-        </p:nvCxnSpPr>
-        <p:spPr>
-          <a:xfrm>
-            <a:off x="4724400" y="4109417"/>
-            <a:ext cx="2743200" cy="0"/>
-          </a:xfrm>
-          <a:prstGeom prst="line">
-            <a:avLst/>
-          </a:prstGeom>
-          <a:ln w="12700">
-            <a:solidFill>
-              <a:schemeClr val="tx1">
-                <a:lumMod val="85000"/>
-              </a:schemeClr>
-            </a:solidFill>
-          </a:ln>
-        </p:spPr>
-        <p:style>
-          <a:lnRef idx="1">
-            <a:schemeClr val="accent1"/>
-          </a:lnRef>
-          <a:fillRef idx="0">
-            <a:schemeClr val="accent1"/>
-          </a:fillRef>
-          <a:effectRef idx="0">
-            <a:schemeClr val="accent1"/>
-          </a:effectRef>
-          <a:fontRef idx="minor">
-            <a:schemeClr val="tx1"/>
-          </a:fontRef>
-        </p:style>
-      </p:cxnSp>
-      <p:sp>
-        <p:nvSpPr>
-          <p:cNvPr id="3" name="Slide Number Placeholder 2">
-            <a:extLst>
-              <a:ext uri="{FF2B5EF4-FFF2-40B4-BE49-F238E27FC236}">
-                <a16:creationId xmlns:a16="http://schemas.microsoft.com/office/drawing/2014/main" id="{A7C9D04F-2AAA-4D4A-BCE1-166361C411A8}"/>
-              </a:ext>
-            </a:extLst>
-          </p:cNvPr>
-          <p:cNvSpPr>
-            <a:spLocks noGrp="1"/>
-          </p:cNvSpPr>
-          <p:nvPr>
-            <p:ph type="sldNum" sz="quarter" idx="12"/>
-          </p:nvPr>
-        </p:nvSpPr>
-        <p:spPr/>
-        <p:txBody>
-          <a:bodyPr/>
-          <a:lstStyle/>
-          <a:p>
-            <a:fld id="{13726FE4-A2DC-4B38-A9D9-4F364D3FF482}" type="slidenum">
-              <a:rPr lang="en-US" smtClean="0"/>
-              <a:t>13</a:t>
-            </a:fld>
-            <a:endParaRPr lang="en-US"/>
-          </a:p>
-        </p:txBody>
-      </p:sp>
-    </p:spTree>
-    <p:extLst>
-      <p:ext uri="{BB962C8B-B14F-4D97-AF65-F5344CB8AC3E}">
-        <p14:creationId xmlns:p14="http://schemas.microsoft.com/office/powerpoint/2010/main" val="1956973738"/>
-      </p:ext>
-    </p:extLst>
-  </p:cSld>
-  <p:clrMapOvr>
-    <a:overrideClrMapping bg1="dk1" tx1="lt1" bg2="dk2" tx2="lt2" accent1="accent1" accent2="accent2" accent3="accent3" accent4="accent4" accent5="accent5" accent6="accent6" hlink="hlink" folHlink="folHlink"/>
-  </p:clrMapOvr>
-</p:sld>
-</file>
-
-<file path=ppt/slides/slide14.xml><?xml version="1.0" encoding="utf-8"?>
 <p:sld xmlns:a="http://schemas.openxmlformats.org/drawingml/2006/main" xmlns:r="http://schemas.openxmlformats.org/officeDocument/2006/relationships" xmlns:p="http://schemas.openxmlformats.org/presentationml/2006/main">
   <p:cSld>
     <p:bg>
@@ -35244,7 +35494,7 @@
           <a:p>
             <a:fld id="{13726FE4-A2DC-4B38-A9D9-4F364D3FF482}" type="slidenum">
               <a:rPr lang="en-US" smtClean="0"/>
-              <a:t>14</a:t>
+              <a:t>13</a:t>
             </a:fld>
             <a:endParaRPr lang="en-US"/>
           </a:p>
@@ -35263,8 +35513,8 @@
 </p:sld>
 </file>
 
-<file path=ppt/slides/slide15.xml><?xml version="1.0" encoding="utf-8"?>
-<p:sld xmlns:a="http://schemas.openxmlformats.org/drawingml/2006/main" xmlns:r="http://schemas.openxmlformats.org/officeDocument/2006/relationships" xmlns:p="http://schemas.openxmlformats.org/presentationml/2006/main">
+<file path=ppt/slides/slide14.xml><?xml version="1.0" encoding="utf-8"?>
+<p:sld xmlns:a="http://schemas.openxmlformats.org/drawingml/2006/main" xmlns:r="http://schemas.openxmlformats.org/officeDocument/2006/relationships" xmlns:p="http://schemas.openxmlformats.org/presentationml/2006/main" show="0">
   <p:cSld>
     <p:bg>
       <p:bgPr>
@@ -35414,21 +35664,8 @@
                   <a:srgbClr val="FFFFFF"/>
                 </a:solidFill>
               </a:rPr>
-              <a:t>Subjects </a:t>
+              <a:t>Subjects Not Covered</a:t>
             </a:r>
-            <a:r>
-              <a:rPr lang="en-US">
-                <a:solidFill>
-                  <a:srgbClr val="FFFFFF"/>
-                </a:solidFill>
-              </a:rPr>
-              <a:t>Not Demoed</a:t>
-            </a:r>
-            <a:endParaRPr lang="en-US" dirty="0">
-              <a:solidFill>
-                <a:srgbClr val="FFFFFF"/>
-              </a:solidFill>
-            </a:endParaRPr>
           </a:p>
         </p:txBody>
       </p:sp>
@@ -35542,7 +35779,7 @@
             <p:ph idx="1"/>
             <p:extLst>
               <p:ext uri="{D42A27DB-BD31-4B8C-83A1-F6EECF244321}">
-                <p14:modId xmlns:p14="http://schemas.microsoft.com/office/powerpoint/2010/main" val="986128017"/>
+                <p14:modId xmlns:p14="http://schemas.microsoft.com/office/powerpoint/2010/main" val="4003381639"/>
               </p:ext>
             </p:extLst>
           </p:nvPr>
@@ -35580,7 +35817,7 @@
           <a:p>
             <a:fld id="{13726FE4-A2DC-4B38-A9D9-4F364D3FF482}" type="slidenum">
               <a:rPr lang="en-US" smtClean="0"/>
-              <a:t>15</a:t>
+              <a:t>14</a:t>
             </a:fld>
             <a:endParaRPr lang="en-US"/>
           </a:p>
@@ -36152,7 +36389,7 @@
             <p:ph idx="1"/>
             <p:extLst>
               <p:ext uri="{D42A27DB-BD31-4B8C-83A1-F6EECF244321}">
-                <p14:modId xmlns:p14="http://schemas.microsoft.com/office/powerpoint/2010/main" val="1838161007"/>
+                <p14:modId xmlns:p14="http://schemas.microsoft.com/office/powerpoint/2010/main" val="368546321"/>
               </p:ext>
             </p:extLst>
           </p:nvPr>
@@ -36326,443 +36563,6 @@
   <p:clrMapOvr>
     <a:masterClrMapping/>
   </p:clrMapOvr>
-  <p:timing>
-    <p:tnLst>
-      <p:par>
-        <p:cTn id="1" dur="indefinite" restart="never" nodeType="tmRoot">
-          <p:childTnLst>
-            <p:seq concurrent="1" nextAc="seek">
-              <p:cTn id="2" dur="indefinite" nodeType="mainSeq">
-                <p:childTnLst>
-                  <p:par>
-                    <p:cTn id="3" fill="hold">
-                      <p:stCondLst>
-                        <p:cond delay="indefinite"/>
-                      </p:stCondLst>
-                      <p:childTnLst>
-                        <p:par>
-                          <p:cTn id="4" fill="hold">
-                            <p:stCondLst>
-                              <p:cond delay="0"/>
-                            </p:stCondLst>
-                            <p:childTnLst>
-                              <p:par>
-                                <p:cTn id="5" presetID="1" presetClass="entr" presetSubtype="0" fill="hold" grpId="0" nodeType="clickEffect">
-                                  <p:stCondLst>
-                                    <p:cond delay="0"/>
-                                  </p:stCondLst>
-                                  <p:childTnLst>
-                                    <p:set>
-                                      <p:cBhvr>
-                                        <p:cTn id="6" dur="1" fill="hold">
-                                          <p:stCondLst>
-                                            <p:cond delay="0"/>
-                                          </p:stCondLst>
-                                        </p:cTn>
-                                        <p:tgtEl>
-                                          <p:spTgt spid="5">
-                                            <p:graphicEl>
-                                              <a:dgm id="{8D338FCD-117E-40E4-94FA-DD084AC98F9A}"/>
-                                            </p:graphicEl>
-                                          </p:spTgt>
-                                        </p:tgtEl>
-                                        <p:attrNameLst>
-                                          <p:attrName>style.visibility</p:attrName>
-                                        </p:attrNameLst>
-                                      </p:cBhvr>
-                                      <p:to>
-                                        <p:strVal val="visible"/>
-                                      </p:to>
-                                    </p:set>
-                                  </p:childTnLst>
-                                </p:cTn>
-                              </p:par>
-                              <p:par>
-                                <p:cTn id="7" presetID="1" presetClass="entr" presetSubtype="0" fill="hold" grpId="0" nodeType="withEffect">
-                                  <p:stCondLst>
-                                    <p:cond delay="0"/>
-                                  </p:stCondLst>
-                                  <p:childTnLst>
-                                    <p:set>
-                                      <p:cBhvr>
-                                        <p:cTn id="8" dur="1" fill="hold">
-                                          <p:stCondLst>
-                                            <p:cond delay="0"/>
-                                          </p:stCondLst>
-                                        </p:cTn>
-                                        <p:tgtEl>
-                                          <p:spTgt spid="5">
-                                            <p:graphicEl>
-                                              <a:dgm id="{853EBC26-94B2-4EBE-8360-5BF4DB2CFD2C}"/>
-                                            </p:graphicEl>
-                                          </p:spTgt>
-                                        </p:tgtEl>
-                                        <p:attrNameLst>
-                                          <p:attrName>style.visibility</p:attrName>
-                                        </p:attrNameLst>
-                                      </p:cBhvr>
-                                      <p:to>
-                                        <p:strVal val="visible"/>
-                                      </p:to>
-                                    </p:set>
-                                  </p:childTnLst>
-                                </p:cTn>
-                              </p:par>
-                            </p:childTnLst>
-                          </p:cTn>
-                        </p:par>
-                      </p:childTnLst>
-                    </p:cTn>
-                  </p:par>
-                  <p:par>
-                    <p:cTn id="9" fill="hold">
-                      <p:stCondLst>
-                        <p:cond delay="indefinite"/>
-                      </p:stCondLst>
-                      <p:childTnLst>
-                        <p:par>
-                          <p:cTn id="10" fill="hold">
-                            <p:stCondLst>
-                              <p:cond delay="0"/>
-                            </p:stCondLst>
-                            <p:childTnLst>
-                              <p:par>
-                                <p:cTn id="11" presetID="1" presetClass="entr" presetSubtype="0" fill="hold" grpId="0" nodeType="clickEffect">
-                                  <p:stCondLst>
-                                    <p:cond delay="0"/>
-                                  </p:stCondLst>
-                                  <p:childTnLst>
-                                    <p:set>
-                                      <p:cBhvr>
-                                        <p:cTn id="12" dur="1" fill="hold">
-                                          <p:stCondLst>
-                                            <p:cond delay="0"/>
-                                          </p:stCondLst>
-                                        </p:cTn>
-                                        <p:tgtEl>
-                                          <p:spTgt spid="5">
-                                            <p:graphicEl>
-                                              <a:dgm id="{CBB465B6-0BEB-466B-B905-239E93191672}"/>
-                                            </p:graphicEl>
-                                          </p:spTgt>
-                                        </p:tgtEl>
-                                        <p:attrNameLst>
-                                          <p:attrName>style.visibility</p:attrName>
-                                        </p:attrNameLst>
-                                      </p:cBhvr>
-                                      <p:to>
-                                        <p:strVal val="visible"/>
-                                      </p:to>
-                                    </p:set>
-                                  </p:childTnLst>
-                                </p:cTn>
-                              </p:par>
-                              <p:par>
-                                <p:cTn id="13" presetID="1" presetClass="entr" presetSubtype="0" fill="hold" grpId="0" nodeType="withEffect">
-                                  <p:stCondLst>
-                                    <p:cond delay="0"/>
-                                  </p:stCondLst>
-                                  <p:childTnLst>
-                                    <p:set>
-                                      <p:cBhvr>
-                                        <p:cTn id="14" dur="1" fill="hold">
-                                          <p:stCondLst>
-                                            <p:cond delay="0"/>
-                                          </p:stCondLst>
-                                        </p:cTn>
-                                        <p:tgtEl>
-                                          <p:spTgt spid="5">
-                                            <p:graphicEl>
-                                              <a:dgm id="{83929DF1-142E-4A79-B10D-DA2585C9EB09}"/>
-                                            </p:graphicEl>
-                                          </p:spTgt>
-                                        </p:tgtEl>
-                                        <p:attrNameLst>
-                                          <p:attrName>style.visibility</p:attrName>
-                                        </p:attrNameLst>
-                                      </p:cBhvr>
-                                      <p:to>
-                                        <p:strVal val="visible"/>
-                                      </p:to>
-                                    </p:set>
-                                  </p:childTnLst>
-                                </p:cTn>
-                              </p:par>
-                            </p:childTnLst>
-                          </p:cTn>
-                        </p:par>
-                      </p:childTnLst>
-                    </p:cTn>
-                  </p:par>
-                  <p:par>
-                    <p:cTn id="15" fill="hold">
-                      <p:stCondLst>
-                        <p:cond delay="indefinite"/>
-                      </p:stCondLst>
-                      <p:childTnLst>
-                        <p:par>
-                          <p:cTn id="16" fill="hold">
-                            <p:stCondLst>
-                              <p:cond delay="0"/>
-                            </p:stCondLst>
-                            <p:childTnLst>
-                              <p:par>
-                                <p:cTn id="17" presetID="1" presetClass="entr" presetSubtype="0" fill="hold" grpId="0" nodeType="clickEffect">
-                                  <p:stCondLst>
-                                    <p:cond delay="0"/>
-                                  </p:stCondLst>
-                                  <p:childTnLst>
-                                    <p:set>
-                                      <p:cBhvr>
-                                        <p:cTn id="18" dur="1" fill="hold">
-                                          <p:stCondLst>
-                                            <p:cond delay="0"/>
-                                          </p:stCondLst>
-                                        </p:cTn>
-                                        <p:tgtEl>
-                                          <p:spTgt spid="5">
-                                            <p:graphicEl>
-                                              <a:dgm id="{2BF6C5F8-9879-4F2E-99CA-E36206F56E54}"/>
-                                            </p:graphicEl>
-                                          </p:spTgt>
-                                        </p:tgtEl>
-                                        <p:attrNameLst>
-                                          <p:attrName>style.visibility</p:attrName>
-                                        </p:attrNameLst>
-                                      </p:cBhvr>
-                                      <p:to>
-                                        <p:strVal val="visible"/>
-                                      </p:to>
-                                    </p:set>
-                                  </p:childTnLst>
-                                </p:cTn>
-                              </p:par>
-                              <p:par>
-                                <p:cTn id="19" presetID="1" presetClass="entr" presetSubtype="0" fill="hold" grpId="0" nodeType="withEffect">
-                                  <p:stCondLst>
-                                    <p:cond delay="0"/>
-                                  </p:stCondLst>
-                                  <p:childTnLst>
-                                    <p:set>
-                                      <p:cBhvr>
-                                        <p:cTn id="20" dur="1" fill="hold">
-                                          <p:stCondLst>
-                                            <p:cond delay="0"/>
-                                          </p:stCondLst>
-                                        </p:cTn>
-                                        <p:tgtEl>
-                                          <p:spTgt spid="5">
-                                            <p:graphicEl>
-                                              <a:dgm id="{EA4FF41A-2FD4-49B0-9558-502BA73B8DBB}"/>
-                                            </p:graphicEl>
-                                          </p:spTgt>
-                                        </p:tgtEl>
-                                        <p:attrNameLst>
-                                          <p:attrName>style.visibility</p:attrName>
-                                        </p:attrNameLst>
-                                      </p:cBhvr>
-                                      <p:to>
-                                        <p:strVal val="visible"/>
-                                      </p:to>
-                                    </p:set>
-                                  </p:childTnLst>
-                                </p:cTn>
-                              </p:par>
-                            </p:childTnLst>
-                          </p:cTn>
-                        </p:par>
-                      </p:childTnLst>
-                    </p:cTn>
-                  </p:par>
-                  <p:par>
-                    <p:cTn id="21" fill="hold">
-                      <p:stCondLst>
-                        <p:cond delay="indefinite"/>
-                      </p:stCondLst>
-                      <p:childTnLst>
-                        <p:par>
-                          <p:cTn id="22" fill="hold">
-                            <p:stCondLst>
-                              <p:cond delay="0"/>
-                            </p:stCondLst>
-                            <p:childTnLst>
-                              <p:par>
-                                <p:cTn id="23" presetID="1" presetClass="entr" presetSubtype="0" fill="hold" grpId="0" nodeType="clickEffect">
-                                  <p:stCondLst>
-                                    <p:cond delay="0"/>
-                                  </p:stCondLst>
-                                  <p:childTnLst>
-                                    <p:set>
-                                      <p:cBhvr>
-                                        <p:cTn id="24" dur="1" fill="hold">
-                                          <p:stCondLst>
-                                            <p:cond delay="0"/>
-                                          </p:stCondLst>
-                                        </p:cTn>
-                                        <p:tgtEl>
-                                          <p:spTgt spid="5">
-                                            <p:graphicEl>
-                                              <a:dgm id="{D074849A-E88E-4E86-BD88-1FC3BFC94EC8}"/>
-                                            </p:graphicEl>
-                                          </p:spTgt>
-                                        </p:tgtEl>
-                                        <p:attrNameLst>
-                                          <p:attrName>style.visibility</p:attrName>
-                                        </p:attrNameLst>
-                                      </p:cBhvr>
-                                      <p:to>
-                                        <p:strVal val="visible"/>
-                                      </p:to>
-                                    </p:set>
-                                  </p:childTnLst>
-                                </p:cTn>
-                              </p:par>
-                              <p:par>
-                                <p:cTn id="25" presetID="1" presetClass="entr" presetSubtype="0" fill="hold" grpId="0" nodeType="withEffect">
-                                  <p:stCondLst>
-                                    <p:cond delay="0"/>
-                                  </p:stCondLst>
-                                  <p:childTnLst>
-                                    <p:set>
-                                      <p:cBhvr>
-                                        <p:cTn id="26" dur="1" fill="hold">
-                                          <p:stCondLst>
-                                            <p:cond delay="0"/>
-                                          </p:stCondLst>
-                                        </p:cTn>
-                                        <p:tgtEl>
-                                          <p:spTgt spid="5">
-                                            <p:graphicEl>
-                                              <a:dgm id="{FB18609C-2290-4D66-A9D9-D5370991CCB4}"/>
-                                            </p:graphicEl>
-                                          </p:spTgt>
-                                        </p:tgtEl>
-                                        <p:attrNameLst>
-                                          <p:attrName>style.visibility</p:attrName>
-                                        </p:attrNameLst>
-                                      </p:cBhvr>
-                                      <p:to>
-                                        <p:strVal val="visible"/>
-                                      </p:to>
-                                    </p:set>
-                                  </p:childTnLst>
-                                </p:cTn>
-                              </p:par>
-                            </p:childTnLst>
-                          </p:cTn>
-                        </p:par>
-                      </p:childTnLst>
-                    </p:cTn>
-                  </p:par>
-                  <p:par>
-                    <p:cTn id="27" fill="hold">
-                      <p:stCondLst>
-                        <p:cond delay="indefinite"/>
-                      </p:stCondLst>
-                      <p:childTnLst>
-                        <p:par>
-                          <p:cTn id="28" fill="hold">
-                            <p:stCondLst>
-                              <p:cond delay="0"/>
-                            </p:stCondLst>
-                            <p:childTnLst>
-                              <p:par>
-                                <p:cTn id="29" presetID="1" presetClass="entr" presetSubtype="0" fill="hold" grpId="0" nodeType="clickEffect">
-                                  <p:stCondLst>
-                                    <p:cond delay="0"/>
-                                  </p:stCondLst>
-                                  <p:childTnLst>
-                                    <p:set>
-                                      <p:cBhvr>
-                                        <p:cTn id="30" dur="1" fill="hold">
-                                          <p:stCondLst>
-                                            <p:cond delay="0"/>
-                                          </p:stCondLst>
-                                        </p:cTn>
-                                        <p:tgtEl>
-                                          <p:spTgt spid="5">
-                                            <p:graphicEl>
-                                              <a:dgm id="{EDDE39E7-70B5-4DC0-8BE0-12DA46503ABE}"/>
-                                            </p:graphicEl>
-                                          </p:spTgt>
-                                        </p:tgtEl>
-                                        <p:attrNameLst>
-                                          <p:attrName>style.visibility</p:attrName>
-                                        </p:attrNameLst>
-                                      </p:cBhvr>
-                                      <p:to>
-                                        <p:strVal val="visible"/>
-                                      </p:to>
-                                    </p:set>
-                                  </p:childTnLst>
-                                </p:cTn>
-                              </p:par>
-                              <p:par>
-                                <p:cTn id="31" presetID="1" presetClass="entr" presetSubtype="0" fill="hold" grpId="0" nodeType="withEffect">
-                                  <p:stCondLst>
-                                    <p:cond delay="0"/>
-                                  </p:stCondLst>
-                                  <p:childTnLst>
-                                    <p:set>
-                                      <p:cBhvr>
-                                        <p:cTn id="32" dur="1" fill="hold">
-                                          <p:stCondLst>
-                                            <p:cond delay="0"/>
-                                          </p:stCondLst>
-                                        </p:cTn>
-                                        <p:tgtEl>
-                                          <p:spTgt spid="5">
-                                            <p:graphicEl>
-                                              <a:dgm id="{F96EE8E6-4404-4632-B52C-49E0DA69E8BE}"/>
-                                            </p:graphicEl>
-                                          </p:spTgt>
-                                        </p:tgtEl>
-                                        <p:attrNameLst>
-                                          <p:attrName>style.visibility</p:attrName>
-                                        </p:attrNameLst>
-                                      </p:cBhvr>
-                                      <p:to>
-                                        <p:strVal val="visible"/>
-                                      </p:to>
-                                    </p:set>
-                                  </p:childTnLst>
-                                </p:cTn>
-                              </p:par>
-                            </p:childTnLst>
-                          </p:cTn>
-                        </p:par>
-                      </p:childTnLst>
-                    </p:cTn>
-                  </p:par>
-                </p:childTnLst>
-              </p:cTn>
-              <p:prevCondLst>
-                <p:cond evt="onPrev" delay="0">
-                  <p:tgtEl>
-                    <p:sldTgt/>
-                  </p:tgtEl>
-                </p:cond>
-              </p:prevCondLst>
-              <p:nextCondLst>
-                <p:cond evt="onNext" delay="0">
-                  <p:tgtEl>
-                    <p:sldTgt/>
-                  </p:tgtEl>
-                </p:cond>
-              </p:nextCondLst>
-            </p:seq>
-          </p:childTnLst>
-        </p:cTn>
-      </p:par>
-    </p:tnLst>
-    <p:bldLst>
-      <p:bldGraphic spid="5" grpId="0">
-        <p:bldSub>
-          <a:bldDgm bld="one"/>
-        </p:bldSub>
-      </p:bldGraphic>
-    </p:bldLst>
-  </p:timing>
 </p:sld>
 </file>
 
@@ -37285,7 +37085,7 @@
           <a:p>
             <a:r>
               <a:rPr lang="en-US" sz="3600" dirty="0"/>
-              <a:t>My PowerShell Background</a:t>
+              <a:t>PowerShell and Me</a:t>
             </a:r>
           </a:p>
         </p:txBody>
@@ -37402,7 +37202,7 @@
             <p:ph idx="1"/>
             <p:extLst>
               <p:ext uri="{D42A27DB-BD31-4B8C-83A1-F6EECF244321}">
-                <p14:modId xmlns:p14="http://schemas.microsoft.com/office/powerpoint/2010/main" val="3298166255"/>
+                <p14:modId xmlns:p14="http://schemas.microsoft.com/office/powerpoint/2010/main" val="3496584974"/>
               </p:ext>
             </p:extLst>
           </p:nvPr>
@@ -37487,529 +37287,20 @@
   <p:clrMapOvr>
     <a:masterClrMapping/>
   </p:clrMapOvr>
-  <p:timing>
-    <p:tnLst>
-      <p:par>
-        <p:cTn id="1" dur="indefinite" restart="never" nodeType="tmRoot">
-          <p:childTnLst>
-            <p:seq concurrent="1" nextAc="seek">
-              <p:cTn id="2" dur="indefinite" nodeType="mainSeq">
-                <p:childTnLst>
-                  <p:par>
-                    <p:cTn id="3" fill="hold">
-                      <p:stCondLst>
-                        <p:cond delay="indefinite"/>
-                      </p:stCondLst>
-                      <p:childTnLst>
-                        <p:par>
-                          <p:cTn id="4" fill="hold">
-                            <p:stCondLst>
-                              <p:cond delay="0"/>
-                            </p:stCondLst>
-                            <p:childTnLst>
-                              <p:par>
-                                <p:cTn id="5" presetID="1" presetClass="entr" presetSubtype="0" fill="hold" grpId="0" nodeType="clickEffect">
-                                  <p:stCondLst>
-                                    <p:cond delay="0"/>
-                                  </p:stCondLst>
-                                  <p:childTnLst>
-                                    <p:set>
-                                      <p:cBhvr>
-                                        <p:cTn id="6" dur="1" fill="hold">
-                                          <p:stCondLst>
-                                            <p:cond delay="0"/>
-                                          </p:stCondLst>
-                                        </p:cTn>
-                                        <p:tgtEl>
-                                          <p:spTgt spid="7">
-                                            <p:graphicEl>
-                                              <a:dgm id="{63EF694E-1BC1-441A-B9F1-4507B4B715E1}"/>
-                                            </p:graphicEl>
-                                          </p:spTgt>
-                                        </p:tgtEl>
-                                        <p:attrNameLst>
-                                          <p:attrName>style.visibility</p:attrName>
-                                        </p:attrNameLst>
-                                      </p:cBhvr>
-                                      <p:to>
-                                        <p:strVal val="visible"/>
-                                      </p:to>
-                                    </p:set>
-                                  </p:childTnLst>
-                                </p:cTn>
-                              </p:par>
-                              <p:par>
-                                <p:cTn id="7" presetID="1" presetClass="entr" presetSubtype="0" fill="hold" grpId="0" nodeType="withEffect">
-                                  <p:stCondLst>
-                                    <p:cond delay="0"/>
-                                  </p:stCondLst>
-                                  <p:childTnLst>
-                                    <p:set>
-                                      <p:cBhvr>
-                                        <p:cTn id="8" dur="1" fill="hold">
-                                          <p:stCondLst>
-                                            <p:cond delay="0"/>
-                                          </p:stCondLst>
-                                        </p:cTn>
-                                        <p:tgtEl>
-                                          <p:spTgt spid="7">
-                                            <p:graphicEl>
-                                              <a:dgm id="{FD0E615D-32CB-49E2-8C69-4BC5DB6D69A4}"/>
-                                            </p:graphicEl>
-                                          </p:spTgt>
-                                        </p:tgtEl>
-                                        <p:attrNameLst>
-                                          <p:attrName>style.visibility</p:attrName>
-                                        </p:attrNameLst>
-                                      </p:cBhvr>
-                                      <p:to>
-                                        <p:strVal val="visible"/>
-                                      </p:to>
-                                    </p:set>
-                                  </p:childTnLst>
-                                </p:cTn>
-                              </p:par>
-                            </p:childTnLst>
-                          </p:cTn>
-                        </p:par>
-                      </p:childTnLst>
-                    </p:cTn>
-                  </p:par>
-                  <p:par>
-                    <p:cTn id="9" fill="hold">
-                      <p:stCondLst>
-                        <p:cond delay="indefinite"/>
-                      </p:stCondLst>
-                      <p:childTnLst>
-                        <p:par>
-                          <p:cTn id="10" fill="hold">
-                            <p:stCondLst>
-                              <p:cond delay="0"/>
-                            </p:stCondLst>
-                            <p:childTnLst>
-                              <p:par>
-                                <p:cTn id="11" presetID="1" presetClass="entr" presetSubtype="0" fill="hold" grpId="0" nodeType="clickEffect">
-                                  <p:stCondLst>
-                                    <p:cond delay="0"/>
-                                  </p:stCondLst>
-                                  <p:childTnLst>
-                                    <p:set>
-                                      <p:cBhvr>
-                                        <p:cTn id="12" dur="1" fill="hold">
-                                          <p:stCondLst>
-                                            <p:cond delay="0"/>
-                                          </p:stCondLst>
-                                        </p:cTn>
-                                        <p:tgtEl>
-                                          <p:spTgt spid="7">
-                                            <p:graphicEl>
-                                              <a:dgm id="{8AE0BC82-2CB3-4B14-AAF6-419CE3772829}"/>
-                                            </p:graphicEl>
-                                          </p:spTgt>
-                                        </p:tgtEl>
-                                        <p:attrNameLst>
-                                          <p:attrName>style.visibility</p:attrName>
-                                        </p:attrNameLst>
-                                      </p:cBhvr>
-                                      <p:to>
-                                        <p:strVal val="visible"/>
-                                      </p:to>
-                                    </p:set>
-                                  </p:childTnLst>
-                                </p:cTn>
-                              </p:par>
-                              <p:par>
-                                <p:cTn id="13" presetID="1" presetClass="entr" presetSubtype="0" fill="hold" grpId="0" nodeType="withEffect">
-                                  <p:stCondLst>
-                                    <p:cond delay="0"/>
-                                  </p:stCondLst>
-                                  <p:childTnLst>
-                                    <p:set>
-                                      <p:cBhvr>
-                                        <p:cTn id="14" dur="1" fill="hold">
-                                          <p:stCondLst>
-                                            <p:cond delay="0"/>
-                                          </p:stCondLst>
-                                        </p:cTn>
-                                        <p:tgtEl>
-                                          <p:spTgt spid="7">
-                                            <p:graphicEl>
-                                              <a:dgm id="{F392B9FA-CC39-42D9-9F91-F9C2DD7AA2E1}"/>
-                                            </p:graphicEl>
-                                          </p:spTgt>
-                                        </p:tgtEl>
-                                        <p:attrNameLst>
-                                          <p:attrName>style.visibility</p:attrName>
-                                        </p:attrNameLst>
-                                      </p:cBhvr>
-                                      <p:to>
-                                        <p:strVal val="visible"/>
-                                      </p:to>
-                                    </p:set>
-                                  </p:childTnLst>
-                                </p:cTn>
-                              </p:par>
-                            </p:childTnLst>
-                          </p:cTn>
-                        </p:par>
-                      </p:childTnLst>
-                    </p:cTn>
-                  </p:par>
-                  <p:par>
-                    <p:cTn id="15" fill="hold">
-                      <p:stCondLst>
-                        <p:cond delay="indefinite"/>
-                      </p:stCondLst>
-                      <p:childTnLst>
-                        <p:par>
-                          <p:cTn id="16" fill="hold">
-                            <p:stCondLst>
-                              <p:cond delay="0"/>
-                            </p:stCondLst>
-                            <p:childTnLst>
-                              <p:par>
-                                <p:cTn id="17" presetID="1" presetClass="entr" presetSubtype="0" fill="hold" grpId="0" nodeType="clickEffect">
-                                  <p:stCondLst>
-                                    <p:cond delay="0"/>
-                                  </p:stCondLst>
-                                  <p:childTnLst>
-                                    <p:set>
-                                      <p:cBhvr>
-                                        <p:cTn id="18" dur="1" fill="hold">
-                                          <p:stCondLst>
-                                            <p:cond delay="0"/>
-                                          </p:stCondLst>
-                                        </p:cTn>
-                                        <p:tgtEl>
-                                          <p:spTgt spid="7">
-                                            <p:graphicEl>
-                                              <a:dgm id="{4CBC6E29-4A6C-47F6-A1ED-9E54209558D5}"/>
-                                            </p:graphicEl>
-                                          </p:spTgt>
-                                        </p:tgtEl>
-                                        <p:attrNameLst>
-                                          <p:attrName>style.visibility</p:attrName>
-                                        </p:attrNameLst>
-                                      </p:cBhvr>
-                                      <p:to>
-                                        <p:strVal val="visible"/>
-                                      </p:to>
-                                    </p:set>
-                                  </p:childTnLst>
-                                </p:cTn>
-                              </p:par>
-                              <p:par>
-                                <p:cTn id="19" presetID="1" presetClass="entr" presetSubtype="0" fill="hold" grpId="0" nodeType="withEffect">
-                                  <p:stCondLst>
-                                    <p:cond delay="0"/>
-                                  </p:stCondLst>
-                                  <p:childTnLst>
-                                    <p:set>
-                                      <p:cBhvr>
-                                        <p:cTn id="20" dur="1" fill="hold">
-                                          <p:stCondLst>
-                                            <p:cond delay="0"/>
-                                          </p:stCondLst>
-                                        </p:cTn>
-                                        <p:tgtEl>
-                                          <p:spTgt spid="7">
-                                            <p:graphicEl>
-                                              <a:dgm id="{B4A56AF0-570A-4B9D-83D1-3331C45390CD}"/>
-                                            </p:graphicEl>
-                                          </p:spTgt>
-                                        </p:tgtEl>
-                                        <p:attrNameLst>
-                                          <p:attrName>style.visibility</p:attrName>
-                                        </p:attrNameLst>
-                                      </p:cBhvr>
-                                      <p:to>
-                                        <p:strVal val="visible"/>
-                                      </p:to>
-                                    </p:set>
-                                  </p:childTnLst>
-                                </p:cTn>
-                              </p:par>
-                            </p:childTnLst>
-                          </p:cTn>
-                        </p:par>
-                      </p:childTnLst>
-                    </p:cTn>
-                  </p:par>
-                  <p:par>
-                    <p:cTn id="21" fill="hold">
-                      <p:stCondLst>
-                        <p:cond delay="indefinite"/>
-                      </p:stCondLst>
-                      <p:childTnLst>
-                        <p:par>
-                          <p:cTn id="22" fill="hold">
-                            <p:stCondLst>
-                              <p:cond delay="0"/>
-                            </p:stCondLst>
-                            <p:childTnLst>
-                              <p:par>
-                                <p:cTn id="23" presetID="1" presetClass="entr" presetSubtype="0" fill="hold" grpId="0" nodeType="clickEffect">
-                                  <p:stCondLst>
-                                    <p:cond delay="0"/>
-                                  </p:stCondLst>
-                                  <p:childTnLst>
-                                    <p:set>
-                                      <p:cBhvr>
-                                        <p:cTn id="24" dur="1" fill="hold">
-                                          <p:stCondLst>
-                                            <p:cond delay="0"/>
-                                          </p:stCondLst>
-                                        </p:cTn>
-                                        <p:tgtEl>
-                                          <p:spTgt spid="7">
-                                            <p:graphicEl>
-                                              <a:dgm id="{A76C2DE3-9D44-4946-80EB-E4E31BB97CA3}"/>
-                                            </p:graphicEl>
-                                          </p:spTgt>
-                                        </p:tgtEl>
-                                        <p:attrNameLst>
-                                          <p:attrName>style.visibility</p:attrName>
-                                        </p:attrNameLst>
-                                      </p:cBhvr>
-                                      <p:to>
-                                        <p:strVal val="visible"/>
-                                      </p:to>
-                                    </p:set>
-                                  </p:childTnLst>
-                                </p:cTn>
-                              </p:par>
-                              <p:par>
-                                <p:cTn id="25" presetID="1" presetClass="entr" presetSubtype="0" fill="hold" grpId="0" nodeType="withEffect">
-                                  <p:stCondLst>
-                                    <p:cond delay="0"/>
-                                  </p:stCondLst>
-                                  <p:childTnLst>
-                                    <p:set>
-                                      <p:cBhvr>
-                                        <p:cTn id="26" dur="1" fill="hold">
-                                          <p:stCondLst>
-                                            <p:cond delay="0"/>
-                                          </p:stCondLst>
-                                        </p:cTn>
-                                        <p:tgtEl>
-                                          <p:spTgt spid="7">
-                                            <p:graphicEl>
-                                              <a:dgm id="{9319C44E-37B7-49A8-A059-1C608107AA54}"/>
-                                            </p:graphicEl>
-                                          </p:spTgt>
-                                        </p:tgtEl>
-                                        <p:attrNameLst>
-                                          <p:attrName>style.visibility</p:attrName>
-                                        </p:attrNameLst>
-                                      </p:cBhvr>
-                                      <p:to>
-                                        <p:strVal val="visible"/>
-                                      </p:to>
-                                    </p:set>
-                                  </p:childTnLst>
-                                </p:cTn>
-                              </p:par>
-                            </p:childTnLst>
-                          </p:cTn>
-                        </p:par>
-                      </p:childTnLst>
-                    </p:cTn>
-                  </p:par>
-                  <p:par>
-                    <p:cTn id="27" fill="hold">
-                      <p:stCondLst>
-                        <p:cond delay="indefinite"/>
-                      </p:stCondLst>
-                      <p:childTnLst>
-                        <p:par>
-                          <p:cTn id="28" fill="hold">
-                            <p:stCondLst>
-                              <p:cond delay="0"/>
-                            </p:stCondLst>
-                            <p:childTnLst>
-                              <p:par>
-                                <p:cTn id="29" presetID="1" presetClass="entr" presetSubtype="0" fill="hold" grpId="0" nodeType="clickEffect">
-                                  <p:stCondLst>
-                                    <p:cond delay="0"/>
-                                  </p:stCondLst>
-                                  <p:childTnLst>
-                                    <p:set>
-                                      <p:cBhvr>
-                                        <p:cTn id="30" dur="1" fill="hold">
-                                          <p:stCondLst>
-                                            <p:cond delay="0"/>
-                                          </p:stCondLst>
-                                        </p:cTn>
-                                        <p:tgtEl>
-                                          <p:spTgt spid="7">
-                                            <p:graphicEl>
-                                              <a:dgm id="{E3E19B79-D9B5-4707-BEB5-7FF17CDF4FA2}"/>
-                                            </p:graphicEl>
-                                          </p:spTgt>
-                                        </p:tgtEl>
-                                        <p:attrNameLst>
-                                          <p:attrName>style.visibility</p:attrName>
-                                        </p:attrNameLst>
-                                      </p:cBhvr>
-                                      <p:to>
-                                        <p:strVal val="visible"/>
-                                      </p:to>
-                                    </p:set>
-                                  </p:childTnLst>
-                                </p:cTn>
-                              </p:par>
-                              <p:par>
-                                <p:cTn id="31" presetID="1" presetClass="entr" presetSubtype="0" fill="hold" grpId="0" nodeType="withEffect">
-                                  <p:stCondLst>
-                                    <p:cond delay="0"/>
-                                  </p:stCondLst>
-                                  <p:childTnLst>
-                                    <p:set>
-                                      <p:cBhvr>
-                                        <p:cTn id="32" dur="1" fill="hold">
-                                          <p:stCondLst>
-                                            <p:cond delay="0"/>
-                                          </p:stCondLst>
-                                        </p:cTn>
-                                        <p:tgtEl>
-                                          <p:spTgt spid="7">
-                                            <p:graphicEl>
-                                              <a:dgm id="{AD526DE3-488E-4A38-AD2E-0470F36F5FD8}"/>
-                                            </p:graphicEl>
-                                          </p:spTgt>
-                                        </p:tgtEl>
-                                        <p:attrNameLst>
-                                          <p:attrName>style.visibility</p:attrName>
-                                        </p:attrNameLst>
-                                      </p:cBhvr>
-                                      <p:to>
-                                        <p:strVal val="visible"/>
-                                      </p:to>
-                                    </p:set>
-                                  </p:childTnLst>
-                                </p:cTn>
-                              </p:par>
-                            </p:childTnLst>
-                          </p:cTn>
-                        </p:par>
-                      </p:childTnLst>
-                    </p:cTn>
-                  </p:par>
-                  <p:par>
-                    <p:cTn id="33" fill="hold">
-                      <p:stCondLst>
-                        <p:cond delay="indefinite"/>
-                      </p:stCondLst>
-                      <p:childTnLst>
-                        <p:par>
-                          <p:cTn id="34" fill="hold">
-                            <p:stCondLst>
-                              <p:cond delay="0"/>
-                            </p:stCondLst>
-                            <p:childTnLst>
-                              <p:par>
-                                <p:cTn id="35" presetID="1" presetClass="entr" presetSubtype="0" fill="hold" grpId="0" nodeType="clickEffect">
-                                  <p:stCondLst>
-                                    <p:cond delay="0"/>
-                                  </p:stCondLst>
-                                  <p:childTnLst>
-                                    <p:set>
-                                      <p:cBhvr>
-                                        <p:cTn id="36" dur="1" fill="hold">
-                                          <p:stCondLst>
-                                            <p:cond delay="0"/>
-                                          </p:stCondLst>
-                                        </p:cTn>
-                                        <p:tgtEl>
-                                          <p:spTgt spid="7">
-                                            <p:graphicEl>
-                                              <a:dgm id="{950A159B-7EAC-4EC8-876B-457FAC40B536}"/>
-                                            </p:graphicEl>
-                                          </p:spTgt>
-                                        </p:tgtEl>
-                                        <p:attrNameLst>
-                                          <p:attrName>style.visibility</p:attrName>
-                                        </p:attrNameLst>
-                                      </p:cBhvr>
-                                      <p:to>
-                                        <p:strVal val="visible"/>
-                                      </p:to>
-                                    </p:set>
-                                  </p:childTnLst>
-                                </p:cTn>
-                              </p:par>
-                              <p:par>
-                                <p:cTn id="37" presetID="1" presetClass="entr" presetSubtype="0" fill="hold" grpId="0" nodeType="withEffect">
-                                  <p:stCondLst>
-                                    <p:cond delay="0"/>
-                                  </p:stCondLst>
-                                  <p:childTnLst>
-                                    <p:set>
-                                      <p:cBhvr>
-                                        <p:cTn id="38" dur="1" fill="hold">
-                                          <p:stCondLst>
-                                            <p:cond delay="0"/>
-                                          </p:stCondLst>
-                                        </p:cTn>
-                                        <p:tgtEl>
-                                          <p:spTgt spid="7">
-                                            <p:graphicEl>
-                                              <a:dgm id="{875E3871-0962-49CB-809B-73BD9F6B86E8}"/>
-                                            </p:graphicEl>
-                                          </p:spTgt>
-                                        </p:tgtEl>
-                                        <p:attrNameLst>
-                                          <p:attrName>style.visibility</p:attrName>
-                                        </p:attrNameLst>
-                                      </p:cBhvr>
-                                      <p:to>
-                                        <p:strVal val="visible"/>
-                                      </p:to>
-                                    </p:set>
-                                  </p:childTnLst>
-                                </p:cTn>
-                              </p:par>
-                            </p:childTnLst>
-                          </p:cTn>
-                        </p:par>
-                      </p:childTnLst>
-                    </p:cTn>
-                  </p:par>
-                </p:childTnLst>
-              </p:cTn>
-              <p:prevCondLst>
-                <p:cond evt="onPrev" delay="0">
-                  <p:tgtEl>
-                    <p:sldTgt/>
-                  </p:tgtEl>
-                </p:cond>
-              </p:prevCondLst>
-              <p:nextCondLst>
-                <p:cond evt="onNext" delay="0">
-                  <p:tgtEl>
-                    <p:sldTgt/>
-                  </p:tgtEl>
-                </p:cond>
-              </p:nextCondLst>
-            </p:seq>
-          </p:childTnLst>
-        </p:cTn>
-      </p:par>
-    </p:tnLst>
-    <p:bldLst>
-      <p:bldGraphic spid="7" grpId="0">
-        <p:bldSub>
-          <a:bldDgm bld="one"/>
-        </p:bldSub>
-      </p:bldGraphic>
-    </p:bldLst>
-  </p:timing>
 </p:sld>
 </file>
 
 <file path=ppt/slides/slide5.xml><?xml version="1.0" encoding="utf-8"?>
 <p:sld xmlns:a="http://schemas.openxmlformats.org/drawingml/2006/main" xmlns:r="http://schemas.openxmlformats.org/officeDocument/2006/relationships" xmlns:p="http://schemas.openxmlformats.org/presentationml/2006/main">
   <p:cSld>
+    <p:bg>
+      <p:bgPr>
+        <a:solidFill>
+          <a:schemeClr val="bg1"/>
+        </a:solidFill>
+        <a:effectLst/>
+      </p:bgPr>
+    </p:bg>
     <p:spTree>
       <p:nvGrpSpPr>
         <p:cNvPr id="1" name=""/>
@@ -38026,6 +37317,487 @@
       </p:grpSpPr>
       <p:sp>
         <p:nvSpPr>
+          <p:cNvPr id="11" name="Freeform: Shape 10">
+            <a:extLst>
+              <a:ext uri="{FF2B5EF4-FFF2-40B4-BE49-F238E27FC236}">
+                <a16:creationId xmlns:a16="http://schemas.microsoft.com/office/drawing/2014/main" id="{46C2E80F-49A6-4372-B103-219D417A55ED}"/>
+              </a:ext>
+              <a:ext uri="{C183D7F6-B498-43B3-948B-1728B52AA6E4}">
+                <adec:decorative xmlns:adec="http://schemas.microsoft.com/office/drawing/2017/decorative" val="1"/>
+              </a:ext>
+            </a:extLst>
+          </p:cNvPr>
+          <p:cNvSpPr>
+            <a:spLocks noGrp="1" noRot="1" noChangeAspect="1" noMove="1" noResize="1" noEditPoints="1" noAdjustHandles="1" noChangeArrowheads="1" noChangeShapeType="1" noTextEdit="1"/>
+          </p:cNvSpPr>
+          <p:nvPr>
+            <p:extLst>
+              <p:ext uri="{386F3935-93C4-4BCD-93E2-E3B085C9AB24}">
+                <p16:designElem xmlns:p16="http://schemas.microsoft.com/office/powerpoint/2015/main" val="1"/>
+              </p:ext>
+            </p:extLst>
+          </p:nvPr>
+        </p:nvSpPr>
+        <p:spPr>
+          <a:xfrm>
+            <a:off x="484096" y="470925"/>
+            <a:ext cx="4381009" cy="5892104"/>
+          </a:xfrm>
+          <a:custGeom>
+            <a:avLst/>
+            <a:gdLst>
+              <a:gd name="connsiteX0" fmla="*/ 0 w 4381009"/>
+              <a:gd name="connsiteY0" fmla="*/ 0 h 5892104"/>
+              <a:gd name="connsiteX1" fmla="*/ 4157628 w 4381009"/>
+              <a:gd name="connsiteY1" fmla="*/ 0 h 5892104"/>
+              <a:gd name="connsiteX2" fmla="*/ 4169302 w 4381009"/>
+              <a:gd name="connsiteY2" fmla="*/ 68659 h 5892104"/>
+              <a:gd name="connsiteX3" fmla="*/ 4191571 w 4381009"/>
+              <a:gd name="connsiteY3" fmla="*/ 205472 h 5892104"/>
+              <a:gd name="connsiteX4" fmla="*/ 4213368 w 4381009"/>
+              <a:gd name="connsiteY4" fmla="*/ 342890 h 5892104"/>
+              <a:gd name="connsiteX5" fmla="*/ 4232030 w 4381009"/>
+              <a:gd name="connsiteY5" fmla="*/ 480913 h 5892104"/>
+              <a:gd name="connsiteX6" fmla="*/ 4250848 w 4381009"/>
+              <a:gd name="connsiteY6" fmla="*/ 618332 h 5892104"/>
+              <a:gd name="connsiteX7" fmla="*/ 4268412 w 4381009"/>
+              <a:gd name="connsiteY7" fmla="*/ 756355 h 5892104"/>
+              <a:gd name="connsiteX8" fmla="*/ 4283467 w 4381009"/>
+              <a:gd name="connsiteY8" fmla="*/ 892563 h 5892104"/>
+              <a:gd name="connsiteX9" fmla="*/ 4297737 w 4381009"/>
+              <a:gd name="connsiteY9" fmla="*/ 1030587 h 5892104"/>
+              <a:gd name="connsiteX10" fmla="*/ 4310754 w 4381009"/>
+              <a:gd name="connsiteY10" fmla="*/ 1168005 h 5892104"/>
+              <a:gd name="connsiteX11" fmla="*/ 4322045 w 4381009"/>
+              <a:gd name="connsiteY11" fmla="*/ 1303002 h 5892104"/>
+              <a:gd name="connsiteX12" fmla="*/ 4333336 w 4381009"/>
+              <a:gd name="connsiteY12" fmla="*/ 1439815 h 5892104"/>
+              <a:gd name="connsiteX13" fmla="*/ 4342745 w 4381009"/>
+              <a:gd name="connsiteY13" fmla="*/ 1574812 h 5892104"/>
+              <a:gd name="connsiteX14" fmla="*/ 4350115 w 4381009"/>
+              <a:gd name="connsiteY14" fmla="*/ 1709808 h 5892104"/>
+              <a:gd name="connsiteX15" fmla="*/ 4357799 w 4381009"/>
+              <a:gd name="connsiteY15" fmla="*/ 1844200 h 5892104"/>
+              <a:gd name="connsiteX16" fmla="*/ 4364229 w 4381009"/>
+              <a:gd name="connsiteY16" fmla="*/ 1977381 h 5892104"/>
+              <a:gd name="connsiteX17" fmla="*/ 4368777 w 4381009"/>
+              <a:gd name="connsiteY17" fmla="*/ 2109351 h 5892104"/>
+              <a:gd name="connsiteX18" fmla="*/ 4372697 w 4381009"/>
+              <a:gd name="connsiteY18" fmla="*/ 2241321 h 5892104"/>
+              <a:gd name="connsiteX19" fmla="*/ 4376461 w 4381009"/>
+              <a:gd name="connsiteY19" fmla="*/ 2372080 h 5892104"/>
+              <a:gd name="connsiteX20" fmla="*/ 4378186 w 4381009"/>
+              <a:gd name="connsiteY20" fmla="*/ 2501023 h 5892104"/>
+              <a:gd name="connsiteX21" fmla="*/ 4380068 w 4381009"/>
+              <a:gd name="connsiteY21" fmla="*/ 2629966 h 5892104"/>
+              <a:gd name="connsiteX22" fmla="*/ 4381009 w 4381009"/>
+              <a:gd name="connsiteY22" fmla="*/ 2757093 h 5892104"/>
+              <a:gd name="connsiteX23" fmla="*/ 4380068 w 4381009"/>
+              <a:gd name="connsiteY23" fmla="*/ 2883010 h 5892104"/>
+              <a:gd name="connsiteX24" fmla="*/ 4380068 w 4381009"/>
+              <a:gd name="connsiteY24" fmla="*/ 3007715 h 5892104"/>
+              <a:gd name="connsiteX25" fmla="*/ 4378186 w 4381009"/>
+              <a:gd name="connsiteY25" fmla="*/ 3131210 h 5892104"/>
+              <a:gd name="connsiteX26" fmla="*/ 4375363 w 4381009"/>
+              <a:gd name="connsiteY26" fmla="*/ 3252283 h 5892104"/>
+              <a:gd name="connsiteX27" fmla="*/ 4372697 w 4381009"/>
+              <a:gd name="connsiteY27" fmla="*/ 3372146 h 5892104"/>
+              <a:gd name="connsiteX28" fmla="*/ 4369718 w 4381009"/>
+              <a:gd name="connsiteY28" fmla="*/ 3489587 h 5892104"/>
+              <a:gd name="connsiteX29" fmla="*/ 4365170 w 4381009"/>
+              <a:gd name="connsiteY29" fmla="*/ 3606423 h 5892104"/>
+              <a:gd name="connsiteX30" fmla="*/ 4360309 w 4381009"/>
+              <a:gd name="connsiteY30" fmla="*/ 3721443 h 5892104"/>
+              <a:gd name="connsiteX31" fmla="*/ 4355918 w 4381009"/>
+              <a:gd name="connsiteY31" fmla="*/ 3834041 h 5892104"/>
+              <a:gd name="connsiteX32" fmla="*/ 4343529 w 4381009"/>
+              <a:gd name="connsiteY32" fmla="*/ 4053789 h 5892104"/>
+              <a:gd name="connsiteX33" fmla="*/ 4330356 w 4381009"/>
+              <a:gd name="connsiteY33" fmla="*/ 4264457 h 5892104"/>
+              <a:gd name="connsiteX34" fmla="*/ 4316556 w 4381009"/>
+              <a:gd name="connsiteY34" fmla="*/ 4466650 h 5892104"/>
+              <a:gd name="connsiteX35" fmla="*/ 4301344 w 4381009"/>
+              <a:gd name="connsiteY35" fmla="*/ 4657946 h 5892104"/>
+              <a:gd name="connsiteX36" fmla="*/ 4285506 w 4381009"/>
+              <a:gd name="connsiteY36" fmla="*/ 4840767 h 5892104"/>
+              <a:gd name="connsiteX37" fmla="*/ 4268412 w 4381009"/>
+              <a:gd name="connsiteY37" fmla="*/ 5010269 h 5892104"/>
+              <a:gd name="connsiteX38" fmla="*/ 4251633 w 4381009"/>
+              <a:gd name="connsiteY38" fmla="*/ 5169481 h 5892104"/>
+              <a:gd name="connsiteX39" fmla="*/ 4234853 w 4381009"/>
+              <a:gd name="connsiteY39" fmla="*/ 5315980 h 5892104"/>
+              <a:gd name="connsiteX40" fmla="*/ 4219014 w 4381009"/>
+              <a:gd name="connsiteY40" fmla="*/ 5450371 h 5892104"/>
+              <a:gd name="connsiteX41" fmla="*/ 4203959 w 4381009"/>
+              <a:gd name="connsiteY41" fmla="*/ 5569628 h 5892104"/>
+              <a:gd name="connsiteX42" fmla="*/ 4189689 w 4381009"/>
+              <a:gd name="connsiteY42" fmla="*/ 5677384 h 5892104"/>
+              <a:gd name="connsiteX43" fmla="*/ 4177770 w 4381009"/>
+              <a:gd name="connsiteY43" fmla="*/ 5768189 h 5892104"/>
+              <a:gd name="connsiteX44" fmla="*/ 4166479 w 4381009"/>
+              <a:gd name="connsiteY44" fmla="*/ 5844465 h 5892104"/>
+              <a:gd name="connsiteX45" fmla="*/ 4159132 w 4381009"/>
+              <a:gd name="connsiteY45" fmla="*/ 5892104 h 5892104"/>
+              <a:gd name="connsiteX46" fmla="*/ 0 w 4381009"/>
+              <a:gd name="connsiteY46" fmla="*/ 5892104 h 5892104"/>
+            </a:gdLst>
+            <a:ahLst/>
+            <a:cxnLst>
+              <a:cxn ang="0">
+                <a:pos x="connsiteX0" y="connsiteY0"/>
+              </a:cxn>
+              <a:cxn ang="0">
+                <a:pos x="connsiteX1" y="connsiteY1"/>
+              </a:cxn>
+              <a:cxn ang="0">
+                <a:pos x="connsiteX2" y="connsiteY2"/>
+              </a:cxn>
+              <a:cxn ang="0">
+                <a:pos x="connsiteX3" y="connsiteY3"/>
+              </a:cxn>
+              <a:cxn ang="0">
+                <a:pos x="connsiteX4" y="connsiteY4"/>
+              </a:cxn>
+              <a:cxn ang="0">
+                <a:pos x="connsiteX5" y="connsiteY5"/>
+              </a:cxn>
+              <a:cxn ang="0">
+                <a:pos x="connsiteX6" y="connsiteY6"/>
+              </a:cxn>
+              <a:cxn ang="0">
+                <a:pos x="connsiteX7" y="connsiteY7"/>
+              </a:cxn>
+              <a:cxn ang="0">
+                <a:pos x="connsiteX8" y="connsiteY8"/>
+              </a:cxn>
+              <a:cxn ang="0">
+                <a:pos x="connsiteX9" y="connsiteY9"/>
+              </a:cxn>
+              <a:cxn ang="0">
+                <a:pos x="connsiteX10" y="connsiteY10"/>
+              </a:cxn>
+              <a:cxn ang="0">
+                <a:pos x="connsiteX11" y="connsiteY11"/>
+              </a:cxn>
+              <a:cxn ang="0">
+                <a:pos x="connsiteX12" y="connsiteY12"/>
+              </a:cxn>
+              <a:cxn ang="0">
+                <a:pos x="connsiteX13" y="connsiteY13"/>
+              </a:cxn>
+              <a:cxn ang="0">
+                <a:pos x="connsiteX14" y="connsiteY14"/>
+              </a:cxn>
+              <a:cxn ang="0">
+                <a:pos x="connsiteX15" y="connsiteY15"/>
+              </a:cxn>
+              <a:cxn ang="0">
+                <a:pos x="connsiteX16" y="connsiteY16"/>
+              </a:cxn>
+              <a:cxn ang="0">
+                <a:pos x="connsiteX17" y="connsiteY17"/>
+              </a:cxn>
+              <a:cxn ang="0">
+                <a:pos x="connsiteX18" y="connsiteY18"/>
+              </a:cxn>
+              <a:cxn ang="0">
+                <a:pos x="connsiteX19" y="connsiteY19"/>
+              </a:cxn>
+              <a:cxn ang="0">
+                <a:pos x="connsiteX20" y="connsiteY20"/>
+              </a:cxn>
+              <a:cxn ang="0">
+                <a:pos x="connsiteX21" y="connsiteY21"/>
+              </a:cxn>
+              <a:cxn ang="0">
+                <a:pos x="connsiteX22" y="connsiteY22"/>
+              </a:cxn>
+              <a:cxn ang="0">
+                <a:pos x="connsiteX23" y="connsiteY23"/>
+              </a:cxn>
+              <a:cxn ang="0">
+                <a:pos x="connsiteX24" y="connsiteY24"/>
+              </a:cxn>
+              <a:cxn ang="0">
+                <a:pos x="connsiteX25" y="connsiteY25"/>
+              </a:cxn>
+              <a:cxn ang="0">
+                <a:pos x="connsiteX26" y="connsiteY26"/>
+              </a:cxn>
+              <a:cxn ang="0">
+                <a:pos x="connsiteX27" y="connsiteY27"/>
+              </a:cxn>
+              <a:cxn ang="0">
+                <a:pos x="connsiteX28" y="connsiteY28"/>
+              </a:cxn>
+              <a:cxn ang="0">
+                <a:pos x="connsiteX29" y="connsiteY29"/>
+              </a:cxn>
+              <a:cxn ang="0">
+                <a:pos x="connsiteX30" y="connsiteY30"/>
+              </a:cxn>
+              <a:cxn ang="0">
+                <a:pos x="connsiteX31" y="connsiteY31"/>
+              </a:cxn>
+              <a:cxn ang="0">
+                <a:pos x="connsiteX32" y="connsiteY32"/>
+              </a:cxn>
+              <a:cxn ang="0">
+                <a:pos x="connsiteX33" y="connsiteY33"/>
+              </a:cxn>
+              <a:cxn ang="0">
+                <a:pos x="connsiteX34" y="connsiteY34"/>
+              </a:cxn>
+              <a:cxn ang="0">
+                <a:pos x="connsiteX35" y="connsiteY35"/>
+              </a:cxn>
+              <a:cxn ang="0">
+                <a:pos x="connsiteX36" y="connsiteY36"/>
+              </a:cxn>
+              <a:cxn ang="0">
+                <a:pos x="connsiteX37" y="connsiteY37"/>
+              </a:cxn>
+              <a:cxn ang="0">
+                <a:pos x="connsiteX38" y="connsiteY38"/>
+              </a:cxn>
+              <a:cxn ang="0">
+                <a:pos x="connsiteX39" y="connsiteY39"/>
+              </a:cxn>
+              <a:cxn ang="0">
+                <a:pos x="connsiteX40" y="connsiteY40"/>
+              </a:cxn>
+              <a:cxn ang="0">
+                <a:pos x="connsiteX41" y="connsiteY41"/>
+              </a:cxn>
+              <a:cxn ang="0">
+                <a:pos x="connsiteX42" y="connsiteY42"/>
+              </a:cxn>
+              <a:cxn ang="0">
+                <a:pos x="connsiteX43" y="connsiteY43"/>
+              </a:cxn>
+              <a:cxn ang="0">
+                <a:pos x="connsiteX44" y="connsiteY44"/>
+              </a:cxn>
+              <a:cxn ang="0">
+                <a:pos x="connsiteX45" y="connsiteY45"/>
+              </a:cxn>
+              <a:cxn ang="0">
+                <a:pos x="connsiteX46" y="connsiteY46"/>
+              </a:cxn>
+            </a:cxnLst>
+            <a:rect l="l" t="t" r="r" b="b"/>
+            <a:pathLst>
+              <a:path w="4381009" h="5892104">
+                <a:moveTo>
+                  <a:pt x="0" y="0"/>
+                </a:moveTo>
+                <a:lnTo>
+                  <a:pt x="4157628" y="0"/>
+                </a:lnTo>
+                <a:lnTo>
+                  <a:pt x="4169302" y="68659"/>
+                </a:lnTo>
+                <a:lnTo>
+                  <a:pt x="4191571" y="205472"/>
+                </a:lnTo>
+                <a:lnTo>
+                  <a:pt x="4213368" y="342890"/>
+                </a:lnTo>
+                <a:lnTo>
+                  <a:pt x="4232030" y="480913"/>
+                </a:lnTo>
+                <a:lnTo>
+                  <a:pt x="4250848" y="618332"/>
+                </a:lnTo>
+                <a:lnTo>
+                  <a:pt x="4268412" y="756355"/>
+                </a:lnTo>
+                <a:lnTo>
+                  <a:pt x="4283467" y="892563"/>
+                </a:lnTo>
+                <a:lnTo>
+                  <a:pt x="4297737" y="1030587"/>
+                </a:lnTo>
+                <a:lnTo>
+                  <a:pt x="4310754" y="1168005"/>
+                </a:lnTo>
+                <a:lnTo>
+                  <a:pt x="4322045" y="1303002"/>
+                </a:lnTo>
+                <a:lnTo>
+                  <a:pt x="4333336" y="1439815"/>
+                </a:lnTo>
+                <a:lnTo>
+                  <a:pt x="4342745" y="1574812"/>
+                </a:lnTo>
+                <a:lnTo>
+                  <a:pt x="4350115" y="1709808"/>
+                </a:lnTo>
+                <a:lnTo>
+                  <a:pt x="4357799" y="1844200"/>
+                </a:lnTo>
+                <a:lnTo>
+                  <a:pt x="4364229" y="1977381"/>
+                </a:lnTo>
+                <a:lnTo>
+                  <a:pt x="4368777" y="2109351"/>
+                </a:lnTo>
+                <a:lnTo>
+                  <a:pt x="4372697" y="2241321"/>
+                </a:lnTo>
+                <a:lnTo>
+                  <a:pt x="4376461" y="2372080"/>
+                </a:lnTo>
+                <a:lnTo>
+                  <a:pt x="4378186" y="2501023"/>
+                </a:lnTo>
+                <a:lnTo>
+                  <a:pt x="4380068" y="2629966"/>
+                </a:lnTo>
+                <a:lnTo>
+                  <a:pt x="4381009" y="2757093"/>
+                </a:lnTo>
+                <a:lnTo>
+                  <a:pt x="4380068" y="2883010"/>
+                </a:lnTo>
+                <a:lnTo>
+                  <a:pt x="4380068" y="3007715"/>
+                </a:lnTo>
+                <a:lnTo>
+                  <a:pt x="4378186" y="3131210"/>
+                </a:lnTo>
+                <a:lnTo>
+                  <a:pt x="4375363" y="3252283"/>
+                </a:lnTo>
+                <a:lnTo>
+                  <a:pt x="4372697" y="3372146"/>
+                </a:lnTo>
+                <a:lnTo>
+                  <a:pt x="4369718" y="3489587"/>
+                </a:lnTo>
+                <a:lnTo>
+                  <a:pt x="4365170" y="3606423"/>
+                </a:lnTo>
+                <a:lnTo>
+                  <a:pt x="4360309" y="3721443"/>
+                </a:lnTo>
+                <a:lnTo>
+                  <a:pt x="4355918" y="3834041"/>
+                </a:lnTo>
+                <a:lnTo>
+                  <a:pt x="4343529" y="4053789"/>
+                </a:lnTo>
+                <a:lnTo>
+                  <a:pt x="4330356" y="4264457"/>
+                </a:lnTo>
+                <a:lnTo>
+                  <a:pt x="4316556" y="4466650"/>
+                </a:lnTo>
+                <a:lnTo>
+                  <a:pt x="4301344" y="4657946"/>
+                </a:lnTo>
+                <a:lnTo>
+                  <a:pt x="4285506" y="4840767"/>
+                </a:lnTo>
+                <a:lnTo>
+                  <a:pt x="4268412" y="5010269"/>
+                </a:lnTo>
+                <a:lnTo>
+                  <a:pt x="4251633" y="5169481"/>
+                </a:lnTo>
+                <a:lnTo>
+                  <a:pt x="4234853" y="5315980"/>
+                </a:lnTo>
+                <a:lnTo>
+                  <a:pt x="4219014" y="5450371"/>
+                </a:lnTo>
+                <a:lnTo>
+                  <a:pt x="4203959" y="5569628"/>
+                </a:lnTo>
+                <a:lnTo>
+                  <a:pt x="4189689" y="5677384"/>
+                </a:lnTo>
+                <a:lnTo>
+                  <a:pt x="4177770" y="5768189"/>
+                </a:lnTo>
+                <a:lnTo>
+                  <a:pt x="4166479" y="5844465"/>
+                </a:lnTo>
+                <a:lnTo>
+                  <a:pt x="4159132" y="5892104"/>
+                </a:lnTo>
+                <a:lnTo>
+                  <a:pt x="0" y="5892104"/>
+                </a:lnTo>
+                <a:close/>
+              </a:path>
+            </a:pathLst>
+          </a:custGeom>
+          <a:solidFill>
+            <a:srgbClr val="404040"/>
+          </a:solidFill>
+          <a:ln>
+            <a:noFill/>
+          </a:ln>
+        </p:spPr>
+        <p:style>
+          <a:lnRef idx="2">
+            <a:schemeClr val="accent1">
+              <a:shade val="50000"/>
+            </a:schemeClr>
+          </a:lnRef>
+          <a:fillRef idx="1">
+            <a:schemeClr val="accent1"/>
+          </a:fillRef>
+          <a:effectRef idx="0">
+            <a:schemeClr val="accent1"/>
+          </a:effectRef>
+          <a:fontRef idx="minor">
+            <a:schemeClr val="lt1"/>
+          </a:fontRef>
+        </p:style>
+        <p:txBody>
+          <a:bodyPr wrap="square" rtlCol="0" anchor="ctr">
+            <a:noAutofit/>
+          </a:bodyPr>
+          <a:lstStyle/>
+          <a:p>
+            <a:pPr marL="0" marR="0" lvl="0" indent="0" algn="ctr" defTabSz="457200" rtl="0" eaLnBrk="1" fontAlgn="auto" latinLnBrk="0" hangingPunct="1">
+              <a:lnSpc>
+                <a:spcPct val="100000"/>
+              </a:lnSpc>
+              <a:spcBef>
+                <a:spcPts val="0"/>
+              </a:spcBef>
+              <a:spcAft>
+                <a:spcPts val="0"/>
+              </a:spcAft>
+              <a:buClrTx/>
+              <a:buSzTx/>
+              <a:buFontTx/>
+              <a:buNone/>
+              <a:tabLst/>
+              <a:defRPr/>
+            </a:pPr>
+            <a:endParaRPr kumimoji="0" lang="en-US" sz="1800" b="0" i="0" u="none" strike="noStrike" kern="1200" cap="none" spc="0" normalizeH="0" baseline="0" noProof="0">
+              <a:ln>
+                <a:noFill/>
+              </a:ln>
+              <a:solidFill>
+                <a:prstClr val="white"/>
+              </a:solidFill>
+              <a:effectLst/>
+              <a:uLnTx/>
+              <a:uFillTx/>
+              <a:latin typeface="Calibri" panose="020F0502020204030204"/>
+              <a:ea typeface="+mn-ea"/>
+              <a:cs typeface="+mn-cs"/>
+            </a:endParaRPr>
+          </a:p>
+        </p:txBody>
+      </p:sp>
+      <p:sp>
+        <p:nvSpPr>
           <p:cNvPr id="2" name="Title 1">
             <a:extLst>
               <a:ext uri="{FF2B5EF4-FFF2-40B4-BE49-F238E27FC236}">
@@ -38040,15 +37812,84 @@
             <p:ph type="title"/>
           </p:nvPr>
         </p:nvSpPr>
-        <p:spPr/>
+        <p:spPr>
+          <a:xfrm>
+            <a:off x="863029" y="1012004"/>
+            <a:ext cx="3416158" cy="4795408"/>
+          </a:xfrm>
+        </p:spPr>
         <p:txBody>
-          <a:bodyPr/>
+          <a:bodyPr>
+            <a:normAutofit/>
+          </a:bodyPr>
           <a:lstStyle/>
           <a:p>
             <a:r>
-              <a:rPr lang="en-US" dirty="0"/>
-              <a:t>Uses as a Developer</a:t>
+              <a:rPr lang="en-US" dirty="0">
+                <a:solidFill>
+                  <a:srgbClr val="FFFFFF"/>
+                </a:solidFill>
+              </a:rPr>
+              <a:t>PowerShell and Me</a:t>
             </a:r>
+          </a:p>
+        </p:txBody>
+      </p:sp>
+      <p:sp>
+        <p:nvSpPr>
+          <p:cNvPr id="4" name="Slide Number Placeholder 3">
+            <a:extLst>
+              <a:ext uri="{FF2B5EF4-FFF2-40B4-BE49-F238E27FC236}">
+                <a16:creationId xmlns:a16="http://schemas.microsoft.com/office/drawing/2014/main" id="{3C8ED4C0-F1BA-4121-B6E1-7CE27A64CC72}"/>
+              </a:ext>
+            </a:extLst>
+          </p:cNvPr>
+          <p:cNvSpPr>
+            <a:spLocks noGrp="1"/>
+          </p:cNvSpPr>
+          <p:nvPr>
+            <p:ph type="sldNum" sz="quarter" idx="12"/>
+          </p:nvPr>
+        </p:nvSpPr>
+        <p:spPr>
+          <a:xfrm>
+            <a:off x="10726220" y="6356350"/>
+            <a:ext cx="627580" cy="365125"/>
+          </a:xfrm>
+        </p:spPr>
+        <p:txBody>
+          <a:bodyPr>
+            <a:normAutofit/>
+          </a:bodyPr>
+          <a:lstStyle/>
+          <a:p>
+            <a:pPr>
+              <a:spcAft>
+                <a:spcPts val="600"/>
+              </a:spcAft>
+            </a:pPr>
+            <a:fld id="{13726FE4-A2DC-4B38-A9D9-4F364D3FF482}" type="slidenum">
+              <a:rPr lang="en-US">
+                <a:solidFill>
+                  <a:prstClr val="black">
+                    <a:tint val="75000"/>
+                  </a:prstClr>
+                </a:solidFill>
+              </a:rPr>
+              <a:pPr>
+                <a:spcAft>
+                  <a:spcPts val="600"/>
+                </a:spcAft>
+              </a:pPr>
+              <a:t>5</a:t>
+            </a:fld>
+            <a:endParaRPr lang="en-US">
+              <a:solidFill>
+                <a:prstClr val="black">
+                  <a:tint val="75000"/>
+                </a:prstClr>
+              </a:solidFill>
+            </a:endParaRPr>
           </a:p>
         </p:txBody>
       </p:sp>
@@ -38068,14 +37909,14 @@
             <p:ph idx="1"/>
             <p:extLst>
               <p:ext uri="{D42A27DB-BD31-4B8C-83A1-F6EECF244321}">
-                <p14:modId xmlns:p14="http://schemas.microsoft.com/office/powerpoint/2010/main" val="1404254163"/>
+                <p14:modId xmlns:p14="http://schemas.microsoft.com/office/powerpoint/2010/main" val="3857050946"/>
               </p:ext>
             </p:extLst>
           </p:nvPr>
         </p:nvGraphicFramePr>
         <p:xfrm>
-          <a:off x="838200" y="1825625"/>
-          <a:ext cx="10515600" cy="4351338"/>
+          <a:off x="5194300" y="470924"/>
+          <a:ext cx="6513604" cy="5885426"/>
         </p:xfrm>
         <a:graphic>
           <a:graphicData uri="http://schemas.openxmlformats.org/drawingml/2006/diagram">
@@ -38083,35 +37924,6 @@
           </a:graphicData>
         </a:graphic>
       </p:graphicFrame>
-      <p:sp>
-        <p:nvSpPr>
-          <p:cNvPr id="4" name="Slide Number Placeholder 3">
-            <a:extLst>
-              <a:ext uri="{FF2B5EF4-FFF2-40B4-BE49-F238E27FC236}">
-                <a16:creationId xmlns:a16="http://schemas.microsoft.com/office/drawing/2014/main" id="{3C8ED4C0-F1BA-4121-B6E1-7CE27A64CC72}"/>
-              </a:ext>
-            </a:extLst>
-          </p:cNvPr>
-          <p:cNvSpPr>
-            <a:spLocks noGrp="1"/>
-          </p:cNvSpPr>
-          <p:nvPr>
-            <p:ph type="sldNum" sz="quarter" idx="12"/>
-          </p:nvPr>
-        </p:nvSpPr>
-        <p:spPr/>
-        <p:txBody>
-          <a:bodyPr/>
-          <a:lstStyle/>
-          <a:p>
-            <a:fld id="{13726FE4-A2DC-4B38-A9D9-4F364D3FF482}" type="slidenum">
-              <a:rPr lang="en-US" smtClean="0"/>
-              <a:t>5</a:t>
-            </a:fld>
-            <a:endParaRPr lang="en-US"/>
-          </a:p>
-        </p:txBody>
-      </p:sp>
     </p:spTree>
     <p:extLst>
       <p:ext uri="{BB962C8B-B14F-4D97-AF65-F5344CB8AC3E}">
@@ -38466,7 +38278,7 @@
           <a:p>
             <a:r>
               <a:rPr lang="en-US" dirty="0"/>
-              <a:t>Why should I care about PowerShell?</a:t>
+              <a:t>PowerShell and You!</a:t>
             </a:r>
           </a:p>
         </p:txBody>
@@ -38486,7 +38298,7 @@
           <p:nvPr/>
         </p:nvPicPr>
         <p:blipFill>
-          <a:blip r:embed="rId2">
+          <a:blip r:embed="rId3">
             <a:extLst>
               <a:ext uri="{28A0092B-C50C-407E-A947-70E740481C1C}">
                 <a14:useLocalDpi xmlns:a14="http://schemas.microsoft.com/office/drawing/2010/main" val="0"/>
@@ -38518,37 +38330,6 @@
           </a:extLst>
         </p:spPr>
       </p:pic>
-      <p:graphicFrame>
-        <p:nvGraphicFramePr>
-          <p:cNvPr id="18" name="Content Placeholder 15">
-            <a:extLst>
-              <a:ext uri="{FF2B5EF4-FFF2-40B4-BE49-F238E27FC236}">
-                <a16:creationId xmlns:a16="http://schemas.microsoft.com/office/drawing/2014/main" id="{2FC1F325-B4D6-457A-9B68-5C736559CA58}"/>
-              </a:ext>
-            </a:extLst>
-          </p:cNvPr>
-          <p:cNvGraphicFramePr>
-            <a:graphicFrameLocks noGrp="1"/>
-          </p:cNvGraphicFramePr>
-          <p:nvPr>
-            <p:ph idx="1"/>
-            <p:extLst>
-              <p:ext uri="{D42A27DB-BD31-4B8C-83A1-F6EECF244321}">
-                <p14:modId xmlns:p14="http://schemas.microsoft.com/office/powerpoint/2010/main" val="583472270"/>
-              </p:ext>
-            </p:extLst>
-          </p:nvPr>
-        </p:nvGraphicFramePr>
-        <p:xfrm>
-          <a:off x="4387515" y="2022601"/>
-          <a:ext cx="7161017" cy="4154361"/>
-        </p:xfrm>
-        <a:graphic>
-          <a:graphicData uri="http://schemas.openxmlformats.org/drawingml/2006/diagram">
-            <dgm:relIds xmlns:dgm="http://schemas.openxmlformats.org/drawingml/2006/diagram" xmlns:r="http://schemas.openxmlformats.org/officeDocument/2006/relationships" r:dm="rId3" r:lo="rId4" r:qs="rId5" r:cs="rId6"/>
-          </a:graphicData>
-        </a:graphic>
-      </p:graphicFrame>
       <p:sp>
         <p:nvSpPr>
           <p:cNvPr id="3" name="Slide Number Placeholder 2">
@@ -38578,6 +38359,37 @@
           </a:p>
         </p:txBody>
       </p:sp>
+      <p:graphicFrame>
+        <p:nvGraphicFramePr>
+          <p:cNvPr id="6" name="Content Placeholder 5">
+            <a:extLst>
+              <a:ext uri="{FF2B5EF4-FFF2-40B4-BE49-F238E27FC236}">
+                <a16:creationId xmlns:a16="http://schemas.microsoft.com/office/drawing/2014/main" id="{A3FD948A-D75E-446E-8903-2E49F43BB410}"/>
+              </a:ext>
+            </a:extLst>
+          </p:cNvPr>
+          <p:cNvGraphicFramePr>
+            <a:graphicFrameLocks noGrp="1"/>
+          </p:cNvGraphicFramePr>
+          <p:nvPr>
+            <p:ph idx="1"/>
+            <p:extLst>
+              <p:ext uri="{D42A27DB-BD31-4B8C-83A1-F6EECF244321}">
+                <p14:modId xmlns:p14="http://schemas.microsoft.com/office/powerpoint/2010/main" val="3763621915"/>
+              </p:ext>
+            </p:extLst>
+          </p:nvPr>
+        </p:nvGraphicFramePr>
+        <p:xfrm>
+          <a:off x="4365625" y="1825625"/>
+          <a:ext cx="6988175" cy="4351338"/>
+        </p:xfrm>
+        <a:graphic>
+          <a:graphicData uri="http://schemas.openxmlformats.org/drawingml/2006/diagram">
+            <dgm:relIds xmlns:dgm="http://schemas.openxmlformats.org/drawingml/2006/diagram" xmlns:r="http://schemas.openxmlformats.org/officeDocument/2006/relationships" r:dm="rId4" r:lo="rId5" r:qs="rId6" r:cs="rId7"/>
+          </a:graphicData>
+        </a:graphic>
+      </p:graphicFrame>
     </p:spTree>
     <p:extLst>
       <p:ext uri="{BB962C8B-B14F-4D97-AF65-F5344CB8AC3E}">
@@ -38588,283 +38400,6 @@
   <p:clrMapOvr>
     <a:overrideClrMapping bg1="dk1" tx1="lt1" bg2="dk2" tx2="lt2" accent1="accent1" accent2="accent2" accent3="accent3" accent4="accent4" accent5="accent5" accent6="accent6" hlink="hlink" folHlink="folHlink"/>
   </p:clrMapOvr>
-  <p:timing>
-    <p:tnLst>
-      <p:par>
-        <p:cTn id="1" dur="indefinite" restart="never" nodeType="tmRoot">
-          <p:childTnLst>
-            <p:seq concurrent="1" nextAc="seek">
-              <p:cTn id="2" dur="indefinite" nodeType="mainSeq">
-                <p:childTnLst>
-                  <p:par>
-                    <p:cTn id="3" fill="hold">
-                      <p:stCondLst>
-                        <p:cond delay="indefinite"/>
-                      </p:stCondLst>
-                      <p:childTnLst>
-                        <p:par>
-                          <p:cTn id="4" fill="hold">
-                            <p:stCondLst>
-                              <p:cond delay="0"/>
-                            </p:stCondLst>
-                            <p:childTnLst>
-                              <p:par>
-                                <p:cTn id="5" presetID="1" presetClass="entr" presetSubtype="0" fill="hold" grpId="0" nodeType="clickEffect">
-                                  <p:stCondLst>
-                                    <p:cond delay="0"/>
-                                  </p:stCondLst>
-                                  <p:childTnLst>
-                                    <p:set>
-                                      <p:cBhvr>
-                                        <p:cTn id="6" dur="1" fill="hold">
-                                          <p:stCondLst>
-                                            <p:cond delay="0"/>
-                                          </p:stCondLst>
-                                        </p:cTn>
-                                        <p:tgtEl>
-                                          <p:spTgt spid="18">
-                                            <p:graphicEl>
-                                              <a:dgm id="{61C3D1BF-5B90-44F9-B121-565CAF5B7392}"/>
-                                            </p:graphicEl>
-                                          </p:spTgt>
-                                        </p:tgtEl>
-                                        <p:attrNameLst>
-                                          <p:attrName>style.visibility</p:attrName>
-                                        </p:attrNameLst>
-                                      </p:cBhvr>
-                                      <p:to>
-                                        <p:strVal val="visible"/>
-                                      </p:to>
-                                    </p:set>
-                                  </p:childTnLst>
-                                </p:cTn>
-                              </p:par>
-                              <p:par>
-                                <p:cTn id="7" presetID="1" presetClass="entr" presetSubtype="0" fill="hold" grpId="0" nodeType="withEffect">
-                                  <p:stCondLst>
-                                    <p:cond delay="0"/>
-                                  </p:stCondLst>
-                                  <p:childTnLst>
-                                    <p:set>
-                                      <p:cBhvr>
-                                        <p:cTn id="8" dur="1" fill="hold">
-                                          <p:stCondLst>
-                                            <p:cond delay="0"/>
-                                          </p:stCondLst>
-                                        </p:cTn>
-                                        <p:tgtEl>
-                                          <p:spTgt spid="18">
-                                            <p:graphicEl>
-                                              <a:dgm id="{54E93B1E-C886-4AA3-ADBE-90EFC59FEC20}"/>
-                                            </p:graphicEl>
-                                          </p:spTgt>
-                                        </p:tgtEl>
-                                        <p:attrNameLst>
-                                          <p:attrName>style.visibility</p:attrName>
-                                        </p:attrNameLst>
-                                      </p:cBhvr>
-                                      <p:to>
-                                        <p:strVal val="visible"/>
-                                      </p:to>
-                                    </p:set>
-                                  </p:childTnLst>
-                                </p:cTn>
-                              </p:par>
-                            </p:childTnLst>
-                          </p:cTn>
-                        </p:par>
-                      </p:childTnLst>
-                    </p:cTn>
-                  </p:par>
-                  <p:par>
-                    <p:cTn id="9" fill="hold">
-                      <p:stCondLst>
-                        <p:cond delay="indefinite"/>
-                      </p:stCondLst>
-                      <p:childTnLst>
-                        <p:par>
-                          <p:cTn id="10" fill="hold">
-                            <p:stCondLst>
-                              <p:cond delay="0"/>
-                            </p:stCondLst>
-                            <p:childTnLst>
-                              <p:par>
-                                <p:cTn id="11" presetID="1" presetClass="entr" presetSubtype="0" fill="hold" grpId="0" nodeType="clickEffect">
-                                  <p:stCondLst>
-                                    <p:cond delay="0"/>
-                                  </p:stCondLst>
-                                  <p:childTnLst>
-                                    <p:set>
-                                      <p:cBhvr>
-                                        <p:cTn id="12" dur="1" fill="hold">
-                                          <p:stCondLst>
-                                            <p:cond delay="0"/>
-                                          </p:stCondLst>
-                                        </p:cTn>
-                                        <p:tgtEl>
-                                          <p:spTgt spid="18">
-                                            <p:graphicEl>
-                                              <a:dgm id="{9D339993-68B1-4038-8700-D64983765C2D}"/>
-                                            </p:graphicEl>
-                                          </p:spTgt>
-                                        </p:tgtEl>
-                                        <p:attrNameLst>
-                                          <p:attrName>style.visibility</p:attrName>
-                                        </p:attrNameLst>
-                                      </p:cBhvr>
-                                      <p:to>
-                                        <p:strVal val="visible"/>
-                                      </p:to>
-                                    </p:set>
-                                  </p:childTnLst>
-                                </p:cTn>
-                              </p:par>
-                              <p:par>
-                                <p:cTn id="13" presetID="1" presetClass="entr" presetSubtype="0" fill="hold" grpId="0" nodeType="withEffect">
-                                  <p:stCondLst>
-                                    <p:cond delay="0"/>
-                                  </p:stCondLst>
-                                  <p:childTnLst>
-                                    <p:set>
-                                      <p:cBhvr>
-                                        <p:cTn id="14" dur="1" fill="hold">
-                                          <p:stCondLst>
-                                            <p:cond delay="0"/>
-                                          </p:stCondLst>
-                                        </p:cTn>
-                                        <p:tgtEl>
-                                          <p:spTgt spid="18">
-                                            <p:graphicEl>
-                                              <a:dgm id="{BC7E84E4-0CAC-466A-A2DB-2964783080A7}"/>
-                                            </p:graphicEl>
-                                          </p:spTgt>
-                                        </p:tgtEl>
-                                        <p:attrNameLst>
-                                          <p:attrName>style.visibility</p:attrName>
-                                        </p:attrNameLst>
-                                      </p:cBhvr>
-                                      <p:to>
-                                        <p:strVal val="visible"/>
-                                      </p:to>
-                                    </p:set>
-                                  </p:childTnLst>
-                                </p:cTn>
-                              </p:par>
-                            </p:childTnLst>
-                          </p:cTn>
-                        </p:par>
-                      </p:childTnLst>
-                    </p:cTn>
-                  </p:par>
-                  <p:par>
-                    <p:cTn id="15" fill="hold">
-                      <p:stCondLst>
-                        <p:cond delay="indefinite"/>
-                      </p:stCondLst>
-                      <p:childTnLst>
-                        <p:par>
-                          <p:cTn id="16" fill="hold">
-                            <p:stCondLst>
-                              <p:cond delay="0"/>
-                            </p:stCondLst>
-                            <p:childTnLst>
-                              <p:par>
-                                <p:cTn id="17" presetID="1" presetClass="entr" presetSubtype="0" fill="hold" grpId="0" nodeType="clickEffect">
-                                  <p:stCondLst>
-                                    <p:cond delay="0"/>
-                                  </p:stCondLst>
-                                  <p:childTnLst>
-                                    <p:set>
-                                      <p:cBhvr>
-                                        <p:cTn id="18" dur="1" fill="hold">
-                                          <p:stCondLst>
-                                            <p:cond delay="0"/>
-                                          </p:stCondLst>
-                                        </p:cTn>
-                                        <p:tgtEl>
-                                          <p:spTgt spid="18">
-                                            <p:graphicEl>
-                                              <a:dgm id="{F6B103A6-1596-4DA3-9B8D-3608D278196D}"/>
-                                            </p:graphicEl>
-                                          </p:spTgt>
-                                        </p:tgtEl>
-                                        <p:attrNameLst>
-                                          <p:attrName>style.visibility</p:attrName>
-                                        </p:attrNameLst>
-                                      </p:cBhvr>
-                                      <p:to>
-                                        <p:strVal val="visible"/>
-                                      </p:to>
-                                    </p:set>
-                                  </p:childTnLst>
-                                </p:cTn>
-                              </p:par>
-                              <p:par>
-                                <p:cTn id="19" presetID="1" presetClass="entr" presetSubtype="0" fill="hold" grpId="0" nodeType="withEffect">
-                                  <p:stCondLst>
-                                    <p:cond delay="0"/>
-                                  </p:stCondLst>
-                                  <p:childTnLst>
-                                    <p:set>
-                                      <p:cBhvr>
-                                        <p:cTn id="20" dur="1" fill="hold">
-                                          <p:stCondLst>
-                                            <p:cond delay="0"/>
-                                          </p:stCondLst>
-                                        </p:cTn>
-                                        <p:tgtEl>
-                                          <p:spTgt spid="18">
-                                            <p:graphicEl>
-                                              <a:dgm id="{A7BC7F59-749E-41AB-89C9-1A8A9467B913}"/>
-                                            </p:graphicEl>
-                                          </p:spTgt>
-                                        </p:tgtEl>
-                                        <p:attrNameLst>
-                                          <p:attrName>style.visibility</p:attrName>
-                                        </p:attrNameLst>
-                                      </p:cBhvr>
-                                      <p:to>
-                                        <p:strVal val="visible"/>
-                                      </p:to>
-                                    </p:set>
-                                  </p:childTnLst>
-                                </p:cTn>
-                              </p:par>
-                            </p:childTnLst>
-                          </p:cTn>
-                        </p:par>
-                      </p:childTnLst>
-                    </p:cTn>
-                  </p:par>
-                </p:childTnLst>
-              </p:cTn>
-              <p:prevCondLst>
-                <p:cond evt="onPrev" delay="0">
-                  <p:tgtEl>
-                    <p:sldTgt/>
-                  </p:tgtEl>
-                </p:cond>
-              </p:prevCondLst>
-              <p:nextCondLst>
-                <p:cond evt="onNext" delay="0">
-                  <p:tgtEl>
-                    <p:sldTgt/>
-                  </p:tgtEl>
-                </p:cond>
-              </p:nextCondLst>
-            </p:seq>
-          </p:childTnLst>
-        </p:cTn>
-      </p:par>
-    </p:tnLst>
-    <p:bldLst>
-      <p:bldGraphic spid="18" grpId="0">
-        <p:bldSub>
-          <a:bldDgm bld="one"/>
-        </p:bldSub>
-      </p:bldGraphic>
-    </p:bldLst>
-  </p:timing>
 </p:sld>
 </file>
 
@@ -40483,7 +40018,7 @@
             <p:ph idx="1"/>
             <p:extLst>
               <p:ext uri="{D42A27DB-BD31-4B8C-83A1-F6EECF244321}">
-                <p14:modId xmlns:p14="http://schemas.microsoft.com/office/powerpoint/2010/main" val="167048638"/>
+                <p14:modId xmlns:p14="http://schemas.microsoft.com/office/powerpoint/2010/main" val="239306889"/>
               </p:ext>
             </p:extLst>
           </p:nvPr>
@@ -40573,7 +40108,7 @@
                                         <p:tgtEl>
                                           <p:spTgt spid="5">
                                             <p:graphicEl>
-                                              <a:dgm id="{7F7387AC-0D7E-4F74-AA04-EDF2DE617966}"/>
+                                              <a:dgm id="{5B220136-2F2C-4939-8F03-0FB09EB8F39E}"/>
                                             </p:graphicEl>
                                           </p:spTgt>
                                         </p:tgtEl>
@@ -40604,7 +40139,7 @@
                                         <p:tgtEl>
                                           <p:spTgt spid="5">
                                             <p:graphicEl>
-                                              <a:dgm id="{0CE2C442-9DE6-4506-965C-7FAD25A00112}"/>
+                                              <a:dgm id="{CA808670-B7D7-4BE9-A055-D69DEA72D6A4}"/>
                                             </p:graphicEl>
                                           </p:spTgt>
                                         </p:tgtEl>
@@ -40653,7 +40188,7 @@
                                         <p:tgtEl>
                                           <p:spTgt spid="5">
                                             <p:graphicEl>
-                                              <a:dgm id="{282C9D1C-3F94-4BBB-B871-7CE39C79E409}"/>
+                                              <a:dgm id="{7F7387AC-0D7E-4F74-AA04-EDF2DE617966}"/>
                                             </p:graphicEl>
                                           </p:spTgt>
                                         </p:tgtEl>
@@ -40684,7 +40219,7 @@
                                         <p:tgtEl>
                                           <p:spTgt spid="5">
                                             <p:graphicEl>
-                                              <a:dgm id="{18F5525E-9CF5-4731-99B5-660F9CC4B413}"/>
+                                              <a:dgm id="{0CE2C442-9DE6-4506-965C-7FAD25A00112}"/>
                                             </p:graphicEl>
                                           </p:spTgt>
                                         </p:tgtEl>
@@ -40733,7 +40268,7 @@
                                         <p:tgtEl>
                                           <p:spTgt spid="5">
                                             <p:graphicEl>
-                                              <a:dgm id="{97DBECF8-C9F4-437B-BD37-F654EB1CA5F8}"/>
+                                              <a:dgm id="{282C9D1C-3F94-4BBB-B871-7CE39C79E409}"/>
                                             </p:graphicEl>
                                           </p:spTgt>
                                         </p:tgtEl>
@@ -40764,7 +40299,7 @@
                                         <p:tgtEl>
                                           <p:spTgt spid="5">
                                             <p:graphicEl>
-                                              <a:dgm id="{C0F1A823-9A81-416A-BF6E-2AE8EF4150E0}"/>
+                                              <a:dgm id="{18F5525E-9CF5-4731-99B5-660F9CC4B413}"/>
                                             </p:graphicEl>
                                           </p:spTgt>
                                         </p:tgtEl>
@@ -40813,7 +40348,7 @@
                                         <p:tgtEl>
                                           <p:spTgt spid="5">
                                             <p:graphicEl>
-                                              <a:dgm id="{BBAE3045-822D-4078-956C-FEC8ED464D14}"/>
+                                              <a:dgm id="{97DBECF8-C9F4-437B-BD37-F654EB1CA5F8}"/>
                                             </p:graphicEl>
                                           </p:spTgt>
                                         </p:tgtEl>
@@ -40844,7 +40379,7 @@
                                         <p:tgtEl>
                                           <p:spTgt spid="5">
                                             <p:graphicEl>
-                                              <a:dgm id="{FEB3519A-D70F-4C27-B7DC-2AB4353B2027}"/>
+                                              <a:dgm id="{C0F1A823-9A81-416A-BF6E-2AE8EF4150E0}"/>
                                             </p:graphicEl>
                                           </p:spTgt>
                                         </p:tgtEl>
@@ -40893,7 +40428,7 @@
                                         <p:tgtEl>
                                           <p:spTgt spid="5">
                                             <p:graphicEl>
-                                              <a:dgm id="{6F60E22D-1D18-4358-B9DF-54A9B9C26B33}"/>
+                                              <a:dgm id="{BBAE3045-822D-4078-956C-FEC8ED464D14}"/>
                                             </p:graphicEl>
                                           </p:spTgt>
                                         </p:tgtEl>
@@ -40917,6 +40452,86 @@
                                     <p:set>
                                       <p:cBhvr>
                                         <p:cTn id="32" dur="1" fill="hold">
+                                          <p:stCondLst>
+                                            <p:cond delay="0"/>
+                                          </p:stCondLst>
+                                        </p:cTn>
+                                        <p:tgtEl>
+                                          <p:spTgt spid="5">
+                                            <p:graphicEl>
+                                              <a:dgm id="{FEB3519A-D70F-4C27-B7DC-2AB4353B2027}"/>
+                                            </p:graphicEl>
+                                          </p:spTgt>
+                                        </p:tgtEl>
+                                        <p:attrNameLst>
+                                          <p:attrName>style.visibility</p:attrName>
+                                        </p:attrNameLst>
+                                      </p:cBhvr>
+                                      <p:to>
+                                        <p:strVal val="visible"/>
+                                      </p:to>
+                                    </p:set>
+                                  </p:childTnLst>
+                                </p:cTn>
+                              </p:par>
+                            </p:childTnLst>
+                          </p:cTn>
+                        </p:par>
+                      </p:childTnLst>
+                    </p:cTn>
+                  </p:par>
+                  <p:par>
+                    <p:cTn id="33" fill="hold">
+                      <p:stCondLst>
+                        <p:cond delay="indefinite"/>
+                      </p:stCondLst>
+                      <p:childTnLst>
+                        <p:par>
+                          <p:cTn id="34" fill="hold">
+                            <p:stCondLst>
+                              <p:cond delay="0"/>
+                            </p:stCondLst>
+                            <p:childTnLst>
+                              <p:par>
+                                <p:cTn id="35" presetID="1" presetClass="entr" presetSubtype="0" fill="hold" grpId="0" nodeType="clickEffect">
+                                  <p:stCondLst>
+                                    <p:cond delay="0"/>
+                                  </p:stCondLst>
+                                  <p:childTnLst>
+                                    <p:set>
+                                      <p:cBhvr>
+                                        <p:cTn id="36" dur="1" fill="hold">
+                                          <p:stCondLst>
+                                            <p:cond delay="0"/>
+                                          </p:stCondLst>
+                                        </p:cTn>
+                                        <p:tgtEl>
+                                          <p:spTgt spid="5">
+                                            <p:graphicEl>
+                                              <a:dgm id="{6F60E22D-1D18-4358-B9DF-54A9B9C26B33}"/>
+                                            </p:graphicEl>
+                                          </p:spTgt>
+                                        </p:tgtEl>
+                                        <p:attrNameLst>
+                                          <p:attrName>style.visibility</p:attrName>
+                                        </p:attrNameLst>
+                                      </p:cBhvr>
+                                      <p:to>
+                                        <p:strVal val="visible"/>
+                                      </p:to>
+                                    </p:set>
+                                  </p:childTnLst>
+                                </p:cTn>
+                              </p:par>
+                              <p:par>
+                                <p:cTn id="37" presetID="1" presetClass="entr" presetSubtype="0" fill="hold" grpId="0" nodeType="withEffect">
+                                  <p:stCondLst>
+                                    <p:cond delay="0"/>
+                                  </p:stCondLst>
+                                  <p:childTnLst>
+                                    <p:set>
+                                      <p:cBhvr>
+                                        <p:cTn id="38" dur="1" fill="hold">
                                           <p:stCondLst>
                                             <p:cond delay="0"/>
                                           </p:stCondLst>
@@ -41530,7 +41145,7 @@
             <p:ph idx="1"/>
             <p:extLst>
               <p:ext uri="{D42A27DB-BD31-4B8C-83A1-F6EECF244321}">
-                <p14:modId xmlns:p14="http://schemas.microsoft.com/office/powerpoint/2010/main" val="44284204"/>
+                <p14:modId xmlns:p14="http://schemas.microsoft.com/office/powerpoint/2010/main" val="3784413848"/>
               </p:ext>
             </p:extLst>
           </p:nvPr>
@@ -42094,9 +41709,9 @@
       </p:par>
     </p:tnLst>
     <p:bldLst>
-      <p:bldGraphic spid="5" grpId="0">
+      <p:bldGraphic spid="5" grpId="0" uiExpand="1">
         <p:bldSub>
-          <a:bldDgm bld="one"/>
+          <a:bldDgm bld="lvlOne"/>
         </p:bldSub>
       </p:bldGraphic>
     </p:bldLst>

--- a/presentations/PowerShell_Presentation.pptx
+++ b/presentations/PowerShell_Presentation.pptx
@@ -8494,7 +8494,10 @@
             <a:rPr lang="en-US" sz="2800" dirty="0" err="1"/>
             <a:t>Commandlets</a:t>
           </a:r>
-          <a:endParaRPr lang="en-US" sz="2800" dirty="0"/>
+          <a:r>
+            <a:rPr lang="en-US" sz="2800" dirty="0"/>
+            <a:t> + Parameters</a:t>
+          </a:r>
         </a:p>
       </dgm:t>
     </dgm:pt>
@@ -9279,7 +9282,7 @@
               <a:ea typeface="+mn-ea"/>
               <a:cs typeface="+mn-cs"/>
             </a:rPr>
-            <a:t>Up/Down arrows &amp; Ctrl + R</a:t>
+            <a:t>Up/Down arrows, Ctrl + R, Ctrl + C</a:t>
           </a:r>
         </a:p>
       </dgm:t>
@@ -12158,7 +12161,10 @@
             <a:rPr lang="en-US" sz="2800" kern="1200" dirty="0" err="1"/>
             <a:t>Commandlets</a:t>
           </a:r>
-          <a:endParaRPr lang="en-US" sz="2800" kern="1200" dirty="0"/>
+          <a:r>
+            <a:rPr lang="en-US" sz="2800" kern="1200" dirty="0"/>
+            <a:t> + Parameters</a:t>
+          </a:r>
         </a:p>
       </dsp:txBody>
       <dsp:txXfrm>
@@ -13885,7 +13891,7 @@
               <a:ea typeface="+mn-ea"/>
               <a:cs typeface="+mn-cs"/>
             </a:rPr>
-            <a:t>Up/Down arrows &amp; Ctrl + R</a:t>
+            <a:t>Up/Down arrows, Ctrl + R, Ctrl + C</a:t>
           </a:r>
         </a:p>
       </dsp:txBody>
@@ -29141,7 +29147,7 @@
           <a:p>
             <a:fld id="{01C460B3-1631-4DC9-97B7-F8761921B0CA}" type="datetimeFigureOut">
               <a:rPr lang="en-US" smtClean="0"/>
-              <a:t>11/9/2019</a:t>
+              <a:t>11/10/2019</a:t>
             </a:fld>
             <a:endParaRPr lang="en-US"/>
           </a:p>
@@ -29452,99 +29458,6 @@
           <a:bodyPr/>
           <a:lstStyle/>
           <a:p>
-            <a:pPr marL="514350" indent="-514350">
-              <a:buFont typeface="+mj-lt"/>
-              <a:buAutoNum type="arabicPeriod"/>
-            </a:pPr>
-            <a:r>
-              <a:rPr lang="en-US" dirty="0"/>
-              <a:t>It is POWERFUL</a:t>
-            </a:r>
-          </a:p>
-          <a:p>
-            <a:pPr lvl="1"/>
-            <a:r>
-              <a:rPr lang="en-US" dirty="0"/>
-              <a:t>Shell scripting faster than UI</a:t>
-            </a:r>
-          </a:p>
-          <a:p>
-            <a:pPr lvl="1"/>
-            <a:r>
-              <a:rPr lang="en-US" dirty="0"/>
-              <a:t>One-liners for complex tasks</a:t>
-            </a:r>
-          </a:p>
-          <a:p>
-            <a:pPr lvl="1"/>
-            <a:r>
-              <a:rPr lang="en-US" dirty="0"/>
-              <a:t>.NET, MS ecosystem fully integrated</a:t>
-            </a:r>
-          </a:p>
-          <a:p>
-            <a:pPr marL="514350" indent="-514350">
-              <a:buFont typeface="+mj-lt"/>
-              <a:buAutoNum type="arabicPeriod"/>
-            </a:pPr>
-            <a:r>
-              <a:rPr lang="en-US" dirty="0"/>
-              <a:t>It is EVERYWHERE</a:t>
-            </a:r>
-          </a:p>
-          <a:p>
-            <a:pPr lvl="1"/>
-            <a:r>
-              <a:rPr lang="en-US" dirty="0"/>
-              <a:t>All desktop &amp; server versions of Windows (XP+)</a:t>
-            </a:r>
-          </a:p>
-          <a:p>
-            <a:pPr lvl="1"/>
-            <a:r>
-              <a:rPr lang="en-US" dirty="0"/>
-              <a:t>In your tools (Visual Studio, VS Code)</a:t>
-            </a:r>
-          </a:p>
-          <a:p>
-            <a:pPr lvl="1"/>
-            <a:r>
-              <a:rPr lang="en-US" dirty="0"/>
-              <a:t>PowerShell Core supported for Mac OS, Linux</a:t>
-            </a:r>
-          </a:p>
-          <a:p>
-            <a:pPr marL="514350" indent="-514350">
-              <a:buFont typeface="+mj-lt"/>
-              <a:buAutoNum type="arabicPeriod"/>
-            </a:pPr>
-            <a:r>
-              <a:rPr lang="en-US" dirty="0"/>
-              <a:t>It is FAMILIAR</a:t>
-            </a:r>
-          </a:p>
-          <a:p>
-            <a:pPr lvl="1"/>
-            <a:r>
-              <a:rPr lang="en-US" dirty="0"/>
-              <a:t>Aliases support commands from other systems</a:t>
-            </a:r>
-          </a:p>
-          <a:p>
-            <a:pPr lvl="1"/>
-            <a:r>
-              <a:rPr lang="en-US" dirty="0"/>
-              <a:t>.NET and COM objects; </a:t>
-            </a:r>
-          </a:p>
-          <a:p>
-            <a:pPr lvl="1"/>
-            <a:r>
-              <a:rPr lang="en-US" dirty="0"/>
-              <a:t>Build your own PS “Swiss army knife”</a:t>
-            </a:r>
-          </a:p>
-          <a:p>
             <a:endParaRPr lang="en-US" dirty="0"/>
           </a:p>
         </p:txBody>
@@ -29732,7 +29645,7 @@
           <a:p>
             <a:fld id="{52A4E9ED-0ECB-4629-9B9B-99B6A934C592}" type="datetime1">
               <a:rPr lang="en-US" smtClean="0"/>
-              <a:t>11/9/2019</a:t>
+              <a:t>11/10/2019</a:t>
             </a:fld>
             <a:endParaRPr lang="en-US"/>
           </a:p>
@@ -29930,7 +29843,7 @@
           <a:p>
             <a:fld id="{1777C2C9-3B50-4973-81D4-E88A3F9E8BEF}" type="datetime1">
               <a:rPr lang="en-US" smtClean="0"/>
-              <a:t>11/9/2019</a:t>
+              <a:t>11/10/2019</a:t>
             </a:fld>
             <a:endParaRPr lang="en-US"/>
           </a:p>
@@ -30138,7 +30051,7 @@
           <a:p>
             <a:fld id="{0BD323A4-FF8B-4651-BDD8-70A677AD1E5E}" type="datetime1">
               <a:rPr lang="en-US" smtClean="0"/>
-              <a:t>11/9/2019</a:t>
+              <a:t>11/10/2019</a:t>
             </a:fld>
             <a:endParaRPr lang="en-US"/>
           </a:p>
@@ -30336,7 +30249,7 @@
           <a:p>
             <a:fld id="{3BD3484D-D555-498D-A67B-B9A5E4A2EDB5}" type="datetime1">
               <a:rPr lang="en-US" smtClean="0"/>
-              <a:t>11/9/2019</a:t>
+              <a:t>11/10/2019</a:t>
             </a:fld>
             <a:endParaRPr lang="en-US"/>
           </a:p>
@@ -30611,7 +30524,7 @@
           <a:p>
             <a:fld id="{AAE8FDE2-42B0-4675-9D27-0E72CF8FA9F8}" type="datetime1">
               <a:rPr lang="en-US" smtClean="0"/>
-              <a:t>11/9/2019</a:t>
+              <a:t>11/10/2019</a:t>
             </a:fld>
             <a:endParaRPr lang="en-US"/>
           </a:p>
@@ -30876,7 +30789,7 @@
           <a:p>
             <a:fld id="{7C184994-C499-41DB-B32B-438158ADBBB7}" type="datetime1">
               <a:rPr lang="en-US" smtClean="0"/>
-              <a:t>11/9/2019</a:t>
+              <a:t>11/10/2019</a:t>
             </a:fld>
             <a:endParaRPr lang="en-US"/>
           </a:p>
@@ -31288,7 +31201,7 @@
           <a:p>
             <a:fld id="{D6C32B28-75BE-4087-8A52-8F12C3F2B4D2}" type="datetime1">
               <a:rPr lang="en-US" smtClean="0"/>
-              <a:t>11/9/2019</a:t>
+              <a:t>11/10/2019</a:t>
             </a:fld>
             <a:endParaRPr lang="en-US"/>
           </a:p>
@@ -31429,7 +31342,7 @@
           <a:p>
             <a:fld id="{1F3DEDCD-1158-4D81-9597-0EFCB0A3039B}" type="datetime1">
               <a:rPr lang="en-US" smtClean="0"/>
-              <a:t>11/9/2019</a:t>
+              <a:t>11/10/2019</a:t>
             </a:fld>
             <a:endParaRPr lang="en-US"/>
           </a:p>
@@ -31542,7 +31455,7 @@
           <a:p>
             <a:fld id="{012CD382-5588-4845-A26F-62411455AE34}" type="datetime1">
               <a:rPr lang="en-US" smtClean="0"/>
-              <a:t>11/9/2019</a:t>
+              <a:t>11/10/2019</a:t>
             </a:fld>
             <a:endParaRPr lang="en-US"/>
           </a:p>
@@ -31853,7 +31766,7 @@
           <a:p>
             <a:fld id="{09073765-5658-4B75-8A1B-E5B7D2AAB837}" type="datetime1">
               <a:rPr lang="en-US" smtClean="0"/>
-              <a:t>11/9/2019</a:t>
+              <a:t>11/10/2019</a:t>
             </a:fld>
             <a:endParaRPr lang="en-US"/>
           </a:p>
@@ -32141,7 +32054,7 @@
           <a:p>
             <a:fld id="{DA22FB4C-3806-49AF-B8D2-3CE0C8C25B5F}" type="datetime1">
               <a:rPr lang="en-US" smtClean="0"/>
-              <a:t>11/9/2019</a:t>
+              <a:t>11/10/2019</a:t>
             </a:fld>
             <a:endParaRPr lang="en-US"/>
           </a:p>
@@ -32382,7 +32295,7 @@
           <a:p>
             <a:fld id="{6E8769B8-D71B-4AD7-9399-F73309B22C43}" type="datetime1">
               <a:rPr lang="en-US" smtClean="0"/>
-              <a:t>11/9/2019</a:t>
+              <a:t>11/10/2019</a:t>
             </a:fld>
             <a:endParaRPr lang="en-US"/>
           </a:p>
@@ -38956,7 +38869,7 @@
             <p:ph idx="1"/>
             <p:extLst>
               <p:ext uri="{D42A27DB-BD31-4B8C-83A1-F6EECF244321}">
-                <p14:modId xmlns:p14="http://schemas.microsoft.com/office/powerpoint/2010/main" val="3733833320"/>
+                <p14:modId xmlns:p14="http://schemas.microsoft.com/office/powerpoint/2010/main" val="3920308493"/>
               </p:ext>
             </p:extLst>
           </p:nvPr>
@@ -41145,7 +41058,7 @@
             <p:ph idx="1"/>
             <p:extLst>
               <p:ext uri="{D42A27DB-BD31-4B8C-83A1-F6EECF244321}">
-                <p14:modId xmlns:p14="http://schemas.microsoft.com/office/powerpoint/2010/main" val="3784413848"/>
+                <p14:modId xmlns:p14="http://schemas.microsoft.com/office/powerpoint/2010/main" val="789044377"/>
               </p:ext>
             </p:extLst>
           </p:nvPr>

--- a/presentations/PowerShell_Presentation.pptx
+++ b/presentations/PowerShell_Presentation.pptx
@@ -7436,7 +7436,7 @@
   <dgm:whole/>
   <dgm:extLst>
     <a:ext uri="http://schemas.microsoft.com/office/drawing/2008/diagram">
-      <dsp:dataModelExt xmlns:dsp="http://schemas.microsoft.com/office/drawing/2008/diagram" relId="rId6" minVer="http://schemas.openxmlformats.org/drawingml/2006/diagram"/>
+      <dsp:dataModelExt xmlns:dsp="http://schemas.microsoft.com/office/drawing/2008/diagram" relId="rId7" minVer="http://schemas.openxmlformats.org/drawingml/2006/diagram"/>
     </a:ext>
   </dgm:extLst>
 </dgm:dataModel>
@@ -7883,7 +7883,7 @@
   <dgm:whole/>
   <dgm:extLst>
     <a:ext uri="http://schemas.microsoft.com/office/drawing/2008/diagram">
-      <dsp:dataModelExt xmlns:dsp="http://schemas.microsoft.com/office/drawing/2008/diagram" relId="rId7" minVer="http://schemas.openxmlformats.org/drawingml/2006/diagram"/>
+      <dsp:dataModelExt xmlns:dsp="http://schemas.microsoft.com/office/drawing/2008/diagram" relId="rId8" minVer="http://schemas.openxmlformats.org/drawingml/2006/diagram"/>
     </a:ext>
   </dgm:extLst>
 </dgm:dataModel>
@@ -7984,7 +7984,7 @@
         <a:p>
           <a:r>
             <a:rPr lang="en-US" sz="2800" dirty="0"/>
-            <a:t>Testing scripts</a:t>
+            <a:t>Testing scripts using Pester</a:t>
           </a:r>
         </a:p>
       </dgm:t>
@@ -8211,7 +8211,7 @@
   <dgm:whole/>
   <dgm:extLst>
     <a:ext uri="http://schemas.microsoft.com/office/drawing/2008/diagram">
-      <dsp:dataModelExt xmlns:dsp="http://schemas.microsoft.com/office/drawing/2008/diagram" relId="rId6" minVer="http://schemas.openxmlformats.org/drawingml/2006/diagram"/>
+      <dsp:dataModelExt xmlns:dsp="http://schemas.microsoft.com/office/drawing/2008/diagram" relId="rId7" minVer="http://schemas.openxmlformats.org/drawingml/2006/diagram"/>
     </a:ext>
   </dgm:extLst>
 </dgm:dataModel>
@@ -8759,7 +8759,7 @@
   <dgm:whole/>
   <dgm:extLst>
     <a:ext uri="http://schemas.microsoft.com/office/drawing/2008/diagram">
-      <dsp:dataModelExt xmlns:dsp="http://schemas.microsoft.com/office/drawing/2008/diagram" relId="rId6" minVer="http://schemas.openxmlformats.org/drawingml/2006/diagram"/>
+      <dsp:dataModelExt xmlns:dsp="http://schemas.microsoft.com/office/drawing/2008/diagram" relId="rId7" minVer="http://schemas.openxmlformats.org/drawingml/2006/diagram"/>
     </a:ext>
   </dgm:extLst>
 </dgm:dataModel>
@@ -9369,66 +9369,6 @@
         </a:p>
       </dgm:t>
     </dgm:pt>
-    <dgm:pt modelId="{173B6833-C0F1-4E4D-88E7-9855CF6DBD19}">
-      <dgm:prSet custT="1"/>
-      <dgm:spPr/>
-      <dgm:t>
-        <a:bodyPr/>
-        <a:lstStyle/>
-        <a:p>
-          <a:pPr marL="0" lvl="0" indent="0" algn="l" defTabSz="1244600">
-            <a:lnSpc>
-              <a:spcPct val="90000"/>
-            </a:lnSpc>
-            <a:spcBef>
-              <a:spcPct val="0"/>
-            </a:spcBef>
-            <a:spcAft>
-              <a:spcPct val="35000"/>
-            </a:spcAft>
-            <a:buNone/>
-          </a:pPr>
-          <a:r>
-            <a:rPr lang="en-US" sz="2800" kern="1200" dirty="0">
-              <a:solidFill>
-                <a:prstClr val="black">
-                  <a:hueOff val="0"/>
-                  <a:satOff val="0"/>
-                  <a:lumOff val="0"/>
-                  <a:alphaOff val="0"/>
-                </a:prstClr>
-              </a:solidFill>
-              <a:latin typeface="Calibri" panose="020F0502020204030204"/>
-              <a:ea typeface="+mn-ea"/>
-              <a:cs typeface="+mn-cs"/>
-            </a:rPr>
-            <a:t>Hash tables</a:t>
-          </a:r>
-        </a:p>
-      </dgm:t>
-    </dgm:pt>
-    <dgm:pt modelId="{510CE3EB-3599-4898-928D-502B4A2558E7}" type="parTrans" cxnId="{6EA53534-C1CE-429B-9C66-4C20C18EA592}">
-      <dgm:prSet/>
-      <dgm:spPr/>
-      <dgm:t>
-        <a:bodyPr/>
-        <a:lstStyle/>
-        <a:p>
-          <a:endParaRPr lang="en-US"/>
-        </a:p>
-      </dgm:t>
-    </dgm:pt>
-    <dgm:pt modelId="{0C3BBA2A-099E-41F0-94B1-390A78A6EC28}" type="sibTrans" cxnId="{6EA53534-C1CE-429B-9C66-4C20C18EA592}">
-      <dgm:prSet/>
-      <dgm:spPr/>
-      <dgm:t>
-        <a:bodyPr/>
-        <a:lstStyle/>
-        <a:p>
-          <a:endParaRPr lang="en-US"/>
-        </a:p>
-      </dgm:t>
-    </dgm:pt>
     <dgm:pt modelId="{4CB50E4A-DFA0-4F40-BB01-B4245FC56B2E}">
       <dgm:prSet custT="1"/>
       <dgm:spPr/>
@@ -9500,7 +9440,7 @@
       <dgm:spPr/>
     </dgm:pt>
     <dgm:pt modelId="{7F7387AC-0D7E-4F74-AA04-EDF2DE617966}" type="pres">
-      <dgm:prSet presAssocID="{BED09995-17F8-4861-9C60-87D7C6BD2517}" presName="thickLine" presStyleLbl="alignNode1" presStyleIdx="0" presStyleCnt="6"/>
+      <dgm:prSet presAssocID="{BED09995-17F8-4861-9C60-87D7C6BD2517}" presName="thickLine" presStyleLbl="alignNode1" presStyleIdx="0" presStyleCnt="5"/>
       <dgm:spPr/>
     </dgm:pt>
     <dgm:pt modelId="{EAA430D5-9051-498B-A166-FB83B6E04D89}" type="pres">
@@ -9508,7 +9448,7 @@
       <dgm:spPr/>
     </dgm:pt>
     <dgm:pt modelId="{0CE2C442-9DE6-4506-965C-7FAD25A00112}" type="pres">
-      <dgm:prSet presAssocID="{BED09995-17F8-4861-9C60-87D7C6BD2517}" presName="tx1" presStyleLbl="revTx" presStyleIdx="0" presStyleCnt="6"/>
+      <dgm:prSet presAssocID="{BED09995-17F8-4861-9C60-87D7C6BD2517}" presName="tx1" presStyleLbl="revTx" presStyleIdx="0" presStyleCnt="5"/>
       <dgm:spPr/>
     </dgm:pt>
     <dgm:pt modelId="{C7AAE8FE-04B2-43E0-8AEE-8DD6AF91AFFB}" type="pres">
@@ -9516,7 +9456,7 @@
       <dgm:spPr/>
     </dgm:pt>
     <dgm:pt modelId="{D31C28E0-064A-4D61-B05F-75A6B5D8D920}" type="pres">
-      <dgm:prSet presAssocID="{92C9D346-717B-485E-9B5E-359BE8EC8297}" presName="thickLine" presStyleLbl="alignNode1" presStyleIdx="1" presStyleCnt="6"/>
+      <dgm:prSet presAssocID="{92C9D346-717B-485E-9B5E-359BE8EC8297}" presName="thickLine" presStyleLbl="alignNode1" presStyleIdx="1" presStyleCnt="5"/>
       <dgm:spPr/>
     </dgm:pt>
     <dgm:pt modelId="{6FEA3B5B-1760-41B9-BD9E-1F3B62E0A55D}" type="pres">
@@ -9524,7 +9464,7 @@
       <dgm:spPr/>
     </dgm:pt>
     <dgm:pt modelId="{8B5B6DCC-ED12-4131-B55B-5D29B6F85710}" type="pres">
-      <dgm:prSet presAssocID="{92C9D346-717B-485E-9B5E-359BE8EC8297}" presName="tx1" presStyleLbl="revTx" presStyleIdx="1" presStyleCnt="6"/>
+      <dgm:prSet presAssocID="{92C9D346-717B-485E-9B5E-359BE8EC8297}" presName="tx1" presStyleLbl="revTx" presStyleIdx="1" presStyleCnt="5"/>
       <dgm:spPr/>
     </dgm:pt>
     <dgm:pt modelId="{2E3B92C0-1FE1-4487-8F8E-F3A9A0ED0F76}" type="pres">
@@ -9532,7 +9472,7 @@
       <dgm:spPr/>
     </dgm:pt>
     <dgm:pt modelId="{80E66E7C-14E8-4F6C-B6EB-9AFBDC3B73D2}" type="pres">
-      <dgm:prSet presAssocID="{07D7A876-7C62-423F-ADBF-8ECB58EB3F8E}" presName="thickLine" presStyleLbl="alignNode1" presStyleIdx="2" presStyleCnt="6"/>
+      <dgm:prSet presAssocID="{07D7A876-7C62-423F-ADBF-8ECB58EB3F8E}" presName="thickLine" presStyleLbl="alignNode1" presStyleIdx="2" presStyleCnt="5"/>
       <dgm:spPr/>
     </dgm:pt>
     <dgm:pt modelId="{2CFEA48E-BDA2-422D-BB47-DE5687FA8CB2}" type="pres">
@@ -9540,7 +9480,7 @@
       <dgm:spPr/>
     </dgm:pt>
     <dgm:pt modelId="{DF9949AE-D0DD-4B0B-94A0-8C9E6DCF02CC}" type="pres">
-      <dgm:prSet presAssocID="{07D7A876-7C62-423F-ADBF-8ECB58EB3F8E}" presName="tx1" presStyleLbl="revTx" presStyleIdx="2" presStyleCnt="6"/>
+      <dgm:prSet presAssocID="{07D7A876-7C62-423F-ADBF-8ECB58EB3F8E}" presName="tx1" presStyleLbl="revTx" presStyleIdx="2" presStyleCnt="5"/>
       <dgm:spPr/>
     </dgm:pt>
     <dgm:pt modelId="{F153E6A7-C1A6-42AD-AA88-B4240DE781A9}" type="pres">
@@ -9548,7 +9488,7 @@
       <dgm:spPr/>
     </dgm:pt>
     <dgm:pt modelId="{8D0D2791-098F-4217-BC31-6519701E69AB}" type="pres">
-      <dgm:prSet presAssocID="{7C43A89F-8068-4FB5-91DE-345A91C4532B}" presName="thickLine" presStyleLbl="alignNode1" presStyleIdx="3" presStyleCnt="6"/>
+      <dgm:prSet presAssocID="{7C43A89F-8068-4FB5-91DE-345A91C4532B}" presName="thickLine" presStyleLbl="alignNode1" presStyleIdx="3" presStyleCnt="5"/>
       <dgm:spPr/>
     </dgm:pt>
     <dgm:pt modelId="{C75F13E6-9613-467A-A8F6-F698102082DE}" type="pres">
@@ -9556,31 +9496,15 @@
       <dgm:spPr/>
     </dgm:pt>
     <dgm:pt modelId="{7F279F1D-E5EA-4600-9163-C56DAE0EC52D}" type="pres">
-      <dgm:prSet presAssocID="{7C43A89F-8068-4FB5-91DE-345A91C4532B}" presName="tx1" presStyleLbl="revTx" presStyleIdx="3" presStyleCnt="6"/>
+      <dgm:prSet presAssocID="{7C43A89F-8068-4FB5-91DE-345A91C4532B}" presName="tx1" presStyleLbl="revTx" presStyleIdx="3" presStyleCnt="5"/>
       <dgm:spPr/>
     </dgm:pt>
     <dgm:pt modelId="{B0BE6F41-6C11-474A-8A2C-E740D1742D1F}" type="pres">
       <dgm:prSet presAssocID="{7C43A89F-8068-4FB5-91DE-345A91C4532B}" presName="vert1" presStyleCnt="0"/>
       <dgm:spPr/>
     </dgm:pt>
-    <dgm:pt modelId="{13C9E61F-D1EF-4E00-A4D9-407497265071}" type="pres">
-      <dgm:prSet presAssocID="{173B6833-C0F1-4E4D-88E7-9855CF6DBD19}" presName="thickLine" presStyleLbl="alignNode1" presStyleIdx="4" presStyleCnt="6"/>
-      <dgm:spPr/>
-    </dgm:pt>
-    <dgm:pt modelId="{6F085213-28A7-4C65-B2B6-E65EBB442909}" type="pres">
-      <dgm:prSet presAssocID="{173B6833-C0F1-4E4D-88E7-9855CF6DBD19}" presName="horz1" presStyleCnt="0"/>
-      <dgm:spPr/>
-    </dgm:pt>
-    <dgm:pt modelId="{7DD86601-8F28-44EF-AD08-277CF95825A6}" type="pres">
-      <dgm:prSet presAssocID="{173B6833-C0F1-4E4D-88E7-9855CF6DBD19}" presName="tx1" presStyleLbl="revTx" presStyleIdx="4" presStyleCnt="6"/>
-      <dgm:spPr/>
-    </dgm:pt>
-    <dgm:pt modelId="{C249856C-097F-4835-917E-43F3517C3DAB}" type="pres">
-      <dgm:prSet presAssocID="{173B6833-C0F1-4E4D-88E7-9855CF6DBD19}" presName="vert1" presStyleCnt="0"/>
-      <dgm:spPr/>
-    </dgm:pt>
     <dgm:pt modelId="{A962002E-C97F-4F35-B73D-908EEDC019BB}" type="pres">
-      <dgm:prSet presAssocID="{4CB50E4A-DFA0-4F40-BB01-B4245FC56B2E}" presName="thickLine" presStyleLbl="alignNode1" presStyleIdx="5" presStyleCnt="6"/>
+      <dgm:prSet presAssocID="{4CB50E4A-DFA0-4F40-BB01-B4245FC56B2E}" presName="thickLine" presStyleLbl="alignNode1" presStyleIdx="4" presStyleCnt="5"/>
       <dgm:spPr/>
     </dgm:pt>
     <dgm:pt modelId="{0F8A7326-6C48-4DC7-9D12-9F5C9AE14CC8}" type="pres">
@@ -9588,7 +9512,7 @@
       <dgm:spPr/>
     </dgm:pt>
     <dgm:pt modelId="{21492AE6-5E33-4D85-A006-A3B9EE142266}" type="pres">
-      <dgm:prSet presAssocID="{4CB50E4A-DFA0-4F40-BB01-B4245FC56B2E}" presName="tx1" presStyleLbl="revTx" presStyleIdx="5" presStyleCnt="6"/>
+      <dgm:prSet presAssocID="{4CB50E4A-DFA0-4F40-BB01-B4245FC56B2E}" presName="tx1" presStyleLbl="revTx" presStyleIdx="4" presStyleCnt="5"/>
       <dgm:spPr/>
     </dgm:pt>
     <dgm:pt modelId="{A3978E54-0AA1-484E-B192-E5183C44189B}" type="pres">
@@ -9598,9 +9522,7 @@
   </dgm:ptLst>
   <dgm:cxnLst>
     <dgm:cxn modelId="{DAF85105-1B03-45D9-87EE-5AC6D8D444B9}" type="presOf" srcId="{BED09995-17F8-4861-9C60-87D7C6BD2517}" destId="{0CE2C442-9DE6-4506-965C-7FAD25A00112}" srcOrd="0" destOrd="0" presId="urn:microsoft.com/office/officeart/2008/layout/LinedList"/>
-    <dgm:cxn modelId="{35A2E715-6C98-491B-AE86-1C3B984B9413}" type="presOf" srcId="{173B6833-C0F1-4E4D-88E7-9855CF6DBD19}" destId="{7DD86601-8F28-44EF-AD08-277CF95825A6}" srcOrd="0" destOrd="0" presId="urn:microsoft.com/office/officeart/2008/layout/LinedList"/>
-    <dgm:cxn modelId="{6EA53534-C1CE-429B-9C66-4C20C18EA592}" srcId="{1393A85F-0B39-4472-9E5D-FFE623668187}" destId="{173B6833-C0F1-4E4D-88E7-9855CF6DBD19}" srcOrd="4" destOrd="0" parTransId="{510CE3EB-3599-4898-928D-502B4A2558E7}" sibTransId="{0C3BBA2A-099E-41F0-94B1-390A78A6EC28}"/>
-    <dgm:cxn modelId="{66575B5B-B6FD-4849-9381-E13F2405AE02}" srcId="{1393A85F-0B39-4472-9E5D-FFE623668187}" destId="{4CB50E4A-DFA0-4F40-BB01-B4245FC56B2E}" srcOrd="5" destOrd="0" parTransId="{A64DEB63-CF63-4DC6-860E-F82F49D31762}" sibTransId="{C5390156-3F14-4491-A775-8F0880F8C529}"/>
+    <dgm:cxn modelId="{66575B5B-B6FD-4849-9381-E13F2405AE02}" srcId="{1393A85F-0B39-4472-9E5D-FFE623668187}" destId="{4CB50E4A-DFA0-4F40-BB01-B4245FC56B2E}" srcOrd="4" destOrd="0" parTransId="{A64DEB63-CF63-4DC6-860E-F82F49D31762}" sibTransId="{C5390156-3F14-4491-A775-8F0880F8C529}"/>
     <dgm:cxn modelId="{BE37217B-1C9F-48CE-B02D-8BBA29BA1975}" type="presOf" srcId="{07D7A876-7C62-423F-ADBF-8ECB58EB3F8E}" destId="{DF9949AE-D0DD-4B0B-94A0-8C9E6DCF02CC}" srcOrd="0" destOrd="0" presId="urn:microsoft.com/office/officeart/2008/layout/LinedList"/>
     <dgm:cxn modelId="{3FAAFF81-ED3C-423B-8259-1957A7FA26D6}" srcId="{1393A85F-0B39-4472-9E5D-FFE623668187}" destId="{BED09995-17F8-4861-9C60-87D7C6BD2517}" srcOrd="0" destOrd="0" parTransId="{2531497D-0E00-4283-BE73-D62830F1C1A3}" sibTransId="{49B2F9D0-D0D3-41B9-981A-EA3B32BF4A68}"/>
     <dgm:cxn modelId="{A0F4C098-A38A-4168-BA7D-2E90661337C7}" srcId="{1393A85F-0B39-4472-9E5D-FFE623668187}" destId="{07D7A876-7C62-423F-ADBF-8ECB58EB3F8E}" srcOrd="2" destOrd="0" parTransId="{0BEF82F6-8280-4581-B10F-406BF070799F}" sibTransId="{0F5E2453-74F8-48E2-B0E3-3F75305DAED8}"/>
@@ -9626,12 +9548,8 @@
     <dgm:cxn modelId="{FD0C67B1-E629-4A2C-BC3C-C777F8C22B1B}" type="presParOf" srcId="{DE189EE5-B530-4E83-92AF-139E246161C7}" destId="{C75F13E6-9613-467A-A8F6-F698102082DE}" srcOrd="7" destOrd="0" presId="urn:microsoft.com/office/officeart/2008/layout/LinedList"/>
     <dgm:cxn modelId="{B7C15BAD-14DC-451B-9C47-83F7BCD1B0C6}" type="presParOf" srcId="{C75F13E6-9613-467A-A8F6-F698102082DE}" destId="{7F279F1D-E5EA-4600-9163-C56DAE0EC52D}" srcOrd="0" destOrd="0" presId="urn:microsoft.com/office/officeart/2008/layout/LinedList"/>
     <dgm:cxn modelId="{16DB0A41-C26B-4F68-9504-6A9B9B7886C0}" type="presParOf" srcId="{C75F13E6-9613-467A-A8F6-F698102082DE}" destId="{B0BE6F41-6C11-474A-8A2C-E740D1742D1F}" srcOrd="1" destOrd="0" presId="urn:microsoft.com/office/officeart/2008/layout/LinedList"/>
-    <dgm:cxn modelId="{CD2588BA-600C-4B34-9EDA-93AC60E106F0}" type="presParOf" srcId="{DE189EE5-B530-4E83-92AF-139E246161C7}" destId="{13C9E61F-D1EF-4E00-A4D9-407497265071}" srcOrd="8" destOrd="0" presId="urn:microsoft.com/office/officeart/2008/layout/LinedList"/>
-    <dgm:cxn modelId="{160D3F8F-B0B1-421E-A61A-B95A77812564}" type="presParOf" srcId="{DE189EE5-B530-4E83-92AF-139E246161C7}" destId="{6F085213-28A7-4C65-B2B6-E65EBB442909}" srcOrd="9" destOrd="0" presId="urn:microsoft.com/office/officeart/2008/layout/LinedList"/>
-    <dgm:cxn modelId="{9EF65B3F-2A47-4A6D-8703-82E9A21578D4}" type="presParOf" srcId="{6F085213-28A7-4C65-B2B6-E65EBB442909}" destId="{7DD86601-8F28-44EF-AD08-277CF95825A6}" srcOrd="0" destOrd="0" presId="urn:microsoft.com/office/officeart/2008/layout/LinedList"/>
-    <dgm:cxn modelId="{0563897E-6B7C-4F7C-99A1-3B8FD1CD8611}" type="presParOf" srcId="{6F085213-28A7-4C65-B2B6-E65EBB442909}" destId="{C249856C-097F-4835-917E-43F3517C3DAB}" srcOrd="1" destOrd="0" presId="urn:microsoft.com/office/officeart/2008/layout/LinedList"/>
-    <dgm:cxn modelId="{70724A92-6BEE-4917-B3B0-037924726956}" type="presParOf" srcId="{DE189EE5-B530-4E83-92AF-139E246161C7}" destId="{A962002E-C97F-4F35-B73D-908EEDC019BB}" srcOrd="10" destOrd="0" presId="urn:microsoft.com/office/officeart/2008/layout/LinedList"/>
-    <dgm:cxn modelId="{6C159E85-7FB1-4E29-83C8-771B856744E9}" type="presParOf" srcId="{DE189EE5-B530-4E83-92AF-139E246161C7}" destId="{0F8A7326-6C48-4DC7-9D12-9F5C9AE14CC8}" srcOrd="11" destOrd="0" presId="urn:microsoft.com/office/officeart/2008/layout/LinedList"/>
+    <dgm:cxn modelId="{70724A92-6BEE-4917-B3B0-037924726956}" type="presParOf" srcId="{DE189EE5-B530-4E83-92AF-139E246161C7}" destId="{A962002E-C97F-4F35-B73D-908EEDC019BB}" srcOrd="8" destOrd="0" presId="urn:microsoft.com/office/officeart/2008/layout/LinedList"/>
+    <dgm:cxn modelId="{6C159E85-7FB1-4E29-83C8-771B856744E9}" type="presParOf" srcId="{DE189EE5-B530-4E83-92AF-139E246161C7}" destId="{0F8A7326-6C48-4DC7-9D12-9F5C9AE14CC8}" srcOrd="9" destOrd="0" presId="urn:microsoft.com/office/officeart/2008/layout/LinedList"/>
     <dgm:cxn modelId="{7B149BEF-58C4-4863-9B6A-F09AD0767962}" type="presParOf" srcId="{0F8A7326-6C48-4DC7-9D12-9F5C9AE14CC8}" destId="{21492AE6-5E33-4D85-A006-A3B9EE142266}" srcOrd="0" destOrd="0" presId="urn:microsoft.com/office/officeart/2008/layout/LinedList"/>
     <dgm:cxn modelId="{C99B5258-1782-4B7F-B553-E598BCE6DA91}" type="presParOf" srcId="{0F8A7326-6C48-4DC7-9D12-9F5C9AE14CC8}" destId="{A3978E54-0AA1-484E-B192-E5183C44189B}" srcOrd="1" destOrd="0" presId="urn:microsoft.com/office/officeart/2008/layout/LinedList"/>
   </dgm:cxnLst>
@@ -9639,7 +9557,7 @@
   <dgm:whole/>
   <dgm:extLst>
     <a:ext uri="http://schemas.microsoft.com/office/drawing/2008/diagram">
-      <dsp:dataModelExt xmlns:dsp="http://schemas.microsoft.com/office/drawing/2008/diagram" relId="rId6" minVer="http://schemas.openxmlformats.org/drawingml/2006/diagram"/>
+      <dsp:dataModelExt xmlns:dsp="http://schemas.microsoft.com/office/drawing/2008/diagram" relId="rId7" minVer="http://schemas.openxmlformats.org/drawingml/2006/diagram"/>
     </a:ext>
   </dgm:extLst>
 </dgm:dataModel>
@@ -9650,90 +9568,6 @@
   <dgm:ptLst>
     <dgm:pt modelId="{1393A85F-0B39-4472-9E5D-FFE623668187}" type="doc">
       <dgm:prSet loTypeId="urn:microsoft.com/office/officeart/2008/layout/LinedList" loCatId="list" qsTypeId="urn:microsoft.com/office/officeart/2005/8/quickstyle/simple4" qsCatId="simple" csTypeId="urn:microsoft.com/office/officeart/2005/8/colors/colorful5" csCatId="colorful" phldr="1"/>
-      <dgm:spPr/>
-      <dgm:t>
-        <a:bodyPr/>
-        <a:lstStyle/>
-        <a:p>
-          <a:endParaRPr lang="en-US"/>
-        </a:p>
-      </dgm:t>
-    </dgm:pt>
-    <dgm:pt modelId="{BED09995-17F8-4861-9C60-87D7C6BD2517}">
-      <dgm:prSet custT="1"/>
-      <dgm:spPr/>
-      <dgm:t>
-        <a:bodyPr/>
-        <a:lstStyle/>
-        <a:p>
-          <a:r>
-            <a:rPr lang="en-US" sz="2800" dirty="0"/>
-            <a:t>. Vs .\</a:t>
-          </a:r>
-        </a:p>
-      </dgm:t>
-    </dgm:pt>
-    <dgm:pt modelId="{2531497D-0E00-4283-BE73-D62830F1C1A3}" type="parTrans" cxnId="{3FAAFF81-ED3C-423B-8259-1957A7FA26D6}">
-      <dgm:prSet/>
-      <dgm:spPr/>
-      <dgm:t>
-        <a:bodyPr/>
-        <a:lstStyle/>
-        <a:p>
-          <a:endParaRPr lang="en-US"/>
-        </a:p>
-      </dgm:t>
-    </dgm:pt>
-    <dgm:pt modelId="{49B2F9D0-D0D3-41B9-981A-EA3B32BF4A68}" type="sibTrans" cxnId="{3FAAFF81-ED3C-423B-8259-1957A7FA26D6}">
-      <dgm:prSet/>
-      <dgm:spPr/>
-      <dgm:t>
-        <a:bodyPr/>
-        <a:lstStyle/>
-        <a:p>
-          <a:endParaRPr lang="en-US"/>
-        </a:p>
-      </dgm:t>
-    </dgm:pt>
-    <dgm:pt modelId="{39117585-435A-4860-8DB3-B285E6F47958}">
-      <dgm:prSet custT="1"/>
-      <dgm:spPr/>
-      <dgm:t>
-        <a:bodyPr/>
-        <a:lstStyle/>
-        <a:p>
-          <a:r>
-            <a:rPr lang="en-US" sz="2800" kern="1200" dirty="0">
-              <a:solidFill>
-                <a:prstClr val="black">
-                  <a:hueOff val="0"/>
-                  <a:satOff val="0"/>
-                  <a:lumOff val="0"/>
-                  <a:alphaOff val="0"/>
-                </a:prstClr>
-              </a:solidFill>
-              <a:latin typeface="Calibri" panose="020F0502020204030204"/>
-              <a:ea typeface="+mn-ea"/>
-              <a:cs typeface="+mn-cs"/>
-            </a:rPr>
-            <a:t>Old code on the internet</a:t>
-          </a:r>
-        </a:p>
-      </dgm:t>
-    </dgm:pt>
-    <dgm:pt modelId="{24E3B62D-3174-4903-A420-BB1198C02116}" type="parTrans" cxnId="{27BD288C-6982-4C41-B791-883D428EB294}">
-      <dgm:prSet/>
-      <dgm:spPr/>
-      <dgm:t>
-        <a:bodyPr/>
-        <a:lstStyle/>
-        <a:p>
-          <a:endParaRPr lang="en-US"/>
-        </a:p>
-      </dgm:t>
-    </dgm:pt>
-    <dgm:pt modelId="{4FF1C8C1-C197-4CB1-B43C-67832AD5F2B6}" type="sibTrans" cxnId="{27BD288C-6982-4C41-B791-883D428EB294}">
-      <dgm:prSet/>
       <dgm:spPr/>
       <dgm:t>
         <a:bodyPr/>
@@ -9898,7 +9732,7 @@
       <dgm:spPr/>
     </dgm:pt>
     <dgm:pt modelId="{35EE0690-5833-477E-AD6D-E9A2CC603B27}" type="pres">
-      <dgm:prSet presAssocID="{0D176BAC-0CA0-4152-8E0F-A08139C1A439}" presName="thickLine" presStyleLbl="alignNode1" presStyleIdx="0" presStyleCnt="5"/>
+      <dgm:prSet presAssocID="{0D176BAC-0CA0-4152-8E0F-A08139C1A439}" presName="thickLine" presStyleLbl="alignNode1" presStyleIdx="0" presStyleCnt="3"/>
       <dgm:spPr/>
     </dgm:pt>
     <dgm:pt modelId="{1DAB8ED2-1EE5-4A74-B269-FE0EEDC5B2DD}" type="pres">
@@ -9906,47 +9740,15 @@
       <dgm:spPr/>
     </dgm:pt>
     <dgm:pt modelId="{DB5CEF36-0221-4099-B38D-91598E5BD104}" type="pres">
-      <dgm:prSet presAssocID="{0D176BAC-0CA0-4152-8E0F-A08139C1A439}" presName="tx1" presStyleLbl="revTx" presStyleIdx="0" presStyleCnt="5"/>
+      <dgm:prSet presAssocID="{0D176BAC-0CA0-4152-8E0F-A08139C1A439}" presName="tx1" presStyleLbl="revTx" presStyleIdx="0" presStyleCnt="3"/>
       <dgm:spPr/>
     </dgm:pt>
     <dgm:pt modelId="{E5BEC9CE-57F2-47FC-91CE-0DE008132760}" type="pres">
       <dgm:prSet presAssocID="{0D176BAC-0CA0-4152-8E0F-A08139C1A439}" presName="vert1" presStyleCnt="0"/>
       <dgm:spPr/>
     </dgm:pt>
-    <dgm:pt modelId="{7F7387AC-0D7E-4F74-AA04-EDF2DE617966}" type="pres">
-      <dgm:prSet presAssocID="{BED09995-17F8-4861-9C60-87D7C6BD2517}" presName="thickLine" presStyleLbl="alignNode1" presStyleIdx="1" presStyleCnt="5"/>
-      <dgm:spPr/>
-    </dgm:pt>
-    <dgm:pt modelId="{EAA430D5-9051-498B-A166-FB83B6E04D89}" type="pres">
-      <dgm:prSet presAssocID="{BED09995-17F8-4861-9C60-87D7C6BD2517}" presName="horz1" presStyleCnt="0"/>
-      <dgm:spPr/>
-    </dgm:pt>
-    <dgm:pt modelId="{0CE2C442-9DE6-4506-965C-7FAD25A00112}" type="pres">
-      <dgm:prSet presAssocID="{BED09995-17F8-4861-9C60-87D7C6BD2517}" presName="tx1" presStyleLbl="revTx" presStyleIdx="1" presStyleCnt="5"/>
-      <dgm:spPr/>
-    </dgm:pt>
-    <dgm:pt modelId="{C7AAE8FE-04B2-43E0-8AEE-8DD6AF91AFFB}" type="pres">
-      <dgm:prSet presAssocID="{BED09995-17F8-4861-9C60-87D7C6BD2517}" presName="vert1" presStyleCnt="0"/>
-      <dgm:spPr/>
-    </dgm:pt>
-    <dgm:pt modelId="{83E1C8AF-D26E-4AA0-9134-157CB4DA4673}" type="pres">
-      <dgm:prSet presAssocID="{39117585-435A-4860-8DB3-B285E6F47958}" presName="thickLine" presStyleLbl="alignNode1" presStyleIdx="2" presStyleCnt="5"/>
-      <dgm:spPr/>
-    </dgm:pt>
-    <dgm:pt modelId="{FA613DAF-CE0E-4BE3-BB9B-C8C0A8027F04}" type="pres">
-      <dgm:prSet presAssocID="{39117585-435A-4860-8DB3-B285E6F47958}" presName="horz1" presStyleCnt="0"/>
-      <dgm:spPr/>
-    </dgm:pt>
-    <dgm:pt modelId="{666E6397-F86E-4BCC-BBF8-A1A189B7D36E}" type="pres">
-      <dgm:prSet presAssocID="{39117585-435A-4860-8DB3-B285E6F47958}" presName="tx1" presStyleLbl="revTx" presStyleIdx="2" presStyleCnt="5"/>
-      <dgm:spPr/>
-    </dgm:pt>
-    <dgm:pt modelId="{591C2EE2-076D-477E-B4AE-615960376137}" type="pres">
-      <dgm:prSet presAssocID="{39117585-435A-4860-8DB3-B285E6F47958}" presName="vert1" presStyleCnt="0"/>
-      <dgm:spPr/>
-    </dgm:pt>
     <dgm:pt modelId="{D471A5A2-A108-4F20-8DCA-6A22C565F1E2}" type="pres">
-      <dgm:prSet presAssocID="{13BF0BD9-50DB-4A3B-9EC4-F5128A2E0B5B}" presName="thickLine" presStyleLbl="alignNode1" presStyleIdx="3" presStyleCnt="5"/>
+      <dgm:prSet presAssocID="{13BF0BD9-50DB-4A3B-9EC4-F5128A2E0B5B}" presName="thickLine" presStyleLbl="alignNode1" presStyleIdx="1" presStyleCnt="3"/>
       <dgm:spPr/>
     </dgm:pt>
     <dgm:pt modelId="{261C8CBB-C7EB-42D6-9E9A-930F6EC1F440}" type="pres">
@@ -9954,7 +9756,7 @@
       <dgm:spPr/>
     </dgm:pt>
     <dgm:pt modelId="{6C649CE7-91EB-42C0-B5C5-F12814B5C4C7}" type="pres">
-      <dgm:prSet presAssocID="{13BF0BD9-50DB-4A3B-9EC4-F5128A2E0B5B}" presName="tx1" presStyleLbl="revTx" presStyleIdx="3" presStyleCnt="5"/>
+      <dgm:prSet presAssocID="{13BF0BD9-50DB-4A3B-9EC4-F5128A2E0B5B}" presName="tx1" presStyleLbl="revTx" presStyleIdx="1" presStyleCnt="3"/>
       <dgm:spPr/>
     </dgm:pt>
     <dgm:pt modelId="{EC787FF9-D672-43EA-9D44-68901E16DA54}" type="pres">
@@ -9962,7 +9764,7 @@
       <dgm:spPr/>
     </dgm:pt>
     <dgm:pt modelId="{2AD87B78-19BB-41DF-BB9D-ED57FC1CFF70}" type="pres">
-      <dgm:prSet presAssocID="{0CAE9E80-9F07-486E-9099-00B6ACD440F7}" presName="thickLine" presStyleLbl="alignNode1" presStyleIdx="4" presStyleCnt="5"/>
+      <dgm:prSet presAssocID="{0CAE9E80-9F07-486E-9099-00B6ACD440F7}" presName="thickLine" presStyleLbl="alignNode1" presStyleIdx="2" presStyleCnt="3"/>
       <dgm:spPr/>
     </dgm:pt>
     <dgm:pt modelId="{CBB091EF-1A8D-4657-9402-9C4B6CEFCB25}" type="pres">
@@ -9970,7 +9772,7 @@
       <dgm:spPr/>
     </dgm:pt>
     <dgm:pt modelId="{F0A4CD6E-19F2-4C04-B5E2-C64B367AC910}" type="pres">
-      <dgm:prSet presAssocID="{0CAE9E80-9F07-486E-9099-00B6ACD440F7}" presName="tx1" presStyleLbl="revTx" presStyleIdx="4" presStyleCnt="5"/>
+      <dgm:prSet presAssocID="{0CAE9E80-9F07-486E-9099-00B6ACD440F7}" presName="tx1" presStyleLbl="revTx" presStyleIdx="2" presStyleCnt="3"/>
       <dgm:spPr/>
     </dgm:pt>
     <dgm:pt modelId="{3D0353BE-8C86-4091-A9CF-3301102987A0}" type="pres">
@@ -9979,14 +9781,10 @@
     </dgm:pt>
   </dgm:ptLst>
   <dgm:cxnLst>
-    <dgm:cxn modelId="{DAF85105-1B03-45D9-87EE-5AC6D8D444B9}" type="presOf" srcId="{BED09995-17F8-4861-9C60-87D7C6BD2517}" destId="{0CE2C442-9DE6-4506-965C-7FAD25A00112}" srcOrd="0" destOrd="0" presId="urn:microsoft.com/office/officeart/2008/layout/LinedList"/>
     <dgm:cxn modelId="{513D260F-45E4-44B4-9D2D-963E0B7B1E0A}" type="presOf" srcId="{0CAE9E80-9F07-486E-9099-00B6ACD440F7}" destId="{F0A4CD6E-19F2-4C04-B5E2-C64B367AC910}" srcOrd="0" destOrd="0" presId="urn:microsoft.com/office/officeart/2008/layout/LinedList"/>
-    <dgm:cxn modelId="{CC645A69-52CC-48A4-877E-B1973E75052A}" srcId="{1393A85F-0B39-4472-9E5D-FFE623668187}" destId="{0CAE9E80-9F07-486E-9099-00B6ACD440F7}" srcOrd="4" destOrd="0" parTransId="{54960A0A-C7FA-41CD-8F16-67E8320E88E0}" sibTransId="{23D7A895-666F-4920-8403-A3013616EF2E}"/>
+    <dgm:cxn modelId="{CC645A69-52CC-48A4-877E-B1973E75052A}" srcId="{1393A85F-0B39-4472-9E5D-FFE623668187}" destId="{0CAE9E80-9F07-486E-9099-00B6ACD440F7}" srcOrd="2" destOrd="0" parTransId="{54960A0A-C7FA-41CD-8F16-67E8320E88E0}" sibTransId="{23D7A895-666F-4920-8403-A3013616EF2E}"/>
     <dgm:cxn modelId="{6881814A-6E91-4991-A87F-CD607ED87ED0}" type="presOf" srcId="{13BF0BD9-50DB-4A3B-9EC4-F5128A2E0B5B}" destId="{6C649CE7-91EB-42C0-B5C5-F12814B5C4C7}" srcOrd="0" destOrd="0" presId="urn:microsoft.com/office/officeart/2008/layout/LinedList"/>
-    <dgm:cxn modelId="{045A3351-E03B-4D60-B43C-838C772517B1}" type="presOf" srcId="{39117585-435A-4860-8DB3-B285E6F47958}" destId="{666E6397-F86E-4BCC-BBF8-A1A189B7D36E}" srcOrd="0" destOrd="0" presId="urn:microsoft.com/office/officeart/2008/layout/LinedList"/>
-    <dgm:cxn modelId="{3FAAFF81-ED3C-423B-8259-1957A7FA26D6}" srcId="{1393A85F-0B39-4472-9E5D-FFE623668187}" destId="{BED09995-17F8-4861-9C60-87D7C6BD2517}" srcOrd="1" destOrd="0" parTransId="{2531497D-0E00-4283-BE73-D62830F1C1A3}" sibTransId="{49B2F9D0-D0D3-41B9-981A-EA3B32BF4A68}"/>
-    <dgm:cxn modelId="{27BD288C-6982-4C41-B791-883D428EB294}" srcId="{1393A85F-0B39-4472-9E5D-FFE623668187}" destId="{39117585-435A-4860-8DB3-B285E6F47958}" srcOrd="2" destOrd="0" parTransId="{24E3B62D-3174-4903-A420-BB1198C02116}" sibTransId="{4FF1C8C1-C197-4CB1-B43C-67832AD5F2B6}"/>
-    <dgm:cxn modelId="{F3C3ABD7-7BD5-45CD-AED4-1E068E9D7E27}" srcId="{1393A85F-0B39-4472-9E5D-FFE623668187}" destId="{13BF0BD9-50DB-4A3B-9EC4-F5128A2E0B5B}" srcOrd="3" destOrd="0" parTransId="{7C0B26C4-20CB-4E44-A4EF-8EFED89B2DA7}" sibTransId="{4FD5980A-42C4-49EA-9AFD-528463F930C3}"/>
+    <dgm:cxn modelId="{F3C3ABD7-7BD5-45CD-AED4-1E068E9D7E27}" srcId="{1393A85F-0B39-4472-9E5D-FFE623668187}" destId="{13BF0BD9-50DB-4A3B-9EC4-F5128A2E0B5B}" srcOrd="1" destOrd="0" parTransId="{7C0B26C4-20CB-4E44-A4EF-8EFED89B2DA7}" sibTransId="{4FD5980A-42C4-49EA-9AFD-528463F930C3}"/>
     <dgm:cxn modelId="{C22CEEE2-D78B-4390-B6DB-C9DDC17794F5}" type="presOf" srcId="{1393A85F-0B39-4472-9E5D-FFE623668187}" destId="{DE189EE5-B530-4E83-92AF-139E246161C7}" srcOrd="0" destOrd="0" presId="urn:microsoft.com/office/officeart/2008/layout/LinedList"/>
     <dgm:cxn modelId="{D93D6EED-12F1-4BBE-B8B1-72F8BAA8E498}" type="presOf" srcId="{0D176BAC-0CA0-4152-8E0F-A08139C1A439}" destId="{DB5CEF36-0221-4099-B38D-91598E5BD104}" srcOrd="0" destOrd="0" presId="urn:microsoft.com/office/officeart/2008/layout/LinedList"/>
     <dgm:cxn modelId="{05FADEED-76A9-4D67-9D52-17A8AF0C623C}" srcId="{1393A85F-0B39-4472-9E5D-FFE623668187}" destId="{0D176BAC-0CA0-4152-8E0F-A08139C1A439}" srcOrd="0" destOrd="0" parTransId="{3567280E-7EC0-45A0-91D9-63034059D423}" sibTransId="{E1DB4AC9-C180-4923-AD92-019776415053}"/>
@@ -9994,20 +9792,12 @@
     <dgm:cxn modelId="{1CF123BF-FEB7-4D85-82AA-E7221FCA9E98}" type="presParOf" srcId="{DE189EE5-B530-4E83-92AF-139E246161C7}" destId="{1DAB8ED2-1EE5-4A74-B269-FE0EEDC5B2DD}" srcOrd="1" destOrd="0" presId="urn:microsoft.com/office/officeart/2008/layout/LinedList"/>
     <dgm:cxn modelId="{2E53F331-A657-4ACA-984A-C7249E037D7A}" type="presParOf" srcId="{1DAB8ED2-1EE5-4A74-B269-FE0EEDC5B2DD}" destId="{DB5CEF36-0221-4099-B38D-91598E5BD104}" srcOrd="0" destOrd="0" presId="urn:microsoft.com/office/officeart/2008/layout/LinedList"/>
     <dgm:cxn modelId="{EFCE520D-945A-4175-816F-780C502AE585}" type="presParOf" srcId="{1DAB8ED2-1EE5-4A74-B269-FE0EEDC5B2DD}" destId="{E5BEC9CE-57F2-47FC-91CE-0DE008132760}" srcOrd="1" destOrd="0" presId="urn:microsoft.com/office/officeart/2008/layout/LinedList"/>
-    <dgm:cxn modelId="{24D6E7F1-63DB-4AE3-96C9-BFF3BD70C810}" type="presParOf" srcId="{DE189EE5-B530-4E83-92AF-139E246161C7}" destId="{7F7387AC-0D7E-4F74-AA04-EDF2DE617966}" srcOrd="2" destOrd="0" presId="urn:microsoft.com/office/officeart/2008/layout/LinedList"/>
-    <dgm:cxn modelId="{638B9FEC-18C7-4491-817D-4C13B88F4266}" type="presParOf" srcId="{DE189EE5-B530-4E83-92AF-139E246161C7}" destId="{EAA430D5-9051-498B-A166-FB83B6E04D89}" srcOrd="3" destOrd="0" presId="urn:microsoft.com/office/officeart/2008/layout/LinedList"/>
-    <dgm:cxn modelId="{330BB0D9-44D1-4991-903B-19D3A355EB4F}" type="presParOf" srcId="{EAA430D5-9051-498B-A166-FB83B6E04D89}" destId="{0CE2C442-9DE6-4506-965C-7FAD25A00112}" srcOrd="0" destOrd="0" presId="urn:microsoft.com/office/officeart/2008/layout/LinedList"/>
-    <dgm:cxn modelId="{06046831-F6EB-4B7B-B752-101468D5D2ED}" type="presParOf" srcId="{EAA430D5-9051-498B-A166-FB83B6E04D89}" destId="{C7AAE8FE-04B2-43E0-8AEE-8DD6AF91AFFB}" srcOrd="1" destOrd="0" presId="urn:microsoft.com/office/officeart/2008/layout/LinedList"/>
-    <dgm:cxn modelId="{C4E93544-01C8-43A5-B132-640A277238F2}" type="presParOf" srcId="{DE189EE5-B530-4E83-92AF-139E246161C7}" destId="{83E1C8AF-D26E-4AA0-9134-157CB4DA4673}" srcOrd="4" destOrd="0" presId="urn:microsoft.com/office/officeart/2008/layout/LinedList"/>
-    <dgm:cxn modelId="{EF79983E-5450-4254-B938-7785DDA5CA2A}" type="presParOf" srcId="{DE189EE5-B530-4E83-92AF-139E246161C7}" destId="{FA613DAF-CE0E-4BE3-BB9B-C8C0A8027F04}" srcOrd="5" destOrd="0" presId="urn:microsoft.com/office/officeart/2008/layout/LinedList"/>
-    <dgm:cxn modelId="{F9188BDE-4D7E-4EA4-8197-219FC70FC90C}" type="presParOf" srcId="{FA613DAF-CE0E-4BE3-BB9B-C8C0A8027F04}" destId="{666E6397-F86E-4BCC-BBF8-A1A189B7D36E}" srcOrd="0" destOrd="0" presId="urn:microsoft.com/office/officeart/2008/layout/LinedList"/>
-    <dgm:cxn modelId="{46921C88-7CEB-40AB-9E06-019BC3402432}" type="presParOf" srcId="{FA613DAF-CE0E-4BE3-BB9B-C8C0A8027F04}" destId="{591C2EE2-076D-477E-B4AE-615960376137}" srcOrd="1" destOrd="0" presId="urn:microsoft.com/office/officeart/2008/layout/LinedList"/>
-    <dgm:cxn modelId="{376DEBD6-B9B9-40E3-BC2B-01B6F0A689B9}" type="presParOf" srcId="{DE189EE5-B530-4E83-92AF-139E246161C7}" destId="{D471A5A2-A108-4F20-8DCA-6A22C565F1E2}" srcOrd="6" destOrd="0" presId="urn:microsoft.com/office/officeart/2008/layout/LinedList"/>
-    <dgm:cxn modelId="{A39C5A20-D97F-48F9-B881-1956797DAA42}" type="presParOf" srcId="{DE189EE5-B530-4E83-92AF-139E246161C7}" destId="{261C8CBB-C7EB-42D6-9E9A-930F6EC1F440}" srcOrd="7" destOrd="0" presId="urn:microsoft.com/office/officeart/2008/layout/LinedList"/>
+    <dgm:cxn modelId="{376DEBD6-B9B9-40E3-BC2B-01B6F0A689B9}" type="presParOf" srcId="{DE189EE5-B530-4E83-92AF-139E246161C7}" destId="{D471A5A2-A108-4F20-8DCA-6A22C565F1E2}" srcOrd="2" destOrd="0" presId="urn:microsoft.com/office/officeart/2008/layout/LinedList"/>
+    <dgm:cxn modelId="{A39C5A20-D97F-48F9-B881-1956797DAA42}" type="presParOf" srcId="{DE189EE5-B530-4E83-92AF-139E246161C7}" destId="{261C8CBB-C7EB-42D6-9E9A-930F6EC1F440}" srcOrd="3" destOrd="0" presId="urn:microsoft.com/office/officeart/2008/layout/LinedList"/>
     <dgm:cxn modelId="{65E6A2E5-4B28-4F46-8F8F-58EB81E24C5A}" type="presParOf" srcId="{261C8CBB-C7EB-42D6-9E9A-930F6EC1F440}" destId="{6C649CE7-91EB-42C0-B5C5-F12814B5C4C7}" srcOrd="0" destOrd="0" presId="urn:microsoft.com/office/officeart/2008/layout/LinedList"/>
     <dgm:cxn modelId="{CADDEAEB-A358-4CB5-95C8-074DDBA90008}" type="presParOf" srcId="{261C8CBB-C7EB-42D6-9E9A-930F6EC1F440}" destId="{EC787FF9-D672-43EA-9D44-68901E16DA54}" srcOrd="1" destOrd="0" presId="urn:microsoft.com/office/officeart/2008/layout/LinedList"/>
-    <dgm:cxn modelId="{FA35D4C6-2583-4BA1-A469-FD8529CDB6C7}" type="presParOf" srcId="{DE189EE5-B530-4E83-92AF-139E246161C7}" destId="{2AD87B78-19BB-41DF-BB9D-ED57FC1CFF70}" srcOrd="8" destOrd="0" presId="urn:microsoft.com/office/officeart/2008/layout/LinedList"/>
-    <dgm:cxn modelId="{49604FC2-A60E-4F60-9C4C-88E31DBF730B}" type="presParOf" srcId="{DE189EE5-B530-4E83-92AF-139E246161C7}" destId="{CBB091EF-1A8D-4657-9402-9C4B6CEFCB25}" srcOrd="9" destOrd="0" presId="urn:microsoft.com/office/officeart/2008/layout/LinedList"/>
+    <dgm:cxn modelId="{FA35D4C6-2583-4BA1-A469-FD8529CDB6C7}" type="presParOf" srcId="{DE189EE5-B530-4E83-92AF-139E246161C7}" destId="{2AD87B78-19BB-41DF-BB9D-ED57FC1CFF70}" srcOrd="4" destOrd="0" presId="urn:microsoft.com/office/officeart/2008/layout/LinedList"/>
+    <dgm:cxn modelId="{49604FC2-A60E-4F60-9C4C-88E31DBF730B}" type="presParOf" srcId="{DE189EE5-B530-4E83-92AF-139E246161C7}" destId="{CBB091EF-1A8D-4657-9402-9C4B6CEFCB25}" srcOrd="5" destOrd="0" presId="urn:microsoft.com/office/officeart/2008/layout/LinedList"/>
     <dgm:cxn modelId="{AAB4197B-B2AD-4C4B-B761-553BBF16DFA1}" type="presParOf" srcId="{CBB091EF-1A8D-4657-9402-9C4B6CEFCB25}" destId="{F0A4CD6E-19F2-4C04-B5E2-C64B367AC910}" srcOrd="0" destOrd="0" presId="urn:microsoft.com/office/officeart/2008/layout/LinedList"/>
     <dgm:cxn modelId="{DDD55681-EF44-4862-A7BA-4823A0DB0264}" type="presParOf" srcId="{CBB091EF-1A8D-4657-9402-9C4B6CEFCB25}" destId="{3D0353BE-8C86-4091-A9CF-3301102987A0}" srcOrd="1" destOrd="0" presId="urn:microsoft.com/office/officeart/2008/layout/LinedList"/>
   </dgm:cxnLst>
@@ -10015,7 +9805,7 @@
   <dgm:whole/>
   <dgm:extLst>
     <a:ext uri="http://schemas.microsoft.com/office/drawing/2008/diagram">
-      <dsp:dataModelExt xmlns:dsp="http://schemas.microsoft.com/office/drawing/2008/diagram" relId="rId6" minVer="http://schemas.openxmlformats.org/drawingml/2006/diagram"/>
+      <dsp:dataModelExt xmlns:dsp="http://schemas.microsoft.com/office/drawing/2008/diagram" relId="rId7" minVer="http://schemas.openxmlformats.org/drawingml/2006/diagram"/>
     </a:ext>
   </dgm:extLst>
 </dgm:dataModel>
@@ -11304,7 +11094,7 @@
           </a:pPr>
           <a:r>
             <a:rPr lang="en-US" sz="2800" kern="1200" dirty="0"/>
-            <a:t>Testing scripts</a:t>
+            <a:t>Testing scripts using Pester</a:t>
           </a:r>
         </a:p>
       </dsp:txBody>
@@ -13463,7 +13253,7 @@
       </dsp:nvSpPr>
       <dsp:spPr>
         <a:xfrm>
-          <a:off x="0" y="2873"/>
+          <a:off x="0" y="718"/>
           <a:ext cx="6513603" cy="0"/>
         </a:xfrm>
         <a:prstGeom prst="line">
@@ -13543,8 +13333,8 @@
       </dsp:nvSpPr>
       <dsp:spPr>
         <a:xfrm>
-          <a:off x="0" y="2873"/>
-          <a:ext cx="6513603" cy="979946"/>
+          <a:off x="0" y="718"/>
+          <a:ext cx="6513603" cy="1176797"/>
         </a:xfrm>
         <a:prstGeom prst="rect">
           <a:avLst/>
@@ -13592,8 +13382,8 @@
         </a:p>
       </dsp:txBody>
       <dsp:txXfrm>
-        <a:off x="0" y="2873"/>
-        <a:ext cx="6513603" cy="979946"/>
+        <a:off x="0" y="718"/>
+        <a:ext cx="6513603" cy="1176797"/>
       </dsp:txXfrm>
     </dsp:sp>
     <dsp:sp modelId="{D31C28E0-064A-4D61-B05F-75A6B5D8D920}">
@@ -13603,7 +13393,7 @@
       </dsp:nvSpPr>
       <dsp:spPr>
         <a:xfrm>
-          <a:off x="0" y="982820"/>
+          <a:off x="0" y="1177516"/>
           <a:ext cx="6513603" cy="0"/>
         </a:xfrm>
         <a:prstGeom prst="line">
@@ -13613,9 +13403,9 @@
           <a:gsLst>
             <a:gs pos="0">
               <a:schemeClr val="accent5">
-                <a:hueOff val="-1351709"/>
-                <a:satOff val="-3484"/>
-                <a:lumOff val="-2353"/>
+                <a:hueOff val="-1689636"/>
+                <a:satOff val="-4355"/>
+                <a:lumOff val="-2941"/>
                 <a:alphaOff val="0"/>
                 <a:satMod val="103000"/>
                 <a:lumMod val="102000"/>
@@ -13624,9 +13414,9 @@
             </a:gs>
             <a:gs pos="50000">
               <a:schemeClr val="accent5">
-                <a:hueOff val="-1351709"/>
-                <a:satOff val="-3484"/>
-                <a:lumOff val="-2353"/>
+                <a:hueOff val="-1689636"/>
+                <a:satOff val="-4355"/>
+                <a:lumOff val="-2941"/>
                 <a:alphaOff val="0"/>
                 <a:satMod val="110000"/>
                 <a:lumMod val="100000"/>
@@ -13635,9 +13425,9 @@
             </a:gs>
             <a:gs pos="100000">
               <a:schemeClr val="accent5">
-                <a:hueOff val="-1351709"/>
-                <a:satOff val="-3484"/>
-                <a:lumOff val="-2353"/>
+                <a:hueOff val="-1689636"/>
+                <a:satOff val="-4355"/>
+                <a:lumOff val="-2941"/>
                 <a:alphaOff val="0"/>
                 <a:lumMod val="99000"/>
                 <a:satMod val="120000"/>
@@ -13650,9 +13440,9 @@
         <a:ln w="6350" cap="flat" cmpd="sng" algn="ctr">
           <a:solidFill>
             <a:schemeClr val="accent5">
-              <a:hueOff val="-1351709"/>
-              <a:satOff val="-3484"/>
-              <a:lumOff val="-2353"/>
+              <a:hueOff val="-1689636"/>
+              <a:satOff val="-4355"/>
+              <a:lumOff val="-2941"/>
               <a:alphaOff val="0"/>
             </a:schemeClr>
           </a:solidFill>
@@ -13683,8 +13473,8 @@
       </dsp:nvSpPr>
       <dsp:spPr>
         <a:xfrm>
-          <a:off x="0" y="982820"/>
-          <a:ext cx="6513603" cy="979946"/>
+          <a:off x="0" y="1177516"/>
+          <a:ext cx="6513603" cy="1176797"/>
         </a:xfrm>
         <a:prstGeom prst="rect">
           <a:avLst/>
@@ -13744,8 +13534,8 @@
         </a:p>
       </dsp:txBody>
       <dsp:txXfrm>
-        <a:off x="0" y="982820"/>
-        <a:ext cx="6513603" cy="979946"/>
+        <a:off x="0" y="1177516"/>
+        <a:ext cx="6513603" cy="1176797"/>
       </dsp:txXfrm>
     </dsp:sp>
     <dsp:sp modelId="{80E66E7C-14E8-4F6C-B6EB-9AFBDC3B73D2}">
@@ -13755,7 +13545,7 @@
       </dsp:nvSpPr>
       <dsp:spPr>
         <a:xfrm>
-          <a:off x="0" y="1962766"/>
+          <a:off x="0" y="2354314"/>
           <a:ext cx="6513603" cy="0"/>
         </a:xfrm>
         <a:prstGeom prst="line">
@@ -13765,9 +13555,9 @@
           <a:gsLst>
             <a:gs pos="0">
               <a:schemeClr val="accent5">
-                <a:hueOff val="-2703417"/>
-                <a:satOff val="-6968"/>
-                <a:lumOff val="-4706"/>
+                <a:hueOff val="-3379271"/>
+                <a:satOff val="-8710"/>
+                <a:lumOff val="-5883"/>
                 <a:alphaOff val="0"/>
                 <a:satMod val="103000"/>
                 <a:lumMod val="102000"/>
@@ -13776,9 +13566,9 @@
             </a:gs>
             <a:gs pos="50000">
               <a:schemeClr val="accent5">
-                <a:hueOff val="-2703417"/>
-                <a:satOff val="-6968"/>
-                <a:lumOff val="-4706"/>
+                <a:hueOff val="-3379271"/>
+                <a:satOff val="-8710"/>
+                <a:lumOff val="-5883"/>
                 <a:alphaOff val="0"/>
                 <a:satMod val="110000"/>
                 <a:lumMod val="100000"/>
@@ -13787,9 +13577,9 @@
             </a:gs>
             <a:gs pos="100000">
               <a:schemeClr val="accent5">
-                <a:hueOff val="-2703417"/>
-                <a:satOff val="-6968"/>
-                <a:lumOff val="-4706"/>
+                <a:hueOff val="-3379271"/>
+                <a:satOff val="-8710"/>
+                <a:lumOff val="-5883"/>
                 <a:alphaOff val="0"/>
                 <a:lumMod val="99000"/>
                 <a:satMod val="120000"/>
@@ -13802,9 +13592,9 @@
         <a:ln w="6350" cap="flat" cmpd="sng" algn="ctr">
           <a:solidFill>
             <a:schemeClr val="accent5">
-              <a:hueOff val="-2703417"/>
-              <a:satOff val="-6968"/>
-              <a:lumOff val="-4706"/>
+              <a:hueOff val="-3379271"/>
+              <a:satOff val="-8710"/>
+              <a:lumOff val="-5883"/>
               <a:alphaOff val="0"/>
             </a:schemeClr>
           </a:solidFill>
@@ -13835,8 +13625,8 @@
       </dsp:nvSpPr>
       <dsp:spPr>
         <a:xfrm>
-          <a:off x="0" y="1962766"/>
-          <a:ext cx="6513603" cy="979946"/>
+          <a:off x="0" y="2354314"/>
+          <a:ext cx="6513603" cy="1176797"/>
         </a:xfrm>
         <a:prstGeom prst="rect">
           <a:avLst/>
@@ -13896,8 +13686,8 @@
         </a:p>
       </dsp:txBody>
       <dsp:txXfrm>
-        <a:off x="0" y="1962766"/>
-        <a:ext cx="6513603" cy="979946"/>
+        <a:off x="0" y="2354314"/>
+        <a:ext cx="6513603" cy="1176797"/>
       </dsp:txXfrm>
     </dsp:sp>
     <dsp:sp modelId="{8D0D2791-098F-4217-BC31-6519701E69AB}">
@@ -13907,7 +13697,7 @@
       </dsp:nvSpPr>
       <dsp:spPr>
         <a:xfrm>
-          <a:off x="0" y="2942713"/>
+          <a:off x="0" y="3531111"/>
           <a:ext cx="6513603" cy="0"/>
         </a:xfrm>
         <a:prstGeom prst="line">
@@ -13917,9 +13707,9 @@
           <a:gsLst>
             <a:gs pos="0">
               <a:schemeClr val="accent5">
-                <a:hueOff val="-4055126"/>
-                <a:satOff val="-10451"/>
-                <a:lumOff val="-7059"/>
+                <a:hueOff val="-5068907"/>
+                <a:satOff val="-13064"/>
+                <a:lumOff val="-8824"/>
                 <a:alphaOff val="0"/>
                 <a:satMod val="103000"/>
                 <a:lumMod val="102000"/>
@@ -13928,9 +13718,9 @@
             </a:gs>
             <a:gs pos="50000">
               <a:schemeClr val="accent5">
-                <a:hueOff val="-4055126"/>
-                <a:satOff val="-10451"/>
-                <a:lumOff val="-7059"/>
+                <a:hueOff val="-5068907"/>
+                <a:satOff val="-13064"/>
+                <a:lumOff val="-8824"/>
                 <a:alphaOff val="0"/>
                 <a:satMod val="110000"/>
                 <a:lumMod val="100000"/>
@@ -13939,9 +13729,9 @@
             </a:gs>
             <a:gs pos="100000">
               <a:schemeClr val="accent5">
-                <a:hueOff val="-4055126"/>
-                <a:satOff val="-10451"/>
-                <a:lumOff val="-7059"/>
+                <a:hueOff val="-5068907"/>
+                <a:satOff val="-13064"/>
+                <a:lumOff val="-8824"/>
                 <a:alphaOff val="0"/>
                 <a:lumMod val="99000"/>
                 <a:satMod val="120000"/>
@@ -13954,9 +13744,9 @@
         <a:ln w="6350" cap="flat" cmpd="sng" algn="ctr">
           <a:solidFill>
             <a:schemeClr val="accent5">
-              <a:hueOff val="-4055126"/>
-              <a:satOff val="-10451"/>
-              <a:lumOff val="-7059"/>
+              <a:hueOff val="-5068907"/>
+              <a:satOff val="-13064"/>
+              <a:lumOff val="-8824"/>
               <a:alphaOff val="0"/>
             </a:schemeClr>
           </a:solidFill>
@@ -13987,8 +13777,8 @@
       </dsp:nvSpPr>
       <dsp:spPr>
         <a:xfrm>
-          <a:off x="0" y="2942713"/>
-          <a:ext cx="6513603" cy="979946"/>
+          <a:off x="0" y="3531111"/>
+          <a:ext cx="6513603" cy="1176797"/>
         </a:xfrm>
         <a:prstGeom prst="rect">
           <a:avLst/>
@@ -14048,160 +13838,8 @@
         </a:p>
       </dsp:txBody>
       <dsp:txXfrm>
-        <a:off x="0" y="2942713"/>
-        <a:ext cx="6513603" cy="979946"/>
-      </dsp:txXfrm>
-    </dsp:sp>
-    <dsp:sp modelId="{13C9E61F-D1EF-4E00-A4D9-407497265071}">
-      <dsp:nvSpPr>
-        <dsp:cNvPr id="0" name=""/>
-        <dsp:cNvSpPr/>
-      </dsp:nvSpPr>
-      <dsp:spPr>
-        <a:xfrm>
-          <a:off x="0" y="3922659"/>
-          <a:ext cx="6513603" cy="0"/>
-        </a:xfrm>
-        <a:prstGeom prst="line">
-          <a:avLst/>
-        </a:prstGeom>
-        <a:gradFill rotWithShape="0">
-          <a:gsLst>
-            <a:gs pos="0">
-              <a:schemeClr val="accent5">
-                <a:hueOff val="-5406834"/>
-                <a:satOff val="-13935"/>
-                <a:lumOff val="-9412"/>
-                <a:alphaOff val="0"/>
-                <a:satMod val="103000"/>
-                <a:lumMod val="102000"/>
-                <a:tint val="94000"/>
-              </a:schemeClr>
-            </a:gs>
-            <a:gs pos="50000">
-              <a:schemeClr val="accent5">
-                <a:hueOff val="-5406834"/>
-                <a:satOff val="-13935"/>
-                <a:lumOff val="-9412"/>
-                <a:alphaOff val="0"/>
-                <a:satMod val="110000"/>
-                <a:lumMod val="100000"/>
-                <a:shade val="100000"/>
-              </a:schemeClr>
-            </a:gs>
-            <a:gs pos="100000">
-              <a:schemeClr val="accent5">
-                <a:hueOff val="-5406834"/>
-                <a:satOff val="-13935"/>
-                <a:lumOff val="-9412"/>
-                <a:alphaOff val="0"/>
-                <a:lumMod val="99000"/>
-                <a:satMod val="120000"/>
-                <a:shade val="78000"/>
-              </a:schemeClr>
-            </a:gs>
-          </a:gsLst>
-          <a:lin ang="5400000" scaled="0"/>
-        </a:gradFill>
-        <a:ln w="6350" cap="flat" cmpd="sng" algn="ctr">
-          <a:solidFill>
-            <a:schemeClr val="accent5">
-              <a:hueOff val="-5406834"/>
-              <a:satOff val="-13935"/>
-              <a:lumOff val="-9412"/>
-              <a:alphaOff val="0"/>
-            </a:schemeClr>
-          </a:solidFill>
-          <a:prstDash val="solid"/>
-          <a:miter lim="800000"/>
-        </a:ln>
-        <a:effectLst/>
-      </dsp:spPr>
-      <dsp:style>
-        <a:lnRef idx="1">
-          <a:scrgbClr r="0" g="0" b="0"/>
-        </a:lnRef>
-        <a:fillRef idx="3">
-          <a:scrgbClr r="0" g="0" b="0"/>
-        </a:fillRef>
-        <a:effectRef idx="2">
-          <a:scrgbClr r="0" g="0" b="0"/>
-        </a:effectRef>
-        <a:fontRef idx="minor">
-          <a:schemeClr val="lt1"/>
-        </a:fontRef>
-      </dsp:style>
-    </dsp:sp>
-    <dsp:sp modelId="{7DD86601-8F28-44EF-AD08-277CF95825A6}">
-      <dsp:nvSpPr>
-        <dsp:cNvPr id="0" name=""/>
-        <dsp:cNvSpPr/>
-      </dsp:nvSpPr>
-      <dsp:spPr>
-        <a:xfrm>
-          <a:off x="0" y="3922659"/>
-          <a:ext cx="6513603" cy="979946"/>
-        </a:xfrm>
-        <a:prstGeom prst="rect">
-          <a:avLst/>
-        </a:prstGeom>
-        <a:noFill/>
-        <a:ln>
-          <a:noFill/>
-        </a:ln>
-        <a:effectLst/>
-      </dsp:spPr>
-      <dsp:style>
-        <a:lnRef idx="0">
-          <a:scrgbClr r="0" g="0" b="0"/>
-        </a:lnRef>
-        <a:fillRef idx="0">
-          <a:scrgbClr r="0" g="0" b="0"/>
-        </a:fillRef>
-        <a:effectRef idx="0">
-          <a:scrgbClr r="0" g="0" b="0"/>
-        </a:effectRef>
-        <a:fontRef idx="minor"/>
-      </dsp:style>
-      <dsp:txBody>
-        <a:bodyPr spcFirstLastPara="0" vert="horz" wrap="square" lIns="106680" tIns="106680" rIns="106680" bIns="106680" numCol="1" spcCol="1270" anchor="t" anchorCtr="0">
-          <a:noAutofit/>
-        </a:bodyPr>
-        <a:lstStyle/>
-        <a:p>
-          <a:pPr marL="0" lvl="0" indent="0" algn="l" defTabSz="1244600">
-            <a:lnSpc>
-              <a:spcPct val="90000"/>
-            </a:lnSpc>
-            <a:spcBef>
-              <a:spcPct val="0"/>
-            </a:spcBef>
-            <a:spcAft>
-              <a:spcPct val="35000"/>
-            </a:spcAft>
-            <a:buNone/>
-          </a:pPr>
-          <a:r>
-            <a:rPr lang="en-US" sz="2800" kern="1200" dirty="0">
-              <a:solidFill>
-                <a:prstClr val="black">
-                  <a:hueOff val="0"/>
-                  <a:satOff val="0"/>
-                  <a:lumOff val="0"/>
-                  <a:alphaOff val="0"/>
-                </a:prstClr>
-              </a:solidFill>
-              <a:latin typeface="Calibri" panose="020F0502020204030204"/>
-              <a:ea typeface="+mn-ea"/>
-              <a:cs typeface="+mn-cs"/>
-            </a:rPr>
-            <a:t>Hash tables</a:t>
-          </a:r>
-        </a:p>
-      </dsp:txBody>
-      <dsp:txXfrm>
-        <a:off x="0" y="3922659"/>
-        <a:ext cx="6513603" cy="979946"/>
+        <a:off x="0" y="3531111"/>
+        <a:ext cx="6513603" cy="1176797"/>
       </dsp:txXfrm>
     </dsp:sp>
     <dsp:sp modelId="{A962002E-C97F-4F35-B73D-908EEDC019BB}">
@@ -14211,7 +13849,7 @@
       </dsp:nvSpPr>
       <dsp:spPr>
         <a:xfrm>
-          <a:off x="0" y="4902605"/>
+          <a:off x="0" y="4707909"/>
           <a:ext cx="6513603" cy="0"/>
         </a:xfrm>
         <a:prstGeom prst="line">
@@ -14291,8 +13929,8 @@
       </dsp:nvSpPr>
       <dsp:spPr>
         <a:xfrm>
-          <a:off x="0" y="4902605"/>
-          <a:ext cx="6513603" cy="979946"/>
+          <a:off x="0" y="4707909"/>
+          <a:ext cx="6513603" cy="1176797"/>
         </a:xfrm>
         <a:prstGeom prst="rect">
           <a:avLst/>
@@ -14352,8 +13990,8 @@
         </a:p>
       </dsp:txBody>
       <dsp:txXfrm>
-        <a:off x="0" y="4902605"/>
-        <a:ext cx="6513603" cy="979946"/>
+        <a:off x="0" y="4707909"/>
+        <a:ext cx="6513603" cy="1176797"/>
       </dsp:txXfrm>
     </dsp:sp>
   </dsp:spTree>
@@ -14375,7 +14013,7 @@
       </dsp:nvSpPr>
       <dsp:spPr>
         <a:xfrm>
-          <a:off x="0" y="718"/>
+          <a:off x="0" y="2873"/>
           <a:ext cx="6513603" cy="0"/>
         </a:xfrm>
         <a:prstGeom prst="line">
@@ -14455,8 +14093,8 @@
       </dsp:nvSpPr>
       <dsp:spPr>
         <a:xfrm>
-          <a:off x="0" y="718"/>
-          <a:ext cx="6513603" cy="1176797"/>
+          <a:off x="0" y="2873"/>
+          <a:ext cx="6513603" cy="1959892"/>
         </a:xfrm>
         <a:prstGeom prst="rect">
           <a:avLst/>
@@ -14504,158 +14142,18 @@
         </a:p>
       </dsp:txBody>
       <dsp:txXfrm>
-        <a:off x="0" y="718"/>
-        <a:ext cx="6513603" cy="1176797"/>
+        <a:off x="0" y="2873"/>
+        <a:ext cx="6513603" cy="1959892"/>
       </dsp:txXfrm>
     </dsp:sp>
-    <dsp:sp modelId="{7F7387AC-0D7E-4F74-AA04-EDF2DE617966}">
+    <dsp:sp modelId="{D471A5A2-A108-4F20-8DCA-6A22C565F1E2}">
       <dsp:nvSpPr>
         <dsp:cNvPr id="0" name=""/>
         <dsp:cNvSpPr/>
       </dsp:nvSpPr>
       <dsp:spPr>
         <a:xfrm>
-          <a:off x="0" y="1177516"/>
-          <a:ext cx="6513603" cy="0"/>
-        </a:xfrm>
-        <a:prstGeom prst="line">
-          <a:avLst/>
-        </a:prstGeom>
-        <a:gradFill rotWithShape="0">
-          <a:gsLst>
-            <a:gs pos="0">
-              <a:schemeClr val="accent5">
-                <a:hueOff val="-1689636"/>
-                <a:satOff val="-4355"/>
-                <a:lumOff val="-2941"/>
-                <a:alphaOff val="0"/>
-                <a:satMod val="103000"/>
-                <a:lumMod val="102000"/>
-                <a:tint val="94000"/>
-              </a:schemeClr>
-            </a:gs>
-            <a:gs pos="50000">
-              <a:schemeClr val="accent5">
-                <a:hueOff val="-1689636"/>
-                <a:satOff val="-4355"/>
-                <a:lumOff val="-2941"/>
-                <a:alphaOff val="0"/>
-                <a:satMod val="110000"/>
-                <a:lumMod val="100000"/>
-                <a:shade val="100000"/>
-              </a:schemeClr>
-            </a:gs>
-            <a:gs pos="100000">
-              <a:schemeClr val="accent5">
-                <a:hueOff val="-1689636"/>
-                <a:satOff val="-4355"/>
-                <a:lumOff val="-2941"/>
-                <a:alphaOff val="0"/>
-                <a:lumMod val="99000"/>
-                <a:satMod val="120000"/>
-                <a:shade val="78000"/>
-              </a:schemeClr>
-            </a:gs>
-          </a:gsLst>
-          <a:lin ang="5400000" scaled="0"/>
-        </a:gradFill>
-        <a:ln w="6350" cap="flat" cmpd="sng" algn="ctr">
-          <a:solidFill>
-            <a:schemeClr val="accent5">
-              <a:hueOff val="-1689636"/>
-              <a:satOff val="-4355"/>
-              <a:lumOff val="-2941"/>
-              <a:alphaOff val="0"/>
-            </a:schemeClr>
-          </a:solidFill>
-          <a:prstDash val="solid"/>
-          <a:miter lim="800000"/>
-        </a:ln>
-        <a:effectLst/>
-      </dsp:spPr>
-      <dsp:style>
-        <a:lnRef idx="1">
-          <a:scrgbClr r="0" g="0" b="0"/>
-        </a:lnRef>
-        <a:fillRef idx="3">
-          <a:scrgbClr r="0" g="0" b="0"/>
-        </a:fillRef>
-        <a:effectRef idx="2">
-          <a:scrgbClr r="0" g="0" b="0"/>
-        </a:effectRef>
-        <a:fontRef idx="minor">
-          <a:schemeClr val="lt1"/>
-        </a:fontRef>
-      </dsp:style>
-    </dsp:sp>
-    <dsp:sp modelId="{0CE2C442-9DE6-4506-965C-7FAD25A00112}">
-      <dsp:nvSpPr>
-        <dsp:cNvPr id="0" name=""/>
-        <dsp:cNvSpPr/>
-      </dsp:nvSpPr>
-      <dsp:spPr>
-        <a:xfrm>
-          <a:off x="0" y="1177516"/>
-          <a:ext cx="6513603" cy="1176797"/>
-        </a:xfrm>
-        <a:prstGeom prst="rect">
-          <a:avLst/>
-        </a:prstGeom>
-        <a:noFill/>
-        <a:ln>
-          <a:noFill/>
-        </a:ln>
-        <a:effectLst/>
-      </dsp:spPr>
-      <dsp:style>
-        <a:lnRef idx="0">
-          <a:scrgbClr r="0" g="0" b="0"/>
-        </a:lnRef>
-        <a:fillRef idx="0">
-          <a:scrgbClr r="0" g="0" b="0"/>
-        </a:fillRef>
-        <a:effectRef idx="0">
-          <a:scrgbClr r="0" g="0" b="0"/>
-        </a:effectRef>
-        <a:fontRef idx="minor"/>
-      </dsp:style>
-      <dsp:txBody>
-        <a:bodyPr spcFirstLastPara="0" vert="horz" wrap="square" lIns="106680" tIns="106680" rIns="106680" bIns="106680" numCol="1" spcCol="1270" anchor="t" anchorCtr="0">
-          <a:noAutofit/>
-        </a:bodyPr>
-        <a:lstStyle/>
-        <a:p>
-          <a:pPr marL="0" lvl="0" indent="0" algn="l" defTabSz="1244600">
-            <a:lnSpc>
-              <a:spcPct val="90000"/>
-            </a:lnSpc>
-            <a:spcBef>
-              <a:spcPct val="0"/>
-            </a:spcBef>
-            <a:spcAft>
-              <a:spcPct val="35000"/>
-            </a:spcAft>
-            <a:buNone/>
-          </a:pPr>
-          <a:r>
-            <a:rPr lang="en-US" sz="2800" kern="1200" dirty="0"/>
-            <a:t>. Vs .\</a:t>
-          </a:r>
-        </a:p>
-      </dsp:txBody>
-      <dsp:txXfrm>
-        <a:off x="0" y="1177516"/>
-        <a:ext cx="6513603" cy="1176797"/>
-      </dsp:txXfrm>
-    </dsp:sp>
-    <dsp:sp modelId="{83E1C8AF-D26E-4AA0-9134-157CB4DA4673}">
-      <dsp:nvSpPr>
-        <dsp:cNvPr id="0" name=""/>
-        <dsp:cNvSpPr/>
-      </dsp:nvSpPr>
-      <dsp:spPr>
-        <a:xfrm>
-          <a:off x="0" y="2354314"/>
+          <a:off x="0" y="1962766"/>
           <a:ext cx="6513603" cy="0"/>
         </a:xfrm>
         <a:prstGeom prst="line">
@@ -14728,158 +14226,6 @@
         </a:fontRef>
       </dsp:style>
     </dsp:sp>
-    <dsp:sp modelId="{666E6397-F86E-4BCC-BBF8-A1A189B7D36E}">
-      <dsp:nvSpPr>
-        <dsp:cNvPr id="0" name=""/>
-        <dsp:cNvSpPr/>
-      </dsp:nvSpPr>
-      <dsp:spPr>
-        <a:xfrm>
-          <a:off x="0" y="2354314"/>
-          <a:ext cx="6513603" cy="1176797"/>
-        </a:xfrm>
-        <a:prstGeom prst="rect">
-          <a:avLst/>
-        </a:prstGeom>
-        <a:noFill/>
-        <a:ln>
-          <a:noFill/>
-        </a:ln>
-        <a:effectLst/>
-      </dsp:spPr>
-      <dsp:style>
-        <a:lnRef idx="0">
-          <a:scrgbClr r="0" g="0" b="0"/>
-        </a:lnRef>
-        <a:fillRef idx="0">
-          <a:scrgbClr r="0" g="0" b="0"/>
-        </a:fillRef>
-        <a:effectRef idx="0">
-          <a:scrgbClr r="0" g="0" b="0"/>
-        </a:effectRef>
-        <a:fontRef idx="minor"/>
-      </dsp:style>
-      <dsp:txBody>
-        <a:bodyPr spcFirstLastPara="0" vert="horz" wrap="square" lIns="106680" tIns="106680" rIns="106680" bIns="106680" numCol="1" spcCol="1270" anchor="t" anchorCtr="0">
-          <a:noAutofit/>
-        </a:bodyPr>
-        <a:lstStyle/>
-        <a:p>
-          <a:pPr marL="0" lvl="0" indent="0" algn="l" defTabSz="1244600">
-            <a:lnSpc>
-              <a:spcPct val="90000"/>
-            </a:lnSpc>
-            <a:spcBef>
-              <a:spcPct val="0"/>
-            </a:spcBef>
-            <a:spcAft>
-              <a:spcPct val="35000"/>
-            </a:spcAft>
-            <a:buNone/>
-          </a:pPr>
-          <a:r>
-            <a:rPr lang="en-US" sz="2800" kern="1200" dirty="0">
-              <a:solidFill>
-                <a:prstClr val="black">
-                  <a:hueOff val="0"/>
-                  <a:satOff val="0"/>
-                  <a:lumOff val="0"/>
-                  <a:alphaOff val="0"/>
-                </a:prstClr>
-              </a:solidFill>
-              <a:latin typeface="Calibri" panose="020F0502020204030204"/>
-              <a:ea typeface="+mn-ea"/>
-              <a:cs typeface="+mn-cs"/>
-            </a:rPr>
-            <a:t>Old code on the internet</a:t>
-          </a:r>
-        </a:p>
-      </dsp:txBody>
-      <dsp:txXfrm>
-        <a:off x="0" y="2354314"/>
-        <a:ext cx="6513603" cy="1176797"/>
-      </dsp:txXfrm>
-    </dsp:sp>
-    <dsp:sp modelId="{D471A5A2-A108-4F20-8DCA-6A22C565F1E2}">
-      <dsp:nvSpPr>
-        <dsp:cNvPr id="0" name=""/>
-        <dsp:cNvSpPr/>
-      </dsp:nvSpPr>
-      <dsp:spPr>
-        <a:xfrm>
-          <a:off x="0" y="3531111"/>
-          <a:ext cx="6513603" cy="0"/>
-        </a:xfrm>
-        <a:prstGeom prst="line">
-          <a:avLst/>
-        </a:prstGeom>
-        <a:gradFill rotWithShape="0">
-          <a:gsLst>
-            <a:gs pos="0">
-              <a:schemeClr val="accent5">
-                <a:hueOff val="-5068907"/>
-                <a:satOff val="-13064"/>
-                <a:lumOff val="-8824"/>
-                <a:alphaOff val="0"/>
-                <a:satMod val="103000"/>
-                <a:lumMod val="102000"/>
-                <a:tint val="94000"/>
-              </a:schemeClr>
-            </a:gs>
-            <a:gs pos="50000">
-              <a:schemeClr val="accent5">
-                <a:hueOff val="-5068907"/>
-                <a:satOff val="-13064"/>
-                <a:lumOff val="-8824"/>
-                <a:alphaOff val="0"/>
-                <a:satMod val="110000"/>
-                <a:lumMod val="100000"/>
-                <a:shade val="100000"/>
-              </a:schemeClr>
-            </a:gs>
-            <a:gs pos="100000">
-              <a:schemeClr val="accent5">
-                <a:hueOff val="-5068907"/>
-                <a:satOff val="-13064"/>
-                <a:lumOff val="-8824"/>
-                <a:alphaOff val="0"/>
-                <a:lumMod val="99000"/>
-                <a:satMod val="120000"/>
-                <a:shade val="78000"/>
-              </a:schemeClr>
-            </a:gs>
-          </a:gsLst>
-          <a:lin ang="5400000" scaled="0"/>
-        </a:gradFill>
-        <a:ln w="6350" cap="flat" cmpd="sng" algn="ctr">
-          <a:solidFill>
-            <a:schemeClr val="accent5">
-              <a:hueOff val="-5068907"/>
-              <a:satOff val="-13064"/>
-              <a:lumOff val="-8824"/>
-              <a:alphaOff val="0"/>
-            </a:schemeClr>
-          </a:solidFill>
-          <a:prstDash val="solid"/>
-          <a:miter lim="800000"/>
-        </a:ln>
-        <a:effectLst/>
-      </dsp:spPr>
-      <dsp:style>
-        <a:lnRef idx="1">
-          <a:scrgbClr r="0" g="0" b="0"/>
-        </a:lnRef>
-        <a:fillRef idx="3">
-          <a:scrgbClr r="0" g="0" b="0"/>
-        </a:fillRef>
-        <a:effectRef idx="2">
-          <a:scrgbClr r="0" g="0" b="0"/>
-        </a:effectRef>
-        <a:fontRef idx="minor">
-          <a:schemeClr val="lt1"/>
-        </a:fontRef>
-      </dsp:style>
-    </dsp:sp>
     <dsp:sp modelId="{6C649CE7-91EB-42C0-B5C5-F12814B5C4C7}">
       <dsp:nvSpPr>
         <dsp:cNvPr id="0" name=""/>
@@ -14887,8 +14233,8 @@
       </dsp:nvSpPr>
       <dsp:spPr>
         <a:xfrm>
-          <a:off x="0" y="3531111"/>
-          <a:ext cx="6513603" cy="1176797"/>
+          <a:off x="0" y="1962766"/>
+          <a:ext cx="6513603" cy="1959892"/>
         </a:xfrm>
         <a:prstGeom prst="rect">
           <a:avLst/>
@@ -14948,8 +14294,8 @@
         </a:p>
       </dsp:txBody>
       <dsp:txXfrm>
-        <a:off x="0" y="3531111"/>
-        <a:ext cx="6513603" cy="1176797"/>
+        <a:off x="0" y="1962766"/>
+        <a:ext cx="6513603" cy="1959892"/>
       </dsp:txXfrm>
     </dsp:sp>
     <dsp:sp modelId="{2AD87B78-19BB-41DF-BB9D-ED57FC1CFF70}">
@@ -14959,7 +14305,7 @@
       </dsp:nvSpPr>
       <dsp:spPr>
         <a:xfrm>
-          <a:off x="0" y="4707909"/>
+          <a:off x="0" y="3922659"/>
           <a:ext cx="6513603" cy="0"/>
         </a:xfrm>
         <a:prstGeom prst="line">
@@ -15039,8 +14385,8 @@
       </dsp:nvSpPr>
       <dsp:spPr>
         <a:xfrm>
-          <a:off x="0" y="4707909"/>
-          <a:ext cx="6513603" cy="1176797"/>
+          <a:off x="0" y="3922659"/>
+          <a:ext cx="6513603" cy="1959892"/>
         </a:xfrm>
         <a:prstGeom prst="rect">
           <a:avLst/>
@@ -15100,8 +14446,8 @@
         </a:p>
       </dsp:txBody>
       <dsp:txXfrm>
-        <a:off x="0" y="4707909"/>
-        <a:ext cx="6513603" cy="1176797"/>
+        <a:off x="0" y="3922659"/>
+        <a:ext cx="6513603" cy="1959892"/>
       </dsp:txXfrm>
     </dsp:sp>
   </dsp:spTree>
@@ -29147,7 +28493,7 @@
           <a:p>
             <a:fld id="{01C460B3-1631-4DC9-97B7-F8761921B0CA}" type="datetimeFigureOut">
               <a:rPr lang="en-US" smtClean="0"/>
-              <a:t>11/10/2019</a:t>
+              <a:t>11/14/2019</a:t>
             </a:fld>
             <a:endParaRPr lang="en-US"/>
           </a:p>
@@ -29458,7 +28804,2585 @@
           <a:bodyPr/>
           <a:lstStyle/>
           <a:p>
+            <a:r>
+              <a:rPr lang="en-US" sz="1200" b="1" kern="1200" dirty="0">
+                <a:solidFill>
+                  <a:schemeClr val="tx1"/>
+                </a:solidFill>
+                <a:effectLst/>
+                <a:latin typeface="+mn-lt"/>
+                <a:ea typeface="+mn-ea"/>
+                <a:cs typeface="+mn-cs"/>
+              </a:rPr>
+              <a:t>Introduce Myself</a:t>
+            </a:r>
+          </a:p>
+          <a:p>
+            <a:endParaRPr lang="en-US" sz="1200" b="1" kern="1200" dirty="0">
+              <a:solidFill>
+                <a:schemeClr val="tx1"/>
+              </a:solidFill>
+              <a:effectLst/>
+              <a:latin typeface="+mn-lt"/>
+              <a:ea typeface="+mn-ea"/>
+              <a:cs typeface="+mn-cs"/>
+            </a:endParaRPr>
+          </a:p>
+          <a:p>
+            <a:r>
+              <a:rPr lang="en-US" sz="1200" b="1" kern="1200" dirty="0">
+                <a:solidFill>
+                  <a:schemeClr val="tx1"/>
+                </a:solidFill>
+                <a:effectLst/>
+                <a:latin typeface="+mn-lt"/>
+                <a:ea typeface="+mn-ea"/>
+                <a:cs typeface="+mn-cs"/>
+              </a:rPr>
+              <a:t>About This Talk/Agenda</a:t>
+            </a:r>
+          </a:p>
+          <a:p>
+            <a:endParaRPr lang="en-US" sz="1200" b="1" kern="1200" dirty="0">
+              <a:solidFill>
+                <a:schemeClr val="tx1"/>
+              </a:solidFill>
+              <a:effectLst/>
+              <a:latin typeface="+mn-lt"/>
+              <a:ea typeface="+mn-ea"/>
+              <a:cs typeface="+mn-cs"/>
+            </a:endParaRPr>
+          </a:p>
+          <a:p>
+            <a:pPr lvl="0"/>
+            <a:r>
+              <a:rPr lang="en-US" sz="1200" b="1" kern="1200" dirty="0">
+                <a:solidFill>
+                  <a:schemeClr val="tx1"/>
+                </a:solidFill>
+                <a:effectLst/>
+                <a:latin typeface="+mn-lt"/>
+                <a:ea typeface="+mn-ea"/>
+                <a:cs typeface="+mn-cs"/>
+              </a:rPr>
+              <a:t>Talking</a:t>
+            </a:r>
+            <a:endParaRPr lang="en-US" sz="1400" kern="1200" dirty="0">
+              <a:solidFill>
+                <a:schemeClr val="tx1"/>
+              </a:solidFill>
+              <a:effectLst/>
+              <a:latin typeface="+mn-lt"/>
+              <a:ea typeface="+mn-ea"/>
+              <a:cs typeface="+mn-cs"/>
+            </a:endParaRPr>
+          </a:p>
+          <a:p>
+            <a:pPr lvl="1"/>
+            <a:r>
+              <a:rPr lang="en-US" sz="1200" kern="1200" dirty="0">
+                <a:solidFill>
+                  <a:schemeClr val="tx1"/>
+                </a:solidFill>
+                <a:effectLst/>
+                <a:latin typeface="+mn-lt"/>
+                <a:ea typeface="+mn-ea"/>
+                <a:cs typeface="+mn-cs"/>
+              </a:rPr>
+              <a:t>What is PowerShell?</a:t>
+            </a:r>
+            <a:endParaRPr lang="en-US" sz="1400" kern="1200" dirty="0">
+              <a:solidFill>
+                <a:schemeClr val="tx1"/>
+              </a:solidFill>
+              <a:effectLst/>
+              <a:latin typeface="+mn-lt"/>
+              <a:ea typeface="+mn-ea"/>
+              <a:cs typeface="+mn-cs"/>
+            </a:endParaRPr>
+          </a:p>
+          <a:p>
+            <a:pPr lvl="1"/>
+            <a:r>
+              <a:rPr lang="en-US" sz="1200" kern="1200" dirty="0">
+                <a:solidFill>
+                  <a:schemeClr val="tx1"/>
+                </a:solidFill>
+                <a:effectLst/>
+                <a:latin typeface="+mn-lt"/>
+                <a:ea typeface="+mn-ea"/>
+                <a:cs typeface="+mn-cs"/>
+              </a:rPr>
+              <a:t>Kurt's PowerShell Background</a:t>
+            </a:r>
+            <a:endParaRPr lang="en-US" sz="1400" kern="1200" dirty="0">
+              <a:solidFill>
+                <a:schemeClr val="tx1"/>
+              </a:solidFill>
+              <a:effectLst/>
+              <a:latin typeface="+mn-lt"/>
+              <a:ea typeface="+mn-ea"/>
+              <a:cs typeface="+mn-cs"/>
+            </a:endParaRPr>
+          </a:p>
+          <a:p>
+            <a:pPr lvl="1"/>
+            <a:r>
+              <a:rPr lang="en-US" sz="1200" kern="1200" dirty="0">
+                <a:solidFill>
+                  <a:schemeClr val="tx1"/>
+                </a:solidFill>
+                <a:effectLst/>
+                <a:latin typeface="+mn-lt"/>
+                <a:ea typeface="+mn-ea"/>
+                <a:cs typeface="+mn-cs"/>
+              </a:rPr>
+              <a:t>Why should YOU care about PowerShell?</a:t>
+            </a:r>
+            <a:endParaRPr lang="en-US" sz="1400" kern="1200" dirty="0">
+              <a:solidFill>
+                <a:schemeClr val="tx1"/>
+              </a:solidFill>
+              <a:effectLst/>
+              <a:latin typeface="+mn-lt"/>
+              <a:ea typeface="+mn-ea"/>
+              <a:cs typeface="+mn-cs"/>
+            </a:endParaRPr>
+          </a:p>
+          <a:p>
+            <a:pPr lvl="0"/>
+            <a:r>
+              <a:rPr lang="en-US" sz="1200" b="1" kern="1200" dirty="0">
+                <a:solidFill>
+                  <a:schemeClr val="tx1"/>
+                </a:solidFill>
+                <a:effectLst/>
+                <a:latin typeface="+mn-lt"/>
+                <a:ea typeface="+mn-ea"/>
+                <a:cs typeface="+mn-cs"/>
+              </a:rPr>
+              <a:t>Demos</a:t>
+            </a:r>
+            <a:endParaRPr lang="en-US" sz="1400" kern="1200" dirty="0">
+              <a:solidFill>
+                <a:schemeClr val="tx1"/>
+              </a:solidFill>
+              <a:effectLst/>
+              <a:latin typeface="+mn-lt"/>
+              <a:ea typeface="+mn-ea"/>
+              <a:cs typeface="+mn-cs"/>
+            </a:endParaRPr>
+          </a:p>
+          <a:p>
+            <a:pPr lvl="1"/>
+            <a:r>
+              <a:rPr lang="en-US" sz="1200" kern="1200" dirty="0">
+                <a:solidFill>
+                  <a:schemeClr val="tx1"/>
+                </a:solidFill>
+                <a:effectLst/>
+                <a:latin typeface="+mn-lt"/>
+                <a:ea typeface="+mn-ea"/>
+                <a:cs typeface="+mn-cs"/>
+              </a:rPr>
+              <a:t>Introduction to PowerShell console and scripting basics</a:t>
+            </a:r>
+            <a:endParaRPr lang="en-US" sz="1400" kern="1200" dirty="0">
+              <a:solidFill>
+                <a:schemeClr val="tx1"/>
+              </a:solidFill>
+              <a:effectLst/>
+              <a:latin typeface="+mn-lt"/>
+              <a:ea typeface="+mn-ea"/>
+              <a:cs typeface="+mn-cs"/>
+            </a:endParaRPr>
+          </a:p>
+          <a:p>
+            <a:pPr lvl="1"/>
+            <a:r>
+              <a:rPr lang="en-US" sz="1200" kern="1200" dirty="0">
+                <a:solidFill>
+                  <a:schemeClr val="tx1"/>
+                </a:solidFill>
+                <a:effectLst/>
+                <a:latin typeface="+mn-lt"/>
+                <a:ea typeface="+mn-ea"/>
+                <a:cs typeface="+mn-cs"/>
+              </a:rPr>
+              <a:t>Tips working with PowerShell</a:t>
+            </a:r>
+            <a:endParaRPr lang="en-US" sz="1400" kern="1200" dirty="0">
+              <a:solidFill>
+                <a:schemeClr val="tx1"/>
+              </a:solidFill>
+              <a:effectLst/>
+              <a:latin typeface="+mn-lt"/>
+              <a:ea typeface="+mn-ea"/>
+              <a:cs typeface="+mn-cs"/>
+            </a:endParaRPr>
+          </a:p>
+          <a:p>
+            <a:pPr lvl="1"/>
+            <a:r>
+              <a:rPr lang="en-US" sz="1200" kern="1200" dirty="0">
+                <a:solidFill>
+                  <a:schemeClr val="tx1"/>
+                </a:solidFill>
+                <a:effectLst/>
+                <a:latin typeface="+mn-lt"/>
+                <a:ea typeface="+mn-ea"/>
+                <a:cs typeface="+mn-cs"/>
+              </a:rPr>
+              <a:t>PowerShell Gotchas</a:t>
+            </a:r>
+            <a:endParaRPr lang="en-US" sz="1400" kern="1200" dirty="0">
+              <a:solidFill>
+                <a:schemeClr val="tx1"/>
+              </a:solidFill>
+              <a:effectLst/>
+              <a:latin typeface="+mn-lt"/>
+              <a:ea typeface="+mn-ea"/>
+              <a:cs typeface="+mn-cs"/>
+            </a:endParaRPr>
+          </a:p>
+          <a:p>
+            <a:endParaRPr lang="en-US" sz="1200" b="1" kern="1200" dirty="0">
+              <a:solidFill>
+                <a:schemeClr val="tx1"/>
+              </a:solidFill>
+              <a:effectLst/>
+              <a:latin typeface="+mn-lt"/>
+              <a:ea typeface="+mn-ea"/>
+              <a:cs typeface="+mn-cs"/>
+            </a:endParaRPr>
+          </a:p>
+          <a:p>
+            <a:r>
+              <a:rPr lang="en-US" sz="1200" b="1" kern="1200" dirty="0">
+                <a:solidFill>
+                  <a:schemeClr val="tx1"/>
+                </a:solidFill>
+                <a:effectLst/>
+                <a:latin typeface="+mn-lt"/>
+                <a:ea typeface="+mn-ea"/>
+                <a:cs typeface="+mn-cs"/>
+              </a:rPr>
+              <a:t>DISCLAIMER #1:</a:t>
+            </a:r>
+            <a:r>
+              <a:rPr lang="en-US" sz="1200" kern="1200" dirty="0">
+                <a:solidFill>
+                  <a:schemeClr val="tx1"/>
+                </a:solidFill>
+                <a:effectLst/>
+                <a:latin typeface="+mn-lt"/>
+                <a:ea typeface="+mn-ea"/>
+                <a:cs typeface="+mn-cs"/>
+              </a:rPr>
+              <a:t> I want to reiterate that this is a </a:t>
+            </a:r>
+            <a:r>
+              <a:rPr lang="en-US" sz="1200" u="sng" kern="1200" dirty="0">
+                <a:solidFill>
+                  <a:schemeClr val="tx1"/>
+                </a:solidFill>
+                <a:effectLst/>
+                <a:latin typeface="+mn-lt"/>
+                <a:ea typeface="+mn-ea"/>
+                <a:cs typeface="+mn-cs"/>
+              </a:rPr>
+              <a:t>beginner thru intermediate</a:t>
+            </a:r>
+            <a:r>
+              <a:rPr lang="en-US" sz="1200" kern="1200" dirty="0">
+                <a:solidFill>
+                  <a:schemeClr val="tx1"/>
+                </a:solidFill>
+                <a:effectLst/>
+                <a:latin typeface="+mn-lt"/>
+                <a:ea typeface="+mn-ea"/>
+                <a:cs typeface="+mn-cs"/>
+              </a:rPr>
+              <a:t> entry into the world of PowerShell, so if you’re already an experienced PS user, you might not get much out of my talk. </a:t>
+            </a:r>
+            <a:endParaRPr lang="en-US" sz="1400" kern="1200" dirty="0">
+              <a:solidFill>
+                <a:schemeClr val="tx1"/>
+              </a:solidFill>
+              <a:effectLst/>
+              <a:latin typeface="+mn-lt"/>
+              <a:ea typeface="+mn-ea"/>
+              <a:cs typeface="+mn-cs"/>
+            </a:endParaRPr>
+          </a:p>
+          <a:p>
+            <a:endParaRPr lang="en-US" sz="1200" b="1" kern="1200" dirty="0">
+              <a:solidFill>
+                <a:schemeClr val="tx1"/>
+              </a:solidFill>
+              <a:effectLst/>
+              <a:latin typeface="+mn-lt"/>
+              <a:ea typeface="+mn-ea"/>
+              <a:cs typeface="+mn-cs"/>
+            </a:endParaRPr>
+          </a:p>
+          <a:p>
+            <a:r>
+              <a:rPr lang="en-US" sz="1200" b="1" kern="1200" dirty="0">
+                <a:solidFill>
+                  <a:schemeClr val="tx1"/>
+                </a:solidFill>
+                <a:effectLst/>
+                <a:latin typeface="+mn-lt"/>
+                <a:ea typeface="+mn-ea"/>
+                <a:cs typeface="+mn-cs"/>
+              </a:rPr>
+              <a:t>	Show of Hands: How many already using PowerShell cmdlets on a daily basis? Written your own functions?</a:t>
+            </a:r>
+            <a:endParaRPr lang="en-US" sz="1400" kern="1200" dirty="0">
+              <a:solidFill>
+                <a:schemeClr val="tx1"/>
+              </a:solidFill>
+              <a:effectLst/>
+              <a:latin typeface="+mn-lt"/>
+              <a:ea typeface="+mn-ea"/>
+              <a:cs typeface="+mn-cs"/>
+            </a:endParaRPr>
+          </a:p>
+          <a:p>
+            <a:endParaRPr lang="en-US" sz="1200" b="1" kern="1200" dirty="0">
+              <a:solidFill>
+                <a:schemeClr val="tx1"/>
+              </a:solidFill>
+              <a:effectLst/>
+              <a:latin typeface="+mn-lt"/>
+              <a:ea typeface="+mn-ea"/>
+              <a:cs typeface="+mn-cs"/>
+            </a:endParaRPr>
+          </a:p>
+          <a:p>
+            <a:r>
+              <a:rPr lang="en-US" sz="1200" b="1" kern="1200" dirty="0">
+                <a:solidFill>
+                  <a:schemeClr val="tx1"/>
+                </a:solidFill>
+                <a:effectLst/>
+                <a:latin typeface="+mn-lt"/>
+                <a:ea typeface="+mn-ea"/>
+                <a:cs typeface="+mn-cs"/>
+              </a:rPr>
+              <a:t>DISCLAIMER #2: </a:t>
+            </a:r>
+            <a:r>
+              <a:rPr lang="en-US" sz="1200" kern="1200" dirty="0">
+                <a:solidFill>
+                  <a:schemeClr val="tx1"/>
+                </a:solidFill>
+                <a:effectLst/>
+                <a:latin typeface="+mn-lt"/>
+                <a:ea typeface="+mn-ea"/>
+                <a:cs typeface="+mn-cs"/>
+              </a:rPr>
+              <a:t>I have a lot to cover, so if you’re following along on your computer and have an issue with something you saw me do, please write down your questions for the end of the session and I’ll hang around afterward for a little bit, too.</a:t>
+            </a:r>
+            <a:endParaRPr lang="en-US" sz="1400" kern="1200" dirty="0">
+              <a:solidFill>
+                <a:schemeClr val="tx1"/>
+              </a:solidFill>
+              <a:effectLst/>
+              <a:latin typeface="+mn-lt"/>
+              <a:ea typeface="+mn-ea"/>
+              <a:cs typeface="+mn-cs"/>
+            </a:endParaRPr>
+          </a:p>
+          <a:p>
             <a:endParaRPr lang="en-US" dirty="0"/>
+          </a:p>
+        </p:txBody>
+      </p:sp>
+      <p:sp>
+        <p:nvSpPr>
+          <p:cNvPr id="4" name="Slide Number Placeholder 3"/>
+          <p:cNvSpPr>
+            <a:spLocks noGrp="1"/>
+          </p:cNvSpPr>
+          <p:nvPr>
+            <p:ph type="sldNum" sz="quarter" idx="5"/>
+          </p:nvPr>
+        </p:nvSpPr>
+        <p:spPr/>
+        <p:txBody>
+          <a:bodyPr/>
+          <a:lstStyle/>
+          <a:p>
+            <a:fld id="{5B0D244D-F950-4B19-A898-32593C1849B6}" type="slidenum">
+              <a:rPr lang="en-US" smtClean="0"/>
+              <a:t>1</a:t>
+            </a:fld>
+            <a:endParaRPr lang="en-US"/>
+          </a:p>
+        </p:txBody>
+      </p:sp>
+    </p:spTree>
+    <p:extLst>
+      <p:ext uri="{BB962C8B-B14F-4D97-AF65-F5344CB8AC3E}">
+        <p14:creationId xmlns:p14="http://schemas.microsoft.com/office/powerpoint/2010/main" val="853336310"/>
+      </p:ext>
+    </p:extLst>
+  </p:cSld>
+  <p:clrMapOvr>
+    <a:masterClrMapping/>
+  </p:clrMapOvr>
+</p:notes>
+</file>
+
+<file path=ppt/notesSlides/notesSlide10.xml><?xml version="1.0" encoding="utf-8"?>
+<p:notes xmlns:a="http://schemas.openxmlformats.org/drawingml/2006/main" xmlns:r="http://schemas.openxmlformats.org/officeDocument/2006/relationships" xmlns:p="http://schemas.openxmlformats.org/presentationml/2006/main">
+  <p:cSld>
+    <p:spTree>
+      <p:nvGrpSpPr>
+        <p:cNvPr id="1" name=""/>
+        <p:cNvGrpSpPr/>
+        <p:nvPr/>
+      </p:nvGrpSpPr>
+      <p:grpSpPr>
+        <a:xfrm>
+          <a:off x="0" y="0"/>
+          <a:ext cx="0" cy="0"/>
+          <a:chOff x="0" y="0"/>
+          <a:chExt cx="0" cy="0"/>
+        </a:xfrm>
+      </p:grpSpPr>
+      <p:sp>
+        <p:nvSpPr>
+          <p:cNvPr id="2" name="Slide Image Placeholder 1"/>
+          <p:cNvSpPr>
+            <a:spLocks noGrp="1" noRot="1" noChangeAspect="1"/>
+          </p:cNvSpPr>
+          <p:nvPr>
+            <p:ph type="sldImg"/>
+          </p:nvPr>
+        </p:nvSpPr>
+        <p:spPr/>
+      </p:sp>
+      <p:sp>
+        <p:nvSpPr>
+          <p:cNvPr id="3" name="Notes Placeholder 2"/>
+          <p:cNvSpPr>
+            <a:spLocks noGrp="1"/>
+          </p:cNvSpPr>
+          <p:nvPr>
+            <p:ph type="body" idx="1"/>
+          </p:nvPr>
+        </p:nvSpPr>
+        <p:spPr/>
+        <p:txBody>
+          <a:bodyPr/>
+          <a:lstStyle/>
+          <a:p>
+            <a:r>
+              <a:rPr lang="en-US" dirty="0"/>
+              <a:t>Q &amp; A</a:t>
+            </a:r>
+          </a:p>
+          <a:p>
+            <a:endParaRPr lang="en-US" dirty="0"/>
+          </a:p>
+          <a:p>
+            <a:pPr lvl="0"/>
+            <a:r>
+              <a:rPr lang="en-US" sz="1200" kern="1200" dirty="0">
+                <a:solidFill>
+                  <a:schemeClr val="tx1"/>
+                </a:solidFill>
+                <a:effectLst/>
+                <a:latin typeface="+mn-lt"/>
+                <a:ea typeface="+mn-ea"/>
+                <a:cs typeface="+mn-cs"/>
+              </a:rPr>
+              <a:t>Q: Why should I use PowerShell Core vs. regular?</a:t>
+            </a:r>
+          </a:p>
+          <a:p>
+            <a:pPr lvl="0"/>
+            <a:endParaRPr lang="en-US" sz="1400" kern="1200" dirty="0">
+              <a:solidFill>
+                <a:schemeClr val="tx1"/>
+              </a:solidFill>
+              <a:effectLst/>
+              <a:latin typeface="+mn-lt"/>
+              <a:ea typeface="+mn-ea"/>
+              <a:cs typeface="+mn-cs"/>
+            </a:endParaRPr>
+          </a:p>
+          <a:p>
+            <a:pPr lvl="1"/>
+            <a:r>
+              <a:rPr lang="en-US" sz="1200" kern="1200" dirty="0" err="1">
+                <a:solidFill>
+                  <a:schemeClr val="tx1"/>
+                </a:solidFill>
+                <a:effectLst/>
+                <a:latin typeface="+mn-lt"/>
+                <a:ea typeface="+mn-ea"/>
+                <a:cs typeface="+mn-cs"/>
+              </a:rPr>
+              <a:t>PSCore</a:t>
+            </a:r>
+            <a:r>
+              <a:rPr lang="en-US" sz="1200" kern="1200" dirty="0">
+                <a:solidFill>
+                  <a:schemeClr val="tx1"/>
+                </a:solidFill>
+                <a:effectLst/>
+                <a:latin typeface="+mn-lt"/>
+                <a:ea typeface="+mn-ea"/>
+                <a:cs typeface="+mn-cs"/>
+              </a:rPr>
+              <a:t> feature set is smaller b/c .NET Core is newer</a:t>
+            </a:r>
+            <a:endParaRPr lang="en-US" sz="1400" kern="1200" dirty="0">
+              <a:solidFill>
+                <a:schemeClr val="tx1"/>
+              </a:solidFill>
+              <a:effectLst/>
+              <a:latin typeface="+mn-lt"/>
+              <a:ea typeface="+mn-ea"/>
+              <a:cs typeface="+mn-cs"/>
+            </a:endParaRPr>
+          </a:p>
+          <a:p>
+            <a:pPr lvl="1"/>
+            <a:r>
+              <a:rPr lang="en-US" sz="1200" kern="1200" dirty="0">
+                <a:solidFill>
+                  <a:schemeClr val="tx1"/>
+                </a:solidFill>
+                <a:effectLst/>
+                <a:latin typeface="+mn-lt"/>
+                <a:ea typeface="+mn-ea"/>
+                <a:cs typeface="+mn-cs"/>
+              </a:rPr>
+              <a:t>Run PS-based automation in other OSs</a:t>
+            </a:r>
+          </a:p>
+          <a:p>
+            <a:pPr lvl="1"/>
+            <a:r>
+              <a:rPr lang="en-US" sz="1200" kern="1200" dirty="0">
+                <a:solidFill>
+                  <a:schemeClr val="tx1"/>
+                </a:solidFill>
+                <a:effectLst/>
+                <a:latin typeface="+mn-lt"/>
+                <a:ea typeface="+mn-ea"/>
+                <a:cs typeface="+mn-cs"/>
+              </a:rPr>
+              <a:t>PowerShell core is open source; see the guts</a:t>
+            </a:r>
+            <a:endParaRPr lang="en-US" sz="1400" kern="1200" dirty="0">
+              <a:solidFill>
+                <a:schemeClr val="tx1"/>
+              </a:solidFill>
+              <a:effectLst/>
+              <a:latin typeface="+mn-lt"/>
+              <a:ea typeface="+mn-ea"/>
+              <a:cs typeface="+mn-cs"/>
+            </a:endParaRPr>
+          </a:p>
+          <a:p>
+            <a:pPr lvl="1"/>
+            <a:r>
+              <a:rPr lang="en-US" sz="1200" kern="1200" dirty="0">
+                <a:solidFill>
+                  <a:schemeClr val="tx1"/>
+                </a:solidFill>
+                <a:effectLst/>
+                <a:latin typeface="+mn-lt"/>
+                <a:ea typeface="+mn-ea"/>
+                <a:cs typeface="+mn-cs"/>
+              </a:rPr>
+              <a:t>NOTE: can't use ISE in </a:t>
+            </a:r>
+            <a:r>
+              <a:rPr lang="en-US" sz="1200" kern="1200" dirty="0" err="1">
+                <a:solidFill>
+                  <a:schemeClr val="tx1"/>
+                </a:solidFill>
+                <a:effectLst/>
+                <a:latin typeface="+mn-lt"/>
+                <a:ea typeface="+mn-ea"/>
+                <a:cs typeface="+mn-cs"/>
+              </a:rPr>
+              <a:t>PSCore</a:t>
+            </a:r>
+            <a:r>
+              <a:rPr lang="en-US" sz="1200" kern="1200" dirty="0">
+                <a:solidFill>
+                  <a:schemeClr val="tx1"/>
+                </a:solidFill>
+                <a:effectLst/>
+                <a:latin typeface="+mn-lt"/>
+                <a:ea typeface="+mn-ea"/>
+                <a:cs typeface="+mn-cs"/>
+              </a:rPr>
+              <a:t>...use </a:t>
+            </a:r>
+            <a:r>
+              <a:rPr lang="en-US" sz="1200" kern="1200" dirty="0" err="1">
+                <a:solidFill>
+                  <a:schemeClr val="tx1"/>
+                </a:solidFill>
+                <a:effectLst/>
+                <a:latin typeface="+mn-lt"/>
+                <a:ea typeface="+mn-ea"/>
+                <a:cs typeface="+mn-cs"/>
+              </a:rPr>
+              <a:t>VSCode</a:t>
+            </a:r>
+            <a:r>
+              <a:rPr lang="en-US" sz="1200" kern="1200" dirty="0">
+                <a:solidFill>
+                  <a:schemeClr val="tx1"/>
+                </a:solidFill>
+                <a:effectLst/>
+                <a:latin typeface="+mn-lt"/>
+                <a:ea typeface="+mn-ea"/>
+                <a:cs typeface="+mn-cs"/>
+              </a:rPr>
+              <a:t> </a:t>
+            </a:r>
+            <a:r>
+              <a:rPr lang="en-US" sz="1200" kern="1200" dirty="0" err="1">
+                <a:solidFill>
+                  <a:schemeClr val="tx1"/>
+                </a:solidFill>
+                <a:effectLst/>
+                <a:latin typeface="+mn-lt"/>
+                <a:ea typeface="+mn-ea"/>
+                <a:cs typeface="+mn-cs"/>
+              </a:rPr>
+              <a:t>insteads</a:t>
+            </a:r>
+            <a:endParaRPr lang="en-US" sz="1200" kern="1200" dirty="0">
+              <a:solidFill>
+                <a:schemeClr val="tx1"/>
+              </a:solidFill>
+              <a:effectLst/>
+              <a:latin typeface="+mn-lt"/>
+              <a:ea typeface="+mn-ea"/>
+              <a:cs typeface="+mn-cs"/>
+            </a:endParaRPr>
+          </a:p>
+          <a:p>
+            <a:pPr lvl="1"/>
+            <a:endParaRPr lang="en-US" sz="1400" kern="1200" dirty="0">
+              <a:solidFill>
+                <a:schemeClr val="tx1"/>
+              </a:solidFill>
+              <a:effectLst/>
+              <a:latin typeface="+mn-lt"/>
+              <a:ea typeface="+mn-ea"/>
+              <a:cs typeface="+mn-cs"/>
+            </a:endParaRPr>
+          </a:p>
+          <a:p>
+            <a:pPr lvl="0"/>
+            <a:r>
+              <a:rPr lang="en-US" sz="1200" kern="1200" dirty="0">
+                <a:solidFill>
+                  <a:schemeClr val="tx1"/>
+                </a:solidFill>
+                <a:effectLst/>
+                <a:latin typeface="+mn-lt"/>
+                <a:ea typeface="+mn-ea"/>
+                <a:cs typeface="+mn-cs"/>
+              </a:rPr>
+              <a:t>Q: Why should I use Visual Studio Code vs the ISE?</a:t>
+            </a:r>
+          </a:p>
+          <a:p>
+            <a:pPr lvl="0"/>
+            <a:endParaRPr lang="en-US" sz="1400" kern="1200" dirty="0">
+              <a:solidFill>
+                <a:schemeClr val="tx1"/>
+              </a:solidFill>
+              <a:effectLst/>
+              <a:latin typeface="+mn-lt"/>
+              <a:ea typeface="+mn-ea"/>
+              <a:cs typeface="+mn-cs"/>
+            </a:endParaRPr>
+          </a:p>
+          <a:p>
+            <a:pPr lvl="1"/>
+            <a:r>
+              <a:rPr lang="en-US" sz="1200" kern="1200" dirty="0">
+                <a:solidFill>
+                  <a:schemeClr val="tx1"/>
+                </a:solidFill>
+                <a:effectLst/>
+                <a:latin typeface="+mn-lt"/>
+                <a:ea typeface="+mn-ea"/>
+                <a:cs typeface="+mn-cs"/>
+              </a:rPr>
+              <a:t>VS Code</a:t>
+            </a:r>
+            <a:endParaRPr lang="en-US" sz="1400" kern="1200" dirty="0">
+              <a:solidFill>
+                <a:schemeClr val="tx1"/>
+              </a:solidFill>
+              <a:effectLst/>
+              <a:latin typeface="+mn-lt"/>
+              <a:ea typeface="+mn-ea"/>
+              <a:cs typeface="+mn-cs"/>
+            </a:endParaRPr>
+          </a:p>
+          <a:p>
+            <a:pPr lvl="2"/>
+            <a:r>
+              <a:rPr lang="en-US" sz="1200" kern="1200" dirty="0">
+                <a:solidFill>
+                  <a:schemeClr val="tx1"/>
+                </a:solidFill>
+                <a:effectLst/>
+                <a:latin typeface="+mn-lt"/>
+                <a:ea typeface="+mn-ea"/>
+                <a:cs typeface="+mn-cs"/>
+              </a:rPr>
+              <a:t>Is much nicer for managing projects/workspaces</a:t>
+            </a:r>
+            <a:endParaRPr lang="en-US" sz="1400" kern="1200" dirty="0">
+              <a:solidFill>
+                <a:schemeClr val="tx1"/>
+              </a:solidFill>
+              <a:effectLst/>
+              <a:latin typeface="+mn-lt"/>
+              <a:ea typeface="+mn-ea"/>
+              <a:cs typeface="+mn-cs"/>
+            </a:endParaRPr>
+          </a:p>
+          <a:p>
+            <a:pPr lvl="2"/>
+            <a:r>
+              <a:rPr lang="en-US" sz="1200" kern="1200" dirty="0">
+                <a:solidFill>
+                  <a:schemeClr val="tx1"/>
+                </a:solidFill>
+                <a:effectLst/>
+                <a:latin typeface="+mn-lt"/>
+                <a:ea typeface="+mn-ea"/>
+                <a:cs typeface="+mn-cs"/>
+              </a:rPr>
+              <a:t>More customizable than the ISE (e.g. default terminals for PS or </a:t>
+            </a:r>
+            <a:r>
+              <a:rPr lang="en-US" sz="1200" kern="1200" dirty="0" err="1">
+                <a:solidFill>
+                  <a:schemeClr val="tx1"/>
+                </a:solidFill>
+                <a:effectLst/>
+                <a:latin typeface="+mn-lt"/>
+                <a:ea typeface="+mn-ea"/>
+                <a:cs typeface="+mn-cs"/>
+              </a:rPr>
+              <a:t>PSCore</a:t>
+            </a:r>
+            <a:r>
+              <a:rPr lang="en-US" sz="1200" kern="1200" dirty="0">
+                <a:solidFill>
+                  <a:schemeClr val="tx1"/>
+                </a:solidFill>
+                <a:effectLst/>
+                <a:latin typeface="+mn-lt"/>
+                <a:ea typeface="+mn-ea"/>
+                <a:cs typeface="+mn-cs"/>
+              </a:rPr>
+              <a:t>)</a:t>
+            </a:r>
+            <a:endParaRPr lang="en-US" sz="1400" kern="1200" dirty="0">
+              <a:solidFill>
+                <a:schemeClr val="tx1"/>
+              </a:solidFill>
+              <a:effectLst/>
+              <a:latin typeface="+mn-lt"/>
+              <a:ea typeface="+mn-ea"/>
+              <a:cs typeface="+mn-cs"/>
+            </a:endParaRPr>
+          </a:p>
+          <a:p>
+            <a:pPr lvl="2"/>
+            <a:r>
+              <a:rPr lang="en-US" sz="1200" kern="1200" dirty="0">
+                <a:solidFill>
+                  <a:schemeClr val="tx1"/>
+                </a:solidFill>
+                <a:effectLst/>
+                <a:latin typeface="+mn-lt"/>
+                <a:ea typeface="+mn-ea"/>
+                <a:cs typeface="+mn-cs"/>
+              </a:rPr>
+              <a:t>Debugging experience was prettier</a:t>
+            </a:r>
+            <a:endParaRPr lang="en-US" sz="1400" kern="1200" dirty="0">
+              <a:solidFill>
+                <a:schemeClr val="tx1"/>
+              </a:solidFill>
+              <a:effectLst/>
+              <a:latin typeface="+mn-lt"/>
+              <a:ea typeface="+mn-ea"/>
+              <a:cs typeface="+mn-cs"/>
+            </a:endParaRPr>
+          </a:p>
+          <a:p>
+            <a:pPr lvl="2"/>
+            <a:r>
+              <a:rPr lang="en-US" sz="1200" kern="1200" dirty="0">
+                <a:solidFill>
+                  <a:schemeClr val="tx1"/>
+                </a:solidFill>
+                <a:effectLst/>
+                <a:latin typeface="+mn-lt"/>
+                <a:ea typeface="+mn-ea"/>
+                <a:cs typeface="+mn-cs"/>
+              </a:rPr>
+              <a:t>However, integrated PS terminal was not as nice; quirks of text input, autocomplete not as nice; display experience a little lacking</a:t>
+            </a:r>
+            <a:endParaRPr lang="en-US" sz="1400" kern="1200" dirty="0">
+              <a:solidFill>
+                <a:schemeClr val="tx1"/>
+              </a:solidFill>
+              <a:effectLst/>
+              <a:latin typeface="+mn-lt"/>
+              <a:ea typeface="+mn-ea"/>
+              <a:cs typeface="+mn-cs"/>
+            </a:endParaRPr>
+          </a:p>
+          <a:p>
+            <a:pPr lvl="2"/>
+            <a:r>
+              <a:rPr lang="en-US" sz="1200" kern="1200" dirty="0">
+                <a:solidFill>
+                  <a:schemeClr val="tx1"/>
+                </a:solidFill>
+                <a:effectLst/>
+                <a:latin typeface="+mn-lt"/>
+                <a:ea typeface="+mn-ea"/>
+                <a:cs typeface="+mn-cs"/>
+              </a:rPr>
+              <a:t>Code snippet completion is a little annoying</a:t>
+            </a:r>
+            <a:endParaRPr lang="en-US" sz="1400" kern="1200" dirty="0">
+              <a:solidFill>
+                <a:schemeClr val="tx1"/>
+              </a:solidFill>
+              <a:effectLst/>
+              <a:latin typeface="+mn-lt"/>
+              <a:ea typeface="+mn-ea"/>
+              <a:cs typeface="+mn-cs"/>
+            </a:endParaRPr>
+          </a:p>
+          <a:p>
+            <a:pPr lvl="1"/>
+            <a:r>
+              <a:rPr lang="en-US" sz="1200" kern="1200" dirty="0">
+                <a:solidFill>
+                  <a:schemeClr val="tx1"/>
+                </a:solidFill>
+                <a:effectLst/>
+                <a:latin typeface="+mn-lt"/>
+                <a:ea typeface="+mn-ea"/>
+                <a:cs typeface="+mn-cs"/>
+              </a:rPr>
+              <a:t>ISE</a:t>
+            </a:r>
+            <a:endParaRPr lang="en-US" sz="1400" kern="1200" dirty="0">
+              <a:solidFill>
+                <a:schemeClr val="tx1"/>
+              </a:solidFill>
+              <a:effectLst/>
+              <a:latin typeface="+mn-lt"/>
+              <a:ea typeface="+mn-ea"/>
+              <a:cs typeface="+mn-cs"/>
+            </a:endParaRPr>
+          </a:p>
+          <a:p>
+            <a:pPr lvl="2"/>
+            <a:r>
+              <a:rPr lang="en-US" sz="1200" kern="1200" dirty="0">
+                <a:solidFill>
+                  <a:schemeClr val="tx1"/>
+                </a:solidFill>
+                <a:effectLst/>
+                <a:latin typeface="+mn-lt"/>
+                <a:ea typeface="+mn-ea"/>
+                <a:cs typeface="+mn-cs"/>
+              </a:rPr>
+              <a:t>Already installed everywhere</a:t>
+            </a:r>
+            <a:endParaRPr lang="en-US" sz="1400" kern="1200" dirty="0">
+              <a:solidFill>
+                <a:schemeClr val="tx1"/>
+              </a:solidFill>
+              <a:effectLst/>
+              <a:latin typeface="+mn-lt"/>
+              <a:ea typeface="+mn-ea"/>
+              <a:cs typeface="+mn-cs"/>
+            </a:endParaRPr>
+          </a:p>
+          <a:p>
+            <a:pPr lvl="2"/>
+            <a:r>
+              <a:rPr lang="en-US" sz="1200" kern="1200" dirty="0">
+                <a:solidFill>
+                  <a:schemeClr val="tx1"/>
+                </a:solidFill>
+                <a:effectLst/>
+                <a:latin typeface="+mn-lt"/>
+                <a:ea typeface="+mn-ea"/>
+                <a:cs typeface="+mn-cs"/>
+              </a:rPr>
+              <a:t>Decent debugging experience</a:t>
+            </a:r>
+            <a:endParaRPr lang="en-US" sz="1400" kern="1200" dirty="0">
+              <a:solidFill>
+                <a:schemeClr val="tx1"/>
+              </a:solidFill>
+              <a:effectLst/>
+              <a:latin typeface="+mn-lt"/>
+              <a:ea typeface="+mn-ea"/>
+              <a:cs typeface="+mn-cs"/>
+            </a:endParaRPr>
+          </a:p>
+          <a:p>
+            <a:pPr lvl="2"/>
+            <a:r>
+              <a:rPr lang="en-US" sz="1200" kern="1200" dirty="0">
+                <a:solidFill>
+                  <a:schemeClr val="tx1"/>
+                </a:solidFill>
+                <a:effectLst/>
+                <a:latin typeface="+mn-lt"/>
+                <a:ea typeface="+mn-ea"/>
+                <a:cs typeface="+mn-cs"/>
+              </a:rPr>
+              <a:t>ISE is not included as part of PowerShell Core; you'll have to use VS Code</a:t>
+            </a:r>
+            <a:endParaRPr lang="en-US" sz="1400" kern="1200" dirty="0">
+              <a:solidFill>
+                <a:schemeClr val="tx1"/>
+              </a:solidFill>
+              <a:effectLst/>
+              <a:latin typeface="+mn-lt"/>
+              <a:ea typeface="+mn-ea"/>
+              <a:cs typeface="+mn-cs"/>
+            </a:endParaRPr>
+          </a:p>
+          <a:p>
+            <a:br>
+              <a:rPr lang="en-US" sz="1200" b="1" kern="1200" dirty="0">
+                <a:solidFill>
+                  <a:schemeClr val="tx1"/>
+                </a:solidFill>
+                <a:effectLst/>
+                <a:latin typeface="+mn-lt"/>
+                <a:ea typeface="+mn-ea"/>
+                <a:cs typeface="+mn-cs"/>
+              </a:rPr>
+            </a:br>
+            <a:r>
+              <a:rPr lang="en-US" sz="1200" b="1" kern="1200" dirty="0">
+                <a:solidFill>
+                  <a:schemeClr val="tx1"/>
+                </a:solidFill>
+                <a:effectLst/>
+                <a:latin typeface="+mn-lt"/>
+                <a:ea typeface="+mn-ea"/>
+                <a:cs typeface="+mn-cs"/>
+              </a:rPr>
+              <a:t> </a:t>
+            </a:r>
+            <a:endParaRPr lang="en-US" sz="1000" kern="1200" dirty="0">
+              <a:solidFill>
+                <a:schemeClr val="tx1"/>
+              </a:solidFill>
+              <a:effectLst/>
+              <a:latin typeface="+mn-lt"/>
+              <a:ea typeface="+mn-ea"/>
+              <a:cs typeface="+mn-cs"/>
+            </a:endParaRPr>
+          </a:p>
+          <a:p>
+            <a:endParaRPr lang="en-US" dirty="0"/>
+          </a:p>
+        </p:txBody>
+      </p:sp>
+      <p:sp>
+        <p:nvSpPr>
+          <p:cNvPr id="4" name="Slide Number Placeholder 3"/>
+          <p:cNvSpPr>
+            <a:spLocks noGrp="1"/>
+          </p:cNvSpPr>
+          <p:nvPr>
+            <p:ph type="sldNum" sz="quarter" idx="5"/>
+          </p:nvPr>
+        </p:nvSpPr>
+        <p:spPr/>
+        <p:txBody>
+          <a:bodyPr/>
+          <a:lstStyle/>
+          <a:p>
+            <a:fld id="{5B0D244D-F950-4B19-A898-32593C1849B6}" type="slidenum">
+              <a:rPr lang="en-US" smtClean="0"/>
+              <a:t>12</a:t>
+            </a:fld>
+            <a:endParaRPr lang="en-US"/>
+          </a:p>
+        </p:txBody>
+      </p:sp>
+    </p:spTree>
+    <p:extLst>
+      <p:ext uri="{BB962C8B-B14F-4D97-AF65-F5344CB8AC3E}">
+        <p14:creationId xmlns:p14="http://schemas.microsoft.com/office/powerpoint/2010/main" val="32295987"/>
+      </p:ext>
+    </p:extLst>
+  </p:cSld>
+  <p:clrMapOvr>
+    <a:masterClrMapping/>
+  </p:clrMapOvr>
+</p:notes>
+</file>
+
+<file path=ppt/notesSlides/notesSlide11.xml><?xml version="1.0" encoding="utf-8"?>
+<p:notes xmlns:a="http://schemas.openxmlformats.org/drawingml/2006/main" xmlns:r="http://schemas.openxmlformats.org/officeDocument/2006/relationships" xmlns:p="http://schemas.openxmlformats.org/presentationml/2006/main">
+  <p:cSld>
+    <p:spTree>
+      <p:nvGrpSpPr>
+        <p:cNvPr id="1" name=""/>
+        <p:cNvGrpSpPr/>
+        <p:nvPr/>
+      </p:nvGrpSpPr>
+      <p:grpSpPr>
+        <a:xfrm>
+          <a:off x="0" y="0"/>
+          <a:ext cx="0" cy="0"/>
+          <a:chOff x="0" y="0"/>
+          <a:chExt cx="0" cy="0"/>
+        </a:xfrm>
+      </p:grpSpPr>
+      <p:sp>
+        <p:nvSpPr>
+          <p:cNvPr id="2" name="Slide Image Placeholder 1"/>
+          <p:cNvSpPr>
+            <a:spLocks noGrp="1" noRot="1" noChangeAspect="1"/>
+          </p:cNvSpPr>
+          <p:nvPr>
+            <p:ph type="sldImg"/>
+          </p:nvPr>
+        </p:nvSpPr>
+        <p:spPr/>
+      </p:sp>
+      <p:sp>
+        <p:nvSpPr>
+          <p:cNvPr id="3" name="Notes Placeholder 2"/>
+          <p:cNvSpPr>
+            <a:spLocks noGrp="1"/>
+          </p:cNvSpPr>
+          <p:nvPr>
+            <p:ph type="body" idx="1"/>
+          </p:nvPr>
+        </p:nvSpPr>
+        <p:spPr/>
+        <p:txBody>
+          <a:bodyPr/>
+          <a:lstStyle/>
+          <a:p>
+            <a:endParaRPr lang="en-US" dirty="0"/>
+          </a:p>
+        </p:txBody>
+      </p:sp>
+      <p:sp>
+        <p:nvSpPr>
+          <p:cNvPr id="4" name="Slide Number Placeholder 3"/>
+          <p:cNvSpPr>
+            <a:spLocks noGrp="1"/>
+          </p:cNvSpPr>
+          <p:nvPr>
+            <p:ph type="sldNum" sz="quarter" idx="5"/>
+          </p:nvPr>
+        </p:nvSpPr>
+        <p:spPr/>
+        <p:txBody>
+          <a:bodyPr/>
+          <a:lstStyle/>
+          <a:p>
+            <a:fld id="{5B0D244D-F950-4B19-A898-32593C1849B6}" type="slidenum">
+              <a:rPr lang="en-US" smtClean="0"/>
+              <a:t>13</a:t>
+            </a:fld>
+            <a:endParaRPr lang="en-US"/>
+          </a:p>
+        </p:txBody>
+      </p:sp>
+    </p:spTree>
+    <p:extLst>
+      <p:ext uri="{BB962C8B-B14F-4D97-AF65-F5344CB8AC3E}">
+        <p14:creationId xmlns:p14="http://schemas.microsoft.com/office/powerpoint/2010/main" val="4087580504"/>
+      </p:ext>
+    </p:extLst>
+  </p:cSld>
+  <p:clrMapOvr>
+    <a:masterClrMapping/>
+  </p:clrMapOvr>
+</p:notes>
+</file>
+
+<file path=ppt/notesSlides/notesSlide2.xml><?xml version="1.0" encoding="utf-8"?>
+<p:notes xmlns:a="http://schemas.openxmlformats.org/drawingml/2006/main" xmlns:r="http://schemas.openxmlformats.org/officeDocument/2006/relationships" xmlns:p="http://schemas.openxmlformats.org/presentationml/2006/main">
+  <p:cSld>
+    <p:spTree>
+      <p:nvGrpSpPr>
+        <p:cNvPr id="1" name=""/>
+        <p:cNvGrpSpPr/>
+        <p:nvPr/>
+      </p:nvGrpSpPr>
+      <p:grpSpPr>
+        <a:xfrm>
+          <a:off x="0" y="0"/>
+          <a:ext cx="0" cy="0"/>
+          <a:chOff x="0" y="0"/>
+          <a:chExt cx="0" cy="0"/>
+        </a:xfrm>
+      </p:grpSpPr>
+      <p:sp>
+        <p:nvSpPr>
+          <p:cNvPr id="2" name="Slide Image Placeholder 1"/>
+          <p:cNvSpPr>
+            <a:spLocks noGrp="1" noRot="1" noChangeAspect="1"/>
+          </p:cNvSpPr>
+          <p:nvPr>
+            <p:ph type="sldImg"/>
+          </p:nvPr>
+        </p:nvSpPr>
+        <p:spPr/>
+      </p:sp>
+      <p:sp>
+        <p:nvSpPr>
+          <p:cNvPr id="3" name="Notes Placeholder 2"/>
+          <p:cNvSpPr>
+            <a:spLocks noGrp="1"/>
+          </p:cNvSpPr>
+          <p:nvPr>
+            <p:ph type="body" idx="1"/>
+          </p:nvPr>
+        </p:nvSpPr>
+        <p:spPr/>
+        <p:txBody>
+          <a:bodyPr/>
+          <a:lstStyle/>
+          <a:p>
+            <a:pPr lvl="0"/>
+            <a:r>
+              <a:rPr lang="en-US" sz="1200" kern="1200" dirty="0">
+                <a:solidFill>
+                  <a:schemeClr val="tx1"/>
+                </a:solidFill>
+                <a:effectLst/>
+                <a:latin typeface="+mn-lt"/>
+                <a:ea typeface="+mn-ea"/>
+                <a:cs typeface="+mn-cs"/>
+              </a:rPr>
+              <a:t>Not just blue cmd.exe!</a:t>
+            </a:r>
+          </a:p>
+          <a:p>
+            <a:pPr lvl="0"/>
+            <a:endParaRPr lang="en-US" sz="1200" kern="1200" dirty="0">
+              <a:solidFill>
+                <a:schemeClr val="tx1"/>
+              </a:solidFill>
+              <a:effectLst/>
+              <a:latin typeface="+mn-lt"/>
+              <a:ea typeface="+mn-ea"/>
+              <a:cs typeface="+mn-cs"/>
+            </a:endParaRPr>
+          </a:p>
+          <a:p>
+            <a:pPr lvl="0"/>
+            <a:r>
+              <a:rPr lang="en-US" sz="1200" kern="1200" dirty="0">
+                <a:solidFill>
+                  <a:schemeClr val="tx1"/>
+                </a:solidFill>
+                <a:effectLst/>
+                <a:latin typeface="+mn-lt"/>
+                <a:ea typeface="+mn-ea"/>
+                <a:cs typeface="+mn-cs"/>
+              </a:rPr>
+              <a:t>Microsoft's reimagined terminal scripting language for working with the Microsoft technology ecosystem and beyond!</a:t>
+            </a:r>
+          </a:p>
+          <a:p>
+            <a:pPr lvl="0"/>
+            <a:endParaRPr lang="en-US" sz="1200" kern="1200" dirty="0">
+              <a:solidFill>
+                <a:schemeClr val="tx1"/>
+              </a:solidFill>
+              <a:effectLst/>
+              <a:latin typeface="+mn-lt"/>
+              <a:ea typeface="+mn-ea"/>
+              <a:cs typeface="+mn-cs"/>
+            </a:endParaRPr>
+          </a:p>
+          <a:p>
+            <a:pPr lvl="0"/>
+            <a:r>
+              <a:rPr lang="en-US" sz="1200" kern="1200" dirty="0">
+                <a:solidFill>
+                  <a:schemeClr val="tx1"/>
+                </a:solidFill>
+                <a:effectLst/>
+                <a:latin typeface="+mn-lt"/>
+                <a:ea typeface="+mn-ea"/>
+                <a:cs typeface="+mn-cs"/>
+              </a:rPr>
+              <a:t>- Successor to cmd.exe and VBScript (takes features and advantages from both, addresses shortcomings in both)</a:t>
+            </a:r>
+          </a:p>
+          <a:p>
+            <a:pPr marL="0" lvl="0" indent="0">
+              <a:buFontTx/>
+              <a:buNone/>
+            </a:pPr>
+            <a:r>
+              <a:rPr lang="en-US" sz="1200" kern="1200" dirty="0">
+                <a:solidFill>
+                  <a:schemeClr val="tx1"/>
+                </a:solidFill>
+                <a:effectLst/>
+                <a:latin typeface="+mn-lt"/>
+                <a:ea typeface="+mn-ea"/>
+                <a:cs typeface="+mn-cs"/>
+              </a:rPr>
+              <a:t>- You can consider it a glorified command prompt to interact with your command-line tools</a:t>
+            </a:r>
+          </a:p>
+          <a:p>
+            <a:pPr marL="0" lvl="0" indent="0">
+              <a:buFontTx/>
+              <a:buNone/>
+            </a:pPr>
+            <a:r>
+              <a:rPr lang="en-US" sz="1200" kern="1200" dirty="0">
+                <a:solidFill>
+                  <a:schemeClr val="tx1"/>
+                </a:solidFill>
+                <a:effectLst/>
+                <a:latin typeface="+mn-lt"/>
+                <a:ea typeface="+mn-ea"/>
+                <a:cs typeface="+mn-cs"/>
+              </a:rPr>
+              <a:t>- Take it to the next level by using the power of sophisticated, custom script development using VS Code</a:t>
+            </a:r>
+          </a:p>
+        </p:txBody>
+      </p:sp>
+      <p:sp>
+        <p:nvSpPr>
+          <p:cNvPr id="4" name="Slide Number Placeholder 3"/>
+          <p:cNvSpPr>
+            <a:spLocks noGrp="1"/>
+          </p:cNvSpPr>
+          <p:nvPr>
+            <p:ph type="sldNum" sz="quarter" idx="5"/>
+          </p:nvPr>
+        </p:nvSpPr>
+        <p:spPr/>
+        <p:txBody>
+          <a:bodyPr/>
+          <a:lstStyle/>
+          <a:p>
+            <a:fld id="{5B0D244D-F950-4B19-A898-32593C1849B6}" type="slidenum">
+              <a:rPr lang="en-US" smtClean="0"/>
+              <a:t>2</a:t>
+            </a:fld>
+            <a:endParaRPr lang="en-US"/>
+          </a:p>
+        </p:txBody>
+      </p:sp>
+    </p:spTree>
+    <p:extLst>
+      <p:ext uri="{BB962C8B-B14F-4D97-AF65-F5344CB8AC3E}">
+        <p14:creationId xmlns:p14="http://schemas.microsoft.com/office/powerpoint/2010/main" val="2298741761"/>
+      </p:ext>
+    </p:extLst>
+  </p:cSld>
+  <p:clrMapOvr>
+    <a:masterClrMapping/>
+  </p:clrMapOvr>
+</p:notes>
+</file>
+
+<file path=ppt/notesSlides/notesSlide3.xml><?xml version="1.0" encoding="utf-8"?>
+<p:notes xmlns:a="http://schemas.openxmlformats.org/drawingml/2006/main" xmlns:r="http://schemas.openxmlformats.org/officeDocument/2006/relationships" xmlns:p="http://schemas.openxmlformats.org/presentationml/2006/main">
+  <p:cSld>
+    <p:spTree>
+      <p:nvGrpSpPr>
+        <p:cNvPr id="1" name=""/>
+        <p:cNvGrpSpPr/>
+        <p:nvPr/>
+      </p:nvGrpSpPr>
+      <p:grpSpPr>
+        <a:xfrm>
+          <a:off x="0" y="0"/>
+          <a:ext cx="0" cy="0"/>
+          <a:chOff x="0" y="0"/>
+          <a:chExt cx="0" cy="0"/>
+        </a:xfrm>
+      </p:grpSpPr>
+      <p:sp>
+        <p:nvSpPr>
+          <p:cNvPr id="2" name="Slide Image Placeholder 1"/>
+          <p:cNvSpPr>
+            <a:spLocks noGrp="1" noRot="1" noChangeAspect="1"/>
+          </p:cNvSpPr>
+          <p:nvPr>
+            <p:ph type="sldImg"/>
+          </p:nvPr>
+        </p:nvSpPr>
+        <p:spPr/>
+      </p:sp>
+      <p:sp>
+        <p:nvSpPr>
+          <p:cNvPr id="3" name="Notes Placeholder 2"/>
+          <p:cNvSpPr>
+            <a:spLocks noGrp="1"/>
+          </p:cNvSpPr>
+          <p:nvPr>
+            <p:ph type="body" idx="1"/>
+          </p:nvPr>
+        </p:nvSpPr>
+        <p:spPr/>
+        <p:txBody>
+          <a:bodyPr/>
+          <a:lstStyle/>
+          <a:p>
+            <a:r>
+              <a:rPr lang="en-US" sz="1200" kern="1200" dirty="0">
+                <a:solidFill>
+                  <a:schemeClr val="tx1"/>
+                </a:solidFill>
+                <a:effectLst/>
+                <a:latin typeface="+mn-lt"/>
+                <a:ea typeface="+mn-ea"/>
+                <a:cs typeface="+mn-cs"/>
+              </a:rPr>
+              <a:t>I’m super enthusiastic about PowerShell because I find it a very useful tool. &lt;</a:t>
+            </a:r>
+            <a:r>
+              <a:rPr lang="en-US" sz="1200" b="1" kern="1200" dirty="0">
+                <a:solidFill>
+                  <a:schemeClr val="tx1"/>
+                </a:solidFill>
+                <a:effectLst/>
+                <a:latin typeface="+mn-lt"/>
+                <a:ea typeface="+mn-ea"/>
+                <a:cs typeface="+mn-cs"/>
+              </a:rPr>
+              <a:t>show hammer</a:t>
+            </a:r>
+            <a:r>
+              <a:rPr lang="en-US" sz="1200" kern="1200" dirty="0">
+                <a:solidFill>
+                  <a:schemeClr val="tx1"/>
+                </a:solidFill>
+                <a:effectLst/>
+                <a:latin typeface="+mn-lt"/>
+                <a:ea typeface="+mn-ea"/>
+                <a:cs typeface="+mn-cs"/>
+              </a:rPr>
+              <a:t>&gt;</a:t>
+            </a:r>
+          </a:p>
+          <a:p>
+            <a:pPr lvl="0"/>
+            <a:endParaRPr lang="en-US" sz="1200" kern="1200" dirty="0">
+              <a:solidFill>
+                <a:schemeClr val="tx1"/>
+              </a:solidFill>
+              <a:effectLst/>
+              <a:latin typeface="+mn-lt"/>
+              <a:ea typeface="+mn-ea"/>
+              <a:cs typeface="+mn-cs"/>
+            </a:endParaRPr>
+          </a:p>
+          <a:p>
+            <a:pPr lvl="0"/>
+            <a:r>
+              <a:rPr lang="en-US" sz="1200" kern="1200" dirty="0">
+                <a:solidFill>
+                  <a:schemeClr val="tx1"/>
+                </a:solidFill>
+                <a:effectLst/>
+                <a:latin typeface="+mn-lt"/>
+                <a:ea typeface="+mn-ea"/>
+                <a:cs typeface="+mn-cs"/>
+              </a:rPr>
+              <a:t>"When all you have is a hammer, every problem looks like a nail." – not only one purpose!</a:t>
+            </a:r>
+          </a:p>
+          <a:p>
+            <a:pPr lvl="0"/>
+            <a:endParaRPr lang="en-US" sz="1200" kern="1200" dirty="0">
+              <a:solidFill>
+                <a:schemeClr val="tx1"/>
+              </a:solidFill>
+              <a:effectLst/>
+              <a:latin typeface="+mn-lt"/>
+              <a:ea typeface="+mn-ea"/>
+              <a:cs typeface="+mn-cs"/>
+            </a:endParaRPr>
+          </a:p>
+          <a:p>
+            <a:pPr lvl="0"/>
+            <a:r>
+              <a:rPr lang="en-US" sz="1200" kern="1200" dirty="0">
+                <a:solidFill>
+                  <a:schemeClr val="tx1"/>
+                </a:solidFill>
+                <a:effectLst/>
+                <a:latin typeface="+mn-lt"/>
+                <a:ea typeface="+mn-ea"/>
+                <a:cs typeface="+mn-cs"/>
+              </a:rPr>
+              <a:t>I'd like to encourage you to think of PowerShell as your Swiss Army Knife</a:t>
+            </a:r>
+          </a:p>
+          <a:p>
+            <a:pPr marL="171450" lvl="0" indent="-171450">
+              <a:buFontTx/>
+              <a:buChar char="-"/>
+            </a:pPr>
+            <a:r>
+              <a:rPr lang="en-US" sz="1200" kern="1200" dirty="0">
+                <a:solidFill>
+                  <a:schemeClr val="tx1"/>
+                </a:solidFill>
+                <a:effectLst/>
+                <a:latin typeface="+mn-lt"/>
+                <a:ea typeface="+mn-ea"/>
+                <a:cs typeface="+mn-cs"/>
+              </a:rPr>
+              <a:t>Use it to solve all kinds of problems out of the box</a:t>
+            </a:r>
+          </a:p>
+          <a:p>
+            <a:pPr marL="171450" lvl="0" indent="-171450">
+              <a:buFontTx/>
+              <a:buChar char="-"/>
+            </a:pPr>
+            <a:r>
+              <a:rPr lang="en-US" sz="1200" kern="1200" dirty="0">
+                <a:solidFill>
+                  <a:schemeClr val="tx1"/>
+                </a:solidFill>
+                <a:effectLst/>
+                <a:latin typeface="+mn-lt"/>
+                <a:ea typeface="+mn-ea"/>
+                <a:cs typeface="+mn-cs"/>
+              </a:rPr>
+              <a:t>It’s always with you</a:t>
+            </a:r>
+          </a:p>
+          <a:p>
+            <a:pPr marL="171450" lvl="0" indent="-171450">
+              <a:buFontTx/>
+              <a:buChar char="-"/>
+            </a:pPr>
+            <a:r>
+              <a:rPr lang="en-US" sz="1200" kern="1200" dirty="0">
+                <a:solidFill>
+                  <a:schemeClr val="tx1"/>
+                </a:solidFill>
+                <a:effectLst/>
+                <a:latin typeface="+mn-lt"/>
+                <a:ea typeface="+mn-ea"/>
+                <a:cs typeface="+mn-cs"/>
+              </a:rPr>
+              <a:t>PowerShell: You can add your own “blades” over time to satisfy yours and your organizations’ needs.</a:t>
+            </a:r>
+          </a:p>
+          <a:p>
+            <a:endParaRPr lang="en-US" dirty="0"/>
+          </a:p>
+        </p:txBody>
+      </p:sp>
+      <p:sp>
+        <p:nvSpPr>
+          <p:cNvPr id="4" name="Slide Number Placeholder 3"/>
+          <p:cNvSpPr>
+            <a:spLocks noGrp="1"/>
+          </p:cNvSpPr>
+          <p:nvPr>
+            <p:ph type="sldNum" sz="quarter" idx="5"/>
+          </p:nvPr>
+        </p:nvSpPr>
+        <p:spPr/>
+        <p:txBody>
+          <a:bodyPr/>
+          <a:lstStyle/>
+          <a:p>
+            <a:fld id="{5B0D244D-F950-4B19-A898-32593C1849B6}" type="slidenum">
+              <a:rPr lang="en-US" smtClean="0"/>
+              <a:t>3</a:t>
+            </a:fld>
+            <a:endParaRPr lang="en-US"/>
+          </a:p>
+        </p:txBody>
+      </p:sp>
+    </p:spTree>
+    <p:extLst>
+      <p:ext uri="{BB962C8B-B14F-4D97-AF65-F5344CB8AC3E}">
+        <p14:creationId xmlns:p14="http://schemas.microsoft.com/office/powerpoint/2010/main" val="3954266773"/>
+      </p:ext>
+    </p:extLst>
+  </p:cSld>
+  <p:clrMapOvr>
+    <a:masterClrMapping/>
+  </p:clrMapOvr>
+</p:notes>
+</file>
+
+<file path=ppt/notesSlides/notesSlide4.xml><?xml version="1.0" encoding="utf-8"?>
+<p:notes xmlns:a="http://schemas.openxmlformats.org/drawingml/2006/main" xmlns:r="http://schemas.openxmlformats.org/officeDocument/2006/relationships" xmlns:p="http://schemas.openxmlformats.org/presentationml/2006/main">
+  <p:cSld>
+    <p:spTree>
+      <p:nvGrpSpPr>
+        <p:cNvPr id="1" name=""/>
+        <p:cNvGrpSpPr/>
+        <p:nvPr/>
+      </p:nvGrpSpPr>
+      <p:grpSpPr>
+        <a:xfrm>
+          <a:off x="0" y="0"/>
+          <a:ext cx="0" cy="0"/>
+          <a:chOff x="0" y="0"/>
+          <a:chExt cx="0" cy="0"/>
+        </a:xfrm>
+      </p:grpSpPr>
+      <p:sp>
+        <p:nvSpPr>
+          <p:cNvPr id="2" name="Slide Image Placeholder 1"/>
+          <p:cNvSpPr>
+            <a:spLocks noGrp="1" noRot="1" noChangeAspect="1"/>
+          </p:cNvSpPr>
+          <p:nvPr>
+            <p:ph type="sldImg"/>
+          </p:nvPr>
+        </p:nvSpPr>
+        <p:spPr/>
+      </p:sp>
+      <p:sp>
+        <p:nvSpPr>
+          <p:cNvPr id="3" name="Notes Placeholder 2"/>
+          <p:cNvSpPr>
+            <a:spLocks noGrp="1"/>
+          </p:cNvSpPr>
+          <p:nvPr>
+            <p:ph type="body" idx="1"/>
+          </p:nvPr>
+        </p:nvSpPr>
+        <p:spPr/>
+        <p:txBody>
+          <a:bodyPr/>
+          <a:lstStyle/>
+          <a:p>
+            <a:r>
+              <a:rPr lang="en-US" sz="1200" kern="1200" dirty="0">
+                <a:solidFill>
+                  <a:schemeClr val="tx1"/>
+                </a:solidFill>
+                <a:effectLst/>
+                <a:latin typeface="+mn-lt"/>
+                <a:ea typeface="+mn-ea"/>
+                <a:cs typeface="+mn-cs"/>
+              </a:rPr>
+              <a:t>Back in 2012, Miami-Dade County (MDC) government needed automated workflow to keep data flowing in and out of EnergyCAP. </a:t>
+            </a:r>
+          </a:p>
+          <a:p>
+            <a:pPr lvl="0"/>
+            <a:endParaRPr lang="en-US" sz="1200" kern="1200" dirty="0">
+              <a:solidFill>
+                <a:schemeClr val="tx1"/>
+              </a:solidFill>
+              <a:effectLst/>
+              <a:latin typeface="+mn-lt"/>
+              <a:ea typeface="+mn-ea"/>
+              <a:cs typeface="+mn-cs"/>
+            </a:endParaRPr>
+          </a:p>
+          <a:p>
+            <a:r>
+              <a:rPr lang="en-US" sz="1200" kern="1200" dirty="0">
+                <a:solidFill>
+                  <a:schemeClr val="tx1"/>
+                </a:solidFill>
+                <a:effectLst/>
+                <a:latin typeface="+mn-lt"/>
+                <a:ea typeface="+mn-ea"/>
+                <a:cs typeface="+mn-cs"/>
+              </a:rPr>
+              <a:t>What kind of technology could solve this problem? </a:t>
+            </a:r>
+            <a:r>
+              <a:rPr lang="en-US" sz="1200" b="1" kern="1200" dirty="0">
+                <a:solidFill>
+                  <a:schemeClr val="tx1"/>
+                </a:solidFill>
+                <a:effectLst/>
+                <a:latin typeface="+mn-lt"/>
+                <a:ea typeface="+mn-ea"/>
+                <a:cs typeface="+mn-cs"/>
+              </a:rPr>
+              <a:t>POWERSHELL!</a:t>
+            </a:r>
+            <a:endParaRPr lang="en-US" sz="1200" kern="1200" dirty="0">
+              <a:solidFill>
+                <a:schemeClr val="tx1"/>
+              </a:solidFill>
+              <a:effectLst/>
+              <a:latin typeface="+mn-lt"/>
+              <a:ea typeface="+mn-ea"/>
+              <a:cs typeface="+mn-cs"/>
+            </a:endParaRPr>
+          </a:p>
+          <a:p>
+            <a:endParaRPr lang="en-US" sz="1200" b="1" kern="1200" dirty="0">
+              <a:solidFill>
+                <a:schemeClr val="tx1"/>
+              </a:solidFill>
+              <a:effectLst/>
+              <a:latin typeface="+mn-lt"/>
+              <a:ea typeface="+mn-ea"/>
+              <a:cs typeface="+mn-cs"/>
+            </a:endParaRPr>
+          </a:p>
+          <a:p>
+            <a:r>
+              <a:rPr lang="en-US" sz="1200" kern="1200" dirty="0">
+                <a:solidFill>
+                  <a:schemeClr val="tx1"/>
+                </a:solidFill>
+                <a:effectLst/>
+                <a:latin typeface="+mn-lt"/>
+                <a:ea typeface="+mn-ea"/>
+                <a:cs typeface="+mn-cs"/>
+              </a:rPr>
+              <a:t>It was a very successful project, and now EnergyCAP, Inc. relies heavily on PowerShell to automate similar workflow automation scripts for many of our clients. </a:t>
+            </a:r>
+          </a:p>
+          <a:p>
+            <a:pPr marL="171450" indent="-171450">
+              <a:buFontTx/>
+              <a:buChar char="-"/>
+            </a:pPr>
+            <a:r>
+              <a:rPr lang="en-US" sz="1200" kern="1200" dirty="0">
+                <a:solidFill>
+                  <a:schemeClr val="tx1"/>
+                </a:solidFill>
+                <a:effectLst/>
+                <a:latin typeface="+mn-lt"/>
+                <a:ea typeface="+mn-ea"/>
+                <a:cs typeface="+mn-cs"/>
+              </a:rPr>
+              <a:t>We’re invested heavily in it.</a:t>
+            </a:r>
+          </a:p>
+        </p:txBody>
+      </p:sp>
+      <p:sp>
+        <p:nvSpPr>
+          <p:cNvPr id="4" name="Slide Number Placeholder 3"/>
+          <p:cNvSpPr>
+            <a:spLocks noGrp="1"/>
+          </p:cNvSpPr>
+          <p:nvPr>
+            <p:ph type="sldNum" sz="quarter" idx="5"/>
+          </p:nvPr>
+        </p:nvSpPr>
+        <p:spPr/>
+        <p:txBody>
+          <a:bodyPr/>
+          <a:lstStyle/>
+          <a:p>
+            <a:fld id="{5B0D244D-F950-4B19-A898-32593C1849B6}" type="slidenum">
+              <a:rPr lang="en-US" smtClean="0"/>
+              <a:t>4</a:t>
+            </a:fld>
+            <a:endParaRPr lang="en-US"/>
+          </a:p>
+        </p:txBody>
+      </p:sp>
+    </p:spTree>
+    <p:extLst>
+      <p:ext uri="{BB962C8B-B14F-4D97-AF65-F5344CB8AC3E}">
+        <p14:creationId xmlns:p14="http://schemas.microsoft.com/office/powerpoint/2010/main" val="3411303403"/>
+      </p:ext>
+    </p:extLst>
+  </p:cSld>
+  <p:clrMapOvr>
+    <a:masterClrMapping/>
+  </p:clrMapOvr>
+</p:notes>
+</file>
+
+<file path=ppt/notesSlides/notesSlide5.xml><?xml version="1.0" encoding="utf-8"?>
+<p:notes xmlns:a="http://schemas.openxmlformats.org/drawingml/2006/main" xmlns:r="http://schemas.openxmlformats.org/officeDocument/2006/relationships" xmlns:p="http://schemas.openxmlformats.org/presentationml/2006/main">
+  <p:cSld>
+    <p:spTree>
+      <p:nvGrpSpPr>
+        <p:cNvPr id="1" name=""/>
+        <p:cNvGrpSpPr/>
+        <p:nvPr/>
+      </p:nvGrpSpPr>
+      <p:grpSpPr>
+        <a:xfrm>
+          <a:off x="0" y="0"/>
+          <a:ext cx="0" cy="0"/>
+          <a:chOff x="0" y="0"/>
+          <a:chExt cx="0" cy="0"/>
+        </a:xfrm>
+      </p:grpSpPr>
+      <p:sp>
+        <p:nvSpPr>
+          <p:cNvPr id="2" name="Slide Image Placeholder 1"/>
+          <p:cNvSpPr>
+            <a:spLocks noGrp="1" noRot="1" noChangeAspect="1"/>
+          </p:cNvSpPr>
+          <p:nvPr>
+            <p:ph type="sldImg"/>
+          </p:nvPr>
+        </p:nvSpPr>
+        <p:spPr/>
+      </p:sp>
+      <p:sp>
+        <p:nvSpPr>
+          <p:cNvPr id="3" name="Notes Placeholder 2"/>
+          <p:cNvSpPr>
+            <a:spLocks noGrp="1"/>
+          </p:cNvSpPr>
+          <p:nvPr>
+            <p:ph type="body" idx="1"/>
+          </p:nvPr>
+        </p:nvSpPr>
+        <p:spPr/>
+        <p:txBody>
+          <a:bodyPr/>
+          <a:lstStyle/>
+          <a:p>
+            <a:r>
+              <a:rPr lang="en-US" sz="1200" kern="1200" dirty="0">
+                <a:solidFill>
+                  <a:schemeClr val="tx1"/>
+                </a:solidFill>
+                <a:effectLst/>
+                <a:latin typeface="+mn-lt"/>
+                <a:ea typeface="+mn-ea"/>
+                <a:cs typeface="+mn-cs"/>
+              </a:rPr>
+              <a:t>Not just valuable to EnergyCAP; valuable to me as a developer! </a:t>
+            </a:r>
+          </a:p>
+          <a:p>
+            <a:endParaRPr lang="en-US" sz="1200" kern="1200" dirty="0">
+              <a:solidFill>
+                <a:schemeClr val="tx1"/>
+              </a:solidFill>
+              <a:effectLst/>
+              <a:latin typeface="+mn-lt"/>
+              <a:ea typeface="+mn-ea"/>
+              <a:cs typeface="+mn-cs"/>
+            </a:endParaRPr>
+          </a:p>
+          <a:p>
+            <a:r>
+              <a:rPr lang="en-US" sz="1200" kern="1200" dirty="0">
+                <a:solidFill>
+                  <a:schemeClr val="tx1"/>
+                </a:solidFill>
+                <a:effectLst/>
+                <a:latin typeface="+mn-lt"/>
+                <a:ea typeface="+mn-ea"/>
+                <a:cs typeface="+mn-cs"/>
+              </a:rPr>
+              <a:t>Over the years, I've found more and more uses for PowerShell when automating repetitive tasks in my development work. </a:t>
+            </a:r>
+          </a:p>
+          <a:p>
+            <a:endParaRPr lang="en-US" sz="1200" b="1" kern="1200" dirty="0">
+              <a:solidFill>
+                <a:schemeClr val="tx1"/>
+              </a:solidFill>
+              <a:effectLst/>
+              <a:latin typeface="+mn-lt"/>
+              <a:ea typeface="+mn-ea"/>
+              <a:cs typeface="+mn-cs"/>
+            </a:endParaRPr>
+          </a:p>
+          <a:p>
+            <a:r>
+              <a:rPr lang="en-US" sz="1200" b="1" kern="1200" dirty="0">
+                <a:solidFill>
+                  <a:schemeClr val="tx1"/>
+                </a:solidFill>
+                <a:effectLst/>
+                <a:latin typeface="+mn-lt"/>
+                <a:ea typeface="+mn-ea"/>
+                <a:cs typeface="+mn-cs"/>
+              </a:rPr>
+              <a:t>	&lt;discuss the bullet points&gt;</a:t>
+            </a:r>
+          </a:p>
+          <a:p>
+            <a:endParaRPr lang="en-US" sz="1200" kern="1200" dirty="0">
+              <a:solidFill>
+                <a:schemeClr val="tx1"/>
+              </a:solidFill>
+              <a:effectLst/>
+              <a:latin typeface="+mn-lt"/>
+              <a:ea typeface="+mn-ea"/>
+              <a:cs typeface="+mn-cs"/>
+            </a:endParaRPr>
+          </a:p>
+          <a:p>
+            <a:r>
+              <a:rPr lang="en-US" sz="1200" kern="1200" dirty="0">
+                <a:solidFill>
+                  <a:schemeClr val="tx1"/>
+                </a:solidFill>
+                <a:effectLst/>
+                <a:latin typeface="+mn-lt"/>
+                <a:ea typeface="+mn-ea"/>
+                <a:cs typeface="+mn-cs"/>
+              </a:rPr>
+              <a:t>It's become a habit of mine: If you find yourself performing the same multi-step process more than once, figure out the process and then write a PowerShell script to do it!</a:t>
+            </a:r>
+          </a:p>
+          <a:p>
+            <a:endParaRPr lang="en-US" dirty="0"/>
+          </a:p>
+        </p:txBody>
+      </p:sp>
+      <p:sp>
+        <p:nvSpPr>
+          <p:cNvPr id="4" name="Slide Number Placeholder 3"/>
+          <p:cNvSpPr>
+            <a:spLocks noGrp="1"/>
+          </p:cNvSpPr>
+          <p:nvPr>
+            <p:ph type="sldNum" sz="quarter" idx="5"/>
+          </p:nvPr>
+        </p:nvSpPr>
+        <p:spPr/>
+        <p:txBody>
+          <a:bodyPr/>
+          <a:lstStyle/>
+          <a:p>
+            <a:fld id="{5B0D244D-F950-4B19-A898-32593C1849B6}" type="slidenum">
+              <a:rPr lang="en-US" smtClean="0"/>
+              <a:t>5</a:t>
+            </a:fld>
+            <a:endParaRPr lang="en-US"/>
+          </a:p>
+        </p:txBody>
+      </p:sp>
+    </p:spTree>
+    <p:extLst>
+      <p:ext uri="{BB962C8B-B14F-4D97-AF65-F5344CB8AC3E}">
+        <p14:creationId xmlns:p14="http://schemas.microsoft.com/office/powerpoint/2010/main" val="890667750"/>
+      </p:ext>
+    </p:extLst>
+  </p:cSld>
+  <p:clrMapOvr>
+    <a:masterClrMapping/>
+  </p:clrMapOvr>
+</p:notes>
+</file>
+
+<file path=ppt/notesSlides/notesSlide6.xml><?xml version="1.0" encoding="utf-8"?>
+<p:notes xmlns:a="http://schemas.openxmlformats.org/drawingml/2006/main" xmlns:r="http://schemas.openxmlformats.org/officeDocument/2006/relationships" xmlns:p="http://schemas.openxmlformats.org/presentationml/2006/main">
+  <p:cSld>
+    <p:spTree>
+      <p:nvGrpSpPr>
+        <p:cNvPr id="1" name=""/>
+        <p:cNvGrpSpPr/>
+        <p:nvPr/>
+      </p:nvGrpSpPr>
+      <p:grpSpPr>
+        <a:xfrm>
+          <a:off x="0" y="0"/>
+          <a:ext cx="0" cy="0"/>
+          <a:chOff x="0" y="0"/>
+          <a:chExt cx="0" cy="0"/>
+        </a:xfrm>
+      </p:grpSpPr>
+      <p:sp>
+        <p:nvSpPr>
+          <p:cNvPr id="2" name="Slide Image Placeholder 1"/>
+          <p:cNvSpPr>
+            <a:spLocks noGrp="1" noRot="1" noChangeAspect="1"/>
+          </p:cNvSpPr>
+          <p:nvPr>
+            <p:ph type="sldImg"/>
+          </p:nvPr>
+        </p:nvSpPr>
+        <p:spPr/>
+      </p:sp>
+      <p:sp>
+        <p:nvSpPr>
+          <p:cNvPr id="3" name="Notes Placeholder 2"/>
+          <p:cNvSpPr>
+            <a:spLocks noGrp="1"/>
+          </p:cNvSpPr>
+          <p:nvPr>
+            <p:ph type="body" idx="1"/>
+          </p:nvPr>
+        </p:nvSpPr>
+        <p:spPr/>
+        <p:txBody>
+          <a:bodyPr/>
+          <a:lstStyle/>
+          <a:p>
+            <a:pPr lvl="0"/>
+            <a:r>
+              <a:rPr lang="en-US" sz="1200" kern="1200" dirty="0">
+                <a:solidFill>
+                  <a:schemeClr val="tx1"/>
+                </a:solidFill>
+                <a:effectLst/>
+                <a:latin typeface="+mn-lt"/>
+                <a:ea typeface="+mn-ea"/>
+                <a:cs typeface="+mn-cs"/>
+              </a:rPr>
+              <a:t>It is POWERFUL</a:t>
+            </a:r>
+            <a:endParaRPr lang="en-US" sz="1400" kern="1200" dirty="0">
+              <a:solidFill>
+                <a:schemeClr val="tx1"/>
+              </a:solidFill>
+              <a:effectLst/>
+              <a:latin typeface="+mn-lt"/>
+              <a:ea typeface="+mn-ea"/>
+              <a:cs typeface="+mn-cs"/>
+            </a:endParaRPr>
+          </a:p>
+          <a:p>
+            <a:pPr lvl="1"/>
+            <a:r>
+              <a:rPr lang="en-US" sz="1200" kern="1200" dirty="0">
+                <a:solidFill>
+                  <a:schemeClr val="tx1"/>
+                </a:solidFill>
+                <a:effectLst/>
+                <a:latin typeface="+mn-lt"/>
+                <a:ea typeface="+mn-ea"/>
+                <a:cs typeface="+mn-cs"/>
+              </a:rPr>
+              <a:t>One-liners for complex tasks</a:t>
+            </a:r>
+            <a:endParaRPr lang="en-US" sz="1400" kern="1200" dirty="0">
+              <a:solidFill>
+                <a:schemeClr val="tx1"/>
+              </a:solidFill>
+              <a:effectLst/>
+              <a:latin typeface="+mn-lt"/>
+              <a:ea typeface="+mn-ea"/>
+              <a:cs typeface="+mn-cs"/>
+            </a:endParaRPr>
+          </a:p>
+          <a:p>
+            <a:pPr lvl="2"/>
+            <a:r>
+              <a:rPr lang="en-US" sz="1200" kern="1200" dirty="0">
+                <a:solidFill>
+                  <a:schemeClr val="tx1"/>
+                </a:solidFill>
+                <a:effectLst/>
+                <a:latin typeface="+mn-lt"/>
+                <a:ea typeface="+mn-ea"/>
+                <a:cs typeface="+mn-cs"/>
+              </a:rPr>
+              <a:t>It's GREAT for chopping data quickly, especially XML, CSV, and JSON</a:t>
+            </a:r>
+            <a:endParaRPr lang="en-US" sz="1400" kern="1200" dirty="0">
+              <a:solidFill>
+                <a:schemeClr val="tx1"/>
+              </a:solidFill>
+              <a:effectLst/>
+              <a:latin typeface="+mn-lt"/>
+              <a:ea typeface="+mn-ea"/>
+              <a:cs typeface="+mn-cs"/>
+            </a:endParaRPr>
+          </a:p>
+          <a:p>
+            <a:pPr lvl="1"/>
+            <a:r>
+              <a:rPr lang="en-US" sz="1200" kern="1200" dirty="0">
+                <a:solidFill>
+                  <a:schemeClr val="tx1"/>
+                </a:solidFill>
+                <a:effectLst/>
+                <a:latin typeface="+mn-lt"/>
+                <a:ea typeface="+mn-ea"/>
+                <a:cs typeface="+mn-cs"/>
+              </a:rPr>
+              <a:t>.NET, MS ecosystem fully integrated</a:t>
+            </a:r>
+          </a:p>
+          <a:p>
+            <a:pPr lvl="1"/>
+            <a:r>
+              <a:rPr lang="en-US" sz="1200" kern="1200" dirty="0">
+                <a:solidFill>
+                  <a:schemeClr val="tx1"/>
+                </a:solidFill>
+                <a:effectLst/>
+                <a:latin typeface="+mn-lt"/>
+                <a:ea typeface="+mn-ea"/>
+                <a:cs typeface="+mn-cs"/>
+              </a:rPr>
+              <a:t>	- Your favorite .NET APIs are available to you</a:t>
+            </a:r>
+          </a:p>
+          <a:p>
+            <a:pPr lvl="1"/>
+            <a:r>
+              <a:rPr lang="en-US" sz="1200" kern="1200" dirty="0">
+                <a:solidFill>
+                  <a:schemeClr val="tx1"/>
+                </a:solidFill>
+                <a:effectLst/>
+                <a:latin typeface="+mn-lt"/>
+                <a:ea typeface="+mn-ea"/>
+                <a:cs typeface="+mn-cs"/>
+              </a:rPr>
+              <a:t>	- Windows OS objects are scriptable (user accts/security, running processes, filesystem)</a:t>
+            </a:r>
+          </a:p>
+          <a:p>
+            <a:pPr lvl="1"/>
+            <a:r>
+              <a:rPr lang="en-US" sz="1200" kern="1200" dirty="0">
+                <a:solidFill>
+                  <a:schemeClr val="tx1"/>
+                </a:solidFill>
+                <a:effectLst/>
+                <a:latin typeface="+mn-lt"/>
+                <a:ea typeface="+mn-ea"/>
+                <a:cs typeface="+mn-cs"/>
+              </a:rPr>
+              <a:t>	- Invoke-</a:t>
+            </a:r>
+            <a:r>
+              <a:rPr lang="en-US" sz="1200" kern="1200" dirty="0" err="1">
+                <a:solidFill>
+                  <a:schemeClr val="tx1"/>
+                </a:solidFill>
+                <a:effectLst/>
+                <a:latin typeface="+mn-lt"/>
+                <a:ea typeface="+mn-ea"/>
+                <a:cs typeface="+mn-cs"/>
+              </a:rPr>
+              <a:t>SqlCmd</a:t>
+            </a:r>
+            <a:r>
+              <a:rPr lang="en-US" sz="1200" kern="1200" dirty="0">
+                <a:solidFill>
+                  <a:schemeClr val="tx1"/>
+                </a:solidFill>
+                <a:effectLst/>
+                <a:latin typeface="+mn-lt"/>
+                <a:ea typeface="+mn-ea"/>
+                <a:cs typeface="+mn-cs"/>
+              </a:rPr>
+              <a:t> in </a:t>
+            </a:r>
+            <a:r>
+              <a:rPr lang="en-US" sz="1200" kern="1200" dirty="0" err="1">
+                <a:solidFill>
+                  <a:schemeClr val="tx1"/>
+                </a:solidFill>
+                <a:effectLst/>
+                <a:latin typeface="+mn-lt"/>
+                <a:ea typeface="+mn-ea"/>
+                <a:cs typeface="+mn-cs"/>
+              </a:rPr>
+              <a:t>SqlServer</a:t>
+            </a:r>
+            <a:r>
+              <a:rPr lang="en-US" sz="1200" kern="1200" dirty="0">
+                <a:solidFill>
+                  <a:schemeClr val="tx1"/>
+                </a:solidFill>
+                <a:effectLst/>
+                <a:latin typeface="+mn-lt"/>
+                <a:ea typeface="+mn-ea"/>
+                <a:cs typeface="+mn-cs"/>
+              </a:rPr>
+              <a:t> module</a:t>
+            </a:r>
+          </a:p>
+          <a:p>
+            <a:pPr lvl="1"/>
+            <a:r>
+              <a:rPr lang="en-US" sz="1200" kern="1200" dirty="0">
+                <a:solidFill>
+                  <a:schemeClr val="tx1"/>
+                </a:solidFill>
+                <a:effectLst/>
+                <a:latin typeface="+mn-lt"/>
+                <a:ea typeface="+mn-ea"/>
+                <a:cs typeface="+mn-cs"/>
+              </a:rPr>
+              <a:t>	- Azure resources with Azure SDK cmdlets</a:t>
+            </a:r>
+            <a:endParaRPr lang="en-US" sz="1400" kern="1200" dirty="0">
+              <a:solidFill>
+                <a:schemeClr val="tx1"/>
+              </a:solidFill>
+              <a:effectLst/>
+              <a:latin typeface="+mn-lt"/>
+              <a:ea typeface="+mn-ea"/>
+              <a:cs typeface="+mn-cs"/>
+            </a:endParaRPr>
+          </a:p>
+          <a:p>
+            <a:pPr lvl="1"/>
+            <a:r>
+              <a:rPr lang="en-US" sz="1200" kern="1200" dirty="0">
+                <a:solidFill>
+                  <a:schemeClr val="tx1"/>
+                </a:solidFill>
+                <a:effectLst/>
+                <a:latin typeface="+mn-lt"/>
+                <a:ea typeface="+mn-ea"/>
+                <a:cs typeface="+mn-cs"/>
+              </a:rPr>
+              <a:t>Fast: Shell scripting faster than UI</a:t>
+            </a:r>
+            <a:endParaRPr lang="en-US" sz="1400" kern="1200" dirty="0">
+              <a:solidFill>
+                <a:schemeClr val="tx1"/>
+              </a:solidFill>
+              <a:effectLst/>
+              <a:latin typeface="+mn-lt"/>
+              <a:ea typeface="+mn-ea"/>
+              <a:cs typeface="+mn-cs"/>
+            </a:endParaRPr>
+          </a:p>
+          <a:p>
+            <a:pPr marL="1085850" lvl="2" indent="-171450">
+              <a:buFontTx/>
+              <a:buChar char="-"/>
+            </a:pPr>
+            <a:r>
+              <a:rPr lang="en-US" sz="1200" kern="1200" dirty="0">
+                <a:solidFill>
+                  <a:schemeClr val="tx1"/>
+                </a:solidFill>
+                <a:effectLst/>
+                <a:latin typeface="+mn-lt"/>
+                <a:ea typeface="+mn-ea"/>
+                <a:cs typeface="+mn-cs"/>
+              </a:rPr>
+              <a:t>When you can script repetitive and time-consuming manual processes, you’ll save time, and PowerShell’s access to MS features adds power to speed</a:t>
+            </a:r>
+          </a:p>
+          <a:p>
+            <a:pPr marL="1085850" lvl="2" indent="-171450">
+              <a:buFontTx/>
+              <a:buChar char="-"/>
+            </a:pPr>
+            <a:r>
+              <a:rPr lang="en-US" sz="1200" kern="1200" dirty="0">
+                <a:solidFill>
+                  <a:schemeClr val="tx1"/>
+                </a:solidFill>
+                <a:effectLst/>
+                <a:latin typeface="+mn-lt"/>
+                <a:ea typeface="+mn-ea"/>
+                <a:cs typeface="+mn-cs"/>
+              </a:rPr>
+              <a:t>PowerShell IDEs are lightweight and well-featured, so you’ll find the rinse/repeat cycle of iterating code is very quick</a:t>
+            </a:r>
+            <a:endParaRPr lang="en-US" sz="1400" kern="1200" dirty="0">
+              <a:solidFill>
+                <a:schemeClr val="tx1"/>
+              </a:solidFill>
+              <a:effectLst/>
+              <a:latin typeface="+mn-lt"/>
+              <a:ea typeface="+mn-ea"/>
+              <a:cs typeface="+mn-cs"/>
+            </a:endParaRPr>
+          </a:p>
+          <a:p>
+            <a:r>
+              <a:rPr lang="en-US" sz="1200" kern="1200" dirty="0">
+                <a:solidFill>
+                  <a:schemeClr val="tx1"/>
+                </a:solidFill>
+                <a:effectLst/>
+                <a:latin typeface="+mn-lt"/>
+                <a:ea typeface="+mn-ea"/>
+                <a:cs typeface="+mn-cs"/>
+              </a:rPr>
+              <a:t> </a:t>
+            </a:r>
+            <a:endParaRPr lang="en-US" sz="1400" kern="1200" dirty="0">
+              <a:solidFill>
+                <a:schemeClr val="tx1"/>
+              </a:solidFill>
+              <a:effectLst/>
+              <a:latin typeface="+mn-lt"/>
+              <a:ea typeface="+mn-ea"/>
+              <a:cs typeface="+mn-cs"/>
+            </a:endParaRPr>
+          </a:p>
+          <a:p>
+            <a:pPr lvl="0"/>
+            <a:r>
+              <a:rPr lang="en-US" sz="1200" kern="1200" dirty="0">
+                <a:solidFill>
+                  <a:schemeClr val="tx1"/>
+                </a:solidFill>
+                <a:effectLst/>
+                <a:latin typeface="+mn-lt"/>
+                <a:ea typeface="+mn-ea"/>
+                <a:cs typeface="+mn-cs"/>
+              </a:rPr>
+              <a:t>It is EVERYWHERE</a:t>
+            </a:r>
+            <a:endParaRPr lang="en-US" sz="1400" kern="1200" dirty="0">
+              <a:solidFill>
+                <a:schemeClr val="tx1"/>
+              </a:solidFill>
+              <a:effectLst/>
+              <a:latin typeface="+mn-lt"/>
+              <a:ea typeface="+mn-ea"/>
+              <a:cs typeface="+mn-cs"/>
+            </a:endParaRPr>
+          </a:p>
+          <a:p>
+            <a:pPr lvl="1"/>
+            <a:r>
+              <a:rPr lang="en-US" sz="1200" kern="1200" dirty="0">
+                <a:solidFill>
+                  <a:schemeClr val="tx1"/>
+                </a:solidFill>
+                <a:effectLst/>
+                <a:latin typeface="+mn-lt"/>
+                <a:ea typeface="+mn-ea"/>
+                <a:cs typeface="+mn-cs"/>
+              </a:rPr>
+              <a:t>All desktop &amp; server versions of Windows (XP+)</a:t>
+            </a:r>
+            <a:endParaRPr lang="en-US" sz="1400" kern="1200" dirty="0">
+              <a:solidFill>
+                <a:schemeClr val="tx1"/>
+              </a:solidFill>
+              <a:effectLst/>
+              <a:latin typeface="+mn-lt"/>
+              <a:ea typeface="+mn-ea"/>
+              <a:cs typeface="+mn-cs"/>
+            </a:endParaRPr>
+          </a:p>
+          <a:p>
+            <a:pPr lvl="1"/>
+            <a:r>
+              <a:rPr lang="en-US" sz="1200" kern="1200" dirty="0">
+                <a:solidFill>
+                  <a:schemeClr val="tx1"/>
+                </a:solidFill>
+                <a:effectLst/>
+                <a:latin typeface="+mn-lt"/>
+                <a:ea typeface="+mn-ea"/>
+                <a:cs typeface="+mn-cs"/>
+              </a:rPr>
+              <a:t>In your tools (Visual Studio, VS Code) and platforms (</a:t>
+            </a:r>
+            <a:r>
+              <a:rPr lang="en-US" sz="1200" kern="1200" dirty="0" err="1">
+                <a:solidFill>
+                  <a:schemeClr val="tx1"/>
+                </a:solidFill>
+                <a:effectLst/>
+                <a:latin typeface="+mn-lt"/>
+                <a:ea typeface="+mn-ea"/>
+                <a:cs typeface="+mn-cs"/>
+              </a:rPr>
+              <a:t>OctopusDeploy</a:t>
+            </a:r>
+            <a:r>
+              <a:rPr lang="en-US" sz="1200" kern="1200" dirty="0">
+                <a:solidFill>
+                  <a:schemeClr val="tx1"/>
+                </a:solidFill>
+                <a:effectLst/>
+                <a:latin typeface="+mn-lt"/>
+                <a:ea typeface="+mn-ea"/>
+                <a:cs typeface="+mn-cs"/>
+              </a:rPr>
+              <a:t>, JAMS)</a:t>
+            </a:r>
+            <a:endParaRPr lang="en-US" sz="1400" kern="1200" dirty="0">
+              <a:solidFill>
+                <a:schemeClr val="tx1"/>
+              </a:solidFill>
+              <a:effectLst/>
+              <a:latin typeface="+mn-lt"/>
+              <a:ea typeface="+mn-ea"/>
+              <a:cs typeface="+mn-cs"/>
+            </a:endParaRPr>
+          </a:p>
+          <a:p>
+            <a:pPr lvl="1"/>
+            <a:r>
+              <a:rPr lang="en-US" sz="1200" kern="1200" dirty="0">
+                <a:solidFill>
+                  <a:schemeClr val="tx1"/>
+                </a:solidFill>
+                <a:effectLst/>
+                <a:latin typeface="+mn-lt"/>
+                <a:ea typeface="+mn-ea"/>
+                <a:cs typeface="+mn-cs"/>
+              </a:rPr>
+              <a:t>PowerShell Core supported for Mac OS, Linux</a:t>
+            </a:r>
+            <a:endParaRPr lang="en-US" sz="1400" kern="1200" dirty="0">
+              <a:solidFill>
+                <a:schemeClr val="tx1"/>
+              </a:solidFill>
+              <a:effectLst/>
+              <a:latin typeface="+mn-lt"/>
+              <a:ea typeface="+mn-ea"/>
+              <a:cs typeface="+mn-cs"/>
+            </a:endParaRPr>
+          </a:p>
+          <a:p>
+            <a:pPr lvl="2"/>
+            <a:r>
+              <a:rPr lang="en-US" sz="1200" kern="1200" dirty="0">
+                <a:solidFill>
+                  <a:schemeClr val="tx1"/>
+                </a:solidFill>
+                <a:effectLst/>
+                <a:latin typeface="+mn-lt"/>
+                <a:ea typeface="+mn-ea"/>
+                <a:cs typeface="+mn-cs"/>
+              </a:rPr>
+              <a:t>Since August 2016 with PowerShell Core, it's cross-platform and open source</a:t>
+            </a:r>
+            <a:endParaRPr lang="en-US" sz="1400" kern="1200" dirty="0">
+              <a:solidFill>
+                <a:schemeClr val="tx1"/>
+              </a:solidFill>
+              <a:effectLst/>
+              <a:latin typeface="+mn-lt"/>
+              <a:ea typeface="+mn-ea"/>
+              <a:cs typeface="+mn-cs"/>
+            </a:endParaRPr>
+          </a:p>
+          <a:p>
+            <a:pPr lvl="1"/>
+            <a:r>
+              <a:rPr lang="en-US" sz="1200" kern="1200" dirty="0">
+                <a:solidFill>
+                  <a:schemeClr val="tx1"/>
+                </a:solidFill>
+                <a:effectLst/>
+                <a:latin typeface="+mn-lt"/>
+                <a:ea typeface="+mn-ea"/>
+                <a:cs typeface="+mn-cs"/>
+              </a:rPr>
+              <a:t>Jeff Fritz’s keynote; professional development - It’s probably in your organization somewhere now; or you will run across it in your career.</a:t>
+            </a:r>
+            <a:endParaRPr lang="en-US" sz="1400" kern="1200" dirty="0">
+              <a:solidFill>
+                <a:schemeClr val="tx1"/>
+              </a:solidFill>
+              <a:effectLst/>
+              <a:latin typeface="+mn-lt"/>
+              <a:ea typeface="+mn-ea"/>
+              <a:cs typeface="+mn-cs"/>
+            </a:endParaRPr>
+          </a:p>
+          <a:p>
+            <a:r>
+              <a:rPr lang="en-US" sz="1200" kern="1200" dirty="0">
+                <a:solidFill>
+                  <a:schemeClr val="tx1"/>
+                </a:solidFill>
+                <a:effectLst/>
+                <a:latin typeface="+mn-lt"/>
+                <a:ea typeface="+mn-ea"/>
+                <a:cs typeface="+mn-cs"/>
+              </a:rPr>
+              <a:t> </a:t>
+            </a:r>
+            <a:endParaRPr lang="en-US" sz="1400" kern="1200" dirty="0">
+              <a:solidFill>
+                <a:schemeClr val="tx1"/>
+              </a:solidFill>
+              <a:effectLst/>
+              <a:latin typeface="+mn-lt"/>
+              <a:ea typeface="+mn-ea"/>
+              <a:cs typeface="+mn-cs"/>
+            </a:endParaRPr>
+          </a:p>
+          <a:p>
+            <a:pPr lvl="0"/>
+            <a:r>
+              <a:rPr lang="en-US" sz="1200" kern="1200" dirty="0">
+                <a:solidFill>
+                  <a:schemeClr val="tx1"/>
+                </a:solidFill>
+                <a:effectLst/>
+                <a:latin typeface="+mn-lt"/>
+                <a:ea typeface="+mn-ea"/>
+                <a:cs typeface="+mn-cs"/>
+              </a:rPr>
+              <a:t>It is FAMILIAR</a:t>
+            </a:r>
+            <a:endParaRPr lang="en-US" sz="1400" kern="1200" dirty="0">
+              <a:solidFill>
+                <a:schemeClr val="tx1"/>
+              </a:solidFill>
+              <a:effectLst/>
+              <a:latin typeface="+mn-lt"/>
+              <a:ea typeface="+mn-ea"/>
+              <a:cs typeface="+mn-cs"/>
+            </a:endParaRPr>
+          </a:p>
+          <a:p>
+            <a:pPr lvl="1"/>
+            <a:r>
+              <a:rPr lang="en-US" sz="1200" kern="1200" dirty="0">
+                <a:solidFill>
+                  <a:schemeClr val="tx1"/>
+                </a:solidFill>
+                <a:effectLst/>
+                <a:latin typeface="+mn-lt"/>
+                <a:ea typeface="+mn-ea"/>
+                <a:cs typeface="+mn-cs"/>
+              </a:rPr>
+              <a:t>Aliases support commands from other systems</a:t>
+            </a:r>
+            <a:endParaRPr lang="en-US" sz="1400" kern="1200" dirty="0">
+              <a:solidFill>
+                <a:schemeClr val="tx1"/>
+              </a:solidFill>
+              <a:effectLst/>
+              <a:latin typeface="+mn-lt"/>
+              <a:ea typeface="+mn-ea"/>
+              <a:cs typeface="+mn-cs"/>
+            </a:endParaRPr>
+          </a:p>
+          <a:p>
+            <a:pPr lvl="1"/>
+            <a:r>
+              <a:rPr lang="en-US" sz="1200" kern="1200" dirty="0">
+                <a:solidFill>
+                  <a:schemeClr val="tx1"/>
+                </a:solidFill>
+                <a:effectLst/>
+                <a:latin typeface="+mn-lt"/>
+                <a:ea typeface="+mn-ea"/>
+                <a:cs typeface="+mn-cs"/>
+              </a:rPr>
+              <a:t>.NET developers will enjoy having familiar data structures and APIs at their fingertips</a:t>
+            </a:r>
+            <a:endParaRPr lang="en-US" sz="1400" kern="1200" dirty="0">
+              <a:solidFill>
+                <a:schemeClr val="tx1"/>
+              </a:solidFill>
+              <a:effectLst/>
+              <a:latin typeface="+mn-lt"/>
+              <a:ea typeface="+mn-ea"/>
+              <a:cs typeface="+mn-cs"/>
+            </a:endParaRPr>
+          </a:p>
+          <a:p>
+            <a:pPr lvl="1"/>
+            <a:r>
+              <a:rPr lang="en-US" sz="1200" kern="1200" dirty="0">
+                <a:solidFill>
+                  <a:schemeClr val="tx1"/>
+                </a:solidFill>
+                <a:effectLst/>
+                <a:latin typeface="+mn-lt"/>
+                <a:ea typeface="+mn-ea"/>
+                <a:cs typeface="+mn-cs"/>
+              </a:rPr>
+              <a:t>Build your own PS “Swiss army knife”</a:t>
+            </a:r>
+            <a:endParaRPr lang="en-US" sz="1400" kern="1200" dirty="0">
+              <a:solidFill>
+                <a:schemeClr val="tx1"/>
+              </a:solidFill>
+              <a:effectLst/>
+              <a:latin typeface="+mn-lt"/>
+              <a:ea typeface="+mn-ea"/>
+              <a:cs typeface="+mn-cs"/>
+            </a:endParaRPr>
+          </a:p>
+          <a:p>
+            <a:pPr lvl="2"/>
+            <a:r>
+              <a:rPr lang="en-US" sz="1200" kern="1200" dirty="0">
+                <a:solidFill>
+                  <a:schemeClr val="tx1"/>
+                </a:solidFill>
+                <a:effectLst/>
+                <a:latin typeface="+mn-lt"/>
+                <a:ea typeface="+mn-ea"/>
+                <a:cs typeface="+mn-cs"/>
+              </a:rPr>
+              <a:t>If </a:t>
+            </a:r>
+            <a:r>
+              <a:rPr lang="en-US" sz="1200" b="1" kern="1200" dirty="0">
+                <a:solidFill>
+                  <a:schemeClr val="tx1"/>
+                </a:solidFill>
+                <a:effectLst/>
+                <a:latin typeface="+mn-lt"/>
+                <a:ea typeface="+mn-ea"/>
+                <a:cs typeface="+mn-cs"/>
+              </a:rPr>
+              <a:t>YOU</a:t>
+            </a:r>
+            <a:r>
+              <a:rPr lang="en-US" sz="1200" kern="1200" dirty="0">
+                <a:solidFill>
+                  <a:schemeClr val="tx1"/>
+                </a:solidFill>
+                <a:effectLst/>
+                <a:latin typeface="+mn-lt"/>
+                <a:ea typeface="+mn-ea"/>
+                <a:cs typeface="+mn-cs"/>
+              </a:rPr>
+              <a:t> spend the time building up your PowerShell "swiss army knife", you will end up with a very customized, very comfortable experience</a:t>
+            </a:r>
+            <a:endParaRPr lang="en-US" sz="1400" kern="1200" dirty="0">
+              <a:solidFill>
+                <a:schemeClr val="tx1"/>
+              </a:solidFill>
+              <a:effectLst/>
+              <a:latin typeface="+mn-lt"/>
+              <a:ea typeface="+mn-ea"/>
+              <a:cs typeface="+mn-cs"/>
+            </a:endParaRPr>
           </a:p>
         </p:txBody>
       </p:sp>
@@ -29489,6 +31413,2057 @@
     <p:extLst>
       <p:ext uri="{BB962C8B-B14F-4D97-AF65-F5344CB8AC3E}">
         <p14:creationId xmlns:p14="http://schemas.microsoft.com/office/powerpoint/2010/main" val="1683571549"/>
+      </p:ext>
+    </p:extLst>
+  </p:cSld>
+  <p:clrMapOvr>
+    <a:masterClrMapping/>
+  </p:clrMapOvr>
+</p:notes>
+</file>
+
+<file path=ppt/notesSlides/notesSlide7.xml><?xml version="1.0" encoding="utf-8"?>
+<p:notes xmlns:a="http://schemas.openxmlformats.org/drawingml/2006/main" xmlns:r="http://schemas.openxmlformats.org/officeDocument/2006/relationships" xmlns:p="http://schemas.openxmlformats.org/presentationml/2006/main">
+  <p:cSld>
+    <p:spTree>
+      <p:nvGrpSpPr>
+        <p:cNvPr id="1" name=""/>
+        <p:cNvGrpSpPr/>
+        <p:nvPr/>
+      </p:nvGrpSpPr>
+      <p:grpSpPr>
+        <a:xfrm>
+          <a:off x="0" y="0"/>
+          <a:ext cx="0" cy="0"/>
+          <a:chOff x="0" y="0"/>
+          <a:chExt cx="0" cy="0"/>
+        </a:xfrm>
+      </p:grpSpPr>
+      <p:sp>
+        <p:nvSpPr>
+          <p:cNvPr id="2" name="Slide Image Placeholder 1"/>
+          <p:cNvSpPr>
+            <a:spLocks noGrp="1" noRot="1" noChangeAspect="1"/>
+          </p:cNvSpPr>
+          <p:nvPr>
+            <p:ph type="sldImg"/>
+          </p:nvPr>
+        </p:nvSpPr>
+        <p:spPr/>
+      </p:sp>
+      <p:sp>
+        <p:nvSpPr>
+          <p:cNvPr id="3" name="Notes Placeholder 2"/>
+          <p:cNvSpPr>
+            <a:spLocks noGrp="1"/>
+          </p:cNvSpPr>
+          <p:nvPr>
+            <p:ph type="body" idx="1"/>
+          </p:nvPr>
+        </p:nvSpPr>
+        <p:spPr/>
+        <p:txBody>
+          <a:bodyPr/>
+          <a:lstStyle/>
+          <a:p>
+            <a:r>
+              <a:rPr lang="en-US" dirty="0"/>
+              <a:t>Introduce all the concepts at once, then go to the demos!</a:t>
+            </a:r>
+          </a:p>
+          <a:p>
+            <a:endParaRPr lang="en-US" dirty="0"/>
+          </a:p>
+          <a:p>
+            <a:r>
+              <a:rPr lang="en-US" dirty="0"/>
+              <a:t>Console</a:t>
+            </a:r>
+          </a:p>
+          <a:p>
+            <a:r>
+              <a:rPr lang="en-US" dirty="0" err="1"/>
+              <a:t>Commandlets</a:t>
+            </a:r>
+            <a:endParaRPr lang="en-US" sz="1200" kern="1200" dirty="0">
+              <a:solidFill>
+                <a:schemeClr val="tx1"/>
+              </a:solidFill>
+              <a:effectLst/>
+              <a:latin typeface="+mn-lt"/>
+              <a:ea typeface="+mn-ea"/>
+              <a:cs typeface="+mn-cs"/>
+            </a:endParaRPr>
+          </a:p>
+          <a:p>
+            <a:pPr marL="171450" indent="-171450">
+              <a:buFontTx/>
+              <a:buChar char="-"/>
+            </a:pPr>
+            <a:r>
+              <a:rPr lang="en-US" sz="1200" kern="1200" dirty="0">
+                <a:solidFill>
+                  <a:schemeClr val="tx1"/>
+                </a:solidFill>
+                <a:effectLst/>
+                <a:latin typeface="+mn-lt"/>
+                <a:ea typeface="+mn-ea"/>
+                <a:cs typeface="+mn-cs"/>
+              </a:rPr>
+              <a:t>Think of </a:t>
+            </a:r>
+            <a:r>
+              <a:rPr lang="en-US" sz="1200" kern="1200" dirty="0" err="1">
+                <a:solidFill>
+                  <a:schemeClr val="tx1"/>
+                </a:solidFill>
+                <a:effectLst/>
+                <a:latin typeface="+mn-lt"/>
+                <a:ea typeface="+mn-ea"/>
+                <a:cs typeface="+mn-cs"/>
+              </a:rPr>
+              <a:t>commandlets</a:t>
+            </a:r>
+            <a:r>
+              <a:rPr lang="en-US" sz="1200" kern="1200" dirty="0">
+                <a:solidFill>
+                  <a:schemeClr val="tx1"/>
+                </a:solidFill>
+                <a:effectLst/>
+                <a:latin typeface="+mn-lt"/>
+                <a:ea typeface="+mn-ea"/>
+                <a:cs typeface="+mn-cs"/>
+              </a:rPr>
+              <a:t> as PowerShell functions which encompass programmatic work of some kind</a:t>
+            </a:r>
+            <a:endParaRPr lang="en-US" sz="1400" kern="1200" dirty="0">
+              <a:solidFill>
+                <a:schemeClr val="tx1"/>
+              </a:solidFill>
+              <a:effectLst/>
+              <a:latin typeface="+mn-lt"/>
+              <a:ea typeface="+mn-ea"/>
+              <a:cs typeface="+mn-cs"/>
+            </a:endParaRPr>
+          </a:p>
+          <a:p>
+            <a:pPr marL="171450" lvl="0" indent="-171450">
+              <a:buFontTx/>
+              <a:buChar char="-"/>
+            </a:pPr>
+            <a:r>
+              <a:rPr lang="en-US" sz="1200" kern="1200" dirty="0">
+                <a:solidFill>
+                  <a:schemeClr val="tx1"/>
+                </a:solidFill>
+                <a:effectLst/>
+                <a:latin typeface="+mn-lt"/>
+                <a:ea typeface="+mn-ea"/>
+                <a:cs typeface="+mn-cs"/>
+              </a:rPr>
+              <a:t>Analogous to command line programs in Linux like ls or grep</a:t>
+            </a:r>
+            <a:endParaRPr lang="en-US" sz="1400" kern="1200" dirty="0">
+              <a:solidFill>
+                <a:schemeClr val="tx1"/>
+              </a:solidFill>
+              <a:effectLst/>
+              <a:latin typeface="+mn-lt"/>
+              <a:ea typeface="+mn-ea"/>
+              <a:cs typeface="+mn-cs"/>
+            </a:endParaRPr>
+          </a:p>
+          <a:p>
+            <a:pPr marL="171450" lvl="0" indent="-171450">
+              <a:buFontTx/>
+              <a:buChar char="-"/>
+            </a:pPr>
+            <a:r>
+              <a:rPr lang="en-US" sz="1200" kern="1200" dirty="0">
+                <a:solidFill>
+                  <a:schemeClr val="tx1"/>
+                </a:solidFill>
+                <a:effectLst/>
+                <a:latin typeface="+mn-lt"/>
+                <a:ea typeface="+mn-ea"/>
+                <a:cs typeface="+mn-cs"/>
+              </a:rPr>
+              <a:t>Cmdlets perform an action and/or return a value in the form of an object (.NET or PowerShell framework)</a:t>
+            </a:r>
+            <a:endParaRPr lang="en-US" sz="1400" kern="1200" dirty="0">
+              <a:solidFill>
+                <a:schemeClr val="tx1"/>
+              </a:solidFill>
+              <a:effectLst/>
+              <a:latin typeface="+mn-lt"/>
+              <a:ea typeface="+mn-ea"/>
+              <a:cs typeface="+mn-cs"/>
+            </a:endParaRPr>
+          </a:p>
+          <a:p>
+            <a:pPr marL="171450" lvl="0" indent="-171450">
+              <a:buFontTx/>
+              <a:buChar char="-"/>
+            </a:pPr>
+            <a:r>
+              <a:rPr lang="en-US" sz="1200" kern="1200" dirty="0">
+                <a:solidFill>
+                  <a:schemeClr val="tx1"/>
+                </a:solidFill>
+                <a:effectLst/>
+                <a:latin typeface="+mn-lt"/>
+                <a:ea typeface="+mn-ea"/>
+                <a:cs typeface="+mn-cs"/>
+              </a:rPr>
+              <a:t>Cmdlets are built into PowerShell, come along with other apps and SDKs you install, or installed by you when you install a PS module</a:t>
+            </a:r>
+            <a:endParaRPr lang="en-US" sz="1400" kern="1200" dirty="0">
+              <a:solidFill>
+                <a:schemeClr val="tx1"/>
+              </a:solidFill>
+              <a:effectLst/>
+              <a:latin typeface="+mn-lt"/>
+              <a:ea typeface="+mn-ea"/>
+              <a:cs typeface="+mn-cs"/>
+            </a:endParaRPr>
+          </a:p>
+          <a:p>
+            <a:pPr marL="171450" lvl="0" indent="-171450">
+              <a:buFontTx/>
+              <a:buChar char="-"/>
+            </a:pPr>
+            <a:r>
+              <a:rPr lang="en-US" sz="1200" kern="1200" dirty="0">
+                <a:solidFill>
+                  <a:schemeClr val="tx1"/>
+                </a:solidFill>
+                <a:effectLst/>
+                <a:latin typeface="+mn-lt"/>
+                <a:ea typeface="+mn-ea"/>
+                <a:cs typeface="+mn-cs"/>
+              </a:rPr>
+              <a:t>Cmdlets are different from PowerShell "functions" in that they are actually written in compiled .NET code using the PowerShell SDK, while functions are pure PowerShell syntax</a:t>
+            </a:r>
+            <a:endParaRPr lang="en-US" sz="1400" kern="1200" dirty="0">
+              <a:solidFill>
+                <a:schemeClr val="tx1"/>
+              </a:solidFill>
+              <a:effectLst/>
+              <a:latin typeface="+mn-lt"/>
+              <a:ea typeface="+mn-ea"/>
+              <a:cs typeface="+mn-cs"/>
+            </a:endParaRPr>
+          </a:p>
+          <a:p>
+            <a:pPr marL="628650" lvl="1" indent="-171450">
+              <a:buFontTx/>
+              <a:buChar char="-"/>
+            </a:pPr>
+            <a:r>
+              <a:rPr lang="en-US" sz="1200" kern="1200" dirty="0">
+                <a:solidFill>
+                  <a:schemeClr val="tx1"/>
+                </a:solidFill>
+                <a:effectLst/>
+                <a:latin typeface="+mn-lt"/>
+                <a:ea typeface="+mn-ea"/>
+                <a:cs typeface="+mn-cs"/>
+              </a:rPr>
+              <a:t>They both work exactly the same in actual use</a:t>
+            </a:r>
+            <a:endParaRPr lang="en-US" sz="1400" kern="1200" dirty="0">
+              <a:solidFill>
+                <a:schemeClr val="tx1"/>
+              </a:solidFill>
+              <a:effectLst/>
+              <a:latin typeface="+mn-lt"/>
+              <a:ea typeface="+mn-ea"/>
+              <a:cs typeface="+mn-cs"/>
+            </a:endParaRPr>
+          </a:p>
+          <a:p>
+            <a:pPr marL="171450" lvl="0" indent="-171450">
+              <a:buFontTx/>
+              <a:buChar char="-"/>
+            </a:pPr>
+            <a:r>
+              <a:rPr lang="en-US" sz="1200" kern="1200" dirty="0">
+                <a:solidFill>
+                  <a:schemeClr val="tx1"/>
+                </a:solidFill>
+                <a:effectLst/>
+                <a:latin typeface="+mn-lt"/>
+                <a:ea typeface="+mn-ea"/>
+                <a:cs typeface="+mn-cs"/>
+              </a:rPr>
+              <a:t>Structure of the </a:t>
+            </a:r>
+            <a:r>
+              <a:rPr lang="en-US" sz="1200" kern="1200" dirty="0" err="1">
+                <a:solidFill>
+                  <a:schemeClr val="tx1"/>
+                </a:solidFill>
+                <a:effectLst/>
+                <a:latin typeface="+mn-lt"/>
+                <a:ea typeface="+mn-ea"/>
+                <a:cs typeface="+mn-cs"/>
+              </a:rPr>
+              <a:t>commandlets</a:t>
+            </a:r>
+            <a:r>
+              <a:rPr lang="en-US" sz="1200" kern="1200" dirty="0">
+                <a:solidFill>
+                  <a:schemeClr val="tx1"/>
+                </a:solidFill>
+                <a:effectLst/>
+                <a:latin typeface="+mn-lt"/>
+                <a:ea typeface="+mn-ea"/>
+                <a:cs typeface="+mn-cs"/>
+              </a:rPr>
+              <a:t> should always be "Verb-Noun“</a:t>
+            </a:r>
+          </a:p>
+          <a:p>
+            <a:r>
+              <a:rPr lang="en-US" sz="1200" kern="1200" dirty="0">
+                <a:solidFill>
+                  <a:schemeClr val="tx1"/>
+                </a:solidFill>
+                <a:effectLst/>
+                <a:latin typeface="+mn-lt"/>
+                <a:ea typeface="+mn-ea"/>
+                <a:cs typeface="+mn-cs"/>
+              </a:rPr>
+              <a:t>- Stick to it or lose the benefits of PS Help</a:t>
+            </a:r>
+            <a:endParaRPr lang="en-US" dirty="0"/>
+          </a:p>
+          <a:p>
+            <a:endParaRPr lang="en-US" dirty="0"/>
+          </a:p>
+          <a:p>
+            <a:r>
+              <a:rPr lang="en-US" dirty="0"/>
+              <a:t>Get-Command – includes built-in cmdlets; app-installed cmdlets; your installed cmdlets/functions/modules</a:t>
+            </a:r>
+          </a:p>
+          <a:p>
+            <a:r>
+              <a:rPr lang="en-US" dirty="0"/>
+              <a:t>- </a:t>
+            </a:r>
+            <a:r>
+              <a:rPr lang="en-US" b="1" dirty="0"/>
+              <a:t>Show how to pass parameters to cmdlets!</a:t>
+            </a:r>
+          </a:p>
+          <a:p>
+            <a:r>
+              <a:rPr lang="en-US" dirty="0"/>
+              <a:t>Get-Help</a:t>
+            </a:r>
+          </a:p>
+          <a:p>
+            <a:r>
+              <a:rPr lang="en-US" dirty="0"/>
+              <a:t>Get-Verb</a:t>
+            </a:r>
+          </a:p>
+          <a:p>
+            <a:r>
+              <a:rPr lang="en-US" dirty="0"/>
+              <a:t>Get-Member</a:t>
+            </a:r>
+          </a:p>
+          <a:p>
+            <a:endParaRPr lang="en-US" dirty="0"/>
+          </a:p>
+          <a:p>
+            <a:r>
+              <a:rPr lang="en-US" dirty="0"/>
+              <a:t>Alias – useful for saving time, helping you come from other systems, create your own, some set up by default</a:t>
+            </a:r>
+          </a:p>
+          <a:p>
+            <a:r>
+              <a:rPr lang="en-US" dirty="0"/>
+              <a:t>E.g. Get-Help/help for Get-</a:t>
+            </a:r>
+            <a:r>
+              <a:rPr lang="en-US" dirty="0" err="1"/>
+              <a:t>ChildItem</a:t>
+            </a:r>
+            <a:r>
+              <a:rPr lang="en-US" dirty="0"/>
+              <a:t>/</a:t>
+            </a:r>
+            <a:r>
+              <a:rPr lang="en-US" dirty="0" err="1"/>
+              <a:t>dir</a:t>
+            </a:r>
+            <a:endParaRPr lang="en-US" dirty="0"/>
+          </a:p>
+          <a:p>
+            <a:endParaRPr lang="en-US" dirty="0"/>
+          </a:p>
+          <a:p>
+            <a:r>
+              <a:rPr lang="en-US" dirty="0"/>
+              <a:t>Variables</a:t>
+            </a:r>
+          </a:p>
+          <a:p>
+            <a:pPr marL="171450" indent="-171450">
+              <a:buFontTx/>
+              <a:buChar char="-"/>
+            </a:pPr>
+            <a:r>
+              <a:rPr lang="en-US" sz="1200" kern="1200" dirty="0">
+                <a:solidFill>
+                  <a:schemeClr val="tx1"/>
+                </a:solidFill>
+                <a:effectLst/>
+                <a:latin typeface="+mn-lt"/>
+                <a:ea typeface="+mn-ea"/>
+                <a:cs typeface="+mn-cs"/>
+              </a:rPr>
+              <a:t>PowerShell variables are extremely flexible</a:t>
+            </a:r>
+          </a:p>
+          <a:p>
+            <a:pPr marL="171450" indent="-171450">
+              <a:buFontTx/>
+              <a:buChar char="-"/>
+            </a:pPr>
+            <a:r>
+              <a:rPr lang="en-US" sz="1200" i="1" kern="1200" dirty="0">
+                <a:solidFill>
+                  <a:schemeClr val="tx1"/>
+                </a:solidFill>
+                <a:effectLst/>
+                <a:latin typeface="+mn-lt"/>
+                <a:ea typeface="+mn-ea"/>
+                <a:cs typeface="+mn-cs"/>
+              </a:rPr>
+              <a:t>not</a:t>
+            </a:r>
+            <a:r>
+              <a:rPr lang="en-US" sz="1200" kern="1200" dirty="0">
+                <a:solidFill>
+                  <a:schemeClr val="tx1"/>
+                </a:solidFill>
+                <a:effectLst/>
+                <a:latin typeface="+mn-lt"/>
+                <a:ea typeface="+mn-ea"/>
+                <a:cs typeface="+mn-cs"/>
+              </a:rPr>
+              <a:t> type safe unless you explicitly set the object type during initialization; PowerShell is happy to convert types for you if a conversion exists.</a:t>
+            </a:r>
+            <a:endParaRPr lang="en-US" sz="1400" kern="1200" dirty="0">
+              <a:solidFill>
+                <a:schemeClr val="tx1"/>
+              </a:solidFill>
+              <a:effectLst/>
+              <a:latin typeface="+mn-lt"/>
+              <a:ea typeface="+mn-ea"/>
+              <a:cs typeface="+mn-cs"/>
+            </a:endParaRPr>
+          </a:p>
+          <a:p>
+            <a:pPr marL="0" indent="0">
+              <a:buFontTx/>
+              <a:buNone/>
+            </a:pPr>
+            <a:endParaRPr lang="en-US" sz="1400" kern="1200" dirty="0">
+              <a:solidFill>
+                <a:schemeClr val="tx1"/>
+              </a:solidFill>
+              <a:effectLst/>
+              <a:latin typeface="+mn-lt"/>
+              <a:ea typeface="+mn-ea"/>
+              <a:cs typeface="+mn-cs"/>
+            </a:endParaRPr>
+          </a:p>
+          <a:p>
+            <a:pPr marL="0" indent="0">
+              <a:buFontTx/>
+              <a:buNone/>
+            </a:pPr>
+            <a:r>
+              <a:rPr lang="en-US" sz="1200" b="1" kern="1200" dirty="0">
+                <a:solidFill>
+                  <a:schemeClr val="tx1"/>
+                </a:solidFill>
+                <a:effectLst/>
+                <a:latin typeface="+mn-lt"/>
+                <a:ea typeface="+mn-ea"/>
+                <a:cs typeface="+mn-cs"/>
+              </a:rPr>
+              <a:t>Show variable mutation in console</a:t>
+            </a:r>
+            <a:endParaRPr lang="en-US" sz="1400" b="1" kern="1200" dirty="0">
+              <a:solidFill>
+                <a:schemeClr val="tx1"/>
+              </a:solidFill>
+              <a:effectLst/>
+              <a:latin typeface="+mn-lt"/>
+              <a:ea typeface="+mn-ea"/>
+              <a:cs typeface="+mn-cs"/>
+            </a:endParaRPr>
+          </a:p>
+          <a:p>
+            <a:pPr lvl="0"/>
+            <a:endParaRPr lang="en-US" sz="1200" kern="1200" dirty="0">
+              <a:solidFill>
+                <a:schemeClr val="tx1"/>
+              </a:solidFill>
+              <a:effectLst/>
+              <a:latin typeface="+mn-lt"/>
+              <a:ea typeface="+mn-ea"/>
+              <a:cs typeface="+mn-cs"/>
+            </a:endParaRPr>
+          </a:p>
+          <a:p>
+            <a:pPr marL="171450" lvl="0" indent="-171450">
+              <a:buFontTx/>
+              <a:buChar char="-"/>
+            </a:pPr>
+            <a:r>
+              <a:rPr lang="en-US" sz="1200" kern="1200" dirty="0">
+                <a:solidFill>
+                  <a:schemeClr val="tx1"/>
+                </a:solidFill>
+                <a:effectLst/>
+                <a:latin typeface="+mn-lt"/>
+                <a:ea typeface="+mn-ea"/>
+                <a:cs typeface="+mn-cs"/>
+              </a:rPr>
+              <a:t>Initialize typed variables: [string], [xml]</a:t>
+            </a:r>
+            <a:endParaRPr lang="en-US" sz="1400" kern="1200" dirty="0">
+              <a:solidFill>
+                <a:schemeClr val="tx1"/>
+              </a:solidFill>
+              <a:effectLst/>
+              <a:latin typeface="+mn-lt"/>
+              <a:ea typeface="+mn-ea"/>
+              <a:cs typeface="+mn-cs"/>
+            </a:endParaRPr>
+          </a:p>
+          <a:p>
+            <a:pPr marL="171450" lvl="0" indent="-171450">
+              <a:buFontTx/>
+              <a:buChar char="-"/>
+            </a:pPr>
+            <a:r>
+              <a:rPr lang="en-US" sz="1200" kern="1200" dirty="0">
+                <a:solidFill>
+                  <a:schemeClr val="tx1"/>
+                </a:solidFill>
+                <a:effectLst/>
+                <a:latin typeface="+mn-lt"/>
+                <a:ea typeface="+mn-ea"/>
+                <a:cs typeface="+mn-cs"/>
+              </a:rPr>
+              <a:t>What are my available variables? Use </a:t>
+            </a:r>
+            <a:r>
+              <a:rPr lang="en-US" sz="1100" kern="1200" dirty="0">
+                <a:solidFill>
+                  <a:schemeClr val="tx1"/>
+                </a:solidFill>
+                <a:effectLst/>
+                <a:latin typeface="+mn-lt"/>
+                <a:ea typeface="+mn-ea"/>
+                <a:cs typeface="+mn-cs"/>
+              </a:rPr>
+              <a:t>Get-Variable</a:t>
+            </a:r>
+            <a:endParaRPr lang="en-US" sz="1400" kern="1200" dirty="0">
+              <a:solidFill>
+                <a:schemeClr val="tx1"/>
+              </a:solidFill>
+              <a:effectLst/>
+              <a:latin typeface="+mn-lt"/>
+              <a:ea typeface="+mn-ea"/>
+              <a:cs typeface="+mn-cs"/>
+            </a:endParaRPr>
+          </a:p>
+          <a:p>
+            <a:pPr lvl="1"/>
+            <a:endParaRPr lang="en-US" sz="1400" kern="1200" dirty="0">
+              <a:solidFill>
+                <a:schemeClr val="tx1"/>
+              </a:solidFill>
+              <a:effectLst/>
+              <a:latin typeface="+mn-lt"/>
+              <a:ea typeface="+mn-ea"/>
+              <a:cs typeface="+mn-cs"/>
+            </a:endParaRPr>
+          </a:p>
+          <a:p>
+            <a:r>
+              <a:rPr lang="en-US" sz="1200" b="1" kern="1200" dirty="0">
+                <a:solidFill>
+                  <a:schemeClr val="tx1"/>
+                </a:solidFill>
+                <a:effectLst/>
+                <a:latin typeface="+mn-lt"/>
+                <a:ea typeface="+mn-ea"/>
+                <a:cs typeface="+mn-cs"/>
+              </a:rPr>
+              <a:t>DEMO: XML contained in cd_catalog.xml	</a:t>
+            </a:r>
+          </a:p>
+          <a:p>
+            <a:endParaRPr lang="en-US" sz="1200" b="1" kern="1200" dirty="0">
+              <a:solidFill>
+                <a:schemeClr val="tx1"/>
+              </a:solidFill>
+              <a:effectLst/>
+              <a:latin typeface="+mn-lt"/>
+              <a:ea typeface="+mn-ea"/>
+              <a:cs typeface="+mn-cs"/>
+            </a:endParaRPr>
+          </a:p>
+          <a:p>
+            <a:pPr lvl="0"/>
+            <a:r>
+              <a:rPr lang="en-US" sz="1200" kern="1200" dirty="0">
+                <a:solidFill>
+                  <a:schemeClr val="tx1"/>
+                </a:solidFill>
+                <a:effectLst/>
+                <a:latin typeface="+mn-lt"/>
+                <a:ea typeface="+mn-ea"/>
+                <a:cs typeface="+mn-cs"/>
+              </a:rPr>
+              <a:t>Pipelines</a:t>
+            </a:r>
+          </a:p>
+          <a:p>
+            <a:pPr marL="171450" indent="-171450">
+              <a:buFontTx/>
+              <a:buChar char="-"/>
+            </a:pPr>
+            <a:r>
+              <a:rPr lang="en-US" sz="1200" kern="1200" dirty="0">
+                <a:solidFill>
+                  <a:schemeClr val="tx1"/>
+                </a:solidFill>
+                <a:effectLst/>
+                <a:latin typeface="+mn-lt"/>
+                <a:ea typeface="+mn-ea"/>
+                <a:cs typeface="+mn-cs"/>
+              </a:rPr>
+              <a:t>"Pipelines act like a series of connected segments of pipe. Items moving along the pipeline pass through each segment.“</a:t>
+            </a:r>
+          </a:p>
+          <a:p>
+            <a:pPr marL="171450" indent="-171450">
+              <a:buFontTx/>
+              <a:buChar char="-"/>
+            </a:pPr>
+            <a:r>
+              <a:rPr lang="en-US" sz="1200" kern="1200" dirty="0">
+                <a:solidFill>
+                  <a:schemeClr val="tx1"/>
+                </a:solidFill>
+                <a:effectLst/>
+                <a:latin typeface="+mn-lt"/>
+                <a:ea typeface="+mn-ea"/>
+                <a:cs typeface="+mn-cs"/>
+              </a:rPr>
+              <a:t>In PowerShell, complex objects and arrays of objects are piped from command to command;</a:t>
+            </a:r>
+          </a:p>
+          <a:p>
+            <a:pPr marL="628650" lvl="1" indent="-171450">
+              <a:buFontTx/>
+              <a:buChar char="-"/>
+            </a:pPr>
+            <a:r>
+              <a:rPr lang="en-US" sz="1200" kern="1200" dirty="0">
+                <a:solidFill>
+                  <a:schemeClr val="tx1"/>
+                </a:solidFill>
+                <a:effectLst/>
+                <a:latin typeface="+mn-lt"/>
+                <a:ea typeface="+mn-ea"/>
+                <a:cs typeface="+mn-cs"/>
+              </a:rPr>
+              <a:t>Contrast with Linux where pipes are only passing around strings.</a:t>
+            </a:r>
+          </a:p>
+          <a:p>
+            <a:pPr marL="457200" lvl="1" indent="0">
+              <a:buFontTx/>
+              <a:buNone/>
+            </a:pPr>
+            <a:endParaRPr lang="en-US" sz="1200" kern="1200" dirty="0">
+              <a:solidFill>
+                <a:schemeClr val="tx1"/>
+              </a:solidFill>
+              <a:effectLst/>
+              <a:latin typeface="+mn-lt"/>
+              <a:ea typeface="+mn-ea"/>
+              <a:cs typeface="+mn-cs"/>
+            </a:endParaRPr>
+          </a:p>
+          <a:p>
+            <a:r>
+              <a:rPr lang="en-US" sz="1200" b="1" kern="1200" dirty="0">
+                <a:solidFill>
+                  <a:schemeClr val="tx1"/>
+                </a:solidFill>
+                <a:effectLst/>
+                <a:latin typeface="+mn-lt"/>
+                <a:ea typeface="+mn-ea"/>
+                <a:cs typeface="+mn-cs"/>
+              </a:rPr>
+              <a:t>DEMO: demo_pipelines.ps1</a:t>
+            </a:r>
+            <a:endParaRPr lang="en-US" sz="1200" kern="1200" dirty="0">
+              <a:solidFill>
+                <a:schemeClr val="tx1"/>
+              </a:solidFill>
+              <a:effectLst/>
+              <a:latin typeface="+mn-lt"/>
+              <a:ea typeface="+mn-ea"/>
+              <a:cs typeface="+mn-cs"/>
+            </a:endParaRPr>
+          </a:p>
+          <a:p>
+            <a:endParaRPr lang="en-US" dirty="0"/>
+          </a:p>
+        </p:txBody>
+      </p:sp>
+      <p:sp>
+        <p:nvSpPr>
+          <p:cNvPr id="4" name="Slide Number Placeholder 3"/>
+          <p:cNvSpPr>
+            <a:spLocks noGrp="1"/>
+          </p:cNvSpPr>
+          <p:nvPr>
+            <p:ph type="sldNum" sz="quarter" idx="5"/>
+          </p:nvPr>
+        </p:nvSpPr>
+        <p:spPr/>
+        <p:txBody>
+          <a:bodyPr/>
+          <a:lstStyle/>
+          <a:p>
+            <a:fld id="{5B0D244D-F950-4B19-A898-32593C1849B6}" type="slidenum">
+              <a:rPr lang="en-US" smtClean="0"/>
+              <a:t>7</a:t>
+            </a:fld>
+            <a:endParaRPr lang="en-US"/>
+          </a:p>
+        </p:txBody>
+      </p:sp>
+    </p:spTree>
+    <p:extLst>
+      <p:ext uri="{BB962C8B-B14F-4D97-AF65-F5344CB8AC3E}">
+        <p14:creationId xmlns:p14="http://schemas.microsoft.com/office/powerpoint/2010/main" val="4193016127"/>
+      </p:ext>
+    </p:extLst>
+  </p:cSld>
+  <p:clrMapOvr>
+    <a:masterClrMapping/>
+  </p:clrMapOvr>
+</p:notes>
+</file>
+
+<file path=ppt/notesSlides/notesSlide8.xml><?xml version="1.0" encoding="utf-8"?>
+<p:notes xmlns:a="http://schemas.openxmlformats.org/drawingml/2006/main" xmlns:r="http://schemas.openxmlformats.org/officeDocument/2006/relationships" xmlns:p="http://schemas.openxmlformats.org/presentationml/2006/main">
+  <p:cSld>
+    <p:spTree>
+      <p:nvGrpSpPr>
+        <p:cNvPr id="1" name=""/>
+        <p:cNvGrpSpPr/>
+        <p:nvPr/>
+      </p:nvGrpSpPr>
+      <p:grpSpPr>
+        <a:xfrm>
+          <a:off x="0" y="0"/>
+          <a:ext cx="0" cy="0"/>
+          <a:chOff x="0" y="0"/>
+          <a:chExt cx="0" cy="0"/>
+        </a:xfrm>
+      </p:grpSpPr>
+      <p:sp>
+        <p:nvSpPr>
+          <p:cNvPr id="2" name="Slide Image Placeholder 1"/>
+          <p:cNvSpPr>
+            <a:spLocks noGrp="1" noRot="1" noChangeAspect="1"/>
+          </p:cNvSpPr>
+          <p:nvPr>
+            <p:ph type="sldImg"/>
+          </p:nvPr>
+        </p:nvSpPr>
+        <p:spPr/>
+      </p:sp>
+      <p:sp>
+        <p:nvSpPr>
+          <p:cNvPr id="3" name="Notes Placeholder 2"/>
+          <p:cNvSpPr>
+            <a:spLocks noGrp="1"/>
+          </p:cNvSpPr>
+          <p:nvPr>
+            <p:ph type="body" idx="1"/>
+          </p:nvPr>
+        </p:nvSpPr>
+        <p:spPr/>
+        <p:txBody>
+          <a:bodyPr/>
+          <a:lstStyle/>
+          <a:p>
+            <a:pPr lvl="0"/>
+            <a:r>
+              <a:rPr lang="en-US" sz="1200" kern="1200" dirty="0">
+                <a:solidFill>
+                  <a:schemeClr val="tx1"/>
+                </a:solidFill>
+                <a:effectLst/>
+                <a:latin typeface="+mn-lt"/>
+                <a:ea typeface="+mn-ea"/>
+                <a:cs typeface="+mn-cs"/>
+              </a:rPr>
+              <a:t>Get-Help, -Command, -Member</a:t>
+            </a:r>
+          </a:p>
+          <a:p>
+            <a:pPr marL="171450" indent="-171450">
+              <a:buFontTx/>
+              <a:buChar char="-"/>
+            </a:pPr>
+            <a:r>
+              <a:rPr lang="en-US" sz="1200" kern="1200" dirty="0">
+                <a:solidFill>
+                  <a:schemeClr val="tx1"/>
+                </a:solidFill>
+                <a:effectLst/>
+                <a:latin typeface="+mn-lt"/>
+                <a:ea typeface="+mn-ea"/>
+                <a:cs typeface="+mn-cs"/>
+              </a:rPr>
+              <a:t>Mention twice because it’s so useful</a:t>
+            </a:r>
+          </a:p>
+          <a:p>
+            <a:pPr marL="171450" indent="-171450">
+              <a:buFontTx/>
+              <a:buChar char="-"/>
+            </a:pPr>
+            <a:r>
+              <a:rPr lang="en-US" sz="1200" kern="1200" dirty="0">
+                <a:solidFill>
+                  <a:schemeClr val="tx1"/>
+                </a:solidFill>
+                <a:effectLst/>
+                <a:latin typeface="+mn-lt"/>
+                <a:ea typeface="+mn-ea"/>
+                <a:cs typeface="+mn-cs"/>
+              </a:rPr>
+              <a:t>high discoverability of PowerShell functionality and leverage the power of comment-based help.</a:t>
+            </a:r>
+          </a:p>
+          <a:p>
+            <a:pPr marL="171450" indent="-171450">
+              <a:buFontTx/>
+              <a:buChar char="-"/>
+            </a:pPr>
+            <a:r>
+              <a:rPr lang="en-US" sz="1200" kern="1200" dirty="0">
+                <a:solidFill>
+                  <a:schemeClr val="tx1"/>
+                </a:solidFill>
+                <a:effectLst/>
+                <a:latin typeface="+mn-lt"/>
+                <a:ea typeface="+mn-ea"/>
+                <a:cs typeface="+mn-cs"/>
+              </a:rPr>
+              <a:t>Get-Help works for your code, not just pre-packaged code; good practice to document using comment-based help. Keeps your PS documentation up to date along with your source code.</a:t>
+            </a:r>
+          </a:p>
+          <a:p>
+            <a:pPr marL="171450" indent="-171450">
+              <a:buFontTx/>
+              <a:buChar char="-"/>
+            </a:pPr>
+            <a:endParaRPr lang="en-US" sz="1200" kern="1200" dirty="0">
+              <a:solidFill>
+                <a:schemeClr val="tx1"/>
+              </a:solidFill>
+              <a:effectLst/>
+              <a:latin typeface="+mn-lt"/>
+              <a:ea typeface="+mn-ea"/>
+              <a:cs typeface="+mn-cs"/>
+            </a:endParaRPr>
+          </a:p>
+          <a:p>
+            <a:r>
+              <a:rPr lang="en-US" sz="1200" b="1" kern="1200" dirty="0">
+                <a:solidFill>
+                  <a:schemeClr val="tx1"/>
+                </a:solidFill>
+                <a:effectLst/>
+                <a:latin typeface="+mn-lt"/>
+                <a:ea typeface="+mn-ea"/>
+                <a:cs typeface="+mn-cs"/>
+              </a:rPr>
+              <a:t>	DEMO: demo_commentBasedHelp.ps1</a:t>
+            </a:r>
+          </a:p>
+          <a:p>
+            <a:endParaRPr lang="en-US" sz="1200" kern="1200" dirty="0">
+              <a:solidFill>
+                <a:schemeClr val="tx1"/>
+              </a:solidFill>
+              <a:effectLst/>
+              <a:latin typeface="+mn-lt"/>
+              <a:ea typeface="+mn-ea"/>
+              <a:cs typeface="+mn-cs"/>
+            </a:endParaRPr>
+          </a:p>
+          <a:p>
+            <a:pPr lvl="0"/>
+            <a:r>
+              <a:rPr lang="en-US" sz="1200" kern="1200" dirty="0">
+                <a:solidFill>
+                  <a:schemeClr val="tx1"/>
+                </a:solidFill>
+                <a:effectLst/>
+                <a:latin typeface="+mn-lt"/>
+                <a:ea typeface="+mn-ea"/>
+                <a:cs typeface="+mn-cs"/>
+              </a:rPr>
+              <a:t>Tab key</a:t>
+            </a:r>
+          </a:p>
+          <a:p>
+            <a:pPr marL="171450" indent="-171450">
+              <a:buFontTx/>
+              <a:buChar char="-"/>
+            </a:pPr>
+            <a:r>
+              <a:rPr lang="en-US" sz="1200" kern="1200" dirty="0">
+                <a:solidFill>
+                  <a:schemeClr val="tx1"/>
+                </a:solidFill>
+                <a:effectLst/>
+                <a:latin typeface="+mn-lt"/>
+                <a:ea typeface="+mn-ea"/>
+                <a:cs typeface="+mn-cs"/>
+              </a:rPr>
+              <a:t>Use the tab key to autocompletes everything:</a:t>
+            </a:r>
+          </a:p>
+          <a:p>
+            <a:pPr marL="628650" lvl="1" indent="-171450">
+              <a:buFontTx/>
+              <a:buChar char="-"/>
+            </a:pPr>
+            <a:r>
+              <a:rPr lang="en-US" sz="1200" kern="1200" dirty="0" err="1">
+                <a:solidFill>
+                  <a:schemeClr val="tx1"/>
+                </a:solidFill>
+                <a:effectLst/>
+                <a:latin typeface="+mn-lt"/>
+                <a:ea typeface="+mn-ea"/>
+                <a:cs typeface="+mn-cs"/>
+              </a:rPr>
+              <a:t>Commandlet</a:t>
+            </a:r>
+            <a:r>
+              <a:rPr lang="en-US" sz="1200" kern="1200" dirty="0">
+                <a:solidFill>
+                  <a:schemeClr val="tx1"/>
+                </a:solidFill>
+                <a:effectLst/>
+                <a:latin typeface="+mn-lt"/>
+                <a:ea typeface="+mn-ea"/>
+                <a:cs typeface="+mn-cs"/>
+              </a:rPr>
+              <a:t>/function/alias names</a:t>
+            </a:r>
+          </a:p>
+          <a:p>
+            <a:pPr marL="628650" lvl="1" indent="-171450">
+              <a:buFontTx/>
+              <a:buChar char="-"/>
+            </a:pPr>
+            <a:r>
+              <a:rPr lang="en-US" sz="1200" kern="1200" dirty="0">
+                <a:solidFill>
+                  <a:schemeClr val="tx1"/>
+                </a:solidFill>
+                <a:effectLst/>
+                <a:latin typeface="+mn-lt"/>
+                <a:ea typeface="+mn-ea"/>
+                <a:cs typeface="+mn-cs"/>
+              </a:rPr>
+              <a:t>File/folder paths</a:t>
+            </a:r>
+          </a:p>
+          <a:p>
+            <a:pPr marL="628650" lvl="1" indent="-171450">
+              <a:buFontTx/>
+              <a:buChar char="-"/>
+            </a:pPr>
+            <a:r>
+              <a:rPr lang="en-US" sz="1200" kern="1200" dirty="0">
+                <a:solidFill>
+                  <a:schemeClr val="tx1"/>
+                </a:solidFill>
+                <a:effectLst/>
+                <a:latin typeface="+mn-lt"/>
+                <a:ea typeface="+mn-ea"/>
+                <a:cs typeface="+mn-cs"/>
+              </a:rPr>
+              <a:t>Variable names</a:t>
+            </a:r>
+          </a:p>
+          <a:p>
+            <a:pPr marL="628650" lvl="1" indent="-171450">
+              <a:buFontTx/>
+              <a:buChar char="-"/>
+            </a:pPr>
+            <a:r>
+              <a:rPr lang="en-US" sz="1200" kern="1200" dirty="0">
+                <a:solidFill>
+                  <a:schemeClr val="tx1"/>
+                </a:solidFill>
+                <a:effectLst/>
+                <a:latin typeface="+mn-lt"/>
+                <a:ea typeface="+mn-ea"/>
+                <a:cs typeface="+mn-cs"/>
+              </a:rPr>
+              <a:t>Variable values (</a:t>
+            </a:r>
+            <a:r>
+              <a:rPr lang="en-US" sz="1200" kern="1200" dirty="0" err="1">
+                <a:solidFill>
+                  <a:schemeClr val="tx1"/>
+                </a:solidFill>
+                <a:effectLst/>
+                <a:latin typeface="+mn-lt"/>
+                <a:ea typeface="+mn-ea"/>
+                <a:cs typeface="+mn-cs"/>
+              </a:rPr>
+              <a:t>enum</a:t>
+            </a:r>
+            <a:r>
+              <a:rPr lang="en-US" sz="1200" kern="1200" dirty="0">
+                <a:solidFill>
+                  <a:schemeClr val="tx1"/>
+                </a:solidFill>
+                <a:effectLst/>
+                <a:latin typeface="+mn-lt"/>
+                <a:ea typeface="+mn-ea"/>
+                <a:cs typeface="+mn-cs"/>
+              </a:rPr>
+              <a:t>)</a:t>
+            </a:r>
+          </a:p>
+          <a:p>
+            <a:pPr marL="628650" lvl="1" indent="-171450">
+              <a:buFontTx/>
+              <a:buChar char="-"/>
+            </a:pPr>
+            <a:r>
+              <a:rPr lang="en-US" sz="1200" kern="1200" dirty="0">
+                <a:solidFill>
+                  <a:schemeClr val="tx1"/>
+                </a:solidFill>
+                <a:effectLst/>
+                <a:latin typeface="+mn-lt"/>
+                <a:ea typeface="+mn-ea"/>
+                <a:cs typeface="+mn-cs"/>
+              </a:rPr>
+              <a:t>Types</a:t>
+            </a:r>
+          </a:p>
+          <a:p>
+            <a:r>
+              <a:rPr lang="en-US" sz="1200" kern="1200" dirty="0">
+                <a:solidFill>
+                  <a:schemeClr val="tx1"/>
+                </a:solidFill>
+                <a:effectLst/>
+                <a:latin typeface="+mn-lt"/>
+                <a:ea typeface="+mn-ea"/>
+                <a:cs typeface="+mn-cs"/>
+              </a:rPr>
+              <a:t> </a:t>
+            </a:r>
+          </a:p>
+          <a:p>
+            <a:pPr lvl="0"/>
+            <a:r>
+              <a:rPr lang="en-US" sz="1200" kern="1200" dirty="0">
+                <a:solidFill>
+                  <a:schemeClr val="tx1"/>
+                </a:solidFill>
+                <a:effectLst/>
+                <a:latin typeface="+mn-lt"/>
+                <a:ea typeface="+mn-ea"/>
+                <a:cs typeface="+mn-cs"/>
+              </a:rPr>
+              <a:t>Up/Down arrows, Ctrl + R, Ctrl + C</a:t>
+            </a:r>
+          </a:p>
+          <a:p>
+            <a:pPr marL="171450" lvl="0" indent="-171450">
+              <a:buFontTx/>
+              <a:buChar char="-"/>
+            </a:pPr>
+            <a:r>
+              <a:rPr lang="en-US" sz="1200" kern="1200" dirty="0">
+                <a:solidFill>
+                  <a:schemeClr val="tx1"/>
+                </a:solidFill>
+                <a:effectLst/>
+                <a:latin typeface="+mn-lt"/>
+                <a:ea typeface="+mn-ea"/>
+                <a:cs typeface="+mn-cs"/>
+              </a:rPr>
+              <a:t>Common to most CLIs; get your commands back by hitting the up/down arrows to navigate the previous command, even from session to session.</a:t>
+            </a:r>
+          </a:p>
+          <a:p>
+            <a:pPr marL="171450" lvl="0" indent="-171450">
+              <a:buFontTx/>
+              <a:buChar char="-"/>
+            </a:pPr>
+            <a:r>
+              <a:rPr lang="en-US" sz="1200" kern="1200" dirty="0">
+                <a:solidFill>
+                  <a:schemeClr val="tx1"/>
+                </a:solidFill>
+                <a:effectLst/>
+                <a:latin typeface="+mn-lt"/>
+                <a:ea typeface="+mn-ea"/>
+                <a:cs typeface="+mn-cs"/>
+              </a:rPr>
+              <a:t>Ctrl + R is a reverse lookup within your previous commands based on search text (feature from bash brought into PowerShell)</a:t>
+            </a:r>
+          </a:p>
+          <a:p>
+            <a:pPr marL="171450" lvl="0" indent="-171450">
+              <a:buFontTx/>
+              <a:buChar char="-"/>
+            </a:pPr>
+            <a:r>
+              <a:rPr lang="en-US" sz="1200" kern="1200" dirty="0">
+                <a:solidFill>
+                  <a:schemeClr val="tx1"/>
+                </a:solidFill>
+                <a:effectLst/>
+                <a:latin typeface="+mn-lt"/>
+                <a:ea typeface="+mn-ea"/>
+                <a:cs typeface="+mn-cs"/>
+              </a:rPr>
+              <a:t>Ctrl + C to cancel a long-running or botched command</a:t>
+            </a:r>
+          </a:p>
+          <a:p>
+            <a:pPr lvl="0"/>
+            <a:endParaRPr lang="en-US" sz="1200" kern="1200" dirty="0">
+              <a:solidFill>
+                <a:schemeClr val="tx1"/>
+              </a:solidFill>
+              <a:effectLst/>
+              <a:latin typeface="+mn-lt"/>
+              <a:ea typeface="+mn-ea"/>
+              <a:cs typeface="+mn-cs"/>
+            </a:endParaRPr>
+          </a:p>
+          <a:p>
+            <a:pPr lvl="0"/>
+            <a:r>
+              <a:rPr lang="en-US" sz="1200" kern="1200" dirty="0">
+                <a:solidFill>
+                  <a:schemeClr val="tx1"/>
+                </a:solidFill>
+                <a:effectLst/>
+                <a:latin typeface="+mn-lt"/>
+                <a:ea typeface="+mn-ea"/>
+                <a:cs typeface="+mn-cs"/>
+              </a:rPr>
+              <a:t>Love your PowerShell profile</a:t>
+            </a:r>
+          </a:p>
+          <a:p>
+            <a:pPr marL="171450" lvl="0" indent="-171450">
+              <a:buFontTx/>
+              <a:buChar char="-"/>
+            </a:pPr>
+            <a:r>
+              <a:rPr lang="en-US" sz="1200" kern="1200" dirty="0">
+                <a:solidFill>
+                  <a:schemeClr val="tx1"/>
+                </a:solidFill>
+                <a:effectLst/>
+                <a:latin typeface="+mn-lt"/>
+                <a:ea typeface="+mn-ea"/>
+                <a:cs typeface="+mn-cs"/>
+              </a:rPr>
+              <a:t>Keep common function available, by adding the functions you use the most to your Microsoft.PowerShell_profile.ps1 file. </a:t>
+            </a:r>
+          </a:p>
+          <a:p>
+            <a:pPr marL="171450" lvl="0" indent="-171450">
+              <a:buFontTx/>
+              <a:buChar char="-"/>
+            </a:pPr>
+            <a:r>
+              <a:rPr lang="en-US" sz="1200" kern="1200" dirty="0">
+                <a:solidFill>
+                  <a:schemeClr val="tx1"/>
+                </a:solidFill>
+                <a:effectLst/>
+                <a:latin typeface="+mn-lt"/>
+                <a:ea typeface="+mn-ea"/>
+                <a:cs typeface="+mn-cs"/>
+              </a:rPr>
+              <a:t>Find it with $PROFILE</a:t>
+            </a:r>
+          </a:p>
+          <a:p>
+            <a:pPr marL="171450" lvl="0" indent="-171450">
+              <a:buFontTx/>
+              <a:buChar char="-"/>
+            </a:pPr>
+            <a:r>
+              <a:rPr lang="en-US" sz="1200" kern="1200" dirty="0">
+                <a:solidFill>
+                  <a:schemeClr val="tx1"/>
+                </a:solidFill>
+                <a:effectLst/>
+                <a:latin typeface="+mn-lt"/>
+                <a:ea typeface="+mn-ea"/>
+                <a:cs typeface="+mn-cs"/>
+              </a:rPr>
+              <a:t>Keep it in source control?!</a:t>
+            </a:r>
+          </a:p>
+          <a:p>
+            <a:endParaRPr lang="en-US" sz="1200" kern="1200" dirty="0">
+              <a:solidFill>
+                <a:schemeClr val="tx1"/>
+              </a:solidFill>
+              <a:effectLst/>
+              <a:latin typeface="+mn-lt"/>
+              <a:ea typeface="+mn-ea"/>
+              <a:cs typeface="+mn-cs"/>
+            </a:endParaRPr>
+          </a:p>
+          <a:p>
+            <a:pPr lvl="0"/>
+            <a:r>
+              <a:rPr lang="en-US" sz="1200" kern="1200" dirty="0">
+                <a:solidFill>
+                  <a:schemeClr val="tx1"/>
+                </a:solidFill>
+                <a:effectLst/>
+                <a:latin typeface="+mn-lt"/>
+                <a:ea typeface="+mn-ea"/>
+                <a:cs typeface="+mn-cs"/>
+              </a:rPr>
+              <a:t>Love Invoke-</a:t>
+            </a:r>
+            <a:r>
+              <a:rPr lang="en-US" sz="1200" kern="1200" dirty="0" err="1">
+                <a:solidFill>
+                  <a:schemeClr val="tx1"/>
+                </a:solidFill>
+                <a:effectLst/>
+                <a:latin typeface="+mn-lt"/>
+                <a:ea typeface="+mn-ea"/>
+                <a:cs typeface="+mn-cs"/>
+              </a:rPr>
+              <a:t>RestMethod</a:t>
+            </a:r>
+            <a:endParaRPr lang="en-US" sz="1200" kern="1200" dirty="0">
+              <a:solidFill>
+                <a:schemeClr val="tx1"/>
+              </a:solidFill>
+              <a:effectLst/>
+              <a:latin typeface="+mn-lt"/>
+              <a:ea typeface="+mn-ea"/>
+              <a:cs typeface="+mn-cs"/>
+            </a:endParaRPr>
+          </a:p>
+          <a:p>
+            <a:r>
+              <a:rPr lang="en-US" sz="1200" b="1" kern="1200" dirty="0">
+                <a:solidFill>
+                  <a:schemeClr val="tx1"/>
+                </a:solidFill>
+                <a:effectLst/>
+                <a:latin typeface="+mn-lt"/>
+                <a:ea typeface="+mn-ea"/>
+                <a:cs typeface="+mn-cs"/>
+              </a:rPr>
+              <a:t>- </a:t>
+            </a:r>
+            <a:r>
+              <a:rPr lang="en-US" sz="1200" b="0" kern="1200" dirty="0">
+                <a:solidFill>
+                  <a:schemeClr val="tx1"/>
+                </a:solidFill>
+                <a:effectLst/>
+                <a:latin typeface="+mn-lt"/>
+                <a:ea typeface="+mn-ea"/>
+                <a:cs typeface="+mn-cs"/>
+              </a:rPr>
+              <a:t>Web API interactions are easy with PowerShell</a:t>
+            </a:r>
+            <a:endParaRPr lang="en-US" sz="1200" b="1" kern="1200" dirty="0">
+              <a:solidFill>
+                <a:schemeClr val="tx1"/>
+              </a:solidFill>
+              <a:effectLst/>
+              <a:latin typeface="+mn-lt"/>
+              <a:ea typeface="+mn-ea"/>
+              <a:cs typeface="+mn-cs"/>
+            </a:endParaRPr>
+          </a:p>
+          <a:p>
+            <a:endParaRPr lang="en-US" sz="1200" b="1" kern="1200" dirty="0">
+              <a:solidFill>
+                <a:schemeClr val="tx1"/>
+              </a:solidFill>
+              <a:effectLst/>
+              <a:latin typeface="+mn-lt"/>
+              <a:ea typeface="+mn-ea"/>
+              <a:cs typeface="+mn-cs"/>
+            </a:endParaRPr>
+          </a:p>
+          <a:p>
+            <a:r>
+              <a:rPr lang="en-US" sz="1200" b="1" kern="1200" dirty="0">
+                <a:solidFill>
+                  <a:schemeClr val="tx1"/>
+                </a:solidFill>
+                <a:effectLst/>
+                <a:latin typeface="+mn-lt"/>
+                <a:ea typeface="+mn-ea"/>
+                <a:cs typeface="+mn-cs"/>
+              </a:rPr>
+              <a:t>	DEMO: demo_apiCalls.ps1</a:t>
+            </a:r>
+            <a:endParaRPr lang="en-US" sz="1200" kern="1200" dirty="0">
+              <a:solidFill>
+                <a:schemeClr val="tx1"/>
+              </a:solidFill>
+              <a:effectLst/>
+              <a:latin typeface="+mn-lt"/>
+              <a:ea typeface="+mn-ea"/>
+              <a:cs typeface="+mn-cs"/>
+            </a:endParaRPr>
+          </a:p>
+          <a:p>
+            <a:br>
+              <a:rPr lang="en-US" sz="1200" b="1" kern="1200" dirty="0">
+                <a:solidFill>
+                  <a:schemeClr val="tx1"/>
+                </a:solidFill>
+                <a:effectLst/>
+                <a:latin typeface="+mn-lt"/>
+                <a:ea typeface="+mn-ea"/>
+                <a:cs typeface="+mn-cs"/>
+              </a:rPr>
+            </a:br>
+            <a:r>
+              <a:rPr lang="en-US" sz="1200" b="1" kern="1200" dirty="0">
+                <a:solidFill>
+                  <a:schemeClr val="tx1"/>
+                </a:solidFill>
+                <a:effectLst/>
+                <a:latin typeface="+mn-lt"/>
+                <a:ea typeface="+mn-ea"/>
+                <a:cs typeface="+mn-cs"/>
+              </a:rPr>
+              <a:t> </a:t>
+            </a:r>
+            <a:endParaRPr lang="en-US" sz="1200" kern="1200" dirty="0">
+              <a:solidFill>
+                <a:schemeClr val="tx1"/>
+              </a:solidFill>
+              <a:effectLst/>
+              <a:latin typeface="+mn-lt"/>
+              <a:ea typeface="+mn-ea"/>
+              <a:cs typeface="+mn-cs"/>
+            </a:endParaRPr>
+          </a:p>
+          <a:p>
+            <a:endParaRPr lang="en-US" dirty="0"/>
+          </a:p>
+        </p:txBody>
+      </p:sp>
+      <p:sp>
+        <p:nvSpPr>
+          <p:cNvPr id="4" name="Slide Number Placeholder 3"/>
+          <p:cNvSpPr>
+            <a:spLocks noGrp="1"/>
+          </p:cNvSpPr>
+          <p:nvPr>
+            <p:ph type="sldNum" sz="quarter" idx="5"/>
+          </p:nvPr>
+        </p:nvSpPr>
+        <p:spPr/>
+        <p:txBody>
+          <a:bodyPr/>
+          <a:lstStyle/>
+          <a:p>
+            <a:fld id="{5B0D244D-F950-4B19-A898-32593C1849B6}" type="slidenum">
+              <a:rPr lang="en-US" smtClean="0"/>
+              <a:t>9</a:t>
+            </a:fld>
+            <a:endParaRPr lang="en-US"/>
+          </a:p>
+        </p:txBody>
+      </p:sp>
+    </p:spTree>
+    <p:extLst>
+      <p:ext uri="{BB962C8B-B14F-4D97-AF65-F5344CB8AC3E}">
+        <p14:creationId xmlns:p14="http://schemas.microsoft.com/office/powerpoint/2010/main" val="1739000583"/>
+      </p:ext>
+    </p:extLst>
+  </p:cSld>
+  <p:clrMapOvr>
+    <a:masterClrMapping/>
+  </p:clrMapOvr>
+</p:notes>
+</file>
+
+<file path=ppt/notesSlides/notesSlide9.xml><?xml version="1.0" encoding="utf-8"?>
+<p:notes xmlns:a="http://schemas.openxmlformats.org/drawingml/2006/main" xmlns:r="http://schemas.openxmlformats.org/officeDocument/2006/relationships" xmlns:p="http://schemas.openxmlformats.org/presentationml/2006/main">
+  <p:cSld>
+    <p:spTree>
+      <p:nvGrpSpPr>
+        <p:cNvPr id="1" name=""/>
+        <p:cNvGrpSpPr/>
+        <p:nvPr/>
+      </p:nvGrpSpPr>
+      <p:grpSpPr>
+        <a:xfrm>
+          <a:off x="0" y="0"/>
+          <a:ext cx="0" cy="0"/>
+          <a:chOff x="0" y="0"/>
+          <a:chExt cx="0" cy="0"/>
+        </a:xfrm>
+      </p:grpSpPr>
+      <p:sp>
+        <p:nvSpPr>
+          <p:cNvPr id="2" name="Slide Image Placeholder 1"/>
+          <p:cNvSpPr>
+            <a:spLocks noGrp="1" noRot="1" noChangeAspect="1"/>
+          </p:cNvSpPr>
+          <p:nvPr>
+            <p:ph type="sldImg"/>
+          </p:nvPr>
+        </p:nvSpPr>
+        <p:spPr/>
+      </p:sp>
+      <p:sp>
+        <p:nvSpPr>
+          <p:cNvPr id="3" name="Notes Placeholder 2"/>
+          <p:cNvSpPr>
+            <a:spLocks noGrp="1"/>
+          </p:cNvSpPr>
+          <p:nvPr>
+            <p:ph type="body" idx="1"/>
+          </p:nvPr>
+        </p:nvSpPr>
+        <p:spPr/>
+        <p:txBody>
+          <a:bodyPr/>
+          <a:lstStyle/>
+          <a:p>
+            <a:pPr lvl="0"/>
+            <a:r>
+              <a:rPr lang="en-US" sz="1200" kern="1200" dirty="0">
+                <a:solidFill>
+                  <a:schemeClr val="tx1"/>
+                </a:solidFill>
+                <a:effectLst/>
+                <a:latin typeface="+mn-lt"/>
+                <a:ea typeface="+mn-ea"/>
+                <a:cs typeface="+mn-cs"/>
+              </a:rPr>
+              <a:t>Working with strings</a:t>
+            </a:r>
+          </a:p>
+          <a:p>
+            <a:pPr marL="171450" lvl="0" indent="-171450">
+              <a:buFontTx/>
+              <a:buChar char="-"/>
+            </a:pPr>
+            <a:r>
+              <a:rPr lang="en-US" sz="1200" kern="1200" dirty="0">
+                <a:solidFill>
+                  <a:schemeClr val="tx1"/>
+                </a:solidFill>
+                <a:effectLst/>
+                <a:latin typeface="+mn-lt"/>
+                <a:ea typeface="+mn-ea"/>
+                <a:cs typeface="+mn-cs"/>
+              </a:rPr>
+              <a:t>Watch your quotes! PS allows both single and double quotes to be used for declaring strings</a:t>
+            </a:r>
+          </a:p>
+          <a:p>
+            <a:pPr marL="171450" lvl="0" indent="-171450">
+              <a:buFontTx/>
+              <a:buChar char="-"/>
+            </a:pPr>
+            <a:r>
+              <a:rPr lang="en-US" sz="1200" kern="1200" dirty="0">
+                <a:solidFill>
+                  <a:schemeClr val="tx1"/>
+                </a:solidFill>
+                <a:effectLst/>
+                <a:latin typeface="+mn-lt"/>
+                <a:ea typeface="+mn-ea"/>
+                <a:cs typeface="+mn-cs"/>
+              </a:rPr>
+              <a:t>Only double quotes honor string interpolation</a:t>
+            </a:r>
+          </a:p>
+          <a:p>
+            <a:pPr marL="0" lvl="0" indent="0">
+              <a:buFontTx/>
+              <a:buNone/>
+            </a:pPr>
+            <a:endParaRPr lang="en-US" sz="1200" kern="1200" dirty="0">
+              <a:solidFill>
+                <a:schemeClr val="tx1"/>
+              </a:solidFill>
+              <a:effectLst/>
+              <a:latin typeface="+mn-lt"/>
+              <a:ea typeface="+mn-ea"/>
+              <a:cs typeface="+mn-cs"/>
+            </a:endParaRPr>
+          </a:p>
+          <a:p>
+            <a:pPr marL="0" lvl="0" indent="0">
+              <a:buFontTx/>
+              <a:buNone/>
+            </a:pPr>
+            <a:r>
+              <a:rPr lang="en-US" sz="1200" b="1" kern="1200" dirty="0">
+                <a:solidFill>
+                  <a:schemeClr val="tx1"/>
+                </a:solidFill>
+                <a:effectLst/>
+                <a:latin typeface="+mn-lt"/>
+                <a:ea typeface="+mn-ea"/>
+                <a:cs typeface="+mn-cs"/>
+              </a:rPr>
+              <a:t>DEMO: Show single vs double quote example</a:t>
+            </a:r>
+          </a:p>
+          <a:p>
+            <a:pPr marL="171450" lvl="0" indent="-171450">
+              <a:buFontTx/>
+              <a:buChar char="-"/>
+            </a:pPr>
+            <a:endParaRPr lang="en-US" sz="1200" kern="1200" dirty="0">
+              <a:solidFill>
+                <a:schemeClr val="tx1"/>
+              </a:solidFill>
+              <a:effectLst/>
+              <a:latin typeface="+mn-lt"/>
+              <a:ea typeface="+mn-ea"/>
+              <a:cs typeface="+mn-cs"/>
+            </a:endParaRPr>
+          </a:p>
+          <a:p>
+            <a:pPr marL="171450" lvl="0" indent="-171450">
+              <a:buFontTx/>
+              <a:buChar char="-"/>
+            </a:pPr>
+            <a:r>
+              <a:rPr lang="en-US" sz="1200" kern="1200" dirty="0">
+                <a:solidFill>
+                  <a:schemeClr val="tx1"/>
+                </a:solidFill>
+                <a:effectLst/>
+                <a:latin typeface="+mn-lt"/>
+                <a:ea typeface="+mn-ea"/>
+                <a:cs typeface="+mn-cs"/>
+              </a:rPr>
+              <a:t>Can usually choose single or double quotes when working with short strings, when you have to work with </a:t>
+            </a:r>
+            <a:r>
+              <a:rPr lang="en-US" sz="1200" kern="1200" dirty="0" err="1">
+                <a:solidFill>
+                  <a:schemeClr val="tx1"/>
+                </a:solidFill>
+                <a:effectLst/>
+                <a:latin typeface="+mn-lt"/>
+                <a:ea typeface="+mn-ea"/>
+                <a:cs typeface="+mn-cs"/>
+              </a:rPr>
+              <a:t>stringified</a:t>
+            </a:r>
+            <a:r>
+              <a:rPr lang="en-US" sz="1200" kern="1200" dirty="0">
+                <a:solidFill>
+                  <a:schemeClr val="tx1"/>
+                </a:solidFill>
+                <a:effectLst/>
+                <a:latin typeface="+mn-lt"/>
+                <a:ea typeface="+mn-ea"/>
+                <a:cs typeface="+mn-cs"/>
+              </a:rPr>
+              <a:t> JSON. Here-Strings are your friend</a:t>
+            </a:r>
+          </a:p>
+          <a:p>
+            <a:pPr marL="171450" lvl="0" indent="-171450">
+              <a:buFontTx/>
+              <a:buChar char="-"/>
+            </a:pPr>
+            <a:endParaRPr lang="en-US" sz="1200" kern="1200" dirty="0">
+              <a:solidFill>
+                <a:schemeClr val="tx1"/>
+              </a:solidFill>
+              <a:effectLst/>
+              <a:latin typeface="+mn-lt"/>
+              <a:ea typeface="+mn-ea"/>
+              <a:cs typeface="+mn-cs"/>
+            </a:endParaRPr>
+          </a:p>
+          <a:p>
+            <a:pPr marL="0" lvl="0" indent="0">
+              <a:buFontTx/>
+              <a:buNone/>
+            </a:pPr>
+            <a:r>
+              <a:rPr lang="en-US" sz="1200" b="1" kern="1200" dirty="0">
+                <a:solidFill>
+                  <a:schemeClr val="tx1"/>
+                </a:solidFill>
+                <a:effectLst/>
+                <a:latin typeface="+mn-lt"/>
+                <a:ea typeface="+mn-ea"/>
+                <a:cs typeface="+mn-cs"/>
+              </a:rPr>
+              <a:t>DEMO: Show multi-line Here-String (</a:t>
+            </a:r>
+            <a:r>
+              <a:rPr lang="en-US" sz="1200" b="1" kern="1200" dirty="0" err="1">
+                <a:solidFill>
+                  <a:schemeClr val="tx1"/>
+                </a:solidFill>
+                <a:effectLst/>
+                <a:latin typeface="+mn-lt"/>
+                <a:ea typeface="+mn-ea"/>
+                <a:cs typeface="+mn-cs"/>
+              </a:rPr>
+              <a:t>demo_hereString.json</a:t>
+            </a:r>
+            <a:r>
+              <a:rPr lang="en-US" sz="1200" b="1" kern="1200" dirty="0">
+                <a:solidFill>
+                  <a:schemeClr val="tx1"/>
+                </a:solidFill>
+                <a:effectLst/>
+                <a:latin typeface="+mn-lt"/>
+                <a:ea typeface="+mn-ea"/>
+                <a:cs typeface="+mn-cs"/>
+              </a:rPr>
+              <a:t>)</a:t>
+            </a:r>
+          </a:p>
+          <a:p>
+            <a:pPr marL="0" lvl="0" indent="0">
+              <a:buFontTx/>
+              <a:buNone/>
+            </a:pPr>
+            <a:endParaRPr lang="en-US" sz="1200" b="1" kern="1200" dirty="0">
+              <a:solidFill>
+                <a:schemeClr val="tx1"/>
+              </a:solidFill>
+              <a:effectLst/>
+              <a:latin typeface="+mn-lt"/>
+              <a:ea typeface="+mn-ea"/>
+              <a:cs typeface="+mn-cs"/>
+            </a:endParaRPr>
+          </a:p>
+          <a:p>
+            <a:pPr marL="171450" lvl="0" indent="-171450">
+              <a:buFontTx/>
+              <a:buChar char="-"/>
+            </a:pPr>
+            <a:r>
+              <a:rPr lang="en-US" sz="1200" b="0" kern="1200" dirty="0">
+                <a:solidFill>
+                  <a:schemeClr val="tx1"/>
+                </a:solidFill>
+                <a:effectLst/>
+                <a:latin typeface="+mn-lt"/>
+                <a:ea typeface="+mn-ea"/>
+                <a:cs typeface="+mn-cs"/>
+              </a:rPr>
+              <a:t>String interpolation with complex object; surround with $() : Get-</a:t>
+            </a:r>
+            <a:r>
+              <a:rPr lang="en-US" sz="1200" b="0" kern="1200" dirty="0" err="1">
+                <a:solidFill>
+                  <a:schemeClr val="tx1"/>
+                </a:solidFill>
+                <a:effectLst/>
+                <a:latin typeface="+mn-lt"/>
+                <a:ea typeface="+mn-ea"/>
+                <a:cs typeface="+mn-cs"/>
+              </a:rPr>
+              <a:t>ChildItem</a:t>
+            </a:r>
+            <a:r>
+              <a:rPr lang="en-US" sz="1200" b="0" kern="1200" dirty="0">
+                <a:solidFill>
+                  <a:schemeClr val="tx1"/>
+                </a:solidFill>
+                <a:effectLst/>
+                <a:latin typeface="+mn-lt"/>
+                <a:ea typeface="+mn-ea"/>
+                <a:cs typeface="+mn-cs"/>
+              </a:rPr>
+              <a:t> | </a:t>
+            </a:r>
+            <a:r>
+              <a:rPr lang="en-US" sz="1200" b="0" kern="1200" dirty="0" err="1">
+                <a:solidFill>
+                  <a:schemeClr val="tx1"/>
+                </a:solidFill>
+                <a:effectLst/>
+                <a:latin typeface="+mn-lt"/>
+                <a:ea typeface="+mn-ea"/>
+                <a:cs typeface="+mn-cs"/>
+              </a:rPr>
+              <a:t>ForEach</a:t>
+            </a:r>
+            <a:r>
+              <a:rPr lang="en-US" sz="1200" b="0" kern="1200" dirty="0">
+                <a:solidFill>
+                  <a:schemeClr val="tx1"/>
+                </a:solidFill>
+                <a:effectLst/>
+                <a:latin typeface="+mn-lt"/>
+                <a:ea typeface="+mn-ea"/>
+                <a:cs typeface="+mn-cs"/>
+              </a:rPr>
+              <a:t>-Item {  “The length of this file is $_.length” }</a:t>
+            </a:r>
+          </a:p>
+          <a:p>
+            <a:pPr marL="0" lvl="0" indent="0">
+              <a:buFontTx/>
+              <a:buNone/>
+            </a:pPr>
+            <a:endParaRPr lang="en-US" sz="1200" b="0" kern="1200" dirty="0">
+              <a:solidFill>
+                <a:schemeClr val="tx1"/>
+              </a:solidFill>
+              <a:effectLst/>
+              <a:latin typeface="+mn-lt"/>
+              <a:ea typeface="+mn-ea"/>
+              <a:cs typeface="+mn-cs"/>
+            </a:endParaRPr>
+          </a:p>
+          <a:p>
+            <a:r>
+              <a:rPr lang="en-US" sz="1200" b="0" kern="1200" dirty="0">
+                <a:solidFill>
+                  <a:schemeClr val="tx1"/>
+                </a:solidFill>
+                <a:effectLst/>
+                <a:latin typeface="+mn-lt"/>
+                <a:ea typeface="+mn-ea"/>
+                <a:cs typeface="+mn-cs"/>
+              </a:rPr>
+              <a:t>Is it an array?</a:t>
+            </a:r>
+          </a:p>
+          <a:p>
+            <a:pPr marL="171450" indent="-171450">
+              <a:buFontTx/>
+              <a:buChar char="-"/>
+            </a:pPr>
+            <a:r>
+              <a:rPr lang="en-US" sz="1200" b="0" kern="1200" dirty="0">
+                <a:solidFill>
+                  <a:schemeClr val="tx1"/>
+                </a:solidFill>
+                <a:effectLst/>
+                <a:latin typeface="+mn-lt"/>
+                <a:ea typeface="+mn-ea"/>
+                <a:cs typeface="+mn-cs"/>
+              </a:rPr>
+              <a:t>In scripting y</a:t>
+            </a:r>
+            <a:r>
+              <a:rPr lang="en-US" sz="1200" kern="1200" dirty="0">
+                <a:solidFill>
+                  <a:schemeClr val="tx1"/>
+                </a:solidFill>
+                <a:effectLst/>
+                <a:latin typeface="+mn-lt"/>
+                <a:ea typeface="+mn-ea"/>
+                <a:cs typeface="+mn-cs"/>
+              </a:rPr>
+              <a:t>ou may find that variables which you expected to be an array are not. </a:t>
+            </a:r>
+          </a:p>
+          <a:p>
+            <a:pPr marL="171450" indent="-171450">
+              <a:buFontTx/>
+              <a:buChar char="-"/>
+            </a:pPr>
+            <a:r>
+              <a:rPr lang="en-US" sz="1200" kern="1200" dirty="0">
+                <a:solidFill>
+                  <a:schemeClr val="tx1"/>
+                </a:solidFill>
+                <a:effectLst/>
+                <a:latin typeface="+mn-lt"/>
+                <a:ea typeface="+mn-ea"/>
+                <a:cs typeface="+mn-cs"/>
+              </a:rPr>
+              <a:t>E.g. Get-</a:t>
+            </a:r>
+            <a:r>
+              <a:rPr lang="en-US" sz="1200" kern="1200" dirty="0" err="1">
+                <a:solidFill>
+                  <a:schemeClr val="tx1"/>
+                </a:solidFill>
+                <a:effectLst/>
+                <a:latin typeface="+mn-lt"/>
+                <a:ea typeface="+mn-ea"/>
+                <a:cs typeface="+mn-cs"/>
+              </a:rPr>
+              <a:t>ChildItem</a:t>
+            </a:r>
+            <a:r>
+              <a:rPr lang="en-US" sz="1200" kern="1200" dirty="0">
+                <a:solidFill>
+                  <a:schemeClr val="tx1"/>
+                </a:solidFill>
+                <a:effectLst/>
+                <a:latin typeface="+mn-lt"/>
+                <a:ea typeface="+mn-ea"/>
+                <a:cs typeface="+mn-cs"/>
+              </a:rPr>
+              <a:t> returns an array of files OR a single file (if there was only 1)</a:t>
+            </a:r>
+          </a:p>
+          <a:p>
+            <a:pPr marL="171450" indent="-171450">
+              <a:buFontTx/>
+              <a:buChar char="-"/>
+            </a:pPr>
+            <a:r>
+              <a:rPr lang="en-US" sz="1200" kern="1200" dirty="0">
+                <a:solidFill>
+                  <a:schemeClr val="tx1"/>
+                </a:solidFill>
+                <a:effectLst/>
+                <a:latin typeface="+mn-lt"/>
+                <a:ea typeface="+mn-ea"/>
+                <a:cs typeface="+mn-cs"/>
+              </a:rPr>
+              <a:t>Scenarios like this expose themselves where you expect a loop to execute multiple times but they error! Get-Service also subject to this effect</a:t>
+            </a:r>
+          </a:p>
+          <a:p>
+            <a:pPr marL="171450" indent="-171450">
+              <a:buFontTx/>
+              <a:buChar char="-"/>
+            </a:pPr>
+            <a:r>
+              <a:rPr lang="en-US" sz="1200" b="0" kern="1200" dirty="0">
+                <a:solidFill>
+                  <a:schemeClr val="tx1"/>
+                </a:solidFill>
+                <a:effectLst/>
+                <a:latin typeface="+mn-lt"/>
+                <a:ea typeface="+mn-ea"/>
+                <a:cs typeface="+mn-cs"/>
+              </a:rPr>
+              <a:t>Done on purpose to make console experience nicer</a:t>
+            </a:r>
+          </a:p>
+          <a:p>
+            <a:pPr marL="171450" indent="-171450">
+              <a:buFontTx/>
+              <a:buChar char="-"/>
+            </a:pPr>
+            <a:r>
+              <a:rPr lang="en-US" sz="1200" b="0" kern="1200" dirty="0">
+                <a:solidFill>
+                  <a:schemeClr val="tx1"/>
+                </a:solidFill>
+                <a:effectLst/>
+                <a:latin typeface="+mn-lt"/>
+                <a:ea typeface="+mn-ea"/>
+                <a:cs typeface="+mn-cs"/>
+              </a:rPr>
+              <a:t>Save yourself using the array cast operator @()</a:t>
+            </a:r>
+          </a:p>
+          <a:p>
+            <a:pPr marL="171450" indent="-171450">
+              <a:buFontTx/>
+              <a:buChar char="-"/>
+            </a:pPr>
+            <a:endParaRPr lang="en-US" sz="1200" b="0" kern="1200" dirty="0">
+              <a:solidFill>
+                <a:schemeClr val="tx1"/>
+              </a:solidFill>
+              <a:effectLst/>
+              <a:latin typeface="+mn-lt"/>
+              <a:ea typeface="+mn-ea"/>
+              <a:cs typeface="+mn-cs"/>
+            </a:endParaRPr>
+          </a:p>
+          <a:p>
+            <a:r>
+              <a:rPr lang="en-US" sz="1200" b="0" kern="1200" dirty="0">
+                <a:solidFill>
+                  <a:schemeClr val="tx1"/>
+                </a:solidFill>
+                <a:effectLst/>
+                <a:latin typeface="+mn-lt"/>
+                <a:ea typeface="+mn-ea"/>
+                <a:cs typeface="+mn-cs"/>
+              </a:rPr>
+              <a:t>Calling programs with arguments</a:t>
+            </a:r>
+          </a:p>
+          <a:p>
+            <a:pPr marL="171450" indent="-171450">
+              <a:buFontTx/>
+              <a:buChar char="-"/>
+            </a:pPr>
+            <a:r>
+              <a:rPr lang="en-US" sz="1200" kern="1200" dirty="0">
+                <a:solidFill>
+                  <a:schemeClr val="tx1"/>
+                </a:solidFill>
+                <a:effectLst/>
+                <a:latin typeface="+mn-lt"/>
+                <a:ea typeface="+mn-ea"/>
+                <a:cs typeface="+mn-cs"/>
+              </a:rPr>
+              <a:t>Getting the syntax right was super frustrating when I wanted to execute an EXE with some arguments</a:t>
+            </a:r>
+          </a:p>
+          <a:p>
+            <a:pPr marL="171450" indent="-171450">
+              <a:buFontTx/>
+              <a:buChar char="-"/>
+            </a:pPr>
+            <a:r>
+              <a:rPr lang="en-US" sz="1200" kern="1200" dirty="0">
+                <a:solidFill>
+                  <a:schemeClr val="tx1"/>
+                </a:solidFill>
+                <a:effectLst/>
+                <a:latin typeface="+mn-lt"/>
+                <a:ea typeface="+mn-ea"/>
+                <a:cs typeface="+mn-cs"/>
+              </a:rPr>
+              <a:t>It's easy to get confused by PowerShell's behavior when it comes to the syntax for passing arguments into EXEs</a:t>
+            </a:r>
+          </a:p>
+          <a:p>
+            <a:pPr marL="171450" indent="-171450">
+              <a:buFontTx/>
+              <a:buChar char="-"/>
+            </a:pPr>
+            <a:endParaRPr lang="en-US" sz="1200" kern="1200" dirty="0">
+              <a:solidFill>
+                <a:schemeClr val="tx1"/>
+              </a:solidFill>
+              <a:effectLst/>
+              <a:latin typeface="+mn-lt"/>
+              <a:ea typeface="+mn-ea"/>
+              <a:cs typeface="+mn-cs"/>
+            </a:endParaRPr>
+          </a:p>
+          <a:p>
+            <a:r>
+              <a:rPr lang="en-US" sz="1200" b="1" kern="1200" dirty="0">
+                <a:solidFill>
+                  <a:schemeClr val="tx1"/>
+                </a:solidFill>
+                <a:effectLst/>
+                <a:latin typeface="+mn-lt"/>
+                <a:ea typeface="+mn-ea"/>
+                <a:cs typeface="+mn-cs"/>
+              </a:rPr>
+              <a:t>DEMO: demo_consoleArgs.ps1</a:t>
+            </a:r>
+            <a:endParaRPr lang="en-US" sz="1200" kern="1200" dirty="0">
+              <a:solidFill>
+                <a:schemeClr val="tx1"/>
+              </a:solidFill>
+              <a:effectLst/>
+              <a:latin typeface="+mn-lt"/>
+              <a:ea typeface="+mn-ea"/>
+              <a:cs typeface="+mn-cs"/>
+            </a:endParaRPr>
+          </a:p>
+          <a:p>
+            <a:pPr marL="0" indent="0">
+              <a:buFontTx/>
+              <a:buNone/>
+            </a:pPr>
+            <a:endParaRPr lang="en-US" sz="1200" b="0" kern="1200" dirty="0">
+              <a:solidFill>
+                <a:schemeClr val="tx1"/>
+              </a:solidFill>
+              <a:effectLst/>
+              <a:latin typeface="+mn-lt"/>
+              <a:ea typeface="+mn-ea"/>
+              <a:cs typeface="+mn-cs"/>
+            </a:endParaRPr>
+          </a:p>
+        </p:txBody>
+      </p:sp>
+      <p:sp>
+        <p:nvSpPr>
+          <p:cNvPr id="4" name="Slide Number Placeholder 3"/>
+          <p:cNvSpPr>
+            <a:spLocks noGrp="1"/>
+          </p:cNvSpPr>
+          <p:nvPr>
+            <p:ph type="sldNum" sz="quarter" idx="5"/>
+          </p:nvPr>
+        </p:nvSpPr>
+        <p:spPr/>
+        <p:txBody>
+          <a:bodyPr/>
+          <a:lstStyle/>
+          <a:p>
+            <a:fld id="{5B0D244D-F950-4B19-A898-32593C1849B6}" type="slidenum">
+              <a:rPr lang="en-US" smtClean="0"/>
+              <a:t>10</a:t>
+            </a:fld>
+            <a:endParaRPr lang="en-US"/>
+          </a:p>
+        </p:txBody>
+      </p:sp>
+    </p:spTree>
+    <p:extLst>
+      <p:ext uri="{BB962C8B-B14F-4D97-AF65-F5344CB8AC3E}">
+        <p14:creationId xmlns:p14="http://schemas.microsoft.com/office/powerpoint/2010/main" val="1612877558"/>
       </p:ext>
     </p:extLst>
   </p:cSld>
@@ -29645,7 +33620,7 @@
           <a:p>
             <a:fld id="{52A4E9ED-0ECB-4629-9B9B-99B6A934C592}" type="datetime1">
               <a:rPr lang="en-US" smtClean="0"/>
-              <a:t>11/10/2019</a:t>
+              <a:t>11/14/2019</a:t>
             </a:fld>
             <a:endParaRPr lang="en-US"/>
           </a:p>
@@ -29843,7 +33818,7 @@
           <a:p>
             <a:fld id="{1777C2C9-3B50-4973-81D4-E88A3F9E8BEF}" type="datetime1">
               <a:rPr lang="en-US" smtClean="0"/>
-              <a:t>11/10/2019</a:t>
+              <a:t>11/14/2019</a:t>
             </a:fld>
             <a:endParaRPr lang="en-US"/>
           </a:p>
@@ -30051,7 +34026,7 @@
           <a:p>
             <a:fld id="{0BD323A4-FF8B-4651-BDD8-70A677AD1E5E}" type="datetime1">
               <a:rPr lang="en-US" smtClean="0"/>
-              <a:t>11/10/2019</a:t>
+              <a:t>11/14/2019</a:t>
             </a:fld>
             <a:endParaRPr lang="en-US"/>
           </a:p>
@@ -30249,7 +34224,7 @@
           <a:p>
             <a:fld id="{3BD3484D-D555-498D-A67B-B9A5E4A2EDB5}" type="datetime1">
               <a:rPr lang="en-US" smtClean="0"/>
-              <a:t>11/10/2019</a:t>
+              <a:t>11/14/2019</a:t>
             </a:fld>
             <a:endParaRPr lang="en-US"/>
           </a:p>
@@ -30524,7 +34499,7 @@
           <a:p>
             <a:fld id="{AAE8FDE2-42B0-4675-9D27-0E72CF8FA9F8}" type="datetime1">
               <a:rPr lang="en-US" smtClean="0"/>
-              <a:t>11/10/2019</a:t>
+              <a:t>11/14/2019</a:t>
             </a:fld>
             <a:endParaRPr lang="en-US"/>
           </a:p>
@@ -30789,7 +34764,7 @@
           <a:p>
             <a:fld id="{7C184994-C499-41DB-B32B-438158ADBBB7}" type="datetime1">
               <a:rPr lang="en-US" smtClean="0"/>
-              <a:t>11/10/2019</a:t>
+              <a:t>11/14/2019</a:t>
             </a:fld>
             <a:endParaRPr lang="en-US"/>
           </a:p>
@@ -31201,7 +35176,7 @@
           <a:p>
             <a:fld id="{D6C32B28-75BE-4087-8A52-8F12C3F2B4D2}" type="datetime1">
               <a:rPr lang="en-US" smtClean="0"/>
-              <a:t>11/10/2019</a:t>
+              <a:t>11/14/2019</a:t>
             </a:fld>
             <a:endParaRPr lang="en-US"/>
           </a:p>
@@ -31342,7 +35317,7 @@
           <a:p>
             <a:fld id="{1F3DEDCD-1158-4D81-9597-0EFCB0A3039B}" type="datetime1">
               <a:rPr lang="en-US" smtClean="0"/>
-              <a:t>11/10/2019</a:t>
+              <a:t>11/14/2019</a:t>
             </a:fld>
             <a:endParaRPr lang="en-US"/>
           </a:p>
@@ -31455,7 +35430,7 @@
           <a:p>
             <a:fld id="{012CD382-5588-4845-A26F-62411455AE34}" type="datetime1">
               <a:rPr lang="en-US" smtClean="0"/>
-              <a:t>11/10/2019</a:t>
+              <a:t>11/14/2019</a:t>
             </a:fld>
             <a:endParaRPr lang="en-US"/>
           </a:p>
@@ -31766,7 +35741,7 @@
           <a:p>
             <a:fld id="{09073765-5658-4B75-8A1B-E5B7D2AAB837}" type="datetime1">
               <a:rPr lang="en-US" smtClean="0"/>
-              <a:t>11/10/2019</a:t>
+              <a:t>11/14/2019</a:t>
             </a:fld>
             <a:endParaRPr lang="en-US"/>
           </a:p>
@@ -32054,7 +36029,7 @@
           <a:p>
             <a:fld id="{DA22FB4C-3806-49AF-B8D2-3CE0C8C25B5F}" type="datetime1">
               <a:rPr lang="en-US" smtClean="0"/>
-              <a:t>11/10/2019</a:t>
+              <a:t>11/14/2019</a:t>
             </a:fld>
             <a:endParaRPr lang="en-US"/>
           </a:p>
@@ -32295,7 +36270,7 @@
           <a:p>
             <a:fld id="{6E8769B8-D71B-4AD7-9399-F73309B22C43}" type="datetime1">
               <a:rPr lang="en-US" smtClean="0"/>
-              <a:t>11/10/2019</a:t>
+              <a:t>11/14/2019</a:t>
             </a:fld>
             <a:endParaRPr lang="en-US"/>
           </a:p>
@@ -33551,7 +37526,7 @@
             <p:ph idx="1"/>
             <p:extLst>
               <p:ext uri="{D42A27DB-BD31-4B8C-83A1-F6EECF244321}">
-                <p14:modId xmlns:p14="http://schemas.microsoft.com/office/powerpoint/2010/main" val="2542082935"/>
+                <p14:modId xmlns:p14="http://schemas.microsoft.com/office/powerpoint/2010/main" val="3062469164"/>
               </p:ext>
             </p:extLst>
           </p:nvPr>
@@ -33562,7 +37537,7 @@
         </p:xfrm>
         <a:graphic>
           <a:graphicData uri="http://schemas.openxmlformats.org/drawingml/2006/diagram">
-            <dgm:relIds xmlns:dgm="http://schemas.openxmlformats.org/drawingml/2006/diagram" xmlns:r="http://schemas.openxmlformats.org/officeDocument/2006/relationships" r:dm="rId2" r:lo="rId3" r:qs="rId4" r:cs="rId5"/>
+            <dgm:relIds xmlns:dgm="http://schemas.openxmlformats.org/drawingml/2006/diagram" xmlns:r="http://schemas.openxmlformats.org/officeDocument/2006/relationships" r:dm="rId3" r:lo="rId4" r:qs="rId5" r:cs="rId6"/>
           </a:graphicData>
         </a:graphic>
       </p:graphicFrame>
@@ -33721,7 +37696,7 @@
                                         <p:tgtEl>
                                           <p:spTgt spid="5">
                                             <p:graphicEl>
-                                              <a:dgm id="{7F7387AC-0D7E-4F74-AA04-EDF2DE617966}"/>
+                                              <a:dgm id="{D471A5A2-A108-4F20-8DCA-6A22C565F1E2}"/>
                                             </p:graphicEl>
                                           </p:spTgt>
                                         </p:tgtEl>
@@ -33752,7 +37727,7 @@
                                         <p:tgtEl>
                                           <p:spTgt spid="5">
                                             <p:graphicEl>
-                                              <a:dgm id="{0CE2C442-9DE6-4506-965C-7FAD25A00112}"/>
+                                              <a:dgm id="{6C649CE7-91EB-42C0-B5C5-F12814B5C4C7}"/>
                                             </p:graphicEl>
                                           </p:spTgt>
                                         </p:tgtEl>
@@ -33801,7 +37776,7 @@
                                         <p:tgtEl>
                                           <p:spTgt spid="5">
                                             <p:graphicEl>
-                                              <a:dgm id="{83E1C8AF-D26E-4AA0-9134-157CB4DA4673}"/>
+                                              <a:dgm id="{2AD87B78-19BB-41DF-BB9D-ED57FC1CFF70}"/>
                                             </p:graphicEl>
                                           </p:spTgt>
                                         </p:tgtEl>
@@ -33825,166 +37800,6 @@
                                     <p:set>
                                       <p:cBhvr>
                                         <p:cTn id="20" dur="1" fill="hold">
-                                          <p:stCondLst>
-                                            <p:cond delay="0"/>
-                                          </p:stCondLst>
-                                        </p:cTn>
-                                        <p:tgtEl>
-                                          <p:spTgt spid="5">
-                                            <p:graphicEl>
-                                              <a:dgm id="{666E6397-F86E-4BCC-BBF8-A1A189B7D36E}"/>
-                                            </p:graphicEl>
-                                          </p:spTgt>
-                                        </p:tgtEl>
-                                        <p:attrNameLst>
-                                          <p:attrName>style.visibility</p:attrName>
-                                        </p:attrNameLst>
-                                      </p:cBhvr>
-                                      <p:to>
-                                        <p:strVal val="visible"/>
-                                      </p:to>
-                                    </p:set>
-                                  </p:childTnLst>
-                                </p:cTn>
-                              </p:par>
-                            </p:childTnLst>
-                          </p:cTn>
-                        </p:par>
-                      </p:childTnLst>
-                    </p:cTn>
-                  </p:par>
-                  <p:par>
-                    <p:cTn id="21" fill="hold">
-                      <p:stCondLst>
-                        <p:cond delay="indefinite"/>
-                      </p:stCondLst>
-                      <p:childTnLst>
-                        <p:par>
-                          <p:cTn id="22" fill="hold">
-                            <p:stCondLst>
-                              <p:cond delay="0"/>
-                            </p:stCondLst>
-                            <p:childTnLst>
-                              <p:par>
-                                <p:cTn id="23" presetID="1" presetClass="entr" presetSubtype="0" fill="hold" grpId="0" nodeType="clickEffect">
-                                  <p:stCondLst>
-                                    <p:cond delay="0"/>
-                                  </p:stCondLst>
-                                  <p:childTnLst>
-                                    <p:set>
-                                      <p:cBhvr>
-                                        <p:cTn id="24" dur="1" fill="hold">
-                                          <p:stCondLst>
-                                            <p:cond delay="0"/>
-                                          </p:stCondLst>
-                                        </p:cTn>
-                                        <p:tgtEl>
-                                          <p:spTgt spid="5">
-                                            <p:graphicEl>
-                                              <a:dgm id="{D471A5A2-A108-4F20-8DCA-6A22C565F1E2}"/>
-                                            </p:graphicEl>
-                                          </p:spTgt>
-                                        </p:tgtEl>
-                                        <p:attrNameLst>
-                                          <p:attrName>style.visibility</p:attrName>
-                                        </p:attrNameLst>
-                                      </p:cBhvr>
-                                      <p:to>
-                                        <p:strVal val="visible"/>
-                                      </p:to>
-                                    </p:set>
-                                  </p:childTnLst>
-                                </p:cTn>
-                              </p:par>
-                              <p:par>
-                                <p:cTn id="25" presetID="1" presetClass="entr" presetSubtype="0" fill="hold" grpId="0" nodeType="withEffect">
-                                  <p:stCondLst>
-                                    <p:cond delay="0"/>
-                                  </p:stCondLst>
-                                  <p:childTnLst>
-                                    <p:set>
-                                      <p:cBhvr>
-                                        <p:cTn id="26" dur="1" fill="hold">
-                                          <p:stCondLst>
-                                            <p:cond delay="0"/>
-                                          </p:stCondLst>
-                                        </p:cTn>
-                                        <p:tgtEl>
-                                          <p:spTgt spid="5">
-                                            <p:graphicEl>
-                                              <a:dgm id="{6C649CE7-91EB-42C0-B5C5-F12814B5C4C7}"/>
-                                            </p:graphicEl>
-                                          </p:spTgt>
-                                        </p:tgtEl>
-                                        <p:attrNameLst>
-                                          <p:attrName>style.visibility</p:attrName>
-                                        </p:attrNameLst>
-                                      </p:cBhvr>
-                                      <p:to>
-                                        <p:strVal val="visible"/>
-                                      </p:to>
-                                    </p:set>
-                                  </p:childTnLst>
-                                </p:cTn>
-                              </p:par>
-                            </p:childTnLst>
-                          </p:cTn>
-                        </p:par>
-                      </p:childTnLst>
-                    </p:cTn>
-                  </p:par>
-                  <p:par>
-                    <p:cTn id="27" fill="hold">
-                      <p:stCondLst>
-                        <p:cond delay="indefinite"/>
-                      </p:stCondLst>
-                      <p:childTnLst>
-                        <p:par>
-                          <p:cTn id="28" fill="hold">
-                            <p:stCondLst>
-                              <p:cond delay="0"/>
-                            </p:stCondLst>
-                            <p:childTnLst>
-                              <p:par>
-                                <p:cTn id="29" presetID="1" presetClass="entr" presetSubtype="0" fill="hold" grpId="0" nodeType="clickEffect">
-                                  <p:stCondLst>
-                                    <p:cond delay="0"/>
-                                  </p:stCondLst>
-                                  <p:childTnLst>
-                                    <p:set>
-                                      <p:cBhvr>
-                                        <p:cTn id="30" dur="1" fill="hold">
-                                          <p:stCondLst>
-                                            <p:cond delay="0"/>
-                                          </p:stCondLst>
-                                        </p:cTn>
-                                        <p:tgtEl>
-                                          <p:spTgt spid="5">
-                                            <p:graphicEl>
-                                              <a:dgm id="{2AD87B78-19BB-41DF-BB9D-ED57FC1CFF70}"/>
-                                            </p:graphicEl>
-                                          </p:spTgt>
-                                        </p:tgtEl>
-                                        <p:attrNameLst>
-                                          <p:attrName>style.visibility</p:attrName>
-                                        </p:attrNameLst>
-                                      </p:cBhvr>
-                                      <p:to>
-                                        <p:strVal val="visible"/>
-                                      </p:to>
-                                    </p:set>
-                                  </p:childTnLst>
-                                </p:cTn>
-                              </p:par>
-                              <p:par>
-                                <p:cTn id="31" presetID="1" presetClass="entr" presetSubtype="0" fill="hold" grpId="0" nodeType="withEffect">
-                                  <p:stCondLst>
-                                    <p:cond delay="0"/>
-                                  </p:stCondLst>
-                                  <p:childTnLst>
-                                    <p:set>
-                                      <p:cBhvr>
-                                        <p:cTn id="32" dur="1" fill="hold">
                                           <p:stCondLst>
                                             <p:cond delay="0"/>
                                           </p:stCondLst>
@@ -35080,7 +38895,7 @@
             </a:r>
             <a:r>
               <a:rPr lang="en-US" sz="2000" dirty="0">
-                <a:hlinkClick r:id="rId2">
+                <a:hlinkClick r:id="rId3">
                   <a:extLst>
                     <a:ext uri="{A12FA001-AC4F-418D-AE19-62706E023703}">
                       <ahyp:hlinkClr xmlns:ahyp="http://schemas.microsoft.com/office/drawing/2018/hyperlinkcolor" val="tx"/>
@@ -35291,7 +39106,7 @@
           <p:nvPr/>
         </p:nvPicPr>
         <p:blipFill rotWithShape="1">
-          <a:blip r:embed="rId3">
+          <a:blip r:embed="rId4">
             <a:extLst>
               <a:ext uri="{28A0092B-C50C-407E-A947-70E740481C1C}">
                 <a14:useLocalDpi xmlns:a14="http://schemas.microsoft.com/office/drawing/2010/main" val="0"/>
@@ -36313,7 +40128,7 @@
         </p:xfrm>
         <a:graphic>
           <a:graphicData uri="http://schemas.openxmlformats.org/drawingml/2006/diagram">
-            <dgm:relIds xmlns:dgm="http://schemas.openxmlformats.org/drawingml/2006/diagram" xmlns:r="http://schemas.openxmlformats.org/officeDocument/2006/relationships" r:dm="rId2" r:lo="rId3" r:qs="rId4" r:cs="rId5"/>
+            <dgm:relIds xmlns:dgm="http://schemas.openxmlformats.org/drawingml/2006/diagram" xmlns:r="http://schemas.openxmlformats.org/officeDocument/2006/relationships" r:dm="rId3" r:lo="rId4" r:qs="rId5" r:cs="rId6"/>
           </a:graphicData>
         </a:graphic>
       </p:graphicFrame>
@@ -36361,13 +40176,13 @@
           <p:nvPr/>
         </p:nvPicPr>
         <p:blipFill>
-          <a:blip r:embed="rId7">
+          <a:blip r:embed="rId8">
             <a:extLst>
               <a:ext uri="{28A0092B-C50C-407E-A947-70E740481C1C}">
                 <a14:useLocalDpi xmlns:a14="http://schemas.microsoft.com/office/drawing/2010/main" val="0"/>
               </a:ext>
               <a:ext uri="{837473B0-CC2E-450A-ABE3-18F120FF3D39}">
-                <a1611:picAttrSrcUrl xmlns:a1611="http://schemas.microsoft.com/office/drawing/2016/11/main" r:id="rId8"/>
+                <a1611:picAttrSrcUrl xmlns:a1611="http://schemas.microsoft.com/office/drawing/2016/11/main" r:id="rId9"/>
               </a:ext>
             </a:extLst>
           </a:blip>
@@ -36425,7 +40240,7 @@
                 <a:solidFill>
                   <a:srgbClr val="FFFFFF"/>
                 </a:solidFill>
-                <a:hlinkClick r:id="rId8" tooltip="https://wahlnetwork.com/2015/12/21/how-to-upgrade-windows-powershell-to-version-5-0/">
+                <a:hlinkClick r:id="rId9" tooltip="https://wahlnetwork.com/2015/12/21/how-to-upgrade-windows-powershell-to-version-5-0/">
                   <a:extLst>
                     <a:ext uri="{A12FA001-AC4F-418D-AE19-62706E023703}">
                       <ahyp:hlinkClr xmlns:ahyp="http://schemas.microsoft.com/office/drawing/2018/hyperlinkcolor" val="tx"/>
@@ -36448,7 +40263,7 @@
                 <a:solidFill>
                   <a:srgbClr val="FFFFFF"/>
                 </a:solidFill>
-                <a:hlinkClick r:id="rId9" tooltip="https://creativecommons.org/licenses/by-nc-sa/3.0/">
+                <a:hlinkClick r:id="rId10" tooltip="https://creativecommons.org/licenses/by-nc-sa/3.0/">
                   <a:extLst>
                     <a:ext uri="{A12FA001-AC4F-418D-AE19-62706E023703}">
                       <ahyp:hlinkClr xmlns:ahyp="http://schemas.microsoft.com/office/drawing/2018/hyperlinkcolor" val="tx"/>
@@ -36538,13 +40353,13 @@
           </p:nvPr>
         </p:nvPicPr>
         <p:blipFill>
-          <a:blip r:embed="rId2">
+          <a:blip r:embed="rId3">
             <a:extLst>
               <a:ext uri="{28A0092B-C50C-407E-A947-70E740481C1C}">
                 <a14:useLocalDpi xmlns:a14="http://schemas.microsoft.com/office/drawing/2010/main" val="0"/>
               </a:ext>
               <a:ext uri="{837473B0-CC2E-450A-ABE3-18F120FF3D39}">
-                <a1611:picAttrSrcUrl xmlns:a1611="http://schemas.microsoft.com/office/drawing/2016/11/main" r:id="rId3"/>
+                <a1611:picAttrSrcUrl xmlns:a1611="http://schemas.microsoft.com/office/drawing/2016/11/main" r:id="rId4"/>
               </a:ext>
             </a:extLst>
           </a:blip>
@@ -36632,13 +40447,13 @@
           <p:nvPr/>
         </p:nvPicPr>
         <p:blipFill>
-          <a:blip r:embed="rId4">
+          <a:blip r:embed="rId5">
             <a:extLst>
               <a:ext uri="{28A0092B-C50C-407E-A947-70E740481C1C}">
                 <a14:useLocalDpi xmlns:a14="http://schemas.microsoft.com/office/drawing/2010/main" val="0"/>
               </a:ext>
               <a:ext uri="{837473B0-CC2E-450A-ABE3-18F120FF3D39}">
-                <a1611:picAttrSrcUrl xmlns:a1611="http://schemas.microsoft.com/office/drawing/2016/11/main" r:id="rId5"/>
+                <a1611:picAttrSrcUrl xmlns:a1611="http://schemas.microsoft.com/office/drawing/2016/11/main" r:id="rId6"/>
               </a:ext>
             </a:extLst>
           </a:blip>
@@ -37018,7 +40833,7 @@
           <p:nvPr/>
         </p:nvPicPr>
         <p:blipFill rotWithShape="1">
-          <a:blip r:embed="rId2">
+          <a:blip r:embed="rId3">
             <a:extLst>
               <a:ext uri="{28A0092B-C50C-407E-A947-70E740481C1C}">
                 <a14:useLocalDpi xmlns:a14="http://schemas.microsoft.com/office/drawing/2010/main" val="0"/>
@@ -37126,7 +40941,7 @@
         </p:xfrm>
         <a:graphic>
           <a:graphicData uri="http://schemas.openxmlformats.org/drawingml/2006/diagram">
-            <dgm:relIds xmlns:dgm="http://schemas.openxmlformats.org/drawingml/2006/diagram" xmlns:r="http://schemas.openxmlformats.org/officeDocument/2006/relationships" r:dm="rId3" r:lo="rId4" r:qs="rId5" r:cs="rId6"/>
+            <dgm:relIds xmlns:dgm="http://schemas.openxmlformats.org/drawingml/2006/diagram" xmlns:r="http://schemas.openxmlformats.org/officeDocument/2006/relationships" r:dm="rId4" r:lo="rId5" r:qs="rId6" r:cs="rId7"/>
           </a:graphicData>
         </a:graphic>
       </p:graphicFrame>
@@ -37822,7 +41637,7 @@
             <p:ph idx="1"/>
             <p:extLst>
               <p:ext uri="{D42A27DB-BD31-4B8C-83A1-F6EECF244321}">
-                <p14:modId xmlns:p14="http://schemas.microsoft.com/office/powerpoint/2010/main" val="3857050946"/>
+                <p14:modId xmlns:p14="http://schemas.microsoft.com/office/powerpoint/2010/main" val="551218504"/>
               </p:ext>
             </p:extLst>
           </p:nvPr>
@@ -37833,7 +41648,7 @@
         </p:xfrm>
         <a:graphic>
           <a:graphicData uri="http://schemas.openxmlformats.org/drawingml/2006/diagram">
-            <dgm:relIds xmlns:dgm="http://schemas.openxmlformats.org/drawingml/2006/diagram" xmlns:r="http://schemas.openxmlformats.org/officeDocument/2006/relationships" r:dm="rId2" r:lo="rId3" r:qs="rId4" r:cs="rId5"/>
+            <dgm:relIds xmlns:dgm="http://schemas.openxmlformats.org/drawingml/2006/diagram" xmlns:r="http://schemas.openxmlformats.org/officeDocument/2006/relationships" r:dm="rId3" r:lo="rId4" r:qs="rId5" r:cs="rId6"/>
           </a:graphicData>
         </a:graphic>
       </p:graphicFrame>
@@ -38313,6 +42128,283 @@
   <p:clrMapOvr>
     <a:overrideClrMapping bg1="dk1" tx1="lt1" bg2="dk2" tx2="lt2" accent1="accent1" accent2="accent2" accent3="accent3" accent4="accent4" accent5="accent5" accent6="accent6" hlink="hlink" folHlink="folHlink"/>
   </p:clrMapOvr>
+  <p:timing>
+    <p:tnLst>
+      <p:par>
+        <p:cTn id="1" dur="indefinite" restart="never" nodeType="tmRoot">
+          <p:childTnLst>
+            <p:seq concurrent="1" nextAc="seek">
+              <p:cTn id="2" dur="indefinite" nodeType="mainSeq">
+                <p:childTnLst>
+                  <p:par>
+                    <p:cTn id="3" fill="hold">
+                      <p:stCondLst>
+                        <p:cond delay="indefinite"/>
+                      </p:stCondLst>
+                      <p:childTnLst>
+                        <p:par>
+                          <p:cTn id="4" fill="hold">
+                            <p:stCondLst>
+                              <p:cond delay="0"/>
+                            </p:stCondLst>
+                            <p:childTnLst>
+                              <p:par>
+                                <p:cTn id="5" presetID="1" presetClass="entr" presetSubtype="0" fill="hold" grpId="0" nodeType="clickEffect">
+                                  <p:stCondLst>
+                                    <p:cond delay="0"/>
+                                  </p:stCondLst>
+                                  <p:childTnLst>
+                                    <p:set>
+                                      <p:cBhvr>
+                                        <p:cTn id="6" dur="1" fill="hold">
+                                          <p:stCondLst>
+                                            <p:cond delay="0"/>
+                                          </p:stCondLst>
+                                        </p:cTn>
+                                        <p:tgtEl>
+                                          <p:spTgt spid="6">
+                                            <p:graphicEl>
+                                              <a:dgm id="{26C35023-4B58-46EF-B0E6-AD612E0487B3}"/>
+                                            </p:graphicEl>
+                                          </p:spTgt>
+                                        </p:tgtEl>
+                                        <p:attrNameLst>
+                                          <p:attrName>style.visibility</p:attrName>
+                                        </p:attrNameLst>
+                                      </p:cBhvr>
+                                      <p:to>
+                                        <p:strVal val="visible"/>
+                                      </p:to>
+                                    </p:set>
+                                  </p:childTnLst>
+                                </p:cTn>
+                              </p:par>
+                              <p:par>
+                                <p:cTn id="7" presetID="1" presetClass="entr" presetSubtype="0" fill="hold" grpId="0" nodeType="withEffect">
+                                  <p:stCondLst>
+                                    <p:cond delay="0"/>
+                                  </p:stCondLst>
+                                  <p:childTnLst>
+                                    <p:set>
+                                      <p:cBhvr>
+                                        <p:cTn id="8" dur="1" fill="hold">
+                                          <p:stCondLst>
+                                            <p:cond delay="0"/>
+                                          </p:stCondLst>
+                                        </p:cTn>
+                                        <p:tgtEl>
+                                          <p:spTgt spid="6">
+                                            <p:graphicEl>
+                                              <a:dgm id="{E2EC9C68-3FFE-435C-BDFD-D9BFA9BA3D52}"/>
+                                            </p:graphicEl>
+                                          </p:spTgt>
+                                        </p:tgtEl>
+                                        <p:attrNameLst>
+                                          <p:attrName>style.visibility</p:attrName>
+                                        </p:attrNameLst>
+                                      </p:cBhvr>
+                                      <p:to>
+                                        <p:strVal val="visible"/>
+                                      </p:to>
+                                    </p:set>
+                                  </p:childTnLst>
+                                </p:cTn>
+                              </p:par>
+                            </p:childTnLst>
+                          </p:cTn>
+                        </p:par>
+                      </p:childTnLst>
+                    </p:cTn>
+                  </p:par>
+                  <p:par>
+                    <p:cTn id="9" fill="hold">
+                      <p:stCondLst>
+                        <p:cond delay="indefinite"/>
+                      </p:stCondLst>
+                      <p:childTnLst>
+                        <p:par>
+                          <p:cTn id="10" fill="hold">
+                            <p:stCondLst>
+                              <p:cond delay="0"/>
+                            </p:stCondLst>
+                            <p:childTnLst>
+                              <p:par>
+                                <p:cTn id="11" presetID="1" presetClass="entr" presetSubtype="0" fill="hold" grpId="0" nodeType="clickEffect">
+                                  <p:stCondLst>
+                                    <p:cond delay="0"/>
+                                  </p:stCondLst>
+                                  <p:childTnLst>
+                                    <p:set>
+                                      <p:cBhvr>
+                                        <p:cTn id="12" dur="1" fill="hold">
+                                          <p:stCondLst>
+                                            <p:cond delay="0"/>
+                                          </p:stCondLst>
+                                        </p:cTn>
+                                        <p:tgtEl>
+                                          <p:spTgt spid="6">
+                                            <p:graphicEl>
+                                              <a:dgm id="{280E6D8E-20BB-46CB-98C6-7350DF1CEA6E}"/>
+                                            </p:graphicEl>
+                                          </p:spTgt>
+                                        </p:tgtEl>
+                                        <p:attrNameLst>
+                                          <p:attrName>style.visibility</p:attrName>
+                                        </p:attrNameLst>
+                                      </p:cBhvr>
+                                      <p:to>
+                                        <p:strVal val="visible"/>
+                                      </p:to>
+                                    </p:set>
+                                  </p:childTnLst>
+                                </p:cTn>
+                              </p:par>
+                              <p:par>
+                                <p:cTn id="13" presetID="1" presetClass="entr" presetSubtype="0" fill="hold" grpId="0" nodeType="withEffect">
+                                  <p:stCondLst>
+                                    <p:cond delay="0"/>
+                                  </p:stCondLst>
+                                  <p:childTnLst>
+                                    <p:set>
+                                      <p:cBhvr>
+                                        <p:cTn id="14" dur="1" fill="hold">
+                                          <p:stCondLst>
+                                            <p:cond delay="0"/>
+                                          </p:stCondLst>
+                                        </p:cTn>
+                                        <p:tgtEl>
+                                          <p:spTgt spid="6">
+                                            <p:graphicEl>
+                                              <a:dgm id="{DCC93AAB-1F26-4CD7-81B3-C5959C5E5F00}"/>
+                                            </p:graphicEl>
+                                          </p:spTgt>
+                                        </p:tgtEl>
+                                        <p:attrNameLst>
+                                          <p:attrName>style.visibility</p:attrName>
+                                        </p:attrNameLst>
+                                      </p:cBhvr>
+                                      <p:to>
+                                        <p:strVal val="visible"/>
+                                      </p:to>
+                                    </p:set>
+                                  </p:childTnLst>
+                                </p:cTn>
+                              </p:par>
+                            </p:childTnLst>
+                          </p:cTn>
+                        </p:par>
+                      </p:childTnLst>
+                    </p:cTn>
+                  </p:par>
+                  <p:par>
+                    <p:cTn id="15" fill="hold">
+                      <p:stCondLst>
+                        <p:cond delay="indefinite"/>
+                      </p:stCondLst>
+                      <p:childTnLst>
+                        <p:par>
+                          <p:cTn id="16" fill="hold">
+                            <p:stCondLst>
+                              <p:cond delay="0"/>
+                            </p:stCondLst>
+                            <p:childTnLst>
+                              <p:par>
+                                <p:cTn id="17" presetID="1" presetClass="entr" presetSubtype="0" fill="hold" grpId="0" nodeType="clickEffect">
+                                  <p:stCondLst>
+                                    <p:cond delay="0"/>
+                                  </p:stCondLst>
+                                  <p:childTnLst>
+                                    <p:set>
+                                      <p:cBhvr>
+                                        <p:cTn id="18" dur="1" fill="hold">
+                                          <p:stCondLst>
+                                            <p:cond delay="0"/>
+                                          </p:stCondLst>
+                                        </p:cTn>
+                                        <p:tgtEl>
+                                          <p:spTgt spid="6">
+                                            <p:graphicEl>
+                                              <a:dgm id="{9D39359B-6295-435F-BB12-6B1681DCB10C}"/>
+                                            </p:graphicEl>
+                                          </p:spTgt>
+                                        </p:tgtEl>
+                                        <p:attrNameLst>
+                                          <p:attrName>style.visibility</p:attrName>
+                                        </p:attrNameLst>
+                                      </p:cBhvr>
+                                      <p:to>
+                                        <p:strVal val="visible"/>
+                                      </p:to>
+                                    </p:set>
+                                  </p:childTnLst>
+                                </p:cTn>
+                              </p:par>
+                              <p:par>
+                                <p:cTn id="19" presetID="1" presetClass="entr" presetSubtype="0" fill="hold" grpId="0" nodeType="withEffect">
+                                  <p:stCondLst>
+                                    <p:cond delay="0"/>
+                                  </p:stCondLst>
+                                  <p:childTnLst>
+                                    <p:set>
+                                      <p:cBhvr>
+                                        <p:cTn id="20" dur="1" fill="hold">
+                                          <p:stCondLst>
+                                            <p:cond delay="0"/>
+                                          </p:stCondLst>
+                                        </p:cTn>
+                                        <p:tgtEl>
+                                          <p:spTgt spid="6">
+                                            <p:graphicEl>
+                                              <a:dgm id="{1ABCCAD8-A36A-4F18-8117-18D694220E7F}"/>
+                                            </p:graphicEl>
+                                          </p:spTgt>
+                                        </p:tgtEl>
+                                        <p:attrNameLst>
+                                          <p:attrName>style.visibility</p:attrName>
+                                        </p:attrNameLst>
+                                      </p:cBhvr>
+                                      <p:to>
+                                        <p:strVal val="visible"/>
+                                      </p:to>
+                                    </p:set>
+                                  </p:childTnLst>
+                                </p:cTn>
+                              </p:par>
+                            </p:childTnLst>
+                          </p:cTn>
+                        </p:par>
+                      </p:childTnLst>
+                    </p:cTn>
+                  </p:par>
+                </p:childTnLst>
+              </p:cTn>
+              <p:prevCondLst>
+                <p:cond evt="onPrev" delay="0">
+                  <p:tgtEl>
+                    <p:sldTgt/>
+                  </p:tgtEl>
+                </p:cond>
+              </p:prevCondLst>
+              <p:nextCondLst>
+                <p:cond evt="onNext" delay="0">
+                  <p:tgtEl>
+                    <p:sldTgt/>
+                  </p:tgtEl>
+                </p:cond>
+              </p:nextCondLst>
+            </p:seq>
+          </p:childTnLst>
+        </p:cTn>
+      </p:par>
+    </p:tnLst>
+    <p:bldLst>
+      <p:bldGraphic spid="6" grpId="0">
+        <p:bldSub>
+          <a:bldDgm bld="one"/>
+        </p:bldSub>
+      </p:bldGraphic>
+    </p:bldLst>
+  </p:timing>
 </p:sld>
 </file>
 
@@ -38880,7 +42972,7 @@
         </p:xfrm>
         <a:graphic>
           <a:graphicData uri="http://schemas.openxmlformats.org/drawingml/2006/diagram">
-            <dgm:relIds xmlns:dgm="http://schemas.openxmlformats.org/drawingml/2006/diagram" xmlns:r="http://schemas.openxmlformats.org/officeDocument/2006/relationships" r:dm="rId2" r:lo="rId3" r:qs="rId4" r:cs="rId5"/>
+            <dgm:relIds xmlns:dgm="http://schemas.openxmlformats.org/drawingml/2006/diagram" xmlns:r="http://schemas.openxmlformats.org/officeDocument/2006/relationships" r:dm="rId3" r:lo="rId4" r:qs="rId5" r:cs="rId6"/>
           </a:graphicData>
         </a:graphic>
       </p:graphicFrame>
@@ -41058,7 +45150,7 @@
             <p:ph idx="1"/>
             <p:extLst>
               <p:ext uri="{D42A27DB-BD31-4B8C-83A1-F6EECF244321}">
-                <p14:modId xmlns:p14="http://schemas.microsoft.com/office/powerpoint/2010/main" val="789044377"/>
+                <p14:modId xmlns:p14="http://schemas.microsoft.com/office/powerpoint/2010/main" val="4182454354"/>
               </p:ext>
             </p:extLst>
           </p:nvPr>
@@ -41069,7 +45161,7 @@
         </p:xfrm>
         <a:graphic>
           <a:graphicData uri="http://schemas.openxmlformats.org/drawingml/2006/diagram">
-            <dgm:relIds xmlns:dgm="http://schemas.openxmlformats.org/drawingml/2006/diagram" xmlns:r="http://schemas.openxmlformats.org/officeDocument/2006/relationships" r:dm="rId2" r:lo="rId3" r:qs="rId4" r:cs="rId5"/>
+            <dgm:relIds xmlns:dgm="http://schemas.openxmlformats.org/drawingml/2006/diagram" xmlns:r="http://schemas.openxmlformats.org/officeDocument/2006/relationships" r:dm="rId3" r:lo="rId4" r:qs="rId5" r:cs="rId6"/>
           </a:graphicData>
         </a:graphic>
       </p:graphicFrame>
@@ -41468,7 +45560,7 @@
                                         <p:tgtEl>
                                           <p:spTgt spid="5">
                                             <p:graphicEl>
-                                              <a:dgm id="{13C9E61F-D1EF-4E00-A4D9-407497265071}"/>
+                                              <a:dgm id="{A962002E-C97F-4F35-B73D-908EEDC019BB}"/>
                                             </p:graphicEl>
                                           </p:spTgt>
                                         </p:tgtEl>
@@ -41492,86 +45584,6 @@
                                     <p:set>
                                       <p:cBhvr>
                                         <p:cTn id="32" dur="1" fill="hold">
-                                          <p:stCondLst>
-                                            <p:cond delay="0"/>
-                                          </p:stCondLst>
-                                        </p:cTn>
-                                        <p:tgtEl>
-                                          <p:spTgt spid="5">
-                                            <p:graphicEl>
-                                              <a:dgm id="{7DD86601-8F28-44EF-AD08-277CF95825A6}"/>
-                                            </p:graphicEl>
-                                          </p:spTgt>
-                                        </p:tgtEl>
-                                        <p:attrNameLst>
-                                          <p:attrName>style.visibility</p:attrName>
-                                        </p:attrNameLst>
-                                      </p:cBhvr>
-                                      <p:to>
-                                        <p:strVal val="visible"/>
-                                      </p:to>
-                                    </p:set>
-                                  </p:childTnLst>
-                                </p:cTn>
-                              </p:par>
-                            </p:childTnLst>
-                          </p:cTn>
-                        </p:par>
-                      </p:childTnLst>
-                    </p:cTn>
-                  </p:par>
-                  <p:par>
-                    <p:cTn id="33" fill="hold">
-                      <p:stCondLst>
-                        <p:cond delay="indefinite"/>
-                      </p:stCondLst>
-                      <p:childTnLst>
-                        <p:par>
-                          <p:cTn id="34" fill="hold">
-                            <p:stCondLst>
-                              <p:cond delay="0"/>
-                            </p:stCondLst>
-                            <p:childTnLst>
-                              <p:par>
-                                <p:cTn id="35" presetID="1" presetClass="entr" presetSubtype="0" fill="hold" grpId="0" nodeType="clickEffect">
-                                  <p:stCondLst>
-                                    <p:cond delay="0"/>
-                                  </p:stCondLst>
-                                  <p:childTnLst>
-                                    <p:set>
-                                      <p:cBhvr>
-                                        <p:cTn id="36" dur="1" fill="hold">
-                                          <p:stCondLst>
-                                            <p:cond delay="0"/>
-                                          </p:stCondLst>
-                                        </p:cTn>
-                                        <p:tgtEl>
-                                          <p:spTgt spid="5">
-                                            <p:graphicEl>
-                                              <a:dgm id="{A962002E-C97F-4F35-B73D-908EEDC019BB}"/>
-                                            </p:graphicEl>
-                                          </p:spTgt>
-                                        </p:tgtEl>
-                                        <p:attrNameLst>
-                                          <p:attrName>style.visibility</p:attrName>
-                                        </p:attrNameLst>
-                                      </p:cBhvr>
-                                      <p:to>
-                                        <p:strVal val="visible"/>
-                                      </p:to>
-                                    </p:set>
-                                  </p:childTnLst>
-                                </p:cTn>
-                              </p:par>
-                              <p:par>
-                                <p:cTn id="37" presetID="1" presetClass="entr" presetSubtype="0" fill="hold" grpId="0" nodeType="withEffect">
-                                  <p:stCondLst>
-                                    <p:cond delay="0"/>
-                                  </p:stCondLst>
-                                  <p:childTnLst>
-                                    <p:set>
-                                      <p:cBhvr>
-                                        <p:cTn id="38" dur="1" fill="hold">
                                           <p:stCondLst>
                                             <p:cond delay="0"/>
                                           </p:stCondLst>

--- a/presentations/PowerShell_Presentation.pptx
+++ b/presentations/PowerShell_Presentation.pptx
@@ -28493,7 +28493,7 @@
           <a:p>
             <a:fld id="{01C460B3-1631-4DC9-97B7-F8761921B0CA}" type="datetimeFigureOut">
               <a:rPr lang="en-US" smtClean="0"/>
-              <a:t>11/14/2019</a:t>
+              <a:t>11/15/2019</a:t>
             </a:fld>
             <a:endParaRPr lang="en-US"/>
           </a:p>
@@ -29896,6 +29896,10 @@
           <a:bodyPr/>
           <a:lstStyle/>
           <a:p>
+            <a:r>
+              <a:rPr lang="en-US" dirty="0" err="1"/>
+              <a:t>sxa</a:t>
+            </a:r>
             <a:endParaRPr lang="en-US" dirty="0"/>
           </a:p>
         </p:txBody>
@@ -33620,7 +33624,7 @@
           <a:p>
             <a:fld id="{52A4E9ED-0ECB-4629-9B9B-99B6A934C592}" type="datetime1">
               <a:rPr lang="en-US" smtClean="0"/>
-              <a:t>11/14/2019</a:t>
+              <a:t>11/15/2019</a:t>
             </a:fld>
             <a:endParaRPr lang="en-US"/>
           </a:p>
@@ -33818,7 +33822,7 @@
           <a:p>
             <a:fld id="{1777C2C9-3B50-4973-81D4-E88A3F9E8BEF}" type="datetime1">
               <a:rPr lang="en-US" smtClean="0"/>
-              <a:t>11/14/2019</a:t>
+              <a:t>11/15/2019</a:t>
             </a:fld>
             <a:endParaRPr lang="en-US"/>
           </a:p>
@@ -34026,7 +34030,7 @@
           <a:p>
             <a:fld id="{0BD323A4-FF8B-4651-BDD8-70A677AD1E5E}" type="datetime1">
               <a:rPr lang="en-US" smtClean="0"/>
-              <a:t>11/14/2019</a:t>
+              <a:t>11/15/2019</a:t>
             </a:fld>
             <a:endParaRPr lang="en-US"/>
           </a:p>
@@ -34224,7 +34228,7 @@
           <a:p>
             <a:fld id="{3BD3484D-D555-498D-A67B-B9A5E4A2EDB5}" type="datetime1">
               <a:rPr lang="en-US" smtClean="0"/>
-              <a:t>11/14/2019</a:t>
+              <a:t>11/15/2019</a:t>
             </a:fld>
             <a:endParaRPr lang="en-US"/>
           </a:p>
@@ -34499,7 +34503,7 @@
           <a:p>
             <a:fld id="{AAE8FDE2-42B0-4675-9D27-0E72CF8FA9F8}" type="datetime1">
               <a:rPr lang="en-US" smtClean="0"/>
-              <a:t>11/14/2019</a:t>
+              <a:t>11/15/2019</a:t>
             </a:fld>
             <a:endParaRPr lang="en-US"/>
           </a:p>
@@ -34764,7 +34768,7 @@
           <a:p>
             <a:fld id="{7C184994-C499-41DB-B32B-438158ADBBB7}" type="datetime1">
               <a:rPr lang="en-US" smtClean="0"/>
-              <a:t>11/14/2019</a:t>
+              <a:t>11/15/2019</a:t>
             </a:fld>
             <a:endParaRPr lang="en-US"/>
           </a:p>
@@ -35176,7 +35180,7 @@
           <a:p>
             <a:fld id="{D6C32B28-75BE-4087-8A52-8F12C3F2B4D2}" type="datetime1">
               <a:rPr lang="en-US" smtClean="0"/>
-              <a:t>11/14/2019</a:t>
+              <a:t>11/15/2019</a:t>
             </a:fld>
             <a:endParaRPr lang="en-US"/>
           </a:p>
@@ -35317,7 +35321,7 @@
           <a:p>
             <a:fld id="{1F3DEDCD-1158-4D81-9597-0EFCB0A3039B}" type="datetime1">
               <a:rPr lang="en-US" smtClean="0"/>
-              <a:t>11/14/2019</a:t>
+              <a:t>11/15/2019</a:t>
             </a:fld>
             <a:endParaRPr lang="en-US"/>
           </a:p>
@@ -35430,7 +35434,7 @@
           <a:p>
             <a:fld id="{012CD382-5588-4845-A26F-62411455AE34}" type="datetime1">
               <a:rPr lang="en-US" smtClean="0"/>
-              <a:t>11/14/2019</a:t>
+              <a:t>11/15/2019</a:t>
             </a:fld>
             <a:endParaRPr lang="en-US"/>
           </a:p>
@@ -35741,7 +35745,7 @@
           <a:p>
             <a:fld id="{09073765-5658-4B75-8A1B-E5B7D2AAB837}" type="datetime1">
               <a:rPr lang="en-US" smtClean="0"/>
-              <a:t>11/14/2019</a:t>
+              <a:t>11/15/2019</a:t>
             </a:fld>
             <a:endParaRPr lang="en-US"/>
           </a:p>
@@ -36029,7 +36033,7 @@
           <a:p>
             <a:fld id="{DA22FB4C-3806-49AF-B8D2-3CE0C8C25B5F}" type="datetime1">
               <a:rPr lang="en-US" smtClean="0"/>
-              <a:t>11/14/2019</a:t>
+              <a:t>11/15/2019</a:t>
             </a:fld>
             <a:endParaRPr lang="en-US"/>
           </a:p>
@@ -36270,7 +36274,7 @@
           <a:p>
             <a:fld id="{6E8769B8-D71B-4AD7-9399-F73309B22C43}" type="datetime1">
               <a:rPr lang="en-US" smtClean="0"/>
-              <a:t>11/14/2019</a:t>
+              <a:t>11/15/2019</a:t>
             </a:fld>
             <a:endParaRPr lang="en-US"/>
           </a:p>
@@ -38922,6 +38926,34 @@
             </a:r>
             <a:endParaRPr lang="en-US" sz="2000" dirty="0"/>
           </a:p>
+          <a:p>
+            <a:endParaRPr lang="en-US" sz="2000" dirty="0"/>
+          </a:p>
+          <a:p>
+            <a:pPr marL="0" indent="0">
+              <a:buNone/>
+            </a:pPr>
+            <a:r>
+              <a:rPr lang="en-US" sz="2000" dirty="0"/>
+              <a:t>Download PowerPoint and demo files here: </a:t>
+            </a:r>
+            <a:r>
+              <a:rPr lang="en-US" sz="3200" dirty="0">
+                <a:hlinkClick r:id="rId4">
+                  <a:extLst>
+                    <a:ext uri="{A12FA001-AC4F-418D-AE19-62706E023703}">
+                      <ahyp:hlinkClr xmlns:ahyp="http://schemas.microsoft.com/office/drawing/2018/hyperlinkcolor" val="tx"/>
+                    </a:ext>
+                  </a:extLst>
+                </a:hlinkClick>
+              </a:rPr>
+              <a:t>https://cutt.ly/ZeDVYtm</a:t>
+            </a:r>
+            <a:r>
+              <a:rPr lang="en-US" sz="2000" dirty="0"/>
+              <a:t> </a:t>
+            </a:r>
+          </a:p>
         </p:txBody>
       </p:sp>
       <p:sp>
@@ -39106,7 +39138,7 @@
           <p:nvPr/>
         </p:nvPicPr>
         <p:blipFill rotWithShape="1">
-          <a:blip r:embed="rId4">
+          <a:blip r:embed="rId5">
             <a:extLst>
               <a:ext uri="{28A0092B-C50C-407E-A947-70E740481C1C}">
                 <a14:useLocalDpi xmlns:a14="http://schemas.microsoft.com/office/drawing/2010/main" val="0"/>
